--- a/documents/K8s_Knowledge_Sharing.pptx
+++ b/documents/K8s_Knowledge_Sharing.pptx
@@ -36,6 +36,9 @@
     <p:sldId id="278" r:id="rId31"/>
     <p:sldId id="279" r:id="rId32"/>
     <p:sldId id="280" r:id="rId33"/>
+    <p:sldId id="281" r:id="rId34"/>
+    <p:sldId id="282" r:id="rId35"/>
+    <p:sldId id="283" r:id="rId36"/>
   </p:sldIdLst>
   <p:sldSz cx="12192000" cy="6858000"/>
   <p:notesSz cx="7559675" cy="10691812"/>
@@ -9567,7 +9570,7 @@
         <p:spPr>
           <a:xfrm>
             <a:off x="0" y="0"/>
-            <a:ext cx="12186720" cy="5146920"/>
+            <a:ext cx="12186360" cy="5146560"/>
           </a:xfrm>
           <a:prstGeom prst="rect">
             <a:avLst/>
@@ -9609,7 +9612,7 @@
         <p:spPr>
           <a:xfrm>
             <a:off x="10582200" y="5243760"/>
-            <a:ext cx="1352520" cy="1352520"/>
+            <a:ext cx="1352160" cy="1352160"/>
           </a:xfrm>
           <a:prstGeom prst="rect">
             <a:avLst/>
@@ -9628,7 +9631,7 @@
         <p:spPr>
           <a:xfrm>
             <a:off x="1637280" y="753120"/>
-            <a:ext cx="7853040" cy="3934080"/>
+            <a:ext cx="7852680" cy="3933720"/>
           </a:xfrm>
           <a:prstGeom prst="rect">
             <a:avLst/>
@@ -9668,7 +9671,7 @@
         <p:spPr>
           <a:xfrm>
             <a:off x="7681680" y="1234080"/>
-            <a:ext cx="3842640" cy="3683160"/>
+            <a:ext cx="3842280" cy="3682800"/>
           </a:xfrm>
           <a:prstGeom prst="rect">
             <a:avLst/>
@@ -9947,7 +9950,7 @@
         <p:spPr>
           <a:xfrm>
             <a:off x="0" y="6719040"/>
-            <a:ext cx="12186720" cy="147600"/>
+            <a:ext cx="12186360" cy="147240"/>
           </a:xfrm>
           <a:prstGeom prst="rect">
             <a:avLst/>
@@ -10285,7 +10288,7 @@
         <p:spPr>
           <a:xfrm>
             <a:off x="0" y="0"/>
-            <a:ext cx="4771800" cy="6852600"/>
+            <a:ext cx="4771440" cy="6852240"/>
           </a:xfrm>
           <a:prstGeom prst="rect">
             <a:avLst/>
@@ -10323,7 +10326,7 @@
         <p:spPr>
           <a:xfrm>
             <a:off x="1166760" y="2958480"/>
-            <a:ext cx="2390400" cy="759960"/>
+            <a:ext cx="2390040" cy="759960"/>
           </a:xfrm>
           <a:prstGeom prst="rect">
             <a:avLst/>
@@ -10374,7 +10377,7 @@
         <p:spPr>
           <a:xfrm>
             <a:off x="828360" y="1931400"/>
-            <a:ext cx="3066840" cy="2989800"/>
+            <a:ext cx="3066480" cy="2989440"/>
           </a:xfrm>
           <a:prstGeom prst="rect">
             <a:avLst/>
@@ -10410,7 +10413,7 @@
         <p:spPr>
           <a:xfrm>
             <a:off x="0" y="6719040"/>
-            <a:ext cx="12186720" cy="147600"/>
+            <a:ext cx="12186360" cy="147240"/>
           </a:xfrm>
           <a:prstGeom prst="rect">
             <a:avLst/>
@@ -10714,7 +10717,7 @@
         <p:spPr>
           <a:xfrm>
             <a:off x="0" y="6719040"/>
-            <a:ext cx="12186720" cy="147600"/>
+            <a:ext cx="12186360" cy="147240"/>
           </a:xfrm>
           <a:prstGeom prst="rect">
             <a:avLst/>
@@ -11196,7 +11199,7 @@
         <p:spPr>
           <a:xfrm>
             <a:off x="0" y="6719040"/>
-            <a:ext cx="12186720" cy="147600"/>
+            <a:ext cx="12186360" cy="147240"/>
           </a:xfrm>
           <a:prstGeom prst="rect">
             <a:avLst/>
@@ -11678,7 +11681,7 @@
         <p:spPr>
           <a:xfrm>
             <a:off x="0" y="6719040"/>
-            <a:ext cx="12186720" cy="147600"/>
+            <a:ext cx="12186360" cy="147240"/>
           </a:xfrm>
           <a:prstGeom prst="rect">
             <a:avLst/>
@@ -11982,7 +11985,7 @@
         <p:spPr>
           <a:xfrm>
             <a:off x="0" y="0"/>
-            <a:ext cx="12186720" cy="5146920"/>
+            <a:ext cx="12186360" cy="5146560"/>
           </a:xfrm>
           <a:prstGeom prst="rect">
             <a:avLst/>
@@ -12020,7 +12023,7 @@
         <p:spPr>
           <a:xfrm>
             <a:off x="2915640" y="1431720"/>
-            <a:ext cx="6355440" cy="2725920"/>
+            <a:ext cx="6355080" cy="2725560"/>
           </a:xfrm>
           <a:prstGeom prst="rect">
             <a:avLst/>
@@ -12060,7 +12063,7 @@
         <p:spPr>
           <a:xfrm>
             <a:off x="10991880" y="5744160"/>
-            <a:ext cx="952920" cy="952920"/>
+            <a:ext cx="952560" cy="952560"/>
           </a:xfrm>
           <a:prstGeom prst="rect">
             <a:avLst/>
@@ -12079,7 +12082,7 @@
         <p:spPr>
           <a:xfrm>
             <a:off x="3764880" y="2243520"/>
-            <a:ext cx="4640760" cy="1095120"/>
+            <a:ext cx="4640400" cy="1095120"/>
           </a:xfrm>
           <a:prstGeom prst="rect">
             <a:avLst/>
@@ -12403,7 +12406,7 @@
         <p:spPr>
           <a:xfrm>
             <a:off x="565560" y="6150240"/>
-            <a:ext cx="4177800" cy="288720"/>
+            <a:ext cx="4177440" cy="288360"/>
           </a:xfrm>
           <a:prstGeom prst="rect">
             <a:avLst/>
@@ -12429,7 +12432,7 @@
         <p:spPr>
           <a:xfrm>
             <a:off x="1316880" y="1056240"/>
-            <a:ext cx="7365960" cy="2954880"/>
+            <a:ext cx="7365600" cy="2954520"/>
           </a:xfrm>
           <a:prstGeom prst="rect">
             <a:avLst/>
@@ -12462,6 +12465,7 @@
                   <a:srgbClr val="ffffff"/>
                 </a:solidFill>
                 <a:latin typeface="Arial"/>
+                <a:ea typeface="DejaVu Sans"/>
               </a:rPr>
               <a:t>Kubernetes</a:t>
             </a:r>
@@ -12471,6 +12475,7 @@
                   <a:srgbClr val="ffffff"/>
                 </a:solidFill>
                 <a:latin typeface="Arial"/>
+                <a:ea typeface="DejaVu Sans"/>
               </a:rPr>
               <a:t> </a:t>
             </a:r>
@@ -12482,6 +12487,7 @@
                   <a:srgbClr val="ffffff"/>
                 </a:solidFill>
                 <a:latin typeface="Arial"/>
+                <a:ea typeface="DejaVu Sans"/>
               </a:rPr>
               <a:t>Knowledge Sharing and Learning</a:t>
             </a:r>
@@ -12500,7 +12506,7 @@
         <p:spPr>
           <a:xfrm>
             <a:off x="457200" y="5715000"/>
-            <a:ext cx="5939640" cy="358920"/>
+            <a:ext cx="5939280" cy="358560"/>
           </a:xfrm>
           <a:prstGeom prst="rect">
             <a:avLst/>
@@ -12538,6 +12544,7 @@
                   <a:srgbClr val="3c3e41"/>
                 </a:solidFill>
                 <a:latin typeface="Arial"/>
+                <a:ea typeface="DejaVu Sans"/>
               </a:rPr>
               <a:t>A part of DevOps knowledge sharing and learning courses</a:t>
             </a:r>
@@ -12602,7 +12609,7 @@
         <p:spPr>
           <a:xfrm>
             <a:off x="686160" y="0"/>
-            <a:ext cx="10968480" cy="1140840"/>
+            <a:ext cx="10968120" cy="1140480"/>
           </a:xfrm>
           <a:prstGeom prst="rect">
             <a:avLst/>
@@ -12668,7 +12675,7 @@
         <p:spPr>
           <a:xfrm>
             <a:off x="457200" y="1600200"/>
-            <a:ext cx="5350320" cy="911880"/>
+            <a:ext cx="5349960" cy="911520"/>
           </a:xfrm>
           <a:prstGeom prst="rect">
             <a:avLst/>
@@ -12692,7 +12699,7 @@
             <a:noAutofit/>
           </a:bodyPr>
           <a:p>
-            <a:pPr marL="432000" indent="-323280">
+            <a:pPr marL="432000" indent="-322920">
               <a:lnSpc>
                 <a:spcPct val="100000"/>
               </a:lnSpc>
@@ -12712,6 +12719,7 @@
                   <a:srgbClr val="3c3e41"/>
                 </a:solidFill>
                 <a:latin typeface="Arial"/>
+                <a:ea typeface="DejaVu Sans"/>
               </a:rPr>
               <a:t>A declarative template for pods and replicaSet</a:t>
             </a:r>
@@ -12720,7 +12728,7 @@
             </a:endParaRPr>
           </a:p>
           <a:p>
-            <a:pPr marL="432000" indent="-323280">
+            <a:pPr marL="432000" indent="-322920">
               <a:lnSpc>
                 <a:spcPct val="100000"/>
               </a:lnSpc>
@@ -12740,6 +12748,7 @@
                   <a:srgbClr val="3c3e41"/>
                 </a:solidFill>
                 <a:latin typeface="Arial"/>
+                <a:ea typeface="DejaVu Sans"/>
               </a:rPr>
               <a:t>Used for </a:t>
             </a:r>
@@ -12749,6 +12758,7 @@
                   <a:srgbClr val="c9211e"/>
                 </a:solidFill>
                 <a:latin typeface="Arial"/>
+                <a:ea typeface="DejaVu Sans"/>
               </a:rPr>
               <a:t>stateless</a:t>
             </a:r>
@@ -12758,6 +12768,7 @@
                   <a:srgbClr val="3c3e41"/>
                 </a:solidFill>
                 <a:latin typeface="Arial"/>
+                <a:ea typeface="DejaVu Sans"/>
               </a:rPr>
               <a:t> application</a:t>
             </a:r>
@@ -12776,7 +12787,7 @@
         <p:spPr>
           <a:xfrm>
             <a:off x="10515600" y="6202080"/>
-            <a:ext cx="1595880" cy="423000"/>
+            <a:ext cx="1595520" cy="422640"/>
           </a:xfrm>
           <a:prstGeom prst="rect">
             <a:avLst/>
@@ -12802,7 +12813,7 @@
                 <a:spcPct val="100000"/>
               </a:lnSpc>
             </a:pPr>
-            <a:fld id="{F8519ABC-62A2-4A0C-81A7-29C8653ABD01}" type="slidenum">
+            <a:fld id="{BD2FF90A-01A1-4AE4-97F3-88A896BACAB8}" type="slidenum">
               <a:rPr b="0" lang="en-US" sz="1600" spc="-1" strike="noStrike">
                 <a:solidFill>
                   <a:srgbClr val="000000"/>
@@ -12831,7 +12842,7 @@
         <p:spPr>
           <a:xfrm>
             <a:off x="2067120" y="2800800"/>
-            <a:ext cx="3415680" cy="2224800"/>
+            <a:ext cx="3415320" cy="2224440"/>
           </a:xfrm>
           <a:prstGeom prst="rect">
             <a:avLst/>
@@ -12854,7 +12865,7 @@
         <p:spPr>
           <a:xfrm>
             <a:off x="6134400" y="1505160"/>
-            <a:ext cx="2091600" cy="3520440"/>
+            <a:ext cx="2091240" cy="3520080"/>
           </a:xfrm>
           <a:prstGeom prst="rect">
             <a:avLst/>
@@ -12909,7 +12920,7 @@
         <p:spPr>
           <a:xfrm>
             <a:off x="686160" y="0"/>
-            <a:ext cx="10968480" cy="1140840"/>
+            <a:ext cx="10968120" cy="1140480"/>
           </a:xfrm>
           <a:prstGeom prst="rect">
             <a:avLst/>
@@ -12958,7 +12969,7 @@
                 <a:latin typeface="Arial"/>
                 <a:ea typeface="Noto Sans CJK SC"/>
               </a:rPr>
-              <a:t>StatefulSets</a:t>
+              <a:t>StatefulSet</a:t>
             </a:r>
             <a:endParaRPr b="0" lang="en-US" sz="2200" spc="-1" strike="noStrike">
               <a:latin typeface="Arial"/>
@@ -12975,7 +12986,7 @@
         <p:spPr>
           <a:xfrm>
             <a:off x="228600" y="1600920"/>
-            <a:ext cx="5257080" cy="4112280"/>
+            <a:ext cx="5256720" cy="4111920"/>
           </a:xfrm>
           <a:prstGeom prst="rect">
             <a:avLst/>
@@ -13013,6 +13024,7 @@
                   <a:srgbClr val="3c3e41"/>
                 </a:solidFill>
                 <a:latin typeface="Arial"/>
+                <a:ea typeface="DejaVu Sans"/>
               </a:rPr>
               <a:t>Similar to “deployment” but:</a:t>
             </a:r>
@@ -13021,7 +13033,7 @@
             </a:endParaRPr>
           </a:p>
           <a:p>
-            <a:pPr marL="432000" indent="-323280">
+            <a:pPr marL="432000" indent="-322920">
               <a:lnSpc>
                 <a:spcPct val="100000"/>
               </a:lnSpc>
@@ -13041,6 +13053,7 @@
                   <a:srgbClr val="3c3e41"/>
                 </a:solidFill>
                 <a:latin typeface="Arial"/>
+                <a:ea typeface="DejaVu Sans"/>
               </a:rPr>
               <a:t>Used for </a:t>
             </a:r>
@@ -13050,6 +13063,7 @@
                   <a:srgbClr val="c9211e"/>
                 </a:solidFill>
                 <a:latin typeface="Arial"/>
+                <a:ea typeface="DejaVu Sans"/>
               </a:rPr>
               <a:t>stateful</a:t>
             </a:r>
@@ -13059,6 +13073,7 @@
                   <a:srgbClr val="3c3e41"/>
                 </a:solidFill>
                 <a:latin typeface="Arial"/>
+                <a:ea typeface="DejaVu Sans"/>
               </a:rPr>
               <a:t> application</a:t>
             </a:r>
@@ -13067,7 +13082,7 @@
             </a:endParaRPr>
           </a:p>
           <a:p>
-            <a:pPr marL="432000" indent="-323280">
+            <a:pPr marL="432000" indent="-322920">
               <a:lnSpc>
                 <a:spcPct val="100000"/>
               </a:lnSpc>
@@ -13087,6 +13102,7 @@
                   <a:srgbClr val="3c3e41"/>
                 </a:solidFill>
                 <a:latin typeface="Arial"/>
+                <a:ea typeface="DejaVu Sans"/>
               </a:rPr>
               <a:t>There are 3 sections that can be updated on the fly:</a:t>
             </a:r>
@@ -13095,7 +13111,7 @@
             </a:endParaRPr>
           </a:p>
           <a:p>
-            <a:pPr lvl="1" marL="864000" indent="-323280">
+            <a:pPr lvl="1" marL="864000" indent="-322920">
               <a:lnSpc>
                 <a:spcPct val="100000"/>
               </a:lnSpc>
@@ -13115,6 +13131,7 @@
                   <a:srgbClr val="3c3e41"/>
                 </a:solidFill>
                 <a:latin typeface="Arial"/>
+                <a:ea typeface="DejaVu Sans"/>
               </a:rPr>
               <a:t>replicas</a:t>
             </a:r>
@@ -13123,7 +13140,7 @@
             </a:endParaRPr>
           </a:p>
           <a:p>
-            <a:pPr lvl="1" marL="864000" indent="-323280">
+            <a:pPr lvl="1" marL="864000" indent="-322920">
               <a:lnSpc>
                 <a:spcPct val="100000"/>
               </a:lnSpc>
@@ -13143,6 +13160,7 @@
                   <a:srgbClr val="3c3e41"/>
                 </a:solidFill>
                 <a:latin typeface="Arial"/>
+                <a:ea typeface="DejaVu Sans"/>
               </a:rPr>
               <a:t>template</a:t>
             </a:r>
@@ -13151,7 +13169,7 @@
             </a:endParaRPr>
           </a:p>
           <a:p>
-            <a:pPr lvl="1" marL="864000" indent="-323280">
+            <a:pPr lvl="1" marL="864000" indent="-322920">
               <a:lnSpc>
                 <a:spcPct val="100000"/>
               </a:lnSpc>
@@ -13171,6 +13189,7 @@
                   <a:srgbClr val="3c3e41"/>
                 </a:solidFill>
                 <a:latin typeface="Arial"/>
+                <a:ea typeface="DejaVu Sans"/>
               </a:rPr>
               <a:t>updateStrategy</a:t>
             </a:r>
@@ -13179,7 +13198,7 @@
             </a:endParaRPr>
           </a:p>
           <a:p>
-            <a:pPr marL="432000" indent="-323280">
+            <a:pPr marL="432000" indent="-322920">
               <a:lnSpc>
                 <a:spcPct val="100000"/>
               </a:lnSpc>
@@ -13199,6 +13218,7 @@
                   <a:srgbClr val="3c3e41"/>
                 </a:solidFill>
                 <a:latin typeface="Arial"/>
+                <a:ea typeface="DejaVu Sans"/>
               </a:rPr>
               <a:t>Ordered pod creation/deletion</a:t>
             </a:r>
@@ -13207,7 +13227,7 @@
             </a:endParaRPr>
           </a:p>
           <a:p>
-            <a:pPr marL="432000" indent="-323280">
+            <a:pPr marL="432000" indent="-322920">
               <a:lnSpc>
                 <a:spcPct val="100000"/>
               </a:lnSpc>
@@ -13227,6 +13247,7 @@
                   <a:srgbClr val="3c3e41"/>
                 </a:solidFill>
                 <a:latin typeface="Arial"/>
+                <a:ea typeface="DejaVu Sans"/>
               </a:rPr>
               <a:t>Pod can be accessed by it’s own service.</a:t>
             </a:r>
@@ -13245,7 +13266,7 @@
         <p:spPr>
           <a:xfrm>
             <a:off x="10515600" y="6202080"/>
-            <a:ext cx="1595880" cy="423000"/>
+            <a:ext cx="1595520" cy="422640"/>
           </a:xfrm>
           <a:prstGeom prst="rect">
             <a:avLst/>
@@ -13271,7 +13292,7 @@
                 <a:spcPct val="100000"/>
               </a:lnSpc>
             </a:pPr>
-            <a:fld id="{EBB7DF74-73EA-4F51-B7FA-1090AD787454}" type="slidenum">
+            <a:fld id="{0FA43E06-8ABE-427B-9846-B0A8EB07735E}" type="slidenum">
               <a:rPr b="0" lang="en-US" sz="1600" spc="-1" strike="noStrike">
                 <a:solidFill>
                   <a:srgbClr val="000000"/>
@@ -13300,7 +13321,7 @@
         <p:spPr>
           <a:xfrm>
             <a:off x="5715000" y="1600200"/>
-            <a:ext cx="4798800" cy="4113000"/>
+            <a:ext cx="4798440" cy="4112640"/>
           </a:xfrm>
           <a:prstGeom prst="rect">
             <a:avLst/>
@@ -13352,7 +13373,7 @@
         <p:spPr>
           <a:xfrm>
             <a:off x="686160" y="0"/>
-            <a:ext cx="10968480" cy="1140840"/>
+            <a:ext cx="10968120" cy="1140480"/>
           </a:xfrm>
           <a:prstGeom prst="rect">
             <a:avLst/>
@@ -13401,7 +13422,7 @@
                 <a:latin typeface="Arial"/>
                 <a:ea typeface="Noto Sans CJK SC"/>
               </a:rPr>
-              <a:t>Cronjob</a:t>
+              <a:t>DeamonSet</a:t>
             </a:r>
             <a:endParaRPr b="0" lang="en-US" sz="2200" spc="-1" strike="noStrike">
               <a:latin typeface="Arial"/>
@@ -13417,8 +13438,8 @@
         </p:nvSpPr>
         <p:spPr>
           <a:xfrm>
-            <a:off x="457200" y="1600200"/>
-            <a:ext cx="3884760" cy="911880"/>
+            <a:off x="91440" y="1600920"/>
+            <a:ext cx="5394960" cy="4111920"/>
           </a:xfrm>
           <a:prstGeom prst="rect">
             <a:avLst/>
@@ -13442,7 +13463,30 @@
             <a:noAutofit/>
           </a:bodyPr>
           <a:p>
-            <a:pPr marL="432000" indent="-323280">
+            <a:pPr>
+              <a:lnSpc>
+                <a:spcPct val="100000"/>
+              </a:lnSpc>
+              <a:spcBef>
+                <a:spcPts val="1417"/>
+              </a:spcBef>
+            </a:pPr>
+            <a:r>
+              <a:rPr b="0" lang="en-US" sz="1800" spc="-1" strike="noStrike">
+                <a:solidFill>
+                  <a:srgbClr val="3c3e41"/>
+                </a:solidFill>
+                <a:latin typeface="Arial"/>
+                <a:ea typeface="DejaVu Sans"/>
+              </a:rPr>
+              <a:t>Similar to “deployment” but:</a:t>
+            </a:r>
+            <a:endParaRPr b="0" lang="en-US" sz="1800" spc="-1" strike="noStrike">
+              <a:latin typeface="Arial"/>
+            </a:endParaRPr>
+          </a:p>
+          <a:p>
+            <a:pPr marL="432000" indent="-322920">
               <a:lnSpc>
                 <a:spcPct val="100000"/>
               </a:lnSpc>
@@ -13453,8 +13497,54 @@
                 <a:srgbClr val="000000"/>
               </a:buClr>
               <a:buSzPct val="45000"/>
-              <a:buFont typeface="Wingdings" charset="2"/>
-              <a:buChar char=""/>
+              <a:buFont typeface="Symbol"/>
+              <a:buChar char=""/>
+            </a:pPr>
+            <a:r>
+              <a:rPr b="0" lang="en-US" sz="1800" spc="-1" strike="noStrike">
+                <a:latin typeface="Arial"/>
+                <a:ea typeface="DejaVu Sans"/>
+              </a:rPr>
+              <a:t>Every node has one pod (master &amp; worker)</a:t>
+            </a:r>
+            <a:endParaRPr b="0" lang="en-US" sz="1800" spc="-1" strike="noStrike">
+              <a:latin typeface="Arial"/>
+            </a:endParaRPr>
+          </a:p>
+          <a:p>
+            <a:pPr marL="432000" indent="-322920">
+              <a:lnSpc>
+                <a:spcPct val="100000"/>
+              </a:lnSpc>
+              <a:spcBef>
+                <a:spcPts val="1417"/>
+              </a:spcBef>
+              <a:buClr>
+                <a:srgbClr val="000000"/>
+              </a:buClr>
+              <a:buSzPct val="45000"/>
+              <a:buFont typeface="Symbol"/>
+              <a:buChar char=""/>
+            </a:pPr>
+            <a:r>
+              <a:rPr b="0" lang="en-US" sz="1800" spc="-1" strike="noStrike">
+                <a:latin typeface="Arial"/>
+                <a:ea typeface="DejaVu Sans"/>
+              </a:rPr>
+              <a:t>Each Pod lifespan depends on it’s node.</a:t>
+            </a:r>
+            <a:endParaRPr b="0" lang="en-US" sz="1800" spc="-1" strike="noStrike">
+              <a:latin typeface="Arial"/>
+            </a:endParaRPr>
+          </a:p>
+          <a:p>
+            <a:pPr>
+              <a:lnSpc>
+                <a:spcPct val="100000"/>
+              </a:lnSpc>
+              <a:spcBef>
+                <a:spcPts val="1417"/>
+              </a:spcBef>
             </a:pPr>
             <a:r>
               <a:rPr b="0" lang="en-US" sz="1800" spc="-1" strike="noStrike">
@@ -13462,8 +13552,132 @@
                   <a:srgbClr val="3c3e41"/>
                 </a:solidFill>
                 <a:latin typeface="Arial"/>
-              </a:rPr>
-              <a:t>Automatic action triggered in every scheduled time</a:t>
+                <a:ea typeface="DejaVu Sans"/>
+              </a:rPr>
+              <a:t>Use cases: </a:t>
+            </a:r>
+            <a:endParaRPr b="0" lang="en-US" sz="1800" spc="-1" strike="noStrike">
+              <a:latin typeface="Arial"/>
+            </a:endParaRPr>
+          </a:p>
+          <a:p>
+            <a:pPr marL="432000" indent="-322920">
+              <a:lnSpc>
+                <a:spcPct val="100000"/>
+              </a:lnSpc>
+              <a:spcBef>
+                <a:spcPts val="1417"/>
+              </a:spcBef>
+              <a:buClr>
+                <a:srgbClr val="000000"/>
+              </a:buClr>
+              <a:buSzPct val="45000"/>
+              <a:buFont typeface="Symbol"/>
+              <a:buChar char=""/>
+            </a:pPr>
+            <a:r>
+              <a:rPr b="0" lang="en-US" sz="1800" spc="-1" strike="noStrike">
+                <a:solidFill>
+                  <a:srgbClr val="3c3e41"/>
+                </a:solidFill>
+                <a:latin typeface="Arial"/>
+                <a:ea typeface="DejaVu Sans"/>
+              </a:rPr>
+              <a:t>Install a monitoring agent per node</a:t>
+            </a:r>
+            <a:endParaRPr b="0" lang="en-US" sz="1800" spc="-1" strike="noStrike">
+              <a:latin typeface="Arial"/>
+            </a:endParaRPr>
+          </a:p>
+          <a:p>
+            <a:pPr marL="432000" indent="-322920">
+              <a:lnSpc>
+                <a:spcPct val="100000"/>
+              </a:lnSpc>
+              <a:spcBef>
+                <a:spcPts val="1417"/>
+              </a:spcBef>
+              <a:buClr>
+                <a:srgbClr val="000000"/>
+              </a:buClr>
+              <a:buSzPct val="45000"/>
+              <a:buFont typeface="Symbol"/>
+              <a:buChar char=""/>
+            </a:pPr>
+            <a:r>
+              <a:rPr b="0" lang="en-US" sz="1800" spc="-1" strike="noStrike">
+                <a:solidFill>
+                  <a:srgbClr val="3c3e41"/>
+                </a:solidFill>
+                <a:latin typeface="Arial"/>
+                <a:ea typeface="DejaVu Sans"/>
+              </a:rPr>
+              <a:t>Install a log connector on each node.</a:t>
+            </a:r>
+            <a:endParaRPr b="0" lang="en-US" sz="1800" spc="-1" strike="noStrike">
+              <a:latin typeface="Arial"/>
+            </a:endParaRPr>
+          </a:p>
+          <a:p>
+            <a:pPr>
+              <a:lnSpc>
+                <a:spcPct val="100000"/>
+              </a:lnSpc>
+              <a:spcBef>
+                <a:spcPts val="1417"/>
+              </a:spcBef>
+            </a:pPr>
+            <a:endParaRPr b="0" lang="en-US" sz="1800" spc="-1" strike="noStrike">
+              <a:latin typeface="Arial"/>
+            </a:endParaRPr>
+          </a:p>
+          <a:p>
+            <a:pPr marL="432000" indent="-322920">
+              <a:lnSpc>
+                <a:spcPct val="100000"/>
+              </a:lnSpc>
+              <a:spcBef>
+                <a:spcPts val="1417"/>
+              </a:spcBef>
+              <a:buClr>
+                <a:srgbClr val="000000"/>
+              </a:buClr>
+              <a:buSzPct val="45000"/>
+              <a:buFont typeface="Symbol"/>
+              <a:buChar char=""/>
+            </a:pPr>
+            <a:r>
+              <a:rPr b="0" lang="en-US" sz="1800" spc="-1" strike="noStrike">
+                <a:latin typeface="Arial"/>
+                <a:ea typeface="DejaVu Sans"/>
+              </a:rPr>
+              <a:t> </a:t>
+            </a:r>
+            <a:endParaRPr b="0" lang="en-US" sz="1800" spc="-1" strike="noStrike">
+              <a:latin typeface="Arial"/>
+            </a:endParaRPr>
+          </a:p>
+          <a:p>
+            <a:pPr marL="432000" indent="-322920">
+              <a:lnSpc>
+                <a:spcPct val="100000"/>
+              </a:lnSpc>
+              <a:spcBef>
+                <a:spcPts val="1417"/>
+              </a:spcBef>
+              <a:buClr>
+                <a:srgbClr val="000000"/>
+              </a:buClr>
+              <a:buSzPct val="45000"/>
+              <a:buFont typeface="Symbol"/>
+              <a:buChar char=""/>
+            </a:pPr>
+            <a:r>
+              <a:rPr b="0" lang="en-US" sz="1800" spc="-1" strike="noStrike">
+                <a:latin typeface="Arial"/>
+                <a:ea typeface="DejaVu Sans"/>
+              </a:rPr>
+              <a:t> </a:t>
             </a:r>
             <a:endParaRPr b="0" lang="en-US" sz="1800" spc="-1" strike="noStrike">
               <a:latin typeface="Arial"/>
@@ -13480,7 +13694,7 @@
         <p:spPr>
           <a:xfrm>
             <a:off x="10515600" y="6202080"/>
-            <a:ext cx="1595880" cy="423000"/>
+            <a:ext cx="1595520" cy="422640"/>
           </a:xfrm>
           <a:prstGeom prst="rect">
             <a:avLst/>
@@ -13506,7 +13720,7 @@
                 <a:spcPct val="100000"/>
               </a:lnSpc>
             </a:pPr>
-            <a:fld id="{B28066E1-751F-4569-80D9-76C167B5E5D1}" type="slidenum">
+            <a:fld id="{0D231D3A-BE78-405A-AD84-2EE5E390AB4E}" type="slidenum">
               <a:rPr b="0" lang="en-US" sz="1600" spc="-1" strike="noStrike">
                 <a:solidFill>
                   <a:srgbClr val="000000"/>
@@ -13534,34 +13748,8 @@
         </p:blipFill>
         <p:spPr>
           <a:xfrm>
-            <a:off x="8056440" y="2057400"/>
-            <a:ext cx="3884760" cy="3656160"/>
-          </a:xfrm>
-          <a:prstGeom prst="rect">
-            <a:avLst/>
-          </a:prstGeom>
-          <a:ln cap="rnd">
-            <a:solidFill>
-              <a:srgbClr val="3465a4"/>
-            </a:solidFill>
-            <a:prstDash val="sysDot"/>
-          </a:ln>
-        </p:spPr>
-      </p:pic>
-      <p:pic>
-        <p:nvPicPr>
-          <p:cNvPr id="335" name="" descr=""/>
-          <p:cNvPicPr/>
-          <p:nvPr/>
-        </p:nvPicPr>
-        <p:blipFill>
-          <a:blip r:embed="rId2"/>
-          <a:stretch/>
-        </p:blipFill>
-        <p:spPr>
-          <a:xfrm>
-            <a:off x="5029200" y="2057400"/>
-            <a:ext cx="2229120" cy="3656520"/>
+            <a:off x="6688800" y="1554480"/>
+            <a:ext cx="4924080" cy="4023360"/>
           </a:xfrm>
           <a:prstGeom prst="rect">
             <a:avLst/>
@@ -13570,7 +13758,10 @@
             <a:solidFill>
               <a:srgbClr val="3465a4"/>
             </a:solidFill>
-            <a:prstDash val="sysDot"/>
+            <a:custDash>
+              <a:ds d="100000" sp="300000"/>
+              <a:ds d="100000" sp="300000"/>
+            </a:custDash>
           </a:ln>
         </p:spPr>
       </p:pic>
@@ -13606,14 +13797,14 @@
       </p:grpSpPr>
       <p:sp>
         <p:nvSpPr>
-          <p:cNvPr id="336" name="CustomShape 1"/>
+          <p:cNvPr id="335" name="CustomShape 1"/>
           <p:cNvSpPr/>
           <p:nvPr/>
         </p:nvSpPr>
         <p:spPr>
           <a:xfrm>
             <a:off x="686160" y="0"/>
-            <a:ext cx="10968480" cy="1140840"/>
+            <a:ext cx="10968120" cy="1140480"/>
           </a:xfrm>
           <a:prstGeom prst="rect">
             <a:avLst/>
@@ -13662,7 +13853,7 @@
                 <a:latin typeface="Arial"/>
                 <a:ea typeface="Noto Sans CJK SC"/>
               </a:rPr>
-              <a:t>Network - Service</a:t>
+              <a:t>Probes</a:t>
             </a:r>
             <a:endParaRPr b="0" lang="en-US" sz="2200" spc="-1" strike="noStrike">
               <a:latin typeface="Arial"/>
@@ -13672,14 +13863,14 @@
       </p:sp>
       <p:sp>
         <p:nvSpPr>
-          <p:cNvPr id="337" name="CustomShape 2"/>
+          <p:cNvPr id="336" name="CustomShape 2"/>
           <p:cNvSpPr/>
           <p:nvPr/>
         </p:nvSpPr>
         <p:spPr>
           <a:xfrm>
-            <a:off x="457560" y="1371960"/>
-            <a:ext cx="5482800" cy="5254920"/>
+            <a:off x="91440" y="1600920"/>
+            <a:ext cx="5394960" cy="4111920"/>
           </a:xfrm>
           <a:prstGeom prst="rect">
             <a:avLst/>
@@ -13699,301 +13890,155 @@
           <a:fontRef idx="minor"/>
         </p:style>
         <p:txBody>
-          <a:bodyPr lIns="0" rIns="0" tIns="0" bIns="0">
+          <a:bodyPr lIns="93240" rIns="93240" tIns="48240" bIns="48240">
             <a:noAutofit/>
           </a:bodyPr>
           <a:p>
-            <a:pPr marL="432000" indent="-323280">
+            <a:pPr>
               <a:lnSpc>
                 <a:spcPct val="100000"/>
               </a:lnSpc>
               <a:spcBef>
-                <a:spcPts val="1134"/>
+                <a:spcPts val="1417"/>
+              </a:spcBef>
+            </a:pPr>
+            <a:r>
+              <a:rPr b="0" lang="en-US" sz="1800" spc="-1" strike="noStrike">
+                <a:solidFill>
+                  <a:srgbClr val="3c3e41"/>
+                </a:solidFill>
+                <a:latin typeface="Arial"/>
+                <a:ea typeface="DejaVu Sans"/>
+              </a:rPr>
+              <a:t>- StartupProbes</a:t>
+            </a:r>
+            <a:endParaRPr b="0" lang="en-US" sz="1800" spc="-1" strike="noStrike">
+              <a:latin typeface="Arial"/>
+            </a:endParaRPr>
+          </a:p>
+          <a:p>
+            <a:pPr>
+              <a:lnSpc>
+                <a:spcPct val="100000"/>
+              </a:lnSpc>
+              <a:spcBef>
+                <a:spcPts val="1417"/>
+              </a:spcBef>
+            </a:pPr>
+            <a:r>
+              <a:rPr b="0" lang="en-US" sz="1800" spc="-1" strike="noStrike">
+                <a:solidFill>
+                  <a:srgbClr val="3c3e41"/>
+                </a:solidFill>
+                <a:latin typeface="Arial"/>
+                <a:ea typeface="DejaVu Sans"/>
+              </a:rPr>
+              <a:t>- ReadinessProbes</a:t>
+            </a:r>
+            <a:endParaRPr b="0" lang="en-US" sz="1800" spc="-1" strike="noStrike">
+              <a:latin typeface="Arial"/>
+            </a:endParaRPr>
+          </a:p>
+          <a:p>
+            <a:pPr>
+              <a:lnSpc>
+                <a:spcPct val="100000"/>
+              </a:lnSpc>
+              <a:spcBef>
+                <a:spcPts val="1417"/>
+              </a:spcBef>
+            </a:pPr>
+            <a:r>
+              <a:rPr b="0" lang="en-US" sz="1800" spc="-1" strike="noStrike">
+                <a:solidFill>
+                  <a:srgbClr val="3c3e41"/>
+                </a:solidFill>
+                <a:latin typeface="Arial"/>
+                <a:ea typeface="DejaVu Sans"/>
+              </a:rPr>
+              <a:t>- LivenessProbes</a:t>
+            </a:r>
+            <a:endParaRPr b="0" lang="en-US" sz="1800" spc="-1" strike="noStrike">
+              <a:latin typeface="Arial"/>
+            </a:endParaRPr>
+          </a:p>
+          <a:p>
+            <a:pPr>
+              <a:lnSpc>
+                <a:spcPct val="100000"/>
+              </a:lnSpc>
+              <a:spcBef>
+                <a:spcPts val="1417"/>
+              </a:spcBef>
+            </a:pPr>
+            <a:endParaRPr b="0" lang="en-US" sz="1800" spc="-1" strike="noStrike">
+              <a:latin typeface="Arial"/>
+            </a:endParaRPr>
+          </a:p>
+          <a:p>
+            <a:pPr marL="432000" indent="-322920">
+              <a:lnSpc>
+                <a:spcPct val="100000"/>
+              </a:lnSpc>
+              <a:spcBef>
+                <a:spcPts val="1417"/>
               </a:spcBef>
               <a:buClr>
                 <a:srgbClr val="000000"/>
               </a:buClr>
               <a:buSzPct val="45000"/>
-              <a:buFont typeface="Wingdings" charset="2"/>
-              <a:buChar char=""/>
+              <a:buFont typeface="Symbol"/>
+              <a:buChar char=""/>
             </a:pPr>
             <a:r>
               <a:rPr b="0" lang="en-US" sz="1800" spc="-1" strike="noStrike">
-                <a:solidFill>
-                  <a:srgbClr val="3c3e41"/>
-                </a:solidFill>
-                <a:latin typeface="Arial"/>
-              </a:rPr>
-              <a:t>A logical collection of pods</a:t>
+                <a:latin typeface="Arial"/>
+                <a:ea typeface="DejaVu Sans"/>
+              </a:rPr>
+              <a:t> </a:t>
             </a:r>
             <a:endParaRPr b="0" lang="en-US" sz="1800" spc="-1" strike="noStrike">
               <a:latin typeface="Arial"/>
             </a:endParaRPr>
           </a:p>
           <a:p>
-            <a:pPr marL="432000" indent="-323280">
+            <a:pPr marL="432000" indent="-322920">
               <a:lnSpc>
                 <a:spcPct val="100000"/>
               </a:lnSpc>
               <a:spcBef>
-                <a:spcPts val="1134"/>
+                <a:spcPts val="1417"/>
               </a:spcBef>
               <a:buClr>
                 <a:srgbClr val="000000"/>
               </a:buClr>
               <a:buSzPct val="45000"/>
-              <a:buFont typeface="Wingdings" charset="2"/>
-              <a:buChar char=""/>
+              <a:buFont typeface="Symbol"/>
+              <a:buChar char=""/>
             </a:pPr>
             <a:r>
               <a:rPr b="0" lang="en-US" sz="1800" spc="-1" strike="noStrike">
-                <a:solidFill>
-                  <a:srgbClr val="3c3e41"/>
-                </a:solidFill>
-                <a:latin typeface="Arial"/>
-              </a:rPr>
-              <a:t>Roles:</a:t>
+                <a:latin typeface="Arial"/>
+                <a:ea typeface="DejaVu Sans"/>
+              </a:rPr>
+              <a:t> </a:t>
             </a:r>
             <a:endParaRPr b="0" lang="en-US" sz="1800" spc="-1" strike="noStrike">
               <a:latin typeface="Arial"/>
             </a:endParaRPr>
           </a:p>
-          <a:p>
-            <a:pPr lvl="1" marL="864000" indent="-323280">
-              <a:lnSpc>
-                <a:spcPct val="100000"/>
-              </a:lnSpc>
-              <a:spcBef>
-                <a:spcPts val="1134"/>
-              </a:spcBef>
-              <a:buClr>
-                <a:srgbClr val="000000"/>
-              </a:buClr>
-              <a:buSzPct val="75000"/>
-              <a:buFont typeface="Symbol"/>
-              <a:buChar char=""/>
-            </a:pPr>
-            <a:r>
-              <a:rPr b="0" lang="en-US" sz="1800" spc="-1" strike="noStrike">
-                <a:solidFill>
-                  <a:srgbClr val="3c3e41"/>
-                </a:solidFill>
-                <a:latin typeface="Arial"/>
-              </a:rPr>
-              <a:t>Enable network access to pods</a:t>
-            </a:r>
-            <a:endParaRPr b="0" lang="en-US" sz="1800" spc="-1" strike="noStrike">
-              <a:latin typeface="Arial"/>
-            </a:endParaRPr>
-          </a:p>
-          <a:p>
-            <a:pPr lvl="1" marL="864000" indent="-323280">
-              <a:lnSpc>
-                <a:spcPct val="100000"/>
-              </a:lnSpc>
-              <a:spcBef>
-                <a:spcPts val="1134"/>
-              </a:spcBef>
-              <a:buClr>
-                <a:srgbClr val="000000"/>
-              </a:buClr>
-              <a:buSzPct val="75000"/>
-              <a:buFont typeface="Symbol"/>
-              <a:buChar char=""/>
-            </a:pPr>
-            <a:r>
-              <a:rPr b="0" lang="en-US" sz="1800" spc="-1" strike="noStrike">
-                <a:solidFill>
-                  <a:srgbClr val="3c3e41"/>
-                </a:solidFill>
-                <a:latin typeface="Arial"/>
-              </a:rPr>
-              <a:t>Load balancing</a:t>
-            </a:r>
-            <a:endParaRPr b="0" lang="en-US" sz="1800" spc="-1" strike="noStrike">
-              <a:latin typeface="Arial"/>
-            </a:endParaRPr>
-          </a:p>
-          <a:p>
-            <a:pPr marL="432000" indent="-323280">
-              <a:lnSpc>
-                <a:spcPct val="100000"/>
-              </a:lnSpc>
-              <a:spcBef>
-                <a:spcPts val="1134"/>
-              </a:spcBef>
-              <a:buClr>
-                <a:srgbClr val="000000"/>
-              </a:buClr>
-              <a:buSzPct val="45000"/>
-              <a:buFont typeface="Wingdings" charset="2"/>
-              <a:buChar char=""/>
-            </a:pPr>
-            <a:r>
-              <a:rPr b="0" lang="en-US" sz="1800" spc="-1" strike="noStrike">
-                <a:solidFill>
-                  <a:srgbClr val="3c3e41"/>
-                </a:solidFill>
-                <a:latin typeface="Arial"/>
-              </a:rPr>
-              <a:t>Types:</a:t>
-            </a:r>
-            <a:endParaRPr b="0" lang="en-US" sz="1800" spc="-1" strike="noStrike">
-              <a:latin typeface="Arial"/>
-            </a:endParaRPr>
-          </a:p>
-          <a:p>
-            <a:pPr lvl="1" marL="864000" indent="-323280">
-              <a:lnSpc>
-                <a:spcPct val="100000"/>
-              </a:lnSpc>
-              <a:spcBef>
-                <a:spcPts val="1134"/>
-              </a:spcBef>
-              <a:buClr>
-                <a:srgbClr val="000000"/>
-              </a:buClr>
-              <a:buSzPct val="75000"/>
-              <a:buFont typeface="Symbol"/>
-              <a:buChar char=""/>
-            </a:pPr>
-            <a:r>
-              <a:rPr b="0" lang="en-US" sz="1800" spc="-1" strike="noStrike">
-                <a:solidFill>
-                  <a:srgbClr val="3c3e41"/>
-                </a:solidFill>
-                <a:latin typeface="Arial"/>
-              </a:rPr>
-              <a:t>ClusterIP: provide internal access inside cluster only</a:t>
-            </a:r>
-            <a:endParaRPr b="0" lang="en-US" sz="1800" spc="-1" strike="noStrike">
-              <a:latin typeface="Arial"/>
-            </a:endParaRPr>
-          </a:p>
-          <a:p>
-            <a:pPr lvl="1" marL="864000" indent="-323280">
-              <a:lnSpc>
-                <a:spcPct val="100000"/>
-              </a:lnSpc>
-              <a:spcBef>
-                <a:spcPts val="1134"/>
-              </a:spcBef>
-              <a:buClr>
-                <a:srgbClr val="000000"/>
-              </a:buClr>
-              <a:buSzPct val="75000"/>
-              <a:buFont typeface="Symbol"/>
-              <a:buChar char=""/>
-            </a:pPr>
-            <a:r>
-              <a:rPr b="0" lang="en-US" sz="1800" spc="-1" strike="noStrike">
-                <a:solidFill>
-                  <a:srgbClr val="3c3e41"/>
-                </a:solidFill>
-                <a:latin typeface="Arial"/>
-              </a:rPr>
-              <a:t>NodePort: </a:t>
-            </a:r>
-            <a:endParaRPr b="0" lang="en-US" sz="1800" spc="-1" strike="noStrike">
-              <a:latin typeface="Arial"/>
-            </a:endParaRPr>
-          </a:p>
-          <a:p>
-            <a:pPr lvl="2" marL="1296000" indent="-287280">
-              <a:lnSpc>
-                <a:spcPct val="100000"/>
-              </a:lnSpc>
-              <a:spcBef>
-                <a:spcPts val="1134"/>
-              </a:spcBef>
-              <a:buClr>
-                <a:srgbClr val="000000"/>
-              </a:buClr>
-              <a:buSzPct val="45000"/>
-              <a:buFont typeface="Wingdings" charset="2"/>
-              <a:buChar char=""/>
-            </a:pPr>
-            <a:r>
-              <a:rPr b="0" lang="en-US" sz="1800" spc="-1" strike="noStrike">
-                <a:solidFill>
-                  <a:srgbClr val="3c3e41"/>
-                </a:solidFill>
-                <a:latin typeface="Arial"/>
-              </a:rPr>
-              <a:t>Provide an unique fixed cluster node port for external access</a:t>
-            </a:r>
-            <a:endParaRPr b="0" lang="en-US" sz="1800" spc="-1" strike="noStrike">
-              <a:latin typeface="Arial"/>
-            </a:endParaRPr>
-          </a:p>
-          <a:p>
-            <a:pPr lvl="2" marL="1296000" indent="-287280">
-              <a:lnSpc>
-                <a:spcPct val="100000"/>
-              </a:lnSpc>
-              <a:spcBef>
-                <a:spcPts val="1134"/>
-              </a:spcBef>
-              <a:buClr>
-                <a:srgbClr val="000000"/>
-              </a:buClr>
-              <a:buSzPct val="45000"/>
-              <a:buFont typeface="Wingdings" charset="2"/>
-              <a:buChar char=""/>
-            </a:pPr>
-            <a:r>
-              <a:rPr b="0" lang="en-US" sz="1800" spc="-1" strike="noStrike">
-                <a:solidFill>
-                  <a:srgbClr val="3c3e41"/>
-                </a:solidFill>
-                <a:latin typeface="Arial"/>
-              </a:rPr>
-              <a:t>Not recommended due to security (expose access to cluster)</a:t>
-            </a:r>
-            <a:endParaRPr b="0" lang="en-US" sz="1800" spc="-1" strike="noStrike">
-              <a:latin typeface="Arial"/>
-            </a:endParaRPr>
-          </a:p>
-          <a:p>
-            <a:pPr lvl="1" marL="864000" indent="-323280">
-              <a:lnSpc>
-                <a:spcPct val="100000"/>
-              </a:lnSpc>
-              <a:spcBef>
-                <a:spcPts val="1134"/>
-              </a:spcBef>
-              <a:buClr>
-                <a:srgbClr val="000000"/>
-              </a:buClr>
-              <a:buSzPct val="75000"/>
-              <a:buFont typeface="Symbol"/>
-              <a:buChar char=""/>
-            </a:pPr>
-            <a:r>
-              <a:rPr b="0" lang="en-US" sz="1800" spc="-1" strike="noStrike">
-                <a:solidFill>
-                  <a:srgbClr val="3c3e41"/>
-                </a:solidFill>
-                <a:latin typeface="Arial"/>
-              </a:rPr>
-              <a:t>LoadBalacer: Integrate with cloud providers for external access</a:t>
-            </a:r>
-            <a:endParaRPr b="0" lang="en-US" sz="1800" spc="-1" strike="noStrike">
-              <a:latin typeface="Arial"/>
-            </a:endParaRPr>
-          </a:p>
-        </p:txBody>
-      </p:sp>
-      <p:sp>
-        <p:nvSpPr>
-          <p:cNvPr id="338" name="CustomShape 3"/>
+        </p:txBody>
+      </p:sp>
+      <p:sp>
+        <p:nvSpPr>
+          <p:cNvPr id="337" name="CustomShape 3"/>
           <p:cNvSpPr/>
           <p:nvPr/>
         </p:nvSpPr>
         <p:spPr>
           <a:xfrm>
             <a:off x="10515600" y="6202080"/>
-            <a:ext cx="1595880" cy="423000"/>
+            <a:ext cx="1595520" cy="422640"/>
           </a:xfrm>
           <a:prstGeom prst="rect">
             <a:avLst/>
@@ -14019,7 +14064,7 @@
                 <a:spcPct val="100000"/>
               </a:lnSpc>
             </a:pPr>
-            <a:fld id="{740736AE-FF0F-426B-85FD-0956A6D7A485}" type="slidenum">
+            <a:fld id="{2E6263CB-BD26-4CF0-A070-FB56D8DA2F47}" type="slidenum">
               <a:rPr b="0" lang="en-US" sz="1600" spc="-1" strike="noStrike">
                 <a:solidFill>
                   <a:srgbClr val="000000"/>
@@ -14035,56 +14080,6 @@
           </a:p>
         </p:txBody>
       </p:sp>
-      <p:pic>
-        <p:nvPicPr>
-          <p:cNvPr id="339" name="" descr=""/>
-          <p:cNvPicPr/>
-          <p:nvPr/>
-        </p:nvPicPr>
-        <p:blipFill>
-          <a:blip r:embed="rId1"/>
-          <a:stretch/>
-        </p:blipFill>
-        <p:spPr>
-          <a:xfrm>
-            <a:off x="5943600" y="1268640"/>
-            <a:ext cx="3489120" cy="4682160"/>
-          </a:xfrm>
-          <a:prstGeom prst="rect">
-            <a:avLst/>
-          </a:prstGeom>
-          <a:ln>
-            <a:noFill/>
-          </a:ln>
-        </p:spPr>
-      </p:pic>
-      <p:pic>
-        <p:nvPicPr>
-          <p:cNvPr id="340" name="" descr=""/>
-          <p:cNvPicPr/>
-          <p:nvPr/>
-        </p:nvPicPr>
-        <p:blipFill>
-          <a:blip r:embed="rId2"/>
-          <a:stretch/>
-        </p:blipFill>
-        <p:spPr>
-          <a:xfrm>
-            <a:off x="9706320" y="1419480"/>
-            <a:ext cx="2405880" cy="4291920"/>
-          </a:xfrm>
-          <a:prstGeom prst="rect">
-            <a:avLst/>
-          </a:prstGeom>
-          <a:ln cap="rnd" w="12600">
-            <a:solidFill>
-              <a:srgbClr val="3465a4"/>
-            </a:solidFill>
-            <a:prstDash val="sysDot"/>
-            <a:round/>
-          </a:ln>
-        </p:spPr>
-      </p:pic>
     </p:spTree>
   </p:cSld>
   <mc:AlternateContent>
@@ -14117,14 +14112,14 @@
       </p:grpSpPr>
       <p:sp>
         <p:nvSpPr>
-          <p:cNvPr id="341" name="CustomShape 1"/>
+          <p:cNvPr id="338" name="CustomShape 1"/>
           <p:cNvSpPr/>
           <p:nvPr/>
         </p:nvSpPr>
         <p:spPr>
           <a:xfrm>
             <a:off x="686160" y="0"/>
-            <a:ext cx="10968480" cy="1140840"/>
+            <a:ext cx="10968120" cy="1140480"/>
           </a:xfrm>
           <a:prstGeom prst="rect">
             <a:avLst/>
@@ -14173,7 +14168,7 @@
                 <a:latin typeface="Arial"/>
                 <a:ea typeface="Noto Sans CJK SC"/>
               </a:rPr>
-              <a:t>Network - Service</a:t>
+              <a:t>Resource Request &amp; Limit</a:t>
             </a:r>
             <a:endParaRPr b="0" lang="en-US" sz="2200" spc="-1" strike="noStrike">
               <a:latin typeface="Arial"/>
@@ -14183,21 +14178,24 @@
       </p:sp>
       <p:sp>
         <p:nvSpPr>
-          <p:cNvPr id="342" name="CustomShape 2"/>
+          <p:cNvPr id="339" name="CustomShape 2"/>
           <p:cNvSpPr/>
           <p:nvPr/>
         </p:nvSpPr>
         <p:spPr>
           <a:xfrm>
-            <a:off x="10515600" y="6202080"/>
-            <a:ext cx="1595880" cy="423000"/>
+            <a:off x="91440" y="1600920"/>
+            <a:ext cx="5394960" cy="4111920"/>
           </a:xfrm>
           <a:prstGeom prst="rect">
             <a:avLst/>
           </a:prstGeom>
           <a:noFill/>
-          <a:ln>
-            <a:noFill/>
+          <a:ln cap="rnd" w="6480">
+            <a:solidFill>
+              <a:srgbClr val="5eb91e"/>
+            </a:solidFill>
+            <a:round/>
           </a:ln>
         </p:spPr>
         <p:style>
@@ -14207,6 +14205,171 @@
           <a:fontRef idx="minor"/>
         </p:style>
         <p:txBody>
+          <a:bodyPr lIns="93240" rIns="93240" tIns="48240" bIns="48240">
+            <a:noAutofit/>
+          </a:bodyPr>
+          <a:p>
+            <a:pPr>
+              <a:lnSpc>
+                <a:spcPct val="100000"/>
+              </a:lnSpc>
+              <a:spcBef>
+                <a:spcPts val="1417"/>
+              </a:spcBef>
+            </a:pPr>
+            <a:r>
+              <a:rPr b="0" lang="en-US" sz="1800" spc="-1" strike="noStrike">
+                <a:solidFill>
+                  <a:srgbClr val="3c3e41"/>
+                </a:solidFill>
+                <a:latin typeface="Arial"/>
+                <a:ea typeface="DejaVu Sans"/>
+              </a:rPr>
+              <a:t>- StartupProbes</a:t>
+            </a:r>
+            <a:endParaRPr b="0" lang="en-US" sz="1800" spc="-1" strike="noStrike">
+              <a:latin typeface="Arial"/>
+            </a:endParaRPr>
+          </a:p>
+          <a:p>
+            <a:pPr>
+              <a:lnSpc>
+                <a:spcPct val="100000"/>
+              </a:lnSpc>
+              <a:spcBef>
+                <a:spcPts val="1417"/>
+              </a:spcBef>
+            </a:pPr>
+            <a:r>
+              <a:rPr b="0" lang="en-US" sz="1800" spc="-1" strike="noStrike">
+                <a:solidFill>
+                  <a:srgbClr val="3c3e41"/>
+                </a:solidFill>
+                <a:latin typeface="Arial"/>
+                <a:ea typeface="DejaVu Sans"/>
+              </a:rPr>
+              <a:t>- ReadinessProbes</a:t>
+            </a:r>
+            <a:endParaRPr b="0" lang="en-US" sz="1800" spc="-1" strike="noStrike">
+              <a:latin typeface="Arial"/>
+            </a:endParaRPr>
+          </a:p>
+          <a:p>
+            <a:pPr>
+              <a:lnSpc>
+                <a:spcPct val="100000"/>
+              </a:lnSpc>
+              <a:spcBef>
+                <a:spcPts val="1417"/>
+              </a:spcBef>
+            </a:pPr>
+            <a:r>
+              <a:rPr b="0" lang="en-US" sz="1800" spc="-1" strike="noStrike">
+                <a:solidFill>
+                  <a:srgbClr val="3c3e41"/>
+                </a:solidFill>
+                <a:latin typeface="Arial"/>
+                <a:ea typeface="DejaVu Sans"/>
+              </a:rPr>
+              <a:t>- LivenessProbes</a:t>
+            </a:r>
+            <a:endParaRPr b="0" lang="en-US" sz="1800" spc="-1" strike="noStrike">
+              <a:latin typeface="Arial"/>
+            </a:endParaRPr>
+          </a:p>
+          <a:p>
+            <a:pPr>
+              <a:lnSpc>
+                <a:spcPct val="100000"/>
+              </a:lnSpc>
+              <a:spcBef>
+                <a:spcPts val="1417"/>
+              </a:spcBef>
+            </a:pPr>
+            <a:endParaRPr b="0" lang="en-US" sz="1800" spc="-1" strike="noStrike">
+              <a:latin typeface="Arial"/>
+            </a:endParaRPr>
+          </a:p>
+          <a:p>
+            <a:pPr marL="432000" indent="-322920">
+              <a:lnSpc>
+                <a:spcPct val="100000"/>
+              </a:lnSpc>
+              <a:spcBef>
+                <a:spcPts val="1417"/>
+              </a:spcBef>
+              <a:buClr>
+                <a:srgbClr val="000000"/>
+              </a:buClr>
+              <a:buSzPct val="45000"/>
+              <a:buFont typeface="Symbol"/>
+              <a:buChar char=""/>
+            </a:pPr>
+            <a:r>
+              <a:rPr b="0" lang="en-US" sz="1800" spc="-1" strike="noStrike">
+                <a:latin typeface="Arial"/>
+                <a:ea typeface="DejaVu Sans"/>
+              </a:rPr>
+              <a:t> </a:t>
+            </a:r>
+            <a:endParaRPr b="0" lang="en-US" sz="1800" spc="-1" strike="noStrike">
+              <a:latin typeface="Arial"/>
+            </a:endParaRPr>
+          </a:p>
+          <a:p>
+            <a:pPr marL="432000" indent="-322920">
+              <a:lnSpc>
+                <a:spcPct val="100000"/>
+              </a:lnSpc>
+              <a:spcBef>
+                <a:spcPts val="1417"/>
+              </a:spcBef>
+              <a:buClr>
+                <a:srgbClr val="000000"/>
+              </a:buClr>
+              <a:buSzPct val="45000"/>
+              <a:buFont typeface="Symbol"/>
+              <a:buChar char=""/>
+            </a:pPr>
+            <a:r>
+              <a:rPr b="0" lang="en-US" sz="1800" spc="-1" strike="noStrike">
+                <a:latin typeface="Arial"/>
+                <a:ea typeface="DejaVu Sans"/>
+              </a:rPr>
+              <a:t> </a:t>
+            </a:r>
+            <a:endParaRPr b="0" lang="en-US" sz="1800" spc="-1" strike="noStrike">
+              <a:latin typeface="Arial"/>
+            </a:endParaRPr>
+          </a:p>
+        </p:txBody>
+      </p:sp>
+      <p:sp>
+        <p:nvSpPr>
+          <p:cNvPr id="340" name="CustomShape 3"/>
+          <p:cNvSpPr/>
+          <p:nvPr/>
+        </p:nvSpPr>
+        <p:spPr>
+          <a:xfrm>
+            <a:off x="10515600" y="6202080"/>
+            <a:ext cx="1595520" cy="422640"/>
+          </a:xfrm>
+          <a:prstGeom prst="rect">
+            <a:avLst/>
+          </a:prstGeom>
+          <a:noFill/>
+          <a:ln>
+            <a:noFill/>
+          </a:ln>
+        </p:spPr>
+        <p:style>
+          <a:lnRef idx="0"/>
+          <a:fillRef idx="0"/>
+          <a:effectRef idx="0"/>
+          <a:fontRef idx="minor"/>
+        </p:style>
+        <p:txBody>
           <a:bodyPr lIns="90000" rIns="90000" tIns="45000" bIns="45000">
             <a:noAutofit/>
           </a:bodyPr>
@@ -14216,7 +14379,7 @@
                 <a:spcPct val="100000"/>
               </a:lnSpc>
             </a:pPr>
-            <a:fld id="{A55E2233-62E1-4183-B62C-9D6E7356FF76}" type="slidenum">
+            <a:fld id="{A5E8571C-41A5-4D9A-90C0-C3DE66B1C29A}" type="slidenum">
               <a:rPr b="0" lang="en-US" sz="1600" spc="-1" strike="noStrike">
                 <a:solidFill>
                   <a:srgbClr val="000000"/>
@@ -14232,104 +14395,6 @@
           </a:p>
         </p:txBody>
       </p:sp>
-      <p:pic>
-        <p:nvPicPr>
-          <p:cNvPr id="343" name="" descr=""/>
-          <p:cNvPicPr/>
-          <p:nvPr/>
-        </p:nvPicPr>
-        <p:blipFill>
-          <a:blip r:embed="rId1"/>
-          <a:stretch/>
-        </p:blipFill>
-        <p:spPr>
-          <a:xfrm>
-            <a:off x="3434040" y="3972240"/>
-            <a:ext cx="1672920" cy="1968120"/>
-          </a:xfrm>
-          <a:prstGeom prst="rect">
-            <a:avLst/>
-          </a:prstGeom>
-          <a:ln>
-            <a:solidFill>
-              <a:srgbClr val="3465a4"/>
-            </a:solidFill>
-            <a:prstDash val="dot"/>
-          </a:ln>
-        </p:spPr>
-      </p:pic>
-      <p:pic>
-        <p:nvPicPr>
-          <p:cNvPr id="344" name="" descr=""/>
-          <p:cNvPicPr/>
-          <p:nvPr/>
-        </p:nvPicPr>
-        <p:blipFill>
-          <a:blip r:embed="rId2"/>
-          <a:stretch/>
-        </p:blipFill>
-        <p:spPr>
-          <a:xfrm>
-            <a:off x="228600" y="1828800"/>
-            <a:ext cx="3197160" cy="4330440"/>
-          </a:xfrm>
-          <a:prstGeom prst="rect">
-            <a:avLst/>
-          </a:prstGeom>
-          <a:ln>
-            <a:noFill/>
-          </a:ln>
-        </p:spPr>
-      </p:pic>
-      <p:pic>
-        <p:nvPicPr>
-          <p:cNvPr id="345" name="" descr=""/>
-          <p:cNvPicPr/>
-          <p:nvPr/>
-        </p:nvPicPr>
-        <p:blipFill>
-          <a:blip r:embed="rId3"/>
-          <a:stretch/>
-        </p:blipFill>
-        <p:spPr>
-          <a:xfrm>
-            <a:off x="6445080" y="1828800"/>
-            <a:ext cx="3381480" cy="4340160"/>
-          </a:xfrm>
-          <a:prstGeom prst="rect">
-            <a:avLst/>
-          </a:prstGeom>
-          <a:ln>
-            <a:noFill/>
-          </a:ln>
-        </p:spPr>
-      </p:pic>
-      <p:pic>
-        <p:nvPicPr>
-          <p:cNvPr id="346" name="" descr=""/>
-          <p:cNvPicPr/>
-          <p:nvPr/>
-        </p:nvPicPr>
-        <p:blipFill>
-          <a:blip r:embed="rId4"/>
-          <a:stretch/>
-        </p:blipFill>
-        <p:spPr>
-          <a:xfrm>
-            <a:off x="9829800" y="3972240"/>
-            <a:ext cx="1672920" cy="1968120"/>
-          </a:xfrm>
-          <a:prstGeom prst="rect">
-            <a:avLst/>
-          </a:prstGeom>
-          <a:ln>
-            <a:solidFill>
-              <a:srgbClr val="3465a4"/>
-            </a:solidFill>
-            <a:prstDash val="dot"/>
-          </a:ln>
-        </p:spPr>
-      </p:pic>
     </p:spTree>
   </p:cSld>
   <mc:AlternateContent>
@@ -14362,14 +14427,14 @@
       </p:grpSpPr>
       <p:sp>
         <p:nvSpPr>
-          <p:cNvPr id="347" name="CustomShape 1"/>
+          <p:cNvPr id="341" name="CustomShape 1"/>
           <p:cNvSpPr/>
           <p:nvPr/>
         </p:nvSpPr>
         <p:spPr>
           <a:xfrm>
             <a:off x="686160" y="0"/>
-            <a:ext cx="10968480" cy="1140840"/>
+            <a:ext cx="10968120" cy="1140480"/>
           </a:xfrm>
           <a:prstGeom prst="rect">
             <a:avLst/>
@@ -14418,7 +14483,7 @@
                 <a:latin typeface="Arial"/>
                 <a:ea typeface="Noto Sans CJK SC"/>
               </a:rPr>
-              <a:t>Network - Ingress</a:t>
+              <a:t>Cronjob</a:t>
             </a:r>
             <a:endParaRPr b="0" lang="en-US" sz="2200" spc="-1" strike="noStrike">
               <a:latin typeface="Arial"/>
@@ -14428,14 +14493,14 @@
       </p:sp>
       <p:sp>
         <p:nvSpPr>
-          <p:cNvPr id="348" name="CustomShape 2"/>
+          <p:cNvPr id="342" name="CustomShape 2"/>
           <p:cNvSpPr/>
           <p:nvPr/>
         </p:nvSpPr>
         <p:spPr>
           <a:xfrm>
-            <a:off x="228600" y="1600200"/>
-            <a:ext cx="3656160" cy="1598760"/>
+            <a:off x="457200" y="1600200"/>
+            <a:ext cx="3884400" cy="911520"/>
           </a:xfrm>
           <a:prstGeom prst="rect">
             <a:avLst/>
@@ -14459,7 +14524,7 @@
             <a:noAutofit/>
           </a:bodyPr>
           <a:p>
-            <a:pPr marL="432000" indent="-323280">
+            <a:pPr marL="432000" indent="-322920">
               <a:lnSpc>
                 <a:spcPct val="100000"/>
               </a:lnSpc>
@@ -14479,62 +14544,9 @@
                   <a:srgbClr val="3c3e41"/>
                 </a:solidFill>
                 <a:latin typeface="Arial"/>
-              </a:rPr>
-              <a:t>Provide access to application by providing </a:t>
-            </a:r>
-            <a:r>
-              <a:rPr b="0" lang="en-US" sz="1800" spc="-1" strike="noStrike">
-                <a:solidFill>
-                  <a:srgbClr val="c9211e"/>
-                </a:solidFill>
-                <a:latin typeface="Arial"/>
-              </a:rPr>
-              <a:t>readable</a:t>
-            </a:r>
-            <a:r>
-              <a:rPr b="0" lang="en-US" sz="1800" spc="-1" strike="noStrike">
-                <a:solidFill>
-                  <a:srgbClr val="3c3e41"/>
-                </a:solidFill>
-                <a:latin typeface="Arial"/>
-              </a:rPr>
-              <a:t> human URL with http/</a:t>
-            </a:r>
-            <a:r>
-              <a:rPr b="0" lang="en-US" sz="1800" spc="-1" strike="noStrike">
-                <a:solidFill>
-                  <a:srgbClr val="c9211e"/>
-                </a:solidFill>
-                <a:latin typeface="Arial"/>
-              </a:rPr>
-              <a:t>https</a:t>
-            </a:r>
-            <a:r>
-              <a:rPr b="0" lang="en-US" sz="1800" spc="-1" strike="noStrike">
-                <a:solidFill>
-                  <a:srgbClr val="3c3e41"/>
-                </a:solidFill>
-                <a:latin typeface="Arial"/>
-              </a:rPr>
-              <a:t> protocols and routing </a:t>
-            </a:r>
-            <a:r>
-              <a:rPr b="0" lang="en-US" sz="1800" spc="-1" strike="noStrike">
-                <a:solidFill>
-                  <a:srgbClr val="c9211e"/>
-                </a:solidFill>
-                <a:latin typeface="Arial"/>
-              </a:rPr>
-              <a:t>rules</a:t>
-            </a:r>
-            <a:r>
-              <a:rPr b="0" lang="en-US" sz="1800" spc="-1" strike="noStrike">
-                <a:solidFill>
-                  <a:srgbClr val="3c3e41"/>
-                </a:solidFill>
-                <a:latin typeface="Arial"/>
-              </a:rPr>
-              <a:t>.</a:t>
+                <a:ea typeface="DejaVu Sans"/>
+              </a:rPr>
+              <a:t>Automatic action triggered in every scheduled time</a:t>
             </a:r>
             <a:endParaRPr b="0" lang="en-US" sz="1800" spc="-1" strike="noStrike">
               <a:latin typeface="Arial"/>
@@ -14544,14 +14556,14 @@
       </p:sp>
       <p:sp>
         <p:nvSpPr>
-          <p:cNvPr id="349" name="CustomShape 3"/>
+          <p:cNvPr id="343" name="CustomShape 3"/>
           <p:cNvSpPr/>
           <p:nvPr/>
         </p:nvSpPr>
         <p:spPr>
           <a:xfrm>
             <a:off x="10515600" y="6202080"/>
-            <a:ext cx="1595880" cy="423000"/>
+            <a:ext cx="1595520" cy="422640"/>
           </a:xfrm>
           <a:prstGeom prst="rect">
             <a:avLst/>
@@ -14577,7 +14589,7 @@
                 <a:spcPct val="100000"/>
               </a:lnSpc>
             </a:pPr>
-            <a:fld id="{F6DB7E76-19A8-4CA6-B791-DB2130CFFB62}" type="slidenum">
+            <a:fld id="{9E08744F-E015-4080-8184-33EF3428D1F5}" type="slidenum">
               <a:rPr b="0" lang="en-US" sz="1600" spc="-1" strike="noStrike">
                 <a:solidFill>
                   <a:srgbClr val="000000"/>
@@ -14595,7 +14607,7 @@
       </p:sp>
       <p:pic>
         <p:nvPicPr>
-          <p:cNvPr id="350" name="" descr=""/>
+          <p:cNvPr id="344" name="" descr=""/>
           <p:cNvPicPr/>
           <p:nvPr/>
         </p:nvPicPr>
@@ -14605,23 +14617,23 @@
         </p:blipFill>
         <p:spPr>
           <a:xfrm>
-            <a:off x="8258400" y="1600200"/>
-            <a:ext cx="3855960" cy="4341960"/>
-          </a:xfrm>
-          <a:prstGeom prst="rect">
-            <a:avLst/>
-          </a:prstGeom>
-          <a:ln>
+            <a:off x="8056440" y="2057400"/>
+            <a:ext cx="3884400" cy="3655800"/>
+          </a:xfrm>
+          <a:prstGeom prst="rect">
+            <a:avLst/>
+          </a:prstGeom>
+          <a:ln cap="rnd">
             <a:solidFill>
               <a:srgbClr val="3465a4"/>
             </a:solidFill>
-            <a:prstDash val="dot"/>
+            <a:prstDash val="sysDot"/>
           </a:ln>
         </p:spPr>
       </p:pic>
       <p:pic>
         <p:nvPicPr>
-          <p:cNvPr id="351" name="" descr=""/>
+          <p:cNvPr id="345" name="" descr=""/>
           <p:cNvPicPr/>
           <p:nvPr/>
         </p:nvPicPr>
@@ -14631,8 +14643,8 @@
         </p:blipFill>
         <p:spPr>
           <a:xfrm>
-            <a:off x="4064400" y="1600200"/>
-            <a:ext cx="4074840" cy="4341960"/>
+            <a:off x="5029200" y="2057400"/>
+            <a:ext cx="2228760" cy="3656160"/>
           </a:xfrm>
           <a:prstGeom prst="rect">
             <a:avLst/>
@@ -14641,7 +14653,7 @@
             <a:solidFill>
               <a:srgbClr val="3465a4"/>
             </a:solidFill>
-            <a:prstDash val="dot"/>
+            <a:prstDash val="sysDot"/>
           </a:ln>
         </p:spPr>
       </p:pic>
@@ -14677,14 +14689,14 @@
       </p:grpSpPr>
       <p:sp>
         <p:nvSpPr>
-          <p:cNvPr id="352" name="CustomShape 1"/>
+          <p:cNvPr id="346" name="CustomShape 1"/>
           <p:cNvSpPr/>
           <p:nvPr/>
         </p:nvSpPr>
         <p:spPr>
           <a:xfrm>
             <a:off x="686160" y="0"/>
-            <a:ext cx="10968480" cy="1140840"/>
+            <a:ext cx="10968120" cy="1140480"/>
           </a:xfrm>
           <a:prstGeom prst="rect">
             <a:avLst/>
@@ -14726,41 +14738,31 @@
             <a:br/>
             <a:br/>
             <a:r>
-              <a:rPr b="1" lang="en-US" sz="1800" spc="-1" strike="noStrike">
-                <a:solidFill>
-                  <a:srgbClr val="3465a4"/>
-                </a:solidFill>
-                <a:latin typeface="Arial"/>
-                <a:ea typeface="Noto Sans CJK SC"/>
-              </a:rPr>
-              <a:t>Configuration data</a:t>
-            </a:r>
-            <a:r>
-              <a:rPr b="1" lang="en-US" sz="1800" spc="-1" strike="noStrike">
+              <a:rPr b="1" lang="en-US" sz="2200" spc="-1" strike="noStrike">
                 <a:solidFill>
                   <a:srgbClr val="000000"/>
                 </a:solidFill>
                 <a:latin typeface="Arial"/>
                 <a:ea typeface="Noto Sans CJK SC"/>
               </a:rPr>
-              <a:t> - ConfigMap</a:t>
-            </a:r>
-            <a:endParaRPr b="0" lang="en-US" sz="1800" spc="-1" strike="noStrike">
-              <a:latin typeface="Arial"/>
-            </a:endParaRPr>
-          </a:p>
-        </p:txBody>
-      </p:sp>
-      <p:sp>
-        <p:nvSpPr>
-          <p:cNvPr id="353" name="CustomShape 2"/>
+              <a:t>Network - Service</a:t>
+            </a:r>
+            <a:endParaRPr b="0" lang="en-US" sz="2200" spc="-1" strike="noStrike">
+              <a:latin typeface="Arial"/>
+            </a:endParaRPr>
+          </a:p>
+        </p:txBody>
+      </p:sp>
+      <p:sp>
+        <p:nvSpPr>
+          <p:cNvPr id="347" name="CustomShape 2"/>
           <p:cNvSpPr/>
           <p:nvPr/>
         </p:nvSpPr>
         <p:spPr>
           <a:xfrm>
-            <a:off x="228600" y="1600200"/>
-            <a:ext cx="4797720" cy="2283120"/>
+            <a:off x="457560" y="1371960"/>
+            <a:ext cx="5482440" cy="5254560"/>
           </a:xfrm>
           <a:prstGeom prst="rect">
             <a:avLst/>
@@ -14780,16 +14782,16 @@
           <a:fontRef idx="minor"/>
         </p:style>
         <p:txBody>
-          <a:bodyPr lIns="93240" rIns="93240" tIns="48240" bIns="48240">
+          <a:bodyPr lIns="0" rIns="0" tIns="0" bIns="0">
             <a:noAutofit/>
           </a:bodyPr>
           <a:p>
-            <a:pPr marL="432000" indent="-323280">
+            <a:pPr marL="432000" indent="-322920">
               <a:lnSpc>
                 <a:spcPct val="100000"/>
               </a:lnSpc>
               <a:spcBef>
-                <a:spcPts val="1417"/>
+                <a:spcPts val="1134"/>
               </a:spcBef>
               <a:buClr>
                 <a:srgbClr val="000000"/>
@@ -14804,20 +14806,21 @@
                   <a:srgbClr val="3c3e41"/>
                 </a:solidFill>
                 <a:latin typeface="Arial"/>
-              </a:rPr>
-              <a:t>Key-value pairs of data</a:t>
+                <a:ea typeface="DejaVu Sans"/>
+              </a:rPr>
+              <a:t>A logical collection of pods</a:t>
             </a:r>
             <a:endParaRPr b="0" lang="en-US" sz="1800" spc="-1" strike="noStrike">
               <a:latin typeface="Arial"/>
             </a:endParaRPr>
           </a:p>
           <a:p>
-            <a:pPr marL="432000" indent="-323280">
+            <a:pPr marL="432000" indent="-322920">
               <a:lnSpc>
                 <a:spcPct val="100000"/>
               </a:lnSpc>
               <a:spcBef>
-                <a:spcPts val="1417"/>
+                <a:spcPts val="1134"/>
               </a:spcBef>
               <a:buClr>
                 <a:srgbClr val="000000"/>
@@ -14832,15 +14835,16 @@
                   <a:srgbClr val="3c3e41"/>
                 </a:solidFill>
                 <a:latin typeface="Arial"/>
-              </a:rPr>
-              <a:t>Manage pods configuration data</a:t>
+                <a:ea typeface="DejaVu Sans"/>
+              </a:rPr>
+              <a:t>Roles:</a:t>
             </a:r>
             <a:endParaRPr b="0" lang="en-US" sz="1800" spc="-1" strike="noStrike">
               <a:latin typeface="Arial"/>
             </a:endParaRPr>
           </a:p>
           <a:p>
-            <a:pPr lvl="1" marL="864000" indent="-323280">
+            <a:pPr lvl="1" marL="864000" indent="-322920">
               <a:lnSpc>
                 <a:spcPct val="100000"/>
               </a:lnSpc>
@@ -14860,15 +14864,16 @@
                   <a:srgbClr val="3c3e41"/>
                 </a:solidFill>
                 <a:latin typeface="Arial"/>
-              </a:rPr>
-              <a:t>Environment variables</a:t>
+                <a:ea typeface="DejaVu Sans"/>
+              </a:rPr>
+              <a:t>Enable network access to pods</a:t>
             </a:r>
             <a:endParaRPr b="0" lang="en-US" sz="1800" spc="-1" strike="noStrike">
               <a:latin typeface="Arial"/>
             </a:endParaRPr>
           </a:p>
           <a:p>
-            <a:pPr lvl="1" marL="864000" indent="-323280">
+            <a:pPr lvl="1" marL="864000" indent="-322920">
               <a:lnSpc>
                 <a:spcPct val="100000"/>
               </a:lnSpc>
@@ -14888,20 +14893,21 @@
                   <a:srgbClr val="3c3e41"/>
                 </a:solidFill>
                 <a:latin typeface="Arial"/>
-              </a:rPr>
-              <a:t>Configuration files</a:t>
+                <a:ea typeface="DejaVu Sans"/>
+              </a:rPr>
+              <a:t>Load balancing</a:t>
             </a:r>
             <a:endParaRPr b="0" lang="en-US" sz="1800" spc="-1" strike="noStrike">
               <a:latin typeface="Arial"/>
             </a:endParaRPr>
           </a:p>
           <a:p>
-            <a:pPr marL="432000" indent="-323280">
+            <a:pPr marL="432000" indent="-322920">
               <a:lnSpc>
                 <a:spcPct val="100000"/>
               </a:lnSpc>
               <a:spcBef>
-                <a:spcPts val="1417"/>
+                <a:spcPts val="1134"/>
               </a:spcBef>
               <a:buClr>
                 <a:srgbClr val="000000"/>
@@ -14916,43 +14922,171 @@
                   <a:srgbClr val="3c3e41"/>
                 </a:solidFill>
                 <a:latin typeface="Arial"/>
-              </a:rPr>
-              <a:t>Used for </a:t>
-            </a:r>
-            <a:r>
-              <a:rPr b="0" lang="en-US" sz="1800" spc="-1" strike="noStrike">
-                <a:solidFill>
-                  <a:srgbClr val="c9211e"/>
-                </a:solidFill>
-                <a:latin typeface="Arial"/>
-              </a:rPr>
-              <a:t>non-sensitive</a:t>
-            </a:r>
+                <a:ea typeface="DejaVu Sans"/>
+              </a:rPr>
+              <a:t>Types:</a:t>
+            </a:r>
+            <a:endParaRPr b="0" lang="en-US" sz="1800" spc="-1" strike="noStrike">
+              <a:latin typeface="Arial"/>
+            </a:endParaRPr>
+          </a:p>
+          <a:p>
+            <a:pPr lvl="1" marL="864000" indent="-322920">
+              <a:lnSpc>
+                <a:spcPct val="100000"/>
+              </a:lnSpc>
+              <a:spcBef>
+                <a:spcPts val="1134"/>
+              </a:spcBef>
+              <a:buClr>
+                <a:srgbClr val="000000"/>
+              </a:buClr>
+              <a:buSzPct val="75000"/>
+              <a:buFont typeface="Symbol"/>
+              <a:buChar char=""/>
+            </a:pPr>
             <a:r>
               <a:rPr b="0" lang="en-US" sz="1800" spc="-1" strike="noStrike">
                 <a:solidFill>
                   <a:srgbClr val="3c3e41"/>
                 </a:solidFill>
                 <a:latin typeface="Arial"/>
-              </a:rPr>
-              <a:t> data (plain text)</a:t>
+                <a:ea typeface="DejaVu Sans"/>
+              </a:rPr>
+              <a:t>ClusterIP: provide internal access inside cluster only</a:t>
             </a:r>
             <a:endParaRPr b="0" lang="en-US" sz="1800" spc="-1" strike="noStrike">
               <a:latin typeface="Arial"/>
             </a:endParaRPr>
           </a:p>
-        </p:txBody>
-      </p:sp>
-      <p:sp>
-        <p:nvSpPr>
-          <p:cNvPr id="354" name="CustomShape 3"/>
+          <a:p>
+            <a:pPr lvl="1" marL="864000" indent="-322920">
+              <a:lnSpc>
+                <a:spcPct val="100000"/>
+              </a:lnSpc>
+              <a:spcBef>
+                <a:spcPts val="1134"/>
+              </a:spcBef>
+              <a:buClr>
+                <a:srgbClr val="000000"/>
+              </a:buClr>
+              <a:buSzPct val="75000"/>
+              <a:buFont typeface="Symbol"/>
+              <a:buChar char=""/>
+            </a:pPr>
+            <a:r>
+              <a:rPr b="0" lang="en-US" sz="1800" spc="-1" strike="noStrike">
+                <a:solidFill>
+                  <a:srgbClr val="3c3e41"/>
+                </a:solidFill>
+                <a:latin typeface="Arial"/>
+                <a:ea typeface="DejaVu Sans"/>
+              </a:rPr>
+              <a:t>NodePort: </a:t>
+            </a:r>
+            <a:endParaRPr b="0" lang="en-US" sz="1800" spc="-1" strike="noStrike">
+              <a:latin typeface="Arial"/>
+            </a:endParaRPr>
+          </a:p>
+          <a:p>
+            <a:pPr lvl="2" marL="1296000" indent="-286920">
+              <a:lnSpc>
+                <a:spcPct val="100000"/>
+              </a:lnSpc>
+              <a:spcBef>
+                <a:spcPts val="1134"/>
+              </a:spcBef>
+              <a:buClr>
+                <a:srgbClr val="000000"/>
+              </a:buClr>
+              <a:buSzPct val="45000"/>
+              <a:buFont typeface="Wingdings" charset="2"/>
+              <a:buChar char=""/>
+            </a:pPr>
+            <a:r>
+              <a:rPr b="0" lang="en-US" sz="1800" spc="-1" strike="noStrike">
+                <a:solidFill>
+                  <a:srgbClr val="3c3e41"/>
+                </a:solidFill>
+                <a:latin typeface="Arial"/>
+                <a:ea typeface="DejaVu Sans"/>
+              </a:rPr>
+              <a:t>Provide an unique fixed cluster node port for external access</a:t>
+            </a:r>
+            <a:endParaRPr b="0" lang="en-US" sz="1800" spc="-1" strike="noStrike">
+              <a:latin typeface="Arial"/>
+            </a:endParaRPr>
+          </a:p>
+          <a:p>
+            <a:pPr lvl="2" marL="1296000" indent="-286920">
+              <a:lnSpc>
+                <a:spcPct val="100000"/>
+              </a:lnSpc>
+              <a:spcBef>
+                <a:spcPts val="1134"/>
+              </a:spcBef>
+              <a:buClr>
+                <a:srgbClr val="000000"/>
+              </a:buClr>
+              <a:buSzPct val="45000"/>
+              <a:buFont typeface="Wingdings" charset="2"/>
+              <a:buChar char=""/>
+            </a:pPr>
+            <a:r>
+              <a:rPr b="0" lang="en-US" sz="1800" spc="-1" strike="noStrike">
+                <a:solidFill>
+                  <a:srgbClr val="3c3e41"/>
+                </a:solidFill>
+                <a:latin typeface="Arial"/>
+                <a:ea typeface="DejaVu Sans"/>
+              </a:rPr>
+              <a:t>Not recommended due to security (expose access to cluster)</a:t>
+            </a:r>
+            <a:endParaRPr b="0" lang="en-US" sz="1800" spc="-1" strike="noStrike">
+              <a:latin typeface="Arial"/>
+            </a:endParaRPr>
+          </a:p>
+          <a:p>
+            <a:pPr lvl="1" marL="864000" indent="-322920">
+              <a:lnSpc>
+                <a:spcPct val="100000"/>
+              </a:lnSpc>
+              <a:spcBef>
+                <a:spcPts val="1134"/>
+              </a:spcBef>
+              <a:buClr>
+                <a:srgbClr val="000000"/>
+              </a:buClr>
+              <a:buSzPct val="75000"/>
+              <a:buFont typeface="Symbol"/>
+              <a:buChar char=""/>
+            </a:pPr>
+            <a:r>
+              <a:rPr b="0" lang="en-US" sz="1800" spc="-1" strike="noStrike">
+                <a:solidFill>
+                  <a:srgbClr val="3c3e41"/>
+                </a:solidFill>
+                <a:latin typeface="Arial"/>
+                <a:ea typeface="DejaVu Sans"/>
+              </a:rPr>
+              <a:t>LoadBalacer: Integrate with cloud providers for external access</a:t>
+            </a:r>
+            <a:endParaRPr b="0" lang="en-US" sz="1800" spc="-1" strike="noStrike">
+              <a:latin typeface="Arial"/>
+            </a:endParaRPr>
+          </a:p>
+        </p:txBody>
+      </p:sp>
+      <p:sp>
+        <p:nvSpPr>
+          <p:cNvPr id="348" name="CustomShape 3"/>
           <p:cNvSpPr/>
           <p:nvPr/>
         </p:nvSpPr>
         <p:spPr>
           <a:xfrm>
             <a:off x="10515600" y="6202080"/>
-            <a:ext cx="1595880" cy="423000"/>
+            <a:ext cx="1595520" cy="422640"/>
           </a:xfrm>
           <a:prstGeom prst="rect">
             <a:avLst/>
@@ -14978,7 +15112,7 @@
                 <a:spcPct val="100000"/>
               </a:lnSpc>
             </a:pPr>
-            <a:fld id="{975D4794-6316-4BDF-91BB-DDDDBF0BFD04}" type="slidenum">
+            <a:fld id="{B9066D29-366B-400D-B05B-7CFC4D6C62C2}" type="slidenum">
               <a:rPr b="0" lang="en-US" sz="1600" spc="-1" strike="noStrike">
                 <a:solidFill>
                   <a:srgbClr val="000000"/>
@@ -14996,7 +15130,7 @@
       </p:sp>
       <p:pic>
         <p:nvPicPr>
-          <p:cNvPr id="355" name="" descr=""/>
+          <p:cNvPr id="349" name="" descr=""/>
           <p:cNvPicPr/>
           <p:nvPr/>
         </p:nvPicPr>
@@ -15006,8 +15140,8 @@
         </p:blipFill>
         <p:spPr>
           <a:xfrm>
-            <a:off x="228600" y="4114800"/>
-            <a:ext cx="2949480" cy="1987560"/>
+            <a:off x="5943600" y="1268640"/>
+            <a:ext cx="3488760" cy="4681800"/>
           </a:xfrm>
           <a:prstGeom prst="rect">
             <a:avLst/>
@@ -15019,7 +15153,7 @@
       </p:pic>
       <p:pic>
         <p:nvPicPr>
-          <p:cNvPr id="356" name="" descr=""/>
+          <p:cNvPr id="350" name="" descr=""/>
           <p:cNvPicPr/>
           <p:nvPr/>
         </p:nvPicPr>
@@ -15029,43 +15163,18 @@
         </p:blipFill>
         <p:spPr>
           <a:xfrm>
-            <a:off x="6629400" y="1771920"/>
-            <a:ext cx="2158920" cy="1425600"/>
-          </a:xfrm>
-          <a:prstGeom prst="rect">
-            <a:avLst/>
-          </a:prstGeom>
-          <a:ln>
-            <a:solidFill>
-              <a:srgbClr val="3465a4"/>
-            </a:solidFill>
-            <a:prstDash val="dot"/>
-          </a:ln>
-        </p:spPr>
-      </p:pic>
-      <p:pic>
-        <p:nvPicPr>
-          <p:cNvPr id="357" name="" descr=""/>
-          <p:cNvPicPr/>
-          <p:nvPr/>
-        </p:nvPicPr>
-        <p:blipFill>
-          <a:blip r:embed="rId3"/>
-          <a:stretch/>
-        </p:blipFill>
-        <p:spPr>
-          <a:xfrm>
-            <a:off x="9258480" y="1828800"/>
-            <a:ext cx="1941120" cy="3826800"/>
-          </a:xfrm>
-          <a:prstGeom prst="rect">
-            <a:avLst/>
-          </a:prstGeom>
-          <a:ln>
+            <a:off x="9706320" y="1419480"/>
+            <a:ext cx="2405520" cy="4291560"/>
+          </a:xfrm>
+          <a:prstGeom prst="rect">
+            <a:avLst/>
+          </a:prstGeom>
+          <a:ln cap="rnd" w="12600">
             <a:solidFill>
               <a:srgbClr val="3465a4"/>
             </a:solidFill>
             <a:prstDash val="sysDot"/>
+            <a:round/>
           </a:ln>
         </p:spPr>
       </p:pic>
@@ -15101,14 +15210,14 @@
       </p:grpSpPr>
       <p:sp>
         <p:nvSpPr>
-          <p:cNvPr id="358" name="CustomShape 1"/>
+          <p:cNvPr id="351" name="CustomShape 1"/>
           <p:cNvSpPr/>
           <p:nvPr/>
         </p:nvSpPr>
         <p:spPr>
           <a:xfrm>
             <a:off x="686160" y="0"/>
-            <a:ext cx="10968480" cy="1140840"/>
+            <a:ext cx="10968120" cy="1140480"/>
           </a:xfrm>
           <a:prstGeom prst="rect">
             <a:avLst/>
@@ -15150,51 +15259,38 @@
             <a:br/>
             <a:br/>
             <a:r>
-              <a:rPr b="1" lang="en-US" sz="1800" spc="-1" strike="noStrike">
-                <a:solidFill>
-                  <a:srgbClr val="3465a4"/>
-                </a:solidFill>
-                <a:latin typeface="Arial"/>
-                <a:ea typeface="Noto Sans CJK SC"/>
-              </a:rPr>
-              <a:t>Configuration data</a:t>
-            </a:r>
-            <a:r>
-              <a:rPr b="1" lang="en-US" sz="1800" spc="-1" strike="noStrike">
+              <a:rPr b="1" lang="en-US" sz="2200" spc="-1" strike="noStrike">
                 <a:solidFill>
                   <a:srgbClr val="000000"/>
                 </a:solidFill>
                 <a:latin typeface="Arial"/>
                 <a:ea typeface="Noto Sans CJK SC"/>
               </a:rPr>
-              <a:t> - Secret</a:t>
-            </a:r>
-            <a:endParaRPr b="0" lang="en-US" sz="1800" spc="-1" strike="noStrike">
-              <a:latin typeface="Arial"/>
-            </a:endParaRPr>
-          </a:p>
-        </p:txBody>
-      </p:sp>
-      <p:sp>
-        <p:nvSpPr>
-          <p:cNvPr id="359" name="CustomShape 2"/>
+              <a:t>Network - Service</a:t>
+            </a:r>
+            <a:endParaRPr b="0" lang="en-US" sz="2200" spc="-1" strike="noStrike">
+              <a:latin typeface="Arial"/>
+            </a:endParaRPr>
+          </a:p>
+        </p:txBody>
+      </p:sp>
+      <p:sp>
+        <p:nvSpPr>
+          <p:cNvPr id="352" name="CustomShape 2"/>
           <p:cNvSpPr/>
           <p:nvPr/>
         </p:nvSpPr>
         <p:spPr>
           <a:xfrm>
-            <a:off x="228600" y="1600200"/>
-            <a:ext cx="5026320" cy="2511720"/>
+            <a:off x="10515600" y="6202080"/>
+            <a:ext cx="1595520" cy="422640"/>
           </a:xfrm>
           <a:prstGeom prst="rect">
             <a:avLst/>
           </a:prstGeom>
           <a:noFill/>
-          <a:ln cap="rnd" w="6480">
-            <a:solidFill>
-              <a:srgbClr val="5eb91e"/>
-            </a:solidFill>
-            <a:round/>
+          <a:ln>
+            <a:noFill/>
           </a:ln>
         </p:spPr>
         <p:style>
@@ -15204,195 +15300,6 @@
           <a:fontRef idx="minor"/>
         </p:style>
         <p:txBody>
-          <a:bodyPr lIns="93240" rIns="93240" tIns="48240" bIns="48240">
-            <a:noAutofit/>
-          </a:bodyPr>
-          <a:p>
-            <a:pPr marL="432000" indent="-323280">
-              <a:lnSpc>
-                <a:spcPct val="100000"/>
-              </a:lnSpc>
-              <a:spcBef>
-                <a:spcPts val="1417"/>
-              </a:spcBef>
-              <a:buClr>
-                <a:srgbClr val="000000"/>
-              </a:buClr>
-              <a:buSzPct val="45000"/>
-              <a:buFont typeface="Wingdings" charset="2"/>
-              <a:buChar char=""/>
-            </a:pPr>
-            <a:r>
-              <a:rPr b="0" lang="en-US" sz="1800" spc="-1" strike="noStrike">
-                <a:solidFill>
-                  <a:srgbClr val="3c3e41"/>
-                </a:solidFill>
-                <a:latin typeface="Arial"/>
-              </a:rPr>
-              <a:t>Key-value pairs of data</a:t>
-            </a:r>
-            <a:endParaRPr b="0" lang="en-US" sz="1800" spc="-1" strike="noStrike">
-              <a:latin typeface="Arial"/>
-            </a:endParaRPr>
-          </a:p>
-          <a:p>
-            <a:pPr marL="432000" indent="-323280">
-              <a:lnSpc>
-                <a:spcPct val="100000"/>
-              </a:lnSpc>
-              <a:spcBef>
-                <a:spcPts val="1417"/>
-              </a:spcBef>
-              <a:buClr>
-                <a:srgbClr val="000000"/>
-              </a:buClr>
-              <a:buSzPct val="45000"/>
-              <a:buFont typeface="Wingdings" charset="2"/>
-              <a:buChar char=""/>
-            </a:pPr>
-            <a:r>
-              <a:rPr b="0" lang="en-US" sz="1800" spc="-1" strike="noStrike">
-                <a:solidFill>
-                  <a:srgbClr val="3c3e41"/>
-                </a:solidFill>
-                <a:latin typeface="Arial"/>
-              </a:rPr>
-              <a:t>Manage pods configuration data</a:t>
-            </a:r>
-            <a:endParaRPr b="0" lang="en-US" sz="1800" spc="-1" strike="noStrike">
-              <a:latin typeface="Arial"/>
-            </a:endParaRPr>
-          </a:p>
-          <a:p>
-            <a:pPr lvl="1" marL="864000" indent="-323280">
-              <a:lnSpc>
-                <a:spcPct val="100000"/>
-              </a:lnSpc>
-              <a:spcBef>
-                <a:spcPts val="1134"/>
-              </a:spcBef>
-              <a:buClr>
-                <a:srgbClr val="000000"/>
-              </a:buClr>
-              <a:buSzPct val="75000"/>
-              <a:buFont typeface="Symbol"/>
-              <a:buChar char=""/>
-            </a:pPr>
-            <a:r>
-              <a:rPr b="0" lang="en-US" sz="1800" spc="-1" strike="noStrike">
-                <a:solidFill>
-                  <a:srgbClr val="3c3e41"/>
-                </a:solidFill>
-                <a:latin typeface="Arial"/>
-              </a:rPr>
-              <a:t>Environment variables</a:t>
-            </a:r>
-            <a:endParaRPr b="0" lang="en-US" sz="1800" spc="-1" strike="noStrike">
-              <a:latin typeface="Arial"/>
-            </a:endParaRPr>
-          </a:p>
-          <a:p>
-            <a:pPr lvl="1" marL="864000" indent="-323280">
-              <a:lnSpc>
-                <a:spcPct val="100000"/>
-              </a:lnSpc>
-              <a:spcBef>
-                <a:spcPts val="1134"/>
-              </a:spcBef>
-              <a:buClr>
-                <a:srgbClr val="000000"/>
-              </a:buClr>
-              <a:buSzPct val="75000"/>
-              <a:buFont typeface="Symbol"/>
-              <a:buChar char=""/>
-            </a:pPr>
-            <a:r>
-              <a:rPr b="0" lang="en-US" sz="1800" spc="-1" strike="noStrike">
-                <a:solidFill>
-                  <a:srgbClr val="3c3e41"/>
-                </a:solidFill>
-                <a:latin typeface="Arial"/>
-              </a:rPr>
-              <a:t>Secret files</a:t>
-            </a:r>
-            <a:endParaRPr b="0" lang="en-US" sz="1800" spc="-1" strike="noStrike">
-              <a:latin typeface="Arial"/>
-            </a:endParaRPr>
-          </a:p>
-          <a:p>
-            <a:pPr marL="432000" indent="-323280">
-              <a:lnSpc>
-                <a:spcPct val="100000"/>
-              </a:lnSpc>
-              <a:spcBef>
-                <a:spcPts val="1417"/>
-              </a:spcBef>
-              <a:buClr>
-                <a:srgbClr val="000000"/>
-              </a:buClr>
-              <a:buSzPct val="45000"/>
-              <a:buFont typeface="Wingdings" charset="2"/>
-              <a:buChar char=""/>
-            </a:pPr>
-            <a:r>
-              <a:rPr b="0" lang="en-US" sz="1800" spc="-1" strike="noStrike">
-                <a:solidFill>
-                  <a:srgbClr val="3c3e41"/>
-                </a:solidFill>
-                <a:latin typeface="Arial"/>
-              </a:rPr>
-              <a:t>Used for </a:t>
-            </a:r>
-            <a:r>
-              <a:rPr b="0" lang="en-US" sz="1800" spc="-1" strike="noStrike">
-                <a:solidFill>
-                  <a:srgbClr val="c9211e"/>
-                </a:solidFill>
-                <a:latin typeface="Arial"/>
-              </a:rPr>
-              <a:t>sensitive</a:t>
-            </a:r>
-            <a:r>
-              <a:rPr b="0" lang="en-US" sz="1800" spc="-1" strike="noStrike">
-                <a:solidFill>
-                  <a:srgbClr val="3c3e41"/>
-                </a:solidFill>
-                <a:latin typeface="Arial"/>
-              </a:rPr>
-              <a:t> data (base64–encoded)</a:t>
-            </a:r>
-            <a:endParaRPr b="0" lang="en-US" sz="1800" spc="-1" strike="noStrike">
-              <a:latin typeface="Arial"/>
-            </a:endParaRPr>
-          </a:p>
-        </p:txBody>
-      </p:sp>
-      <p:sp>
-        <p:nvSpPr>
-          <p:cNvPr id="360" name="CustomShape 3"/>
-          <p:cNvSpPr/>
-          <p:nvPr/>
-        </p:nvSpPr>
-        <p:spPr>
-          <a:xfrm>
-            <a:off x="10515600" y="6202080"/>
-            <a:ext cx="1595880" cy="423000"/>
-          </a:xfrm>
-          <a:prstGeom prst="rect">
-            <a:avLst/>
-          </a:prstGeom>
-          <a:noFill/>
-          <a:ln>
-            <a:noFill/>
-          </a:ln>
-        </p:spPr>
-        <p:style>
-          <a:lnRef idx="0"/>
-          <a:fillRef idx="0"/>
-          <a:effectRef idx="0"/>
-          <a:fontRef idx="minor"/>
-        </p:style>
-        <p:txBody>
           <a:bodyPr lIns="90000" rIns="90000" tIns="45000" bIns="45000">
             <a:noAutofit/>
           </a:bodyPr>
@@ -15402,7 +15309,7 @@
                 <a:spcPct val="100000"/>
               </a:lnSpc>
             </a:pPr>
-            <a:fld id="{15F1D8DD-9F49-458D-894D-A1670B3961BD}" type="slidenum">
+            <a:fld id="{11D4AEAD-AF07-4A51-B765-A0072129DD2C}" type="slidenum">
               <a:rPr b="0" lang="en-US" sz="1600" spc="-1" strike="noStrike">
                 <a:solidFill>
                   <a:srgbClr val="000000"/>
@@ -15420,7 +15327,7 @@
       </p:sp>
       <p:pic>
         <p:nvPicPr>
-          <p:cNvPr id="361" name="" descr=""/>
+          <p:cNvPr id="353" name="" descr=""/>
           <p:cNvPicPr/>
           <p:nvPr/>
         </p:nvPicPr>
@@ -15430,8 +15337,8 @@
         </p:blipFill>
         <p:spPr>
           <a:xfrm>
-            <a:off x="6858000" y="1595520"/>
-            <a:ext cx="1940040" cy="1177920"/>
+            <a:off x="3434040" y="3972240"/>
+            <a:ext cx="1672560" cy="1967760"/>
           </a:xfrm>
           <a:prstGeom prst="rect">
             <a:avLst/>
@@ -15446,7 +15353,7 @@
       </p:pic>
       <p:pic>
         <p:nvPicPr>
-          <p:cNvPr id="362" name="" descr=""/>
+          <p:cNvPr id="354" name="" descr=""/>
           <p:cNvPicPr/>
           <p:nvPr/>
         </p:nvPicPr>
@@ -15456,8 +15363,8 @@
         </p:blipFill>
         <p:spPr>
           <a:xfrm>
-            <a:off x="486000" y="4343400"/>
-            <a:ext cx="2482920" cy="1987560"/>
+            <a:off x="228600" y="1828800"/>
+            <a:ext cx="3196800" cy="4330080"/>
           </a:xfrm>
           <a:prstGeom prst="rect">
             <a:avLst/>
@@ -15469,7 +15376,7 @@
       </p:pic>
       <p:pic>
         <p:nvPicPr>
-          <p:cNvPr id="363" name="" descr=""/>
+          <p:cNvPr id="355" name="" descr=""/>
           <p:cNvPicPr/>
           <p:nvPr/>
         </p:nvPicPr>
@@ -15479,17 +15386,40 @@
         </p:blipFill>
         <p:spPr>
           <a:xfrm>
-            <a:off x="9372600" y="1600200"/>
-            <a:ext cx="1941120" cy="4046040"/>
-          </a:xfrm>
-          <a:prstGeom prst="rect">
-            <a:avLst/>
-          </a:prstGeom>
-          <a:ln cap="rnd">
+            <a:off x="6445080" y="1828800"/>
+            <a:ext cx="3381120" cy="4339800"/>
+          </a:xfrm>
+          <a:prstGeom prst="rect">
+            <a:avLst/>
+          </a:prstGeom>
+          <a:ln>
+            <a:noFill/>
+          </a:ln>
+        </p:spPr>
+      </p:pic>
+      <p:pic>
+        <p:nvPicPr>
+          <p:cNvPr id="356" name="" descr=""/>
+          <p:cNvPicPr/>
+          <p:nvPr/>
+        </p:nvPicPr>
+        <p:blipFill>
+          <a:blip r:embed="rId4"/>
+          <a:stretch/>
+        </p:blipFill>
+        <p:spPr>
+          <a:xfrm>
+            <a:off x="9829800" y="3972240"/>
+            <a:ext cx="1672560" cy="1967760"/>
+          </a:xfrm>
+          <a:prstGeom prst="rect">
+            <a:avLst/>
+          </a:prstGeom>
+          <a:ln>
             <a:solidFill>
               <a:srgbClr val="3465a4"/>
             </a:solidFill>
-            <a:prstDash val="sysDot"/>
+            <a:prstDash val="dot"/>
           </a:ln>
         </p:spPr>
       </p:pic>
@@ -15525,14 +15455,14 @@
       </p:grpSpPr>
       <p:sp>
         <p:nvSpPr>
-          <p:cNvPr id="364" name="CustomShape 1"/>
+          <p:cNvPr id="357" name="CustomShape 1"/>
           <p:cNvSpPr/>
           <p:nvPr/>
         </p:nvSpPr>
         <p:spPr>
           <a:xfrm>
             <a:off x="686160" y="0"/>
-            <a:ext cx="10968480" cy="1140840"/>
+            <a:ext cx="10968120" cy="1140480"/>
           </a:xfrm>
           <a:prstGeom prst="rect">
             <a:avLst/>
@@ -15574,31 +15504,31 @@
             <a:br/>
             <a:br/>
             <a:r>
-              <a:rPr b="1" lang="en-US" sz="1800" spc="-1" strike="noStrike">
+              <a:rPr b="1" lang="en-US" sz="2200" spc="-1" strike="noStrike">
                 <a:solidFill>
-                  <a:srgbClr val="3465a4"/>
+                  <a:srgbClr val="000000"/>
                 </a:solidFill>
                 <a:latin typeface="Arial"/>
                 <a:ea typeface="Noto Sans CJK SC"/>
               </a:rPr>
-              <a:t>Persistent Storage – Persistent Volume, Persistent Volume Claim</a:t>
-            </a:r>
-            <a:endParaRPr b="0" lang="en-US" sz="1800" spc="-1" strike="noStrike">
-              <a:latin typeface="Arial"/>
-            </a:endParaRPr>
-          </a:p>
-        </p:txBody>
-      </p:sp>
-      <p:sp>
-        <p:nvSpPr>
-          <p:cNvPr id="365" name="CustomShape 2"/>
+              <a:t>Network - Ingress</a:t>
+            </a:r>
+            <a:endParaRPr b="0" lang="en-US" sz="2200" spc="-1" strike="noStrike">
+              <a:latin typeface="Arial"/>
+            </a:endParaRPr>
+          </a:p>
+        </p:txBody>
+      </p:sp>
+      <p:sp>
+        <p:nvSpPr>
+          <p:cNvPr id="358" name="CustomShape 2"/>
           <p:cNvSpPr/>
           <p:nvPr/>
         </p:nvSpPr>
         <p:spPr>
           <a:xfrm>
-            <a:off x="-228600" y="1371600"/>
-            <a:ext cx="4112640" cy="5027040"/>
+            <a:off x="228600" y="1600200"/>
+            <a:ext cx="3655800" cy="1598400"/>
           </a:xfrm>
           <a:prstGeom prst="rect">
             <a:avLst/>
@@ -15622,7 +15552,7 @@
             <a:noAutofit/>
           </a:bodyPr>
           <a:p>
-            <a:pPr marL="432000" indent="-323280">
+            <a:pPr marL="432000" indent="-322920">
               <a:lnSpc>
                 <a:spcPct val="100000"/>
               </a:lnSpc>
@@ -15642,36 +15572,19 @@
                   <a:srgbClr val="3c3e41"/>
                 </a:solidFill>
                 <a:latin typeface="Arial"/>
-              </a:rPr>
-              <a:t>Persistent volume:</a:t>
-            </a:r>
-            <a:endParaRPr b="0" lang="en-US" sz="1800" spc="-1" strike="noStrike">
-              <a:latin typeface="Arial"/>
-            </a:endParaRPr>
-          </a:p>
-          <a:p>
-            <a:pPr lvl="1" marL="864000" indent="-323280">
-              <a:lnSpc>
-                <a:spcPct val="100000"/>
-              </a:lnSpc>
-              <a:spcBef>
-                <a:spcPts val="1134"/>
-              </a:spcBef>
-              <a:buClr>
-                <a:srgbClr val="000000"/>
-              </a:buClr>
-              <a:buSzPct val="75000"/>
-              <a:buFont typeface="Symbol"/>
-              <a:buChar char=""/>
-            </a:pPr>
+                <a:ea typeface="DejaVu Sans"/>
+              </a:rPr>
+              <a:t>Provide access to application by providing </a:t>
+            </a:r>
             <a:r>
               <a:rPr b="0" lang="en-US" sz="1800" spc="-1" strike="noStrike">
                 <a:solidFill>
                   <a:srgbClr val="c9211e"/>
                 </a:solidFill>
                 <a:latin typeface="Arial"/>
-              </a:rPr>
-              <a:t>Static</a:t>
+                <a:ea typeface="DejaVu Sans"/>
+              </a:rPr>
+              <a:t>readable</a:t>
             </a:r>
             <a:r>
               <a:rPr b="0" lang="en-US" sz="1800" spc="-1" strike="noStrike">
@@ -15679,193 +15592,66 @@
                   <a:srgbClr val="3c3e41"/>
                 </a:solidFill>
                 <a:latin typeface="Arial"/>
-              </a:rPr>
-              <a:t> storage allocated in a cluster</a:t>
-            </a:r>
-            <a:endParaRPr b="0" lang="en-US" sz="1800" spc="-1" strike="noStrike">
-              <a:latin typeface="Arial"/>
-            </a:endParaRPr>
-          </a:p>
-          <a:p>
-            <a:pPr lvl="1" marL="864000" indent="-323280">
-              <a:lnSpc>
-                <a:spcPct val="100000"/>
-              </a:lnSpc>
-              <a:spcBef>
-                <a:spcPts val="1134"/>
-              </a:spcBef>
-              <a:buClr>
-                <a:srgbClr val="000000"/>
-              </a:buClr>
-              <a:buSzPct val="75000"/>
-              <a:buFont typeface="Symbol"/>
-              <a:buChar char=""/>
-            </a:pPr>
+                <a:ea typeface="DejaVu Sans"/>
+              </a:rPr>
+              <a:t> human URL with http/</a:t>
+            </a:r>
+            <a:r>
+              <a:rPr b="0" lang="en-US" sz="1800" spc="-1" strike="noStrike">
+                <a:solidFill>
+                  <a:srgbClr val="c9211e"/>
+                </a:solidFill>
+                <a:latin typeface="Arial"/>
+                <a:ea typeface="DejaVu Sans"/>
+              </a:rPr>
+              <a:t>https</a:t>
+            </a:r>
             <a:r>
               <a:rPr b="0" lang="en-US" sz="1800" spc="-1" strike="noStrike">
                 <a:solidFill>
                   <a:srgbClr val="3c3e41"/>
                 </a:solidFill>
                 <a:latin typeface="Arial"/>
-              </a:rPr>
-              <a:t>Independent from pod’s lifecycle</a:t>
-            </a:r>
-            <a:endParaRPr b="0" lang="en-US" sz="1800" spc="-1" strike="noStrike">
-              <a:latin typeface="Arial"/>
-            </a:endParaRPr>
-          </a:p>
-          <a:p>
-            <a:pPr lvl="1" marL="864000" indent="-323280">
-              <a:lnSpc>
-                <a:spcPct val="100000"/>
-              </a:lnSpc>
-              <a:spcBef>
-                <a:spcPts val="1134"/>
-              </a:spcBef>
-              <a:buClr>
-                <a:srgbClr val="000000"/>
-              </a:buClr>
-              <a:buSzPct val="75000"/>
-              <a:buFont typeface="Symbol"/>
-              <a:buChar char=""/>
-            </a:pPr>
+                <a:ea typeface="DejaVu Sans"/>
+              </a:rPr>
+              <a:t> protocols and routing </a:t>
+            </a:r>
+            <a:r>
+              <a:rPr b="0" lang="en-US" sz="1800" spc="-1" strike="noStrike">
+                <a:solidFill>
+                  <a:srgbClr val="c9211e"/>
+                </a:solidFill>
+                <a:latin typeface="Arial"/>
+                <a:ea typeface="DejaVu Sans"/>
+              </a:rPr>
+              <a:t>rules</a:t>
+            </a:r>
             <a:r>
               <a:rPr b="0" lang="en-US" sz="1800" spc="-1" strike="noStrike">
                 <a:solidFill>
                   <a:srgbClr val="3c3e41"/>
                 </a:solidFill>
                 <a:latin typeface="Arial"/>
-              </a:rPr>
-              <a:t>Provisioned by cluster admin</a:t>
+                <a:ea typeface="DejaVu Sans"/>
+              </a:rPr>
+              <a:t>.</a:t>
             </a:r>
             <a:endParaRPr b="0" lang="en-US" sz="1800" spc="-1" strike="noStrike">
               <a:latin typeface="Arial"/>
             </a:endParaRPr>
           </a:p>
-          <a:p>
-            <a:pPr marL="432000" indent="-323280">
-              <a:lnSpc>
-                <a:spcPct val="100000"/>
-              </a:lnSpc>
-              <a:spcBef>
-                <a:spcPts val="1417"/>
-              </a:spcBef>
-              <a:buClr>
-                <a:srgbClr val="000000"/>
-              </a:buClr>
-              <a:buSzPct val="45000"/>
-              <a:buFont typeface="Wingdings" charset="2"/>
-              <a:buChar char=""/>
-            </a:pPr>
-            <a:r>
-              <a:rPr b="0" lang="en-US" sz="1800" spc="-1" strike="noStrike">
-                <a:solidFill>
-                  <a:srgbClr val="3c3e41"/>
-                </a:solidFill>
-                <a:latin typeface="Arial"/>
-              </a:rPr>
-              <a:t>Persistent volume claim:</a:t>
-            </a:r>
-            <a:endParaRPr b="0" lang="en-US" sz="1800" spc="-1" strike="noStrike">
-              <a:latin typeface="Arial"/>
-            </a:endParaRPr>
-          </a:p>
-          <a:p>
-            <a:pPr lvl="1" marL="864000" indent="-323280">
-              <a:lnSpc>
-                <a:spcPct val="100000"/>
-              </a:lnSpc>
-              <a:spcBef>
-                <a:spcPts val="1134"/>
-              </a:spcBef>
-              <a:buClr>
-                <a:srgbClr val="000000"/>
-              </a:buClr>
-              <a:buSzPct val="75000"/>
-              <a:buFont typeface="Symbol"/>
-              <a:buChar char=""/>
-            </a:pPr>
-            <a:r>
-              <a:rPr b="0" lang="en-US" sz="1800" spc="-1" strike="noStrike">
-                <a:solidFill>
-                  <a:srgbClr val="3c3e41"/>
-                </a:solidFill>
-                <a:latin typeface="Arial"/>
-              </a:rPr>
-              <a:t>Dynamic storage request</a:t>
-            </a:r>
-            <a:endParaRPr b="0" lang="en-US" sz="1800" spc="-1" strike="noStrike">
-              <a:latin typeface="Arial"/>
-            </a:endParaRPr>
-          </a:p>
-          <a:p>
-            <a:pPr lvl="1" marL="864000" indent="-323280">
-              <a:lnSpc>
-                <a:spcPct val="100000"/>
-              </a:lnSpc>
-              <a:spcBef>
-                <a:spcPts val="1134"/>
-              </a:spcBef>
-              <a:buClr>
-                <a:srgbClr val="000000"/>
-              </a:buClr>
-              <a:buSzPct val="75000"/>
-              <a:buFont typeface="Symbol"/>
-              <a:buChar char=""/>
-            </a:pPr>
-            <a:r>
-              <a:rPr b="0" lang="en-US" sz="1800" spc="-1" strike="noStrike">
-                <a:solidFill>
-                  <a:srgbClr val="3c3e41"/>
-                </a:solidFill>
-                <a:latin typeface="Arial"/>
-              </a:rPr>
-              <a:t>Depending on pod’s lifecycle</a:t>
-            </a:r>
-            <a:endParaRPr b="0" lang="en-US" sz="1800" spc="-1" strike="noStrike">
-              <a:latin typeface="Arial"/>
-            </a:endParaRPr>
-          </a:p>
-          <a:p>
-            <a:pPr lvl="1" marL="864000" indent="-323280">
-              <a:lnSpc>
-                <a:spcPct val="100000"/>
-              </a:lnSpc>
-              <a:spcBef>
-                <a:spcPts val="1134"/>
-              </a:spcBef>
-              <a:buClr>
-                <a:srgbClr val="000000"/>
-              </a:buClr>
-              <a:buSzPct val="75000"/>
-              <a:buFont typeface="Symbol"/>
-              <a:buChar char=""/>
-            </a:pPr>
-            <a:r>
-              <a:rPr b="0" lang="en-US" sz="1800" spc="-1" strike="noStrike">
-                <a:solidFill>
-                  <a:srgbClr val="3c3e41"/>
-                </a:solidFill>
-                <a:latin typeface="Arial"/>
-              </a:rPr>
-              <a:t>Asked by pods</a:t>
-            </a:r>
-            <a:endParaRPr b="0" lang="en-US" sz="1800" spc="-1" strike="noStrike">
-              <a:latin typeface="Arial"/>
-            </a:endParaRPr>
-          </a:p>
-        </p:txBody>
-      </p:sp>
-      <p:sp>
-        <p:nvSpPr>
-          <p:cNvPr id="366" name="CustomShape 3"/>
+        </p:txBody>
+      </p:sp>
+      <p:sp>
+        <p:nvSpPr>
+          <p:cNvPr id="359" name="CustomShape 3"/>
           <p:cNvSpPr/>
           <p:nvPr/>
         </p:nvSpPr>
         <p:spPr>
           <a:xfrm>
             <a:off x="10515600" y="6202080"/>
-            <a:ext cx="1595880" cy="423000"/>
+            <a:ext cx="1595520" cy="422640"/>
           </a:xfrm>
           <a:prstGeom prst="rect">
             <a:avLst/>
@@ -15891,7 +15677,7 @@
                 <a:spcPct val="100000"/>
               </a:lnSpc>
             </a:pPr>
-            <a:fld id="{78516FA0-798B-4558-A3AA-DC0279B18CE9}" type="slidenum">
+            <a:fld id="{D62AD1BE-2738-4B2D-AD14-B7A65D254318}" type="slidenum">
               <a:rPr b="0" lang="en-US" sz="1600" spc="-1" strike="noStrike">
                 <a:solidFill>
                   <a:srgbClr val="000000"/>
@@ -15909,7 +15695,7 @@
       </p:sp>
       <p:pic>
         <p:nvPicPr>
-          <p:cNvPr id="367" name="" descr=""/>
+          <p:cNvPr id="360" name="" descr=""/>
           <p:cNvPicPr/>
           <p:nvPr/>
         </p:nvPicPr>
@@ -15919,8 +15705,8 @@
         </p:blipFill>
         <p:spPr>
           <a:xfrm>
-            <a:off x="4114800" y="1371600"/>
-            <a:ext cx="3797640" cy="4798800"/>
+            <a:off x="8258400" y="1600200"/>
+            <a:ext cx="3855600" cy="4341600"/>
           </a:xfrm>
           <a:prstGeom prst="rect">
             <a:avLst/>
@@ -15929,13 +15715,13 @@
             <a:solidFill>
               <a:srgbClr val="3465a4"/>
             </a:solidFill>
-            <a:prstDash val="sysDot"/>
+            <a:prstDash val="dot"/>
           </a:ln>
         </p:spPr>
       </p:pic>
       <p:pic>
         <p:nvPicPr>
-          <p:cNvPr id="368" name="" descr=""/>
+          <p:cNvPr id="361" name="" descr=""/>
           <p:cNvPicPr/>
           <p:nvPr/>
         </p:nvPicPr>
@@ -15945,17 +15731,17 @@
         </p:blipFill>
         <p:spPr>
           <a:xfrm>
-            <a:off x="8353800" y="1371600"/>
-            <a:ext cx="3303000" cy="4798800"/>
-          </a:xfrm>
-          <a:prstGeom prst="rect">
-            <a:avLst/>
-          </a:prstGeom>
-          <a:ln cap="rnd">
+            <a:off x="4064400" y="1600200"/>
+            <a:ext cx="4074480" cy="4341600"/>
+          </a:xfrm>
+          <a:prstGeom prst="rect">
+            <a:avLst/>
+          </a:prstGeom>
+          <a:ln>
             <a:solidFill>
               <a:srgbClr val="3465a4"/>
             </a:solidFill>
-            <a:prstDash val="sysDot"/>
+            <a:prstDash val="dot"/>
           </a:ln>
         </p:spPr>
       </p:pic>
@@ -15991,14 +15777,14 @@
       </p:grpSpPr>
       <p:sp>
         <p:nvSpPr>
-          <p:cNvPr id="369" name="CustomShape 1"/>
+          <p:cNvPr id="362" name="CustomShape 1"/>
           <p:cNvSpPr/>
           <p:nvPr/>
         </p:nvSpPr>
         <p:spPr>
           <a:xfrm>
             <a:off x="686160" y="0"/>
-            <a:ext cx="10968480" cy="1140840"/>
+            <a:ext cx="10968120" cy="1140480"/>
           </a:xfrm>
           <a:prstGeom prst="rect">
             <a:avLst/>
@@ -16047,7 +15833,17 @@
                 <a:latin typeface="Arial"/>
                 <a:ea typeface="Noto Sans CJK SC"/>
               </a:rPr>
-              <a:t>Persistent Storage – Persistent Volume, Persistent Volume Claim</a:t>
+              <a:t>Configuration data</a:t>
+            </a:r>
+            <a:r>
+              <a:rPr b="1" lang="en-US" sz="1800" spc="-1" strike="noStrike">
+                <a:solidFill>
+                  <a:srgbClr val="000000"/>
+                </a:solidFill>
+                <a:latin typeface="Arial"/>
+                <a:ea typeface="Noto Sans CJK SC"/>
+              </a:rPr>
+              <a:t> - ConfigMap</a:t>
             </a:r>
             <a:endParaRPr b="0" lang="en-US" sz="1800" spc="-1" strike="noStrike">
               <a:latin typeface="Arial"/>
@@ -16057,21 +15853,24 @@
       </p:sp>
       <p:sp>
         <p:nvSpPr>
-          <p:cNvPr id="370" name="CustomShape 2"/>
+          <p:cNvPr id="363" name="CustomShape 2"/>
           <p:cNvSpPr/>
           <p:nvPr/>
         </p:nvSpPr>
         <p:spPr>
           <a:xfrm>
-            <a:off x="10515600" y="6202080"/>
-            <a:ext cx="1595880" cy="423000"/>
+            <a:off x="228600" y="1600200"/>
+            <a:ext cx="4797360" cy="2282760"/>
           </a:xfrm>
           <a:prstGeom prst="rect">
             <a:avLst/>
           </a:prstGeom>
           <a:noFill/>
-          <a:ln>
-            <a:noFill/>
+          <a:ln cap="rnd" w="6480">
+            <a:solidFill>
+              <a:srgbClr val="5eb91e"/>
+            </a:solidFill>
+            <a:round/>
           </a:ln>
         </p:spPr>
         <p:style>
@@ -16081,6 +15880,202 @@
           <a:fontRef idx="minor"/>
         </p:style>
         <p:txBody>
+          <a:bodyPr lIns="93240" rIns="93240" tIns="48240" bIns="48240">
+            <a:noAutofit/>
+          </a:bodyPr>
+          <a:p>
+            <a:pPr marL="432000" indent="-322920">
+              <a:lnSpc>
+                <a:spcPct val="100000"/>
+              </a:lnSpc>
+              <a:spcBef>
+                <a:spcPts val="1417"/>
+              </a:spcBef>
+              <a:buClr>
+                <a:srgbClr val="000000"/>
+              </a:buClr>
+              <a:buSzPct val="45000"/>
+              <a:buFont typeface="Wingdings" charset="2"/>
+              <a:buChar char=""/>
+            </a:pPr>
+            <a:r>
+              <a:rPr b="0" lang="en-US" sz="1800" spc="-1" strike="noStrike">
+                <a:solidFill>
+                  <a:srgbClr val="3c3e41"/>
+                </a:solidFill>
+                <a:latin typeface="Arial"/>
+                <a:ea typeface="DejaVu Sans"/>
+              </a:rPr>
+              <a:t>Key-value pairs of data</a:t>
+            </a:r>
+            <a:endParaRPr b="0" lang="en-US" sz="1800" spc="-1" strike="noStrike">
+              <a:latin typeface="Arial"/>
+            </a:endParaRPr>
+          </a:p>
+          <a:p>
+            <a:pPr marL="432000" indent="-322920">
+              <a:lnSpc>
+                <a:spcPct val="100000"/>
+              </a:lnSpc>
+              <a:spcBef>
+                <a:spcPts val="1417"/>
+              </a:spcBef>
+              <a:buClr>
+                <a:srgbClr val="000000"/>
+              </a:buClr>
+              <a:buSzPct val="45000"/>
+              <a:buFont typeface="Wingdings" charset="2"/>
+              <a:buChar char=""/>
+            </a:pPr>
+            <a:r>
+              <a:rPr b="0" lang="en-US" sz="1800" spc="-1" strike="noStrike">
+                <a:solidFill>
+                  <a:srgbClr val="3c3e41"/>
+                </a:solidFill>
+                <a:latin typeface="Arial"/>
+                <a:ea typeface="DejaVu Sans"/>
+              </a:rPr>
+              <a:t>Manage pods configuration data</a:t>
+            </a:r>
+            <a:endParaRPr b="0" lang="en-US" sz="1800" spc="-1" strike="noStrike">
+              <a:latin typeface="Arial"/>
+            </a:endParaRPr>
+          </a:p>
+          <a:p>
+            <a:pPr lvl="1" marL="864000" indent="-322920">
+              <a:lnSpc>
+                <a:spcPct val="100000"/>
+              </a:lnSpc>
+              <a:spcBef>
+                <a:spcPts val="1134"/>
+              </a:spcBef>
+              <a:buClr>
+                <a:srgbClr val="000000"/>
+              </a:buClr>
+              <a:buSzPct val="75000"/>
+              <a:buFont typeface="Symbol"/>
+              <a:buChar char=""/>
+            </a:pPr>
+            <a:r>
+              <a:rPr b="0" lang="en-US" sz="1800" spc="-1" strike="noStrike">
+                <a:solidFill>
+                  <a:srgbClr val="3c3e41"/>
+                </a:solidFill>
+                <a:latin typeface="Arial"/>
+                <a:ea typeface="DejaVu Sans"/>
+              </a:rPr>
+              <a:t>Environment variables</a:t>
+            </a:r>
+            <a:endParaRPr b="0" lang="en-US" sz="1800" spc="-1" strike="noStrike">
+              <a:latin typeface="Arial"/>
+            </a:endParaRPr>
+          </a:p>
+          <a:p>
+            <a:pPr lvl="1" marL="864000" indent="-322920">
+              <a:lnSpc>
+                <a:spcPct val="100000"/>
+              </a:lnSpc>
+              <a:spcBef>
+                <a:spcPts val="1134"/>
+              </a:spcBef>
+              <a:buClr>
+                <a:srgbClr val="000000"/>
+              </a:buClr>
+              <a:buSzPct val="75000"/>
+              <a:buFont typeface="Symbol"/>
+              <a:buChar char=""/>
+            </a:pPr>
+            <a:r>
+              <a:rPr b="0" lang="en-US" sz="1800" spc="-1" strike="noStrike">
+                <a:solidFill>
+                  <a:srgbClr val="3c3e41"/>
+                </a:solidFill>
+                <a:latin typeface="Arial"/>
+                <a:ea typeface="DejaVu Sans"/>
+              </a:rPr>
+              <a:t>Configuration files</a:t>
+            </a:r>
+            <a:endParaRPr b="0" lang="en-US" sz="1800" spc="-1" strike="noStrike">
+              <a:latin typeface="Arial"/>
+            </a:endParaRPr>
+          </a:p>
+          <a:p>
+            <a:pPr marL="432000" indent="-322920">
+              <a:lnSpc>
+                <a:spcPct val="100000"/>
+              </a:lnSpc>
+              <a:spcBef>
+                <a:spcPts val="1417"/>
+              </a:spcBef>
+              <a:buClr>
+                <a:srgbClr val="000000"/>
+              </a:buClr>
+              <a:buSzPct val="45000"/>
+              <a:buFont typeface="Wingdings" charset="2"/>
+              <a:buChar char=""/>
+            </a:pPr>
+            <a:r>
+              <a:rPr b="0" lang="en-US" sz="1800" spc="-1" strike="noStrike">
+                <a:solidFill>
+                  <a:srgbClr val="3c3e41"/>
+                </a:solidFill>
+                <a:latin typeface="Arial"/>
+                <a:ea typeface="DejaVu Sans"/>
+              </a:rPr>
+              <a:t>Used for </a:t>
+            </a:r>
+            <a:r>
+              <a:rPr b="0" lang="en-US" sz="1800" spc="-1" strike="noStrike">
+                <a:solidFill>
+                  <a:srgbClr val="c9211e"/>
+                </a:solidFill>
+                <a:latin typeface="Arial"/>
+                <a:ea typeface="DejaVu Sans"/>
+              </a:rPr>
+              <a:t>non-sensitive</a:t>
+            </a:r>
+            <a:r>
+              <a:rPr b="0" lang="en-US" sz="1800" spc="-1" strike="noStrike">
+                <a:solidFill>
+                  <a:srgbClr val="3c3e41"/>
+                </a:solidFill>
+                <a:latin typeface="Arial"/>
+                <a:ea typeface="DejaVu Sans"/>
+              </a:rPr>
+              <a:t> data (plain text)</a:t>
+            </a:r>
+            <a:endParaRPr b="0" lang="en-US" sz="1800" spc="-1" strike="noStrike">
+              <a:latin typeface="Arial"/>
+            </a:endParaRPr>
+          </a:p>
+        </p:txBody>
+      </p:sp>
+      <p:sp>
+        <p:nvSpPr>
+          <p:cNvPr id="364" name="CustomShape 3"/>
+          <p:cNvSpPr/>
+          <p:nvPr/>
+        </p:nvSpPr>
+        <p:spPr>
+          <a:xfrm>
+            <a:off x="10515600" y="6202080"/>
+            <a:ext cx="1595520" cy="422640"/>
+          </a:xfrm>
+          <a:prstGeom prst="rect">
+            <a:avLst/>
+          </a:prstGeom>
+          <a:noFill/>
+          <a:ln>
+            <a:noFill/>
+          </a:ln>
+        </p:spPr>
+        <p:style>
+          <a:lnRef idx="0"/>
+          <a:fillRef idx="0"/>
+          <a:effectRef idx="0"/>
+          <a:fontRef idx="minor"/>
+        </p:style>
+        <p:txBody>
           <a:bodyPr lIns="90000" rIns="90000" tIns="45000" bIns="45000">
             <a:noAutofit/>
           </a:bodyPr>
@@ -16090,7 +16085,7 @@
                 <a:spcPct val="100000"/>
               </a:lnSpc>
             </a:pPr>
-            <a:fld id="{39BB9DD7-E538-45A0-BE04-1C724846E7F3}" type="slidenum">
+            <a:fld id="{9964A79C-D02C-45F3-A485-08D03312A454}" type="slidenum">
               <a:rPr b="0" lang="en-US" sz="1600" spc="-1" strike="noStrike">
                 <a:solidFill>
                   <a:srgbClr val="000000"/>
@@ -16108,7 +16103,7 @@
       </p:sp>
       <p:pic>
         <p:nvPicPr>
-          <p:cNvPr id="371" name="" descr=""/>
+          <p:cNvPr id="365" name="" descr=""/>
           <p:cNvPicPr/>
           <p:nvPr/>
         </p:nvPicPr>
@@ -16118,8 +16113,31 @@
         </p:blipFill>
         <p:spPr>
           <a:xfrm>
-            <a:off x="2743200" y="1142640"/>
-            <a:ext cx="3322080" cy="5256360"/>
+            <a:off x="228600" y="4114800"/>
+            <a:ext cx="2949120" cy="1987200"/>
+          </a:xfrm>
+          <a:prstGeom prst="rect">
+            <a:avLst/>
+          </a:prstGeom>
+          <a:ln>
+            <a:noFill/>
+          </a:ln>
+        </p:spPr>
+      </p:pic>
+      <p:pic>
+        <p:nvPicPr>
+          <p:cNvPr id="366" name="" descr=""/>
+          <p:cNvPicPr/>
+          <p:nvPr/>
+        </p:nvPicPr>
+        <p:blipFill>
+          <a:blip r:embed="rId2"/>
+          <a:stretch/>
+        </p:blipFill>
+        <p:spPr>
+          <a:xfrm>
+            <a:off x="6629400" y="1771920"/>
+            <a:ext cx="2158560" cy="1425240"/>
           </a:xfrm>
           <a:prstGeom prst="rect">
             <a:avLst/>
@@ -16129,6 +16147,32 @@
               <a:srgbClr val="3465a4"/>
             </a:solidFill>
             <a:prstDash val="dot"/>
+          </a:ln>
+        </p:spPr>
+      </p:pic>
+      <p:pic>
+        <p:nvPicPr>
+          <p:cNvPr id="367" name="" descr=""/>
+          <p:cNvPicPr/>
+          <p:nvPr/>
+        </p:nvPicPr>
+        <p:blipFill>
+          <a:blip r:embed="rId3"/>
+          <a:stretch/>
+        </p:blipFill>
+        <p:spPr>
+          <a:xfrm>
+            <a:off x="9258480" y="1828800"/>
+            <a:ext cx="1940760" cy="3826440"/>
+          </a:xfrm>
+          <a:prstGeom prst="rect">
+            <a:avLst/>
+          </a:prstGeom>
+          <a:ln>
+            <a:solidFill>
+              <a:srgbClr val="3465a4"/>
+            </a:solidFill>
+            <a:prstDash val="sysDot"/>
           </a:ln>
         </p:spPr>
       </p:pic>
@@ -16171,7 +16215,7 @@
         <p:spPr>
           <a:xfrm>
             <a:off x="838080" y="405360"/>
-            <a:ext cx="10287720" cy="533160"/>
+            <a:ext cx="10287360" cy="532800"/>
           </a:xfrm>
           <a:prstGeom prst="rect">
             <a:avLst/>
@@ -16203,6 +16247,7 @@
                   <a:srgbClr val="d6001c"/>
                 </a:solidFill>
                 <a:latin typeface="Arial"/>
+                <a:ea typeface="DejaVu Sans"/>
               </a:rPr>
               <a:t>Definition of Scope</a:t>
             </a:r>
@@ -16221,7 +16266,7 @@
         <p:spPr>
           <a:xfrm>
             <a:off x="838440" y="2012040"/>
-            <a:ext cx="5034600" cy="3652200"/>
+            <a:ext cx="5034240" cy="3651840"/>
           </a:xfrm>
           <a:prstGeom prst="rect">
             <a:avLst/>
@@ -16242,7 +16287,7 @@
             <a:noAutofit/>
           </a:bodyPr>
           <a:p>
-            <a:pPr marL="228600" indent="-227880">
+            <a:pPr marL="228600" indent="-227520">
               <a:lnSpc>
                 <a:spcPct val="90000"/>
               </a:lnSpc>
@@ -16261,6 +16306,7 @@
                   <a:srgbClr val="3c3e41"/>
                 </a:solidFill>
                 <a:latin typeface="Arial"/>
+                <a:ea typeface="DejaVu Sans"/>
               </a:rPr>
               <a:t>Aimed at providing readers “main features of Kubernetes used in real projects”.</a:t>
             </a:r>
@@ -16279,7 +16325,7 @@
         <p:spPr>
           <a:xfrm>
             <a:off x="838080" y="1399680"/>
-            <a:ext cx="5034600" cy="480240"/>
+            <a:ext cx="5034240" cy="479880"/>
           </a:xfrm>
           <a:prstGeom prst="rect">
             <a:avLst/>
@@ -16317,6 +16363,7 @@
                   <a:srgbClr val="3c3e41"/>
                 </a:solidFill>
                 <a:latin typeface="Arial"/>
+                <a:ea typeface="DejaVu Sans"/>
               </a:rPr>
               <a:t>Inclusions</a:t>
             </a:r>
@@ -16335,7 +16382,7 @@
         <p:spPr>
           <a:xfrm>
             <a:off x="6240960" y="1399680"/>
-            <a:ext cx="5034600" cy="480240"/>
+            <a:ext cx="5034240" cy="479880"/>
           </a:xfrm>
           <a:prstGeom prst="rect">
             <a:avLst/>
@@ -16373,6 +16420,7 @@
                   <a:srgbClr val="3c3e41"/>
                 </a:solidFill>
                 <a:latin typeface="Arial"/>
+                <a:ea typeface="DejaVu Sans"/>
               </a:rPr>
               <a:t>Exclusions</a:t>
             </a:r>
@@ -16391,7 +16439,7 @@
         <p:spPr>
           <a:xfrm>
             <a:off x="6240960" y="2021400"/>
-            <a:ext cx="5870160" cy="1297080"/>
+            <a:ext cx="5869800" cy="1296720"/>
           </a:xfrm>
           <a:prstGeom prst="rect">
             <a:avLst/>
@@ -16412,7 +16460,7 @@
             <a:noAutofit/>
           </a:bodyPr>
           <a:p>
-            <a:pPr marL="228600" indent="-227880">
+            <a:pPr marL="228600" indent="-227520">
               <a:lnSpc>
                 <a:spcPct val="90000"/>
               </a:lnSpc>
@@ -16431,6 +16479,7 @@
                   <a:srgbClr val="3c3e41"/>
                 </a:solidFill>
                 <a:latin typeface="Arial"/>
+                <a:ea typeface="DejaVu Sans"/>
               </a:rPr>
               <a:t>K8s cluster setup (including RBAC authorization)</a:t>
             </a:r>
@@ -16439,7 +16488,7 @@
             </a:endParaRPr>
           </a:p>
           <a:p>
-            <a:pPr marL="228600" indent="-227880">
+            <a:pPr marL="228600" indent="-227520">
               <a:lnSpc>
                 <a:spcPct val="90000"/>
               </a:lnSpc>
@@ -16458,6 +16507,7 @@
                   <a:srgbClr val="3c3e41"/>
                 </a:solidFill>
                 <a:latin typeface="Arial"/>
+                <a:ea typeface="DejaVu Sans"/>
               </a:rPr>
               <a:t>K8s utilities setup ( CLI, user interaction tools)</a:t>
             </a:r>
@@ -16499,14 +16549,14 @@
       </p:grpSpPr>
       <p:sp>
         <p:nvSpPr>
-          <p:cNvPr id="372" name="CustomShape 1"/>
+          <p:cNvPr id="368" name="CustomShape 1"/>
           <p:cNvSpPr/>
           <p:nvPr/>
         </p:nvSpPr>
         <p:spPr>
           <a:xfrm>
             <a:off x="686160" y="0"/>
-            <a:ext cx="10968480" cy="1140840"/>
+            <a:ext cx="10968120" cy="1140480"/>
           </a:xfrm>
           <a:prstGeom prst="rect">
             <a:avLst/>
@@ -16555,7 +16605,17 @@
                 <a:latin typeface="Arial"/>
                 <a:ea typeface="Noto Sans CJK SC"/>
               </a:rPr>
-              <a:t>Persistent Storage – Storage Class</a:t>
+              <a:t>Configuration data</a:t>
+            </a:r>
+            <a:r>
+              <a:rPr b="1" lang="en-US" sz="1800" spc="-1" strike="noStrike">
+                <a:solidFill>
+                  <a:srgbClr val="000000"/>
+                </a:solidFill>
+                <a:latin typeface="Arial"/>
+                <a:ea typeface="Noto Sans CJK SC"/>
+              </a:rPr>
+              <a:t> - Secret</a:t>
             </a:r>
             <a:endParaRPr b="0" lang="en-US" sz="1800" spc="-1" strike="noStrike">
               <a:latin typeface="Arial"/>
@@ -16565,14 +16625,14 @@
       </p:sp>
       <p:sp>
         <p:nvSpPr>
-          <p:cNvPr id="373" name="CustomShape 2"/>
+          <p:cNvPr id="369" name="CustomShape 2"/>
           <p:cNvSpPr/>
           <p:nvPr/>
         </p:nvSpPr>
         <p:spPr>
           <a:xfrm>
-            <a:off x="228600" y="1371600"/>
-            <a:ext cx="3426480" cy="3426480"/>
+            <a:off x="228600" y="1600200"/>
+            <a:ext cx="5025960" cy="2511360"/>
           </a:xfrm>
           <a:prstGeom prst="rect">
             <a:avLst/>
@@ -16596,7 +16656,65 @@
             <a:noAutofit/>
           </a:bodyPr>
           <a:p>
-            <a:pPr marL="432000" indent="-323280">
+            <a:pPr marL="432000" indent="-322920">
+              <a:lnSpc>
+                <a:spcPct val="100000"/>
+              </a:lnSpc>
+              <a:spcBef>
+                <a:spcPts val="1417"/>
+              </a:spcBef>
+              <a:buClr>
+                <a:srgbClr val="000000"/>
+              </a:buClr>
+              <a:buSzPct val="45000"/>
+              <a:buFont typeface="Wingdings" charset="2"/>
+              <a:buChar char=""/>
+            </a:pPr>
+            <a:r>
+              <a:rPr b="0" lang="en-US" sz="1800" spc="-1" strike="noStrike">
+                <a:solidFill>
+                  <a:srgbClr val="3c3e41"/>
+                </a:solidFill>
+                <a:latin typeface="Arial"/>
+                <a:ea typeface="DejaVu Sans"/>
+              </a:rPr>
+              <a:t>Key-value pairs of data</a:t>
+            </a:r>
+            <a:endParaRPr b="0" lang="en-US" sz="1800" spc="-1" strike="noStrike">
+              <a:latin typeface="Arial"/>
+            </a:endParaRPr>
+          </a:p>
+          <a:p>
+            <a:pPr marL="432000" indent="-322920">
+              <a:lnSpc>
+                <a:spcPct val="100000"/>
+              </a:lnSpc>
+              <a:spcBef>
+                <a:spcPts val="1417"/>
+              </a:spcBef>
+              <a:buClr>
+                <a:srgbClr val="000000"/>
+              </a:buClr>
+              <a:buSzPct val="45000"/>
+              <a:buFont typeface="Wingdings" charset="2"/>
+              <a:buChar char=""/>
+            </a:pPr>
+            <a:r>
+              <a:rPr b="0" lang="en-US" sz="1800" spc="-1" strike="noStrike">
+                <a:solidFill>
+                  <a:srgbClr val="3c3e41"/>
+                </a:solidFill>
+                <a:latin typeface="Arial"/>
+                <a:ea typeface="DejaVu Sans"/>
+              </a:rPr>
+              <a:t>Manage pods configuration data</a:t>
+            </a:r>
+            <a:endParaRPr b="0" lang="en-US" sz="1800" spc="-1" strike="noStrike">
+              <a:latin typeface="Arial"/>
+            </a:endParaRPr>
+          </a:p>
+          <a:p>
+            <a:pPr lvl="1" marL="864000" indent="-322920">
               <a:lnSpc>
                 <a:spcPct val="100000"/>
               </a:lnSpc>
@@ -16606,50 +16724,114 @@
               <a:buClr>
                 <a:srgbClr val="000000"/>
               </a:buClr>
-              <a:buSzPct val="45000"/>
+              <a:buSzPct val="75000"/>
               <a:buFont typeface="Symbol"/>
-              <a:buChar char=""/>
+              <a:buChar char=""/>
             </a:pPr>
-            <a:r>
-              <a:rPr b="0" lang="en-US" sz="1800" spc="-1" strike="noStrike">
-                <a:latin typeface="Arial"/>
-              </a:rPr>
-              <a:t>Similar to PV, but providing a way to </a:t>
-            </a:r>
-            <a:r>
-              <a:rPr b="0" lang="en-US" sz="1800" spc="-1" strike="noStrike">
-                <a:solidFill>
-                  <a:srgbClr val="bf0041"/>
-                </a:solidFill>
-                <a:latin typeface="Arial"/>
-              </a:rPr>
-              <a:t>dynamically</a:t>
-            </a:r>
             <a:r>
               <a:rPr b="0" lang="en-US" sz="1800" spc="-1" strike="noStrike">
                 <a:solidFill>
                   <a:srgbClr val="3c3e41"/>
                 </a:solidFill>
                 <a:latin typeface="Arial"/>
-              </a:rPr>
-              <a:t> provision PV in a cluster</a:t>
+                <a:ea typeface="DejaVu Sans"/>
+              </a:rPr>
+              <a:t>Environment variables</a:t>
             </a:r>
             <a:endParaRPr b="0" lang="en-US" sz="1800" spc="-1" strike="noStrike">
               <a:latin typeface="Arial"/>
             </a:endParaRPr>
           </a:p>
-        </p:txBody>
-      </p:sp>
-      <p:sp>
-        <p:nvSpPr>
-          <p:cNvPr id="374" name="CustomShape 3"/>
+          <a:p>
+            <a:pPr lvl="1" marL="864000" indent="-322920">
+              <a:lnSpc>
+                <a:spcPct val="100000"/>
+              </a:lnSpc>
+              <a:spcBef>
+                <a:spcPts val="1134"/>
+              </a:spcBef>
+              <a:buClr>
+                <a:srgbClr val="000000"/>
+              </a:buClr>
+              <a:buSzPct val="75000"/>
+              <a:buFont typeface="Symbol"/>
+              <a:buChar char=""/>
+            </a:pPr>
+            <a:r>
+              <a:rPr b="0" lang="en-US" sz="1800" spc="-1" strike="noStrike">
+                <a:solidFill>
+                  <a:srgbClr val="3c3e41"/>
+                </a:solidFill>
+                <a:latin typeface="Arial"/>
+                <a:ea typeface="DejaVu Sans"/>
+              </a:rPr>
+              <a:t>Secret files</a:t>
+            </a:r>
+            <a:endParaRPr b="0" lang="en-US" sz="1800" spc="-1" strike="noStrike">
+              <a:latin typeface="Arial"/>
+            </a:endParaRPr>
+          </a:p>
+          <a:p>
+            <a:pPr marL="432000" indent="-322920">
+              <a:lnSpc>
+                <a:spcPct val="100000"/>
+              </a:lnSpc>
+              <a:spcBef>
+                <a:spcPts val="1417"/>
+              </a:spcBef>
+              <a:buClr>
+                <a:srgbClr val="000000"/>
+              </a:buClr>
+              <a:buSzPct val="45000"/>
+              <a:buFont typeface="Wingdings" charset="2"/>
+              <a:buChar char=""/>
+            </a:pPr>
+            <a:r>
+              <a:rPr b="0" lang="en-US" sz="1800" spc="-1" strike="noStrike">
+                <a:solidFill>
+                  <a:srgbClr val="3c3e41"/>
+                </a:solidFill>
+                <a:latin typeface="Arial"/>
+                <a:ea typeface="DejaVu Sans"/>
+              </a:rPr>
+              <a:t>Used for </a:t>
+            </a:r>
+            <a:r>
+              <a:rPr b="0" lang="en-US" sz="1800" spc="-1" strike="noStrike">
+                <a:solidFill>
+                  <a:srgbClr val="c9211e"/>
+                </a:solidFill>
+                <a:latin typeface="Arial"/>
+                <a:ea typeface="DejaVu Sans"/>
+              </a:rPr>
+              <a:t>sensitive</a:t>
+            </a:r>
+            <a:r>
+              <a:rPr b="0" lang="en-US" sz="1800" spc="-1" strike="noStrike">
+                <a:solidFill>
+                  <a:srgbClr val="3c3e41"/>
+                </a:solidFill>
+                <a:latin typeface="Arial"/>
+                <a:ea typeface="DejaVu Sans"/>
+              </a:rPr>
+              <a:t> data (base64–encoded)</a:t>
+            </a:r>
+            <a:endParaRPr b="0" lang="en-US" sz="1800" spc="-1" strike="noStrike">
+              <a:latin typeface="Arial"/>
+            </a:endParaRPr>
+          </a:p>
+        </p:txBody>
+      </p:sp>
+      <p:sp>
+        <p:nvSpPr>
+          <p:cNvPr id="370" name="CustomShape 3"/>
           <p:cNvSpPr/>
           <p:nvPr/>
         </p:nvSpPr>
         <p:spPr>
           <a:xfrm>
             <a:off x="10515600" y="6202080"/>
-            <a:ext cx="1595880" cy="423000"/>
+            <a:ext cx="1595520" cy="422640"/>
           </a:xfrm>
           <a:prstGeom prst="rect">
             <a:avLst/>
@@ -16675,7 +16857,7 @@
                 <a:spcPct val="100000"/>
               </a:lnSpc>
             </a:pPr>
-            <a:fld id="{1685AA31-9044-4E4D-BE87-D1E11909FD95}" type="slidenum">
+            <a:fld id="{487A91FC-E0ED-442D-A85D-C49DF4C1BB40}" type="slidenum">
               <a:rPr b="0" lang="en-US" sz="1600" spc="-1" strike="noStrike">
                 <a:solidFill>
                   <a:srgbClr val="000000"/>
@@ -16693,7 +16875,7 @@
       </p:sp>
       <p:pic>
         <p:nvPicPr>
-          <p:cNvPr id="375" name="" descr=""/>
+          <p:cNvPr id="371" name="" descr=""/>
           <p:cNvPicPr/>
           <p:nvPr/>
         </p:nvPicPr>
@@ -16703,8 +16885,8 @@
         </p:blipFill>
         <p:spPr>
           <a:xfrm>
-            <a:off x="3762720" y="1371600"/>
-            <a:ext cx="4236480" cy="4569120"/>
+            <a:off x="6858000" y="1595520"/>
+            <a:ext cx="1939680" cy="1177560"/>
           </a:xfrm>
           <a:prstGeom prst="rect">
             <a:avLst/>
@@ -16713,13 +16895,13 @@
             <a:solidFill>
               <a:srgbClr val="3465a4"/>
             </a:solidFill>
-            <a:prstDash val="sysDot"/>
+            <a:prstDash val="dot"/>
           </a:ln>
         </p:spPr>
       </p:pic>
       <p:pic>
         <p:nvPicPr>
-          <p:cNvPr id="376" name="" descr=""/>
+          <p:cNvPr id="372" name="" descr=""/>
           <p:cNvPicPr/>
           <p:nvPr/>
         </p:nvPicPr>
@@ -16729,13 +16911,36 @@
         </p:blipFill>
         <p:spPr>
           <a:xfrm>
-            <a:off x="8321040" y="1371600"/>
-            <a:ext cx="3094920" cy="4571640"/>
+            <a:off x="486000" y="4343400"/>
+            <a:ext cx="2482560" cy="1987200"/>
           </a:xfrm>
           <a:prstGeom prst="rect">
             <a:avLst/>
           </a:prstGeom>
           <a:ln>
+            <a:noFill/>
+          </a:ln>
+        </p:spPr>
+      </p:pic>
+      <p:pic>
+        <p:nvPicPr>
+          <p:cNvPr id="373" name="" descr=""/>
+          <p:cNvPicPr/>
+          <p:nvPr/>
+        </p:nvPicPr>
+        <p:blipFill>
+          <a:blip r:embed="rId3"/>
+          <a:stretch/>
+        </p:blipFill>
+        <p:spPr>
+          <a:xfrm>
+            <a:off x="9372600" y="1600200"/>
+            <a:ext cx="1940760" cy="4045680"/>
+          </a:xfrm>
+          <a:prstGeom prst="rect">
+            <a:avLst/>
+          </a:prstGeom>
+          <a:ln cap="rnd">
             <a:solidFill>
               <a:srgbClr val="3465a4"/>
             </a:solidFill>
@@ -16775,14 +16980,14 @@
       </p:grpSpPr>
       <p:sp>
         <p:nvSpPr>
-          <p:cNvPr id="377" name="CustomShape 1"/>
+          <p:cNvPr id="374" name="CustomShape 1"/>
           <p:cNvSpPr/>
           <p:nvPr/>
         </p:nvSpPr>
         <p:spPr>
           <a:xfrm>
             <a:off x="686160" y="0"/>
-            <a:ext cx="10968480" cy="1140840"/>
+            <a:ext cx="10968120" cy="1140480"/>
           </a:xfrm>
           <a:prstGeom prst="rect">
             <a:avLst/>
@@ -16831,7 +17036,7 @@
                 <a:latin typeface="Arial"/>
                 <a:ea typeface="Noto Sans CJK SC"/>
               </a:rPr>
-              <a:t>Persistent Storage – Volume Claim Templates</a:t>
+              <a:t>Persistent Storage – Persistent Volume, Persistent Volume Claim</a:t>
             </a:r>
             <a:endParaRPr b="0" lang="en-US" sz="1800" spc="-1" strike="noStrike">
               <a:latin typeface="Arial"/>
@@ -16841,14 +17046,14 @@
       </p:sp>
       <p:sp>
         <p:nvSpPr>
-          <p:cNvPr id="378" name="CustomShape 2"/>
+          <p:cNvPr id="375" name="CustomShape 2"/>
           <p:cNvSpPr/>
           <p:nvPr/>
         </p:nvSpPr>
         <p:spPr>
           <a:xfrm>
-            <a:off x="228600" y="1371600"/>
-            <a:ext cx="5074560" cy="1554120"/>
+            <a:off x="-228600" y="1371600"/>
+            <a:ext cx="4112280" cy="5026680"/>
           </a:xfrm>
           <a:prstGeom prst="rect">
             <a:avLst/>
@@ -16872,7 +17077,7 @@
             <a:noAutofit/>
           </a:bodyPr>
           <a:p>
-            <a:pPr marL="432000" indent="-323280">
+            <a:pPr marL="432000" indent="-322920">
               <a:lnSpc>
                 <a:spcPct val="100000"/>
               </a:lnSpc>
@@ -16892,15 +17097,113 @@
                   <a:srgbClr val="3c3e41"/>
                 </a:solidFill>
                 <a:latin typeface="Arial"/>
-              </a:rPr>
-              <a:t>Similar to PVC but:</a:t>
+                <a:ea typeface="DejaVu Sans"/>
+              </a:rPr>
+              <a:t>Persistent volume:</a:t>
             </a:r>
             <a:endParaRPr b="0" lang="en-US" sz="1800" spc="-1" strike="noStrike">
               <a:latin typeface="Arial"/>
             </a:endParaRPr>
           </a:p>
           <a:p>
-            <a:pPr marL="432000" indent="-323280">
+            <a:pPr lvl="1" marL="864000" indent="-322920">
+              <a:lnSpc>
+                <a:spcPct val="100000"/>
+              </a:lnSpc>
+              <a:spcBef>
+                <a:spcPts val="1134"/>
+              </a:spcBef>
+              <a:buClr>
+                <a:srgbClr val="000000"/>
+              </a:buClr>
+              <a:buSzPct val="75000"/>
+              <a:buFont typeface="Symbol"/>
+              <a:buChar char=""/>
+            </a:pPr>
+            <a:r>
+              <a:rPr b="0" lang="en-US" sz="1800" spc="-1" strike="noStrike">
+                <a:solidFill>
+                  <a:srgbClr val="c9211e"/>
+                </a:solidFill>
+                <a:latin typeface="Arial"/>
+                <a:ea typeface="DejaVu Sans"/>
+              </a:rPr>
+              <a:t>Static</a:t>
+            </a:r>
+            <a:r>
+              <a:rPr b="0" lang="en-US" sz="1800" spc="-1" strike="noStrike">
+                <a:solidFill>
+                  <a:srgbClr val="3c3e41"/>
+                </a:solidFill>
+                <a:latin typeface="Arial"/>
+                <a:ea typeface="DejaVu Sans"/>
+              </a:rPr>
+              <a:t> storage allocated in a cluster</a:t>
+            </a:r>
+            <a:endParaRPr b="0" lang="en-US" sz="1800" spc="-1" strike="noStrike">
+              <a:latin typeface="Arial"/>
+            </a:endParaRPr>
+          </a:p>
+          <a:p>
+            <a:pPr lvl="1" marL="864000" indent="-322920">
+              <a:lnSpc>
+                <a:spcPct val="100000"/>
+              </a:lnSpc>
+              <a:spcBef>
+                <a:spcPts val="1134"/>
+              </a:spcBef>
+              <a:buClr>
+                <a:srgbClr val="000000"/>
+              </a:buClr>
+              <a:buSzPct val="75000"/>
+              <a:buFont typeface="Symbol"/>
+              <a:buChar char=""/>
+            </a:pPr>
+            <a:r>
+              <a:rPr b="0" lang="en-US" sz="1800" spc="-1" strike="noStrike">
+                <a:solidFill>
+                  <a:srgbClr val="3c3e41"/>
+                </a:solidFill>
+                <a:latin typeface="Arial"/>
+                <a:ea typeface="DejaVu Sans"/>
+              </a:rPr>
+              <a:t>Independent from pod’s lifecycle</a:t>
+            </a:r>
+            <a:endParaRPr b="0" lang="en-US" sz="1800" spc="-1" strike="noStrike">
+              <a:latin typeface="Arial"/>
+            </a:endParaRPr>
+          </a:p>
+          <a:p>
+            <a:pPr lvl="1" marL="864000" indent="-322920">
+              <a:lnSpc>
+                <a:spcPct val="100000"/>
+              </a:lnSpc>
+              <a:spcBef>
+                <a:spcPts val="1134"/>
+              </a:spcBef>
+              <a:buClr>
+                <a:srgbClr val="000000"/>
+              </a:buClr>
+              <a:buSzPct val="75000"/>
+              <a:buFont typeface="Symbol"/>
+              <a:buChar char=""/>
+            </a:pPr>
+            <a:r>
+              <a:rPr b="0" lang="en-US" sz="1800" spc="-1" strike="noStrike">
+                <a:solidFill>
+                  <a:srgbClr val="3c3e41"/>
+                </a:solidFill>
+                <a:latin typeface="Arial"/>
+                <a:ea typeface="DejaVu Sans"/>
+              </a:rPr>
+              <a:t>Provisioned by cluster admin</a:t>
+            </a:r>
+            <a:endParaRPr b="0" lang="en-US" sz="1800" spc="-1" strike="noStrike">
+              <a:latin typeface="Arial"/>
+            </a:endParaRPr>
+          </a:p>
+          <a:p>
+            <a:pPr marL="432000" indent="-322920">
               <a:lnSpc>
                 <a:spcPct val="100000"/>
               </a:lnSpc>
@@ -16920,27 +17223,28 @@
                   <a:srgbClr val="3c3e41"/>
                 </a:solidFill>
                 <a:latin typeface="Arial"/>
-              </a:rPr>
-              <a:t>Used for stateful app (DB)</a:t>
+                <a:ea typeface="DejaVu Sans"/>
+              </a:rPr>
+              <a:t>Persistent volume claim:</a:t>
             </a:r>
             <a:endParaRPr b="0" lang="en-US" sz="1800" spc="-1" strike="noStrike">
               <a:latin typeface="Arial"/>
             </a:endParaRPr>
           </a:p>
           <a:p>
-            <a:pPr marL="432000" indent="-323280">
+            <a:pPr lvl="1" marL="864000" indent="-322920">
               <a:lnSpc>
                 <a:spcPct val="100000"/>
               </a:lnSpc>
               <a:spcBef>
-                <a:spcPts val="1417"/>
+                <a:spcPts val="1134"/>
               </a:spcBef>
               <a:buClr>
                 <a:srgbClr val="000000"/>
               </a:buClr>
-              <a:buSzPct val="45000"/>
-              <a:buFont typeface="Wingdings" charset="2"/>
-              <a:buChar char=""/>
+              <a:buSzPct val="75000"/>
+              <a:buFont typeface="Symbol"/>
+              <a:buChar char=""/>
             </a:pPr>
             <a:r>
               <a:rPr b="0" lang="en-US" sz="1800" spc="-1" strike="noStrike">
@@ -16948,25 +17252,84 @@
                   <a:srgbClr val="3c3e41"/>
                 </a:solidFill>
                 <a:latin typeface="Arial"/>
-              </a:rPr>
-              <a:t>Each pod can have it’s own allocated pvc</a:t>
+                <a:ea typeface="DejaVu Sans"/>
+              </a:rPr>
+              <a:t>Dynamic storage request</a:t>
             </a:r>
             <a:endParaRPr b="0" lang="en-US" sz="1800" spc="-1" strike="noStrike">
               <a:latin typeface="Arial"/>
             </a:endParaRPr>
           </a:p>
-        </p:txBody>
-      </p:sp>
-      <p:sp>
-        <p:nvSpPr>
-          <p:cNvPr id="379" name="CustomShape 3"/>
+          <a:p>
+            <a:pPr lvl="1" marL="864000" indent="-322920">
+              <a:lnSpc>
+                <a:spcPct val="100000"/>
+              </a:lnSpc>
+              <a:spcBef>
+                <a:spcPts val="1134"/>
+              </a:spcBef>
+              <a:buClr>
+                <a:srgbClr val="000000"/>
+              </a:buClr>
+              <a:buSzPct val="75000"/>
+              <a:buFont typeface="Symbol"/>
+              <a:buChar char=""/>
+            </a:pPr>
+            <a:r>
+              <a:rPr b="0" lang="en-US" sz="1800" spc="-1" strike="noStrike">
+                <a:solidFill>
+                  <a:srgbClr val="3c3e41"/>
+                </a:solidFill>
+                <a:latin typeface="Arial"/>
+                <a:ea typeface="DejaVu Sans"/>
+              </a:rPr>
+              <a:t>Depending on pod’s lifecycle</a:t>
+            </a:r>
+            <a:endParaRPr b="0" lang="en-US" sz="1800" spc="-1" strike="noStrike">
+              <a:latin typeface="Arial"/>
+            </a:endParaRPr>
+          </a:p>
+          <a:p>
+            <a:pPr lvl="1" marL="864000" indent="-322920">
+              <a:lnSpc>
+                <a:spcPct val="100000"/>
+              </a:lnSpc>
+              <a:spcBef>
+                <a:spcPts val="1134"/>
+              </a:spcBef>
+              <a:buClr>
+                <a:srgbClr val="000000"/>
+              </a:buClr>
+              <a:buSzPct val="75000"/>
+              <a:buFont typeface="Symbol"/>
+              <a:buChar char=""/>
+            </a:pPr>
+            <a:r>
+              <a:rPr b="0" lang="en-US" sz="1800" spc="-1" strike="noStrike">
+                <a:solidFill>
+                  <a:srgbClr val="3c3e41"/>
+                </a:solidFill>
+                <a:latin typeface="Arial"/>
+                <a:ea typeface="DejaVu Sans"/>
+              </a:rPr>
+              <a:t>Asked by pods</a:t>
+            </a:r>
+            <a:endParaRPr b="0" lang="en-US" sz="1800" spc="-1" strike="noStrike">
+              <a:latin typeface="Arial"/>
+            </a:endParaRPr>
+          </a:p>
+        </p:txBody>
+      </p:sp>
+      <p:sp>
+        <p:nvSpPr>
+          <p:cNvPr id="376" name="CustomShape 3"/>
           <p:cNvSpPr/>
           <p:nvPr/>
         </p:nvSpPr>
         <p:spPr>
           <a:xfrm>
             <a:off x="10515600" y="6202080"/>
-            <a:ext cx="1595880" cy="423000"/>
+            <a:ext cx="1595520" cy="422640"/>
           </a:xfrm>
           <a:prstGeom prst="rect">
             <a:avLst/>
@@ -16992,7 +17355,7 @@
                 <a:spcPct val="100000"/>
               </a:lnSpc>
             </a:pPr>
-            <a:fld id="{907BA865-99DD-4CE0-AF1F-2ACC934BCC78}" type="slidenum">
+            <a:fld id="{6E259830-CF0A-477C-97AB-50653B025A55}" type="slidenum">
               <a:rPr b="0" lang="en-US" sz="1600" spc="-1" strike="noStrike">
                 <a:solidFill>
                   <a:srgbClr val="000000"/>
@@ -17010,7 +17373,7 @@
       </p:sp>
       <p:pic>
         <p:nvPicPr>
-          <p:cNvPr id="380" name="" descr=""/>
+          <p:cNvPr id="377" name="" descr=""/>
           <p:cNvPicPr/>
           <p:nvPr/>
         </p:nvPicPr>
@@ -17020,8 +17383,8 @@
         </p:blipFill>
         <p:spPr>
           <a:xfrm>
-            <a:off x="5945040" y="1421640"/>
-            <a:ext cx="3657600" cy="4613400"/>
+            <a:off x="4114800" y="1371600"/>
+            <a:ext cx="3797280" cy="4798440"/>
           </a:xfrm>
           <a:prstGeom prst="rect">
             <a:avLst/>
@@ -17030,10 +17393,33 @@
             <a:solidFill>
               <a:srgbClr val="3465a4"/>
             </a:solidFill>
-            <a:custDash>
-              <a:ds d="100000" sp="300000"/>
-              <a:ds d="100000" sp="300000"/>
-            </a:custDash>
+            <a:prstDash val="sysDot"/>
+          </a:ln>
+        </p:spPr>
+      </p:pic>
+      <p:pic>
+        <p:nvPicPr>
+          <p:cNvPr id="378" name="" descr=""/>
+          <p:cNvPicPr/>
+          <p:nvPr/>
+        </p:nvPicPr>
+        <p:blipFill>
+          <a:blip r:embed="rId2"/>
+          <a:stretch/>
+        </p:blipFill>
+        <p:spPr>
+          <a:xfrm>
+            <a:off x="8353800" y="1371600"/>
+            <a:ext cx="3302640" cy="4798440"/>
+          </a:xfrm>
+          <a:prstGeom prst="rect">
+            <a:avLst/>
+          </a:prstGeom>
+          <a:ln cap="rnd">
+            <a:solidFill>
+              <a:srgbClr val="3465a4"/>
+            </a:solidFill>
+            <a:prstDash val="sysDot"/>
           </a:ln>
         </p:spPr>
       </p:pic>
@@ -17069,14 +17455,14 @@
       </p:grpSpPr>
       <p:sp>
         <p:nvSpPr>
-          <p:cNvPr id="381" name="CustomShape 1"/>
+          <p:cNvPr id="379" name="CustomShape 1"/>
           <p:cNvSpPr/>
           <p:nvPr/>
         </p:nvSpPr>
         <p:spPr>
           <a:xfrm>
             <a:off x="686160" y="0"/>
-            <a:ext cx="10968480" cy="1140840"/>
+            <a:ext cx="10968120" cy="1140480"/>
           </a:xfrm>
           <a:prstGeom prst="rect">
             <a:avLst/>
@@ -17113,7 +17499,7 @@
                 <a:latin typeface="Arial"/>
                 <a:ea typeface="Noto Sans CJK SC"/>
               </a:rPr>
-              <a:t>4 - Kubernetes User Interaction</a:t>
+              <a:t>3 - Primary Kubernetes Objects</a:t>
             </a:r>
             <a:br/>
             <a:br/>
@@ -17125,7 +17511,7 @@
                 <a:latin typeface="Arial"/>
                 <a:ea typeface="Noto Sans CJK SC"/>
               </a:rPr>
-              <a:t>Command line - kubectl</a:t>
+              <a:t>Persistent Storage – Persistent Volume, Persistent Volume Claim</a:t>
             </a:r>
             <a:endParaRPr b="0" lang="en-US" sz="1800" spc="-1" strike="noStrike">
               <a:latin typeface="Arial"/>
@@ -17135,24 +17521,21 @@
       </p:sp>
       <p:sp>
         <p:nvSpPr>
-          <p:cNvPr id="382" name="CustomShape 2"/>
+          <p:cNvPr id="380" name="CustomShape 2"/>
           <p:cNvSpPr/>
           <p:nvPr/>
         </p:nvSpPr>
         <p:spPr>
           <a:xfrm>
-            <a:off x="685800" y="1600200"/>
-            <a:ext cx="4571280" cy="913680"/>
+            <a:off x="10515600" y="6202080"/>
+            <a:ext cx="1595520" cy="422640"/>
           </a:xfrm>
           <a:prstGeom prst="rect">
             <a:avLst/>
           </a:prstGeom>
           <a:noFill/>
-          <a:ln cap="rnd" w="6480">
-            <a:solidFill>
-              <a:srgbClr val="5eb91e"/>
-            </a:solidFill>
-            <a:round/>
+          <a:ln>
+            <a:noFill/>
           </a:ln>
         </p:spPr>
         <p:style>
@@ -17162,106 +17545,6 @@
           <a:fontRef idx="minor"/>
         </p:style>
         <p:txBody>
-          <a:bodyPr lIns="93240" rIns="93240" tIns="48240" bIns="48240">
-            <a:noAutofit/>
-          </a:bodyPr>
-          <a:p>
-            <a:pPr marL="432000" indent="-323280">
-              <a:lnSpc>
-                <a:spcPct val="100000"/>
-              </a:lnSpc>
-              <a:spcBef>
-                <a:spcPts val="1417"/>
-              </a:spcBef>
-              <a:buClr>
-                <a:srgbClr val="000000"/>
-              </a:buClr>
-              <a:buSzPct val="45000"/>
-              <a:buFont typeface="Wingdings" charset="2"/>
-              <a:buChar char=""/>
-            </a:pPr>
-            <a:r>
-              <a:rPr b="0" lang="en-US" sz="1800" spc="-1" strike="noStrike">
-                <a:solidFill>
-                  <a:srgbClr val="3c3e41"/>
-                </a:solidFill>
-                <a:latin typeface="Arial"/>
-              </a:rPr>
-              <a:t>Command line tool</a:t>
-            </a:r>
-            <a:endParaRPr b="0" lang="en-US" sz="1800" spc="-1" strike="noStrike">
-              <a:latin typeface="Arial"/>
-            </a:endParaRPr>
-          </a:p>
-          <a:p>
-            <a:pPr marL="432000" indent="-323280">
-              <a:lnSpc>
-                <a:spcPct val="100000"/>
-              </a:lnSpc>
-              <a:spcBef>
-                <a:spcPts val="1417"/>
-              </a:spcBef>
-              <a:buClr>
-                <a:srgbClr val="000000"/>
-              </a:buClr>
-              <a:buSzPct val="45000"/>
-              <a:buFont typeface="Wingdings" charset="2"/>
-              <a:buChar char=""/>
-            </a:pPr>
-            <a:r>
-              <a:rPr b="0" lang="en-US" sz="1800" spc="-1" strike="noStrike">
-                <a:solidFill>
-                  <a:srgbClr val="3c3e41"/>
-                </a:solidFill>
-                <a:latin typeface="Arial"/>
-              </a:rPr>
-              <a:t>Communicate with K8s resources</a:t>
-            </a:r>
-            <a:endParaRPr b="0" lang="en-US" sz="1800" spc="-1" strike="noStrike">
-              <a:latin typeface="Arial"/>
-            </a:endParaRPr>
-          </a:p>
-          <a:p>
-            <a:pPr>
-              <a:lnSpc>
-                <a:spcPct val="100000"/>
-              </a:lnSpc>
-              <a:spcBef>
-                <a:spcPts val="1417"/>
-              </a:spcBef>
-            </a:pPr>
-            <a:endParaRPr b="0" lang="en-US" sz="1800" spc="-1" strike="noStrike">
-              <a:latin typeface="Arial"/>
-            </a:endParaRPr>
-          </a:p>
-        </p:txBody>
-      </p:sp>
-      <p:sp>
-        <p:nvSpPr>
-          <p:cNvPr id="383" name="CustomShape 3"/>
-          <p:cNvSpPr/>
-          <p:nvPr/>
-        </p:nvSpPr>
-        <p:spPr>
-          <a:xfrm>
-            <a:off x="10515600" y="6202080"/>
-            <a:ext cx="1595880" cy="423000"/>
-          </a:xfrm>
-          <a:prstGeom prst="rect">
-            <a:avLst/>
-          </a:prstGeom>
-          <a:noFill/>
-          <a:ln>
-            <a:noFill/>
-          </a:ln>
-        </p:spPr>
-        <p:style>
-          <a:lnRef idx="0"/>
-          <a:fillRef idx="0"/>
-          <a:effectRef idx="0"/>
-          <a:fontRef idx="minor"/>
-        </p:style>
-        <p:txBody>
           <a:bodyPr lIns="90000" rIns="90000" tIns="45000" bIns="45000">
             <a:noAutofit/>
           </a:bodyPr>
@@ -17271,7 +17554,7 @@
                 <a:spcPct val="100000"/>
               </a:lnSpc>
             </a:pPr>
-            <a:fld id="{4684E1F7-4E2E-433B-A466-75225E846259}" type="slidenum">
+            <a:fld id="{9FB27AEB-E34A-4F96-973B-E50D11E3EBAA}" type="slidenum">
               <a:rPr b="0" lang="en-US" sz="1600" spc="-1" strike="noStrike">
                 <a:solidFill>
                   <a:srgbClr val="000000"/>
@@ -17289,7 +17572,7 @@
       </p:sp>
       <p:pic>
         <p:nvPicPr>
-          <p:cNvPr id="384" name="" descr=""/>
+          <p:cNvPr id="381" name="" descr=""/>
           <p:cNvPicPr/>
           <p:nvPr/>
         </p:nvPicPr>
@@ -17299,8 +17582,8 @@
         </p:blipFill>
         <p:spPr>
           <a:xfrm>
-            <a:off x="724320" y="2971800"/>
-            <a:ext cx="4532760" cy="1716840"/>
+            <a:off x="2743200" y="1142640"/>
+            <a:ext cx="3321720" cy="5256000"/>
           </a:xfrm>
           <a:prstGeom prst="rect">
             <a:avLst/>
@@ -17309,7 +17592,7 @@
             <a:solidFill>
               <a:srgbClr val="3465a4"/>
             </a:solidFill>
-            <a:prstDash val="sysDot"/>
+            <a:prstDash val="dot"/>
           </a:ln>
         </p:spPr>
       </p:pic>
@@ -17345,14 +17628,14 @@
       </p:grpSpPr>
       <p:sp>
         <p:nvSpPr>
-          <p:cNvPr id="385" name="CustomShape 1"/>
+          <p:cNvPr id="382" name="CustomShape 1"/>
           <p:cNvSpPr/>
           <p:nvPr/>
         </p:nvSpPr>
         <p:spPr>
           <a:xfrm>
             <a:off x="686160" y="0"/>
-            <a:ext cx="10968480" cy="1140840"/>
+            <a:ext cx="10968120" cy="1140480"/>
           </a:xfrm>
           <a:prstGeom prst="rect">
             <a:avLst/>
@@ -17389,7 +17672,7 @@
                 <a:latin typeface="Arial"/>
                 <a:ea typeface="Noto Sans CJK SC"/>
               </a:rPr>
-              <a:t>4 - Kubernetes User Interaction</a:t>
+              <a:t>3 - Primary Kubernetes Objects</a:t>
             </a:r>
             <a:br/>
             <a:br/>
@@ -17401,7 +17684,7 @@
                 <a:latin typeface="Arial"/>
                 <a:ea typeface="Noto Sans CJK SC"/>
               </a:rPr>
-              <a:t>User interface - Lens</a:t>
+              <a:t>Persistent Storage – Storage Class</a:t>
             </a:r>
             <a:endParaRPr b="0" lang="en-US" sz="1800" spc="-1" strike="noStrike">
               <a:latin typeface="Arial"/>
@@ -17411,14 +17694,14 @@
       </p:sp>
       <p:sp>
         <p:nvSpPr>
-          <p:cNvPr id="386" name="CustomShape 2"/>
+          <p:cNvPr id="383" name="CustomShape 2"/>
           <p:cNvSpPr/>
           <p:nvPr/>
         </p:nvSpPr>
         <p:spPr>
           <a:xfrm>
             <a:off x="228600" y="1371600"/>
-            <a:ext cx="8457480" cy="913680"/>
+            <a:ext cx="3426120" cy="3426120"/>
           </a:xfrm>
           <a:prstGeom prst="rect">
             <a:avLst/>
@@ -17442,73 +17725,66 @@
             <a:noAutofit/>
           </a:bodyPr>
           <a:p>
-            <a:pPr marL="432000" indent="-323280">
+            <a:pPr marL="432000" indent="-322920">
               <a:lnSpc>
                 <a:spcPct val="100000"/>
               </a:lnSpc>
               <a:spcBef>
-                <a:spcPts val="1417"/>
+                <a:spcPts val="1134"/>
               </a:spcBef>
               <a:buClr>
                 <a:srgbClr val="000000"/>
               </a:buClr>
               <a:buSzPct val="45000"/>
-              <a:buFont typeface="Wingdings" charset="2"/>
-              <a:buChar char=""/>
+              <a:buFont typeface="Symbol"/>
+              <a:buChar char=""/>
             </a:pPr>
+            <a:r>
+              <a:rPr b="0" lang="en-US" sz="1800" spc="-1" strike="noStrike">
+                <a:solidFill>
+                  <a:srgbClr val="000000"/>
+                </a:solidFill>
+                <a:latin typeface="Arial"/>
+                <a:ea typeface="DejaVu Sans"/>
+              </a:rPr>
+              <a:t>Similar to PV, but providing a way to </a:t>
+            </a:r>
+            <a:r>
+              <a:rPr b="0" lang="en-US" sz="1800" spc="-1" strike="noStrike">
+                <a:solidFill>
+                  <a:srgbClr val="bf0041"/>
+                </a:solidFill>
+                <a:latin typeface="Arial"/>
+                <a:ea typeface="DejaVu Sans"/>
+              </a:rPr>
+              <a:t>dynamically</a:t>
+            </a:r>
             <a:r>
               <a:rPr b="0" lang="en-US" sz="1800" spc="-1" strike="noStrike">
                 <a:solidFill>
                   <a:srgbClr val="3c3e41"/>
                 </a:solidFill>
                 <a:latin typeface="Arial"/>
-              </a:rPr>
-              <a:t>User interface tool</a:t>
+                <a:ea typeface="DejaVu Sans"/>
+              </a:rPr>
+              <a:t> provision PV in a cluster</a:t>
             </a:r>
             <a:endParaRPr b="0" lang="en-US" sz="1800" spc="-1" strike="noStrike">
               <a:latin typeface="Arial"/>
             </a:endParaRPr>
           </a:p>
-          <a:p>
-            <a:pPr marL="432000" indent="-323280">
-              <a:lnSpc>
-                <a:spcPct val="100000"/>
-              </a:lnSpc>
-              <a:spcBef>
-                <a:spcPts val="1417"/>
-              </a:spcBef>
-              <a:buClr>
-                <a:srgbClr val="000000"/>
-              </a:buClr>
-              <a:buSzPct val="45000"/>
-              <a:buFont typeface="Wingdings" charset="2"/>
-              <a:buChar char=""/>
-            </a:pPr>
-            <a:r>
-              <a:rPr b="0" lang="en-US" sz="1800" spc="-1" strike="noStrike">
-                <a:solidFill>
-                  <a:srgbClr val="3c3e41"/>
-                </a:solidFill>
-                <a:latin typeface="Arial"/>
-              </a:rPr>
-              <a:t>Communicate with K8s resources </a:t>
-            </a:r>
-            <a:endParaRPr b="0" lang="en-US" sz="1800" spc="-1" strike="noStrike">
-              <a:latin typeface="Arial"/>
-            </a:endParaRPr>
-          </a:p>
-        </p:txBody>
-      </p:sp>
-      <p:sp>
-        <p:nvSpPr>
-          <p:cNvPr id="387" name="CustomShape 3"/>
+        </p:txBody>
+      </p:sp>
+      <p:sp>
+        <p:nvSpPr>
+          <p:cNvPr id="384" name="CustomShape 3"/>
           <p:cNvSpPr/>
           <p:nvPr/>
         </p:nvSpPr>
         <p:spPr>
           <a:xfrm>
             <a:off x="10515600" y="6202080"/>
-            <a:ext cx="1595880" cy="423000"/>
+            <a:ext cx="1595520" cy="422640"/>
           </a:xfrm>
           <a:prstGeom prst="rect">
             <a:avLst/>
@@ -17534,7 +17810,7 @@
                 <a:spcPct val="100000"/>
               </a:lnSpc>
             </a:pPr>
-            <a:fld id="{4501E427-926D-4271-A8B1-72A5441CB4AF}" type="slidenum">
+            <a:fld id="{3325D66F-3390-4B8D-93FC-79A76B93C15C}" type="slidenum">
               <a:rPr b="0" lang="en-US" sz="1600" spc="-1" strike="noStrike">
                 <a:solidFill>
                   <a:srgbClr val="000000"/>
@@ -17552,7 +17828,7 @@
       </p:sp>
       <p:pic>
         <p:nvPicPr>
-          <p:cNvPr id="388" name="" descr=""/>
+          <p:cNvPr id="385" name="" descr=""/>
           <p:cNvPicPr/>
           <p:nvPr/>
         </p:nvPicPr>
@@ -17562,8 +17838,8 @@
         </p:blipFill>
         <p:spPr>
           <a:xfrm>
-            <a:off x="228600" y="2355480"/>
-            <a:ext cx="8457480" cy="2215800"/>
+            <a:off x="3762720" y="1371600"/>
+            <a:ext cx="4236120" cy="4568760"/>
           </a:xfrm>
           <a:prstGeom prst="rect">
             <a:avLst/>
@@ -17578,7 +17854,7 @@
       </p:pic>
       <p:pic>
         <p:nvPicPr>
-          <p:cNvPr id="389" name="" descr=""/>
+          <p:cNvPr id="386" name="" descr=""/>
           <p:cNvPicPr/>
           <p:nvPr/>
         </p:nvPicPr>
@@ -17588,8 +17864,8 @@
         </p:blipFill>
         <p:spPr>
           <a:xfrm>
-            <a:off x="8828640" y="1141560"/>
-            <a:ext cx="3032640" cy="5258520"/>
+            <a:off x="8321040" y="1371600"/>
+            <a:ext cx="3094560" cy="4571280"/>
           </a:xfrm>
           <a:prstGeom prst="rect">
             <a:avLst/>
@@ -17634,14 +17910,14 @@
       </p:grpSpPr>
       <p:sp>
         <p:nvSpPr>
-          <p:cNvPr id="390" name="CustomShape 1"/>
+          <p:cNvPr id="387" name="CustomShape 1"/>
           <p:cNvSpPr/>
           <p:nvPr/>
         </p:nvSpPr>
         <p:spPr>
           <a:xfrm>
-            <a:off x="3429000" y="376920"/>
-            <a:ext cx="5705640" cy="533160"/>
+            <a:off x="686160" y="0"/>
+            <a:ext cx="10968120" cy="1140480"/>
           </a:xfrm>
           <a:prstGeom prst="rect">
             <a:avLst/>
@@ -17676,32 +17952,48 @@
                   <a:srgbClr val="3465a4"/>
                 </a:solidFill>
                 <a:latin typeface="Arial"/>
-              </a:rPr>
-              <a:t>Question and Answer</a:t>
-            </a:r>
-            <a:endParaRPr b="0" lang="en-US" sz="3200" spc="-1" strike="noStrike">
-              <a:latin typeface="Arial"/>
-            </a:endParaRPr>
-          </a:p>
-        </p:txBody>
-      </p:sp>
-      <p:sp>
-        <p:nvSpPr>
-          <p:cNvPr id="391" name="CustomShape 2"/>
+                <a:ea typeface="Noto Sans CJK SC"/>
+              </a:rPr>
+              <a:t>3 - Primary Kubernetes Objects</a:t>
+            </a:r>
+            <a:br/>
+            <a:br/>
+            <a:r>
+              <a:rPr b="1" lang="en-US" sz="1800" spc="-1" strike="noStrike">
+                <a:solidFill>
+                  <a:srgbClr val="3465a4"/>
+                </a:solidFill>
+                <a:latin typeface="Arial"/>
+                <a:ea typeface="Noto Sans CJK SC"/>
+              </a:rPr>
+              <a:t>Persistent Storage – Volume Claim Templates</a:t>
+            </a:r>
+            <a:endParaRPr b="0" lang="en-US" sz="1800" spc="-1" strike="noStrike">
+              <a:latin typeface="Arial"/>
+            </a:endParaRPr>
+          </a:p>
+        </p:txBody>
+      </p:sp>
+      <p:sp>
+        <p:nvSpPr>
+          <p:cNvPr id="388" name="CustomShape 2"/>
           <p:cNvSpPr/>
           <p:nvPr/>
         </p:nvSpPr>
         <p:spPr>
           <a:xfrm>
-            <a:off x="10515600" y="6202080"/>
-            <a:ext cx="1595880" cy="423000"/>
+            <a:off x="228600" y="1371600"/>
+            <a:ext cx="5074200" cy="1553760"/>
           </a:xfrm>
           <a:prstGeom prst="rect">
             <a:avLst/>
           </a:prstGeom>
           <a:noFill/>
-          <a:ln>
-            <a:noFill/>
+          <a:ln cap="rnd" w="6480">
+            <a:solidFill>
+              <a:srgbClr val="5eb91e"/>
+            </a:solidFill>
+            <a:round/>
           </a:ln>
         </p:spPr>
         <p:style>
@@ -17711,6 +18003,124 @@
           <a:fontRef idx="minor"/>
         </p:style>
         <p:txBody>
+          <a:bodyPr lIns="93240" rIns="93240" tIns="48240" bIns="48240">
+            <a:noAutofit/>
+          </a:bodyPr>
+          <a:p>
+            <a:pPr marL="432000" indent="-322920">
+              <a:lnSpc>
+                <a:spcPct val="100000"/>
+              </a:lnSpc>
+              <a:spcBef>
+                <a:spcPts val="1417"/>
+              </a:spcBef>
+              <a:buClr>
+                <a:srgbClr val="000000"/>
+              </a:buClr>
+              <a:buSzPct val="45000"/>
+              <a:buFont typeface="Wingdings" charset="2"/>
+              <a:buChar char=""/>
+            </a:pPr>
+            <a:r>
+              <a:rPr b="0" lang="en-US" sz="1800" spc="-1" strike="noStrike">
+                <a:solidFill>
+                  <a:srgbClr val="3c3e41"/>
+                </a:solidFill>
+                <a:latin typeface="Arial"/>
+                <a:ea typeface="DejaVu Sans"/>
+              </a:rPr>
+              <a:t>Similar to PVC but:</a:t>
+            </a:r>
+            <a:endParaRPr b="0" lang="en-US" sz="1800" spc="-1" strike="noStrike">
+              <a:latin typeface="Arial"/>
+            </a:endParaRPr>
+          </a:p>
+          <a:p>
+            <a:pPr marL="432000" indent="-322920">
+              <a:lnSpc>
+                <a:spcPct val="100000"/>
+              </a:lnSpc>
+              <a:spcBef>
+                <a:spcPts val="1417"/>
+              </a:spcBef>
+              <a:buClr>
+                <a:srgbClr val="000000"/>
+              </a:buClr>
+              <a:buSzPct val="45000"/>
+              <a:buFont typeface="Wingdings" charset="2"/>
+              <a:buChar char=""/>
+            </a:pPr>
+            <a:r>
+              <a:rPr b="0" lang="en-US" sz="1800" spc="-1" strike="noStrike">
+                <a:solidFill>
+                  <a:srgbClr val="3c3e41"/>
+                </a:solidFill>
+                <a:latin typeface="Arial"/>
+                <a:ea typeface="DejaVu Sans"/>
+              </a:rPr>
+              <a:t>Used for stateful app (DB)</a:t>
+            </a:r>
+            <a:endParaRPr b="0" lang="en-US" sz="1800" spc="-1" strike="noStrike">
+              <a:latin typeface="Arial"/>
+            </a:endParaRPr>
+          </a:p>
+          <a:p>
+            <a:pPr marL="432000" indent="-322920">
+              <a:lnSpc>
+                <a:spcPct val="100000"/>
+              </a:lnSpc>
+              <a:spcBef>
+                <a:spcPts val="1417"/>
+              </a:spcBef>
+              <a:buClr>
+                <a:srgbClr val="000000"/>
+              </a:buClr>
+              <a:buSzPct val="45000"/>
+              <a:buFont typeface="Wingdings" charset="2"/>
+              <a:buChar char=""/>
+            </a:pPr>
+            <a:r>
+              <a:rPr b="0" lang="en-US" sz="1800" spc="-1" strike="noStrike">
+                <a:solidFill>
+                  <a:srgbClr val="3c3e41"/>
+                </a:solidFill>
+                <a:latin typeface="Arial"/>
+                <a:ea typeface="DejaVu Sans"/>
+              </a:rPr>
+              <a:t>Each pod can have it’s own allocated pvc</a:t>
+            </a:r>
+            <a:endParaRPr b="0" lang="en-US" sz="1800" spc="-1" strike="noStrike">
+              <a:latin typeface="Arial"/>
+            </a:endParaRPr>
+          </a:p>
+        </p:txBody>
+      </p:sp>
+      <p:sp>
+        <p:nvSpPr>
+          <p:cNvPr id="389" name="CustomShape 3"/>
+          <p:cNvSpPr/>
+          <p:nvPr/>
+        </p:nvSpPr>
+        <p:spPr>
+          <a:xfrm>
+            <a:off x="10515600" y="6202080"/>
+            <a:ext cx="1595520" cy="422640"/>
+          </a:xfrm>
+          <a:prstGeom prst="rect">
+            <a:avLst/>
+          </a:prstGeom>
+          <a:noFill/>
+          <a:ln>
+            <a:noFill/>
+          </a:ln>
+        </p:spPr>
+        <p:style>
+          <a:lnRef idx="0"/>
+          <a:fillRef idx="0"/>
+          <a:effectRef idx="0"/>
+          <a:fontRef idx="minor"/>
+        </p:style>
+        <p:txBody>
           <a:bodyPr lIns="90000" rIns="90000" tIns="45000" bIns="45000">
             <a:noAutofit/>
           </a:bodyPr>
@@ -17720,7 +18130,7 @@
                 <a:spcPct val="100000"/>
               </a:lnSpc>
             </a:pPr>
-            <a:fld id="{07734459-16C3-45EF-80EC-F51BD20BCBAB}" type="slidenum">
+            <a:fld id="{DC59E11A-6B93-4098-8A0D-078221030065}" type="slidenum">
               <a:rPr b="0" lang="en-US" sz="1600" spc="-1" strike="noStrike">
                 <a:solidFill>
                   <a:srgbClr val="000000"/>
@@ -17738,7 +18148,7 @@
       </p:sp>
       <p:pic>
         <p:nvPicPr>
-          <p:cNvPr id="392" name="" descr=""/>
+          <p:cNvPr id="390" name="" descr=""/>
           <p:cNvPicPr/>
           <p:nvPr/>
         </p:nvPicPr>
@@ -17748,14 +18158,20 @@
         </p:blipFill>
         <p:spPr>
           <a:xfrm>
-            <a:off x="4114800" y="2105280"/>
-            <a:ext cx="4645440" cy="3150000"/>
+            <a:off x="5945040" y="1421640"/>
+            <a:ext cx="3657240" cy="4613040"/>
           </a:xfrm>
           <a:prstGeom prst="rect">
             <a:avLst/>
           </a:prstGeom>
           <a:ln>
-            <a:noFill/>
+            <a:solidFill>
+              <a:srgbClr val="3465a4"/>
+            </a:solidFill>
+            <a:custDash>
+              <a:ds d="100000" sp="300000"/>
+              <a:ds d="100000" sp="300000"/>
+            </a:custDash>
           </a:ln>
         </p:spPr>
       </p:pic>
@@ -17773,6 +18189,733 @@
 </file>
 
 <file path=ppt/slides/slide25.xml><?xml version="1.0" encoding="utf-8"?>
+<p:sld xmlns:a="http://schemas.openxmlformats.org/drawingml/2006/main" xmlns:p="http://schemas.openxmlformats.org/presentationml/2006/main" xmlns:r="http://schemas.openxmlformats.org/officeDocument/2006/relationships" xmlns:p14="http://schemas.microsoft.com/office/powerpoint/2010/main" xmlns:p15="http://schemas.microsoft.com/office/powerpoint/2012/main" xmlns:mc="http://schemas.openxmlformats.org/markup-compatibility/2006">
+  <p:cSld>
+    <p:spTree>
+      <p:nvGrpSpPr>
+        <p:cNvPr id="1" name=""/>
+        <p:cNvGrpSpPr/>
+        <p:nvPr/>
+      </p:nvGrpSpPr>
+      <p:grpSpPr>
+        <a:xfrm>
+          <a:off x="0" y="0"/>
+          <a:ext cx="0" cy="0"/>
+          <a:chOff x="0" y="0"/>
+          <a:chExt cx="0" cy="0"/>
+        </a:xfrm>
+      </p:grpSpPr>
+      <p:sp>
+        <p:nvSpPr>
+          <p:cNvPr id="391" name="CustomShape 1"/>
+          <p:cNvSpPr/>
+          <p:nvPr/>
+        </p:nvSpPr>
+        <p:spPr>
+          <a:xfrm>
+            <a:off x="686160" y="0"/>
+            <a:ext cx="10968120" cy="1140480"/>
+          </a:xfrm>
+          <a:prstGeom prst="rect">
+            <a:avLst/>
+          </a:prstGeom>
+          <a:noFill/>
+          <a:ln>
+            <a:noFill/>
+          </a:ln>
+        </p:spPr>
+        <p:style>
+          <a:lnRef idx="0"/>
+          <a:fillRef idx="0"/>
+          <a:effectRef idx="0"/>
+          <a:fontRef idx="minor"/>
+        </p:style>
+        <p:txBody>
+          <a:bodyPr lIns="90000" rIns="90000" tIns="45000" bIns="45000">
+            <a:noAutofit/>
+          </a:bodyPr>
+          <a:p>
+            <a:pPr algn="ctr">
+              <a:lnSpc>
+                <a:spcPct val="90000"/>
+              </a:lnSpc>
+              <a:spcBef>
+                <a:spcPts val="1001"/>
+              </a:spcBef>
+            </a:pPr>
+            <a:r>
+              <a:rPr b="1" lang="en-US" sz="3200" spc="-1" strike="noStrike">
+                <a:solidFill>
+                  <a:srgbClr val="3465a4"/>
+                </a:solidFill>
+                <a:latin typeface="Arial"/>
+                <a:ea typeface="Noto Sans CJK SC"/>
+              </a:rPr>
+              <a:t>4 - Kubernetes User Interaction</a:t>
+            </a:r>
+            <a:br/>
+            <a:br/>
+            <a:r>
+              <a:rPr b="1" lang="en-US" sz="1800" spc="-1" strike="noStrike">
+                <a:solidFill>
+                  <a:srgbClr val="3465a4"/>
+                </a:solidFill>
+                <a:latin typeface="Arial"/>
+                <a:ea typeface="Noto Sans CJK SC"/>
+              </a:rPr>
+              <a:t>Command line - kubectl</a:t>
+            </a:r>
+            <a:endParaRPr b="0" lang="en-US" sz="1800" spc="-1" strike="noStrike">
+              <a:latin typeface="Arial"/>
+            </a:endParaRPr>
+          </a:p>
+        </p:txBody>
+      </p:sp>
+      <p:sp>
+        <p:nvSpPr>
+          <p:cNvPr id="392" name="CustomShape 2"/>
+          <p:cNvSpPr/>
+          <p:nvPr/>
+        </p:nvSpPr>
+        <p:spPr>
+          <a:xfrm>
+            <a:off x="685800" y="1600200"/>
+            <a:ext cx="4570920" cy="913320"/>
+          </a:xfrm>
+          <a:prstGeom prst="rect">
+            <a:avLst/>
+          </a:prstGeom>
+          <a:noFill/>
+          <a:ln cap="rnd" w="6480">
+            <a:solidFill>
+              <a:srgbClr val="5eb91e"/>
+            </a:solidFill>
+            <a:round/>
+          </a:ln>
+        </p:spPr>
+        <p:style>
+          <a:lnRef idx="0"/>
+          <a:fillRef idx="0"/>
+          <a:effectRef idx="0"/>
+          <a:fontRef idx="minor"/>
+        </p:style>
+        <p:txBody>
+          <a:bodyPr lIns="93240" rIns="93240" tIns="48240" bIns="48240">
+            <a:noAutofit/>
+          </a:bodyPr>
+          <a:p>
+            <a:pPr marL="432000" indent="-322920">
+              <a:lnSpc>
+                <a:spcPct val="100000"/>
+              </a:lnSpc>
+              <a:spcBef>
+                <a:spcPts val="1417"/>
+              </a:spcBef>
+              <a:buClr>
+                <a:srgbClr val="000000"/>
+              </a:buClr>
+              <a:buSzPct val="45000"/>
+              <a:buFont typeface="Wingdings" charset="2"/>
+              <a:buChar char=""/>
+            </a:pPr>
+            <a:r>
+              <a:rPr b="0" lang="en-US" sz="1800" spc="-1" strike="noStrike">
+                <a:solidFill>
+                  <a:srgbClr val="3c3e41"/>
+                </a:solidFill>
+                <a:latin typeface="Arial"/>
+                <a:ea typeface="DejaVu Sans"/>
+              </a:rPr>
+              <a:t>Command line tool</a:t>
+            </a:r>
+            <a:endParaRPr b="0" lang="en-US" sz="1800" spc="-1" strike="noStrike">
+              <a:latin typeface="Arial"/>
+            </a:endParaRPr>
+          </a:p>
+          <a:p>
+            <a:pPr marL="432000" indent="-322920">
+              <a:lnSpc>
+                <a:spcPct val="100000"/>
+              </a:lnSpc>
+              <a:spcBef>
+                <a:spcPts val="1417"/>
+              </a:spcBef>
+              <a:buClr>
+                <a:srgbClr val="000000"/>
+              </a:buClr>
+              <a:buSzPct val="45000"/>
+              <a:buFont typeface="Wingdings" charset="2"/>
+              <a:buChar char=""/>
+            </a:pPr>
+            <a:r>
+              <a:rPr b="0" lang="en-US" sz="1800" spc="-1" strike="noStrike">
+                <a:solidFill>
+                  <a:srgbClr val="3c3e41"/>
+                </a:solidFill>
+                <a:latin typeface="Arial"/>
+                <a:ea typeface="DejaVu Sans"/>
+              </a:rPr>
+              <a:t>Communicate with K8s resources</a:t>
+            </a:r>
+            <a:endParaRPr b="0" lang="en-US" sz="1800" spc="-1" strike="noStrike">
+              <a:latin typeface="Arial"/>
+            </a:endParaRPr>
+          </a:p>
+          <a:p>
+            <a:pPr>
+              <a:lnSpc>
+                <a:spcPct val="100000"/>
+              </a:lnSpc>
+              <a:spcBef>
+                <a:spcPts val="1417"/>
+              </a:spcBef>
+            </a:pPr>
+            <a:endParaRPr b="0" lang="en-US" sz="1800" spc="-1" strike="noStrike">
+              <a:latin typeface="Arial"/>
+            </a:endParaRPr>
+          </a:p>
+        </p:txBody>
+      </p:sp>
+      <p:sp>
+        <p:nvSpPr>
+          <p:cNvPr id="393" name="CustomShape 3"/>
+          <p:cNvSpPr/>
+          <p:nvPr/>
+        </p:nvSpPr>
+        <p:spPr>
+          <a:xfrm>
+            <a:off x="10515600" y="6202080"/>
+            <a:ext cx="1595520" cy="422640"/>
+          </a:xfrm>
+          <a:prstGeom prst="rect">
+            <a:avLst/>
+          </a:prstGeom>
+          <a:noFill/>
+          <a:ln>
+            <a:noFill/>
+          </a:ln>
+        </p:spPr>
+        <p:style>
+          <a:lnRef idx="0"/>
+          <a:fillRef idx="0"/>
+          <a:effectRef idx="0"/>
+          <a:fontRef idx="minor"/>
+        </p:style>
+        <p:txBody>
+          <a:bodyPr lIns="90000" rIns="90000" tIns="45000" bIns="45000">
+            <a:noAutofit/>
+          </a:bodyPr>
+          <a:p>
+            <a:pPr algn="ctr">
+              <a:lnSpc>
+                <a:spcPct val="100000"/>
+              </a:lnSpc>
+            </a:pPr>
+            <a:fld id="{A8A550E0-4AB6-4920-B6A3-AEE1E0AF7137}" type="slidenum">
+              <a:rPr b="0" lang="en-US" sz="1600" spc="-1" strike="noStrike">
+                <a:solidFill>
+                  <a:srgbClr val="000000"/>
+                </a:solidFill>
+                <a:latin typeface="Times New Roman"/>
+                <a:ea typeface="DejaVu Sans"/>
+              </a:rPr>
+              <a:t>&lt;number&gt;</a:t>
+            </a:fld>
+            <a:endParaRPr b="0" lang="en-US" sz="1600" spc="-1" strike="noStrike">
+              <a:latin typeface="Arial"/>
+            </a:endParaRPr>
+          </a:p>
+        </p:txBody>
+      </p:sp>
+      <p:pic>
+        <p:nvPicPr>
+          <p:cNvPr id="394" name="" descr=""/>
+          <p:cNvPicPr/>
+          <p:nvPr/>
+        </p:nvPicPr>
+        <p:blipFill>
+          <a:blip r:embed="rId1"/>
+          <a:stretch/>
+        </p:blipFill>
+        <p:spPr>
+          <a:xfrm>
+            <a:off x="724320" y="2971800"/>
+            <a:ext cx="4532400" cy="1716480"/>
+          </a:xfrm>
+          <a:prstGeom prst="rect">
+            <a:avLst/>
+          </a:prstGeom>
+          <a:ln>
+            <a:solidFill>
+              <a:srgbClr val="3465a4"/>
+            </a:solidFill>
+            <a:prstDash val="sysDot"/>
+          </a:ln>
+        </p:spPr>
+      </p:pic>
+    </p:spTree>
+  </p:cSld>
+  <mc:AlternateContent>
+    <mc:Choice Requires="p14">
+      <p:transition spd="slow" p14:dur="2000"/>
+    </mc:Choice>
+    <mc:Fallback>
+      <p:transition spd="slow"/>
+    </mc:Fallback>
+  </mc:AlternateContent>
+</p:sld>
+</file>
+
+<file path=ppt/slides/slide26.xml><?xml version="1.0" encoding="utf-8"?>
+<p:sld xmlns:a="http://schemas.openxmlformats.org/drawingml/2006/main" xmlns:p="http://schemas.openxmlformats.org/presentationml/2006/main" xmlns:r="http://schemas.openxmlformats.org/officeDocument/2006/relationships" xmlns:p14="http://schemas.microsoft.com/office/powerpoint/2010/main" xmlns:p15="http://schemas.microsoft.com/office/powerpoint/2012/main" xmlns:mc="http://schemas.openxmlformats.org/markup-compatibility/2006">
+  <p:cSld>
+    <p:spTree>
+      <p:nvGrpSpPr>
+        <p:cNvPr id="1" name=""/>
+        <p:cNvGrpSpPr/>
+        <p:nvPr/>
+      </p:nvGrpSpPr>
+      <p:grpSpPr>
+        <a:xfrm>
+          <a:off x="0" y="0"/>
+          <a:ext cx="0" cy="0"/>
+          <a:chOff x="0" y="0"/>
+          <a:chExt cx="0" cy="0"/>
+        </a:xfrm>
+      </p:grpSpPr>
+      <p:sp>
+        <p:nvSpPr>
+          <p:cNvPr id="395" name="CustomShape 1"/>
+          <p:cNvSpPr/>
+          <p:nvPr/>
+        </p:nvSpPr>
+        <p:spPr>
+          <a:xfrm>
+            <a:off x="686160" y="0"/>
+            <a:ext cx="10968120" cy="1140480"/>
+          </a:xfrm>
+          <a:prstGeom prst="rect">
+            <a:avLst/>
+          </a:prstGeom>
+          <a:noFill/>
+          <a:ln>
+            <a:noFill/>
+          </a:ln>
+        </p:spPr>
+        <p:style>
+          <a:lnRef idx="0"/>
+          <a:fillRef idx="0"/>
+          <a:effectRef idx="0"/>
+          <a:fontRef idx="minor"/>
+        </p:style>
+        <p:txBody>
+          <a:bodyPr lIns="90000" rIns="90000" tIns="45000" bIns="45000">
+            <a:noAutofit/>
+          </a:bodyPr>
+          <a:p>
+            <a:pPr algn="ctr">
+              <a:lnSpc>
+                <a:spcPct val="90000"/>
+              </a:lnSpc>
+              <a:spcBef>
+                <a:spcPts val="1001"/>
+              </a:spcBef>
+            </a:pPr>
+            <a:r>
+              <a:rPr b="1" lang="en-US" sz="3200" spc="-1" strike="noStrike">
+                <a:solidFill>
+                  <a:srgbClr val="3465a4"/>
+                </a:solidFill>
+                <a:latin typeface="Arial"/>
+                <a:ea typeface="Noto Sans CJK SC"/>
+              </a:rPr>
+              <a:t>4 - Kubernetes User Interaction</a:t>
+            </a:r>
+            <a:br/>
+            <a:br/>
+            <a:r>
+              <a:rPr b="1" lang="en-US" sz="1800" spc="-1" strike="noStrike">
+                <a:solidFill>
+                  <a:srgbClr val="3465a4"/>
+                </a:solidFill>
+                <a:latin typeface="Arial"/>
+                <a:ea typeface="Noto Sans CJK SC"/>
+              </a:rPr>
+              <a:t>User interface - Lens</a:t>
+            </a:r>
+            <a:endParaRPr b="0" lang="en-US" sz="1800" spc="-1" strike="noStrike">
+              <a:latin typeface="Arial"/>
+            </a:endParaRPr>
+          </a:p>
+        </p:txBody>
+      </p:sp>
+      <p:sp>
+        <p:nvSpPr>
+          <p:cNvPr id="396" name="CustomShape 2"/>
+          <p:cNvSpPr/>
+          <p:nvPr/>
+        </p:nvSpPr>
+        <p:spPr>
+          <a:xfrm>
+            <a:off x="228600" y="1371600"/>
+            <a:ext cx="8457120" cy="913320"/>
+          </a:xfrm>
+          <a:prstGeom prst="rect">
+            <a:avLst/>
+          </a:prstGeom>
+          <a:noFill/>
+          <a:ln cap="rnd" w="6480">
+            <a:solidFill>
+              <a:srgbClr val="5eb91e"/>
+            </a:solidFill>
+            <a:round/>
+          </a:ln>
+        </p:spPr>
+        <p:style>
+          <a:lnRef idx="0"/>
+          <a:fillRef idx="0"/>
+          <a:effectRef idx="0"/>
+          <a:fontRef idx="minor"/>
+        </p:style>
+        <p:txBody>
+          <a:bodyPr lIns="93240" rIns="93240" tIns="48240" bIns="48240">
+            <a:noAutofit/>
+          </a:bodyPr>
+          <a:p>
+            <a:pPr marL="432000" indent="-322920">
+              <a:lnSpc>
+                <a:spcPct val="100000"/>
+              </a:lnSpc>
+              <a:spcBef>
+                <a:spcPts val="1417"/>
+              </a:spcBef>
+              <a:buClr>
+                <a:srgbClr val="000000"/>
+              </a:buClr>
+              <a:buSzPct val="45000"/>
+              <a:buFont typeface="Wingdings" charset="2"/>
+              <a:buChar char=""/>
+            </a:pPr>
+            <a:r>
+              <a:rPr b="0" lang="en-US" sz="1800" spc="-1" strike="noStrike">
+                <a:solidFill>
+                  <a:srgbClr val="3c3e41"/>
+                </a:solidFill>
+                <a:latin typeface="Arial"/>
+                <a:ea typeface="DejaVu Sans"/>
+              </a:rPr>
+              <a:t>User interface tool</a:t>
+            </a:r>
+            <a:endParaRPr b="0" lang="en-US" sz="1800" spc="-1" strike="noStrike">
+              <a:latin typeface="Arial"/>
+            </a:endParaRPr>
+          </a:p>
+          <a:p>
+            <a:pPr marL="432000" indent="-322920">
+              <a:lnSpc>
+                <a:spcPct val="100000"/>
+              </a:lnSpc>
+              <a:spcBef>
+                <a:spcPts val="1417"/>
+              </a:spcBef>
+              <a:buClr>
+                <a:srgbClr val="000000"/>
+              </a:buClr>
+              <a:buSzPct val="45000"/>
+              <a:buFont typeface="Wingdings" charset="2"/>
+              <a:buChar char=""/>
+            </a:pPr>
+            <a:r>
+              <a:rPr b="0" lang="en-US" sz="1800" spc="-1" strike="noStrike">
+                <a:solidFill>
+                  <a:srgbClr val="3c3e41"/>
+                </a:solidFill>
+                <a:latin typeface="Arial"/>
+                <a:ea typeface="DejaVu Sans"/>
+              </a:rPr>
+              <a:t>Communicate with K8s resources </a:t>
+            </a:r>
+            <a:endParaRPr b="0" lang="en-US" sz="1800" spc="-1" strike="noStrike">
+              <a:latin typeface="Arial"/>
+            </a:endParaRPr>
+          </a:p>
+        </p:txBody>
+      </p:sp>
+      <p:sp>
+        <p:nvSpPr>
+          <p:cNvPr id="397" name="CustomShape 3"/>
+          <p:cNvSpPr/>
+          <p:nvPr/>
+        </p:nvSpPr>
+        <p:spPr>
+          <a:xfrm>
+            <a:off x="10515600" y="6202080"/>
+            <a:ext cx="1595520" cy="422640"/>
+          </a:xfrm>
+          <a:prstGeom prst="rect">
+            <a:avLst/>
+          </a:prstGeom>
+          <a:noFill/>
+          <a:ln>
+            <a:noFill/>
+          </a:ln>
+        </p:spPr>
+        <p:style>
+          <a:lnRef idx="0"/>
+          <a:fillRef idx="0"/>
+          <a:effectRef idx="0"/>
+          <a:fontRef idx="minor"/>
+        </p:style>
+        <p:txBody>
+          <a:bodyPr lIns="90000" rIns="90000" tIns="45000" bIns="45000">
+            <a:noAutofit/>
+          </a:bodyPr>
+          <a:p>
+            <a:pPr algn="ctr">
+              <a:lnSpc>
+                <a:spcPct val="100000"/>
+              </a:lnSpc>
+            </a:pPr>
+            <a:fld id="{5B318013-BA28-43F8-B11C-C07BFE4BF0DB}" type="slidenum">
+              <a:rPr b="0" lang="en-US" sz="1600" spc="-1" strike="noStrike">
+                <a:solidFill>
+                  <a:srgbClr val="000000"/>
+                </a:solidFill>
+                <a:latin typeface="Times New Roman"/>
+                <a:ea typeface="DejaVu Sans"/>
+              </a:rPr>
+              <a:t>&lt;number&gt;</a:t>
+            </a:fld>
+            <a:endParaRPr b="0" lang="en-US" sz="1600" spc="-1" strike="noStrike">
+              <a:latin typeface="Arial"/>
+            </a:endParaRPr>
+          </a:p>
+        </p:txBody>
+      </p:sp>
+      <p:pic>
+        <p:nvPicPr>
+          <p:cNvPr id="398" name="" descr=""/>
+          <p:cNvPicPr/>
+          <p:nvPr/>
+        </p:nvPicPr>
+        <p:blipFill>
+          <a:blip r:embed="rId1"/>
+          <a:stretch/>
+        </p:blipFill>
+        <p:spPr>
+          <a:xfrm>
+            <a:off x="228600" y="2355480"/>
+            <a:ext cx="8457120" cy="2215440"/>
+          </a:xfrm>
+          <a:prstGeom prst="rect">
+            <a:avLst/>
+          </a:prstGeom>
+          <a:ln>
+            <a:solidFill>
+              <a:srgbClr val="3465a4"/>
+            </a:solidFill>
+            <a:prstDash val="sysDot"/>
+          </a:ln>
+        </p:spPr>
+      </p:pic>
+      <p:pic>
+        <p:nvPicPr>
+          <p:cNvPr id="399" name="" descr=""/>
+          <p:cNvPicPr/>
+          <p:nvPr/>
+        </p:nvPicPr>
+        <p:blipFill>
+          <a:blip r:embed="rId2"/>
+          <a:stretch/>
+        </p:blipFill>
+        <p:spPr>
+          <a:xfrm>
+            <a:off x="8828640" y="1141560"/>
+            <a:ext cx="3032280" cy="5258160"/>
+          </a:xfrm>
+          <a:prstGeom prst="rect">
+            <a:avLst/>
+          </a:prstGeom>
+          <a:ln>
+            <a:solidFill>
+              <a:srgbClr val="3465a4"/>
+            </a:solidFill>
+            <a:prstDash val="sysDot"/>
+          </a:ln>
+        </p:spPr>
+      </p:pic>
+    </p:spTree>
+  </p:cSld>
+  <mc:AlternateContent>
+    <mc:Choice Requires="p14">
+      <p:transition spd="slow" p14:dur="2000"/>
+    </mc:Choice>
+    <mc:Fallback>
+      <p:transition spd="slow"/>
+    </mc:Fallback>
+  </mc:AlternateContent>
+</p:sld>
+</file>
+
+<file path=ppt/slides/slide27.xml><?xml version="1.0" encoding="utf-8"?>
+<p:sld xmlns:a="http://schemas.openxmlformats.org/drawingml/2006/main" xmlns:p="http://schemas.openxmlformats.org/presentationml/2006/main" xmlns:r="http://schemas.openxmlformats.org/officeDocument/2006/relationships" xmlns:p14="http://schemas.microsoft.com/office/powerpoint/2010/main" xmlns:p15="http://schemas.microsoft.com/office/powerpoint/2012/main" xmlns:mc="http://schemas.openxmlformats.org/markup-compatibility/2006">
+  <p:cSld>
+    <p:spTree>
+      <p:nvGrpSpPr>
+        <p:cNvPr id="1" name=""/>
+        <p:cNvGrpSpPr/>
+        <p:nvPr/>
+      </p:nvGrpSpPr>
+      <p:grpSpPr>
+        <a:xfrm>
+          <a:off x="0" y="0"/>
+          <a:ext cx="0" cy="0"/>
+          <a:chOff x="0" y="0"/>
+          <a:chExt cx="0" cy="0"/>
+        </a:xfrm>
+      </p:grpSpPr>
+      <p:sp>
+        <p:nvSpPr>
+          <p:cNvPr id="400" name="CustomShape 1"/>
+          <p:cNvSpPr/>
+          <p:nvPr/>
+        </p:nvSpPr>
+        <p:spPr>
+          <a:xfrm>
+            <a:off x="3429000" y="376920"/>
+            <a:ext cx="5705280" cy="532800"/>
+          </a:xfrm>
+          <a:prstGeom prst="rect">
+            <a:avLst/>
+          </a:prstGeom>
+          <a:noFill/>
+          <a:ln>
+            <a:noFill/>
+          </a:ln>
+        </p:spPr>
+        <p:style>
+          <a:lnRef idx="0"/>
+          <a:fillRef idx="0"/>
+          <a:effectRef idx="0"/>
+          <a:fontRef idx="minor"/>
+        </p:style>
+        <p:txBody>
+          <a:bodyPr lIns="90000" rIns="90000" tIns="45000" bIns="45000">
+            <a:noAutofit/>
+          </a:bodyPr>
+          <a:p>
+            <a:pPr algn="ctr">
+              <a:lnSpc>
+                <a:spcPct val="90000"/>
+              </a:lnSpc>
+              <a:spcBef>
+                <a:spcPts val="1001"/>
+              </a:spcBef>
+            </a:pPr>
+            <a:r>
+              <a:rPr b="1" lang="en-US" sz="3200" spc="-1" strike="noStrike">
+                <a:solidFill>
+                  <a:srgbClr val="3465a4"/>
+                </a:solidFill>
+                <a:latin typeface="Arial"/>
+                <a:ea typeface="DejaVu Sans"/>
+              </a:rPr>
+              <a:t>Question and Answer</a:t>
+            </a:r>
+            <a:endParaRPr b="0" lang="en-US" sz="3200" spc="-1" strike="noStrike">
+              <a:latin typeface="Arial"/>
+            </a:endParaRPr>
+          </a:p>
+        </p:txBody>
+      </p:sp>
+      <p:sp>
+        <p:nvSpPr>
+          <p:cNvPr id="401" name="CustomShape 2"/>
+          <p:cNvSpPr/>
+          <p:nvPr/>
+        </p:nvSpPr>
+        <p:spPr>
+          <a:xfrm>
+            <a:off x="10515600" y="6202080"/>
+            <a:ext cx="1595520" cy="422640"/>
+          </a:xfrm>
+          <a:prstGeom prst="rect">
+            <a:avLst/>
+          </a:prstGeom>
+          <a:noFill/>
+          <a:ln>
+            <a:noFill/>
+          </a:ln>
+        </p:spPr>
+        <p:style>
+          <a:lnRef idx="0"/>
+          <a:fillRef idx="0"/>
+          <a:effectRef idx="0"/>
+          <a:fontRef idx="minor"/>
+        </p:style>
+        <p:txBody>
+          <a:bodyPr lIns="90000" rIns="90000" tIns="45000" bIns="45000">
+            <a:noAutofit/>
+          </a:bodyPr>
+          <a:p>
+            <a:pPr algn="ctr">
+              <a:lnSpc>
+                <a:spcPct val="100000"/>
+              </a:lnSpc>
+            </a:pPr>
+            <a:fld id="{5BB64527-DED4-459A-88CE-1AFBF7E13FDD}" type="slidenum">
+              <a:rPr b="0" lang="en-US" sz="1600" spc="-1" strike="noStrike">
+                <a:solidFill>
+                  <a:srgbClr val="000000"/>
+                </a:solidFill>
+                <a:latin typeface="Times New Roman"/>
+                <a:ea typeface="DejaVu Sans"/>
+              </a:rPr>
+              <a:t>&lt;number&gt;</a:t>
+            </a:fld>
+            <a:endParaRPr b="0" lang="en-US" sz="1600" spc="-1" strike="noStrike">
+              <a:latin typeface="Arial"/>
+            </a:endParaRPr>
+          </a:p>
+        </p:txBody>
+      </p:sp>
+      <p:pic>
+        <p:nvPicPr>
+          <p:cNvPr id="402" name="" descr=""/>
+          <p:cNvPicPr/>
+          <p:nvPr/>
+        </p:nvPicPr>
+        <p:blipFill>
+          <a:blip r:embed="rId1"/>
+          <a:stretch/>
+        </p:blipFill>
+        <p:spPr>
+          <a:xfrm>
+            <a:off x="4114800" y="2105280"/>
+            <a:ext cx="4645080" cy="3149640"/>
+          </a:xfrm>
+          <a:prstGeom prst="rect">
+            <a:avLst/>
+          </a:prstGeom>
+          <a:ln>
+            <a:noFill/>
+          </a:ln>
+        </p:spPr>
+      </p:pic>
+    </p:spTree>
+  </p:cSld>
+  <mc:AlternateContent>
+    <mc:Choice Requires="p14">
+      <p:transition spd="slow" p14:dur="2000"/>
+    </mc:Choice>
+    <mc:Fallback>
+      <p:transition spd="slow"/>
+    </mc:Fallback>
+  </mc:AlternateContent>
+</p:sld>
+</file>
+
+<file path=ppt/slides/slide28.xml><?xml version="1.0" encoding="utf-8"?>
 <p:sld xmlns:a="http://schemas.openxmlformats.org/drawingml/2006/main" xmlns:p="http://schemas.openxmlformats.org/presentationml/2006/main" xmlns:r="http://schemas.openxmlformats.org/officeDocument/2006/relationships" xmlns:p14="http://schemas.microsoft.com/office/powerpoint/2010/main" xmlns:p15="http://schemas.microsoft.com/office/powerpoint/2012/main" xmlns:mc="http://schemas.openxmlformats.org/markup-compatibility/2006">
   <p:cSld>
     <p:spTree>
@@ -17828,7 +18971,7 @@
         <p:spPr>
           <a:xfrm>
             <a:off x="5809320" y="1506960"/>
-            <a:ext cx="5210640" cy="3838680"/>
+            <a:ext cx="5210280" cy="3838320"/>
           </a:xfrm>
           <a:prstGeom prst="rect">
             <a:avLst/>
@@ -17849,7 +18992,7 @@
             <a:noAutofit/>
           </a:bodyPr>
           <a:p>
-            <a:pPr marL="343080" indent="-342360">
+            <a:pPr marL="343080" indent="-342000">
               <a:lnSpc>
                 <a:spcPct val="90000"/>
               </a:lnSpc>
@@ -17868,6 +19011,7 @@
                   <a:srgbClr val="3c3e41"/>
                 </a:solidFill>
                 <a:latin typeface="Arial"/>
+                <a:ea typeface="DejaVu Sans"/>
               </a:rPr>
               <a:t>Kubernetes Overview</a:t>
             </a:r>
@@ -17876,7 +19020,7 @@
             </a:endParaRPr>
           </a:p>
           <a:p>
-            <a:pPr lvl="1" marL="800280" indent="-342360">
+            <a:pPr lvl="1" marL="800280" indent="-342000">
               <a:lnSpc>
                 <a:spcPct val="90000"/>
               </a:lnSpc>
@@ -17895,6 +19039,7 @@
                   <a:srgbClr val="3c3e41"/>
                 </a:solidFill>
                 <a:latin typeface="Arial"/>
+                <a:ea typeface="DejaVu Sans"/>
               </a:rPr>
               <a:t>Benefits of Kubernetes</a:t>
             </a:r>
@@ -17903,7 +19048,7 @@
             </a:endParaRPr>
           </a:p>
           <a:p>
-            <a:pPr lvl="1" marL="800280" indent="-342360">
+            <a:pPr lvl="1" marL="800280" indent="-342000">
               <a:lnSpc>
                 <a:spcPct val="90000"/>
               </a:lnSpc>
@@ -17922,6 +19067,7 @@
                   <a:srgbClr val="3c3e41"/>
                 </a:solidFill>
                 <a:latin typeface="Arial"/>
+                <a:ea typeface="DejaVu Sans"/>
               </a:rPr>
               <a:t>What is Kubernetes</a:t>
             </a:r>
@@ -17930,7 +19076,7 @@
             </a:endParaRPr>
           </a:p>
           <a:p>
-            <a:pPr marL="343080" indent="-342360">
+            <a:pPr marL="343080" indent="-342000">
               <a:lnSpc>
                 <a:spcPct val="90000"/>
               </a:lnSpc>
@@ -17949,6 +19095,7 @@
                   <a:srgbClr val="3c3e41"/>
                 </a:solidFill>
                 <a:latin typeface="Arial"/>
+                <a:ea typeface="DejaVu Sans"/>
               </a:rPr>
               <a:t>Kubernetes Architecture</a:t>
             </a:r>
@@ -17957,7 +19104,7 @@
             </a:endParaRPr>
           </a:p>
           <a:p>
-            <a:pPr marL="343080" indent="-342360">
+            <a:pPr marL="343080" indent="-342000">
               <a:lnSpc>
                 <a:spcPct val="90000"/>
               </a:lnSpc>
@@ -17976,6 +19123,7 @@
                   <a:srgbClr val="3c3e41"/>
                 </a:solidFill>
                 <a:latin typeface="Arial"/>
+                <a:ea typeface="DejaVu Sans"/>
               </a:rPr>
               <a:t>Primary Kubernetes Objects</a:t>
             </a:r>
@@ -17984,7 +19132,7 @@
             </a:endParaRPr>
           </a:p>
           <a:p>
-            <a:pPr lvl="1" marL="800280" indent="-342360">
+            <a:pPr lvl="1" marL="800280" indent="-342000">
               <a:lnSpc>
                 <a:spcPct val="90000"/>
               </a:lnSpc>
@@ -18003,6 +19151,7 @@
                   <a:srgbClr val="3c3e41"/>
                 </a:solidFill>
                 <a:latin typeface="Arial"/>
+                <a:ea typeface="DejaVu Sans"/>
               </a:rPr>
               <a:t>Deployment</a:t>
             </a:r>
@@ -18011,7 +19160,7 @@
             </a:endParaRPr>
           </a:p>
           <a:p>
-            <a:pPr lvl="1" marL="800280" indent="-342360">
+            <a:pPr lvl="1" marL="800280" indent="-342000">
               <a:lnSpc>
                 <a:spcPct val="90000"/>
               </a:lnSpc>
@@ -18030,6 +19179,7 @@
                   <a:srgbClr val="3c3e41"/>
                 </a:solidFill>
                 <a:latin typeface="Arial"/>
+                <a:ea typeface="DejaVu Sans"/>
               </a:rPr>
               <a:t>StatefulSet</a:t>
             </a:r>
@@ -18038,7 +19188,7 @@
             </a:endParaRPr>
           </a:p>
           <a:p>
-            <a:pPr lvl="1" marL="800280" indent="-342360">
+            <a:pPr lvl="1" marL="800280" indent="-342000">
               <a:lnSpc>
                 <a:spcPct val="90000"/>
               </a:lnSpc>
@@ -18057,6 +19207,7 @@
                   <a:srgbClr val="3c3e41"/>
                 </a:solidFill>
                 <a:latin typeface="Arial"/>
+                <a:ea typeface="DejaVu Sans"/>
               </a:rPr>
               <a:t>CronJob</a:t>
             </a:r>
@@ -18065,7 +19216,7 @@
             </a:endParaRPr>
           </a:p>
           <a:p>
-            <a:pPr lvl="1" marL="800280" indent="-342360">
+            <a:pPr lvl="1" marL="800280" indent="-342000">
               <a:lnSpc>
                 <a:spcPct val="90000"/>
               </a:lnSpc>
@@ -18084,6 +19235,7 @@
                   <a:srgbClr val="3c3e41"/>
                 </a:solidFill>
                 <a:latin typeface="Arial"/>
+                <a:ea typeface="DejaVu Sans"/>
               </a:rPr>
               <a:t>Network</a:t>
             </a:r>
@@ -18092,7 +19244,7 @@
             </a:endParaRPr>
           </a:p>
           <a:p>
-            <a:pPr lvl="1" marL="800280" indent="-342360">
+            <a:pPr lvl="1" marL="800280" indent="-342000">
               <a:lnSpc>
                 <a:spcPct val="90000"/>
               </a:lnSpc>
@@ -18111,6 +19263,7 @@
                   <a:srgbClr val="3c3e41"/>
                 </a:solidFill>
                 <a:latin typeface="Arial"/>
+                <a:ea typeface="DejaVu Sans"/>
               </a:rPr>
               <a:t>Configuration data</a:t>
             </a:r>
@@ -18119,7 +19272,7 @@
             </a:endParaRPr>
           </a:p>
           <a:p>
-            <a:pPr lvl="1" marL="800280" indent="-342360">
+            <a:pPr lvl="1" marL="800280" indent="-342000">
               <a:lnSpc>
                 <a:spcPct val="90000"/>
               </a:lnSpc>
@@ -18138,6 +19291,7 @@
                   <a:srgbClr val="3c3e41"/>
                 </a:solidFill>
                 <a:latin typeface="Arial"/>
+                <a:ea typeface="DejaVu Sans"/>
               </a:rPr>
               <a:t>Persistent Storage</a:t>
             </a:r>
@@ -18146,7 +19300,7 @@
             </a:endParaRPr>
           </a:p>
           <a:p>
-            <a:pPr marL="343080" indent="-342360">
+            <a:pPr marL="343080" indent="-342000">
               <a:lnSpc>
                 <a:spcPct val="90000"/>
               </a:lnSpc>
@@ -18165,6 +19319,7 @@
                   <a:srgbClr val="3c3e41"/>
                 </a:solidFill>
                 <a:latin typeface="Arial"/>
+                <a:ea typeface="DejaVu Sans"/>
               </a:rPr>
               <a:t>Kubernetes User Interaction</a:t>
             </a:r>
@@ -18173,7 +19328,7 @@
             </a:endParaRPr>
           </a:p>
           <a:p>
-            <a:pPr lvl="1" marL="800280" indent="-342360">
+            <a:pPr lvl="1" marL="800280" indent="-342000">
               <a:lnSpc>
                 <a:spcPct val="90000"/>
               </a:lnSpc>
@@ -18192,6 +19347,7 @@
                   <a:srgbClr val="3c3e41"/>
                 </a:solidFill>
                 <a:latin typeface="Arial"/>
+                <a:ea typeface="DejaVu Sans"/>
               </a:rPr>
               <a:t>K8s CLI</a:t>
             </a:r>
@@ -18200,7 +19356,7 @@
             </a:endParaRPr>
           </a:p>
           <a:p>
-            <a:pPr lvl="1" marL="800280" indent="-342360">
+            <a:pPr lvl="1" marL="800280" indent="-342000">
               <a:lnSpc>
                 <a:spcPct val="90000"/>
               </a:lnSpc>
@@ -18219,6 +19375,7 @@
                   <a:srgbClr val="3c3e41"/>
                 </a:solidFill>
                 <a:latin typeface="Arial"/>
+                <a:ea typeface="DejaVu Sans"/>
               </a:rPr>
               <a:t>External tool</a:t>
             </a:r>
@@ -18280,7 +19437,7 @@
         <p:spPr>
           <a:xfrm>
             <a:off x="686160" y="0"/>
-            <a:ext cx="10968480" cy="1140840"/>
+            <a:ext cx="10968120" cy="1140480"/>
           </a:xfrm>
           <a:prstGeom prst="rect">
             <a:avLst/>
@@ -18346,7 +19503,7 @@
         <p:spPr>
           <a:xfrm>
             <a:off x="6761520" y="1600200"/>
-            <a:ext cx="5350320" cy="906120"/>
+            <a:ext cx="5349960" cy="905760"/>
           </a:xfrm>
           <a:prstGeom prst="rect">
             <a:avLst/>
@@ -18370,7 +19527,7 @@
             <a:noAutofit/>
           </a:bodyPr>
           <a:p>
-            <a:pPr marL="432000" indent="-323280">
+            <a:pPr marL="432000" indent="-322920">
               <a:lnSpc>
                 <a:spcPct val="100000"/>
               </a:lnSpc>
@@ -18391,6 +19548,7 @@
                 </a:solidFill>
                 <a:uFillTx/>
                 <a:latin typeface="Arial"/>
+                <a:ea typeface="DejaVu Sans"/>
               </a:rPr>
               <a:t>Kubernetes – auto scaling</a:t>
             </a:r>
@@ -18399,7 +19557,7 @@
             </a:endParaRPr>
           </a:p>
           <a:p>
-            <a:pPr marL="432000" indent="-323280">
+            <a:pPr marL="432000" indent="-322920">
               <a:lnSpc>
                 <a:spcPct val="100000"/>
               </a:lnSpc>
@@ -18419,6 +19577,7 @@
                   <a:srgbClr val="3c3e41"/>
                 </a:solidFill>
                 <a:latin typeface="Arial"/>
+                <a:ea typeface="DejaVu Sans"/>
               </a:rPr>
               <a:t>Provide </a:t>
             </a:r>
@@ -18429,6 +19588,7 @@
                 </a:solidFill>
                 <a:uFillTx/>
                 <a:latin typeface="Arial"/>
+                <a:ea typeface="DejaVu Sans"/>
               </a:rPr>
               <a:t>HPA</a:t>
             </a:r>
@@ -18438,6 +19598,7 @@
                   <a:srgbClr val="3c3e41"/>
                 </a:solidFill>
                 <a:latin typeface="Arial"/>
+                <a:ea typeface="DejaVu Sans"/>
               </a:rPr>
               <a:t>, VPA, CA (not recommended)</a:t>
             </a:r>
@@ -18456,7 +19617,7 @@
         <p:spPr>
           <a:xfrm>
             <a:off x="10515600" y="6202080"/>
-            <a:ext cx="1595880" cy="423000"/>
+            <a:ext cx="1595520" cy="422640"/>
           </a:xfrm>
           <a:prstGeom prst="rect">
             <a:avLst/>
@@ -18482,7 +19643,7 @@
                 <a:spcPct val="100000"/>
               </a:lnSpc>
             </a:pPr>
-            <a:fld id="{84107834-681E-4F0F-B80D-6EEB306F62CD}" type="slidenum">
+            <a:fld id="{33A64643-465E-4473-8040-42CB874E1D92}" type="slidenum">
               <a:rPr b="0" lang="en-US" sz="1600" spc="-1" strike="noStrike">
                 <a:solidFill>
                   <a:srgbClr val="000000"/>
@@ -18507,7 +19668,7 @@
         <p:spPr>
           <a:xfrm>
             <a:off x="132120" y="1600200"/>
-            <a:ext cx="5350320" cy="906120"/>
+            <a:ext cx="5349960" cy="905760"/>
           </a:xfrm>
           <a:prstGeom prst="rect">
             <a:avLst/>
@@ -18530,7 +19691,7 @@
             <a:noAutofit/>
           </a:bodyPr>
           <a:p>
-            <a:pPr marL="432000" indent="-323280">
+            <a:pPr marL="432000" indent="-322920">
               <a:lnSpc>
                 <a:spcPct val="100000"/>
               </a:lnSpc>
@@ -18560,7 +19721,7 @@
             </a:endParaRPr>
           </a:p>
           <a:p>
-            <a:pPr marL="432000" indent="-323280">
+            <a:pPr marL="432000" indent="-322920">
               <a:lnSpc>
                 <a:spcPct val="100000"/>
               </a:lnSpc>
@@ -18603,7 +19764,7 @@
         <p:spPr>
           <a:xfrm>
             <a:off x="1828800" y="2696040"/>
-            <a:ext cx="7329960" cy="3243600"/>
+            <a:ext cx="7329600" cy="3243240"/>
           </a:xfrm>
           <a:prstGeom prst="rect">
             <a:avLst/>
@@ -18652,7 +19813,7 @@
         <p:spPr>
           <a:xfrm>
             <a:off x="686160" y="0"/>
-            <a:ext cx="10968480" cy="1140840"/>
+            <a:ext cx="10968120" cy="1140480"/>
           </a:xfrm>
           <a:prstGeom prst="rect">
             <a:avLst/>
@@ -18718,7 +19879,7 @@
         <p:spPr>
           <a:xfrm>
             <a:off x="5593320" y="1611360"/>
-            <a:ext cx="6518520" cy="906120"/>
+            <a:ext cx="6518160" cy="905760"/>
           </a:xfrm>
           <a:prstGeom prst="rect">
             <a:avLst/>
@@ -18742,7 +19903,7 @@
             <a:noAutofit/>
           </a:bodyPr>
           <a:p>
-            <a:pPr marL="432000" indent="-323280">
+            <a:pPr marL="432000" indent="-322920">
               <a:lnSpc>
                 <a:spcPct val="100000"/>
               </a:lnSpc>
@@ -18763,6 +19924,7 @@
                 </a:solidFill>
                 <a:uFillTx/>
                 <a:latin typeface="Arial"/>
+                <a:ea typeface="DejaVu Sans"/>
               </a:rPr>
               <a:t>Kubernetes – zero downtime deployment</a:t>
             </a:r>
@@ -18771,7 +19933,7 @@
             </a:endParaRPr>
           </a:p>
           <a:p>
-            <a:pPr marL="432000" indent="-323280">
+            <a:pPr marL="432000" indent="-322920">
               <a:lnSpc>
                 <a:spcPct val="100000"/>
               </a:lnSpc>
@@ -18791,6 +19953,7 @@
                   <a:srgbClr val="3c3e41"/>
                 </a:solidFill>
                 <a:latin typeface="Arial"/>
+                <a:ea typeface="DejaVu Sans"/>
               </a:rPr>
               <a:t>Deployment strategies: rolling update, blue / green, ...</a:t>
             </a:r>
@@ -18809,7 +19972,7 @@
         <p:spPr>
           <a:xfrm>
             <a:off x="10515600" y="6202080"/>
-            <a:ext cx="1595880" cy="423000"/>
+            <a:ext cx="1595520" cy="422640"/>
           </a:xfrm>
           <a:prstGeom prst="rect">
             <a:avLst/>
@@ -18835,7 +19998,7 @@
                 <a:spcPct val="100000"/>
               </a:lnSpc>
             </a:pPr>
-            <a:fld id="{0C0EFBF3-9FEA-4A24-BB33-A8194AC2BAF8}" type="slidenum">
+            <a:fld id="{618D9007-B5B8-4CEF-A7E3-AB0B062B54E4}" type="slidenum">
               <a:rPr b="0" lang="en-US" sz="1600" spc="-1" strike="noStrike">
                 <a:solidFill>
                   <a:srgbClr val="000000"/>
@@ -18860,7 +20023,7 @@
         <p:spPr>
           <a:xfrm>
             <a:off x="0" y="1600200"/>
-            <a:ext cx="5482440" cy="906120"/>
+            <a:ext cx="5482080" cy="905760"/>
           </a:xfrm>
           <a:prstGeom prst="rect">
             <a:avLst/>
@@ -18883,7 +20046,7 @@
             <a:noAutofit/>
           </a:bodyPr>
           <a:p>
-            <a:pPr marL="432000" indent="-323280">
+            <a:pPr marL="432000" indent="-322920">
               <a:lnSpc>
                 <a:spcPct val="100000"/>
               </a:lnSpc>
@@ -18913,7 +20076,7 @@
             </a:endParaRPr>
           </a:p>
           <a:p>
-            <a:pPr marL="432000" indent="-323280">
+            <a:pPr marL="432000" indent="-322920">
               <a:lnSpc>
                 <a:spcPct val="100000"/>
               </a:lnSpc>
@@ -18956,7 +20119,7 @@
         <p:spPr>
           <a:xfrm>
             <a:off x="360" y="2692080"/>
-            <a:ext cx="11882880" cy="3611880"/>
+            <a:ext cx="11882520" cy="3611520"/>
           </a:xfrm>
           <a:prstGeom prst="rect">
             <a:avLst/>
@@ -19005,7 +20168,7 @@
         <p:spPr>
           <a:xfrm>
             <a:off x="686160" y="0"/>
-            <a:ext cx="10968480" cy="1140840"/>
+            <a:ext cx="10968120" cy="1140480"/>
           </a:xfrm>
           <a:prstGeom prst="rect">
             <a:avLst/>
@@ -19071,7 +20234,7 @@
         <p:spPr>
           <a:xfrm>
             <a:off x="5593320" y="1611360"/>
-            <a:ext cx="6518520" cy="906120"/>
+            <a:ext cx="6518160" cy="905760"/>
           </a:xfrm>
           <a:prstGeom prst="rect">
             <a:avLst/>
@@ -19095,7 +20258,7 @@
             <a:noAutofit/>
           </a:bodyPr>
           <a:p>
-            <a:pPr marL="432000" indent="-323280">
+            <a:pPr marL="432000" indent="-322920">
               <a:lnSpc>
                 <a:spcPct val="100000"/>
               </a:lnSpc>
@@ -19116,6 +20279,7 @@
                 </a:solidFill>
                 <a:uFillTx/>
                 <a:latin typeface="Arial"/>
+                <a:ea typeface="DejaVu Sans"/>
               </a:rPr>
               <a:t>Kubernetes – auto healing capability</a:t>
             </a:r>
@@ -19124,7 +20288,7 @@
             </a:endParaRPr>
           </a:p>
           <a:p>
-            <a:pPr marL="432000" indent="-323280">
+            <a:pPr marL="432000" indent="-322920">
               <a:lnSpc>
                 <a:spcPct val="100000"/>
               </a:lnSpc>
@@ -19144,6 +20308,7 @@
                   <a:srgbClr val="3c3e41"/>
                 </a:solidFill>
                 <a:latin typeface="Arial"/>
+                <a:ea typeface="DejaVu Sans"/>
               </a:rPr>
               <a:t>Probes: detect failure and recover applications </a:t>
             </a:r>
@@ -19162,7 +20327,7 @@
         <p:spPr>
           <a:xfrm>
             <a:off x="10515600" y="6202080"/>
-            <a:ext cx="1595880" cy="423000"/>
+            <a:ext cx="1595520" cy="422640"/>
           </a:xfrm>
           <a:prstGeom prst="rect">
             <a:avLst/>
@@ -19188,7 +20353,7 @@
                 <a:spcPct val="100000"/>
               </a:lnSpc>
             </a:pPr>
-            <a:fld id="{B68E46B5-AFC5-4D7C-9A9B-CBA35BFE2AEC}" type="slidenum">
+            <a:fld id="{341F5AB7-E893-4ED0-8583-C126C2CAE993}" type="slidenum">
               <a:rPr b="0" lang="en-US" sz="1600" spc="-1" strike="noStrike">
                 <a:solidFill>
                   <a:srgbClr val="000000"/>
@@ -19213,7 +20378,7 @@
         <p:spPr>
           <a:xfrm>
             <a:off x="0" y="1600200"/>
-            <a:ext cx="5482440" cy="906120"/>
+            <a:ext cx="5482080" cy="905760"/>
           </a:xfrm>
           <a:prstGeom prst="rect">
             <a:avLst/>
@@ -19236,7 +20401,7 @@
             <a:noAutofit/>
           </a:bodyPr>
           <a:p>
-            <a:pPr marL="432000" indent="-323280">
+            <a:pPr marL="432000" indent="-322920">
               <a:lnSpc>
                 <a:spcPct val="100000"/>
               </a:lnSpc>
@@ -19266,7 +20431,7 @@
             </a:endParaRPr>
           </a:p>
           <a:p>
-            <a:pPr marL="432000" indent="-323280">
+            <a:pPr marL="432000" indent="-322920">
               <a:lnSpc>
                 <a:spcPct val="100000"/>
               </a:lnSpc>
@@ -19309,7 +20474,7 @@
         <p:spPr>
           <a:xfrm>
             <a:off x="1600200" y="2743200"/>
-            <a:ext cx="8282520" cy="3888720"/>
+            <a:ext cx="8282160" cy="3888360"/>
           </a:xfrm>
           <a:prstGeom prst="rect">
             <a:avLst/>
@@ -19358,7 +20523,7 @@
         <p:spPr>
           <a:xfrm>
             <a:off x="686160" y="0"/>
-            <a:ext cx="10968480" cy="1140840"/>
+            <a:ext cx="10968120" cy="1140480"/>
           </a:xfrm>
           <a:prstGeom prst="rect">
             <a:avLst/>
@@ -19424,7 +20589,7 @@
         <p:spPr>
           <a:xfrm>
             <a:off x="5257800" y="1604520"/>
-            <a:ext cx="6930360" cy="906120"/>
+            <a:ext cx="6930000" cy="905760"/>
           </a:xfrm>
           <a:prstGeom prst="rect">
             <a:avLst/>
@@ -19448,7 +20613,7 @@
             <a:noAutofit/>
           </a:bodyPr>
           <a:p>
-            <a:pPr marL="432000" indent="-323280">
+            <a:pPr marL="432000" indent="-322920">
               <a:lnSpc>
                 <a:spcPct val="100000"/>
               </a:lnSpc>
@@ -19469,6 +20634,7 @@
                 </a:solidFill>
                 <a:uFillTx/>
                 <a:latin typeface="Arial"/>
+                <a:ea typeface="DejaVu Sans"/>
               </a:rPr>
               <a:t>Kubernetes – Kubernetes APIs</a:t>
             </a:r>
@@ -19477,7 +20643,7 @@
             </a:endParaRPr>
           </a:p>
           <a:p>
-            <a:pPr marL="432000" indent="-323280">
+            <a:pPr marL="432000" indent="-322920">
               <a:lnSpc>
                 <a:spcPct val="100000"/>
               </a:lnSpc>
@@ -19497,6 +20663,7 @@
                   <a:srgbClr val="3c3e41"/>
                 </a:solidFill>
                 <a:latin typeface="Arial"/>
+                <a:ea typeface="DejaVu Sans"/>
               </a:rPr>
               <a:t>Provide metrics and built in functions to integrate with 3</a:t>
             </a:r>
@@ -19506,6 +20673,7 @@
                   <a:srgbClr val="3c3e41"/>
                 </a:solidFill>
                 <a:latin typeface="Arial"/>
+                <a:ea typeface="DejaVu Sans"/>
               </a:rPr>
               <a:t>rd</a:t>
             </a:r>
@@ -19515,6 +20683,7 @@
                   <a:srgbClr val="3c3e41"/>
                 </a:solidFill>
                 <a:latin typeface="Arial"/>
+                <a:ea typeface="DejaVu Sans"/>
               </a:rPr>
               <a:t> tools </a:t>
             </a:r>
@@ -19533,7 +20702,7 @@
         <p:spPr>
           <a:xfrm>
             <a:off x="10515600" y="6202080"/>
-            <a:ext cx="1595880" cy="423000"/>
+            <a:ext cx="1595520" cy="422640"/>
           </a:xfrm>
           <a:prstGeom prst="rect">
             <a:avLst/>
@@ -19559,7 +20728,7 @@
                 <a:spcPct val="100000"/>
               </a:lnSpc>
             </a:pPr>
-            <a:fld id="{650116F8-39D6-41C8-AA7A-50980348B096}" type="slidenum">
+            <a:fld id="{FECCEEEC-9DAE-4B56-8903-4E8061166380}" type="slidenum">
               <a:rPr b="0" lang="en-US" sz="1600" spc="-1" strike="noStrike">
                 <a:solidFill>
                   <a:srgbClr val="000000"/>
@@ -19584,7 +20753,7 @@
         <p:spPr>
           <a:xfrm>
             <a:off x="0" y="1600200"/>
-            <a:ext cx="4796640" cy="906120"/>
+            <a:ext cx="4796280" cy="905760"/>
           </a:xfrm>
           <a:prstGeom prst="rect">
             <a:avLst/>
@@ -19607,7 +20776,7 @@
             <a:noAutofit/>
           </a:bodyPr>
           <a:p>
-            <a:pPr marL="432000" indent="-323280">
+            <a:pPr marL="432000" indent="-322920">
               <a:lnSpc>
                 <a:spcPct val="100000"/>
               </a:lnSpc>
@@ -19637,7 +20806,7 @@
             </a:endParaRPr>
           </a:p>
           <a:p>
-            <a:pPr marL="432000" indent="-323280">
+            <a:pPr marL="432000" indent="-322920">
               <a:lnSpc>
                 <a:spcPct val="100000"/>
               </a:lnSpc>
@@ -19680,7 +20849,7 @@
         <p:spPr>
           <a:xfrm>
             <a:off x="685800" y="2972160"/>
-            <a:ext cx="10520640" cy="3424680"/>
+            <a:ext cx="10520280" cy="3424320"/>
           </a:xfrm>
           <a:prstGeom prst="rect">
             <a:avLst/>
@@ -19729,7 +20898,7 @@
         <p:spPr>
           <a:xfrm>
             <a:off x="686160" y="0"/>
-            <a:ext cx="10968480" cy="1140840"/>
+            <a:ext cx="10968120" cy="1140480"/>
           </a:xfrm>
           <a:prstGeom prst="rect">
             <a:avLst/>
@@ -19795,7 +20964,7 @@
         <p:spPr>
           <a:xfrm>
             <a:off x="0" y="1376280"/>
-            <a:ext cx="5025600" cy="2049120"/>
+            <a:ext cx="5025240" cy="2048760"/>
           </a:xfrm>
           <a:prstGeom prst="rect">
             <a:avLst/>
@@ -19819,7 +20988,7 @@
             <a:noAutofit/>
           </a:bodyPr>
           <a:p>
-            <a:pPr marL="432000" indent="-323280">
+            <a:pPr marL="432000" indent="-322920">
               <a:lnSpc>
                 <a:spcPct val="100000"/>
               </a:lnSpc>
@@ -19839,6 +21008,7 @@
                   <a:srgbClr val="3c3e41"/>
                 </a:solidFill>
                 <a:latin typeface="Arial"/>
+                <a:ea typeface="DejaVu Sans"/>
               </a:rPr>
               <a:t>Found by Google</a:t>
             </a:r>
@@ -19847,7 +21017,7 @@
             </a:endParaRPr>
           </a:p>
           <a:p>
-            <a:pPr marL="432000" indent="-323280">
+            <a:pPr marL="432000" indent="-322920">
               <a:lnSpc>
                 <a:spcPct val="100000"/>
               </a:lnSpc>
@@ -19867,6 +21037,7 @@
                   <a:srgbClr val="3c3e41"/>
                 </a:solidFill>
                 <a:latin typeface="Arial"/>
+                <a:ea typeface="DejaVu Sans"/>
               </a:rPr>
               <a:t>Open source</a:t>
             </a:r>
@@ -19875,7 +21046,7 @@
             </a:endParaRPr>
           </a:p>
           <a:p>
-            <a:pPr marL="432000" indent="-323280">
+            <a:pPr marL="432000" indent="-322920">
               <a:lnSpc>
                 <a:spcPct val="100000"/>
               </a:lnSpc>
@@ -19895,6 +21066,7 @@
                   <a:srgbClr val="3c3e41"/>
                 </a:solidFill>
                 <a:latin typeface="Arial"/>
+                <a:ea typeface="DejaVu Sans"/>
               </a:rPr>
               <a:t>Container orchestrator</a:t>
             </a:r>
@@ -19903,7 +21075,7 @@
             </a:endParaRPr>
           </a:p>
           <a:p>
-            <a:pPr marL="432000" indent="-323280">
+            <a:pPr marL="432000" indent="-322920">
               <a:lnSpc>
                 <a:spcPct val="100000"/>
               </a:lnSpc>
@@ -19923,6 +21095,7 @@
                   <a:srgbClr val="3c3e41"/>
                 </a:solidFill>
                 <a:latin typeface="Arial"/>
+                <a:ea typeface="DejaVu Sans"/>
               </a:rPr>
               <a:t>Automate manual processes (deployment,  scaling, management of containerized applications</a:t>
             </a:r>
@@ -19941,7 +21114,7 @@
         <p:spPr>
           <a:xfrm>
             <a:off x="10515600" y="6202080"/>
-            <a:ext cx="1595880" cy="423000"/>
+            <a:ext cx="1595520" cy="422640"/>
           </a:xfrm>
           <a:prstGeom prst="rect">
             <a:avLst/>
@@ -19967,7 +21140,7 @@
                 <a:spcPct val="100000"/>
               </a:lnSpc>
             </a:pPr>
-            <a:fld id="{C487D82B-37D7-41F0-A313-5C5C2BF076D5}" type="slidenum">
+            <a:fld id="{556B6043-D009-4473-9A97-1DB0B48C595B}" type="slidenum">
               <a:rPr b="0" lang="en-US" sz="1600" spc="-1" strike="noStrike">
                 <a:solidFill>
                   <a:srgbClr val="000000"/>
@@ -19996,7 +21169,7 @@
         <p:spPr>
           <a:xfrm>
             <a:off x="5104080" y="1371600"/>
-            <a:ext cx="6768360" cy="4625280"/>
+            <a:ext cx="6768000" cy="4624920"/>
           </a:xfrm>
           <a:prstGeom prst="rect">
             <a:avLst/>
@@ -20045,7 +21218,7 @@
         <p:spPr>
           <a:xfrm>
             <a:off x="686160" y="0"/>
-            <a:ext cx="10968480" cy="1140840"/>
+            <a:ext cx="10968120" cy="1140480"/>
           </a:xfrm>
           <a:prstGeom prst="rect">
             <a:avLst/>
@@ -20099,7 +21272,7 @@
         <p:spPr>
           <a:xfrm>
             <a:off x="0" y="1376280"/>
-            <a:ext cx="2968200" cy="906120"/>
+            <a:ext cx="2967840" cy="905760"/>
           </a:xfrm>
           <a:prstGeom prst="rect">
             <a:avLst/>
@@ -20123,7 +21296,7 @@
             <a:noAutofit/>
           </a:bodyPr>
           <a:p>
-            <a:pPr marL="432000" indent="-323280">
+            <a:pPr marL="432000" indent="-322920">
               <a:lnSpc>
                 <a:spcPct val="100000"/>
               </a:lnSpc>
@@ -20143,6 +21316,7 @@
                   <a:srgbClr val="3c3e41"/>
                 </a:solidFill>
                 <a:latin typeface="Arial"/>
+                <a:ea typeface="DejaVu Sans"/>
               </a:rPr>
               <a:t>Control plane (master)</a:t>
             </a:r>
@@ -20151,7 +21325,7 @@
             </a:endParaRPr>
           </a:p>
           <a:p>
-            <a:pPr marL="432000" indent="-323280">
+            <a:pPr marL="432000" indent="-322920">
               <a:lnSpc>
                 <a:spcPct val="100000"/>
               </a:lnSpc>
@@ -20171,6 +21345,7 @@
                   <a:srgbClr val="3c3e41"/>
                 </a:solidFill>
                 <a:latin typeface="Arial"/>
+                <a:ea typeface="DejaVu Sans"/>
               </a:rPr>
               <a:t>Nodes (worker)</a:t>
             </a:r>
@@ -20189,7 +21364,7 @@
         <p:spPr>
           <a:xfrm>
             <a:off x="10515600" y="6202080"/>
-            <a:ext cx="1595880" cy="423000"/>
+            <a:ext cx="1595520" cy="422640"/>
           </a:xfrm>
           <a:prstGeom prst="rect">
             <a:avLst/>
@@ -20215,7 +21390,7 @@
                 <a:spcPct val="100000"/>
               </a:lnSpc>
             </a:pPr>
-            <a:fld id="{DDD77573-7102-4F0E-9C23-9DE4A2C9DEAF}" type="slidenum">
+            <a:fld id="{7E5835DC-0FC7-45A7-B67A-3AF41FF59348}" type="slidenum">
               <a:rPr b="0" lang="en-US" sz="1600" spc="-1" strike="noStrike">
                 <a:solidFill>
                   <a:srgbClr val="000000"/>
@@ -20244,7 +21419,7 @@
         <p:spPr>
           <a:xfrm>
             <a:off x="3200400" y="1371600"/>
-            <a:ext cx="8683200" cy="4797000"/>
+            <a:ext cx="8682840" cy="4796640"/>
           </a:xfrm>
           <a:prstGeom prst="rect">
             <a:avLst/>

--- a/documents/K8s_Knowledge_Sharing.pptx
+++ b/documents/K8s_Knowledge_Sharing.pptx
@@ -39,6 +39,8 @@
     <p:sldId id="281" r:id="rId34"/>
     <p:sldId id="282" r:id="rId35"/>
     <p:sldId id="283" r:id="rId36"/>
+    <p:sldId id="284" r:id="rId37"/>
+    <p:sldId id="285" r:id="rId38"/>
   </p:sldIdLst>
   <p:sldSz cx="12192000" cy="6858000"/>
   <p:notesSz cx="7559675" cy="10691812"/>
@@ -9570,7 +9572,7 @@
         <p:spPr>
           <a:xfrm>
             <a:off x="0" y="0"/>
-            <a:ext cx="12186360" cy="5146560"/>
+            <a:ext cx="12185280" cy="5145480"/>
           </a:xfrm>
           <a:prstGeom prst="rect">
             <a:avLst/>
@@ -9612,7 +9614,7 @@
         <p:spPr>
           <a:xfrm>
             <a:off x="10582200" y="5243760"/>
-            <a:ext cx="1352160" cy="1352160"/>
+            <a:ext cx="1351080" cy="1351080"/>
           </a:xfrm>
           <a:prstGeom prst="rect">
             <a:avLst/>
@@ -9631,7 +9633,7 @@
         <p:spPr>
           <a:xfrm>
             <a:off x="1637280" y="753120"/>
-            <a:ext cx="7852680" cy="3933720"/>
+            <a:ext cx="7851600" cy="3932640"/>
           </a:xfrm>
           <a:prstGeom prst="rect">
             <a:avLst/>
@@ -9671,7 +9673,7 @@
         <p:spPr>
           <a:xfrm>
             <a:off x="7681680" y="1234080"/>
-            <a:ext cx="3842280" cy="3682800"/>
+            <a:ext cx="3841200" cy="3681720"/>
           </a:xfrm>
           <a:prstGeom prst="rect">
             <a:avLst/>
@@ -9950,7 +9952,7 @@
         <p:spPr>
           <a:xfrm>
             <a:off x="0" y="6719040"/>
-            <a:ext cx="12186360" cy="147240"/>
+            <a:ext cx="12185280" cy="146160"/>
           </a:xfrm>
           <a:prstGeom prst="rect">
             <a:avLst/>
@@ -10048,7 +10050,49 @@
               <a:rPr b="0" lang="en-US" sz="4400" spc="-1" strike="noStrike">
                 <a:latin typeface="Arial"/>
               </a:rPr>
-              <a:t>Click to edit the title text format</a:t>
+              <a:t>Click </a:t>
+            </a:r>
+            <a:r>
+              <a:rPr b="0" lang="en-US" sz="4400" spc="-1" strike="noStrike">
+                <a:latin typeface="Arial"/>
+              </a:rPr>
+              <a:t>to </a:t>
+            </a:r>
+            <a:r>
+              <a:rPr b="0" lang="en-US" sz="4400" spc="-1" strike="noStrike">
+                <a:latin typeface="Arial"/>
+              </a:rPr>
+              <a:t>edit </a:t>
+            </a:r>
+            <a:r>
+              <a:rPr b="0" lang="en-US" sz="4400" spc="-1" strike="noStrike">
+                <a:latin typeface="Arial"/>
+              </a:rPr>
+              <a:t>the </a:t>
+            </a:r>
+            <a:r>
+              <a:rPr b="0" lang="en-US" sz="4400" spc="-1" strike="noStrike">
+                <a:latin typeface="Arial"/>
+              </a:rPr>
+              <a:t>title </a:t>
+            </a:r>
+            <a:r>
+              <a:rPr b="0" lang="en-US" sz="4400" spc="-1" strike="noStrike">
+                <a:latin typeface="Arial"/>
+              </a:rPr>
+              <a:t>text </a:t>
+            </a:r>
+            <a:r>
+              <a:rPr b="0" lang="en-US" sz="4400" spc="-1" strike="noStrike">
+                <a:latin typeface="Arial"/>
+              </a:rPr>
+              <a:t>form</a:t>
+            </a:r>
+            <a:r>
+              <a:rPr b="0" lang="en-US" sz="4400" spc="-1" strike="noStrike">
+                <a:latin typeface="Arial"/>
+              </a:rPr>
+              <a:t>at</a:t>
             </a:r>
             <a:endParaRPr b="0" lang="en-US" sz="4400" spc="-1" strike="noStrike">
               <a:latin typeface="Arial"/>
@@ -10288,7 +10332,7 @@
         <p:spPr>
           <a:xfrm>
             <a:off x="0" y="0"/>
-            <a:ext cx="4771440" cy="6852240"/>
+            <a:ext cx="4770360" cy="6851160"/>
           </a:xfrm>
           <a:prstGeom prst="rect">
             <a:avLst/>
@@ -10326,7 +10370,7 @@
         <p:spPr>
           <a:xfrm>
             <a:off x="1166760" y="2958480"/>
-            <a:ext cx="2390040" cy="759960"/>
+            <a:ext cx="2388960" cy="759960"/>
           </a:xfrm>
           <a:prstGeom prst="rect">
             <a:avLst/>
@@ -10377,7 +10421,7 @@
         <p:spPr>
           <a:xfrm>
             <a:off x="828360" y="1931400"/>
-            <a:ext cx="3066480" cy="2989440"/>
+            <a:ext cx="3065400" cy="2988360"/>
           </a:xfrm>
           <a:prstGeom prst="rect">
             <a:avLst/>
@@ -10413,7 +10457,7 @@
         <p:spPr>
           <a:xfrm>
             <a:off x="0" y="6719040"/>
-            <a:ext cx="12186360" cy="147240"/>
+            <a:ext cx="12185280" cy="146160"/>
           </a:xfrm>
           <a:prstGeom prst="rect">
             <a:avLst/>
@@ -10717,7 +10761,7 @@
         <p:spPr>
           <a:xfrm>
             <a:off x="0" y="6719040"/>
-            <a:ext cx="12186360" cy="147240"/>
+            <a:ext cx="12185280" cy="146160"/>
           </a:xfrm>
           <a:prstGeom prst="rect">
             <a:avLst/>
@@ -11199,7 +11243,7 @@
         <p:spPr>
           <a:xfrm>
             <a:off x="0" y="6719040"/>
-            <a:ext cx="12186360" cy="147240"/>
+            <a:ext cx="12185280" cy="146160"/>
           </a:xfrm>
           <a:prstGeom prst="rect">
             <a:avLst/>
@@ -11681,7 +11725,7 @@
         <p:spPr>
           <a:xfrm>
             <a:off x="0" y="6719040"/>
-            <a:ext cx="12186360" cy="147240"/>
+            <a:ext cx="12185280" cy="146160"/>
           </a:xfrm>
           <a:prstGeom prst="rect">
             <a:avLst/>
@@ -11985,7 +12029,7 @@
         <p:spPr>
           <a:xfrm>
             <a:off x="0" y="0"/>
-            <a:ext cx="12186360" cy="5146560"/>
+            <a:ext cx="12185280" cy="5145480"/>
           </a:xfrm>
           <a:prstGeom prst="rect">
             <a:avLst/>
@@ -12023,7 +12067,7 @@
         <p:spPr>
           <a:xfrm>
             <a:off x="2915640" y="1431720"/>
-            <a:ext cx="6355080" cy="2725560"/>
+            <a:ext cx="6354000" cy="2724480"/>
           </a:xfrm>
           <a:prstGeom prst="rect">
             <a:avLst/>
@@ -12063,7 +12107,7 @@
         <p:spPr>
           <a:xfrm>
             <a:off x="10991880" y="5744160"/>
-            <a:ext cx="952560" cy="952560"/>
+            <a:ext cx="951480" cy="951480"/>
           </a:xfrm>
           <a:prstGeom prst="rect">
             <a:avLst/>
@@ -12082,7 +12126,7 @@
         <p:spPr>
           <a:xfrm>
             <a:off x="3764880" y="2243520"/>
-            <a:ext cx="4640400" cy="1095120"/>
+            <a:ext cx="4639320" cy="1095120"/>
           </a:xfrm>
           <a:prstGeom prst="rect">
             <a:avLst/>
@@ -12173,7 +12217,19 @@
               <a:rPr b="0" lang="en-US" sz="4400" spc="-1" strike="noStrike">
                 <a:latin typeface="Arial"/>
               </a:rPr>
-              <a:t>Click to edit the title text format</a:t>
+              <a:t>Click to edit </a:t>
+            </a:r>
+            <a:r>
+              <a:rPr b="0" lang="en-US" sz="4400" spc="-1" strike="noStrike">
+                <a:latin typeface="Arial"/>
+              </a:rPr>
+              <a:t>the title text </a:t>
+            </a:r>
+            <a:r>
+              <a:rPr b="0" lang="en-US" sz="4400" spc="-1" strike="noStrike">
+                <a:latin typeface="Arial"/>
+              </a:rPr>
+              <a:t>format</a:t>
             </a:r>
             <a:endParaRPr b="0" lang="en-US" sz="4400" spc="-1" strike="noStrike">
               <a:latin typeface="Arial"/>
@@ -12406,7 +12462,7 @@
         <p:spPr>
           <a:xfrm>
             <a:off x="565560" y="6150240"/>
-            <a:ext cx="4177440" cy="288360"/>
+            <a:ext cx="4176360" cy="287280"/>
           </a:xfrm>
           <a:prstGeom prst="rect">
             <a:avLst/>
@@ -12432,7 +12488,7 @@
         <p:spPr>
           <a:xfrm>
             <a:off x="1316880" y="1056240"/>
-            <a:ext cx="7365600" cy="2954520"/>
+            <a:ext cx="7364520" cy="2953440"/>
           </a:xfrm>
           <a:prstGeom prst="rect">
             <a:avLst/>
@@ -12506,7 +12562,7 @@
         <p:spPr>
           <a:xfrm>
             <a:off x="457200" y="5715000"/>
-            <a:ext cx="5939280" cy="358560"/>
+            <a:ext cx="5938200" cy="357480"/>
           </a:xfrm>
           <a:prstGeom prst="rect">
             <a:avLst/>
@@ -12609,7 +12665,7 @@
         <p:spPr>
           <a:xfrm>
             <a:off x="686160" y="0"/>
-            <a:ext cx="10968120" cy="1140480"/>
+            <a:ext cx="10967040" cy="1139400"/>
           </a:xfrm>
           <a:prstGeom prst="rect">
             <a:avLst/>
@@ -12675,7 +12731,7 @@
         <p:spPr>
           <a:xfrm>
             <a:off x="457200" y="1600200"/>
-            <a:ext cx="5349960" cy="911520"/>
+            <a:ext cx="5348880" cy="910440"/>
           </a:xfrm>
           <a:prstGeom prst="rect">
             <a:avLst/>
@@ -12699,7 +12755,7 @@
             <a:noAutofit/>
           </a:bodyPr>
           <a:p>
-            <a:pPr marL="432000" indent="-322920">
+            <a:pPr marL="432000" indent="-321840">
               <a:lnSpc>
                 <a:spcPct val="100000"/>
               </a:lnSpc>
@@ -12728,7 +12784,7 @@
             </a:endParaRPr>
           </a:p>
           <a:p>
-            <a:pPr marL="432000" indent="-322920">
+            <a:pPr marL="432000" indent="-321840">
               <a:lnSpc>
                 <a:spcPct val="100000"/>
               </a:lnSpc>
@@ -12787,7 +12843,7 @@
         <p:spPr>
           <a:xfrm>
             <a:off x="10515600" y="6202080"/>
-            <a:ext cx="1595520" cy="422640"/>
+            <a:ext cx="1594440" cy="421560"/>
           </a:xfrm>
           <a:prstGeom prst="rect">
             <a:avLst/>
@@ -12813,7 +12869,7 @@
                 <a:spcPct val="100000"/>
               </a:lnSpc>
             </a:pPr>
-            <a:fld id="{BD2FF90A-01A1-4AE4-97F3-88A896BACAB8}" type="slidenum">
+            <a:fld id="{229ABB2F-DA2C-4566-A870-B5D34E9A7178}" type="slidenum">
               <a:rPr b="0" lang="en-US" sz="1600" spc="-1" strike="noStrike">
                 <a:solidFill>
                   <a:srgbClr val="000000"/>
@@ -12842,7 +12898,7 @@
         <p:spPr>
           <a:xfrm>
             <a:off x="2067120" y="2800800"/>
-            <a:ext cx="3415320" cy="2224440"/>
+            <a:ext cx="3414240" cy="2223360"/>
           </a:xfrm>
           <a:prstGeom prst="rect">
             <a:avLst/>
@@ -12865,7 +12921,7 @@
         <p:spPr>
           <a:xfrm>
             <a:off x="6134400" y="1505160"/>
-            <a:ext cx="2091240" cy="3520080"/>
+            <a:ext cx="2090160" cy="3519000"/>
           </a:xfrm>
           <a:prstGeom prst="rect">
             <a:avLst/>
@@ -12920,7 +12976,7 @@
         <p:spPr>
           <a:xfrm>
             <a:off x="686160" y="0"/>
-            <a:ext cx="10968120" cy="1140480"/>
+            <a:ext cx="10967040" cy="1139400"/>
           </a:xfrm>
           <a:prstGeom prst="rect">
             <a:avLst/>
@@ -12986,7 +13042,7 @@
         <p:spPr>
           <a:xfrm>
             <a:off x="228600" y="1600920"/>
-            <a:ext cx="5256720" cy="4111920"/>
+            <a:ext cx="5255640" cy="4110840"/>
           </a:xfrm>
           <a:prstGeom prst="rect">
             <a:avLst/>
@@ -13033,7 +13089,7 @@
             </a:endParaRPr>
           </a:p>
           <a:p>
-            <a:pPr marL="432000" indent="-322920">
+            <a:pPr marL="432000" indent="-321840">
               <a:lnSpc>
                 <a:spcPct val="100000"/>
               </a:lnSpc>
@@ -13082,7 +13138,7 @@
             </a:endParaRPr>
           </a:p>
           <a:p>
-            <a:pPr marL="432000" indent="-322920">
+            <a:pPr marL="432000" indent="-321840">
               <a:lnSpc>
                 <a:spcPct val="100000"/>
               </a:lnSpc>
@@ -13111,7 +13167,7 @@
             </a:endParaRPr>
           </a:p>
           <a:p>
-            <a:pPr lvl="1" marL="864000" indent="-322920">
+            <a:pPr lvl="1" marL="864000" indent="-321840">
               <a:lnSpc>
                 <a:spcPct val="100000"/>
               </a:lnSpc>
@@ -13140,7 +13196,7 @@
             </a:endParaRPr>
           </a:p>
           <a:p>
-            <a:pPr lvl="1" marL="864000" indent="-322920">
+            <a:pPr lvl="1" marL="864000" indent="-321840">
               <a:lnSpc>
                 <a:spcPct val="100000"/>
               </a:lnSpc>
@@ -13169,7 +13225,7 @@
             </a:endParaRPr>
           </a:p>
           <a:p>
-            <a:pPr lvl="1" marL="864000" indent="-322920">
+            <a:pPr lvl="1" marL="864000" indent="-321840">
               <a:lnSpc>
                 <a:spcPct val="100000"/>
               </a:lnSpc>
@@ -13198,7 +13254,7 @@
             </a:endParaRPr>
           </a:p>
           <a:p>
-            <a:pPr marL="432000" indent="-322920">
+            <a:pPr marL="432000" indent="-321840">
               <a:lnSpc>
                 <a:spcPct val="100000"/>
               </a:lnSpc>
@@ -13227,7 +13283,7 @@
             </a:endParaRPr>
           </a:p>
           <a:p>
-            <a:pPr marL="432000" indent="-322920">
+            <a:pPr marL="432000" indent="-321840">
               <a:lnSpc>
                 <a:spcPct val="100000"/>
               </a:lnSpc>
@@ -13266,7 +13322,7 @@
         <p:spPr>
           <a:xfrm>
             <a:off x="10515600" y="6202080"/>
-            <a:ext cx="1595520" cy="422640"/>
+            <a:ext cx="1594440" cy="421560"/>
           </a:xfrm>
           <a:prstGeom prst="rect">
             <a:avLst/>
@@ -13292,7 +13348,7 @@
                 <a:spcPct val="100000"/>
               </a:lnSpc>
             </a:pPr>
-            <a:fld id="{0FA43E06-8ABE-427B-9846-B0A8EB07735E}" type="slidenum">
+            <a:fld id="{6A6FF7A0-5331-4245-A9B0-1CBFDEAE171A}" type="slidenum">
               <a:rPr b="0" lang="en-US" sz="1600" spc="-1" strike="noStrike">
                 <a:solidFill>
                   <a:srgbClr val="000000"/>
@@ -13321,7 +13377,7 @@
         <p:spPr>
           <a:xfrm>
             <a:off x="5715000" y="1600200"/>
-            <a:ext cx="4798440" cy="4112640"/>
+            <a:ext cx="4797360" cy="4111560"/>
           </a:xfrm>
           <a:prstGeom prst="rect">
             <a:avLst/>
@@ -13373,7 +13429,7 @@
         <p:spPr>
           <a:xfrm>
             <a:off x="686160" y="0"/>
-            <a:ext cx="10968120" cy="1140480"/>
+            <a:ext cx="10967040" cy="1139400"/>
           </a:xfrm>
           <a:prstGeom prst="rect">
             <a:avLst/>
@@ -13439,7 +13495,7 @@
         <p:spPr>
           <a:xfrm>
             <a:off x="91440" y="1600920"/>
-            <a:ext cx="5394960" cy="4111920"/>
+            <a:ext cx="5393880" cy="4110840"/>
           </a:xfrm>
           <a:prstGeom prst="rect">
             <a:avLst/>
@@ -13486,7 +13542,7 @@
             </a:endParaRPr>
           </a:p>
           <a:p>
-            <a:pPr marL="432000" indent="-322920">
+            <a:pPr marL="432000" indent="-321840">
               <a:lnSpc>
                 <a:spcPct val="100000"/>
               </a:lnSpc>
@@ -13502,6 +13558,9 @@
             </a:pPr>
             <a:r>
               <a:rPr b="0" lang="en-US" sz="1800" spc="-1" strike="noStrike">
+                <a:solidFill>
+                  <a:srgbClr val="000000"/>
+                </a:solidFill>
                 <a:latin typeface="Arial"/>
                 <a:ea typeface="DejaVu Sans"/>
               </a:rPr>
@@ -13512,7 +13571,7 @@
             </a:endParaRPr>
           </a:p>
           <a:p>
-            <a:pPr marL="432000" indent="-322920">
+            <a:pPr marL="432000" indent="-321840">
               <a:lnSpc>
                 <a:spcPct val="100000"/>
               </a:lnSpc>
@@ -13528,10 +13587,13 @@
             </a:pPr>
             <a:r>
               <a:rPr b="0" lang="en-US" sz="1800" spc="-1" strike="noStrike">
+                <a:solidFill>
+                  <a:srgbClr val="000000"/>
+                </a:solidFill>
                 <a:latin typeface="Arial"/>
                 <a:ea typeface="DejaVu Sans"/>
               </a:rPr>
-              <a:t>Each Pod lifespan depends on it’s node.</a:t>
+              <a:t>Each Pod lifetime depends on it’s node.</a:t>
             </a:r>
             <a:endParaRPr b="0" lang="en-US" sz="1800" spc="-1" strike="noStrike">
               <a:latin typeface="Arial"/>
@@ -13561,7 +13623,7 @@
             </a:endParaRPr>
           </a:p>
           <a:p>
-            <a:pPr marL="432000" indent="-322920">
+            <a:pPr marL="432000" indent="-321840">
               <a:lnSpc>
                 <a:spcPct val="100000"/>
               </a:lnSpc>
@@ -13590,7 +13652,7 @@
             </a:endParaRPr>
           </a:p>
           <a:p>
-            <a:pPr marL="432000" indent="-322920">
+            <a:pPr marL="432000" indent="-321840">
               <a:lnSpc>
                 <a:spcPct val="100000"/>
               </a:lnSpc>
@@ -13632,7 +13694,7 @@
             </a:endParaRPr>
           </a:p>
           <a:p>
-            <a:pPr marL="432000" indent="-322920">
+            <a:pPr marL="432000" indent="-321840">
               <a:lnSpc>
                 <a:spcPct val="100000"/>
               </a:lnSpc>
@@ -13648,6 +13710,9 @@
             </a:pPr>
             <a:r>
               <a:rPr b="0" lang="en-US" sz="1800" spc="-1" strike="noStrike">
+                <a:solidFill>
+                  <a:srgbClr val="000000"/>
+                </a:solidFill>
                 <a:latin typeface="Arial"/>
                 <a:ea typeface="DejaVu Sans"/>
               </a:rPr>
@@ -13658,7 +13723,7 @@
             </a:endParaRPr>
           </a:p>
           <a:p>
-            <a:pPr marL="432000" indent="-322920">
+            <a:pPr marL="432000" indent="-321840">
               <a:lnSpc>
                 <a:spcPct val="100000"/>
               </a:lnSpc>
@@ -13674,6 +13739,9 @@
             </a:pPr>
             <a:r>
               <a:rPr b="0" lang="en-US" sz="1800" spc="-1" strike="noStrike">
+                <a:solidFill>
+                  <a:srgbClr val="000000"/>
+                </a:solidFill>
                 <a:latin typeface="Arial"/>
                 <a:ea typeface="DejaVu Sans"/>
               </a:rPr>
@@ -13694,7 +13762,7 @@
         <p:spPr>
           <a:xfrm>
             <a:off x="10515600" y="6202080"/>
-            <a:ext cx="1595520" cy="422640"/>
+            <a:ext cx="1594440" cy="421560"/>
           </a:xfrm>
           <a:prstGeom prst="rect">
             <a:avLst/>
@@ -13720,7 +13788,7 @@
                 <a:spcPct val="100000"/>
               </a:lnSpc>
             </a:pPr>
-            <a:fld id="{0D231D3A-BE78-405A-AD84-2EE5E390AB4E}" type="slidenum">
+            <a:fld id="{9A8831D8-1F41-4865-A6A9-00A9495C513E}" type="slidenum">
               <a:rPr b="0" lang="en-US" sz="1600" spc="-1" strike="noStrike">
                 <a:solidFill>
                   <a:srgbClr val="000000"/>
@@ -13749,7 +13817,7 @@
         <p:spPr>
           <a:xfrm>
             <a:off x="6688800" y="1554480"/>
-            <a:ext cx="4924080" cy="4023360"/>
+            <a:ext cx="4923000" cy="4022280"/>
           </a:xfrm>
           <a:prstGeom prst="rect">
             <a:avLst/>
@@ -13804,7 +13872,7 @@
         <p:spPr>
           <a:xfrm>
             <a:off x="686160" y="0"/>
-            <a:ext cx="10968120" cy="1140480"/>
+            <a:ext cx="10967040" cy="1139400"/>
           </a:xfrm>
           <a:prstGeom prst="rect">
             <a:avLst/>
@@ -13869,8 +13937,8 @@
         </p:nvSpPr>
         <p:spPr>
           <a:xfrm>
-            <a:off x="91440" y="1600920"/>
-            <a:ext cx="5394960" cy="4111920"/>
+            <a:off x="0" y="1600920"/>
+            <a:ext cx="5303520" cy="2239560"/>
           </a:xfrm>
           <a:prstGeom prst="rect">
             <a:avLst/>
@@ -13910,7 +13978,7 @@
                 <a:latin typeface="Arial"/>
                 <a:ea typeface="DejaVu Sans"/>
               </a:rPr>
-              <a:t>- StartupProbes</a:t>
+              <a:t>Probes are health checks that can monitor a container's status and act on it.</a:t>
             </a:r>
             <a:endParaRPr b="0" lang="en-US" sz="1800" spc="-1" strike="noStrike">
               <a:latin typeface="Arial"/>
@@ -13933,7 +14001,27 @@
                 <a:latin typeface="Arial"/>
                 <a:ea typeface="DejaVu Sans"/>
               </a:rPr>
-              <a:t>- ReadinessProbes</a:t>
+              <a:t>- StartupProbes: Indicate when the pod is </a:t>
+            </a:r>
+            <a:r>
+              <a:rPr b="0" lang="en-US" sz="1800" spc="-1" strike="noStrike">
+                <a:solidFill>
+                  <a:srgbClr val="3465a4"/>
+                </a:solidFill>
+                <a:latin typeface="Arial"/>
+                <a:ea typeface="DejaVu Sans"/>
+              </a:rPr>
+              <a:t>started</a:t>
+            </a:r>
+            <a:r>
+              <a:rPr b="0" lang="en-US" sz="1800" spc="-1" strike="noStrike">
+                <a:solidFill>
+                  <a:srgbClr val="3c3e41"/>
+                </a:solidFill>
+                <a:latin typeface="Arial"/>
+                <a:ea typeface="DejaVu Sans"/>
+              </a:rPr>
+              <a:t>.</a:t>
             </a:r>
             <a:endParaRPr b="0" lang="en-US" sz="1800" spc="-1" strike="noStrike">
               <a:latin typeface="Arial"/>
@@ -13956,7 +14044,17 @@
                 <a:latin typeface="Arial"/>
                 <a:ea typeface="DejaVu Sans"/>
               </a:rPr>
-              <a:t>- LivenessProbes</a:t>
+              <a:t>- ReadinessProbes: indicate when to start </a:t>
+            </a:r>
+            <a:r>
+              <a:rPr b="0" lang="en-US" sz="1800" spc="-1" strike="noStrike">
+                <a:solidFill>
+                  <a:srgbClr val="158466"/>
+                </a:solidFill>
+                <a:latin typeface="Arial"/>
+                <a:ea typeface="DejaVu Sans"/>
+              </a:rPr>
+              <a:t>serving</a:t>
             </a:r>
             <a:endParaRPr b="0" lang="en-US" sz="1800" spc="-1" strike="noStrike">
               <a:latin typeface="Arial"/>
@@ -13971,12 +14069,55 @@
                 <a:spcPts val="1417"/>
               </a:spcBef>
             </a:pPr>
+            <a:r>
+              <a:rPr b="0" lang="en-US" sz="1800" spc="-1" strike="noStrike">
+                <a:solidFill>
+                  <a:srgbClr val="3c3e41"/>
+                </a:solidFill>
+                <a:latin typeface="Arial"/>
+                <a:ea typeface="DejaVu Sans"/>
+              </a:rPr>
+              <a:t>- LivenessProbes: indicate when to </a:t>
+            </a:r>
+            <a:r>
+              <a:rPr b="0" lang="en-US" sz="1800" spc="-1" strike="noStrike">
+                <a:solidFill>
+                  <a:srgbClr val="ffbf00"/>
+                </a:solidFill>
+                <a:latin typeface="Arial"/>
+                <a:ea typeface="DejaVu Sans"/>
+              </a:rPr>
+              <a:t>restart</a:t>
+            </a:r>
+            <a:r>
+              <a:rPr b="0" lang="en-US" sz="1800" spc="-1" strike="noStrike">
+                <a:solidFill>
+                  <a:srgbClr val="3c3e41"/>
+                </a:solidFill>
+                <a:latin typeface="Arial"/>
+                <a:ea typeface="DejaVu Sans"/>
+              </a:rPr>
+              <a:t> the pod</a:t>
+            </a:r>
             <a:endParaRPr b="0" lang="en-US" sz="1800" spc="-1" strike="noStrike">
               <a:latin typeface="Arial"/>
             </a:endParaRPr>
           </a:p>
           <a:p>
-            <a:pPr marL="432000" indent="-322920">
+            <a:pPr>
+              <a:lnSpc>
+                <a:spcPct val="100000"/>
+              </a:lnSpc>
+              <a:spcBef>
+                <a:spcPts val="1417"/>
+              </a:spcBef>
+            </a:pPr>
+            <a:endParaRPr b="0" lang="en-US" sz="1800" spc="-1" strike="noStrike">
+              <a:latin typeface="Arial"/>
+            </a:endParaRPr>
+          </a:p>
+          <a:p>
+            <a:pPr marL="432000" indent="-321840">
               <a:lnSpc>
                 <a:spcPct val="100000"/>
               </a:lnSpc>
@@ -13992,6 +14133,9 @@
             </a:pPr>
             <a:r>
               <a:rPr b="0" lang="en-US" sz="1800" spc="-1" strike="noStrike">
+                <a:solidFill>
+                  <a:srgbClr val="000000"/>
+                </a:solidFill>
                 <a:latin typeface="Arial"/>
                 <a:ea typeface="DejaVu Sans"/>
               </a:rPr>
@@ -14002,7 +14146,7 @@
             </a:endParaRPr>
           </a:p>
           <a:p>
-            <a:pPr marL="432000" indent="-322920">
+            <a:pPr marL="432000" indent="-321840">
               <a:lnSpc>
                 <a:spcPct val="100000"/>
               </a:lnSpc>
@@ -14018,6 +14162,9 @@
             </a:pPr>
             <a:r>
               <a:rPr b="0" lang="en-US" sz="1800" spc="-1" strike="noStrike">
+                <a:solidFill>
+                  <a:srgbClr val="000000"/>
+                </a:solidFill>
                 <a:latin typeface="Arial"/>
                 <a:ea typeface="DejaVu Sans"/>
               </a:rPr>
@@ -14038,7 +14185,7 @@
         <p:spPr>
           <a:xfrm>
             <a:off x="10515600" y="6202080"/>
-            <a:ext cx="1595520" cy="422640"/>
+            <a:ext cx="1594440" cy="421560"/>
           </a:xfrm>
           <a:prstGeom prst="rect">
             <a:avLst/>
@@ -14064,7 +14211,7 @@
                 <a:spcPct val="100000"/>
               </a:lnSpc>
             </a:pPr>
-            <a:fld id="{2E6263CB-BD26-4CF0-A070-FB56D8DA2F47}" type="slidenum">
+            <a:fld id="{382F83CA-256F-41E3-B415-FBA6B8539167}" type="slidenum">
               <a:rPr b="0" lang="en-US" sz="1600" spc="-1" strike="noStrike">
                 <a:solidFill>
                   <a:srgbClr val="000000"/>
@@ -14080,6 +14227,35 @@
           </a:p>
         </p:txBody>
       </p:sp>
+      <p:pic>
+        <p:nvPicPr>
+          <p:cNvPr id="338" name="" descr=""/>
+          <p:cNvPicPr/>
+          <p:nvPr/>
+        </p:nvPicPr>
+        <p:blipFill>
+          <a:blip r:embed="rId1"/>
+          <a:stretch/>
+        </p:blipFill>
+        <p:spPr>
+          <a:xfrm>
+            <a:off x="6858360" y="1554480"/>
+            <a:ext cx="1828440" cy="2533320"/>
+          </a:xfrm>
+          <a:prstGeom prst="rect">
+            <a:avLst/>
+          </a:prstGeom>
+          <a:ln>
+            <a:solidFill>
+              <a:srgbClr val="3465a4"/>
+            </a:solidFill>
+            <a:custDash>
+              <a:ds d="100000" sp="300000"/>
+              <a:ds d="100000" sp="300000"/>
+            </a:custDash>
+          </a:ln>
+        </p:spPr>
+      </p:pic>
     </p:spTree>
   </p:cSld>
   <mc:AlternateContent>
@@ -14112,14 +14288,14 @@
       </p:grpSpPr>
       <p:sp>
         <p:nvSpPr>
-          <p:cNvPr id="338" name="CustomShape 1"/>
+          <p:cNvPr id="339" name="CustomShape 1"/>
           <p:cNvSpPr/>
           <p:nvPr/>
         </p:nvSpPr>
         <p:spPr>
           <a:xfrm>
             <a:off x="686160" y="0"/>
-            <a:ext cx="10968120" cy="1140480"/>
+            <a:ext cx="10967040" cy="1139400"/>
           </a:xfrm>
           <a:prstGeom prst="rect">
             <a:avLst/>
@@ -14168,7 +14344,7 @@
                 <a:latin typeface="Arial"/>
                 <a:ea typeface="Noto Sans CJK SC"/>
               </a:rPr>
-              <a:t>Resource Request &amp; Limit</a:t>
+              <a:t>Deployment Strategies - Recreate</a:t>
             </a:r>
             <a:endParaRPr b="0" lang="en-US" sz="2200" spc="-1" strike="noStrike">
               <a:latin typeface="Arial"/>
@@ -14178,14 +14354,65 @@
       </p:sp>
       <p:sp>
         <p:nvSpPr>
-          <p:cNvPr id="339" name="CustomShape 2"/>
+          <p:cNvPr id="340" name="CustomShape 2"/>
           <p:cNvSpPr/>
           <p:nvPr/>
         </p:nvSpPr>
         <p:spPr>
           <a:xfrm>
+            <a:off x="10515600" y="6202080"/>
+            <a:ext cx="1594440" cy="421560"/>
+          </a:xfrm>
+          <a:prstGeom prst="rect">
+            <a:avLst/>
+          </a:prstGeom>
+          <a:noFill/>
+          <a:ln>
+            <a:noFill/>
+          </a:ln>
+        </p:spPr>
+        <p:style>
+          <a:lnRef idx="0"/>
+          <a:fillRef idx="0"/>
+          <a:effectRef idx="0"/>
+          <a:fontRef idx="minor"/>
+        </p:style>
+        <p:txBody>
+          <a:bodyPr lIns="90000" rIns="90000" tIns="45000" bIns="45000">
+            <a:noAutofit/>
+          </a:bodyPr>
+          <a:p>
+            <a:pPr algn="ctr">
+              <a:lnSpc>
+                <a:spcPct val="100000"/>
+              </a:lnSpc>
+            </a:pPr>
+            <a:fld id="{40B53EC3-7032-4F85-BE9F-D5D903C0AE1F}" type="slidenum">
+              <a:rPr b="0" lang="en-US" sz="1600" spc="-1" strike="noStrike">
+                <a:solidFill>
+                  <a:srgbClr val="000000"/>
+                </a:solidFill>
+                <a:latin typeface="Times New Roman"/>
+                <a:ea typeface="DejaVu Sans"/>
+              </a:rPr>
+              <a:t>&lt;number&gt;</a:t>
+            </a:fld>
+            <a:endParaRPr b="0" lang="en-US" sz="1600" spc="-1" strike="noStrike">
+              <a:latin typeface="Arial"/>
+            </a:endParaRPr>
+          </a:p>
+        </p:txBody>
+      </p:sp>
+      <p:sp>
+        <p:nvSpPr>
+          <p:cNvPr id="341" name="CustomShape 3"/>
+          <p:cNvSpPr/>
+          <p:nvPr/>
+        </p:nvSpPr>
+        <p:spPr>
+          <a:xfrm>
             <a:off x="91440" y="1600920"/>
-            <a:ext cx="5394960" cy="4111920"/>
+            <a:ext cx="4846320" cy="3885480"/>
           </a:xfrm>
           <a:prstGeom prst="rect">
             <a:avLst/>
@@ -14209,13 +14436,18 @@
             <a:noAutofit/>
           </a:bodyPr>
           <a:p>
-            <a:pPr>
+            <a:pPr marL="216000" indent="-216000">
               <a:lnSpc>
                 <a:spcPct val="100000"/>
               </a:lnSpc>
               <a:spcBef>
                 <a:spcPts val="1417"/>
               </a:spcBef>
+              <a:buClr>
+                <a:srgbClr val="3c3e41"/>
+              </a:buClr>
+              <a:buFont typeface="Wingdings" charset="2"/>
+              <a:buChar char=""/>
             </a:pPr>
             <a:r>
               <a:rPr b="0" lang="en-US" sz="1800" spc="-1" strike="noStrike">
@@ -14225,20 +14457,25 @@
                 <a:latin typeface="Arial"/>
                 <a:ea typeface="DejaVu Sans"/>
               </a:rPr>
-              <a:t>- StartupProbes</a:t>
+              <a:t>Terminate all current pods, create new ones</a:t>
             </a:r>
             <a:endParaRPr b="0" lang="en-US" sz="1800" spc="-1" strike="noStrike">
               <a:latin typeface="Arial"/>
             </a:endParaRPr>
           </a:p>
           <a:p>
-            <a:pPr>
+            <a:pPr marL="216000" indent="-216000">
               <a:lnSpc>
                 <a:spcPct val="100000"/>
               </a:lnSpc>
               <a:spcBef>
                 <a:spcPts val="1417"/>
               </a:spcBef>
+              <a:buClr>
+                <a:srgbClr val="3c3e41"/>
+              </a:buClr>
+              <a:buFont typeface="Wingdings" charset="2"/>
+              <a:buChar char=""/>
             </a:pPr>
             <a:r>
               <a:rPr b="0" lang="en-US" sz="1800" spc="-1" strike="noStrike">
@@ -14248,20 +14485,26 @@
                 <a:latin typeface="Arial"/>
                 <a:ea typeface="DejaVu Sans"/>
               </a:rPr>
-              <a:t>- ReadinessProbes</a:t>
+              <a:t>Use case: </a:t>
             </a:r>
             <a:endParaRPr b="0" lang="en-US" sz="1800" spc="-1" strike="noStrike">
               <a:latin typeface="Arial"/>
             </a:endParaRPr>
           </a:p>
           <a:p>
-            <a:pPr>
+            <a:pPr lvl="1" marL="432000" indent="-216000">
               <a:lnSpc>
                 <a:spcPct val="100000"/>
               </a:lnSpc>
               <a:spcBef>
                 <a:spcPts val="1417"/>
               </a:spcBef>
+              <a:buClr>
+                <a:srgbClr val="000000"/>
+              </a:buClr>
+              <a:buSzPct val="45000"/>
+              <a:buFont typeface="Wingdings" charset="2"/>
+              <a:buChar char=""/>
             </a:pPr>
             <a:r>
               <a:rPr b="0" lang="en-US" sz="1800" spc="-1" strike="noStrike">
@@ -14271,27 +14514,128 @@
                 <a:latin typeface="Arial"/>
                 <a:ea typeface="DejaVu Sans"/>
               </a:rPr>
-              <a:t>- LivenessProbes</a:t>
+              <a:t>Not able to have 2 different versions of app at installed the same time (big update)</a:t>
             </a:r>
             <a:endParaRPr b="0" lang="en-US" sz="1800" spc="-1" strike="noStrike">
               <a:latin typeface="Arial"/>
             </a:endParaRPr>
           </a:p>
           <a:p>
-            <a:pPr>
+            <a:pPr marL="216000" indent="-216000">
               <a:lnSpc>
                 <a:spcPct val="100000"/>
               </a:lnSpc>
               <a:spcBef>
                 <a:spcPts val="1417"/>
               </a:spcBef>
-            </a:pPr>
+              <a:buClr>
+                <a:srgbClr val="3c3e41"/>
+              </a:buClr>
+              <a:buFont typeface="Wingdings" charset="2"/>
+              <a:buChar char=""/>
+            </a:pPr>
+            <a:r>
+              <a:rPr b="0" lang="en-US" sz="1800" spc="-1" strike="noStrike">
+                <a:solidFill>
+                  <a:srgbClr val="3c3e41"/>
+                </a:solidFill>
+                <a:latin typeface="Arial"/>
+                <a:ea typeface="DejaVu Sans"/>
+              </a:rPr>
+              <a:t>Cons:</a:t>
+            </a:r>
             <a:endParaRPr b="0" lang="en-US" sz="1800" spc="-1" strike="noStrike">
               <a:latin typeface="Arial"/>
             </a:endParaRPr>
           </a:p>
           <a:p>
-            <a:pPr marL="432000" indent="-322920">
+            <a:pPr lvl="1" marL="432000" indent="-216000">
+              <a:lnSpc>
+                <a:spcPct val="100000"/>
+              </a:lnSpc>
+              <a:spcBef>
+                <a:spcPts val="1417"/>
+              </a:spcBef>
+              <a:buClr>
+                <a:srgbClr val="000000"/>
+              </a:buClr>
+              <a:buSzPct val="45000"/>
+              <a:buFont typeface="Wingdings" charset="2"/>
+              <a:buChar char=""/>
+            </a:pPr>
+            <a:r>
+              <a:rPr b="0" lang="en-US" sz="1800" spc="-1" strike="noStrike">
+                <a:solidFill>
+                  <a:srgbClr val="3c3e41"/>
+                </a:solidFill>
+                <a:latin typeface="Arial"/>
+                <a:ea typeface="DejaVu Sans"/>
+              </a:rPr>
+              <a:t>Introduce a downtime period.</a:t>
+            </a:r>
+            <a:endParaRPr b="0" lang="en-US" sz="1800" spc="-1" strike="noStrike">
+              <a:latin typeface="Arial"/>
+            </a:endParaRPr>
+          </a:p>
+          <a:p>
+            <a:pPr marL="216000" indent="-216000">
+              <a:lnSpc>
+                <a:spcPct val="100000"/>
+              </a:lnSpc>
+              <a:spcBef>
+                <a:spcPts val="1417"/>
+              </a:spcBef>
+              <a:buClr>
+                <a:srgbClr val="3c3e41"/>
+              </a:buClr>
+              <a:buFont typeface="Wingdings" charset="2"/>
+              <a:buChar char=""/>
+            </a:pPr>
+            <a:r>
+              <a:rPr b="0" lang="en-US" sz="1800" spc="-1" strike="noStrike">
+                <a:solidFill>
+                  <a:srgbClr val="3c3e41"/>
+                </a:solidFill>
+                <a:latin typeface="Arial"/>
+                <a:ea typeface="DejaVu Sans"/>
+              </a:rPr>
+              <a:t>Pros:</a:t>
+            </a:r>
+            <a:endParaRPr b="0" lang="en-US" sz="1800" spc="-1" strike="noStrike">
+              <a:latin typeface="Arial"/>
+            </a:endParaRPr>
+          </a:p>
+          <a:p>
+            <a:pPr lvl="1" marL="432000" indent="-216000">
+              <a:lnSpc>
+                <a:spcPct val="100000"/>
+              </a:lnSpc>
+              <a:spcBef>
+                <a:spcPts val="1417"/>
+              </a:spcBef>
+              <a:buClr>
+                <a:srgbClr val="000000"/>
+              </a:buClr>
+              <a:buSzPct val="45000"/>
+              <a:buFont typeface="Wingdings" charset="2"/>
+              <a:buChar char=""/>
+            </a:pPr>
+            <a:r>
+              <a:rPr b="0" lang="en-US" sz="1800" spc="-1" strike="noStrike">
+                <a:solidFill>
+                  <a:srgbClr val="3c3e41"/>
+                </a:solidFill>
+                <a:latin typeface="Arial"/>
+                <a:ea typeface="DejaVu Sans"/>
+              </a:rPr>
+              <a:t>Quick update</a:t>
+            </a:r>
+            <a:endParaRPr b="0" lang="en-US" sz="1800" spc="-1" strike="noStrike">
+              <a:latin typeface="Arial"/>
+            </a:endParaRPr>
+          </a:p>
+          <a:p>
+            <a:pPr marL="432000" indent="-321840">
               <a:lnSpc>
                 <a:spcPct val="100000"/>
               </a:lnSpc>
@@ -14307,6 +14651,9 @@
             </a:pPr>
             <a:r>
               <a:rPr b="0" lang="en-US" sz="1800" spc="-1" strike="noStrike">
+                <a:solidFill>
+                  <a:srgbClr val="000000"/>
+                </a:solidFill>
                 <a:latin typeface="Arial"/>
                 <a:ea typeface="DejaVu Sans"/>
               </a:rPr>
@@ -14317,7 +14664,7 @@
             </a:endParaRPr>
           </a:p>
           <a:p>
-            <a:pPr marL="432000" indent="-322920">
+            <a:pPr marL="432000" indent="-321840">
               <a:lnSpc>
                 <a:spcPct val="100000"/>
               </a:lnSpc>
@@ -14333,68 +14680,49 @@
             </a:pPr>
             <a:r>
               <a:rPr b="0" lang="en-US" sz="1800" spc="-1" strike="noStrike">
-                <a:latin typeface="Arial"/>
-                <a:ea typeface="DejaVu Sans"/>
-              </a:rPr>
-              <a:t> </a:t>
-            </a:r>
-            <a:endParaRPr b="0" lang="en-US" sz="1800" spc="-1" strike="noStrike">
-              <a:latin typeface="Arial"/>
-            </a:endParaRPr>
-          </a:p>
-        </p:txBody>
-      </p:sp>
-      <p:sp>
-        <p:nvSpPr>
-          <p:cNvPr id="340" name="CustomShape 3"/>
-          <p:cNvSpPr/>
-          <p:nvPr/>
-        </p:nvSpPr>
-        <p:spPr>
-          <a:xfrm>
-            <a:off x="10515600" y="6202080"/>
-            <a:ext cx="1595520" cy="422640"/>
-          </a:xfrm>
-          <a:prstGeom prst="rect">
-            <a:avLst/>
-          </a:prstGeom>
-          <a:noFill/>
-          <a:ln>
-            <a:noFill/>
-          </a:ln>
-        </p:spPr>
-        <p:style>
-          <a:lnRef idx="0"/>
-          <a:fillRef idx="0"/>
-          <a:effectRef idx="0"/>
-          <a:fontRef idx="minor"/>
-        </p:style>
-        <p:txBody>
-          <a:bodyPr lIns="90000" rIns="90000" tIns="45000" bIns="45000">
-            <a:noAutofit/>
-          </a:bodyPr>
-          <a:p>
-            <a:pPr algn="ctr">
-              <a:lnSpc>
-                <a:spcPct val="100000"/>
-              </a:lnSpc>
-            </a:pPr>
-            <a:fld id="{A5E8571C-41A5-4D9A-90C0-C3DE66B1C29A}" type="slidenum">
-              <a:rPr b="0" lang="en-US" sz="1600" spc="-1" strike="noStrike">
                 <a:solidFill>
                   <a:srgbClr val="000000"/>
                 </a:solidFill>
-                <a:latin typeface="Times New Roman"/>
+                <a:latin typeface="Arial"/>
                 <a:ea typeface="DejaVu Sans"/>
               </a:rPr>
-              <a:t>&lt;number&gt;</a:t>
-            </a:fld>
-            <a:endParaRPr b="0" lang="en-US" sz="1600" spc="-1" strike="noStrike">
-              <a:latin typeface="Arial"/>
-            </a:endParaRPr>
-          </a:p>
-        </p:txBody>
-      </p:sp>
+              <a:t> </a:t>
+            </a:r>
+            <a:endParaRPr b="0" lang="en-US" sz="1800" spc="-1" strike="noStrike">
+              <a:latin typeface="Arial"/>
+            </a:endParaRPr>
+          </a:p>
+        </p:txBody>
+      </p:sp>
+      <p:pic>
+        <p:nvPicPr>
+          <p:cNvPr id="342" name="" descr=""/>
+          <p:cNvPicPr/>
+          <p:nvPr/>
+        </p:nvPicPr>
+        <p:blipFill>
+          <a:blip r:embed="rId1"/>
+          <a:stretch/>
+        </p:blipFill>
+        <p:spPr>
+          <a:xfrm>
+            <a:off x="5669280" y="2743200"/>
+            <a:ext cx="4485960" cy="1514160"/>
+          </a:xfrm>
+          <a:prstGeom prst="rect">
+            <a:avLst/>
+          </a:prstGeom>
+          <a:ln>
+            <a:solidFill>
+              <a:srgbClr val="3465a4"/>
+            </a:solidFill>
+            <a:custDash>
+              <a:ds d="100000" sp="300000"/>
+              <a:ds d="100000" sp="300000"/>
+            </a:custDash>
+          </a:ln>
+        </p:spPr>
+      </p:pic>
     </p:spTree>
   </p:cSld>
   <mc:AlternateContent>
@@ -14427,14 +14755,14 @@
       </p:grpSpPr>
       <p:sp>
         <p:nvSpPr>
-          <p:cNvPr id="341" name="CustomShape 1"/>
+          <p:cNvPr id="343" name="CustomShape 1"/>
           <p:cNvSpPr/>
           <p:nvPr/>
         </p:nvSpPr>
         <p:spPr>
           <a:xfrm>
             <a:off x="686160" y="0"/>
-            <a:ext cx="10968120" cy="1140480"/>
+            <a:ext cx="10967040" cy="1139400"/>
           </a:xfrm>
           <a:prstGeom prst="rect">
             <a:avLst/>
@@ -14483,7 +14811,7 @@
                 <a:latin typeface="Arial"/>
                 <a:ea typeface="Noto Sans CJK SC"/>
               </a:rPr>
-              <a:t>Cronjob</a:t>
+              <a:t>Deployment Strategies - RollingUpdate</a:t>
             </a:r>
             <a:endParaRPr b="0" lang="en-US" sz="2200" spc="-1" strike="noStrike">
               <a:latin typeface="Arial"/>
@@ -14493,14 +14821,65 @@
       </p:sp>
       <p:sp>
         <p:nvSpPr>
-          <p:cNvPr id="342" name="CustomShape 2"/>
+          <p:cNvPr id="344" name="CustomShape 2"/>
           <p:cNvSpPr/>
           <p:nvPr/>
         </p:nvSpPr>
         <p:spPr>
           <a:xfrm>
-            <a:off x="457200" y="1600200"/>
-            <a:ext cx="3884400" cy="911520"/>
+            <a:off x="10515600" y="6202080"/>
+            <a:ext cx="1594440" cy="421560"/>
+          </a:xfrm>
+          <a:prstGeom prst="rect">
+            <a:avLst/>
+          </a:prstGeom>
+          <a:noFill/>
+          <a:ln>
+            <a:noFill/>
+          </a:ln>
+        </p:spPr>
+        <p:style>
+          <a:lnRef idx="0"/>
+          <a:fillRef idx="0"/>
+          <a:effectRef idx="0"/>
+          <a:fontRef idx="minor"/>
+        </p:style>
+        <p:txBody>
+          <a:bodyPr lIns="90000" rIns="90000" tIns="45000" bIns="45000">
+            <a:noAutofit/>
+          </a:bodyPr>
+          <a:p>
+            <a:pPr algn="ctr">
+              <a:lnSpc>
+                <a:spcPct val="100000"/>
+              </a:lnSpc>
+            </a:pPr>
+            <a:fld id="{EFC555A4-4AB1-4275-8F06-81E81316591E}" type="slidenum">
+              <a:rPr b="0" lang="en-US" sz="1600" spc="-1" strike="noStrike">
+                <a:solidFill>
+                  <a:srgbClr val="000000"/>
+                </a:solidFill>
+                <a:latin typeface="Times New Roman"/>
+                <a:ea typeface="DejaVu Sans"/>
+              </a:rPr>
+              <a:t>&lt;number&gt;</a:t>
+            </a:fld>
+            <a:endParaRPr b="0" lang="en-US" sz="1600" spc="-1" strike="noStrike">
+              <a:latin typeface="Arial"/>
+            </a:endParaRPr>
+          </a:p>
+        </p:txBody>
+      </p:sp>
+      <p:sp>
+        <p:nvSpPr>
+          <p:cNvPr id="345" name="CustomShape 3"/>
+          <p:cNvSpPr/>
+          <p:nvPr/>
+        </p:nvSpPr>
+        <p:spPr>
+          <a:xfrm>
+            <a:off x="91440" y="1600920"/>
+            <a:ext cx="5669280" cy="3885480"/>
           </a:xfrm>
           <a:prstGeom prst="rect">
             <a:avLst/>
@@ -14524,7 +14903,63 @@
             <a:noAutofit/>
           </a:bodyPr>
           <a:p>
-            <a:pPr marL="432000" indent="-322920">
+            <a:pPr marL="216000" indent="-216000">
+              <a:lnSpc>
+                <a:spcPct val="100000"/>
+              </a:lnSpc>
+              <a:spcBef>
+                <a:spcPts val="1417"/>
+              </a:spcBef>
+              <a:buClr>
+                <a:srgbClr val="3c3e41"/>
+              </a:buClr>
+              <a:buFont typeface="Wingdings" charset="2"/>
+              <a:buChar char=""/>
+            </a:pPr>
+            <a:r>
+              <a:rPr b="0" lang="en-US" sz="1800" spc="-1" strike="noStrike">
+                <a:solidFill>
+                  <a:srgbClr val="3c3e41"/>
+                </a:solidFill>
+                <a:latin typeface="Arial"/>
+                <a:ea typeface="DejaVu Sans"/>
+              </a:rPr>
+              <a:t>Create a few of new pods, then terminate old ones correspondingly</a:t>
+            </a:r>
+            <a:endParaRPr b="0" lang="en-US" sz="1800" spc="-1" strike="noStrike">
+              <a:latin typeface="Arial"/>
+            </a:endParaRPr>
+          </a:p>
+          <a:p>
+            <a:pPr marL="216000" indent="-216000">
+              <a:lnSpc>
+                <a:spcPct val="100000"/>
+              </a:lnSpc>
+              <a:spcBef>
+                <a:spcPts val="1417"/>
+              </a:spcBef>
+              <a:buClr>
+                <a:srgbClr val="3c3e41"/>
+              </a:buClr>
+              <a:buFont typeface="Wingdings" charset="2"/>
+              <a:buChar char=""/>
+            </a:pPr>
+            <a:r>
+              <a:rPr b="0" lang="en-US" sz="1800" spc="-1" strike="noStrike">
+                <a:solidFill>
+                  <a:srgbClr val="3c3e41"/>
+                </a:solidFill>
+                <a:latin typeface="Arial"/>
+                <a:ea typeface="DejaVu Sans"/>
+              </a:rPr>
+              <a:t>Use case: </a:t>
+            </a:r>
+            <a:endParaRPr b="0" lang="en-US" sz="1800" spc="-1" strike="noStrike">
+              <a:latin typeface="Arial"/>
+            </a:endParaRPr>
+          </a:p>
+          <a:p>
+            <a:pPr lvl="1" marL="432000" indent="-216000">
               <a:lnSpc>
                 <a:spcPct val="100000"/>
               </a:lnSpc>
@@ -14546,60 +14981,123 @@
                 <a:latin typeface="Arial"/>
                 <a:ea typeface="DejaVu Sans"/>
               </a:rPr>
-              <a:t>Automatic action triggered in every scheduled time</a:t>
+              <a:t>There is no conflict between old and new versions</a:t>
             </a:r>
             <a:endParaRPr b="0" lang="en-US" sz="1800" spc="-1" strike="noStrike">
               <a:latin typeface="Arial"/>
             </a:endParaRPr>
           </a:p>
-        </p:txBody>
-      </p:sp>
-      <p:sp>
-        <p:nvSpPr>
-          <p:cNvPr id="343" name="CustomShape 3"/>
-          <p:cNvSpPr/>
-          <p:nvPr/>
-        </p:nvSpPr>
-        <p:spPr>
-          <a:xfrm>
-            <a:off x="10515600" y="6202080"/>
-            <a:ext cx="1595520" cy="422640"/>
-          </a:xfrm>
-          <a:prstGeom prst="rect">
-            <a:avLst/>
-          </a:prstGeom>
-          <a:noFill/>
-          <a:ln>
-            <a:noFill/>
-          </a:ln>
-        </p:spPr>
-        <p:style>
-          <a:lnRef idx="0"/>
-          <a:fillRef idx="0"/>
-          <a:effectRef idx="0"/>
-          <a:fontRef idx="minor"/>
-        </p:style>
-        <p:txBody>
-          <a:bodyPr lIns="90000" rIns="90000" tIns="45000" bIns="45000">
-            <a:noAutofit/>
-          </a:bodyPr>
-          <a:p>
-            <a:pPr algn="ctr">
+          <a:p>
+            <a:pPr marL="216000" indent="-216000">
               <a:lnSpc>
                 <a:spcPct val="100000"/>
               </a:lnSpc>
-            </a:pPr>
-            <a:fld id="{9E08744F-E015-4080-8184-33EF3428D1F5}" type="slidenum">
-              <a:rPr b="0" lang="en-US" sz="1600" spc="-1" strike="noStrike">
+              <a:spcBef>
+                <a:spcPts val="1417"/>
+              </a:spcBef>
+              <a:buClr>
+                <a:srgbClr val="3c3e41"/>
+              </a:buClr>
+              <a:buFont typeface="Wingdings" charset="2"/>
+              <a:buChar char=""/>
+            </a:pPr>
+            <a:r>
+              <a:rPr b="0" lang="en-US" sz="1800" spc="-1" strike="noStrike">
                 <a:solidFill>
-                  <a:srgbClr val="000000"/>
+                  <a:srgbClr val="3c3e41"/>
                 </a:solidFill>
-                <a:latin typeface="Times New Roman"/>
+                <a:latin typeface="Arial"/>
                 <a:ea typeface="DejaVu Sans"/>
               </a:rPr>
-              <a:t>&lt;number&gt;</a:t>
-            </a:fld>
-            <a:endParaRPr b="0" lang="en-US" sz="1600" spc="-1" strike="noStrike">
+              <a:t>Cons:</a:t>
+            </a:r>
+            <a:endParaRPr b="0" lang="en-US" sz="1800" spc="-1" strike="noStrike">
+              <a:latin typeface="Arial"/>
+            </a:endParaRPr>
+          </a:p>
+          <a:p>
+            <a:pPr lvl="1" marL="432000" indent="-216000">
+              <a:lnSpc>
+                <a:spcPct val="100000"/>
+              </a:lnSpc>
+              <a:spcBef>
+                <a:spcPts val="1417"/>
+              </a:spcBef>
+              <a:buClr>
+                <a:srgbClr val="000000"/>
+              </a:buClr>
+              <a:buSzPct val="45000"/>
+              <a:buFont typeface="Wingdings" charset="2"/>
+              <a:buChar char=""/>
+            </a:pPr>
+            <a:r>
+              <a:rPr b="0" lang="en-US" sz="1800" spc="-1" strike="noStrike">
+                <a:solidFill>
+                  <a:srgbClr val="3c3e41"/>
+                </a:solidFill>
+                <a:latin typeface="Arial"/>
+                <a:ea typeface="DejaVu Sans"/>
+              </a:rPr>
+              <a:t>There is a period when the old and new application versions serve users at the same time</a:t>
+            </a:r>
+            <a:endParaRPr b="0" lang="en-US" sz="1800" spc="-1" strike="noStrike">
+              <a:latin typeface="Arial"/>
+            </a:endParaRPr>
+          </a:p>
+          <a:p>
+            <a:pPr marL="216000" indent="-216000">
+              <a:lnSpc>
+                <a:spcPct val="100000"/>
+              </a:lnSpc>
+              <a:spcBef>
+                <a:spcPts val="1417"/>
+              </a:spcBef>
+              <a:buClr>
+                <a:srgbClr val="3c3e41"/>
+              </a:buClr>
+              <a:buFont typeface="Wingdings" charset="2"/>
+              <a:buChar char=""/>
+            </a:pPr>
+            <a:r>
+              <a:rPr b="0" lang="en-US" sz="1800" spc="-1" strike="noStrike">
+                <a:solidFill>
+                  <a:srgbClr val="3c3e41"/>
+                </a:solidFill>
+                <a:latin typeface="Arial"/>
+                <a:ea typeface="DejaVu Sans"/>
+              </a:rPr>
+              <a:t>Pros:</a:t>
+            </a:r>
+            <a:endParaRPr b="0" lang="en-US" sz="1800" spc="-1" strike="noStrike">
+              <a:latin typeface="Arial"/>
+            </a:endParaRPr>
+          </a:p>
+          <a:p>
+            <a:pPr lvl="1" marL="432000" indent="-216000">
+              <a:lnSpc>
+                <a:spcPct val="100000"/>
+              </a:lnSpc>
+              <a:spcBef>
+                <a:spcPts val="1417"/>
+              </a:spcBef>
+              <a:buClr>
+                <a:srgbClr val="000000"/>
+              </a:buClr>
+              <a:buSzPct val="45000"/>
+              <a:buFont typeface="Wingdings" charset="2"/>
+              <a:buChar char=""/>
+            </a:pPr>
+            <a:r>
+              <a:rPr b="0" lang="en-US" sz="1800" spc="-1" strike="noStrike">
+                <a:solidFill>
+                  <a:srgbClr val="3c3e41"/>
+                </a:solidFill>
+                <a:latin typeface="Arial"/>
+                <a:ea typeface="DejaVu Sans"/>
+              </a:rPr>
+              <a:t>No downtime</a:t>
+            </a:r>
+            <a:endParaRPr b="0" lang="en-US" sz="1800" spc="-1" strike="noStrike">
               <a:latin typeface="Arial"/>
             </a:endParaRPr>
           </a:p>
@@ -14607,7 +15105,7 @@
       </p:sp>
       <p:pic>
         <p:nvPicPr>
-          <p:cNvPr id="344" name="" descr=""/>
+          <p:cNvPr id="346" name="" descr=""/>
           <p:cNvPicPr/>
           <p:nvPr/>
         </p:nvPicPr>
@@ -14617,34 +15115,8 @@
         </p:blipFill>
         <p:spPr>
           <a:xfrm>
-            <a:off x="8056440" y="2057400"/>
-            <a:ext cx="3884400" cy="3655800"/>
-          </a:xfrm>
-          <a:prstGeom prst="rect">
-            <a:avLst/>
-          </a:prstGeom>
-          <a:ln cap="rnd">
-            <a:solidFill>
-              <a:srgbClr val="3465a4"/>
-            </a:solidFill>
-            <a:prstDash val="sysDot"/>
-          </a:ln>
-        </p:spPr>
-      </p:pic>
-      <p:pic>
-        <p:nvPicPr>
-          <p:cNvPr id="345" name="" descr=""/>
-          <p:cNvPicPr/>
-          <p:nvPr/>
-        </p:nvPicPr>
-        <p:blipFill>
-          <a:blip r:embed="rId2"/>
-          <a:stretch/>
-        </p:blipFill>
-        <p:spPr>
-          <a:xfrm>
-            <a:off x="5029200" y="2057400"/>
-            <a:ext cx="2228760" cy="3656160"/>
+            <a:off x="6035040" y="1612080"/>
+            <a:ext cx="5495400" cy="3142800"/>
           </a:xfrm>
           <a:prstGeom prst="rect">
             <a:avLst/>
@@ -14653,7 +15125,10 @@
             <a:solidFill>
               <a:srgbClr val="3465a4"/>
             </a:solidFill>
-            <a:prstDash val="sysDot"/>
+            <a:custDash>
+              <a:ds d="100000" sp="300000"/>
+              <a:ds d="100000" sp="300000"/>
+            </a:custDash>
           </a:ln>
         </p:spPr>
       </p:pic>
@@ -14689,14 +15164,14 @@
       </p:grpSpPr>
       <p:sp>
         <p:nvSpPr>
-          <p:cNvPr id="346" name="CustomShape 1"/>
+          <p:cNvPr id="347" name="CustomShape 1"/>
           <p:cNvSpPr/>
           <p:nvPr/>
         </p:nvSpPr>
         <p:spPr>
           <a:xfrm>
-            <a:off x="686160" y="0"/>
-            <a:ext cx="10968120" cy="1140480"/>
+            <a:off x="722160" y="0"/>
+            <a:ext cx="10967040" cy="1139400"/>
           </a:xfrm>
           <a:prstGeom prst="rect">
             <a:avLst/>
@@ -14745,7 +15220,7 @@
                 <a:latin typeface="Arial"/>
                 <a:ea typeface="Noto Sans CJK SC"/>
               </a:rPr>
-              <a:t>Network - Service</a:t>
+              <a:t>Resource Request &amp; Limit</a:t>
             </a:r>
             <a:endParaRPr b="0" lang="en-US" sz="2200" spc="-1" strike="noStrike">
               <a:latin typeface="Arial"/>
@@ -14755,14 +15230,14 @@
       </p:sp>
       <p:sp>
         <p:nvSpPr>
-          <p:cNvPr id="347" name="CustomShape 2"/>
+          <p:cNvPr id="348" name="CustomShape 2"/>
           <p:cNvSpPr/>
           <p:nvPr/>
         </p:nvSpPr>
         <p:spPr>
           <a:xfrm>
-            <a:off x="457560" y="1371960"/>
-            <a:ext cx="5482440" cy="5254560"/>
+            <a:off x="127440" y="1600920"/>
+            <a:ext cx="5393880" cy="2147760"/>
           </a:xfrm>
           <a:prstGeom prst="rect">
             <a:avLst/>
@@ -14782,23 +15257,22 @@
           <a:fontRef idx="minor"/>
         </p:style>
         <p:txBody>
-          <a:bodyPr lIns="0" rIns="0" tIns="0" bIns="0">
+          <a:bodyPr lIns="93240" rIns="93240" tIns="48240" bIns="48240">
             <a:noAutofit/>
           </a:bodyPr>
           <a:p>
-            <a:pPr marL="432000" indent="-322920">
+            <a:pPr marL="216000" indent="-215640">
               <a:lnSpc>
                 <a:spcPct val="100000"/>
               </a:lnSpc>
               <a:spcBef>
-                <a:spcPts val="1134"/>
+                <a:spcPts val="1417"/>
               </a:spcBef>
               <a:buClr>
-                <a:srgbClr val="000000"/>
+                <a:srgbClr val="3c3e41"/>
               </a:buClr>
-              <a:buSzPct val="45000"/>
-              <a:buFont typeface="Wingdings" charset="2"/>
-              <a:buChar char=""/>
+              <a:buFont typeface="Symbol"/>
+              <a:buChar char=""/>
             </a:pPr>
             <a:r>
               <a:rPr b="0" lang="en-US" sz="1800" spc="-1" strike="noStrike">
@@ -14808,26 +15282,25 @@
                 <a:latin typeface="Arial"/>
                 <a:ea typeface="DejaVu Sans"/>
               </a:rPr>
-              <a:t>A logical collection of pods</a:t>
+              <a:t>There are 2 main types of resources: CPU &amp; memory</a:t>
             </a:r>
             <a:endParaRPr b="0" lang="en-US" sz="1800" spc="-1" strike="noStrike">
               <a:latin typeface="Arial"/>
             </a:endParaRPr>
           </a:p>
           <a:p>
-            <a:pPr marL="432000" indent="-322920">
+            <a:pPr marL="216000" indent="-215640">
               <a:lnSpc>
                 <a:spcPct val="100000"/>
               </a:lnSpc>
               <a:spcBef>
-                <a:spcPts val="1134"/>
+                <a:spcPts val="1417"/>
               </a:spcBef>
               <a:buClr>
-                <a:srgbClr val="000000"/>
+                <a:srgbClr val="3c3e41"/>
               </a:buClr>
-              <a:buSzPct val="45000"/>
-              <a:buFont typeface="Wingdings" charset="2"/>
-              <a:buChar char=""/>
+              <a:buFont typeface="Symbol"/>
+              <a:buChar char=""/>
             </a:pPr>
             <a:r>
               <a:rPr b="0" lang="en-US" sz="1800" spc="-1" strike="noStrike">
@@ -14837,26 +15310,25 @@
                 <a:latin typeface="Arial"/>
                 <a:ea typeface="DejaVu Sans"/>
               </a:rPr>
-              <a:t>Roles:</a:t>
+              <a:t>Request: Ensure the minimum amount of resources required for the container</a:t>
             </a:r>
             <a:endParaRPr b="0" lang="en-US" sz="1800" spc="-1" strike="noStrike">
               <a:latin typeface="Arial"/>
             </a:endParaRPr>
           </a:p>
           <a:p>
-            <a:pPr lvl="1" marL="864000" indent="-322920">
+            <a:pPr marL="216000" indent="-215640">
               <a:lnSpc>
                 <a:spcPct val="100000"/>
               </a:lnSpc>
               <a:spcBef>
-                <a:spcPts val="1134"/>
+                <a:spcPts val="1417"/>
               </a:spcBef>
               <a:buClr>
-                <a:srgbClr val="000000"/>
+                <a:srgbClr val="3c3e41"/>
               </a:buClr>
-              <a:buSzPct val="75000"/>
               <a:buFont typeface="Symbol"/>
-              <a:buChar char=""/>
+              <a:buChar char=""/>
             </a:pPr>
             <a:r>
               <a:rPr b="0" lang="en-US" sz="1800" spc="-1" strike="noStrike">
@@ -14866,227 +15338,24 @@
                 <a:latin typeface="Arial"/>
                 <a:ea typeface="DejaVu Sans"/>
               </a:rPr>
-              <a:t>Enable network access to pods</a:t>
+              <a:t>Limit: Is the maximum amount of resources that Kubernetes will allow the container to use</a:t>
             </a:r>
             <a:endParaRPr b="0" lang="en-US" sz="1800" spc="-1" strike="noStrike">
               <a:latin typeface="Arial"/>
             </a:endParaRPr>
           </a:p>
-          <a:p>
-            <a:pPr lvl="1" marL="864000" indent="-322920">
-              <a:lnSpc>
-                <a:spcPct val="100000"/>
-              </a:lnSpc>
-              <a:spcBef>
-                <a:spcPts val="1134"/>
-              </a:spcBef>
-              <a:buClr>
-                <a:srgbClr val="000000"/>
-              </a:buClr>
-              <a:buSzPct val="75000"/>
-              <a:buFont typeface="Symbol"/>
-              <a:buChar char=""/>
-            </a:pPr>
-            <a:r>
-              <a:rPr b="0" lang="en-US" sz="1800" spc="-1" strike="noStrike">
-                <a:solidFill>
-                  <a:srgbClr val="3c3e41"/>
-                </a:solidFill>
-                <a:latin typeface="Arial"/>
-                <a:ea typeface="DejaVu Sans"/>
-              </a:rPr>
-              <a:t>Load balancing</a:t>
-            </a:r>
-            <a:endParaRPr b="0" lang="en-US" sz="1800" spc="-1" strike="noStrike">
-              <a:latin typeface="Arial"/>
-            </a:endParaRPr>
-          </a:p>
-          <a:p>
-            <a:pPr marL="432000" indent="-322920">
-              <a:lnSpc>
-                <a:spcPct val="100000"/>
-              </a:lnSpc>
-              <a:spcBef>
-                <a:spcPts val="1134"/>
-              </a:spcBef>
-              <a:buClr>
-                <a:srgbClr val="000000"/>
-              </a:buClr>
-              <a:buSzPct val="45000"/>
-              <a:buFont typeface="Wingdings" charset="2"/>
-              <a:buChar char=""/>
-            </a:pPr>
-            <a:r>
-              <a:rPr b="0" lang="en-US" sz="1800" spc="-1" strike="noStrike">
-                <a:solidFill>
-                  <a:srgbClr val="3c3e41"/>
-                </a:solidFill>
-                <a:latin typeface="Arial"/>
-                <a:ea typeface="DejaVu Sans"/>
-              </a:rPr>
-              <a:t>Types:</a:t>
-            </a:r>
-            <a:endParaRPr b="0" lang="en-US" sz="1800" spc="-1" strike="noStrike">
-              <a:latin typeface="Arial"/>
-            </a:endParaRPr>
-          </a:p>
-          <a:p>
-            <a:pPr lvl="1" marL="864000" indent="-322920">
-              <a:lnSpc>
-                <a:spcPct val="100000"/>
-              </a:lnSpc>
-              <a:spcBef>
-                <a:spcPts val="1134"/>
-              </a:spcBef>
-              <a:buClr>
-                <a:srgbClr val="000000"/>
-              </a:buClr>
-              <a:buSzPct val="75000"/>
-              <a:buFont typeface="Symbol"/>
-              <a:buChar char=""/>
-            </a:pPr>
-            <a:r>
-              <a:rPr b="0" lang="en-US" sz="1800" spc="-1" strike="noStrike">
-                <a:solidFill>
-                  <a:srgbClr val="3c3e41"/>
-                </a:solidFill>
-                <a:latin typeface="Arial"/>
-                <a:ea typeface="DejaVu Sans"/>
-              </a:rPr>
-              <a:t>ClusterIP: provide internal access inside cluster only</a:t>
-            </a:r>
-            <a:endParaRPr b="0" lang="en-US" sz="1800" spc="-1" strike="noStrike">
-              <a:latin typeface="Arial"/>
-            </a:endParaRPr>
-          </a:p>
-          <a:p>
-            <a:pPr lvl="1" marL="864000" indent="-322920">
-              <a:lnSpc>
-                <a:spcPct val="100000"/>
-              </a:lnSpc>
-              <a:spcBef>
-                <a:spcPts val="1134"/>
-              </a:spcBef>
-              <a:buClr>
-                <a:srgbClr val="000000"/>
-              </a:buClr>
-              <a:buSzPct val="75000"/>
-              <a:buFont typeface="Symbol"/>
-              <a:buChar char=""/>
-            </a:pPr>
-            <a:r>
-              <a:rPr b="0" lang="en-US" sz="1800" spc="-1" strike="noStrike">
-                <a:solidFill>
-                  <a:srgbClr val="3c3e41"/>
-                </a:solidFill>
-                <a:latin typeface="Arial"/>
-                <a:ea typeface="DejaVu Sans"/>
-              </a:rPr>
-              <a:t>NodePort: </a:t>
-            </a:r>
-            <a:endParaRPr b="0" lang="en-US" sz="1800" spc="-1" strike="noStrike">
-              <a:latin typeface="Arial"/>
-            </a:endParaRPr>
-          </a:p>
-          <a:p>
-            <a:pPr lvl="2" marL="1296000" indent="-286920">
-              <a:lnSpc>
-                <a:spcPct val="100000"/>
-              </a:lnSpc>
-              <a:spcBef>
-                <a:spcPts val="1134"/>
-              </a:spcBef>
-              <a:buClr>
-                <a:srgbClr val="000000"/>
-              </a:buClr>
-              <a:buSzPct val="45000"/>
-              <a:buFont typeface="Wingdings" charset="2"/>
-              <a:buChar char=""/>
-            </a:pPr>
-            <a:r>
-              <a:rPr b="0" lang="en-US" sz="1800" spc="-1" strike="noStrike">
-                <a:solidFill>
-                  <a:srgbClr val="3c3e41"/>
-                </a:solidFill>
-                <a:latin typeface="Arial"/>
-                <a:ea typeface="DejaVu Sans"/>
-              </a:rPr>
-              <a:t>Provide an unique fixed cluster node port for external access</a:t>
-            </a:r>
-            <a:endParaRPr b="0" lang="en-US" sz="1800" spc="-1" strike="noStrike">
-              <a:latin typeface="Arial"/>
-            </a:endParaRPr>
-          </a:p>
-          <a:p>
-            <a:pPr lvl="2" marL="1296000" indent="-286920">
-              <a:lnSpc>
-                <a:spcPct val="100000"/>
-              </a:lnSpc>
-              <a:spcBef>
-                <a:spcPts val="1134"/>
-              </a:spcBef>
-              <a:buClr>
-                <a:srgbClr val="000000"/>
-              </a:buClr>
-              <a:buSzPct val="45000"/>
-              <a:buFont typeface="Wingdings" charset="2"/>
-              <a:buChar char=""/>
-            </a:pPr>
-            <a:r>
-              <a:rPr b="0" lang="en-US" sz="1800" spc="-1" strike="noStrike">
-                <a:solidFill>
-                  <a:srgbClr val="3c3e41"/>
-                </a:solidFill>
-                <a:latin typeface="Arial"/>
-                <a:ea typeface="DejaVu Sans"/>
-              </a:rPr>
-              <a:t>Not recommended due to security (expose access to cluster)</a:t>
-            </a:r>
-            <a:endParaRPr b="0" lang="en-US" sz="1800" spc="-1" strike="noStrike">
-              <a:latin typeface="Arial"/>
-            </a:endParaRPr>
-          </a:p>
-          <a:p>
-            <a:pPr lvl="1" marL="864000" indent="-322920">
-              <a:lnSpc>
-                <a:spcPct val="100000"/>
-              </a:lnSpc>
-              <a:spcBef>
-                <a:spcPts val="1134"/>
-              </a:spcBef>
-              <a:buClr>
-                <a:srgbClr val="000000"/>
-              </a:buClr>
-              <a:buSzPct val="75000"/>
-              <a:buFont typeface="Symbol"/>
-              <a:buChar char=""/>
-            </a:pPr>
-            <a:r>
-              <a:rPr b="0" lang="en-US" sz="1800" spc="-1" strike="noStrike">
-                <a:solidFill>
-                  <a:srgbClr val="3c3e41"/>
-                </a:solidFill>
-                <a:latin typeface="Arial"/>
-                <a:ea typeface="DejaVu Sans"/>
-              </a:rPr>
-              <a:t>LoadBalacer: Integrate with cloud providers for external access</a:t>
-            </a:r>
-            <a:endParaRPr b="0" lang="en-US" sz="1800" spc="-1" strike="noStrike">
-              <a:latin typeface="Arial"/>
-            </a:endParaRPr>
-          </a:p>
-        </p:txBody>
-      </p:sp>
-      <p:sp>
-        <p:nvSpPr>
-          <p:cNvPr id="348" name="CustomShape 3"/>
+        </p:txBody>
+      </p:sp>
+      <p:sp>
+        <p:nvSpPr>
+          <p:cNvPr id="349" name="CustomShape 3"/>
           <p:cNvSpPr/>
           <p:nvPr/>
         </p:nvSpPr>
         <p:spPr>
           <a:xfrm>
-            <a:off x="10515600" y="6202080"/>
-            <a:ext cx="1595520" cy="422640"/>
+            <a:off x="10551600" y="6202080"/>
+            <a:ext cx="1594440" cy="421560"/>
           </a:xfrm>
           <a:prstGeom prst="rect">
             <a:avLst/>
@@ -15112,7 +15381,7 @@
                 <a:spcPct val="100000"/>
               </a:lnSpc>
             </a:pPr>
-            <a:fld id="{B9066D29-366B-400D-B05B-7CFC4D6C62C2}" type="slidenum">
+            <a:fld id="{D5E31C8C-8736-449E-9A96-0D7E33762CD8}" type="slidenum">
               <a:rPr b="0" lang="en-US" sz="1600" spc="-1" strike="noStrike">
                 <a:solidFill>
                   <a:srgbClr val="000000"/>
@@ -15130,7 +15399,7 @@
       </p:sp>
       <p:pic>
         <p:nvPicPr>
-          <p:cNvPr id="349" name="" descr=""/>
+          <p:cNvPr id="350" name="" descr=""/>
           <p:cNvPicPr/>
           <p:nvPr/>
         </p:nvPicPr>
@@ -15140,20 +15409,26 @@
         </p:blipFill>
         <p:spPr>
           <a:xfrm>
-            <a:off x="5943600" y="1268640"/>
-            <a:ext cx="3488760" cy="4681800"/>
+            <a:off x="9052560" y="1566360"/>
+            <a:ext cx="2218680" cy="4285440"/>
           </a:xfrm>
           <a:prstGeom prst="rect">
             <a:avLst/>
           </a:prstGeom>
           <a:ln>
-            <a:noFill/>
+            <a:solidFill>
+              <a:srgbClr val="3465a4"/>
+            </a:solidFill>
+            <a:custDash>
+              <a:ds d="100000" sp="300000"/>
+              <a:ds d="100000" sp="300000"/>
+            </a:custDash>
           </a:ln>
         </p:spPr>
       </p:pic>
       <p:pic>
         <p:nvPicPr>
-          <p:cNvPr id="350" name="" descr=""/>
+          <p:cNvPr id="351" name="" descr=""/>
           <p:cNvPicPr/>
           <p:nvPr/>
         </p:nvPicPr>
@@ -15163,18 +15438,20 @@
         </p:blipFill>
         <p:spPr>
           <a:xfrm>
-            <a:off x="9706320" y="1419480"/>
-            <a:ext cx="2405520" cy="4291560"/>
-          </a:xfrm>
-          <a:prstGeom prst="rect">
-            <a:avLst/>
-          </a:prstGeom>
-          <a:ln cap="rnd" w="12600">
+            <a:off x="6309360" y="1554480"/>
+            <a:ext cx="1961280" cy="3161520"/>
+          </a:xfrm>
+          <a:prstGeom prst="rect">
+            <a:avLst/>
+          </a:prstGeom>
+          <a:ln>
             <a:solidFill>
               <a:srgbClr val="3465a4"/>
             </a:solidFill>
-            <a:prstDash val="sysDot"/>
-            <a:round/>
+            <a:custDash>
+              <a:ds d="100000" sp="300000"/>
+              <a:ds d="100000" sp="300000"/>
+            </a:custDash>
           </a:ln>
         </p:spPr>
       </p:pic>
@@ -15210,14 +15487,14 @@
       </p:grpSpPr>
       <p:sp>
         <p:nvSpPr>
-          <p:cNvPr id="351" name="CustomShape 1"/>
+          <p:cNvPr id="352" name="CustomShape 1"/>
           <p:cNvSpPr/>
           <p:nvPr/>
         </p:nvSpPr>
         <p:spPr>
           <a:xfrm>
             <a:off x="686160" y="0"/>
-            <a:ext cx="10968120" cy="1140480"/>
+            <a:ext cx="10967040" cy="1139400"/>
           </a:xfrm>
           <a:prstGeom prst="rect">
             <a:avLst/>
@@ -15266,7 +15543,7 @@
                 <a:latin typeface="Arial"/>
                 <a:ea typeface="Noto Sans CJK SC"/>
               </a:rPr>
-              <a:t>Network - Service</a:t>
+              <a:t>Cronjob</a:t>
             </a:r>
             <a:endParaRPr b="0" lang="en-US" sz="2200" spc="-1" strike="noStrike">
               <a:latin typeface="Arial"/>
@@ -15276,21 +15553,24 @@
       </p:sp>
       <p:sp>
         <p:nvSpPr>
-          <p:cNvPr id="352" name="CustomShape 2"/>
+          <p:cNvPr id="353" name="CustomShape 2"/>
           <p:cNvSpPr/>
           <p:nvPr/>
         </p:nvSpPr>
         <p:spPr>
           <a:xfrm>
-            <a:off x="10515600" y="6202080"/>
-            <a:ext cx="1595520" cy="422640"/>
+            <a:off x="457200" y="1600200"/>
+            <a:ext cx="3883320" cy="910440"/>
           </a:xfrm>
           <a:prstGeom prst="rect">
             <a:avLst/>
           </a:prstGeom>
           <a:noFill/>
-          <a:ln>
-            <a:noFill/>
+          <a:ln cap="rnd" w="6480">
+            <a:solidFill>
+              <a:srgbClr val="5eb91e"/>
+            </a:solidFill>
+            <a:round/>
           </a:ln>
         </p:spPr>
         <p:style>
@@ -15300,6 +15580,66 @@
           <a:fontRef idx="minor"/>
         </p:style>
         <p:txBody>
+          <a:bodyPr lIns="93240" rIns="93240" tIns="48240" bIns="48240">
+            <a:noAutofit/>
+          </a:bodyPr>
+          <a:p>
+            <a:pPr marL="432000" indent="-321840">
+              <a:lnSpc>
+                <a:spcPct val="100000"/>
+              </a:lnSpc>
+              <a:spcBef>
+                <a:spcPts val="1417"/>
+              </a:spcBef>
+              <a:buClr>
+                <a:srgbClr val="000000"/>
+              </a:buClr>
+              <a:buSzPct val="45000"/>
+              <a:buFont typeface="Wingdings" charset="2"/>
+              <a:buChar char=""/>
+            </a:pPr>
+            <a:r>
+              <a:rPr b="0" lang="en-US" sz="1800" spc="-1" strike="noStrike">
+                <a:solidFill>
+                  <a:srgbClr val="3c3e41"/>
+                </a:solidFill>
+                <a:latin typeface="Arial"/>
+                <a:ea typeface="DejaVu Sans"/>
+              </a:rPr>
+              <a:t>Automatic action triggered in every scheduled time</a:t>
+            </a:r>
+            <a:endParaRPr b="0" lang="en-US" sz="1800" spc="-1" strike="noStrike">
+              <a:latin typeface="Arial"/>
+            </a:endParaRPr>
+          </a:p>
+        </p:txBody>
+      </p:sp>
+      <p:sp>
+        <p:nvSpPr>
+          <p:cNvPr id="354" name="CustomShape 3"/>
+          <p:cNvSpPr/>
+          <p:nvPr/>
+        </p:nvSpPr>
+        <p:spPr>
+          <a:xfrm>
+            <a:off x="10515600" y="6202080"/>
+            <a:ext cx="1594440" cy="421560"/>
+          </a:xfrm>
+          <a:prstGeom prst="rect">
+            <a:avLst/>
+          </a:prstGeom>
+          <a:noFill/>
+          <a:ln>
+            <a:noFill/>
+          </a:ln>
+        </p:spPr>
+        <p:style>
+          <a:lnRef idx="0"/>
+          <a:fillRef idx="0"/>
+          <a:effectRef idx="0"/>
+          <a:fontRef idx="minor"/>
+        </p:style>
+        <p:txBody>
           <a:bodyPr lIns="90000" rIns="90000" tIns="45000" bIns="45000">
             <a:noAutofit/>
           </a:bodyPr>
@@ -15309,7 +15649,7 @@
                 <a:spcPct val="100000"/>
               </a:lnSpc>
             </a:pPr>
-            <a:fld id="{11D4AEAD-AF07-4A51-B765-A0072129DD2C}" type="slidenum">
+            <a:fld id="{4718898D-A2EC-4558-AAAE-BBC131994001}" type="slidenum">
               <a:rPr b="0" lang="en-US" sz="1600" spc="-1" strike="noStrike">
                 <a:solidFill>
                   <a:srgbClr val="000000"/>
@@ -15327,7 +15667,7 @@
       </p:sp>
       <p:pic>
         <p:nvPicPr>
-          <p:cNvPr id="353" name="" descr=""/>
+          <p:cNvPr id="355" name="" descr=""/>
           <p:cNvPicPr/>
           <p:nvPr/>
         </p:nvPicPr>
@@ -15337,63 +15677,17 @@
         </p:blipFill>
         <p:spPr>
           <a:xfrm>
-            <a:off x="3434040" y="3972240"/>
-            <a:ext cx="1672560" cy="1967760"/>
-          </a:xfrm>
-          <a:prstGeom prst="rect">
-            <a:avLst/>
-          </a:prstGeom>
-          <a:ln>
+            <a:off x="8056440" y="2057400"/>
+            <a:ext cx="3883320" cy="3654720"/>
+          </a:xfrm>
+          <a:prstGeom prst="rect">
+            <a:avLst/>
+          </a:prstGeom>
+          <a:ln cap="rnd">
             <a:solidFill>
               <a:srgbClr val="3465a4"/>
             </a:solidFill>
-            <a:prstDash val="dot"/>
-          </a:ln>
-        </p:spPr>
-      </p:pic>
-      <p:pic>
-        <p:nvPicPr>
-          <p:cNvPr id="354" name="" descr=""/>
-          <p:cNvPicPr/>
-          <p:nvPr/>
-        </p:nvPicPr>
-        <p:blipFill>
-          <a:blip r:embed="rId2"/>
-          <a:stretch/>
-        </p:blipFill>
-        <p:spPr>
-          <a:xfrm>
-            <a:off x="228600" y="1828800"/>
-            <a:ext cx="3196800" cy="4330080"/>
-          </a:xfrm>
-          <a:prstGeom prst="rect">
-            <a:avLst/>
-          </a:prstGeom>
-          <a:ln>
-            <a:noFill/>
-          </a:ln>
-        </p:spPr>
-      </p:pic>
-      <p:pic>
-        <p:nvPicPr>
-          <p:cNvPr id="355" name="" descr=""/>
-          <p:cNvPicPr/>
-          <p:nvPr/>
-        </p:nvPicPr>
-        <p:blipFill>
-          <a:blip r:embed="rId3"/>
-          <a:stretch/>
-        </p:blipFill>
-        <p:spPr>
-          <a:xfrm>
-            <a:off x="6445080" y="1828800"/>
-            <a:ext cx="3381120" cy="4339800"/>
-          </a:xfrm>
-          <a:prstGeom prst="rect">
-            <a:avLst/>
-          </a:prstGeom>
-          <a:ln>
-            <a:noFill/>
+            <a:prstDash val="sysDot"/>
           </a:ln>
         </p:spPr>
       </p:pic>
@@ -15404,13 +15698,13 @@
           <p:nvPr/>
         </p:nvPicPr>
         <p:blipFill>
-          <a:blip r:embed="rId4"/>
+          <a:blip r:embed="rId2"/>
           <a:stretch/>
         </p:blipFill>
         <p:spPr>
           <a:xfrm>
-            <a:off x="9829800" y="3972240"/>
-            <a:ext cx="1672560" cy="1967760"/>
+            <a:off x="5029200" y="2057400"/>
+            <a:ext cx="2227680" cy="3655080"/>
           </a:xfrm>
           <a:prstGeom prst="rect">
             <a:avLst/>
@@ -15419,7 +15713,7 @@
             <a:solidFill>
               <a:srgbClr val="3465a4"/>
             </a:solidFill>
-            <a:prstDash val="dot"/>
+            <a:prstDash val="sysDot"/>
           </a:ln>
         </p:spPr>
       </p:pic>
@@ -15462,7 +15756,7 @@
         <p:spPr>
           <a:xfrm>
             <a:off x="686160" y="0"/>
-            <a:ext cx="10968120" cy="1140480"/>
+            <a:ext cx="10967040" cy="1139400"/>
           </a:xfrm>
           <a:prstGeom prst="rect">
             <a:avLst/>
@@ -15511,7 +15805,7 @@
                 <a:latin typeface="Arial"/>
                 <a:ea typeface="Noto Sans CJK SC"/>
               </a:rPr>
-              <a:t>Network - Ingress</a:t>
+              <a:t>Network - Service</a:t>
             </a:r>
             <a:endParaRPr b="0" lang="en-US" sz="2200" spc="-1" strike="noStrike">
               <a:latin typeface="Arial"/>
@@ -15527,8 +15821,8 @@
         </p:nvSpPr>
         <p:spPr>
           <a:xfrm>
-            <a:off x="228600" y="1600200"/>
-            <a:ext cx="3655800" cy="1598400"/>
+            <a:off x="457560" y="1371960"/>
+            <a:ext cx="5481360" cy="5253480"/>
           </a:xfrm>
           <a:prstGeom prst="rect">
             <a:avLst/>
@@ -15548,16 +15842,16 @@
           <a:fontRef idx="minor"/>
         </p:style>
         <p:txBody>
-          <a:bodyPr lIns="93240" rIns="93240" tIns="48240" bIns="48240">
+          <a:bodyPr lIns="0" rIns="0" tIns="0" bIns="0">
             <a:noAutofit/>
           </a:bodyPr>
           <a:p>
-            <a:pPr marL="432000" indent="-322920">
+            <a:pPr marL="432000" indent="-321840">
               <a:lnSpc>
                 <a:spcPct val="100000"/>
               </a:lnSpc>
               <a:spcBef>
-                <a:spcPts val="1417"/>
+                <a:spcPts val="1134"/>
               </a:spcBef>
               <a:buClr>
                 <a:srgbClr val="000000"/>
@@ -15574,18 +15868,27 @@
                 <a:latin typeface="Arial"/>
                 <a:ea typeface="DejaVu Sans"/>
               </a:rPr>
-              <a:t>Provide access to application by providing </a:t>
-            </a:r>
-            <a:r>
-              <a:rPr b="0" lang="en-US" sz="1800" spc="-1" strike="noStrike">
-                <a:solidFill>
-                  <a:srgbClr val="c9211e"/>
-                </a:solidFill>
-                <a:latin typeface="Arial"/>
-                <a:ea typeface="DejaVu Sans"/>
-              </a:rPr>
-              <a:t>readable</a:t>
-            </a:r>
+              <a:t>A logical collection of pods</a:t>
+            </a:r>
+            <a:endParaRPr b="0" lang="en-US" sz="1800" spc="-1" strike="noStrike">
+              <a:latin typeface="Arial"/>
+            </a:endParaRPr>
+          </a:p>
+          <a:p>
+            <a:pPr marL="432000" indent="-321840">
+              <a:lnSpc>
+                <a:spcPct val="100000"/>
+              </a:lnSpc>
+              <a:spcBef>
+                <a:spcPts val="1134"/>
+              </a:spcBef>
+              <a:buClr>
+                <a:srgbClr val="000000"/>
+              </a:buClr>
+              <a:buSzPct val="45000"/>
+              <a:buFont typeface="Wingdings" charset="2"/>
+              <a:buChar char=""/>
+            </a:pPr>
             <a:r>
               <a:rPr b="0" lang="en-US" sz="1800" spc="-1" strike="noStrike">
                 <a:solidFill>
@@ -15594,18 +15897,27 @@
                 <a:latin typeface="Arial"/>
                 <a:ea typeface="DejaVu Sans"/>
               </a:rPr>
-              <a:t> human URL with http/</a:t>
-            </a:r>
-            <a:r>
-              <a:rPr b="0" lang="en-US" sz="1800" spc="-1" strike="noStrike">
-                <a:solidFill>
-                  <a:srgbClr val="c9211e"/>
-                </a:solidFill>
-                <a:latin typeface="Arial"/>
-                <a:ea typeface="DejaVu Sans"/>
-              </a:rPr>
-              <a:t>https</a:t>
-            </a:r>
+              <a:t>Roles:</a:t>
+            </a:r>
+            <a:endParaRPr b="0" lang="en-US" sz="1800" spc="-1" strike="noStrike">
+              <a:latin typeface="Arial"/>
+            </a:endParaRPr>
+          </a:p>
+          <a:p>
+            <a:pPr lvl="1" marL="864000" indent="-321840">
+              <a:lnSpc>
+                <a:spcPct val="100000"/>
+              </a:lnSpc>
+              <a:spcBef>
+                <a:spcPts val="1134"/>
+              </a:spcBef>
+              <a:buClr>
+                <a:srgbClr val="000000"/>
+              </a:buClr>
+              <a:buSzPct val="75000"/>
+              <a:buFont typeface="Symbol"/>
+              <a:buChar char=""/>
+            </a:pPr>
             <a:r>
               <a:rPr b="0" lang="en-US" sz="1800" spc="-1" strike="noStrike">
                 <a:solidFill>
@@ -15614,18 +15926,27 @@
                 <a:latin typeface="Arial"/>
                 <a:ea typeface="DejaVu Sans"/>
               </a:rPr>
-              <a:t> protocols and routing </a:t>
-            </a:r>
-            <a:r>
-              <a:rPr b="0" lang="en-US" sz="1800" spc="-1" strike="noStrike">
-                <a:solidFill>
-                  <a:srgbClr val="c9211e"/>
-                </a:solidFill>
-                <a:latin typeface="Arial"/>
-                <a:ea typeface="DejaVu Sans"/>
-              </a:rPr>
-              <a:t>rules</a:t>
-            </a:r>
+              <a:t>Enable network access to pods</a:t>
+            </a:r>
+            <a:endParaRPr b="0" lang="en-US" sz="1800" spc="-1" strike="noStrike">
+              <a:latin typeface="Arial"/>
+            </a:endParaRPr>
+          </a:p>
+          <a:p>
+            <a:pPr lvl="1" marL="864000" indent="-321840">
+              <a:lnSpc>
+                <a:spcPct val="100000"/>
+              </a:lnSpc>
+              <a:spcBef>
+                <a:spcPts val="1134"/>
+              </a:spcBef>
+              <a:buClr>
+                <a:srgbClr val="000000"/>
+              </a:buClr>
+              <a:buSzPct val="75000"/>
+              <a:buFont typeface="Symbol"/>
+              <a:buChar char=""/>
+            </a:pPr>
             <a:r>
               <a:rPr b="0" lang="en-US" sz="1800" spc="-1" strike="noStrike">
                 <a:solidFill>
@@ -15634,7 +15955,181 @@
                 <a:latin typeface="Arial"/>
                 <a:ea typeface="DejaVu Sans"/>
               </a:rPr>
-              <a:t>.</a:t>
+              <a:t>Load balancing</a:t>
+            </a:r>
+            <a:endParaRPr b="0" lang="en-US" sz="1800" spc="-1" strike="noStrike">
+              <a:latin typeface="Arial"/>
+            </a:endParaRPr>
+          </a:p>
+          <a:p>
+            <a:pPr marL="432000" indent="-321840">
+              <a:lnSpc>
+                <a:spcPct val="100000"/>
+              </a:lnSpc>
+              <a:spcBef>
+                <a:spcPts val="1134"/>
+              </a:spcBef>
+              <a:buClr>
+                <a:srgbClr val="000000"/>
+              </a:buClr>
+              <a:buSzPct val="45000"/>
+              <a:buFont typeface="Wingdings" charset="2"/>
+              <a:buChar char=""/>
+            </a:pPr>
+            <a:r>
+              <a:rPr b="0" lang="en-US" sz="1800" spc="-1" strike="noStrike">
+                <a:solidFill>
+                  <a:srgbClr val="3c3e41"/>
+                </a:solidFill>
+                <a:latin typeface="Arial"/>
+                <a:ea typeface="DejaVu Sans"/>
+              </a:rPr>
+              <a:t>Types:</a:t>
+            </a:r>
+            <a:endParaRPr b="0" lang="en-US" sz="1800" spc="-1" strike="noStrike">
+              <a:latin typeface="Arial"/>
+            </a:endParaRPr>
+          </a:p>
+          <a:p>
+            <a:pPr lvl="1" marL="864000" indent="-321840">
+              <a:lnSpc>
+                <a:spcPct val="100000"/>
+              </a:lnSpc>
+              <a:spcBef>
+                <a:spcPts val="1134"/>
+              </a:spcBef>
+              <a:buClr>
+                <a:srgbClr val="000000"/>
+              </a:buClr>
+              <a:buSzPct val="75000"/>
+              <a:buFont typeface="Symbol"/>
+              <a:buChar char=""/>
+            </a:pPr>
+            <a:r>
+              <a:rPr b="0" lang="en-US" sz="1800" spc="-1" strike="noStrike">
+                <a:solidFill>
+                  <a:srgbClr val="3c3e41"/>
+                </a:solidFill>
+                <a:latin typeface="Arial"/>
+                <a:ea typeface="DejaVu Sans"/>
+              </a:rPr>
+              <a:t>ClusterIP: provide internal access inside cluster only</a:t>
+            </a:r>
+            <a:endParaRPr b="0" lang="en-US" sz="1800" spc="-1" strike="noStrike">
+              <a:latin typeface="Arial"/>
+            </a:endParaRPr>
+          </a:p>
+          <a:p>
+            <a:pPr lvl="1" marL="864000" indent="-321840">
+              <a:lnSpc>
+                <a:spcPct val="100000"/>
+              </a:lnSpc>
+              <a:spcBef>
+                <a:spcPts val="1134"/>
+              </a:spcBef>
+              <a:buClr>
+                <a:srgbClr val="000000"/>
+              </a:buClr>
+              <a:buSzPct val="75000"/>
+              <a:buFont typeface="Symbol"/>
+              <a:buChar char=""/>
+            </a:pPr>
+            <a:r>
+              <a:rPr b="0" lang="en-US" sz="1800" spc="-1" strike="noStrike">
+                <a:solidFill>
+                  <a:srgbClr val="3c3e41"/>
+                </a:solidFill>
+                <a:latin typeface="Arial"/>
+                <a:ea typeface="DejaVu Sans"/>
+              </a:rPr>
+              <a:t>NodePort: </a:t>
+            </a:r>
+            <a:endParaRPr b="0" lang="en-US" sz="1800" spc="-1" strike="noStrike">
+              <a:latin typeface="Arial"/>
+            </a:endParaRPr>
+          </a:p>
+          <a:p>
+            <a:pPr lvl="2" marL="1296000" indent="-285840">
+              <a:lnSpc>
+                <a:spcPct val="100000"/>
+              </a:lnSpc>
+              <a:spcBef>
+                <a:spcPts val="1134"/>
+              </a:spcBef>
+              <a:buClr>
+                <a:srgbClr val="000000"/>
+              </a:buClr>
+              <a:buSzPct val="45000"/>
+              <a:buFont typeface="Wingdings" charset="2"/>
+              <a:buChar char=""/>
+            </a:pPr>
+            <a:r>
+              <a:rPr b="0" lang="en-US" sz="1800" spc="-1" strike="noStrike">
+                <a:solidFill>
+                  <a:srgbClr val="3c3e41"/>
+                </a:solidFill>
+                <a:latin typeface="Arial"/>
+                <a:ea typeface="DejaVu Sans"/>
+              </a:rPr>
+              <a:t>Provide an unique fixed cluster node port for external access</a:t>
+            </a:r>
+            <a:endParaRPr b="0" lang="en-US" sz="1800" spc="-1" strike="noStrike">
+              <a:latin typeface="Arial"/>
+            </a:endParaRPr>
+          </a:p>
+          <a:p>
+            <a:pPr lvl="2" marL="1296000" indent="-285840">
+              <a:lnSpc>
+                <a:spcPct val="100000"/>
+              </a:lnSpc>
+              <a:spcBef>
+                <a:spcPts val="1134"/>
+              </a:spcBef>
+              <a:buClr>
+                <a:srgbClr val="000000"/>
+              </a:buClr>
+              <a:buSzPct val="45000"/>
+              <a:buFont typeface="Wingdings" charset="2"/>
+              <a:buChar char=""/>
+            </a:pPr>
+            <a:r>
+              <a:rPr b="0" lang="en-US" sz="1800" spc="-1" strike="noStrike">
+                <a:solidFill>
+                  <a:srgbClr val="3c3e41"/>
+                </a:solidFill>
+                <a:latin typeface="Arial"/>
+                <a:ea typeface="DejaVu Sans"/>
+              </a:rPr>
+              <a:t>Not recommended due to security (expose access to cluster)</a:t>
+            </a:r>
+            <a:endParaRPr b="0" lang="en-US" sz="1800" spc="-1" strike="noStrike">
+              <a:latin typeface="Arial"/>
+            </a:endParaRPr>
+          </a:p>
+          <a:p>
+            <a:pPr lvl="1" marL="864000" indent="-321840">
+              <a:lnSpc>
+                <a:spcPct val="100000"/>
+              </a:lnSpc>
+              <a:spcBef>
+                <a:spcPts val="1134"/>
+              </a:spcBef>
+              <a:buClr>
+                <a:srgbClr val="000000"/>
+              </a:buClr>
+              <a:buSzPct val="75000"/>
+              <a:buFont typeface="Symbol"/>
+              <a:buChar char=""/>
+            </a:pPr>
+            <a:r>
+              <a:rPr b="0" lang="en-US" sz="1800" spc="-1" strike="noStrike">
+                <a:solidFill>
+                  <a:srgbClr val="3c3e41"/>
+                </a:solidFill>
+                <a:latin typeface="Arial"/>
+                <a:ea typeface="DejaVu Sans"/>
+              </a:rPr>
+              <a:t>LoadBalacer: Integrate with cloud providers for external access</a:t>
             </a:r>
             <a:endParaRPr b="0" lang="en-US" sz="1800" spc="-1" strike="noStrike">
               <a:latin typeface="Arial"/>
@@ -15651,7 +16146,7 @@
         <p:spPr>
           <a:xfrm>
             <a:off x="10515600" y="6202080"/>
-            <a:ext cx="1595520" cy="422640"/>
+            <a:ext cx="1594440" cy="421560"/>
           </a:xfrm>
           <a:prstGeom prst="rect">
             <a:avLst/>
@@ -15677,7 +16172,7 @@
                 <a:spcPct val="100000"/>
               </a:lnSpc>
             </a:pPr>
-            <a:fld id="{D62AD1BE-2738-4B2D-AD14-B7A65D254318}" type="slidenum">
+            <a:fld id="{A926D3BD-7AAE-4EB7-AECE-09730B0CDE15}" type="slidenum">
               <a:rPr b="0" lang="en-US" sz="1600" spc="-1" strike="noStrike">
                 <a:solidFill>
                   <a:srgbClr val="000000"/>
@@ -15705,17 +16200,14 @@
         </p:blipFill>
         <p:spPr>
           <a:xfrm>
-            <a:off x="8258400" y="1600200"/>
-            <a:ext cx="3855600" cy="4341600"/>
+            <a:off x="5943600" y="1268640"/>
+            <a:ext cx="3487680" cy="4680720"/>
           </a:xfrm>
           <a:prstGeom prst="rect">
             <a:avLst/>
           </a:prstGeom>
           <a:ln>
-            <a:solidFill>
-              <a:srgbClr val="3465a4"/>
-            </a:solidFill>
-            <a:prstDash val="dot"/>
+            <a:noFill/>
           </a:ln>
         </p:spPr>
       </p:pic>
@@ -15731,17 +16223,18 @@
         </p:blipFill>
         <p:spPr>
           <a:xfrm>
-            <a:off x="4064400" y="1600200"/>
-            <a:ext cx="4074480" cy="4341600"/>
-          </a:xfrm>
-          <a:prstGeom prst="rect">
-            <a:avLst/>
-          </a:prstGeom>
-          <a:ln>
+            <a:off x="9706320" y="1419480"/>
+            <a:ext cx="2404440" cy="4290480"/>
+          </a:xfrm>
+          <a:prstGeom prst="rect">
+            <a:avLst/>
+          </a:prstGeom>
+          <a:ln cap="rnd" w="12600">
             <a:solidFill>
               <a:srgbClr val="3465a4"/>
             </a:solidFill>
-            <a:prstDash val="dot"/>
+            <a:prstDash val="sysDot"/>
+            <a:round/>
           </a:ln>
         </p:spPr>
       </p:pic>
@@ -15784,7 +16277,7 @@
         <p:spPr>
           <a:xfrm>
             <a:off x="686160" y="0"/>
-            <a:ext cx="10968120" cy="1140480"/>
+            <a:ext cx="10967040" cy="1139400"/>
           </a:xfrm>
           <a:prstGeom prst="rect">
             <a:avLst/>
@@ -15826,26 +16319,16 @@
             <a:br/>
             <a:br/>
             <a:r>
-              <a:rPr b="1" lang="en-US" sz="1800" spc="-1" strike="noStrike">
-                <a:solidFill>
-                  <a:srgbClr val="3465a4"/>
-                </a:solidFill>
-                <a:latin typeface="Arial"/>
-                <a:ea typeface="Noto Sans CJK SC"/>
-              </a:rPr>
-              <a:t>Configuration data</a:t>
-            </a:r>
-            <a:r>
-              <a:rPr b="1" lang="en-US" sz="1800" spc="-1" strike="noStrike">
+              <a:rPr b="1" lang="en-US" sz="2200" spc="-1" strike="noStrike">
                 <a:solidFill>
                   <a:srgbClr val="000000"/>
                 </a:solidFill>
                 <a:latin typeface="Arial"/>
                 <a:ea typeface="Noto Sans CJK SC"/>
               </a:rPr>
-              <a:t> - ConfigMap</a:t>
-            </a:r>
-            <a:endParaRPr b="0" lang="en-US" sz="1800" spc="-1" strike="noStrike">
+              <a:t>Network - Service</a:t>
+            </a:r>
+            <a:endParaRPr b="0" lang="en-US" sz="2200" spc="-1" strike="noStrike">
               <a:latin typeface="Arial"/>
             </a:endParaRPr>
           </a:p>
@@ -15859,18 +16342,15 @@
         </p:nvSpPr>
         <p:spPr>
           <a:xfrm>
-            <a:off x="228600" y="1600200"/>
-            <a:ext cx="4797360" cy="2282760"/>
+            <a:off x="10515600" y="6202080"/>
+            <a:ext cx="1594440" cy="421560"/>
           </a:xfrm>
           <a:prstGeom prst="rect">
             <a:avLst/>
           </a:prstGeom>
           <a:noFill/>
-          <a:ln cap="rnd" w="6480">
-            <a:solidFill>
-              <a:srgbClr val="5eb91e"/>
-            </a:solidFill>
-            <a:round/>
+          <a:ln>
+            <a:noFill/>
           </a:ln>
         </p:spPr>
         <p:style>
@@ -15880,202 +16360,6 @@
           <a:fontRef idx="minor"/>
         </p:style>
         <p:txBody>
-          <a:bodyPr lIns="93240" rIns="93240" tIns="48240" bIns="48240">
-            <a:noAutofit/>
-          </a:bodyPr>
-          <a:p>
-            <a:pPr marL="432000" indent="-322920">
-              <a:lnSpc>
-                <a:spcPct val="100000"/>
-              </a:lnSpc>
-              <a:spcBef>
-                <a:spcPts val="1417"/>
-              </a:spcBef>
-              <a:buClr>
-                <a:srgbClr val="000000"/>
-              </a:buClr>
-              <a:buSzPct val="45000"/>
-              <a:buFont typeface="Wingdings" charset="2"/>
-              <a:buChar char=""/>
-            </a:pPr>
-            <a:r>
-              <a:rPr b="0" lang="en-US" sz="1800" spc="-1" strike="noStrike">
-                <a:solidFill>
-                  <a:srgbClr val="3c3e41"/>
-                </a:solidFill>
-                <a:latin typeface="Arial"/>
-                <a:ea typeface="DejaVu Sans"/>
-              </a:rPr>
-              <a:t>Key-value pairs of data</a:t>
-            </a:r>
-            <a:endParaRPr b="0" lang="en-US" sz="1800" spc="-1" strike="noStrike">
-              <a:latin typeface="Arial"/>
-            </a:endParaRPr>
-          </a:p>
-          <a:p>
-            <a:pPr marL="432000" indent="-322920">
-              <a:lnSpc>
-                <a:spcPct val="100000"/>
-              </a:lnSpc>
-              <a:spcBef>
-                <a:spcPts val="1417"/>
-              </a:spcBef>
-              <a:buClr>
-                <a:srgbClr val="000000"/>
-              </a:buClr>
-              <a:buSzPct val="45000"/>
-              <a:buFont typeface="Wingdings" charset="2"/>
-              <a:buChar char=""/>
-            </a:pPr>
-            <a:r>
-              <a:rPr b="0" lang="en-US" sz="1800" spc="-1" strike="noStrike">
-                <a:solidFill>
-                  <a:srgbClr val="3c3e41"/>
-                </a:solidFill>
-                <a:latin typeface="Arial"/>
-                <a:ea typeface="DejaVu Sans"/>
-              </a:rPr>
-              <a:t>Manage pods configuration data</a:t>
-            </a:r>
-            <a:endParaRPr b="0" lang="en-US" sz="1800" spc="-1" strike="noStrike">
-              <a:latin typeface="Arial"/>
-            </a:endParaRPr>
-          </a:p>
-          <a:p>
-            <a:pPr lvl="1" marL="864000" indent="-322920">
-              <a:lnSpc>
-                <a:spcPct val="100000"/>
-              </a:lnSpc>
-              <a:spcBef>
-                <a:spcPts val="1134"/>
-              </a:spcBef>
-              <a:buClr>
-                <a:srgbClr val="000000"/>
-              </a:buClr>
-              <a:buSzPct val="75000"/>
-              <a:buFont typeface="Symbol"/>
-              <a:buChar char=""/>
-            </a:pPr>
-            <a:r>
-              <a:rPr b="0" lang="en-US" sz="1800" spc="-1" strike="noStrike">
-                <a:solidFill>
-                  <a:srgbClr val="3c3e41"/>
-                </a:solidFill>
-                <a:latin typeface="Arial"/>
-                <a:ea typeface="DejaVu Sans"/>
-              </a:rPr>
-              <a:t>Environment variables</a:t>
-            </a:r>
-            <a:endParaRPr b="0" lang="en-US" sz="1800" spc="-1" strike="noStrike">
-              <a:latin typeface="Arial"/>
-            </a:endParaRPr>
-          </a:p>
-          <a:p>
-            <a:pPr lvl="1" marL="864000" indent="-322920">
-              <a:lnSpc>
-                <a:spcPct val="100000"/>
-              </a:lnSpc>
-              <a:spcBef>
-                <a:spcPts val="1134"/>
-              </a:spcBef>
-              <a:buClr>
-                <a:srgbClr val="000000"/>
-              </a:buClr>
-              <a:buSzPct val="75000"/>
-              <a:buFont typeface="Symbol"/>
-              <a:buChar char=""/>
-            </a:pPr>
-            <a:r>
-              <a:rPr b="0" lang="en-US" sz="1800" spc="-1" strike="noStrike">
-                <a:solidFill>
-                  <a:srgbClr val="3c3e41"/>
-                </a:solidFill>
-                <a:latin typeface="Arial"/>
-                <a:ea typeface="DejaVu Sans"/>
-              </a:rPr>
-              <a:t>Configuration files</a:t>
-            </a:r>
-            <a:endParaRPr b="0" lang="en-US" sz="1800" spc="-1" strike="noStrike">
-              <a:latin typeface="Arial"/>
-            </a:endParaRPr>
-          </a:p>
-          <a:p>
-            <a:pPr marL="432000" indent="-322920">
-              <a:lnSpc>
-                <a:spcPct val="100000"/>
-              </a:lnSpc>
-              <a:spcBef>
-                <a:spcPts val="1417"/>
-              </a:spcBef>
-              <a:buClr>
-                <a:srgbClr val="000000"/>
-              </a:buClr>
-              <a:buSzPct val="45000"/>
-              <a:buFont typeface="Wingdings" charset="2"/>
-              <a:buChar char=""/>
-            </a:pPr>
-            <a:r>
-              <a:rPr b="0" lang="en-US" sz="1800" spc="-1" strike="noStrike">
-                <a:solidFill>
-                  <a:srgbClr val="3c3e41"/>
-                </a:solidFill>
-                <a:latin typeface="Arial"/>
-                <a:ea typeface="DejaVu Sans"/>
-              </a:rPr>
-              <a:t>Used for </a:t>
-            </a:r>
-            <a:r>
-              <a:rPr b="0" lang="en-US" sz="1800" spc="-1" strike="noStrike">
-                <a:solidFill>
-                  <a:srgbClr val="c9211e"/>
-                </a:solidFill>
-                <a:latin typeface="Arial"/>
-                <a:ea typeface="DejaVu Sans"/>
-              </a:rPr>
-              <a:t>non-sensitive</a:t>
-            </a:r>
-            <a:r>
-              <a:rPr b="0" lang="en-US" sz="1800" spc="-1" strike="noStrike">
-                <a:solidFill>
-                  <a:srgbClr val="3c3e41"/>
-                </a:solidFill>
-                <a:latin typeface="Arial"/>
-                <a:ea typeface="DejaVu Sans"/>
-              </a:rPr>
-              <a:t> data (plain text)</a:t>
-            </a:r>
-            <a:endParaRPr b="0" lang="en-US" sz="1800" spc="-1" strike="noStrike">
-              <a:latin typeface="Arial"/>
-            </a:endParaRPr>
-          </a:p>
-        </p:txBody>
-      </p:sp>
-      <p:sp>
-        <p:nvSpPr>
-          <p:cNvPr id="364" name="CustomShape 3"/>
-          <p:cNvSpPr/>
-          <p:nvPr/>
-        </p:nvSpPr>
-        <p:spPr>
-          <a:xfrm>
-            <a:off x="10515600" y="6202080"/>
-            <a:ext cx="1595520" cy="422640"/>
-          </a:xfrm>
-          <a:prstGeom prst="rect">
-            <a:avLst/>
-          </a:prstGeom>
-          <a:noFill/>
-          <a:ln>
-            <a:noFill/>
-          </a:ln>
-        </p:spPr>
-        <p:style>
-          <a:lnRef idx="0"/>
-          <a:fillRef idx="0"/>
-          <a:effectRef idx="0"/>
-          <a:fontRef idx="minor"/>
-        </p:style>
-        <p:txBody>
           <a:bodyPr lIns="90000" rIns="90000" tIns="45000" bIns="45000">
             <a:noAutofit/>
           </a:bodyPr>
@@ -16085,7 +16369,7 @@
                 <a:spcPct val="100000"/>
               </a:lnSpc>
             </a:pPr>
-            <a:fld id="{9964A79C-D02C-45F3-A485-08D03312A454}" type="slidenum">
+            <a:fld id="{3AD5A1B8-7151-4AF6-AA49-7C5D26511B5C}" type="slidenum">
               <a:rPr b="0" lang="en-US" sz="1600" spc="-1" strike="noStrike">
                 <a:solidFill>
                   <a:srgbClr val="000000"/>
@@ -16101,6 +16385,32 @@
           </a:p>
         </p:txBody>
       </p:sp>
+      <p:pic>
+        <p:nvPicPr>
+          <p:cNvPr id="364" name="" descr=""/>
+          <p:cNvPicPr/>
+          <p:nvPr/>
+        </p:nvPicPr>
+        <p:blipFill>
+          <a:blip r:embed="rId1"/>
+          <a:stretch/>
+        </p:blipFill>
+        <p:spPr>
+          <a:xfrm>
+            <a:off x="3434040" y="3972240"/>
+            <a:ext cx="1671480" cy="1966680"/>
+          </a:xfrm>
+          <a:prstGeom prst="rect">
+            <a:avLst/>
+          </a:prstGeom>
+          <a:ln>
+            <a:solidFill>
+              <a:srgbClr val="3465a4"/>
+            </a:solidFill>
+            <a:prstDash val="dot"/>
+          </a:ln>
+        </p:spPr>
+      </p:pic>
       <p:pic>
         <p:nvPicPr>
           <p:cNvPr id="365" name="" descr=""/>
@@ -16108,13 +16418,13 @@
           <p:nvPr/>
         </p:nvPicPr>
         <p:blipFill>
-          <a:blip r:embed="rId1"/>
+          <a:blip r:embed="rId2"/>
           <a:stretch/>
         </p:blipFill>
         <p:spPr>
           <a:xfrm>
-            <a:off x="228600" y="4114800"/>
-            <a:ext cx="2949120" cy="1987200"/>
+            <a:off x="228600" y="1828800"/>
+            <a:ext cx="3195720" cy="4329000"/>
           </a:xfrm>
           <a:prstGeom prst="rect">
             <a:avLst/>
@@ -16131,22 +16441,19 @@
           <p:nvPr/>
         </p:nvPicPr>
         <p:blipFill>
-          <a:blip r:embed="rId2"/>
+          <a:blip r:embed="rId3"/>
           <a:stretch/>
         </p:blipFill>
         <p:spPr>
           <a:xfrm>
-            <a:off x="6629400" y="1771920"/>
-            <a:ext cx="2158560" cy="1425240"/>
+            <a:off x="6445080" y="1828800"/>
+            <a:ext cx="3380040" cy="4338720"/>
           </a:xfrm>
           <a:prstGeom prst="rect">
             <a:avLst/>
           </a:prstGeom>
           <a:ln>
-            <a:solidFill>
-              <a:srgbClr val="3465a4"/>
-            </a:solidFill>
-            <a:prstDash val="dot"/>
+            <a:noFill/>
           </a:ln>
         </p:spPr>
       </p:pic>
@@ -16157,13 +16464,13 @@
           <p:nvPr/>
         </p:nvPicPr>
         <p:blipFill>
-          <a:blip r:embed="rId3"/>
+          <a:blip r:embed="rId4"/>
           <a:stretch/>
         </p:blipFill>
         <p:spPr>
           <a:xfrm>
-            <a:off x="9258480" y="1828800"/>
-            <a:ext cx="1940760" cy="3826440"/>
+            <a:off x="9829800" y="3972240"/>
+            <a:ext cx="1671480" cy="1966680"/>
           </a:xfrm>
           <a:prstGeom prst="rect">
             <a:avLst/>
@@ -16172,7 +16479,7 @@
             <a:solidFill>
               <a:srgbClr val="3465a4"/>
             </a:solidFill>
-            <a:prstDash val="sysDot"/>
+            <a:prstDash val="dot"/>
           </a:ln>
         </p:spPr>
       </p:pic>
@@ -16215,7 +16522,7 @@
         <p:spPr>
           <a:xfrm>
             <a:off x="838080" y="405360"/>
-            <a:ext cx="10287360" cy="532800"/>
+            <a:ext cx="10286280" cy="531720"/>
           </a:xfrm>
           <a:prstGeom prst="rect">
             <a:avLst/>
@@ -16266,7 +16573,7 @@
         <p:spPr>
           <a:xfrm>
             <a:off x="838440" y="2012040"/>
-            <a:ext cx="5034240" cy="3651840"/>
+            <a:ext cx="5033160" cy="3650760"/>
           </a:xfrm>
           <a:prstGeom prst="rect">
             <a:avLst/>
@@ -16287,7 +16594,7 @@
             <a:noAutofit/>
           </a:bodyPr>
           <a:p>
-            <a:pPr marL="228600" indent="-227520">
+            <a:pPr marL="228600" indent="-226440">
               <a:lnSpc>
                 <a:spcPct val="90000"/>
               </a:lnSpc>
@@ -16325,7 +16632,7 @@
         <p:spPr>
           <a:xfrm>
             <a:off x="838080" y="1399680"/>
-            <a:ext cx="5034240" cy="479880"/>
+            <a:ext cx="5033160" cy="478800"/>
           </a:xfrm>
           <a:prstGeom prst="rect">
             <a:avLst/>
@@ -16382,7 +16689,7 @@
         <p:spPr>
           <a:xfrm>
             <a:off x="6240960" y="1399680"/>
-            <a:ext cx="5034240" cy="479880"/>
+            <a:ext cx="5033160" cy="478800"/>
           </a:xfrm>
           <a:prstGeom prst="rect">
             <a:avLst/>
@@ -16439,7 +16746,7 @@
         <p:spPr>
           <a:xfrm>
             <a:off x="6240960" y="2021400"/>
-            <a:ext cx="5869800" cy="1296720"/>
+            <a:ext cx="5868720" cy="1295640"/>
           </a:xfrm>
           <a:prstGeom prst="rect">
             <a:avLst/>
@@ -16460,7 +16767,7 @@
             <a:noAutofit/>
           </a:bodyPr>
           <a:p>
-            <a:pPr marL="228600" indent="-227520">
+            <a:pPr marL="228600" indent="-226440">
               <a:lnSpc>
                 <a:spcPct val="90000"/>
               </a:lnSpc>
@@ -16488,7 +16795,7 @@
             </a:endParaRPr>
           </a:p>
           <a:p>
-            <a:pPr marL="228600" indent="-227520">
+            <a:pPr marL="228600" indent="-226440">
               <a:lnSpc>
                 <a:spcPct val="90000"/>
               </a:lnSpc>
@@ -16556,7 +16863,7 @@
         <p:spPr>
           <a:xfrm>
             <a:off x="686160" y="0"/>
-            <a:ext cx="10968120" cy="1140480"/>
+            <a:ext cx="10967040" cy="1139400"/>
           </a:xfrm>
           <a:prstGeom prst="rect">
             <a:avLst/>
@@ -16598,26 +16905,16 @@
             <a:br/>
             <a:br/>
             <a:r>
-              <a:rPr b="1" lang="en-US" sz="1800" spc="-1" strike="noStrike">
-                <a:solidFill>
-                  <a:srgbClr val="3465a4"/>
-                </a:solidFill>
-                <a:latin typeface="Arial"/>
-                <a:ea typeface="Noto Sans CJK SC"/>
-              </a:rPr>
-              <a:t>Configuration data</a:t>
-            </a:r>
-            <a:r>
-              <a:rPr b="1" lang="en-US" sz="1800" spc="-1" strike="noStrike">
+              <a:rPr b="1" lang="en-US" sz="2200" spc="-1" strike="noStrike">
                 <a:solidFill>
                   <a:srgbClr val="000000"/>
                 </a:solidFill>
                 <a:latin typeface="Arial"/>
                 <a:ea typeface="Noto Sans CJK SC"/>
               </a:rPr>
-              <a:t> - Secret</a:t>
-            </a:r>
-            <a:endParaRPr b="0" lang="en-US" sz="1800" spc="-1" strike="noStrike">
+              <a:t>Network - Ingress</a:t>
+            </a:r>
+            <a:endParaRPr b="0" lang="en-US" sz="2200" spc="-1" strike="noStrike">
               <a:latin typeface="Arial"/>
             </a:endParaRPr>
           </a:p>
@@ -16632,7 +16929,7 @@
         <p:spPr>
           <a:xfrm>
             <a:off x="228600" y="1600200"/>
-            <a:ext cx="5025960" cy="2511360"/>
+            <a:ext cx="3654720" cy="1597320"/>
           </a:xfrm>
           <a:prstGeom prst="rect">
             <a:avLst/>
@@ -16656,7 +16953,7 @@
             <a:noAutofit/>
           </a:bodyPr>
           <a:p>
-            <a:pPr marL="432000" indent="-322920">
+            <a:pPr marL="432000" indent="-321840">
               <a:lnSpc>
                 <a:spcPct val="100000"/>
               </a:lnSpc>
@@ -16678,27 +16975,18 @@
                 <a:latin typeface="Arial"/>
                 <a:ea typeface="DejaVu Sans"/>
               </a:rPr>
-              <a:t>Key-value pairs of data</a:t>
-            </a:r>
-            <a:endParaRPr b="0" lang="en-US" sz="1800" spc="-1" strike="noStrike">
-              <a:latin typeface="Arial"/>
-            </a:endParaRPr>
-          </a:p>
-          <a:p>
-            <a:pPr marL="432000" indent="-322920">
-              <a:lnSpc>
-                <a:spcPct val="100000"/>
-              </a:lnSpc>
-              <a:spcBef>
-                <a:spcPts val="1417"/>
-              </a:spcBef>
-              <a:buClr>
-                <a:srgbClr val="000000"/>
-              </a:buClr>
-              <a:buSzPct val="45000"/>
-              <a:buFont typeface="Wingdings" charset="2"/>
-              <a:buChar char=""/>
-            </a:pPr>
+              <a:t>Provide access to application by providing </a:t>
+            </a:r>
+            <a:r>
+              <a:rPr b="0" lang="en-US" sz="1800" spc="-1" strike="noStrike">
+                <a:solidFill>
+                  <a:srgbClr val="c9211e"/>
+                </a:solidFill>
+                <a:latin typeface="Arial"/>
+                <a:ea typeface="DejaVu Sans"/>
+              </a:rPr>
+              <a:t>readable</a:t>
+            </a:r>
             <a:r>
               <a:rPr b="0" lang="en-US" sz="1800" spc="-1" strike="noStrike">
                 <a:solidFill>
@@ -16707,27 +16995,18 @@
                 <a:latin typeface="Arial"/>
                 <a:ea typeface="DejaVu Sans"/>
               </a:rPr>
-              <a:t>Manage pods configuration data</a:t>
-            </a:r>
-            <a:endParaRPr b="0" lang="en-US" sz="1800" spc="-1" strike="noStrike">
-              <a:latin typeface="Arial"/>
-            </a:endParaRPr>
-          </a:p>
-          <a:p>
-            <a:pPr lvl="1" marL="864000" indent="-322920">
-              <a:lnSpc>
-                <a:spcPct val="100000"/>
-              </a:lnSpc>
-              <a:spcBef>
-                <a:spcPts val="1134"/>
-              </a:spcBef>
-              <a:buClr>
-                <a:srgbClr val="000000"/>
-              </a:buClr>
-              <a:buSzPct val="75000"/>
-              <a:buFont typeface="Symbol"/>
-              <a:buChar char=""/>
-            </a:pPr>
+              <a:t> human URL with http/</a:t>
+            </a:r>
+            <a:r>
+              <a:rPr b="0" lang="en-US" sz="1800" spc="-1" strike="noStrike">
+                <a:solidFill>
+                  <a:srgbClr val="c9211e"/>
+                </a:solidFill>
+                <a:latin typeface="Arial"/>
+                <a:ea typeface="DejaVu Sans"/>
+              </a:rPr>
+              <a:t>https</a:t>
+            </a:r>
             <a:r>
               <a:rPr b="0" lang="en-US" sz="1800" spc="-1" strike="noStrike">
                 <a:solidFill>
@@ -16736,27 +17015,18 @@
                 <a:latin typeface="Arial"/>
                 <a:ea typeface="DejaVu Sans"/>
               </a:rPr>
-              <a:t>Environment variables</a:t>
-            </a:r>
-            <a:endParaRPr b="0" lang="en-US" sz="1800" spc="-1" strike="noStrike">
-              <a:latin typeface="Arial"/>
-            </a:endParaRPr>
-          </a:p>
-          <a:p>
-            <a:pPr lvl="1" marL="864000" indent="-322920">
-              <a:lnSpc>
-                <a:spcPct val="100000"/>
-              </a:lnSpc>
-              <a:spcBef>
-                <a:spcPts val="1134"/>
-              </a:spcBef>
-              <a:buClr>
-                <a:srgbClr val="000000"/>
-              </a:buClr>
-              <a:buSzPct val="75000"/>
-              <a:buFont typeface="Symbol"/>
-              <a:buChar char=""/>
-            </a:pPr>
+              <a:t> protocols and routing </a:t>
+            </a:r>
+            <a:r>
+              <a:rPr b="0" lang="en-US" sz="1800" spc="-1" strike="noStrike">
+                <a:solidFill>
+                  <a:srgbClr val="c9211e"/>
+                </a:solidFill>
+                <a:latin typeface="Arial"/>
+                <a:ea typeface="DejaVu Sans"/>
+              </a:rPr>
+              <a:t>rules</a:t>
+            </a:r>
             <a:r>
               <a:rPr b="0" lang="en-US" sz="1800" spc="-1" strike="noStrike">
                 <a:solidFill>
@@ -16765,56 +17035,7 @@
                 <a:latin typeface="Arial"/>
                 <a:ea typeface="DejaVu Sans"/>
               </a:rPr>
-              <a:t>Secret files</a:t>
-            </a:r>
-            <a:endParaRPr b="0" lang="en-US" sz="1800" spc="-1" strike="noStrike">
-              <a:latin typeface="Arial"/>
-            </a:endParaRPr>
-          </a:p>
-          <a:p>
-            <a:pPr marL="432000" indent="-322920">
-              <a:lnSpc>
-                <a:spcPct val="100000"/>
-              </a:lnSpc>
-              <a:spcBef>
-                <a:spcPts val="1417"/>
-              </a:spcBef>
-              <a:buClr>
-                <a:srgbClr val="000000"/>
-              </a:buClr>
-              <a:buSzPct val="45000"/>
-              <a:buFont typeface="Wingdings" charset="2"/>
-              <a:buChar char=""/>
-            </a:pPr>
-            <a:r>
-              <a:rPr b="0" lang="en-US" sz="1800" spc="-1" strike="noStrike">
-                <a:solidFill>
-                  <a:srgbClr val="3c3e41"/>
-                </a:solidFill>
-                <a:latin typeface="Arial"/>
-                <a:ea typeface="DejaVu Sans"/>
-              </a:rPr>
-              <a:t>Used for </a:t>
-            </a:r>
-            <a:r>
-              <a:rPr b="0" lang="en-US" sz="1800" spc="-1" strike="noStrike">
-                <a:solidFill>
-                  <a:srgbClr val="c9211e"/>
-                </a:solidFill>
-                <a:latin typeface="Arial"/>
-                <a:ea typeface="DejaVu Sans"/>
-              </a:rPr>
-              <a:t>sensitive</a:t>
-            </a:r>
-            <a:r>
-              <a:rPr b="0" lang="en-US" sz="1800" spc="-1" strike="noStrike">
-                <a:solidFill>
-                  <a:srgbClr val="3c3e41"/>
-                </a:solidFill>
-                <a:latin typeface="Arial"/>
-                <a:ea typeface="DejaVu Sans"/>
-              </a:rPr>
-              <a:t> data (base64–encoded)</a:t>
+              <a:t>.</a:t>
             </a:r>
             <a:endParaRPr b="0" lang="en-US" sz="1800" spc="-1" strike="noStrike">
               <a:latin typeface="Arial"/>
@@ -16831,7 +17052,7 @@
         <p:spPr>
           <a:xfrm>
             <a:off x="10515600" y="6202080"/>
-            <a:ext cx="1595520" cy="422640"/>
+            <a:ext cx="1594440" cy="421560"/>
           </a:xfrm>
           <a:prstGeom prst="rect">
             <a:avLst/>
@@ -16857,7 +17078,7 @@
                 <a:spcPct val="100000"/>
               </a:lnSpc>
             </a:pPr>
-            <a:fld id="{487A91FC-E0ED-442D-A85D-C49DF4C1BB40}" type="slidenum">
+            <a:fld id="{0BD58F72-36F3-4DF2-B937-D23BBF431972}" type="slidenum">
               <a:rPr b="0" lang="en-US" sz="1600" spc="-1" strike="noStrike">
                 <a:solidFill>
                   <a:srgbClr val="000000"/>
@@ -16885,8 +17106,8 @@
         </p:blipFill>
         <p:spPr>
           <a:xfrm>
-            <a:off x="6858000" y="1595520"/>
-            <a:ext cx="1939680" cy="1177560"/>
+            <a:off x="8258400" y="1600200"/>
+            <a:ext cx="3854520" cy="4340520"/>
           </a:xfrm>
           <a:prstGeom prst="rect">
             <a:avLst/>
@@ -16911,40 +17132,17 @@
         </p:blipFill>
         <p:spPr>
           <a:xfrm>
-            <a:off x="486000" y="4343400"/>
-            <a:ext cx="2482560" cy="1987200"/>
+            <a:off x="4064400" y="1600200"/>
+            <a:ext cx="4073400" cy="4340520"/>
           </a:xfrm>
           <a:prstGeom prst="rect">
             <a:avLst/>
           </a:prstGeom>
           <a:ln>
-            <a:noFill/>
-          </a:ln>
-        </p:spPr>
-      </p:pic>
-      <p:pic>
-        <p:nvPicPr>
-          <p:cNvPr id="373" name="" descr=""/>
-          <p:cNvPicPr/>
-          <p:nvPr/>
-        </p:nvPicPr>
-        <p:blipFill>
-          <a:blip r:embed="rId3"/>
-          <a:stretch/>
-        </p:blipFill>
-        <p:spPr>
-          <a:xfrm>
-            <a:off x="9372600" y="1600200"/>
-            <a:ext cx="1940760" cy="4045680"/>
-          </a:xfrm>
-          <a:prstGeom prst="rect">
-            <a:avLst/>
-          </a:prstGeom>
-          <a:ln cap="rnd">
             <a:solidFill>
               <a:srgbClr val="3465a4"/>
             </a:solidFill>
-            <a:prstDash val="sysDot"/>
+            <a:prstDash val="dot"/>
           </a:ln>
         </p:spPr>
       </p:pic>
@@ -16980,14 +17178,14 @@
       </p:grpSpPr>
       <p:sp>
         <p:nvSpPr>
-          <p:cNvPr id="374" name="CustomShape 1"/>
+          <p:cNvPr id="373" name="CustomShape 1"/>
           <p:cNvSpPr/>
           <p:nvPr/>
         </p:nvSpPr>
         <p:spPr>
           <a:xfrm>
             <a:off x="686160" y="0"/>
-            <a:ext cx="10968120" cy="1140480"/>
+            <a:ext cx="10967040" cy="1139400"/>
           </a:xfrm>
           <a:prstGeom prst="rect">
             <a:avLst/>
@@ -17036,7 +17234,17 @@
                 <a:latin typeface="Arial"/>
                 <a:ea typeface="Noto Sans CJK SC"/>
               </a:rPr>
-              <a:t>Persistent Storage – Persistent Volume, Persistent Volume Claim</a:t>
+              <a:t>Configuration data</a:t>
+            </a:r>
+            <a:r>
+              <a:rPr b="1" lang="en-US" sz="1800" spc="-1" strike="noStrike">
+                <a:solidFill>
+                  <a:srgbClr val="000000"/>
+                </a:solidFill>
+                <a:latin typeface="Arial"/>
+                <a:ea typeface="Noto Sans CJK SC"/>
+              </a:rPr>
+              <a:t> - ConfigMap</a:t>
             </a:r>
             <a:endParaRPr b="0" lang="en-US" sz="1800" spc="-1" strike="noStrike">
               <a:latin typeface="Arial"/>
@@ -17046,14 +17254,14 @@
       </p:sp>
       <p:sp>
         <p:nvSpPr>
-          <p:cNvPr id="375" name="CustomShape 2"/>
+          <p:cNvPr id="374" name="CustomShape 2"/>
           <p:cNvSpPr/>
           <p:nvPr/>
         </p:nvSpPr>
         <p:spPr>
           <a:xfrm>
-            <a:off x="-228600" y="1371600"/>
-            <a:ext cx="4112280" cy="5026680"/>
+            <a:off x="228600" y="1600200"/>
+            <a:ext cx="4796280" cy="2281680"/>
           </a:xfrm>
           <a:prstGeom prst="rect">
             <a:avLst/>
@@ -17077,7 +17285,7 @@
             <a:noAutofit/>
           </a:bodyPr>
           <a:p>
-            <a:pPr marL="432000" indent="-322920">
+            <a:pPr marL="432000" indent="-321840">
               <a:lnSpc>
                 <a:spcPct val="100000"/>
               </a:lnSpc>
@@ -17099,14 +17307,43 @@
                 <a:latin typeface="Arial"/>
                 <a:ea typeface="DejaVu Sans"/>
               </a:rPr>
-              <a:t>Persistent volume:</a:t>
+              <a:t>Key-value pairs of data</a:t>
             </a:r>
             <a:endParaRPr b="0" lang="en-US" sz="1800" spc="-1" strike="noStrike">
               <a:latin typeface="Arial"/>
             </a:endParaRPr>
           </a:p>
           <a:p>
-            <a:pPr lvl="1" marL="864000" indent="-322920">
+            <a:pPr marL="432000" indent="-321840">
+              <a:lnSpc>
+                <a:spcPct val="100000"/>
+              </a:lnSpc>
+              <a:spcBef>
+                <a:spcPts val="1417"/>
+              </a:spcBef>
+              <a:buClr>
+                <a:srgbClr val="000000"/>
+              </a:buClr>
+              <a:buSzPct val="45000"/>
+              <a:buFont typeface="Wingdings" charset="2"/>
+              <a:buChar char=""/>
+            </a:pPr>
+            <a:r>
+              <a:rPr b="0" lang="en-US" sz="1800" spc="-1" strike="noStrike">
+                <a:solidFill>
+                  <a:srgbClr val="3c3e41"/>
+                </a:solidFill>
+                <a:latin typeface="Arial"/>
+                <a:ea typeface="DejaVu Sans"/>
+              </a:rPr>
+              <a:t>Manage pods configuration data</a:t>
+            </a:r>
+            <a:endParaRPr b="0" lang="en-US" sz="1800" spc="-1" strike="noStrike">
+              <a:latin typeface="Arial"/>
+            </a:endParaRPr>
+          </a:p>
+          <a:p>
+            <a:pPr lvl="1" marL="864000" indent="-321840">
               <a:lnSpc>
                 <a:spcPct val="100000"/>
               </a:lnSpc>
@@ -17123,29 +17360,19 @@
             <a:r>
               <a:rPr b="0" lang="en-US" sz="1800" spc="-1" strike="noStrike">
                 <a:solidFill>
-                  <a:srgbClr val="c9211e"/>
-                </a:solidFill>
-                <a:latin typeface="Arial"/>
-                <a:ea typeface="DejaVu Sans"/>
-              </a:rPr>
-              <a:t>Static</a:t>
-            </a:r>
-            <a:r>
-              <a:rPr b="0" lang="en-US" sz="1800" spc="-1" strike="noStrike">
-                <a:solidFill>
                   <a:srgbClr val="3c3e41"/>
                 </a:solidFill>
                 <a:latin typeface="Arial"/>
                 <a:ea typeface="DejaVu Sans"/>
               </a:rPr>
-              <a:t> storage allocated in a cluster</a:t>
+              <a:t>Environment variables</a:t>
             </a:r>
             <a:endParaRPr b="0" lang="en-US" sz="1800" spc="-1" strike="noStrike">
               <a:latin typeface="Arial"/>
             </a:endParaRPr>
           </a:p>
           <a:p>
-            <a:pPr lvl="1" marL="864000" indent="-322920">
+            <a:pPr lvl="1" marL="864000" indent="-321840">
               <a:lnSpc>
                 <a:spcPct val="100000"/>
               </a:lnSpc>
@@ -17167,43 +17394,14 @@
                 <a:latin typeface="Arial"/>
                 <a:ea typeface="DejaVu Sans"/>
               </a:rPr>
-              <a:t>Independent from pod’s lifecycle</a:t>
+              <a:t>Configuration files</a:t>
             </a:r>
             <a:endParaRPr b="0" lang="en-US" sz="1800" spc="-1" strike="noStrike">
               <a:latin typeface="Arial"/>
             </a:endParaRPr>
           </a:p>
           <a:p>
-            <a:pPr lvl="1" marL="864000" indent="-322920">
-              <a:lnSpc>
-                <a:spcPct val="100000"/>
-              </a:lnSpc>
-              <a:spcBef>
-                <a:spcPts val="1134"/>
-              </a:spcBef>
-              <a:buClr>
-                <a:srgbClr val="000000"/>
-              </a:buClr>
-              <a:buSzPct val="75000"/>
-              <a:buFont typeface="Symbol"/>
-              <a:buChar char=""/>
-            </a:pPr>
-            <a:r>
-              <a:rPr b="0" lang="en-US" sz="1800" spc="-1" strike="noStrike">
-                <a:solidFill>
-                  <a:srgbClr val="3c3e41"/>
-                </a:solidFill>
-                <a:latin typeface="Arial"/>
-                <a:ea typeface="DejaVu Sans"/>
-              </a:rPr>
-              <a:t>Provisioned by cluster admin</a:t>
-            </a:r>
-            <a:endParaRPr b="0" lang="en-US" sz="1800" spc="-1" strike="noStrike">
-              <a:latin typeface="Arial"/>
-            </a:endParaRPr>
-          </a:p>
-          <a:p>
-            <a:pPr marL="432000" indent="-322920">
+            <a:pPr marL="432000" indent="-321840">
               <a:lnSpc>
                 <a:spcPct val="100000"/>
               </a:lnSpc>
@@ -17225,27 +17423,18 @@
                 <a:latin typeface="Arial"/>
                 <a:ea typeface="DejaVu Sans"/>
               </a:rPr>
-              <a:t>Persistent volume claim:</a:t>
-            </a:r>
-            <a:endParaRPr b="0" lang="en-US" sz="1800" spc="-1" strike="noStrike">
-              <a:latin typeface="Arial"/>
-            </a:endParaRPr>
-          </a:p>
-          <a:p>
-            <a:pPr lvl="1" marL="864000" indent="-322920">
-              <a:lnSpc>
-                <a:spcPct val="100000"/>
-              </a:lnSpc>
-              <a:spcBef>
-                <a:spcPts val="1134"/>
-              </a:spcBef>
-              <a:buClr>
-                <a:srgbClr val="000000"/>
-              </a:buClr>
-              <a:buSzPct val="75000"/>
-              <a:buFont typeface="Symbol"/>
-              <a:buChar char=""/>
-            </a:pPr>
+              <a:t>Used for </a:t>
+            </a:r>
+            <a:r>
+              <a:rPr b="0" lang="en-US" sz="1800" spc="-1" strike="noStrike">
+                <a:solidFill>
+                  <a:srgbClr val="c9211e"/>
+                </a:solidFill>
+                <a:latin typeface="Arial"/>
+                <a:ea typeface="DejaVu Sans"/>
+              </a:rPr>
+              <a:t>non-sensitive</a:t>
+            </a:r>
             <a:r>
               <a:rPr b="0" lang="en-US" sz="1800" spc="-1" strike="noStrike">
                 <a:solidFill>
@@ -17254,82 +17443,24 @@
                 <a:latin typeface="Arial"/>
                 <a:ea typeface="DejaVu Sans"/>
               </a:rPr>
-              <a:t>Dynamic storage request</a:t>
+              <a:t> data (plain text)</a:t>
             </a:r>
             <a:endParaRPr b="0" lang="en-US" sz="1800" spc="-1" strike="noStrike">
               <a:latin typeface="Arial"/>
             </a:endParaRPr>
           </a:p>
-          <a:p>
-            <a:pPr lvl="1" marL="864000" indent="-322920">
-              <a:lnSpc>
-                <a:spcPct val="100000"/>
-              </a:lnSpc>
-              <a:spcBef>
-                <a:spcPts val="1134"/>
-              </a:spcBef>
-              <a:buClr>
-                <a:srgbClr val="000000"/>
-              </a:buClr>
-              <a:buSzPct val="75000"/>
-              <a:buFont typeface="Symbol"/>
-              <a:buChar char=""/>
-            </a:pPr>
-            <a:r>
-              <a:rPr b="0" lang="en-US" sz="1800" spc="-1" strike="noStrike">
-                <a:solidFill>
-                  <a:srgbClr val="3c3e41"/>
-                </a:solidFill>
-                <a:latin typeface="Arial"/>
-                <a:ea typeface="DejaVu Sans"/>
-              </a:rPr>
-              <a:t>Depending on pod’s lifecycle</a:t>
-            </a:r>
-            <a:endParaRPr b="0" lang="en-US" sz="1800" spc="-1" strike="noStrike">
-              <a:latin typeface="Arial"/>
-            </a:endParaRPr>
-          </a:p>
-          <a:p>
-            <a:pPr lvl="1" marL="864000" indent="-322920">
-              <a:lnSpc>
-                <a:spcPct val="100000"/>
-              </a:lnSpc>
-              <a:spcBef>
-                <a:spcPts val="1134"/>
-              </a:spcBef>
-              <a:buClr>
-                <a:srgbClr val="000000"/>
-              </a:buClr>
-              <a:buSzPct val="75000"/>
-              <a:buFont typeface="Symbol"/>
-              <a:buChar char=""/>
-            </a:pPr>
-            <a:r>
-              <a:rPr b="0" lang="en-US" sz="1800" spc="-1" strike="noStrike">
-                <a:solidFill>
-                  <a:srgbClr val="3c3e41"/>
-                </a:solidFill>
-                <a:latin typeface="Arial"/>
-                <a:ea typeface="DejaVu Sans"/>
-              </a:rPr>
-              <a:t>Asked by pods</a:t>
-            </a:r>
-            <a:endParaRPr b="0" lang="en-US" sz="1800" spc="-1" strike="noStrike">
-              <a:latin typeface="Arial"/>
-            </a:endParaRPr>
-          </a:p>
-        </p:txBody>
-      </p:sp>
-      <p:sp>
-        <p:nvSpPr>
-          <p:cNvPr id="376" name="CustomShape 3"/>
+        </p:txBody>
+      </p:sp>
+      <p:sp>
+        <p:nvSpPr>
+          <p:cNvPr id="375" name="CustomShape 3"/>
           <p:cNvSpPr/>
           <p:nvPr/>
         </p:nvSpPr>
         <p:spPr>
           <a:xfrm>
             <a:off x="10515600" y="6202080"/>
-            <a:ext cx="1595520" cy="422640"/>
+            <a:ext cx="1594440" cy="421560"/>
           </a:xfrm>
           <a:prstGeom prst="rect">
             <a:avLst/>
@@ -17355,7 +17486,7 @@
                 <a:spcPct val="100000"/>
               </a:lnSpc>
             </a:pPr>
-            <a:fld id="{6E259830-CF0A-477C-97AB-50653B025A55}" type="slidenum">
+            <a:fld id="{523450DC-CB51-4E44-A491-ACAD5B95962B}" type="slidenum">
               <a:rPr b="0" lang="en-US" sz="1600" spc="-1" strike="noStrike">
                 <a:solidFill>
                   <a:srgbClr val="000000"/>
@@ -17371,6 +17502,29 @@
           </a:p>
         </p:txBody>
       </p:sp>
+      <p:pic>
+        <p:nvPicPr>
+          <p:cNvPr id="376" name="" descr=""/>
+          <p:cNvPicPr/>
+          <p:nvPr/>
+        </p:nvPicPr>
+        <p:blipFill>
+          <a:blip r:embed="rId1"/>
+          <a:stretch/>
+        </p:blipFill>
+        <p:spPr>
+          <a:xfrm>
+            <a:off x="228600" y="4114800"/>
+            <a:ext cx="2948040" cy="1986120"/>
+          </a:xfrm>
+          <a:prstGeom prst="rect">
+            <a:avLst/>
+          </a:prstGeom>
+          <a:ln>
+            <a:noFill/>
+          </a:ln>
+        </p:spPr>
+      </p:pic>
       <p:pic>
         <p:nvPicPr>
           <p:cNvPr id="377" name="" descr=""/>
@@ -17378,13 +17532,13 @@
           <p:nvPr/>
         </p:nvPicPr>
         <p:blipFill>
-          <a:blip r:embed="rId1"/>
+          <a:blip r:embed="rId2"/>
           <a:stretch/>
         </p:blipFill>
         <p:spPr>
           <a:xfrm>
-            <a:off x="4114800" y="1371600"/>
-            <a:ext cx="3797280" cy="4798440"/>
+            <a:off x="6629400" y="1771920"/>
+            <a:ext cx="2157480" cy="1424160"/>
           </a:xfrm>
           <a:prstGeom prst="rect">
             <a:avLst/>
@@ -17393,7 +17547,7 @@
             <a:solidFill>
               <a:srgbClr val="3465a4"/>
             </a:solidFill>
-            <a:prstDash val="sysDot"/>
+            <a:prstDash val="dot"/>
           </a:ln>
         </p:spPr>
       </p:pic>
@@ -17404,18 +17558,18 @@
           <p:nvPr/>
         </p:nvPicPr>
         <p:blipFill>
-          <a:blip r:embed="rId2"/>
+          <a:blip r:embed="rId3"/>
           <a:stretch/>
         </p:blipFill>
         <p:spPr>
           <a:xfrm>
-            <a:off x="8353800" y="1371600"/>
-            <a:ext cx="3302640" cy="4798440"/>
-          </a:xfrm>
-          <a:prstGeom prst="rect">
-            <a:avLst/>
-          </a:prstGeom>
-          <a:ln cap="rnd">
+            <a:off x="9258480" y="1828800"/>
+            <a:ext cx="1939680" cy="3825360"/>
+          </a:xfrm>
+          <a:prstGeom prst="rect">
+            <a:avLst/>
+          </a:prstGeom>
+          <a:ln>
             <a:solidFill>
               <a:srgbClr val="3465a4"/>
             </a:solidFill>
@@ -17462,7 +17616,7 @@
         <p:spPr>
           <a:xfrm>
             <a:off x="686160" y="0"/>
-            <a:ext cx="10968120" cy="1140480"/>
+            <a:ext cx="10967040" cy="1139400"/>
           </a:xfrm>
           <a:prstGeom prst="rect">
             <a:avLst/>
@@ -17511,7 +17665,17 @@
                 <a:latin typeface="Arial"/>
                 <a:ea typeface="Noto Sans CJK SC"/>
               </a:rPr>
-              <a:t>Persistent Storage – Persistent Volume, Persistent Volume Claim</a:t>
+              <a:t>Configuration data</a:t>
+            </a:r>
+            <a:r>
+              <a:rPr b="1" lang="en-US" sz="1800" spc="-1" strike="noStrike">
+                <a:solidFill>
+                  <a:srgbClr val="000000"/>
+                </a:solidFill>
+                <a:latin typeface="Arial"/>
+                <a:ea typeface="Noto Sans CJK SC"/>
+              </a:rPr>
+              <a:t> - Secret</a:t>
             </a:r>
             <a:endParaRPr b="0" lang="en-US" sz="1800" spc="-1" strike="noStrike">
               <a:latin typeface="Arial"/>
@@ -17527,15 +17691,18 @@
         </p:nvSpPr>
         <p:spPr>
           <a:xfrm>
-            <a:off x="10515600" y="6202080"/>
-            <a:ext cx="1595520" cy="422640"/>
+            <a:off x="228600" y="1600200"/>
+            <a:ext cx="5024880" cy="2510280"/>
           </a:xfrm>
           <a:prstGeom prst="rect">
             <a:avLst/>
           </a:prstGeom>
           <a:noFill/>
-          <a:ln>
-            <a:noFill/>
+          <a:ln cap="rnd" w="6480">
+            <a:solidFill>
+              <a:srgbClr val="5eb91e"/>
+            </a:solidFill>
+            <a:round/>
           </a:ln>
         </p:spPr>
         <p:style>
@@ -17545,6 +17712,202 @@
           <a:fontRef idx="minor"/>
         </p:style>
         <p:txBody>
+          <a:bodyPr lIns="93240" rIns="93240" tIns="48240" bIns="48240">
+            <a:noAutofit/>
+          </a:bodyPr>
+          <a:p>
+            <a:pPr marL="432000" indent="-321840">
+              <a:lnSpc>
+                <a:spcPct val="100000"/>
+              </a:lnSpc>
+              <a:spcBef>
+                <a:spcPts val="1417"/>
+              </a:spcBef>
+              <a:buClr>
+                <a:srgbClr val="000000"/>
+              </a:buClr>
+              <a:buSzPct val="45000"/>
+              <a:buFont typeface="Wingdings" charset="2"/>
+              <a:buChar char=""/>
+            </a:pPr>
+            <a:r>
+              <a:rPr b="0" lang="en-US" sz="1800" spc="-1" strike="noStrike">
+                <a:solidFill>
+                  <a:srgbClr val="3c3e41"/>
+                </a:solidFill>
+                <a:latin typeface="Arial"/>
+                <a:ea typeface="DejaVu Sans"/>
+              </a:rPr>
+              <a:t>Key-value pairs of data</a:t>
+            </a:r>
+            <a:endParaRPr b="0" lang="en-US" sz="1800" spc="-1" strike="noStrike">
+              <a:latin typeface="Arial"/>
+            </a:endParaRPr>
+          </a:p>
+          <a:p>
+            <a:pPr marL="432000" indent="-321840">
+              <a:lnSpc>
+                <a:spcPct val="100000"/>
+              </a:lnSpc>
+              <a:spcBef>
+                <a:spcPts val="1417"/>
+              </a:spcBef>
+              <a:buClr>
+                <a:srgbClr val="000000"/>
+              </a:buClr>
+              <a:buSzPct val="45000"/>
+              <a:buFont typeface="Wingdings" charset="2"/>
+              <a:buChar char=""/>
+            </a:pPr>
+            <a:r>
+              <a:rPr b="0" lang="en-US" sz="1800" spc="-1" strike="noStrike">
+                <a:solidFill>
+                  <a:srgbClr val="3c3e41"/>
+                </a:solidFill>
+                <a:latin typeface="Arial"/>
+                <a:ea typeface="DejaVu Sans"/>
+              </a:rPr>
+              <a:t>Manage pods configuration data</a:t>
+            </a:r>
+            <a:endParaRPr b="0" lang="en-US" sz="1800" spc="-1" strike="noStrike">
+              <a:latin typeface="Arial"/>
+            </a:endParaRPr>
+          </a:p>
+          <a:p>
+            <a:pPr lvl="1" marL="864000" indent="-321840">
+              <a:lnSpc>
+                <a:spcPct val="100000"/>
+              </a:lnSpc>
+              <a:spcBef>
+                <a:spcPts val="1134"/>
+              </a:spcBef>
+              <a:buClr>
+                <a:srgbClr val="000000"/>
+              </a:buClr>
+              <a:buSzPct val="75000"/>
+              <a:buFont typeface="Symbol"/>
+              <a:buChar char=""/>
+            </a:pPr>
+            <a:r>
+              <a:rPr b="0" lang="en-US" sz="1800" spc="-1" strike="noStrike">
+                <a:solidFill>
+                  <a:srgbClr val="3c3e41"/>
+                </a:solidFill>
+                <a:latin typeface="Arial"/>
+                <a:ea typeface="DejaVu Sans"/>
+              </a:rPr>
+              <a:t>Environment variables</a:t>
+            </a:r>
+            <a:endParaRPr b="0" lang="en-US" sz="1800" spc="-1" strike="noStrike">
+              <a:latin typeface="Arial"/>
+            </a:endParaRPr>
+          </a:p>
+          <a:p>
+            <a:pPr lvl="1" marL="864000" indent="-321840">
+              <a:lnSpc>
+                <a:spcPct val="100000"/>
+              </a:lnSpc>
+              <a:spcBef>
+                <a:spcPts val="1134"/>
+              </a:spcBef>
+              <a:buClr>
+                <a:srgbClr val="000000"/>
+              </a:buClr>
+              <a:buSzPct val="75000"/>
+              <a:buFont typeface="Symbol"/>
+              <a:buChar char=""/>
+            </a:pPr>
+            <a:r>
+              <a:rPr b="0" lang="en-US" sz="1800" spc="-1" strike="noStrike">
+                <a:solidFill>
+                  <a:srgbClr val="3c3e41"/>
+                </a:solidFill>
+                <a:latin typeface="Arial"/>
+                <a:ea typeface="DejaVu Sans"/>
+              </a:rPr>
+              <a:t>Secret files</a:t>
+            </a:r>
+            <a:endParaRPr b="0" lang="en-US" sz="1800" spc="-1" strike="noStrike">
+              <a:latin typeface="Arial"/>
+            </a:endParaRPr>
+          </a:p>
+          <a:p>
+            <a:pPr marL="432000" indent="-321840">
+              <a:lnSpc>
+                <a:spcPct val="100000"/>
+              </a:lnSpc>
+              <a:spcBef>
+                <a:spcPts val="1417"/>
+              </a:spcBef>
+              <a:buClr>
+                <a:srgbClr val="000000"/>
+              </a:buClr>
+              <a:buSzPct val="45000"/>
+              <a:buFont typeface="Wingdings" charset="2"/>
+              <a:buChar char=""/>
+            </a:pPr>
+            <a:r>
+              <a:rPr b="0" lang="en-US" sz="1800" spc="-1" strike="noStrike">
+                <a:solidFill>
+                  <a:srgbClr val="3c3e41"/>
+                </a:solidFill>
+                <a:latin typeface="Arial"/>
+                <a:ea typeface="DejaVu Sans"/>
+              </a:rPr>
+              <a:t>Used for </a:t>
+            </a:r>
+            <a:r>
+              <a:rPr b="0" lang="en-US" sz="1800" spc="-1" strike="noStrike">
+                <a:solidFill>
+                  <a:srgbClr val="c9211e"/>
+                </a:solidFill>
+                <a:latin typeface="Arial"/>
+                <a:ea typeface="DejaVu Sans"/>
+              </a:rPr>
+              <a:t>sensitive</a:t>
+            </a:r>
+            <a:r>
+              <a:rPr b="0" lang="en-US" sz="1800" spc="-1" strike="noStrike">
+                <a:solidFill>
+                  <a:srgbClr val="3c3e41"/>
+                </a:solidFill>
+                <a:latin typeface="Arial"/>
+                <a:ea typeface="DejaVu Sans"/>
+              </a:rPr>
+              <a:t> data (base64–encoded)</a:t>
+            </a:r>
+            <a:endParaRPr b="0" lang="en-US" sz="1800" spc="-1" strike="noStrike">
+              <a:latin typeface="Arial"/>
+            </a:endParaRPr>
+          </a:p>
+        </p:txBody>
+      </p:sp>
+      <p:sp>
+        <p:nvSpPr>
+          <p:cNvPr id="381" name="CustomShape 3"/>
+          <p:cNvSpPr/>
+          <p:nvPr/>
+        </p:nvSpPr>
+        <p:spPr>
+          <a:xfrm>
+            <a:off x="10515600" y="6202080"/>
+            <a:ext cx="1594440" cy="421560"/>
+          </a:xfrm>
+          <a:prstGeom prst="rect">
+            <a:avLst/>
+          </a:prstGeom>
+          <a:noFill/>
+          <a:ln>
+            <a:noFill/>
+          </a:ln>
+        </p:spPr>
+        <p:style>
+          <a:lnRef idx="0"/>
+          <a:fillRef idx="0"/>
+          <a:effectRef idx="0"/>
+          <a:fontRef idx="minor"/>
+        </p:style>
+        <p:txBody>
           <a:bodyPr lIns="90000" rIns="90000" tIns="45000" bIns="45000">
             <a:noAutofit/>
           </a:bodyPr>
@@ -17554,7 +17917,7 @@
                 <a:spcPct val="100000"/>
               </a:lnSpc>
             </a:pPr>
-            <a:fld id="{9FB27AEB-E34A-4F96-973B-E50D11E3EBAA}" type="slidenum">
+            <a:fld id="{141C383D-B193-4D17-9259-A7F5B7FB2B51}" type="slidenum">
               <a:rPr b="0" lang="en-US" sz="1600" spc="-1" strike="noStrike">
                 <a:solidFill>
                   <a:srgbClr val="000000"/>
@@ -17572,7 +17935,7 @@
       </p:sp>
       <p:pic>
         <p:nvPicPr>
-          <p:cNvPr id="381" name="" descr=""/>
+          <p:cNvPr id="382" name="" descr=""/>
           <p:cNvPicPr/>
           <p:nvPr/>
         </p:nvPicPr>
@@ -17582,8 +17945,8 @@
         </p:blipFill>
         <p:spPr>
           <a:xfrm>
-            <a:off x="2743200" y="1142640"/>
-            <a:ext cx="3321720" cy="5256000"/>
+            <a:off x="6858000" y="1595520"/>
+            <a:ext cx="1938600" cy="1176480"/>
           </a:xfrm>
           <a:prstGeom prst="rect">
             <a:avLst/>
@@ -17593,6 +17956,55 @@
               <a:srgbClr val="3465a4"/>
             </a:solidFill>
             <a:prstDash val="dot"/>
+          </a:ln>
+        </p:spPr>
+      </p:pic>
+      <p:pic>
+        <p:nvPicPr>
+          <p:cNvPr id="383" name="" descr=""/>
+          <p:cNvPicPr/>
+          <p:nvPr/>
+        </p:nvPicPr>
+        <p:blipFill>
+          <a:blip r:embed="rId2"/>
+          <a:stretch/>
+        </p:blipFill>
+        <p:spPr>
+          <a:xfrm>
+            <a:off x="486000" y="4343400"/>
+            <a:ext cx="2481480" cy="1986120"/>
+          </a:xfrm>
+          <a:prstGeom prst="rect">
+            <a:avLst/>
+          </a:prstGeom>
+          <a:ln>
+            <a:noFill/>
+          </a:ln>
+        </p:spPr>
+      </p:pic>
+      <p:pic>
+        <p:nvPicPr>
+          <p:cNvPr id="384" name="" descr=""/>
+          <p:cNvPicPr/>
+          <p:nvPr/>
+        </p:nvPicPr>
+        <p:blipFill>
+          <a:blip r:embed="rId3"/>
+          <a:stretch/>
+        </p:blipFill>
+        <p:spPr>
+          <a:xfrm>
+            <a:off x="9372600" y="1600200"/>
+            <a:ext cx="1939680" cy="4044600"/>
+          </a:xfrm>
+          <a:prstGeom prst="rect">
+            <a:avLst/>
+          </a:prstGeom>
+          <a:ln cap="rnd">
+            <a:solidFill>
+              <a:srgbClr val="3465a4"/>
+            </a:solidFill>
+            <a:prstDash val="sysDot"/>
           </a:ln>
         </p:spPr>
       </p:pic>
@@ -17628,14 +18040,14 @@
       </p:grpSpPr>
       <p:sp>
         <p:nvSpPr>
-          <p:cNvPr id="382" name="CustomShape 1"/>
+          <p:cNvPr id="385" name="CustomShape 1"/>
           <p:cNvSpPr/>
           <p:nvPr/>
         </p:nvSpPr>
         <p:spPr>
           <a:xfrm>
             <a:off x="686160" y="0"/>
-            <a:ext cx="10968120" cy="1140480"/>
+            <a:ext cx="10967040" cy="1139400"/>
           </a:xfrm>
           <a:prstGeom prst="rect">
             <a:avLst/>
@@ -17684,7 +18096,7 @@
                 <a:latin typeface="Arial"/>
                 <a:ea typeface="Noto Sans CJK SC"/>
               </a:rPr>
-              <a:t>Persistent Storage – Storage Class</a:t>
+              <a:t>Persistent Storage – Persistent Volume, Persistent Volume Claim</a:t>
             </a:r>
             <a:endParaRPr b="0" lang="en-US" sz="1800" spc="-1" strike="noStrike">
               <a:latin typeface="Arial"/>
@@ -17694,14 +18106,14 @@
       </p:sp>
       <p:sp>
         <p:nvSpPr>
-          <p:cNvPr id="383" name="CustomShape 2"/>
+          <p:cNvPr id="386" name="CustomShape 2"/>
           <p:cNvSpPr/>
           <p:nvPr/>
         </p:nvSpPr>
         <p:spPr>
           <a:xfrm>
-            <a:off x="228600" y="1371600"/>
-            <a:ext cx="3426120" cy="3426120"/>
+            <a:off x="-228600" y="1371600"/>
+            <a:ext cx="4111200" cy="5025600"/>
           </a:xfrm>
           <a:prstGeom prst="rect">
             <a:avLst/>
@@ -17725,7 +18137,36 @@
             <a:noAutofit/>
           </a:bodyPr>
           <a:p>
-            <a:pPr marL="432000" indent="-322920">
+            <a:pPr marL="432000" indent="-321840">
+              <a:lnSpc>
+                <a:spcPct val="100000"/>
+              </a:lnSpc>
+              <a:spcBef>
+                <a:spcPts val="1417"/>
+              </a:spcBef>
+              <a:buClr>
+                <a:srgbClr val="000000"/>
+              </a:buClr>
+              <a:buSzPct val="45000"/>
+              <a:buFont typeface="Wingdings" charset="2"/>
+              <a:buChar char=""/>
+            </a:pPr>
+            <a:r>
+              <a:rPr b="0" lang="en-US" sz="1800" spc="-1" strike="noStrike">
+                <a:solidFill>
+                  <a:srgbClr val="3c3e41"/>
+                </a:solidFill>
+                <a:latin typeface="Arial"/>
+                <a:ea typeface="DejaVu Sans"/>
+              </a:rPr>
+              <a:t>Persistent volume:</a:t>
+            </a:r>
+            <a:endParaRPr b="0" lang="en-US" sz="1800" spc="-1" strike="noStrike">
+              <a:latin typeface="Arial"/>
+            </a:endParaRPr>
+          </a:p>
+          <a:p>
+            <a:pPr lvl="1" marL="864000" indent="-321840">
               <a:lnSpc>
                 <a:spcPct val="100000"/>
               </a:lnSpc>
@@ -17735,29 +18176,19 @@
               <a:buClr>
                 <a:srgbClr val="000000"/>
               </a:buClr>
-              <a:buSzPct val="45000"/>
+              <a:buSzPct val="75000"/>
               <a:buFont typeface="Symbol"/>
-              <a:buChar char=""/>
+              <a:buChar char=""/>
             </a:pPr>
             <a:r>
               <a:rPr b="0" lang="en-US" sz="1800" spc="-1" strike="noStrike">
                 <a:solidFill>
-                  <a:srgbClr val="000000"/>
+                  <a:srgbClr val="c9211e"/>
                 </a:solidFill>
                 <a:latin typeface="Arial"/>
                 <a:ea typeface="DejaVu Sans"/>
               </a:rPr>
-              <a:t>Similar to PV, but providing a way to </a:t>
-            </a:r>
-            <a:r>
-              <a:rPr b="0" lang="en-US" sz="1800" spc="-1" strike="noStrike">
-                <a:solidFill>
-                  <a:srgbClr val="bf0041"/>
-                </a:solidFill>
-                <a:latin typeface="Arial"/>
-                <a:ea typeface="DejaVu Sans"/>
-              </a:rPr>
-              <a:t>dynamically</a:t>
+              <a:t>Static</a:t>
             </a:r>
             <a:r>
               <a:rPr b="0" lang="en-US" sz="1800" spc="-1" strike="noStrike">
@@ -17767,24 +18198,198 @@
                 <a:latin typeface="Arial"/>
                 <a:ea typeface="DejaVu Sans"/>
               </a:rPr>
-              <a:t> provision PV in a cluster</a:t>
+              <a:t> storage allocated in a cluster</a:t>
             </a:r>
             <a:endParaRPr b="0" lang="en-US" sz="1800" spc="-1" strike="noStrike">
               <a:latin typeface="Arial"/>
             </a:endParaRPr>
           </a:p>
-        </p:txBody>
-      </p:sp>
-      <p:sp>
-        <p:nvSpPr>
-          <p:cNvPr id="384" name="CustomShape 3"/>
+          <a:p>
+            <a:pPr lvl="1" marL="864000" indent="-321840">
+              <a:lnSpc>
+                <a:spcPct val="100000"/>
+              </a:lnSpc>
+              <a:spcBef>
+                <a:spcPts val="1134"/>
+              </a:spcBef>
+              <a:buClr>
+                <a:srgbClr val="000000"/>
+              </a:buClr>
+              <a:buSzPct val="75000"/>
+              <a:buFont typeface="Symbol"/>
+              <a:buChar char=""/>
+            </a:pPr>
+            <a:r>
+              <a:rPr b="0" lang="en-US" sz="1800" spc="-1" strike="noStrike">
+                <a:solidFill>
+                  <a:srgbClr val="3c3e41"/>
+                </a:solidFill>
+                <a:latin typeface="Arial"/>
+                <a:ea typeface="DejaVu Sans"/>
+              </a:rPr>
+              <a:t>Independent from pod’s lifecycle</a:t>
+            </a:r>
+            <a:endParaRPr b="0" lang="en-US" sz="1800" spc="-1" strike="noStrike">
+              <a:latin typeface="Arial"/>
+            </a:endParaRPr>
+          </a:p>
+          <a:p>
+            <a:pPr lvl="1" marL="864000" indent="-321840">
+              <a:lnSpc>
+                <a:spcPct val="100000"/>
+              </a:lnSpc>
+              <a:spcBef>
+                <a:spcPts val="1134"/>
+              </a:spcBef>
+              <a:buClr>
+                <a:srgbClr val="000000"/>
+              </a:buClr>
+              <a:buSzPct val="75000"/>
+              <a:buFont typeface="Symbol"/>
+              <a:buChar char=""/>
+            </a:pPr>
+            <a:r>
+              <a:rPr b="0" lang="en-US" sz="1800" spc="-1" strike="noStrike">
+                <a:solidFill>
+                  <a:srgbClr val="3c3e41"/>
+                </a:solidFill>
+                <a:latin typeface="Arial"/>
+                <a:ea typeface="DejaVu Sans"/>
+              </a:rPr>
+              <a:t>Provisioned by cluster admin</a:t>
+            </a:r>
+            <a:endParaRPr b="0" lang="en-US" sz="1800" spc="-1" strike="noStrike">
+              <a:latin typeface="Arial"/>
+            </a:endParaRPr>
+          </a:p>
+          <a:p>
+            <a:pPr marL="432000" indent="-321840">
+              <a:lnSpc>
+                <a:spcPct val="100000"/>
+              </a:lnSpc>
+              <a:spcBef>
+                <a:spcPts val="1417"/>
+              </a:spcBef>
+              <a:buClr>
+                <a:srgbClr val="000000"/>
+              </a:buClr>
+              <a:buSzPct val="45000"/>
+              <a:buFont typeface="Wingdings" charset="2"/>
+              <a:buChar char=""/>
+            </a:pPr>
+            <a:r>
+              <a:rPr b="0" lang="en-US" sz="1800" spc="-1" strike="noStrike">
+                <a:solidFill>
+                  <a:srgbClr val="3c3e41"/>
+                </a:solidFill>
+                <a:latin typeface="Arial"/>
+                <a:ea typeface="DejaVu Sans"/>
+              </a:rPr>
+              <a:t>Persistent volume claim:</a:t>
+            </a:r>
+            <a:endParaRPr b="0" lang="en-US" sz="1800" spc="-1" strike="noStrike">
+              <a:latin typeface="Arial"/>
+            </a:endParaRPr>
+          </a:p>
+          <a:p>
+            <a:pPr lvl="1" marL="864000" indent="-321840">
+              <a:lnSpc>
+                <a:spcPct val="100000"/>
+              </a:lnSpc>
+              <a:spcBef>
+                <a:spcPts val="1134"/>
+              </a:spcBef>
+              <a:buClr>
+                <a:srgbClr val="000000"/>
+              </a:buClr>
+              <a:buSzPct val="75000"/>
+              <a:buFont typeface="Symbol"/>
+              <a:buChar char=""/>
+            </a:pPr>
+            <a:r>
+              <a:rPr b="0" lang="en-US" sz="1800" spc="-1" strike="noStrike">
+                <a:solidFill>
+                  <a:srgbClr val="3c3e41"/>
+                </a:solidFill>
+                <a:latin typeface="Arial"/>
+                <a:ea typeface="DejaVu Sans"/>
+              </a:rPr>
+              <a:t>Dynamic storage request</a:t>
+            </a:r>
+            <a:endParaRPr b="0" lang="en-US" sz="1800" spc="-1" strike="noStrike">
+              <a:latin typeface="Arial"/>
+            </a:endParaRPr>
+          </a:p>
+          <a:p>
+            <a:pPr lvl="1" marL="864000" indent="-321840">
+              <a:lnSpc>
+                <a:spcPct val="100000"/>
+              </a:lnSpc>
+              <a:spcBef>
+                <a:spcPts val="1134"/>
+              </a:spcBef>
+              <a:buClr>
+                <a:srgbClr val="000000"/>
+              </a:buClr>
+              <a:buSzPct val="75000"/>
+              <a:buFont typeface="Symbol"/>
+              <a:buChar char=""/>
+            </a:pPr>
+            <a:r>
+              <a:rPr b="0" lang="en-US" sz="1800" spc="-1" strike="noStrike">
+                <a:solidFill>
+                  <a:srgbClr val="3c3e41"/>
+                </a:solidFill>
+                <a:latin typeface="Arial"/>
+                <a:ea typeface="DejaVu Sans"/>
+              </a:rPr>
+              <a:t>Depending on pod’s lifecycle</a:t>
+            </a:r>
+            <a:endParaRPr b="0" lang="en-US" sz="1800" spc="-1" strike="noStrike">
+              <a:latin typeface="Arial"/>
+            </a:endParaRPr>
+          </a:p>
+          <a:p>
+            <a:pPr lvl="1" marL="864000" indent="-321840">
+              <a:lnSpc>
+                <a:spcPct val="100000"/>
+              </a:lnSpc>
+              <a:spcBef>
+                <a:spcPts val="1134"/>
+              </a:spcBef>
+              <a:buClr>
+                <a:srgbClr val="000000"/>
+              </a:buClr>
+              <a:buSzPct val="75000"/>
+              <a:buFont typeface="Symbol"/>
+              <a:buChar char=""/>
+            </a:pPr>
+            <a:r>
+              <a:rPr b="0" lang="en-US" sz="1800" spc="-1" strike="noStrike">
+                <a:solidFill>
+                  <a:srgbClr val="3c3e41"/>
+                </a:solidFill>
+                <a:latin typeface="Arial"/>
+                <a:ea typeface="DejaVu Sans"/>
+              </a:rPr>
+              <a:t>Asked by pods</a:t>
+            </a:r>
+            <a:endParaRPr b="0" lang="en-US" sz="1800" spc="-1" strike="noStrike">
+              <a:latin typeface="Arial"/>
+            </a:endParaRPr>
+          </a:p>
+        </p:txBody>
+      </p:sp>
+      <p:sp>
+        <p:nvSpPr>
+          <p:cNvPr id="387" name="CustomShape 3"/>
           <p:cNvSpPr/>
           <p:nvPr/>
         </p:nvSpPr>
         <p:spPr>
           <a:xfrm>
             <a:off x="10515600" y="6202080"/>
-            <a:ext cx="1595520" cy="422640"/>
+            <a:ext cx="1594440" cy="421560"/>
           </a:xfrm>
           <a:prstGeom prst="rect">
             <a:avLst/>
@@ -17810,7 +18415,7 @@
                 <a:spcPct val="100000"/>
               </a:lnSpc>
             </a:pPr>
-            <a:fld id="{3325D66F-3390-4B8D-93FC-79A76B93C15C}" type="slidenum">
+            <a:fld id="{BA6394A3-4457-4F14-A511-747A1A8E50D6}" type="slidenum">
               <a:rPr b="0" lang="en-US" sz="1600" spc="-1" strike="noStrike">
                 <a:solidFill>
                   <a:srgbClr val="000000"/>
@@ -17828,7 +18433,7 @@
       </p:sp>
       <p:pic>
         <p:nvPicPr>
-          <p:cNvPr id="385" name="" descr=""/>
+          <p:cNvPr id="388" name="" descr=""/>
           <p:cNvPicPr/>
           <p:nvPr/>
         </p:nvPicPr>
@@ -17838,8 +18443,8 @@
         </p:blipFill>
         <p:spPr>
           <a:xfrm>
-            <a:off x="3762720" y="1371600"/>
-            <a:ext cx="4236120" cy="4568760"/>
+            <a:off x="4114800" y="1371600"/>
+            <a:ext cx="3796200" cy="4797360"/>
           </a:xfrm>
           <a:prstGeom prst="rect">
             <a:avLst/>
@@ -17854,7 +18459,7 @@
       </p:pic>
       <p:pic>
         <p:nvPicPr>
-          <p:cNvPr id="386" name="" descr=""/>
+          <p:cNvPr id="389" name="" descr=""/>
           <p:cNvPicPr/>
           <p:nvPr/>
         </p:nvPicPr>
@@ -17864,13 +18469,13 @@
         </p:blipFill>
         <p:spPr>
           <a:xfrm>
-            <a:off x="8321040" y="1371600"/>
-            <a:ext cx="3094560" cy="4571280"/>
-          </a:xfrm>
-          <a:prstGeom prst="rect">
-            <a:avLst/>
-          </a:prstGeom>
-          <a:ln>
+            <a:off x="8353800" y="1371600"/>
+            <a:ext cx="3301560" cy="4797360"/>
+          </a:xfrm>
+          <a:prstGeom prst="rect">
+            <a:avLst/>
+          </a:prstGeom>
+          <a:ln cap="rnd">
             <a:solidFill>
               <a:srgbClr val="3465a4"/>
             </a:solidFill>
@@ -17910,14 +18515,14 @@
       </p:grpSpPr>
       <p:sp>
         <p:nvSpPr>
-          <p:cNvPr id="387" name="CustomShape 1"/>
+          <p:cNvPr id="390" name="CustomShape 1"/>
           <p:cNvSpPr/>
           <p:nvPr/>
         </p:nvSpPr>
         <p:spPr>
           <a:xfrm>
             <a:off x="686160" y="0"/>
-            <a:ext cx="10968120" cy="1140480"/>
+            <a:ext cx="10967040" cy="1139400"/>
           </a:xfrm>
           <a:prstGeom prst="rect">
             <a:avLst/>
@@ -17966,7 +18571,7 @@
                 <a:latin typeface="Arial"/>
                 <a:ea typeface="Noto Sans CJK SC"/>
               </a:rPr>
-              <a:t>Persistent Storage – Volume Claim Templates</a:t>
+              <a:t>Persistent Storage – Persistent Volume, Persistent Volume Claim</a:t>
             </a:r>
             <a:endParaRPr b="0" lang="en-US" sz="1800" spc="-1" strike="noStrike">
               <a:latin typeface="Arial"/>
@@ -17976,24 +18581,21 @@
       </p:sp>
       <p:sp>
         <p:nvSpPr>
-          <p:cNvPr id="388" name="CustomShape 2"/>
+          <p:cNvPr id="391" name="CustomShape 2"/>
           <p:cNvSpPr/>
           <p:nvPr/>
         </p:nvSpPr>
         <p:spPr>
           <a:xfrm>
-            <a:off x="228600" y="1371600"/>
-            <a:ext cx="5074200" cy="1553760"/>
+            <a:off x="10515600" y="6202080"/>
+            <a:ext cx="1594440" cy="421560"/>
           </a:xfrm>
           <a:prstGeom prst="rect">
             <a:avLst/>
           </a:prstGeom>
           <a:noFill/>
-          <a:ln cap="rnd" w="6480">
-            <a:solidFill>
-              <a:srgbClr val="5eb91e"/>
-            </a:solidFill>
-            <a:round/>
+          <a:ln>
+            <a:noFill/>
           </a:ln>
         </p:spPr>
         <p:style>
@@ -18003,124 +18605,6 @@
           <a:fontRef idx="minor"/>
         </p:style>
         <p:txBody>
-          <a:bodyPr lIns="93240" rIns="93240" tIns="48240" bIns="48240">
-            <a:noAutofit/>
-          </a:bodyPr>
-          <a:p>
-            <a:pPr marL="432000" indent="-322920">
-              <a:lnSpc>
-                <a:spcPct val="100000"/>
-              </a:lnSpc>
-              <a:spcBef>
-                <a:spcPts val="1417"/>
-              </a:spcBef>
-              <a:buClr>
-                <a:srgbClr val="000000"/>
-              </a:buClr>
-              <a:buSzPct val="45000"/>
-              <a:buFont typeface="Wingdings" charset="2"/>
-              <a:buChar char=""/>
-            </a:pPr>
-            <a:r>
-              <a:rPr b="0" lang="en-US" sz="1800" spc="-1" strike="noStrike">
-                <a:solidFill>
-                  <a:srgbClr val="3c3e41"/>
-                </a:solidFill>
-                <a:latin typeface="Arial"/>
-                <a:ea typeface="DejaVu Sans"/>
-              </a:rPr>
-              <a:t>Similar to PVC but:</a:t>
-            </a:r>
-            <a:endParaRPr b="0" lang="en-US" sz="1800" spc="-1" strike="noStrike">
-              <a:latin typeface="Arial"/>
-            </a:endParaRPr>
-          </a:p>
-          <a:p>
-            <a:pPr marL="432000" indent="-322920">
-              <a:lnSpc>
-                <a:spcPct val="100000"/>
-              </a:lnSpc>
-              <a:spcBef>
-                <a:spcPts val="1417"/>
-              </a:spcBef>
-              <a:buClr>
-                <a:srgbClr val="000000"/>
-              </a:buClr>
-              <a:buSzPct val="45000"/>
-              <a:buFont typeface="Wingdings" charset="2"/>
-              <a:buChar char=""/>
-            </a:pPr>
-            <a:r>
-              <a:rPr b="0" lang="en-US" sz="1800" spc="-1" strike="noStrike">
-                <a:solidFill>
-                  <a:srgbClr val="3c3e41"/>
-                </a:solidFill>
-                <a:latin typeface="Arial"/>
-                <a:ea typeface="DejaVu Sans"/>
-              </a:rPr>
-              <a:t>Used for stateful app (DB)</a:t>
-            </a:r>
-            <a:endParaRPr b="0" lang="en-US" sz="1800" spc="-1" strike="noStrike">
-              <a:latin typeface="Arial"/>
-            </a:endParaRPr>
-          </a:p>
-          <a:p>
-            <a:pPr marL="432000" indent="-322920">
-              <a:lnSpc>
-                <a:spcPct val="100000"/>
-              </a:lnSpc>
-              <a:spcBef>
-                <a:spcPts val="1417"/>
-              </a:spcBef>
-              <a:buClr>
-                <a:srgbClr val="000000"/>
-              </a:buClr>
-              <a:buSzPct val="45000"/>
-              <a:buFont typeface="Wingdings" charset="2"/>
-              <a:buChar char=""/>
-            </a:pPr>
-            <a:r>
-              <a:rPr b="0" lang="en-US" sz="1800" spc="-1" strike="noStrike">
-                <a:solidFill>
-                  <a:srgbClr val="3c3e41"/>
-                </a:solidFill>
-                <a:latin typeface="Arial"/>
-                <a:ea typeface="DejaVu Sans"/>
-              </a:rPr>
-              <a:t>Each pod can have it’s own allocated pvc</a:t>
-            </a:r>
-            <a:endParaRPr b="0" lang="en-US" sz="1800" spc="-1" strike="noStrike">
-              <a:latin typeface="Arial"/>
-            </a:endParaRPr>
-          </a:p>
-        </p:txBody>
-      </p:sp>
-      <p:sp>
-        <p:nvSpPr>
-          <p:cNvPr id="389" name="CustomShape 3"/>
-          <p:cNvSpPr/>
-          <p:nvPr/>
-        </p:nvSpPr>
-        <p:spPr>
-          <a:xfrm>
-            <a:off x="10515600" y="6202080"/>
-            <a:ext cx="1595520" cy="422640"/>
-          </a:xfrm>
-          <a:prstGeom prst="rect">
-            <a:avLst/>
-          </a:prstGeom>
-          <a:noFill/>
-          <a:ln>
-            <a:noFill/>
-          </a:ln>
-        </p:spPr>
-        <p:style>
-          <a:lnRef idx="0"/>
-          <a:fillRef idx="0"/>
-          <a:effectRef idx="0"/>
-          <a:fontRef idx="minor"/>
-        </p:style>
-        <p:txBody>
           <a:bodyPr lIns="90000" rIns="90000" tIns="45000" bIns="45000">
             <a:noAutofit/>
           </a:bodyPr>
@@ -18130,7 +18614,7 @@
                 <a:spcPct val="100000"/>
               </a:lnSpc>
             </a:pPr>
-            <a:fld id="{DC59E11A-6B93-4098-8A0D-078221030065}" type="slidenum">
+            <a:fld id="{431C0B0F-7491-4B4F-89ED-C5858377A55F}" type="slidenum">
               <a:rPr b="0" lang="en-US" sz="1600" spc="-1" strike="noStrike">
                 <a:solidFill>
                   <a:srgbClr val="000000"/>
@@ -18148,7 +18632,7 @@
       </p:sp>
       <p:pic>
         <p:nvPicPr>
-          <p:cNvPr id="390" name="" descr=""/>
+          <p:cNvPr id="392" name="" descr=""/>
           <p:cNvPicPr/>
           <p:nvPr/>
         </p:nvPicPr>
@@ -18158,8 +18642,8 @@
         </p:blipFill>
         <p:spPr>
           <a:xfrm>
-            <a:off x="5945040" y="1421640"/>
-            <a:ext cx="3657240" cy="4613040"/>
+            <a:off x="2743200" y="1142640"/>
+            <a:ext cx="3320640" cy="5254920"/>
           </a:xfrm>
           <a:prstGeom prst="rect">
             <a:avLst/>
@@ -18168,10 +18652,7 @@
             <a:solidFill>
               <a:srgbClr val="3465a4"/>
             </a:solidFill>
-            <a:custDash>
-              <a:ds d="100000" sp="300000"/>
-              <a:ds d="100000" sp="300000"/>
-            </a:custDash>
+            <a:prstDash val="dot"/>
           </a:ln>
         </p:spPr>
       </p:pic>
@@ -18207,14 +18688,14 @@
       </p:grpSpPr>
       <p:sp>
         <p:nvSpPr>
-          <p:cNvPr id="391" name="CustomShape 1"/>
+          <p:cNvPr id="393" name="CustomShape 1"/>
           <p:cNvSpPr/>
           <p:nvPr/>
         </p:nvSpPr>
         <p:spPr>
           <a:xfrm>
             <a:off x="686160" y="0"/>
-            <a:ext cx="10968120" cy="1140480"/>
+            <a:ext cx="10967040" cy="1139400"/>
           </a:xfrm>
           <a:prstGeom prst="rect">
             <a:avLst/>
@@ -18251,7 +18732,7 @@
                 <a:latin typeface="Arial"/>
                 <a:ea typeface="Noto Sans CJK SC"/>
               </a:rPr>
-              <a:t>4 - Kubernetes User Interaction</a:t>
+              <a:t>3 - Primary Kubernetes Objects</a:t>
             </a:r>
             <a:br/>
             <a:br/>
@@ -18263,7 +18744,7 @@
                 <a:latin typeface="Arial"/>
                 <a:ea typeface="Noto Sans CJK SC"/>
               </a:rPr>
-              <a:t>Command line - kubectl</a:t>
+              <a:t>Persistent Storage – Storage Class</a:t>
             </a:r>
             <a:endParaRPr b="0" lang="en-US" sz="1800" spc="-1" strike="noStrike">
               <a:latin typeface="Arial"/>
@@ -18273,14 +18754,14 @@
       </p:sp>
       <p:sp>
         <p:nvSpPr>
-          <p:cNvPr id="392" name="CustomShape 2"/>
+          <p:cNvPr id="394" name="CustomShape 2"/>
           <p:cNvSpPr/>
           <p:nvPr/>
         </p:nvSpPr>
         <p:spPr>
           <a:xfrm>
-            <a:off x="685800" y="1600200"/>
-            <a:ext cx="4570920" cy="913320"/>
+            <a:off x="228600" y="1371600"/>
+            <a:ext cx="3425040" cy="3425040"/>
           </a:xfrm>
           <a:prstGeom prst="rect">
             <a:avLst/>
@@ -18304,20 +18785,40 @@
             <a:noAutofit/>
           </a:bodyPr>
           <a:p>
-            <a:pPr marL="432000" indent="-322920">
+            <a:pPr marL="432000" indent="-321840">
               <a:lnSpc>
                 <a:spcPct val="100000"/>
               </a:lnSpc>
               <a:spcBef>
-                <a:spcPts val="1417"/>
+                <a:spcPts val="1134"/>
               </a:spcBef>
               <a:buClr>
                 <a:srgbClr val="000000"/>
               </a:buClr>
               <a:buSzPct val="45000"/>
-              <a:buFont typeface="Wingdings" charset="2"/>
-              <a:buChar char=""/>
-            </a:pPr>
+              <a:buFont typeface="Symbol"/>
+              <a:buChar char=""/>
+            </a:pPr>
+            <a:r>
+              <a:rPr b="0" lang="en-US" sz="1800" spc="-1" strike="noStrike">
+                <a:solidFill>
+                  <a:srgbClr val="000000"/>
+                </a:solidFill>
+                <a:latin typeface="Arial"/>
+                <a:ea typeface="DejaVu Sans"/>
+              </a:rPr>
+              <a:t>Similar to PV, but providing a way to </a:t>
+            </a:r>
+            <a:r>
+              <a:rPr b="0" lang="en-US" sz="1800" spc="-1" strike="noStrike">
+                <a:solidFill>
+                  <a:srgbClr val="bf0041"/>
+                </a:solidFill>
+                <a:latin typeface="Arial"/>
+                <a:ea typeface="DejaVu Sans"/>
+              </a:rPr>
+              <a:t>dynamically</a:t>
+            </a:r>
             <a:r>
               <a:rPr b="0" lang="en-US" sz="1800" spc="-1" strike="noStrike">
                 <a:solidFill>
@@ -18326,66 +18827,24 @@
                 <a:latin typeface="Arial"/>
                 <a:ea typeface="DejaVu Sans"/>
               </a:rPr>
-              <a:t>Command line tool</a:t>
+              <a:t> provision PV in a cluster</a:t>
             </a:r>
             <a:endParaRPr b="0" lang="en-US" sz="1800" spc="-1" strike="noStrike">
               <a:latin typeface="Arial"/>
             </a:endParaRPr>
           </a:p>
-          <a:p>
-            <a:pPr marL="432000" indent="-322920">
-              <a:lnSpc>
-                <a:spcPct val="100000"/>
-              </a:lnSpc>
-              <a:spcBef>
-                <a:spcPts val="1417"/>
-              </a:spcBef>
-              <a:buClr>
-                <a:srgbClr val="000000"/>
-              </a:buClr>
-              <a:buSzPct val="45000"/>
-              <a:buFont typeface="Wingdings" charset="2"/>
-              <a:buChar char=""/>
-            </a:pPr>
-            <a:r>
-              <a:rPr b="0" lang="en-US" sz="1800" spc="-1" strike="noStrike">
-                <a:solidFill>
-                  <a:srgbClr val="3c3e41"/>
-                </a:solidFill>
-                <a:latin typeface="Arial"/>
-                <a:ea typeface="DejaVu Sans"/>
-              </a:rPr>
-              <a:t>Communicate with K8s resources</a:t>
-            </a:r>
-            <a:endParaRPr b="0" lang="en-US" sz="1800" spc="-1" strike="noStrike">
-              <a:latin typeface="Arial"/>
-            </a:endParaRPr>
-          </a:p>
-          <a:p>
-            <a:pPr>
-              <a:lnSpc>
-                <a:spcPct val="100000"/>
-              </a:lnSpc>
-              <a:spcBef>
-                <a:spcPts val="1417"/>
-              </a:spcBef>
-            </a:pPr>
-            <a:endParaRPr b="0" lang="en-US" sz="1800" spc="-1" strike="noStrike">
-              <a:latin typeface="Arial"/>
-            </a:endParaRPr>
-          </a:p>
-        </p:txBody>
-      </p:sp>
-      <p:sp>
-        <p:nvSpPr>
-          <p:cNvPr id="393" name="CustomShape 3"/>
+        </p:txBody>
+      </p:sp>
+      <p:sp>
+        <p:nvSpPr>
+          <p:cNvPr id="395" name="CustomShape 3"/>
           <p:cNvSpPr/>
           <p:nvPr/>
         </p:nvSpPr>
         <p:spPr>
           <a:xfrm>
             <a:off x="10515600" y="6202080"/>
-            <a:ext cx="1595520" cy="422640"/>
+            <a:ext cx="1594440" cy="421560"/>
           </a:xfrm>
           <a:prstGeom prst="rect">
             <a:avLst/>
@@ -18411,7 +18870,7 @@
                 <a:spcPct val="100000"/>
               </a:lnSpc>
             </a:pPr>
-            <a:fld id="{A8A550E0-4AB6-4920-B6A3-AEE1E0AF7137}" type="slidenum">
+            <a:fld id="{503945D5-7FF6-4C79-B192-F735954A1895}" type="slidenum">
               <a:rPr b="0" lang="en-US" sz="1600" spc="-1" strike="noStrike">
                 <a:solidFill>
                   <a:srgbClr val="000000"/>
@@ -18429,7 +18888,7 @@
       </p:sp>
       <p:pic>
         <p:nvPicPr>
-          <p:cNvPr id="394" name="" descr=""/>
+          <p:cNvPr id="396" name="" descr=""/>
           <p:cNvPicPr/>
           <p:nvPr/>
         </p:nvPicPr>
@@ -18439,8 +18898,34 @@
         </p:blipFill>
         <p:spPr>
           <a:xfrm>
-            <a:off x="724320" y="2971800"/>
-            <a:ext cx="4532400" cy="1716480"/>
+            <a:off x="3762720" y="1371600"/>
+            <a:ext cx="4235040" cy="4567680"/>
+          </a:xfrm>
+          <a:prstGeom prst="rect">
+            <a:avLst/>
+          </a:prstGeom>
+          <a:ln>
+            <a:solidFill>
+              <a:srgbClr val="3465a4"/>
+            </a:solidFill>
+            <a:prstDash val="sysDot"/>
+          </a:ln>
+        </p:spPr>
+      </p:pic>
+      <p:pic>
+        <p:nvPicPr>
+          <p:cNvPr id="397" name="" descr=""/>
+          <p:cNvPicPr/>
+          <p:nvPr/>
+        </p:nvPicPr>
+        <p:blipFill>
+          <a:blip r:embed="rId2"/>
+          <a:stretch/>
+        </p:blipFill>
+        <p:spPr>
+          <a:xfrm>
+            <a:off x="8321040" y="1371600"/>
+            <a:ext cx="3093480" cy="4570200"/>
           </a:xfrm>
           <a:prstGeom prst="rect">
             <a:avLst/>
@@ -18485,14 +18970,14 @@
       </p:grpSpPr>
       <p:sp>
         <p:nvSpPr>
-          <p:cNvPr id="395" name="CustomShape 1"/>
+          <p:cNvPr id="398" name="CustomShape 1"/>
           <p:cNvSpPr/>
           <p:nvPr/>
         </p:nvSpPr>
         <p:spPr>
           <a:xfrm>
             <a:off x="686160" y="0"/>
-            <a:ext cx="10968120" cy="1140480"/>
+            <a:ext cx="10967040" cy="1139400"/>
           </a:xfrm>
           <a:prstGeom prst="rect">
             <a:avLst/>
@@ -18529,7 +19014,7 @@
                 <a:latin typeface="Arial"/>
                 <a:ea typeface="Noto Sans CJK SC"/>
               </a:rPr>
-              <a:t>4 - Kubernetes User Interaction</a:t>
+              <a:t>3 - Primary Kubernetes Objects</a:t>
             </a:r>
             <a:br/>
             <a:br/>
@@ -18541,7 +19026,7 @@
                 <a:latin typeface="Arial"/>
                 <a:ea typeface="Noto Sans CJK SC"/>
               </a:rPr>
-              <a:t>User interface - Lens</a:t>
+              <a:t>Persistent Storage – Volume Claim Templates</a:t>
             </a:r>
             <a:endParaRPr b="0" lang="en-US" sz="1800" spc="-1" strike="noStrike">
               <a:latin typeface="Arial"/>
@@ -18551,14 +19036,14 @@
       </p:sp>
       <p:sp>
         <p:nvSpPr>
-          <p:cNvPr id="396" name="CustomShape 2"/>
+          <p:cNvPr id="399" name="CustomShape 2"/>
           <p:cNvSpPr/>
           <p:nvPr/>
         </p:nvSpPr>
         <p:spPr>
           <a:xfrm>
             <a:off x="228600" y="1371600"/>
-            <a:ext cx="8457120" cy="913320"/>
+            <a:ext cx="5073120" cy="1552680"/>
           </a:xfrm>
           <a:prstGeom prst="rect">
             <a:avLst/>
@@ -18582,7 +19067,7 @@
             <a:noAutofit/>
           </a:bodyPr>
           <a:p>
-            <a:pPr marL="432000" indent="-322920">
+            <a:pPr marL="432000" indent="-321840">
               <a:lnSpc>
                 <a:spcPct val="100000"/>
               </a:lnSpc>
@@ -18604,14 +19089,14 @@
                 <a:latin typeface="Arial"/>
                 <a:ea typeface="DejaVu Sans"/>
               </a:rPr>
-              <a:t>User interface tool</a:t>
+              <a:t>Similar to PVC but:</a:t>
             </a:r>
             <a:endParaRPr b="0" lang="en-US" sz="1800" spc="-1" strike="noStrike">
               <a:latin typeface="Arial"/>
             </a:endParaRPr>
           </a:p>
           <a:p>
-            <a:pPr marL="432000" indent="-322920">
+            <a:pPr marL="432000" indent="-321840">
               <a:lnSpc>
                 <a:spcPct val="100000"/>
               </a:lnSpc>
@@ -18633,24 +19118,53 @@
                 <a:latin typeface="Arial"/>
                 <a:ea typeface="DejaVu Sans"/>
               </a:rPr>
-              <a:t>Communicate with K8s resources </a:t>
+              <a:t>Used for stateful app (DB)</a:t>
             </a:r>
             <a:endParaRPr b="0" lang="en-US" sz="1800" spc="-1" strike="noStrike">
               <a:latin typeface="Arial"/>
             </a:endParaRPr>
           </a:p>
-        </p:txBody>
-      </p:sp>
-      <p:sp>
-        <p:nvSpPr>
-          <p:cNvPr id="397" name="CustomShape 3"/>
+          <a:p>
+            <a:pPr marL="432000" indent="-321840">
+              <a:lnSpc>
+                <a:spcPct val="100000"/>
+              </a:lnSpc>
+              <a:spcBef>
+                <a:spcPts val="1417"/>
+              </a:spcBef>
+              <a:buClr>
+                <a:srgbClr val="000000"/>
+              </a:buClr>
+              <a:buSzPct val="45000"/>
+              <a:buFont typeface="Wingdings" charset="2"/>
+              <a:buChar char=""/>
+            </a:pPr>
+            <a:r>
+              <a:rPr b="0" lang="en-US" sz="1800" spc="-1" strike="noStrike">
+                <a:solidFill>
+                  <a:srgbClr val="3c3e41"/>
+                </a:solidFill>
+                <a:latin typeface="Arial"/>
+                <a:ea typeface="DejaVu Sans"/>
+              </a:rPr>
+              <a:t>Each pod can have it’s own allocated pvc</a:t>
+            </a:r>
+            <a:endParaRPr b="0" lang="en-US" sz="1800" spc="-1" strike="noStrike">
+              <a:latin typeface="Arial"/>
+            </a:endParaRPr>
+          </a:p>
+        </p:txBody>
+      </p:sp>
+      <p:sp>
+        <p:nvSpPr>
+          <p:cNvPr id="400" name="CustomShape 3"/>
           <p:cNvSpPr/>
           <p:nvPr/>
         </p:nvSpPr>
         <p:spPr>
           <a:xfrm>
             <a:off x="10515600" y="6202080"/>
-            <a:ext cx="1595520" cy="422640"/>
+            <a:ext cx="1594440" cy="421560"/>
           </a:xfrm>
           <a:prstGeom prst="rect">
             <a:avLst/>
@@ -18676,7 +19190,7 @@
                 <a:spcPct val="100000"/>
               </a:lnSpc>
             </a:pPr>
-            <a:fld id="{5B318013-BA28-43F8-B11C-C07BFE4BF0DB}" type="slidenum">
+            <a:fld id="{50FB973D-61A8-4BA7-AF98-B0519F5849F6}" type="slidenum">
               <a:rPr b="0" lang="en-US" sz="1600" spc="-1" strike="noStrike">
                 <a:solidFill>
                   <a:srgbClr val="000000"/>
@@ -18694,7 +19208,7 @@
       </p:sp>
       <p:pic>
         <p:nvPicPr>
-          <p:cNvPr id="398" name="" descr=""/>
+          <p:cNvPr id="401" name="" descr=""/>
           <p:cNvPicPr/>
           <p:nvPr/>
         </p:nvPicPr>
@@ -18704,8 +19218,8 @@
         </p:blipFill>
         <p:spPr>
           <a:xfrm>
-            <a:off x="228600" y="2355480"/>
-            <a:ext cx="8457120" cy="2215440"/>
+            <a:off x="5945040" y="1421640"/>
+            <a:ext cx="3656160" cy="4611960"/>
           </a:xfrm>
           <a:prstGeom prst="rect">
             <a:avLst/>
@@ -18714,33 +19228,10 @@
             <a:solidFill>
               <a:srgbClr val="3465a4"/>
             </a:solidFill>
-            <a:prstDash val="sysDot"/>
-          </a:ln>
-        </p:spPr>
-      </p:pic>
-      <p:pic>
-        <p:nvPicPr>
-          <p:cNvPr id="399" name="" descr=""/>
-          <p:cNvPicPr/>
-          <p:nvPr/>
-        </p:nvPicPr>
-        <p:blipFill>
-          <a:blip r:embed="rId2"/>
-          <a:stretch/>
-        </p:blipFill>
-        <p:spPr>
-          <a:xfrm>
-            <a:off x="8828640" y="1141560"/>
-            <a:ext cx="3032280" cy="5258160"/>
-          </a:xfrm>
-          <a:prstGeom prst="rect">
-            <a:avLst/>
-          </a:prstGeom>
-          <a:ln>
-            <a:solidFill>
-              <a:srgbClr val="3465a4"/>
-            </a:solidFill>
-            <a:prstDash val="sysDot"/>
+            <a:custDash>
+              <a:ds d="100000" sp="300000"/>
+              <a:ds d="100000" sp="300000"/>
+            </a:custDash>
           </a:ln>
         </p:spPr>
       </p:pic>
@@ -18776,14 +19267,14 @@
       </p:grpSpPr>
       <p:sp>
         <p:nvSpPr>
-          <p:cNvPr id="400" name="CustomShape 1"/>
+          <p:cNvPr id="402" name="CustomShape 1"/>
           <p:cNvSpPr/>
           <p:nvPr/>
         </p:nvSpPr>
         <p:spPr>
           <a:xfrm>
-            <a:off x="3429000" y="376920"/>
-            <a:ext cx="5705280" cy="532800"/>
+            <a:off x="686160" y="0"/>
+            <a:ext cx="10967040" cy="1139400"/>
           </a:xfrm>
           <a:prstGeom prst="rect">
             <a:avLst/>
@@ -18818,33 +19309,48 @@
                   <a:srgbClr val="3465a4"/>
                 </a:solidFill>
                 <a:latin typeface="Arial"/>
-                <a:ea typeface="DejaVu Sans"/>
-              </a:rPr>
-              <a:t>Question and Answer</a:t>
-            </a:r>
-            <a:endParaRPr b="0" lang="en-US" sz="3200" spc="-1" strike="noStrike">
-              <a:latin typeface="Arial"/>
-            </a:endParaRPr>
-          </a:p>
-        </p:txBody>
-      </p:sp>
-      <p:sp>
-        <p:nvSpPr>
-          <p:cNvPr id="401" name="CustomShape 2"/>
+                <a:ea typeface="Noto Sans CJK SC"/>
+              </a:rPr>
+              <a:t>4 - Kubernetes User Interaction</a:t>
+            </a:r>
+            <a:br/>
+            <a:br/>
+            <a:r>
+              <a:rPr b="1" lang="en-US" sz="1800" spc="-1" strike="noStrike">
+                <a:solidFill>
+                  <a:srgbClr val="3465a4"/>
+                </a:solidFill>
+                <a:latin typeface="Arial"/>
+                <a:ea typeface="Noto Sans CJK SC"/>
+              </a:rPr>
+              <a:t>Command line - kubectl</a:t>
+            </a:r>
+            <a:endParaRPr b="0" lang="en-US" sz="1800" spc="-1" strike="noStrike">
+              <a:latin typeface="Arial"/>
+            </a:endParaRPr>
+          </a:p>
+        </p:txBody>
+      </p:sp>
+      <p:sp>
+        <p:nvSpPr>
+          <p:cNvPr id="403" name="CustomShape 2"/>
           <p:cNvSpPr/>
           <p:nvPr/>
         </p:nvSpPr>
         <p:spPr>
           <a:xfrm>
-            <a:off x="10515600" y="6202080"/>
-            <a:ext cx="1595520" cy="422640"/>
+            <a:off x="685800" y="1600200"/>
+            <a:ext cx="4569840" cy="912240"/>
           </a:xfrm>
           <a:prstGeom prst="rect">
             <a:avLst/>
           </a:prstGeom>
           <a:noFill/>
-          <a:ln>
-            <a:noFill/>
+          <a:ln cap="rnd" w="6480">
+            <a:solidFill>
+              <a:srgbClr val="5eb91e"/>
+            </a:solidFill>
+            <a:round/>
           </a:ln>
         </p:spPr>
         <p:style>
@@ -18854,6 +19360,108 @@
           <a:fontRef idx="minor"/>
         </p:style>
         <p:txBody>
+          <a:bodyPr lIns="93240" rIns="93240" tIns="48240" bIns="48240">
+            <a:noAutofit/>
+          </a:bodyPr>
+          <a:p>
+            <a:pPr marL="432000" indent="-321840">
+              <a:lnSpc>
+                <a:spcPct val="100000"/>
+              </a:lnSpc>
+              <a:spcBef>
+                <a:spcPts val="1417"/>
+              </a:spcBef>
+              <a:buClr>
+                <a:srgbClr val="000000"/>
+              </a:buClr>
+              <a:buSzPct val="45000"/>
+              <a:buFont typeface="Wingdings" charset="2"/>
+              <a:buChar char=""/>
+            </a:pPr>
+            <a:r>
+              <a:rPr b="0" lang="en-US" sz="1800" spc="-1" strike="noStrike">
+                <a:solidFill>
+                  <a:srgbClr val="3c3e41"/>
+                </a:solidFill>
+                <a:latin typeface="Arial"/>
+                <a:ea typeface="DejaVu Sans"/>
+              </a:rPr>
+              <a:t>Command line tool</a:t>
+            </a:r>
+            <a:endParaRPr b="0" lang="en-US" sz="1800" spc="-1" strike="noStrike">
+              <a:latin typeface="Arial"/>
+            </a:endParaRPr>
+          </a:p>
+          <a:p>
+            <a:pPr marL="432000" indent="-321840">
+              <a:lnSpc>
+                <a:spcPct val="100000"/>
+              </a:lnSpc>
+              <a:spcBef>
+                <a:spcPts val="1417"/>
+              </a:spcBef>
+              <a:buClr>
+                <a:srgbClr val="000000"/>
+              </a:buClr>
+              <a:buSzPct val="45000"/>
+              <a:buFont typeface="Wingdings" charset="2"/>
+              <a:buChar char=""/>
+            </a:pPr>
+            <a:r>
+              <a:rPr b="0" lang="en-US" sz="1800" spc="-1" strike="noStrike">
+                <a:solidFill>
+                  <a:srgbClr val="3c3e41"/>
+                </a:solidFill>
+                <a:latin typeface="Arial"/>
+                <a:ea typeface="DejaVu Sans"/>
+              </a:rPr>
+              <a:t>Communicate with K8s resources</a:t>
+            </a:r>
+            <a:endParaRPr b="0" lang="en-US" sz="1800" spc="-1" strike="noStrike">
+              <a:latin typeface="Arial"/>
+            </a:endParaRPr>
+          </a:p>
+          <a:p>
+            <a:pPr>
+              <a:lnSpc>
+                <a:spcPct val="100000"/>
+              </a:lnSpc>
+              <a:spcBef>
+                <a:spcPts val="1417"/>
+              </a:spcBef>
+            </a:pPr>
+            <a:endParaRPr b="0" lang="en-US" sz="1800" spc="-1" strike="noStrike">
+              <a:latin typeface="Arial"/>
+            </a:endParaRPr>
+          </a:p>
+        </p:txBody>
+      </p:sp>
+      <p:sp>
+        <p:nvSpPr>
+          <p:cNvPr id="404" name="CustomShape 3"/>
+          <p:cNvSpPr/>
+          <p:nvPr/>
+        </p:nvSpPr>
+        <p:spPr>
+          <a:xfrm>
+            <a:off x="10515600" y="6202080"/>
+            <a:ext cx="1594440" cy="421560"/>
+          </a:xfrm>
+          <a:prstGeom prst="rect">
+            <a:avLst/>
+          </a:prstGeom>
+          <a:noFill/>
+          <a:ln>
+            <a:noFill/>
+          </a:ln>
+        </p:spPr>
+        <p:style>
+          <a:lnRef idx="0"/>
+          <a:fillRef idx="0"/>
+          <a:effectRef idx="0"/>
+          <a:fontRef idx="minor"/>
+        </p:style>
+        <p:txBody>
           <a:bodyPr lIns="90000" rIns="90000" tIns="45000" bIns="45000">
             <a:noAutofit/>
           </a:bodyPr>
@@ -18863,7 +19471,7 @@
                 <a:spcPct val="100000"/>
               </a:lnSpc>
             </a:pPr>
-            <a:fld id="{5BB64527-DED4-459A-88CE-1AFBF7E13FDD}" type="slidenum">
+            <a:fld id="{7AF699DB-2220-4B14-9A44-3543BD070F48}" type="slidenum">
               <a:rPr b="0" lang="en-US" sz="1600" spc="-1" strike="noStrike">
                 <a:solidFill>
                   <a:srgbClr val="000000"/>
@@ -18881,7 +19489,7 @@
       </p:sp>
       <p:pic>
         <p:nvPicPr>
-          <p:cNvPr id="402" name="" descr=""/>
+          <p:cNvPr id="405" name="" descr=""/>
           <p:cNvPicPr/>
           <p:nvPr/>
         </p:nvPicPr>
@@ -18891,14 +19499,17 @@
         </p:blipFill>
         <p:spPr>
           <a:xfrm>
-            <a:off x="4114800" y="2105280"/>
-            <a:ext cx="4645080" cy="3149640"/>
+            <a:off x="724320" y="2971800"/>
+            <a:ext cx="4531320" cy="1715400"/>
           </a:xfrm>
           <a:prstGeom prst="rect">
             <a:avLst/>
           </a:prstGeom>
           <a:ln>
-            <a:noFill/>
+            <a:solidFill>
+              <a:srgbClr val="3465a4"/>
+            </a:solidFill>
+            <a:prstDash val="sysDot"/>
           </a:ln>
         </p:spPr>
       </p:pic>
@@ -18932,6 +19543,425 @@
           <a:chExt cx="0" cy="0"/>
         </a:xfrm>
       </p:grpSpPr>
+      <p:sp>
+        <p:nvSpPr>
+          <p:cNvPr id="406" name="CustomShape 1"/>
+          <p:cNvSpPr/>
+          <p:nvPr/>
+        </p:nvSpPr>
+        <p:spPr>
+          <a:xfrm>
+            <a:off x="686160" y="0"/>
+            <a:ext cx="10967040" cy="1139400"/>
+          </a:xfrm>
+          <a:prstGeom prst="rect">
+            <a:avLst/>
+          </a:prstGeom>
+          <a:noFill/>
+          <a:ln>
+            <a:noFill/>
+          </a:ln>
+        </p:spPr>
+        <p:style>
+          <a:lnRef idx="0"/>
+          <a:fillRef idx="0"/>
+          <a:effectRef idx="0"/>
+          <a:fontRef idx="minor"/>
+        </p:style>
+        <p:txBody>
+          <a:bodyPr lIns="90000" rIns="90000" tIns="45000" bIns="45000">
+            <a:noAutofit/>
+          </a:bodyPr>
+          <a:p>
+            <a:pPr algn="ctr">
+              <a:lnSpc>
+                <a:spcPct val="90000"/>
+              </a:lnSpc>
+              <a:spcBef>
+                <a:spcPts val="1001"/>
+              </a:spcBef>
+            </a:pPr>
+            <a:r>
+              <a:rPr b="1" lang="en-US" sz="3200" spc="-1" strike="noStrike">
+                <a:solidFill>
+                  <a:srgbClr val="3465a4"/>
+                </a:solidFill>
+                <a:latin typeface="Arial"/>
+                <a:ea typeface="Noto Sans CJK SC"/>
+              </a:rPr>
+              <a:t>4 - Kubernetes User Interaction</a:t>
+            </a:r>
+            <a:br/>
+            <a:br/>
+            <a:r>
+              <a:rPr b="1" lang="en-US" sz="1800" spc="-1" strike="noStrike">
+                <a:solidFill>
+                  <a:srgbClr val="3465a4"/>
+                </a:solidFill>
+                <a:latin typeface="Arial"/>
+                <a:ea typeface="Noto Sans CJK SC"/>
+              </a:rPr>
+              <a:t>User interface - Lens</a:t>
+            </a:r>
+            <a:endParaRPr b="0" lang="en-US" sz="1800" spc="-1" strike="noStrike">
+              <a:latin typeface="Arial"/>
+            </a:endParaRPr>
+          </a:p>
+        </p:txBody>
+      </p:sp>
+      <p:sp>
+        <p:nvSpPr>
+          <p:cNvPr id="407" name="CustomShape 2"/>
+          <p:cNvSpPr/>
+          <p:nvPr/>
+        </p:nvSpPr>
+        <p:spPr>
+          <a:xfrm>
+            <a:off x="228600" y="1371600"/>
+            <a:ext cx="8456040" cy="912240"/>
+          </a:xfrm>
+          <a:prstGeom prst="rect">
+            <a:avLst/>
+          </a:prstGeom>
+          <a:noFill/>
+          <a:ln cap="rnd" w="6480">
+            <a:solidFill>
+              <a:srgbClr val="5eb91e"/>
+            </a:solidFill>
+            <a:round/>
+          </a:ln>
+        </p:spPr>
+        <p:style>
+          <a:lnRef idx="0"/>
+          <a:fillRef idx="0"/>
+          <a:effectRef idx="0"/>
+          <a:fontRef idx="minor"/>
+        </p:style>
+        <p:txBody>
+          <a:bodyPr lIns="93240" rIns="93240" tIns="48240" bIns="48240">
+            <a:noAutofit/>
+          </a:bodyPr>
+          <a:p>
+            <a:pPr marL="432000" indent="-321840">
+              <a:lnSpc>
+                <a:spcPct val="100000"/>
+              </a:lnSpc>
+              <a:spcBef>
+                <a:spcPts val="1417"/>
+              </a:spcBef>
+              <a:buClr>
+                <a:srgbClr val="000000"/>
+              </a:buClr>
+              <a:buSzPct val="45000"/>
+              <a:buFont typeface="Wingdings" charset="2"/>
+              <a:buChar char=""/>
+            </a:pPr>
+            <a:r>
+              <a:rPr b="0" lang="en-US" sz="1800" spc="-1" strike="noStrike">
+                <a:solidFill>
+                  <a:srgbClr val="3c3e41"/>
+                </a:solidFill>
+                <a:latin typeface="Arial"/>
+                <a:ea typeface="DejaVu Sans"/>
+              </a:rPr>
+              <a:t>User interface tool</a:t>
+            </a:r>
+            <a:endParaRPr b="0" lang="en-US" sz="1800" spc="-1" strike="noStrike">
+              <a:latin typeface="Arial"/>
+            </a:endParaRPr>
+          </a:p>
+          <a:p>
+            <a:pPr marL="432000" indent="-321840">
+              <a:lnSpc>
+                <a:spcPct val="100000"/>
+              </a:lnSpc>
+              <a:spcBef>
+                <a:spcPts val="1417"/>
+              </a:spcBef>
+              <a:buClr>
+                <a:srgbClr val="000000"/>
+              </a:buClr>
+              <a:buSzPct val="45000"/>
+              <a:buFont typeface="Wingdings" charset="2"/>
+              <a:buChar char=""/>
+            </a:pPr>
+            <a:r>
+              <a:rPr b="0" lang="en-US" sz="1800" spc="-1" strike="noStrike">
+                <a:solidFill>
+                  <a:srgbClr val="3c3e41"/>
+                </a:solidFill>
+                <a:latin typeface="Arial"/>
+                <a:ea typeface="DejaVu Sans"/>
+              </a:rPr>
+              <a:t>Communicate with K8s resources </a:t>
+            </a:r>
+            <a:endParaRPr b="0" lang="en-US" sz="1800" spc="-1" strike="noStrike">
+              <a:latin typeface="Arial"/>
+            </a:endParaRPr>
+          </a:p>
+        </p:txBody>
+      </p:sp>
+      <p:sp>
+        <p:nvSpPr>
+          <p:cNvPr id="408" name="CustomShape 3"/>
+          <p:cNvSpPr/>
+          <p:nvPr/>
+        </p:nvSpPr>
+        <p:spPr>
+          <a:xfrm>
+            <a:off x="10515600" y="6202080"/>
+            <a:ext cx="1594440" cy="421560"/>
+          </a:xfrm>
+          <a:prstGeom prst="rect">
+            <a:avLst/>
+          </a:prstGeom>
+          <a:noFill/>
+          <a:ln>
+            <a:noFill/>
+          </a:ln>
+        </p:spPr>
+        <p:style>
+          <a:lnRef idx="0"/>
+          <a:fillRef idx="0"/>
+          <a:effectRef idx="0"/>
+          <a:fontRef idx="minor"/>
+        </p:style>
+        <p:txBody>
+          <a:bodyPr lIns="90000" rIns="90000" tIns="45000" bIns="45000">
+            <a:noAutofit/>
+          </a:bodyPr>
+          <a:p>
+            <a:pPr algn="ctr">
+              <a:lnSpc>
+                <a:spcPct val="100000"/>
+              </a:lnSpc>
+            </a:pPr>
+            <a:fld id="{FB2251E5-E83D-4B44-9A07-66D2BBF19269}" type="slidenum">
+              <a:rPr b="0" lang="en-US" sz="1600" spc="-1" strike="noStrike">
+                <a:solidFill>
+                  <a:srgbClr val="000000"/>
+                </a:solidFill>
+                <a:latin typeface="Times New Roman"/>
+                <a:ea typeface="DejaVu Sans"/>
+              </a:rPr>
+              <a:t>&lt;number&gt;</a:t>
+            </a:fld>
+            <a:endParaRPr b="0" lang="en-US" sz="1600" spc="-1" strike="noStrike">
+              <a:latin typeface="Arial"/>
+            </a:endParaRPr>
+          </a:p>
+        </p:txBody>
+      </p:sp>
+      <p:pic>
+        <p:nvPicPr>
+          <p:cNvPr id="409" name="" descr=""/>
+          <p:cNvPicPr/>
+          <p:nvPr/>
+        </p:nvPicPr>
+        <p:blipFill>
+          <a:blip r:embed="rId1"/>
+          <a:stretch/>
+        </p:blipFill>
+        <p:spPr>
+          <a:xfrm>
+            <a:off x="228600" y="2355480"/>
+            <a:ext cx="8456040" cy="2214360"/>
+          </a:xfrm>
+          <a:prstGeom prst="rect">
+            <a:avLst/>
+          </a:prstGeom>
+          <a:ln>
+            <a:solidFill>
+              <a:srgbClr val="3465a4"/>
+            </a:solidFill>
+            <a:prstDash val="sysDot"/>
+          </a:ln>
+        </p:spPr>
+      </p:pic>
+      <p:pic>
+        <p:nvPicPr>
+          <p:cNvPr id="410" name="" descr=""/>
+          <p:cNvPicPr/>
+          <p:nvPr/>
+        </p:nvPicPr>
+        <p:blipFill>
+          <a:blip r:embed="rId2"/>
+          <a:stretch/>
+        </p:blipFill>
+        <p:spPr>
+          <a:xfrm>
+            <a:off x="8828640" y="1141560"/>
+            <a:ext cx="3031200" cy="5257080"/>
+          </a:xfrm>
+          <a:prstGeom prst="rect">
+            <a:avLst/>
+          </a:prstGeom>
+          <a:ln>
+            <a:solidFill>
+              <a:srgbClr val="3465a4"/>
+            </a:solidFill>
+            <a:prstDash val="sysDot"/>
+          </a:ln>
+        </p:spPr>
+      </p:pic>
+    </p:spTree>
+  </p:cSld>
+  <mc:AlternateContent>
+    <mc:Choice Requires="p14">
+      <p:transition spd="slow" p14:dur="2000"/>
+    </mc:Choice>
+    <mc:Fallback>
+      <p:transition spd="slow"/>
+    </mc:Fallback>
+  </mc:AlternateContent>
+</p:sld>
+</file>
+
+<file path=ppt/slides/slide29.xml><?xml version="1.0" encoding="utf-8"?>
+<p:sld xmlns:a="http://schemas.openxmlformats.org/drawingml/2006/main" xmlns:p="http://schemas.openxmlformats.org/presentationml/2006/main" xmlns:r="http://schemas.openxmlformats.org/officeDocument/2006/relationships" xmlns:p14="http://schemas.microsoft.com/office/powerpoint/2010/main" xmlns:p15="http://schemas.microsoft.com/office/powerpoint/2012/main" xmlns:mc="http://schemas.openxmlformats.org/markup-compatibility/2006">
+  <p:cSld>
+    <p:spTree>
+      <p:nvGrpSpPr>
+        <p:cNvPr id="1" name=""/>
+        <p:cNvGrpSpPr/>
+        <p:nvPr/>
+      </p:nvGrpSpPr>
+      <p:grpSpPr>
+        <a:xfrm>
+          <a:off x="0" y="0"/>
+          <a:ext cx="0" cy="0"/>
+          <a:chOff x="0" y="0"/>
+          <a:chExt cx="0" cy="0"/>
+        </a:xfrm>
+      </p:grpSpPr>
+      <p:sp>
+        <p:nvSpPr>
+          <p:cNvPr id="411" name="CustomShape 1"/>
+          <p:cNvSpPr/>
+          <p:nvPr/>
+        </p:nvSpPr>
+        <p:spPr>
+          <a:xfrm>
+            <a:off x="3429000" y="376920"/>
+            <a:ext cx="5704200" cy="531720"/>
+          </a:xfrm>
+          <a:prstGeom prst="rect">
+            <a:avLst/>
+          </a:prstGeom>
+          <a:noFill/>
+          <a:ln>
+            <a:noFill/>
+          </a:ln>
+        </p:spPr>
+        <p:style>
+          <a:lnRef idx="0"/>
+          <a:fillRef idx="0"/>
+          <a:effectRef idx="0"/>
+          <a:fontRef idx="minor"/>
+        </p:style>
+        <p:txBody>
+          <a:bodyPr lIns="90000" rIns="90000" tIns="45000" bIns="45000">
+            <a:noAutofit/>
+          </a:bodyPr>
+          <a:p>
+            <a:pPr algn="ctr">
+              <a:lnSpc>
+                <a:spcPct val="90000"/>
+              </a:lnSpc>
+              <a:spcBef>
+                <a:spcPts val="1001"/>
+              </a:spcBef>
+            </a:pPr>
+            <a:r>
+              <a:rPr b="1" lang="en-US" sz="3200" spc="-1" strike="noStrike">
+                <a:solidFill>
+                  <a:srgbClr val="3465a4"/>
+                </a:solidFill>
+                <a:latin typeface="Arial"/>
+                <a:ea typeface="DejaVu Sans"/>
+              </a:rPr>
+              <a:t>Question and Answer</a:t>
+            </a:r>
+            <a:endParaRPr b="0" lang="en-US" sz="3200" spc="-1" strike="noStrike">
+              <a:latin typeface="Arial"/>
+            </a:endParaRPr>
+          </a:p>
+        </p:txBody>
+      </p:sp>
+      <p:sp>
+        <p:nvSpPr>
+          <p:cNvPr id="412" name="CustomShape 2"/>
+          <p:cNvSpPr/>
+          <p:nvPr/>
+        </p:nvSpPr>
+        <p:spPr>
+          <a:xfrm>
+            <a:off x="10515600" y="6202080"/>
+            <a:ext cx="1594440" cy="421560"/>
+          </a:xfrm>
+          <a:prstGeom prst="rect">
+            <a:avLst/>
+          </a:prstGeom>
+          <a:noFill/>
+          <a:ln>
+            <a:noFill/>
+          </a:ln>
+        </p:spPr>
+        <p:style>
+          <a:lnRef idx="0"/>
+          <a:fillRef idx="0"/>
+          <a:effectRef idx="0"/>
+          <a:fontRef idx="minor"/>
+        </p:style>
+        <p:txBody>
+          <a:bodyPr lIns="90000" rIns="90000" tIns="45000" bIns="45000">
+            <a:noAutofit/>
+          </a:bodyPr>
+          <a:p>
+            <a:pPr algn="ctr">
+              <a:lnSpc>
+                <a:spcPct val="100000"/>
+              </a:lnSpc>
+            </a:pPr>
+            <a:fld id="{BE1F4932-F5DD-4C1C-A591-3994132E6D35}" type="slidenum">
+              <a:rPr b="0" lang="en-US" sz="1600" spc="-1" strike="noStrike">
+                <a:solidFill>
+                  <a:srgbClr val="000000"/>
+                </a:solidFill>
+                <a:latin typeface="Times New Roman"/>
+                <a:ea typeface="DejaVu Sans"/>
+              </a:rPr>
+              <a:t>&lt;number&gt;</a:t>
+            </a:fld>
+            <a:endParaRPr b="0" lang="en-US" sz="1600" spc="-1" strike="noStrike">
+              <a:latin typeface="Arial"/>
+            </a:endParaRPr>
+          </a:p>
+        </p:txBody>
+      </p:sp>
+      <p:pic>
+        <p:nvPicPr>
+          <p:cNvPr id="413" name="" descr=""/>
+          <p:cNvPicPr/>
+          <p:nvPr/>
+        </p:nvPicPr>
+        <p:blipFill>
+          <a:blip r:embed="rId1"/>
+          <a:stretch/>
+        </p:blipFill>
+        <p:spPr>
+          <a:xfrm>
+            <a:off x="4114800" y="2105280"/>
+            <a:ext cx="4644000" cy="3148560"/>
+          </a:xfrm>
+          <a:prstGeom prst="rect">
+            <a:avLst/>
+          </a:prstGeom>
+          <a:ln>
+            <a:noFill/>
+          </a:ln>
+        </p:spPr>
+      </p:pic>
     </p:spTree>
   </p:cSld>
   <mc:AlternateContent>
@@ -18971,7 +20001,7 @@
         <p:spPr>
           <a:xfrm>
             <a:off x="5809320" y="1506960"/>
-            <a:ext cx="5210280" cy="3838320"/>
+            <a:ext cx="5209200" cy="3837240"/>
           </a:xfrm>
           <a:prstGeom prst="rect">
             <a:avLst/>
@@ -18992,7 +20022,7 @@
             <a:noAutofit/>
           </a:bodyPr>
           <a:p>
-            <a:pPr marL="343080" indent="-342000">
+            <a:pPr marL="343080" indent="-340920">
               <a:lnSpc>
                 <a:spcPct val="90000"/>
               </a:lnSpc>
@@ -19020,7 +20050,7 @@
             </a:endParaRPr>
           </a:p>
           <a:p>
-            <a:pPr lvl="1" marL="800280" indent="-342000">
+            <a:pPr lvl="1" marL="800280" indent="-340920">
               <a:lnSpc>
                 <a:spcPct val="90000"/>
               </a:lnSpc>
@@ -19048,7 +20078,7 @@
             </a:endParaRPr>
           </a:p>
           <a:p>
-            <a:pPr lvl="1" marL="800280" indent="-342000">
+            <a:pPr lvl="1" marL="800280" indent="-340920">
               <a:lnSpc>
                 <a:spcPct val="90000"/>
               </a:lnSpc>
@@ -19076,7 +20106,7 @@
             </a:endParaRPr>
           </a:p>
           <a:p>
-            <a:pPr marL="343080" indent="-342000">
+            <a:pPr marL="343080" indent="-340920">
               <a:lnSpc>
                 <a:spcPct val="90000"/>
               </a:lnSpc>
@@ -19104,7 +20134,7 @@
             </a:endParaRPr>
           </a:p>
           <a:p>
-            <a:pPr marL="343080" indent="-342000">
+            <a:pPr marL="343080" indent="-340920">
               <a:lnSpc>
                 <a:spcPct val="90000"/>
               </a:lnSpc>
@@ -19132,7 +20162,7 @@
             </a:endParaRPr>
           </a:p>
           <a:p>
-            <a:pPr lvl="1" marL="800280" indent="-342000">
+            <a:pPr lvl="1" marL="800280" indent="-340920">
               <a:lnSpc>
                 <a:spcPct val="90000"/>
               </a:lnSpc>
@@ -19160,7 +20190,7 @@
             </a:endParaRPr>
           </a:p>
           <a:p>
-            <a:pPr lvl="1" marL="800280" indent="-342000">
+            <a:pPr lvl="1" marL="800280" indent="-340920">
               <a:lnSpc>
                 <a:spcPct val="90000"/>
               </a:lnSpc>
@@ -19188,7 +20218,7 @@
             </a:endParaRPr>
           </a:p>
           <a:p>
-            <a:pPr lvl="1" marL="800280" indent="-342000">
+            <a:pPr lvl="1" marL="800280" indent="-340920">
               <a:lnSpc>
                 <a:spcPct val="90000"/>
               </a:lnSpc>
@@ -19216,7 +20246,7 @@
             </a:endParaRPr>
           </a:p>
           <a:p>
-            <a:pPr lvl="1" marL="800280" indent="-342000">
+            <a:pPr lvl="1" marL="800280" indent="-340920">
               <a:lnSpc>
                 <a:spcPct val="90000"/>
               </a:lnSpc>
@@ -19244,7 +20274,7 @@
             </a:endParaRPr>
           </a:p>
           <a:p>
-            <a:pPr lvl="1" marL="800280" indent="-342000">
+            <a:pPr lvl="1" marL="800280" indent="-340920">
               <a:lnSpc>
                 <a:spcPct val="90000"/>
               </a:lnSpc>
@@ -19272,7 +20302,7 @@
             </a:endParaRPr>
           </a:p>
           <a:p>
-            <a:pPr lvl="1" marL="800280" indent="-342000">
+            <a:pPr lvl="1" marL="800280" indent="-340920">
               <a:lnSpc>
                 <a:spcPct val="90000"/>
               </a:lnSpc>
@@ -19300,7 +20330,7 @@
             </a:endParaRPr>
           </a:p>
           <a:p>
-            <a:pPr marL="343080" indent="-342000">
+            <a:pPr marL="343080" indent="-340920">
               <a:lnSpc>
                 <a:spcPct val="90000"/>
               </a:lnSpc>
@@ -19328,7 +20358,7 @@
             </a:endParaRPr>
           </a:p>
           <a:p>
-            <a:pPr lvl="1" marL="800280" indent="-342000">
+            <a:pPr lvl="1" marL="800280" indent="-340920">
               <a:lnSpc>
                 <a:spcPct val="90000"/>
               </a:lnSpc>
@@ -19356,7 +20386,7 @@
             </a:endParaRPr>
           </a:p>
           <a:p>
-            <a:pPr lvl="1" marL="800280" indent="-342000">
+            <a:pPr lvl="1" marL="800280" indent="-340920">
               <a:lnSpc>
                 <a:spcPct val="90000"/>
               </a:lnSpc>
@@ -19398,6 +20428,36 @@
           </a:p>
         </p:txBody>
       </p:sp>
+    </p:spTree>
+  </p:cSld>
+  <mc:AlternateContent>
+    <mc:Choice Requires="p14">
+      <p:transition spd="slow" p14:dur="2000"/>
+    </mc:Choice>
+    <mc:Fallback>
+      <p:transition spd="slow"/>
+    </mc:Fallback>
+  </mc:AlternateContent>
+</p:sld>
+</file>
+
+<file path=ppt/slides/slide30.xml><?xml version="1.0" encoding="utf-8"?>
+<p:sld xmlns:a="http://schemas.openxmlformats.org/drawingml/2006/main" xmlns:p="http://schemas.openxmlformats.org/presentationml/2006/main" xmlns:r="http://schemas.openxmlformats.org/officeDocument/2006/relationships" xmlns:p14="http://schemas.microsoft.com/office/powerpoint/2010/main" xmlns:p15="http://schemas.microsoft.com/office/powerpoint/2012/main" xmlns:mc="http://schemas.openxmlformats.org/markup-compatibility/2006">
+  <p:cSld>
+    <p:spTree>
+      <p:nvGrpSpPr>
+        <p:cNvPr id="1" name=""/>
+        <p:cNvGrpSpPr/>
+        <p:nvPr/>
+      </p:nvGrpSpPr>
+      <p:grpSpPr>
+        <a:xfrm>
+          <a:off x="0" y="0"/>
+          <a:ext cx="0" cy="0"/>
+          <a:chOff x="0" y="0"/>
+          <a:chExt cx="0" cy="0"/>
+        </a:xfrm>
+      </p:grpSpPr>
     </p:spTree>
   </p:cSld>
   <mc:AlternateContent>
@@ -19437,7 +20497,7 @@
         <p:spPr>
           <a:xfrm>
             <a:off x="686160" y="0"/>
-            <a:ext cx="10968120" cy="1140480"/>
+            <a:ext cx="10967040" cy="1139400"/>
           </a:xfrm>
           <a:prstGeom prst="rect">
             <a:avLst/>
@@ -19503,7 +20563,7 @@
         <p:spPr>
           <a:xfrm>
             <a:off x="6761520" y="1600200"/>
-            <a:ext cx="5349960" cy="905760"/>
+            <a:ext cx="5348880" cy="904680"/>
           </a:xfrm>
           <a:prstGeom prst="rect">
             <a:avLst/>
@@ -19527,7 +20587,7 @@
             <a:noAutofit/>
           </a:bodyPr>
           <a:p>
-            <a:pPr marL="432000" indent="-322920">
+            <a:pPr marL="432000" indent="-321840">
               <a:lnSpc>
                 <a:spcPct val="100000"/>
               </a:lnSpc>
@@ -19557,7 +20617,7 @@
             </a:endParaRPr>
           </a:p>
           <a:p>
-            <a:pPr marL="432000" indent="-322920">
+            <a:pPr marL="432000" indent="-321840">
               <a:lnSpc>
                 <a:spcPct val="100000"/>
               </a:lnSpc>
@@ -19617,7 +20677,7 @@
         <p:spPr>
           <a:xfrm>
             <a:off x="10515600" y="6202080"/>
-            <a:ext cx="1595520" cy="422640"/>
+            <a:ext cx="1594440" cy="421560"/>
           </a:xfrm>
           <a:prstGeom prst="rect">
             <a:avLst/>
@@ -19643,7 +20703,7 @@
                 <a:spcPct val="100000"/>
               </a:lnSpc>
             </a:pPr>
-            <a:fld id="{33A64643-465E-4473-8040-42CB874E1D92}" type="slidenum">
+            <a:fld id="{EFFE7D3D-6E30-47DB-9D74-87160C5C25AB}" type="slidenum">
               <a:rPr b="0" lang="en-US" sz="1600" spc="-1" strike="noStrike">
                 <a:solidFill>
                   <a:srgbClr val="000000"/>
@@ -19668,7 +20728,7 @@
         <p:spPr>
           <a:xfrm>
             <a:off x="132120" y="1600200"/>
-            <a:ext cx="5349960" cy="905760"/>
+            <a:ext cx="5348880" cy="904680"/>
           </a:xfrm>
           <a:prstGeom prst="rect">
             <a:avLst/>
@@ -19691,7 +20751,7 @@
             <a:noAutofit/>
           </a:bodyPr>
           <a:p>
-            <a:pPr marL="432000" indent="-322920">
+            <a:pPr marL="432000" indent="-321840">
               <a:lnSpc>
                 <a:spcPct val="100000"/>
               </a:lnSpc>
@@ -19721,7 +20781,7 @@
             </a:endParaRPr>
           </a:p>
           <a:p>
-            <a:pPr marL="432000" indent="-322920">
+            <a:pPr marL="432000" indent="-321840">
               <a:lnSpc>
                 <a:spcPct val="100000"/>
               </a:lnSpc>
@@ -19764,7 +20824,7 @@
         <p:spPr>
           <a:xfrm>
             <a:off x="1828800" y="2696040"/>
-            <a:ext cx="7329600" cy="3243240"/>
+            <a:ext cx="7328520" cy="3242160"/>
           </a:xfrm>
           <a:prstGeom prst="rect">
             <a:avLst/>
@@ -19813,7 +20873,7 @@
         <p:spPr>
           <a:xfrm>
             <a:off x="686160" y="0"/>
-            <a:ext cx="10968120" cy="1140480"/>
+            <a:ext cx="10967040" cy="1139400"/>
           </a:xfrm>
           <a:prstGeom prst="rect">
             <a:avLst/>
@@ -19879,7 +20939,7 @@
         <p:spPr>
           <a:xfrm>
             <a:off x="5593320" y="1611360"/>
-            <a:ext cx="6518160" cy="905760"/>
+            <a:ext cx="6517080" cy="904680"/>
           </a:xfrm>
           <a:prstGeom prst="rect">
             <a:avLst/>
@@ -19903,7 +20963,7 @@
             <a:noAutofit/>
           </a:bodyPr>
           <a:p>
-            <a:pPr marL="432000" indent="-322920">
+            <a:pPr marL="432000" indent="-321840">
               <a:lnSpc>
                 <a:spcPct val="100000"/>
               </a:lnSpc>
@@ -19933,7 +20993,7 @@
             </a:endParaRPr>
           </a:p>
           <a:p>
-            <a:pPr marL="432000" indent="-322920">
+            <a:pPr marL="432000" indent="-321840">
               <a:lnSpc>
                 <a:spcPct val="100000"/>
               </a:lnSpc>
@@ -19972,7 +21032,7 @@
         <p:spPr>
           <a:xfrm>
             <a:off x="10515600" y="6202080"/>
-            <a:ext cx="1595520" cy="422640"/>
+            <a:ext cx="1594440" cy="421560"/>
           </a:xfrm>
           <a:prstGeom prst="rect">
             <a:avLst/>
@@ -19998,7 +21058,7 @@
                 <a:spcPct val="100000"/>
               </a:lnSpc>
             </a:pPr>
-            <a:fld id="{618D9007-B5B8-4CEF-A7E3-AB0B062B54E4}" type="slidenum">
+            <a:fld id="{223EBE17-1389-4993-9782-9FFD7A36C462}" type="slidenum">
               <a:rPr b="0" lang="en-US" sz="1600" spc="-1" strike="noStrike">
                 <a:solidFill>
                   <a:srgbClr val="000000"/>
@@ -20023,7 +21083,7 @@
         <p:spPr>
           <a:xfrm>
             <a:off x="0" y="1600200"/>
-            <a:ext cx="5482080" cy="905760"/>
+            <a:ext cx="5481000" cy="904680"/>
           </a:xfrm>
           <a:prstGeom prst="rect">
             <a:avLst/>
@@ -20046,7 +21106,7 @@
             <a:noAutofit/>
           </a:bodyPr>
           <a:p>
-            <a:pPr marL="432000" indent="-322920">
+            <a:pPr marL="432000" indent="-321840">
               <a:lnSpc>
                 <a:spcPct val="100000"/>
               </a:lnSpc>
@@ -20076,7 +21136,7 @@
             </a:endParaRPr>
           </a:p>
           <a:p>
-            <a:pPr marL="432000" indent="-322920">
+            <a:pPr marL="432000" indent="-321840">
               <a:lnSpc>
                 <a:spcPct val="100000"/>
               </a:lnSpc>
@@ -20119,7 +21179,7 @@
         <p:spPr>
           <a:xfrm>
             <a:off x="360" y="2692080"/>
-            <a:ext cx="11882520" cy="3611520"/>
+            <a:ext cx="11881440" cy="3610440"/>
           </a:xfrm>
           <a:prstGeom prst="rect">
             <a:avLst/>
@@ -20168,7 +21228,7 @@
         <p:spPr>
           <a:xfrm>
             <a:off x="686160" y="0"/>
-            <a:ext cx="10968120" cy="1140480"/>
+            <a:ext cx="10967040" cy="1139400"/>
           </a:xfrm>
           <a:prstGeom prst="rect">
             <a:avLst/>
@@ -20234,7 +21294,7 @@
         <p:spPr>
           <a:xfrm>
             <a:off x="5593320" y="1611360"/>
-            <a:ext cx="6518160" cy="905760"/>
+            <a:ext cx="6517080" cy="904680"/>
           </a:xfrm>
           <a:prstGeom prst="rect">
             <a:avLst/>
@@ -20258,7 +21318,7 @@
             <a:noAutofit/>
           </a:bodyPr>
           <a:p>
-            <a:pPr marL="432000" indent="-322920">
+            <a:pPr marL="432000" indent="-321840">
               <a:lnSpc>
                 <a:spcPct val="100000"/>
               </a:lnSpc>
@@ -20288,7 +21348,7 @@
             </a:endParaRPr>
           </a:p>
           <a:p>
-            <a:pPr marL="432000" indent="-322920">
+            <a:pPr marL="432000" indent="-321840">
               <a:lnSpc>
                 <a:spcPct val="100000"/>
               </a:lnSpc>
@@ -20327,7 +21387,7 @@
         <p:spPr>
           <a:xfrm>
             <a:off x="10515600" y="6202080"/>
-            <a:ext cx="1595520" cy="422640"/>
+            <a:ext cx="1594440" cy="421560"/>
           </a:xfrm>
           <a:prstGeom prst="rect">
             <a:avLst/>
@@ -20353,7 +21413,7 @@
                 <a:spcPct val="100000"/>
               </a:lnSpc>
             </a:pPr>
-            <a:fld id="{341F5AB7-E893-4ED0-8583-C126C2CAE993}" type="slidenum">
+            <a:fld id="{13BAB6E6-15C4-4215-9427-B2492BC4CAB2}" type="slidenum">
               <a:rPr b="0" lang="en-US" sz="1600" spc="-1" strike="noStrike">
                 <a:solidFill>
                   <a:srgbClr val="000000"/>
@@ -20378,7 +21438,7 @@
         <p:spPr>
           <a:xfrm>
             <a:off x="0" y="1600200"/>
-            <a:ext cx="5482080" cy="905760"/>
+            <a:ext cx="5481000" cy="904680"/>
           </a:xfrm>
           <a:prstGeom prst="rect">
             <a:avLst/>
@@ -20401,7 +21461,7 @@
             <a:noAutofit/>
           </a:bodyPr>
           <a:p>
-            <a:pPr marL="432000" indent="-322920">
+            <a:pPr marL="432000" indent="-321840">
               <a:lnSpc>
                 <a:spcPct val="100000"/>
               </a:lnSpc>
@@ -20431,7 +21491,7 @@
             </a:endParaRPr>
           </a:p>
           <a:p>
-            <a:pPr marL="432000" indent="-322920">
+            <a:pPr marL="432000" indent="-321840">
               <a:lnSpc>
                 <a:spcPct val="100000"/>
               </a:lnSpc>
@@ -20474,7 +21534,7 @@
         <p:spPr>
           <a:xfrm>
             <a:off x="1600200" y="2743200"/>
-            <a:ext cx="8282160" cy="3888360"/>
+            <a:ext cx="8281080" cy="3887280"/>
           </a:xfrm>
           <a:prstGeom prst="rect">
             <a:avLst/>
@@ -20523,7 +21583,7 @@
         <p:spPr>
           <a:xfrm>
             <a:off x="686160" y="0"/>
-            <a:ext cx="10968120" cy="1140480"/>
+            <a:ext cx="10967040" cy="1139400"/>
           </a:xfrm>
           <a:prstGeom prst="rect">
             <a:avLst/>
@@ -20589,7 +21649,7 @@
         <p:spPr>
           <a:xfrm>
             <a:off x="5257800" y="1604520"/>
-            <a:ext cx="6930000" cy="905760"/>
+            <a:ext cx="6928920" cy="904680"/>
           </a:xfrm>
           <a:prstGeom prst="rect">
             <a:avLst/>
@@ -20613,7 +21673,7 @@
             <a:noAutofit/>
           </a:bodyPr>
           <a:p>
-            <a:pPr marL="432000" indent="-322920">
+            <a:pPr marL="432000" indent="-321840">
               <a:lnSpc>
                 <a:spcPct val="100000"/>
               </a:lnSpc>
@@ -20643,7 +21703,7 @@
             </a:endParaRPr>
           </a:p>
           <a:p>
-            <a:pPr marL="432000" indent="-322920">
+            <a:pPr marL="432000" indent="-321840">
               <a:lnSpc>
                 <a:spcPct val="100000"/>
               </a:lnSpc>
@@ -20702,7 +21762,7 @@
         <p:spPr>
           <a:xfrm>
             <a:off x="10515600" y="6202080"/>
-            <a:ext cx="1595520" cy="422640"/>
+            <a:ext cx="1594440" cy="421560"/>
           </a:xfrm>
           <a:prstGeom prst="rect">
             <a:avLst/>
@@ -20728,7 +21788,7 @@
                 <a:spcPct val="100000"/>
               </a:lnSpc>
             </a:pPr>
-            <a:fld id="{FECCEEEC-9DAE-4B56-8903-4E8061166380}" type="slidenum">
+            <a:fld id="{2FB97121-7D14-46C9-B8D2-5002404B395D}" type="slidenum">
               <a:rPr b="0" lang="en-US" sz="1600" spc="-1" strike="noStrike">
                 <a:solidFill>
                   <a:srgbClr val="000000"/>
@@ -20753,7 +21813,7 @@
         <p:spPr>
           <a:xfrm>
             <a:off x="0" y="1600200"/>
-            <a:ext cx="4796280" cy="905760"/>
+            <a:ext cx="4795200" cy="904680"/>
           </a:xfrm>
           <a:prstGeom prst="rect">
             <a:avLst/>
@@ -20776,7 +21836,7 @@
             <a:noAutofit/>
           </a:bodyPr>
           <a:p>
-            <a:pPr marL="432000" indent="-322920">
+            <a:pPr marL="432000" indent="-321840">
               <a:lnSpc>
                 <a:spcPct val="100000"/>
               </a:lnSpc>
@@ -20806,7 +21866,7 @@
             </a:endParaRPr>
           </a:p>
           <a:p>
-            <a:pPr marL="432000" indent="-322920">
+            <a:pPr marL="432000" indent="-321840">
               <a:lnSpc>
                 <a:spcPct val="100000"/>
               </a:lnSpc>
@@ -20849,7 +21909,7 @@
         <p:spPr>
           <a:xfrm>
             <a:off x="685800" y="2972160"/>
-            <a:ext cx="10520280" cy="3424320"/>
+            <a:ext cx="10519200" cy="3423240"/>
           </a:xfrm>
           <a:prstGeom prst="rect">
             <a:avLst/>
@@ -20898,7 +21958,7 @@
         <p:spPr>
           <a:xfrm>
             <a:off x="686160" y="0"/>
-            <a:ext cx="10968120" cy="1140480"/>
+            <a:ext cx="10967040" cy="1139400"/>
           </a:xfrm>
           <a:prstGeom prst="rect">
             <a:avLst/>
@@ -20964,7 +22024,7 @@
         <p:spPr>
           <a:xfrm>
             <a:off x="0" y="1376280"/>
-            <a:ext cx="5025240" cy="2048760"/>
+            <a:ext cx="5024160" cy="2047680"/>
           </a:xfrm>
           <a:prstGeom prst="rect">
             <a:avLst/>
@@ -20988,7 +22048,7 @@
             <a:noAutofit/>
           </a:bodyPr>
           <a:p>
-            <a:pPr marL="432000" indent="-322920">
+            <a:pPr marL="432000" indent="-321840">
               <a:lnSpc>
                 <a:spcPct val="100000"/>
               </a:lnSpc>
@@ -21017,7 +22077,7 @@
             </a:endParaRPr>
           </a:p>
           <a:p>
-            <a:pPr marL="432000" indent="-322920">
+            <a:pPr marL="432000" indent="-321840">
               <a:lnSpc>
                 <a:spcPct val="100000"/>
               </a:lnSpc>
@@ -21046,7 +22106,7 @@
             </a:endParaRPr>
           </a:p>
           <a:p>
-            <a:pPr marL="432000" indent="-322920">
+            <a:pPr marL="432000" indent="-321840">
               <a:lnSpc>
                 <a:spcPct val="100000"/>
               </a:lnSpc>
@@ -21075,7 +22135,7 @@
             </a:endParaRPr>
           </a:p>
           <a:p>
-            <a:pPr marL="432000" indent="-322920">
+            <a:pPr marL="432000" indent="-321840">
               <a:lnSpc>
                 <a:spcPct val="100000"/>
               </a:lnSpc>
@@ -21114,7 +22174,7 @@
         <p:spPr>
           <a:xfrm>
             <a:off x="10515600" y="6202080"/>
-            <a:ext cx="1595520" cy="422640"/>
+            <a:ext cx="1594440" cy="421560"/>
           </a:xfrm>
           <a:prstGeom prst="rect">
             <a:avLst/>
@@ -21140,7 +22200,7 @@
                 <a:spcPct val="100000"/>
               </a:lnSpc>
             </a:pPr>
-            <a:fld id="{556B6043-D009-4473-9A97-1DB0B48C595B}" type="slidenum">
+            <a:fld id="{B8EE4F65-A884-4D00-B22A-D984AA9C5CDC}" type="slidenum">
               <a:rPr b="0" lang="en-US" sz="1600" spc="-1" strike="noStrike">
                 <a:solidFill>
                   <a:srgbClr val="000000"/>
@@ -21169,7 +22229,7 @@
         <p:spPr>
           <a:xfrm>
             <a:off x="5104080" y="1371600"/>
-            <a:ext cx="6768000" cy="4624920"/>
+            <a:ext cx="6766920" cy="4623840"/>
           </a:xfrm>
           <a:prstGeom prst="rect">
             <a:avLst/>
@@ -21218,7 +22278,7 @@
         <p:spPr>
           <a:xfrm>
             <a:off x="686160" y="0"/>
-            <a:ext cx="10968120" cy="1140480"/>
+            <a:ext cx="10967040" cy="1139400"/>
           </a:xfrm>
           <a:prstGeom prst="rect">
             <a:avLst/>
@@ -21272,7 +22332,7 @@
         <p:spPr>
           <a:xfrm>
             <a:off x="0" y="1376280"/>
-            <a:ext cx="2967840" cy="905760"/>
+            <a:ext cx="2966760" cy="904680"/>
           </a:xfrm>
           <a:prstGeom prst="rect">
             <a:avLst/>
@@ -21296,7 +22356,7 @@
             <a:noAutofit/>
           </a:bodyPr>
           <a:p>
-            <a:pPr marL="432000" indent="-322920">
+            <a:pPr marL="432000" indent="-321840">
               <a:lnSpc>
                 <a:spcPct val="100000"/>
               </a:lnSpc>
@@ -21325,7 +22385,7 @@
             </a:endParaRPr>
           </a:p>
           <a:p>
-            <a:pPr marL="432000" indent="-322920">
+            <a:pPr marL="432000" indent="-321840">
               <a:lnSpc>
                 <a:spcPct val="100000"/>
               </a:lnSpc>
@@ -21364,7 +22424,7 @@
         <p:spPr>
           <a:xfrm>
             <a:off x="10515600" y="6202080"/>
-            <a:ext cx="1595520" cy="422640"/>
+            <a:ext cx="1594440" cy="421560"/>
           </a:xfrm>
           <a:prstGeom prst="rect">
             <a:avLst/>
@@ -21390,7 +22450,7 @@
                 <a:spcPct val="100000"/>
               </a:lnSpc>
             </a:pPr>
-            <a:fld id="{7E5835DC-0FC7-45A7-B67A-3AF41FF59348}" type="slidenum">
+            <a:fld id="{6B09A0B7-BE45-4F24-A9E9-26D108052FC5}" type="slidenum">
               <a:rPr b="0" lang="en-US" sz="1600" spc="-1" strike="noStrike">
                 <a:solidFill>
                   <a:srgbClr val="000000"/>
@@ -21419,7 +22479,7 @@
         <p:spPr>
           <a:xfrm>
             <a:off x="3200400" y="1371600"/>
-            <a:ext cx="8682840" cy="4796640"/>
+            <a:ext cx="8681760" cy="4795560"/>
           </a:xfrm>
           <a:prstGeom prst="rect">
             <a:avLst/>

--- a/documents/K8s_Knowledge_Sharing.pptx
+++ b/documents/K8s_Knowledge_Sharing.pptx
@@ -9572,7 +9572,7 @@
         <p:spPr>
           <a:xfrm>
             <a:off x="0" y="0"/>
-            <a:ext cx="12185280" cy="5145480"/>
+            <a:ext cx="12184920" cy="5145120"/>
           </a:xfrm>
           <a:prstGeom prst="rect">
             <a:avLst/>
@@ -9614,7 +9614,7 @@
         <p:spPr>
           <a:xfrm>
             <a:off x="10582200" y="5243760"/>
-            <a:ext cx="1351080" cy="1351080"/>
+            <a:ext cx="1350720" cy="1350720"/>
           </a:xfrm>
           <a:prstGeom prst="rect">
             <a:avLst/>
@@ -9633,7 +9633,7 @@
         <p:spPr>
           <a:xfrm>
             <a:off x="1637280" y="753120"/>
-            <a:ext cx="7851600" cy="3932640"/>
+            <a:ext cx="7851240" cy="3932280"/>
           </a:xfrm>
           <a:prstGeom prst="rect">
             <a:avLst/>
@@ -9673,7 +9673,7 @@
         <p:spPr>
           <a:xfrm>
             <a:off x="7681680" y="1234080"/>
-            <a:ext cx="3841200" cy="3681720"/>
+            <a:ext cx="3840840" cy="3681360"/>
           </a:xfrm>
           <a:prstGeom prst="rect">
             <a:avLst/>
@@ -9712,7 +9712,13 @@
               <a:rPr b="0" lang="en-US" sz="4400" spc="-1" strike="noStrike">
                 <a:latin typeface="Arial"/>
               </a:rPr>
-              <a:t>Click to edit the title text format</a:t>
+              <a:t>Click to edit the title text </a:t>
+            </a:r>
+            <a:r>
+              <a:rPr b="0" lang="en-US" sz="4400" spc="-1" strike="noStrike">
+                <a:latin typeface="Arial"/>
+              </a:rPr>
+              <a:t>format</a:t>
             </a:r>
             <a:endParaRPr b="0" lang="en-US" sz="4400" spc="-1" strike="noStrike">
               <a:latin typeface="Arial"/>
@@ -9952,7 +9958,7 @@
         <p:spPr>
           <a:xfrm>
             <a:off x="0" y="6719040"/>
-            <a:ext cx="12185280" cy="146160"/>
+            <a:ext cx="12184920" cy="145800"/>
           </a:xfrm>
           <a:prstGeom prst="rect">
             <a:avLst/>
@@ -10050,49 +10056,7 @@
               <a:rPr b="0" lang="en-US" sz="4400" spc="-1" strike="noStrike">
                 <a:latin typeface="Arial"/>
               </a:rPr>
-              <a:t>Click </a:t>
-            </a:r>
-            <a:r>
-              <a:rPr b="0" lang="en-US" sz="4400" spc="-1" strike="noStrike">
-                <a:latin typeface="Arial"/>
-              </a:rPr>
-              <a:t>to </a:t>
-            </a:r>
-            <a:r>
-              <a:rPr b="0" lang="en-US" sz="4400" spc="-1" strike="noStrike">
-                <a:latin typeface="Arial"/>
-              </a:rPr>
-              <a:t>edit </a:t>
-            </a:r>
-            <a:r>
-              <a:rPr b="0" lang="en-US" sz="4400" spc="-1" strike="noStrike">
-                <a:latin typeface="Arial"/>
-              </a:rPr>
-              <a:t>the </a:t>
-            </a:r>
-            <a:r>
-              <a:rPr b="0" lang="en-US" sz="4400" spc="-1" strike="noStrike">
-                <a:latin typeface="Arial"/>
-              </a:rPr>
-              <a:t>title </a:t>
-            </a:r>
-            <a:r>
-              <a:rPr b="0" lang="en-US" sz="4400" spc="-1" strike="noStrike">
-                <a:latin typeface="Arial"/>
-              </a:rPr>
-              <a:t>text </a:t>
-            </a:r>
-            <a:r>
-              <a:rPr b="0" lang="en-US" sz="4400" spc="-1" strike="noStrike">
-                <a:latin typeface="Arial"/>
-              </a:rPr>
-              <a:t>form</a:t>
-            </a:r>
-            <a:r>
-              <a:rPr b="0" lang="en-US" sz="4400" spc="-1" strike="noStrike">
-                <a:latin typeface="Arial"/>
-              </a:rPr>
-              <a:t>at</a:t>
+              <a:t>Click to edit the title text format</a:t>
             </a:r>
             <a:endParaRPr b="0" lang="en-US" sz="4400" spc="-1" strike="noStrike">
               <a:latin typeface="Arial"/>
@@ -10332,7 +10296,7 @@
         <p:spPr>
           <a:xfrm>
             <a:off x="0" y="0"/>
-            <a:ext cx="4770360" cy="6851160"/>
+            <a:ext cx="4770000" cy="6850800"/>
           </a:xfrm>
           <a:prstGeom prst="rect">
             <a:avLst/>
@@ -10370,7 +10334,7 @@
         <p:spPr>
           <a:xfrm>
             <a:off x="1166760" y="2958480"/>
-            <a:ext cx="2388960" cy="759960"/>
+            <a:ext cx="2388600" cy="759960"/>
           </a:xfrm>
           <a:prstGeom prst="rect">
             <a:avLst/>
@@ -10421,7 +10385,7 @@
         <p:spPr>
           <a:xfrm>
             <a:off x="828360" y="1931400"/>
-            <a:ext cx="3065400" cy="2988360"/>
+            <a:ext cx="3065040" cy="2988000"/>
           </a:xfrm>
           <a:prstGeom prst="rect">
             <a:avLst/>
@@ -10457,7 +10421,7 @@
         <p:spPr>
           <a:xfrm>
             <a:off x="0" y="6719040"/>
-            <a:ext cx="12185280" cy="146160"/>
+            <a:ext cx="12184920" cy="145800"/>
           </a:xfrm>
           <a:prstGeom prst="rect">
             <a:avLst/>
@@ -10761,7 +10725,7 @@
         <p:spPr>
           <a:xfrm>
             <a:off x="0" y="6719040"/>
-            <a:ext cx="12185280" cy="146160"/>
+            <a:ext cx="12184920" cy="145800"/>
           </a:xfrm>
           <a:prstGeom prst="rect">
             <a:avLst/>
@@ -11243,7 +11207,7 @@
         <p:spPr>
           <a:xfrm>
             <a:off x="0" y="6719040"/>
-            <a:ext cx="12185280" cy="146160"/>
+            <a:ext cx="12184920" cy="145800"/>
           </a:xfrm>
           <a:prstGeom prst="rect">
             <a:avLst/>
@@ -11725,7 +11689,7 @@
         <p:spPr>
           <a:xfrm>
             <a:off x="0" y="6719040"/>
-            <a:ext cx="12185280" cy="146160"/>
+            <a:ext cx="12184920" cy="145800"/>
           </a:xfrm>
           <a:prstGeom prst="rect">
             <a:avLst/>
@@ -12029,7 +11993,7 @@
         <p:spPr>
           <a:xfrm>
             <a:off x="0" y="0"/>
-            <a:ext cx="12185280" cy="5145480"/>
+            <a:ext cx="12184920" cy="5145120"/>
           </a:xfrm>
           <a:prstGeom prst="rect">
             <a:avLst/>
@@ -12067,7 +12031,7 @@
         <p:spPr>
           <a:xfrm>
             <a:off x="2915640" y="1431720"/>
-            <a:ext cx="6354000" cy="2724480"/>
+            <a:ext cx="6353640" cy="2724120"/>
           </a:xfrm>
           <a:prstGeom prst="rect">
             <a:avLst/>
@@ -12107,7 +12071,7 @@
         <p:spPr>
           <a:xfrm>
             <a:off x="10991880" y="5744160"/>
-            <a:ext cx="951480" cy="951480"/>
+            <a:ext cx="951120" cy="951120"/>
           </a:xfrm>
           <a:prstGeom prst="rect">
             <a:avLst/>
@@ -12126,7 +12090,7 @@
         <p:spPr>
           <a:xfrm>
             <a:off x="3764880" y="2243520"/>
-            <a:ext cx="4639320" cy="1095120"/>
+            <a:ext cx="4638960" cy="1095120"/>
           </a:xfrm>
           <a:prstGeom prst="rect">
             <a:avLst/>
@@ -12217,19 +12181,7 @@
               <a:rPr b="0" lang="en-US" sz="4400" spc="-1" strike="noStrike">
                 <a:latin typeface="Arial"/>
               </a:rPr>
-              <a:t>Click to edit </a:t>
-            </a:r>
-            <a:r>
-              <a:rPr b="0" lang="en-US" sz="4400" spc="-1" strike="noStrike">
-                <a:latin typeface="Arial"/>
-              </a:rPr>
-              <a:t>the title text </a:t>
-            </a:r>
-            <a:r>
-              <a:rPr b="0" lang="en-US" sz="4400" spc="-1" strike="noStrike">
-                <a:latin typeface="Arial"/>
-              </a:rPr>
-              <a:t>format</a:t>
+              <a:t>Click to edit the title text format</a:t>
             </a:r>
             <a:endParaRPr b="0" lang="en-US" sz="4400" spc="-1" strike="noStrike">
               <a:latin typeface="Arial"/>
@@ -12462,7 +12414,7 @@
         <p:spPr>
           <a:xfrm>
             <a:off x="565560" y="6150240"/>
-            <a:ext cx="4176360" cy="287280"/>
+            <a:ext cx="4176000" cy="286920"/>
           </a:xfrm>
           <a:prstGeom prst="rect">
             <a:avLst/>
@@ -12488,7 +12440,7 @@
         <p:spPr>
           <a:xfrm>
             <a:off x="1316880" y="1056240"/>
-            <a:ext cx="7364520" cy="2953440"/>
+            <a:ext cx="7364160" cy="2953080"/>
           </a:xfrm>
           <a:prstGeom prst="rect">
             <a:avLst/>
@@ -12515,6 +12467,16 @@
               </a:lnSpc>
             </a:pPr>
             <a:br/>
+            <a:endParaRPr b="0" lang="en-US" sz="1800" spc="-1" strike="noStrike">
+              <a:latin typeface="Arial"/>
+            </a:endParaRPr>
+          </a:p>
+          <a:p>
+            <a:pPr algn="ctr">
+              <a:lnSpc>
+                <a:spcPct val="100000"/>
+              </a:lnSpc>
+            </a:pPr>
             <a:r>
               <a:rPr b="1" lang="en-US" sz="4000" spc="-1" strike="noStrike">
                 <a:solidFill>
@@ -12562,7 +12524,7 @@
         <p:spPr>
           <a:xfrm>
             <a:off x="457200" y="5715000"/>
-            <a:ext cx="5938200" cy="357480"/>
+            <a:ext cx="5937840" cy="357120"/>
           </a:xfrm>
           <a:prstGeom prst="rect">
             <a:avLst/>
@@ -12665,7 +12627,7 @@
         <p:spPr>
           <a:xfrm>
             <a:off x="686160" y="0"/>
-            <a:ext cx="10967040" cy="1139400"/>
+            <a:ext cx="10966680" cy="1139040"/>
           </a:xfrm>
           <a:prstGeom prst="rect">
             <a:avLst/>
@@ -12731,7 +12693,7 @@
         <p:spPr>
           <a:xfrm>
             <a:off x="457200" y="1600200"/>
-            <a:ext cx="5348880" cy="910440"/>
+            <a:ext cx="5348520" cy="910080"/>
           </a:xfrm>
           <a:prstGeom prst="rect">
             <a:avLst/>
@@ -12755,7 +12717,7 @@
             <a:noAutofit/>
           </a:bodyPr>
           <a:p>
-            <a:pPr marL="432000" indent="-321840">
+            <a:pPr marL="432000" indent="-321480">
               <a:lnSpc>
                 <a:spcPct val="100000"/>
               </a:lnSpc>
@@ -12784,7 +12746,7 @@
             </a:endParaRPr>
           </a:p>
           <a:p>
-            <a:pPr marL="432000" indent="-321840">
+            <a:pPr marL="432000" indent="-321480">
               <a:lnSpc>
                 <a:spcPct val="100000"/>
               </a:lnSpc>
@@ -12843,7 +12805,7 @@
         <p:spPr>
           <a:xfrm>
             <a:off x="10515600" y="6202080"/>
-            <a:ext cx="1594440" cy="421560"/>
+            <a:ext cx="1594080" cy="421200"/>
           </a:xfrm>
           <a:prstGeom prst="rect">
             <a:avLst/>
@@ -12869,7 +12831,7 @@
                 <a:spcPct val="100000"/>
               </a:lnSpc>
             </a:pPr>
-            <a:fld id="{229ABB2F-DA2C-4566-A870-B5D34E9A7178}" type="slidenum">
+            <a:fld id="{2C62D44A-FE6C-414E-A8EF-AA97903641A1}" type="slidenum">
               <a:rPr b="0" lang="en-US" sz="1600" spc="-1" strike="noStrike">
                 <a:solidFill>
                   <a:srgbClr val="000000"/>
@@ -12898,7 +12860,7 @@
         <p:spPr>
           <a:xfrm>
             <a:off x="2067120" y="2800800"/>
-            <a:ext cx="3414240" cy="2223360"/>
+            <a:ext cx="3413880" cy="2223000"/>
           </a:xfrm>
           <a:prstGeom prst="rect">
             <a:avLst/>
@@ -12921,7 +12883,7 @@
         <p:spPr>
           <a:xfrm>
             <a:off x="6134400" y="1505160"/>
-            <a:ext cx="2090160" cy="3519000"/>
+            <a:ext cx="2089800" cy="3518640"/>
           </a:xfrm>
           <a:prstGeom prst="rect">
             <a:avLst/>
@@ -12976,7 +12938,7 @@
         <p:spPr>
           <a:xfrm>
             <a:off x="686160" y="0"/>
-            <a:ext cx="10967040" cy="1139400"/>
+            <a:ext cx="10966680" cy="1139040"/>
           </a:xfrm>
           <a:prstGeom prst="rect">
             <a:avLst/>
@@ -13042,7 +13004,7 @@
         <p:spPr>
           <a:xfrm>
             <a:off x="228600" y="1600920"/>
-            <a:ext cx="5255640" cy="4110840"/>
+            <a:ext cx="5255280" cy="4110480"/>
           </a:xfrm>
           <a:prstGeom prst="rect">
             <a:avLst/>
@@ -13089,7 +13051,7 @@
             </a:endParaRPr>
           </a:p>
           <a:p>
-            <a:pPr marL="432000" indent="-321840">
+            <a:pPr marL="432000" indent="-321480">
               <a:lnSpc>
                 <a:spcPct val="100000"/>
               </a:lnSpc>
@@ -13138,7 +13100,7 @@
             </a:endParaRPr>
           </a:p>
           <a:p>
-            <a:pPr marL="432000" indent="-321840">
+            <a:pPr marL="432000" indent="-321480">
               <a:lnSpc>
                 <a:spcPct val="100000"/>
               </a:lnSpc>
@@ -13167,7 +13129,7 @@
             </a:endParaRPr>
           </a:p>
           <a:p>
-            <a:pPr lvl="1" marL="864000" indent="-321840">
+            <a:pPr lvl="1" marL="864000" indent="-321480">
               <a:lnSpc>
                 <a:spcPct val="100000"/>
               </a:lnSpc>
@@ -13196,7 +13158,7 @@
             </a:endParaRPr>
           </a:p>
           <a:p>
-            <a:pPr lvl="1" marL="864000" indent="-321840">
+            <a:pPr lvl="1" marL="864000" indent="-321480">
               <a:lnSpc>
                 <a:spcPct val="100000"/>
               </a:lnSpc>
@@ -13225,7 +13187,7 @@
             </a:endParaRPr>
           </a:p>
           <a:p>
-            <a:pPr lvl="1" marL="864000" indent="-321840">
+            <a:pPr lvl="1" marL="864000" indent="-321480">
               <a:lnSpc>
                 <a:spcPct val="100000"/>
               </a:lnSpc>
@@ -13254,7 +13216,7 @@
             </a:endParaRPr>
           </a:p>
           <a:p>
-            <a:pPr marL="432000" indent="-321840">
+            <a:pPr marL="432000" indent="-321480">
               <a:lnSpc>
                 <a:spcPct val="100000"/>
               </a:lnSpc>
@@ -13283,7 +13245,7 @@
             </a:endParaRPr>
           </a:p>
           <a:p>
-            <a:pPr marL="432000" indent="-321840">
+            <a:pPr marL="432000" indent="-321480">
               <a:lnSpc>
                 <a:spcPct val="100000"/>
               </a:lnSpc>
@@ -13322,7 +13284,7 @@
         <p:spPr>
           <a:xfrm>
             <a:off x="10515600" y="6202080"/>
-            <a:ext cx="1594440" cy="421560"/>
+            <a:ext cx="1594080" cy="421200"/>
           </a:xfrm>
           <a:prstGeom prst="rect">
             <a:avLst/>
@@ -13348,7 +13310,7 @@
                 <a:spcPct val="100000"/>
               </a:lnSpc>
             </a:pPr>
-            <a:fld id="{6A6FF7A0-5331-4245-A9B0-1CBFDEAE171A}" type="slidenum">
+            <a:fld id="{FC326FE5-D89D-4FC6-B08A-4188CCBFA604}" type="slidenum">
               <a:rPr b="0" lang="en-US" sz="1600" spc="-1" strike="noStrike">
                 <a:solidFill>
                   <a:srgbClr val="000000"/>
@@ -13377,7 +13339,7 @@
         <p:spPr>
           <a:xfrm>
             <a:off x="5715000" y="1600200"/>
-            <a:ext cx="4797360" cy="4111560"/>
+            <a:ext cx="4797000" cy="4111200"/>
           </a:xfrm>
           <a:prstGeom prst="rect">
             <a:avLst/>
@@ -13429,7 +13391,7 @@
         <p:spPr>
           <a:xfrm>
             <a:off x="686160" y="0"/>
-            <a:ext cx="10967040" cy="1139400"/>
+            <a:ext cx="10966680" cy="1139040"/>
           </a:xfrm>
           <a:prstGeom prst="rect">
             <a:avLst/>
@@ -13495,7 +13457,7 @@
         <p:spPr>
           <a:xfrm>
             <a:off x="91440" y="1600920"/>
-            <a:ext cx="5393880" cy="4110840"/>
+            <a:ext cx="5393520" cy="4110480"/>
           </a:xfrm>
           <a:prstGeom prst="rect">
             <a:avLst/>
@@ -13542,7 +13504,7 @@
             </a:endParaRPr>
           </a:p>
           <a:p>
-            <a:pPr marL="432000" indent="-321840">
+            <a:pPr marL="432000" indent="-321480">
               <a:lnSpc>
                 <a:spcPct val="100000"/>
               </a:lnSpc>
@@ -13571,7 +13533,7 @@
             </a:endParaRPr>
           </a:p>
           <a:p>
-            <a:pPr marL="432000" indent="-321840">
+            <a:pPr marL="432000" indent="-321480">
               <a:lnSpc>
                 <a:spcPct val="100000"/>
               </a:lnSpc>
@@ -13623,7 +13585,7 @@
             </a:endParaRPr>
           </a:p>
           <a:p>
-            <a:pPr marL="432000" indent="-321840">
+            <a:pPr marL="432000" indent="-321480">
               <a:lnSpc>
                 <a:spcPct val="100000"/>
               </a:lnSpc>
@@ -13652,7 +13614,7 @@
             </a:endParaRPr>
           </a:p>
           <a:p>
-            <a:pPr marL="432000" indent="-321840">
+            <a:pPr marL="432000" indent="-321480">
               <a:lnSpc>
                 <a:spcPct val="100000"/>
               </a:lnSpc>
@@ -13694,7 +13656,7 @@
             </a:endParaRPr>
           </a:p>
           <a:p>
-            <a:pPr marL="432000" indent="-321840">
+            <a:pPr marL="432000" indent="-321480">
               <a:lnSpc>
                 <a:spcPct val="100000"/>
               </a:lnSpc>
@@ -13723,7 +13685,7 @@
             </a:endParaRPr>
           </a:p>
           <a:p>
-            <a:pPr marL="432000" indent="-321840">
+            <a:pPr marL="432000" indent="-321480">
               <a:lnSpc>
                 <a:spcPct val="100000"/>
               </a:lnSpc>
@@ -13762,7 +13724,7 @@
         <p:spPr>
           <a:xfrm>
             <a:off x="10515600" y="6202080"/>
-            <a:ext cx="1594440" cy="421560"/>
+            <a:ext cx="1594080" cy="421200"/>
           </a:xfrm>
           <a:prstGeom prst="rect">
             <a:avLst/>
@@ -13788,7 +13750,7 @@
                 <a:spcPct val="100000"/>
               </a:lnSpc>
             </a:pPr>
-            <a:fld id="{9A8831D8-1F41-4865-A6A9-00A9495C513E}" type="slidenum">
+            <a:fld id="{610F74BC-9269-48FB-A9B3-661522DB8F3F}" type="slidenum">
               <a:rPr b="0" lang="en-US" sz="1600" spc="-1" strike="noStrike">
                 <a:solidFill>
                   <a:srgbClr val="000000"/>
@@ -13817,7 +13779,7 @@
         <p:spPr>
           <a:xfrm>
             <a:off x="6688800" y="1554480"/>
-            <a:ext cx="4923000" cy="4022280"/>
+            <a:ext cx="4922640" cy="4021920"/>
           </a:xfrm>
           <a:prstGeom prst="rect">
             <a:avLst/>
@@ -13872,7 +13834,7 @@
         <p:spPr>
           <a:xfrm>
             <a:off x="686160" y="0"/>
-            <a:ext cx="10967040" cy="1139400"/>
+            <a:ext cx="10966680" cy="1139040"/>
           </a:xfrm>
           <a:prstGeom prst="rect">
             <a:avLst/>
@@ -13938,7 +13900,7 @@
         <p:spPr>
           <a:xfrm>
             <a:off x="0" y="1600920"/>
-            <a:ext cx="5303520" cy="2239560"/>
+            <a:ext cx="5303160" cy="2239200"/>
           </a:xfrm>
           <a:prstGeom prst="rect">
             <a:avLst/>
@@ -14117,7 +14079,7 @@
             </a:endParaRPr>
           </a:p>
           <a:p>
-            <a:pPr marL="432000" indent="-321840">
+            <a:pPr marL="432000" indent="-321480">
               <a:lnSpc>
                 <a:spcPct val="100000"/>
               </a:lnSpc>
@@ -14146,7 +14108,7 @@
             </a:endParaRPr>
           </a:p>
           <a:p>
-            <a:pPr marL="432000" indent="-321840">
+            <a:pPr marL="432000" indent="-321480">
               <a:lnSpc>
                 <a:spcPct val="100000"/>
               </a:lnSpc>
@@ -14185,7 +14147,7 @@
         <p:spPr>
           <a:xfrm>
             <a:off x="10515600" y="6202080"/>
-            <a:ext cx="1594440" cy="421560"/>
+            <a:ext cx="1594080" cy="421200"/>
           </a:xfrm>
           <a:prstGeom prst="rect">
             <a:avLst/>
@@ -14211,7 +14173,7 @@
                 <a:spcPct val="100000"/>
               </a:lnSpc>
             </a:pPr>
-            <a:fld id="{382F83CA-256F-41E3-B415-FBA6B8539167}" type="slidenum">
+            <a:fld id="{F5842A14-DCA8-469F-B6DF-C9D7BF0F410D}" type="slidenum">
               <a:rPr b="0" lang="en-US" sz="1600" spc="-1" strike="noStrike">
                 <a:solidFill>
                   <a:srgbClr val="000000"/>
@@ -14240,7 +14202,7 @@
         <p:spPr>
           <a:xfrm>
             <a:off x="6858360" y="1554480"/>
-            <a:ext cx="1828440" cy="2533320"/>
+            <a:ext cx="1828080" cy="2532960"/>
           </a:xfrm>
           <a:prstGeom prst="rect">
             <a:avLst/>
@@ -14295,7 +14257,7 @@
         <p:spPr>
           <a:xfrm>
             <a:off x="686160" y="0"/>
-            <a:ext cx="10967040" cy="1139400"/>
+            <a:ext cx="10966680" cy="1139040"/>
           </a:xfrm>
           <a:prstGeom prst="rect">
             <a:avLst/>
@@ -14361,7 +14323,7 @@
         <p:spPr>
           <a:xfrm>
             <a:off x="10515600" y="6202080"/>
-            <a:ext cx="1594440" cy="421560"/>
+            <a:ext cx="1594080" cy="421200"/>
           </a:xfrm>
           <a:prstGeom prst="rect">
             <a:avLst/>
@@ -14387,7 +14349,7 @@
                 <a:spcPct val="100000"/>
               </a:lnSpc>
             </a:pPr>
-            <a:fld id="{40B53EC3-7032-4F85-BE9F-D5D903C0AE1F}" type="slidenum">
+            <a:fld id="{75FD459E-1414-4CF9-812D-844DF5EE3E5D}" type="slidenum">
               <a:rPr b="0" lang="en-US" sz="1600" spc="-1" strike="noStrike">
                 <a:solidFill>
                   <a:srgbClr val="000000"/>
@@ -14412,7 +14374,7 @@
         <p:spPr>
           <a:xfrm>
             <a:off x="91440" y="1600920"/>
-            <a:ext cx="4846320" cy="3885480"/>
+            <a:ext cx="4845960" cy="3885120"/>
           </a:xfrm>
           <a:prstGeom prst="rect">
             <a:avLst/>
@@ -14436,7 +14398,7 @@
             <a:noAutofit/>
           </a:bodyPr>
           <a:p>
-            <a:pPr marL="216000" indent="-216000">
+            <a:pPr marL="216000" indent="-215640">
               <a:lnSpc>
                 <a:spcPct val="100000"/>
               </a:lnSpc>
@@ -14464,7 +14426,7 @@
             </a:endParaRPr>
           </a:p>
           <a:p>
-            <a:pPr marL="216000" indent="-216000">
+            <a:pPr marL="216000" indent="-215640">
               <a:lnSpc>
                 <a:spcPct val="100000"/>
               </a:lnSpc>
@@ -14492,7 +14454,7 @@
             </a:endParaRPr>
           </a:p>
           <a:p>
-            <a:pPr lvl="1" marL="432000" indent="-216000">
+            <a:pPr lvl="1" marL="432000" indent="-215640">
               <a:lnSpc>
                 <a:spcPct val="100000"/>
               </a:lnSpc>
@@ -14521,7 +14483,7 @@
             </a:endParaRPr>
           </a:p>
           <a:p>
-            <a:pPr marL="216000" indent="-216000">
+            <a:pPr marL="216000" indent="-215640">
               <a:lnSpc>
                 <a:spcPct val="100000"/>
               </a:lnSpc>
@@ -14549,7 +14511,7 @@
             </a:endParaRPr>
           </a:p>
           <a:p>
-            <a:pPr lvl="1" marL="432000" indent="-216000">
+            <a:pPr lvl="1" marL="432000" indent="-215640">
               <a:lnSpc>
                 <a:spcPct val="100000"/>
               </a:lnSpc>
@@ -14578,7 +14540,7 @@
             </a:endParaRPr>
           </a:p>
           <a:p>
-            <a:pPr marL="216000" indent="-216000">
+            <a:pPr marL="216000" indent="-215640">
               <a:lnSpc>
                 <a:spcPct val="100000"/>
               </a:lnSpc>
@@ -14606,7 +14568,7 @@
             </a:endParaRPr>
           </a:p>
           <a:p>
-            <a:pPr lvl="1" marL="432000" indent="-216000">
+            <a:pPr lvl="1" marL="432000" indent="-215640">
               <a:lnSpc>
                 <a:spcPct val="100000"/>
               </a:lnSpc>
@@ -14635,7 +14597,7 @@
             </a:endParaRPr>
           </a:p>
           <a:p>
-            <a:pPr marL="432000" indent="-321840">
+            <a:pPr marL="432000" indent="-321480">
               <a:lnSpc>
                 <a:spcPct val="100000"/>
               </a:lnSpc>
@@ -14664,7 +14626,7 @@
             </a:endParaRPr>
           </a:p>
           <a:p>
-            <a:pPr marL="432000" indent="-321840">
+            <a:pPr marL="432000" indent="-321480">
               <a:lnSpc>
                 <a:spcPct val="100000"/>
               </a:lnSpc>
@@ -14707,7 +14669,7 @@
         <p:spPr>
           <a:xfrm>
             <a:off x="5669280" y="2743200"/>
-            <a:ext cx="4485960" cy="1514160"/>
+            <a:ext cx="4485600" cy="1513800"/>
           </a:xfrm>
           <a:prstGeom prst="rect">
             <a:avLst/>
@@ -14762,7 +14724,7 @@
         <p:spPr>
           <a:xfrm>
             <a:off x="686160" y="0"/>
-            <a:ext cx="10967040" cy="1139400"/>
+            <a:ext cx="10966680" cy="1139040"/>
           </a:xfrm>
           <a:prstGeom prst="rect">
             <a:avLst/>
@@ -14828,7 +14790,7 @@
         <p:spPr>
           <a:xfrm>
             <a:off x="10515600" y="6202080"/>
-            <a:ext cx="1594440" cy="421560"/>
+            <a:ext cx="1594080" cy="421200"/>
           </a:xfrm>
           <a:prstGeom prst="rect">
             <a:avLst/>
@@ -14854,7 +14816,7 @@
                 <a:spcPct val="100000"/>
               </a:lnSpc>
             </a:pPr>
-            <a:fld id="{EFC555A4-4AB1-4275-8F06-81E81316591E}" type="slidenum">
+            <a:fld id="{54D9BD01-D697-4657-AD10-722E63A2D2C0}" type="slidenum">
               <a:rPr b="0" lang="en-US" sz="1600" spc="-1" strike="noStrike">
                 <a:solidFill>
                   <a:srgbClr val="000000"/>
@@ -14879,7 +14841,7 @@
         <p:spPr>
           <a:xfrm>
             <a:off x="91440" y="1600920"/>
-            <a:ext cx="5669280" cy="3885480"/>
+            <a:ext cx="5668920" cy="3885120"/>
           </a:xfrm>
           <a:prstGeom prst="rect">
             <a:avLst/>
@@ -14903,7 +14865,7 @@
             <a:noAutofit/>
           </a:bodyPr>
           <a:p>
-            <a:pPr marL="216000" indent="-216000">
+            <a:pPr marL="216000" indent="-215640">
               <a:lnSpc>
                 <a:spcPct val="100000"/>
               </a:lnSpc>
@@ -14931,7 +14893,7 @@
             </a:endParaRPr>
           </a:p>
           <a:p>
-            <a:pPr marL="216000" indent="-216000">
+            <a:pPr marL="216000" indent="-215640">
               <a:lnSpc>
                 <a:spcPct val="100000"/>
               </a:lnSpc>
@@ -14959,7 +14921,7 @@
             </a:endParaRPr>
           </a:p>
           <a:p>
-            <a:pPr lvl="1" marL="432000" indent="-216000">
+            <a:pPr lvl="1" marL="432000" indent="-215640">
               <a:lnSpc>
                 <a:spcPct val="100000"/>
               </a:lnSpc>
@@ -14988,7 +14950,7 @@
             </a:endParaRPr>
           </a:p>
           <a:p>
-            <a:pPr marL="216000" indent="-216000">
+            <a:pPr marL="216000" indent="-215640">
               <a:lnSpc>
                 <a:spcPct val="100000"/>
               </a:lnSpc>
@@ -15016,7 +14978,7 @@
             </a:endParaRPr>
           </a:p>
           <a:p>
-            <a:pPr lvl="1" marL="432000" indent="-216000">
+            <a:pPr lvl="1" marL="432000" indent="-215640">
               <a:lnSpc>
                 <a:spcPct val="100000"/>
               </a:lnSpc>
@@ -15045,7 +15007,7 @@
             </a:endParaRPr>
           </a:p>
           <a:p>
-            <a:pPr marL="216000" indent="-216000">
+            <a:pPr marL="216000" indent="-215640">
               <a:lnSpc>
                 <a:spcPct val="100000"/>
               </a:lnSpc>
@@ -15073,7 +15035,7 @@
             </a:endParaRPr>
           </a:p>
           <a:p>
-            <a:pPr lvl="1" marL="432000" indent="-216000">
+            <a:pPr lvl="1" marL="432000" indent="-215640">
               <a:lnSpc>
                 <a:spcPct val="100000"/>
               </a:lnSpc>
@@ -15116,7 +15078,7 @@
         <p:spPr>
           <a:xfrm>
             <a:off x="6035040" y="1612080"/>
-            <a:ext cx="5495400" cy="3142800"/>
+            <a:ext cx="5495040" cy="3142440"/>
           </a:xfrm>
           <a:prstGeom prst="rect">
             <a:avLst/>
@@ -15171,7 +15133,7 @@
         <p:spPr>
           <a:xfrm>
             <a:off x="722160" y="0"/>
-            <a:ext cx="10967040" cy="1139400"/>
+            <a:ext cx="10966680" cy="1139040"/>
           </a:xfrm>
           <a:prstGeom prst="rect">
             <a:avLst/>
@@ -15237,7 +15199,7 @@
         <p:spPr>
           <a:xfrm>
             <a:off x="127440" y="1600920"/>
-            <a:ext cx="5393880" cy="2147760"/>
+            <a:ext cx="5393520" cy="2147400"/>
           </a:xfrm>
           <a:prstGeom prst="rect">
             <a:avLst/>
@@ -15261,7 +15223,7 @@
             <a:noAutofit/>
           </a:bodyPr>
           <a:p>
-            <a:pPr marL="216000" indent="-215640">
+            <a:pPr marL="216000" indent="-215280">
               <a:lnSpc>
                 <a:spcPct val="100000"/>
               </a:lnSpc>
@@ -15289,7 +15251,7 @@
             </a:endParaRPr>
           </a:p>
           <a:p>
-            <a:pPr marL="216000" indent="-215640">
+            <a:pPr marL="216000" indent="-215280">
               <a:lnSpc>
                 <a:spcPct val="100000"/>
               </a:lnSpc>
@@ -15317,7 +15279,7 @@
             </a:endParaRPr>
           </a:p>
           <a:p>
-            <a:pPr marL="216000" indent="-215640">
+            <a:pPr marL="216000" indent="-215280">
               <a:lnSpc>
                 <a:spcPct val="100000"/>
               </a:lnSpc>
@@ -15355,7 +15317,7 @@
         <p:spPr>
           <a:xfrm>
             <a:off x="10551600" y="6202080"/>
-            <a:ext cx="1594440" cy="421560"/>
+            <a:ext cx="1594080" cy="421200"/>
           </a:xfrm>
           <a:prstGeom prst="rect">
             <a:avLst/>
@@ -15381,7 +15343,7 @@
                 <a:spcPct val="100000"/>
               </a:lnSpc>
             </a:pPr>
-            <a:fld id="{D5E31C8C-8736-449E-9A96-0D7E33762CD8}" type="slidenum">
+            <a:fld id="{DD39BE18-54D4-4DC9-9F9B-E6F217B8F80C}" type="slidenum">
               <a:rPr b="0" lang="en-US" sz="1600" spc="-1" strike="noStrike">
                 <a:solidFill>
                   <a:srgbClr val="000000"/>
@@ -15410,7 +15372,7 @@
         <p:spPr>
           <a:xfrm>
             <a:off x="9052560" y="1566360"/>
-            <a:ext cx="2218680" cy="4285440"/>
+            <a:ext cx="2218320" cy="4285080"/>
           </a:xfrm>
           <a:prstGeom prst="rect">
             <a:avLst/>
@@ -15439,7 +15401,7 @@
         <p:spPr>
           <a:xfrm>
             <a:off x="6309360" y="1554480"/>
-            <a:ext cx="1961280" cy="3161520"/>
+            <a:ext cx="1960920" cy="3161160"/>
           </a:xfrm>
           <a:prstGeom prst="rect">
             <a:avLst/>
@@ -15494,7 +15456,7 @@
         <p:spPr>
           <a:xfrm>
             <a:off x="686160" y="0"/>
-            <a:ext cx="10967040" cy="1139400"/>
+            <a:ext cx="10966680" cy="1139040"/>
           </a:xfrm>
           <a:prstGeom prst="rect">
             <a:avLst/>
@@ -15560,7 +15522,7 @@
         <p:spPr>
           <a:xfrm>
             <a:off x="457200" y="1600200"/>
-            <a:ext cx="3883320" cy="910440"/>
+            <a:ext cx="3882960" cy="910080"/>
           </a:xfrm>
           <a:prstGeom prst="rect">
             <a:avLst/>
@@ -15584,7 +15546,7 @@
             <a:noAutofit/>
           </a:bodyPr>
           <a:p>
-            <a:pPr marL="432000" indent="-321840">
+            <a:pPr marL="432000" indent="-321480">
               <a:lnSpc>
                 <a:spcPct val="100000"/>
               </a:lnSpc>
@@ -15623,7 +15585,7 @@
         <p:spPr>
           <a:xfrm>
             <a:off x="10515600" y="6202080"/>
-            <a:ext cx="1594440" cy="421560"/>
+            <a:ext cx="1594080" cy="421200"/>
           </a:xfrm>
           <a:prstGeom prst="rect">
             <a:avLst/>
@@ -15649,7 +15611,7 @@
                 <a:spcPct val="100000"/>
               </a:lnSpc>
             </a:pPr>
-            <a:fld id="{4718898D-A2EC-4558-AAAE-BBC131994001}" type="slidenum">
+            <a:fld id="{B31D3E94-16E8-4321-89E8-AEE2C93AA390}" type="slidenum">
               <a:rPr b="0" lang="en-US" sz="1600" spc="-1" strike="noStrike">
                 <a:solidFill>
                   <a:srgbClr val="000000"/>
@@ -15678,7 +15640,7 @@
         <p:spPr>
           <a:xfrm>
             <a:off x="8056440" y="2057400"/>
-            <a:ext cx="3883320" cy="3654720"/>
+            <a:ext cx="3882960" cy="3654360"/>
           </a:xfrm>
           <a:prstGeom prst="rect">
             <a:avLst/>
@@ -15704,7 +15666,7 @@
         <p:spPr>
           <a:xfrm>
             <a:off x="5029200" y="2057400"/>
-            <a:ext cx="2227680" cy="3655080"/>
+            <a:ext cx="2227320" cy="3654720"/>
           </a:xfrm>
           <a:prstGeom prst="rect">
             <a:avLst/>
@@ -15756,7 +15718,7 @@
         <p:spPr>
           <a:xfrm>
             <a:off x="686160" y="0"/>
-            <a:ext cx="10967040" cy="1139400"/>
+            <a:ext cx="10966680" cy="1139040"/>
           </a:xfrm>
           <a:prstGeom prst="rect">
             <a:avLst/>
@@ -15822,7 +15784,7 @@
         <p:spPr>
           <a:xfrm>
             <a:off x="457560" y="1371960"/>
-            <a:ext cx="5481360" cy="5253480"/>
+            <a:ext cx="5481000" cy="5253120"/>
           </a:xfrm>
           <a:prstGeom prst="rect">
             <a:avLst/>
@@ -15846,7 +15808,7 @@
             <a:noAutofit/>
           </a:bodyPr>
           <a:p>
-            <a:pPr marL="432000" indent="-321840">
+            <a:pPr marL="432000" indent="-321480">
               <a:lnSpc>
                 <a:spcPct val="100000"/>
               </a:lnSpc>
@@ -15875,7 +15837,7 @@
             </a:endParaRPr>
           </a:p>
           <a:p>
-            <a:pPr marL="432000" indent="-321840">
+            <a:pPr marL="432000" indent="-321480">
               <a:lnSpc>
                 <a:spcPct val="100000"/>
               </a:lnSpc>
@@ -15904,7 +15866,7 @@
             </a:endParaRPr>
           </a:p>
           <a:p>
-            <a:pPr lvl="1" marL="864000" indent="-321840">
+            <a:pPr lvl="1" marL="864000" indent="-321480">
               <a:lnSpc>
                 <a:spcPct val="100000"/>
               </a:lnSpc>
@@ -15933,7 +15895,7 @@
             </a:endParaRPr>
           </a:p>
           <a:p>
-            <a:pPr lvl="1" marL="864000" indent="-321840">
+            <a:pPr lvl="1" marL="864000" indent="-321480">
               <a:lnSpc>
                 <a:spcPct val="100000"/>
               </a:lnSpc>
@@ -15962,7 +15924,7 @@
             </a:endParaRPr>
           </a:p>
           <a:p>
-            <a:pPr marL="432000" indent="-321840">
+            <a:pPr marL="432000" indent="-321480">
               <a:lnSpc>
                 <a:spcPct val="100000"/>
               </a:lnSpc>
@@ -15991,7 +15953,7 @@
             </a:endParaRPr>
           </a:p>
           <a:p>
-            <a:pPr lvl="1" marL="864000" indent="-321840">
+            <a:pPr lvl="1" marL="864000" indent="-321480">
               <a:lnSpc>
                 <a:spcPct val="100000"/>
               </a:lnSpc>
@@ -16020,7 +15982,7 @@
             </a:endParaRPr>
           </a:p>
           <a:p>
-            <a:pPr lvl="1" marL="864000" indent="-321840">
+            <a:pPr lvl="1" marL="864000" indent="-321480">
               <a:lnSpc>
                 <a:spcPct val="100000"/>
               </a:lnSpc>
@@ -16049,7 +16011,7 @@
             </a:endParaRPr>
           </a:p>
           <a:p>
-            <a:pPr lvl="2" marL="1296000" indent="-285840">
+            <a:pPr lvl="2" marL="1296000" indent="-285480">
               <a:lnSpc>
                 <a:spcPct val="100000"/>
               </a:lnSpc>
@@ -16078,7 +16040,7 @@
             </a:endParaRPr>
           </a:p>
           <a:p>
-            <a:pPr lvl="2" marL="1296000" indent="-285840">
+            <a:pPr lvl="2" marL="1296000" indent="-285480">
               <a:lnSpc>
                 <a:spcPct val="100000"/>
               </a:lnSpc>
@@ -16107,7 +16069,7 @@
             </a:endParaRPr>
           </a:p>
           <a:p>
-            <a:pPr lvl="1" marL="864000" indent="-321840">
+            <a:pPr lvl="1" marL="864000" indent="-321480">
               <a:lnSpc>
                 <a:spcPct val="100000"/>
               </a:lnSpc>
@@ -16146,7 +16108,7 @@
         <p:spPr>
           <a:xfrm>
             <a:off x="10515600" y="6202080"/>
-            <a:ext cx="1594440" cy="421560"/>
+            <a:ext cx="1594080" cy="421200"/>
           </a:xfrm>
           <a:prstGeom prst="rect">
             <a:avLst/>
@@ -16172,7 +16134,7 @@
                 <a:spcPct val="100000"/>
               </a:lnSpc>
             </a:pPr>
-            <a:fld id="{A926D3BD-7AAE-4EB7-AECE-09730B0CDE15}" type="slidenum">
+            <a:fld id="{5C8E32C2-B13D-42EC-BD60-E1F4F2440D9D}" type="slidenum">
               <a:rPr b="0" lang="en-US" sz="1600" spc="-1" strike="noStrike">
                 <a:solidFill>
                   <a:srgbClr val="000000"/>
@@ -16201,7 +16163,7 @@
         <p:spPr>
           <a:xfrm>
             <a:off x="5943600" y="1268640"/>
-            <a:ext cx="3487680" cy="4680720"/>
+            <a:ext cx="3487320" cy="4680360"/>
           </a:xfrm>
           <a:prstGeom prst="rect">
             <a:avLst/>
@@ -16224,7 +16186,7 @@
         <p:spPr>
           <a:xfrm>
             <a:off x="9706320" y="1419480"/>
-            <a:ext cx="2404440" cy="4290480"/>
+            <a:ext cx="2404080" cy="4290120"/>
           </a:xfrm>
           <a:prstGeom prst="rect">
             <a:avLst/>
@@ -16277,7 +16239,7 @@
         <p:spPr>
           <a:xfrm>
             <a:off x="686160" y="0"/>
-            <a:ext cx="10967040" cy="1139400"/>
+            <a:ext cx="10966680" cy="1139040"/>
           </a:xfrm>
           <a:prstGeom prst="rect">
             <a:avLst/>
@@ -16343,7 +16305,7 @@
         <p:spPr>
           <a:xfrm>
             <a:off x="10515600" y="6202080"/>
-            <a:ext cx="1594440" cy="421560"/>
+            <a:ext cx="1594080" cy="421200"/>
           </a:xfrm>
           <a:prstGeom prst="rect">
             <a:avLst/>
@@ -16369,7 +16331,7 @@
                 <a:spcPct val="100000"/>
               </a:lnSpc>
             </a:pPr>
-            <a:fld id="{3AD5A1B8-7151-4AF6-AA49-7C5D26511B5C}" type="slidenum">
+            <a:fld id="{A0285DEE-56E6-474C-AE95-894224A1B620}" type="slidenum">
               <a:rPr b="0" lang="en-US" sz="1600" spc="-1" strike="noStrike">
                 <a:solidFill>
                   <a:srgbClr val="000000"/>
@@ -16398,7 +16360,7 @@
         <p:spPr>
           <a:xfrm>
             <a:off x="3434040" y="3972240"/>
-            <a:ext cx="1671480" cy="1966680"/>
+            <a:ext cx="1671120" cy="1966320"/>
           </a:xfrm>
           <a:prstGeom prst="rect">
             <a:avLst/>
@@ -16424,7 +16386,7 @@
         <p:spPr>
           <a:xfrm>
             <a:off x="228600" y="1828800"/>
-            <a:ext cx="3195720" cy="4329000"/>
+            <a:ext cx="3195360" cy="4328640"/>
           </a:xfrm>
           <a:prstGeom prst="rect">
             <a:avLst/>
@@ -16447,7 +16409,7 @@
         <p:spPr>
           <a:xfrm>
             <a:off x="6445080" y="1828800"/>
-            <a:ext cx="3380040" cy="4338720"/>
+            <a:ext cx="3379680" cy="4338360"/>
           </a:xfrm>
           <a:prstGeom prst="rect">
             <a:avLst/>
@@ -16470,7 +16432,7 @@
         <p:spPr>
           <a:xfrm>
             <a:off x="9829800" y="3972240"/>
-            <a:ext cx="1671480" cy="1966680"/>
+            <a:ext cx="1671120" cy="1966320"/>
           </a:xfrm>
           <a:prstGeom prst="rect">
             <a:avLst/>
@@ -16522,7 +16484,7 @@
         <p:spPr>
           <a:xfrm>
             <a:off x="838080" y="405360"/>
-            <a:ext cx="10286280" cy="531720"/>
+            <a:ext cx="10285920" cy="531360"/>
           </a:xfrm>
           <a:prstGeom prst="rect">
             <a:avLst/>
@@ -16573,7 +16535,7 @@
         <p:spPr>
           <a:xfrm>
             <a:off x="838440" y="2012040"/>
-            <a:ext cx="5033160" cy="3650760"/>
+            <a:ext cx="5032800" cy="3650400"/>
           </a:xfrm>
           <a:prstGeom prst="rect">
             <a:avLst/>
@@ -16594,7 +16556,7 @@
             <a:noAutofit/>
           </a:bodyPr>
           <a:p>
-            <a:pPr marL="228600" indent="-226440">
+            <a:pPr marL="228600" indent="-226080">
               <a:lnSpc>
                 <a:spcPct val="90000"/>
               </a:lnSpc>
@@ -16632,7 +16594,7 @@
         <p:spPr>
           <a:xfrm>
             <a:off x="838080" y="1399680"/>
-            <a:ext cx="5033160" cy="478800"/>
+            <a:ext cx="5032800" cy="478440"/>
           </a:xfrm>
           <a:prstGeom prst="rect">
             <a:avLst/>
@@ -16689,7 +16651,7 @@
         <p:spPr>
           <a:xfrm>
             <a:off x="6240960" y="1399680"/>
-            <a:ext cx="5033160" cy="478800"/>
+            <a:ext cx="5032800" cy="478440"/>
           </a:xfrm>
           <a:prstGeom prst="rect">
             <a:avLst/>
@@ -16746,7 +16708,7 @@
         <p:spPr>
           <a:xfrm>
             <a:off x="6240960" y="2021400"/>
-            <a:ext cx="5868720" cy="1295640"/>
+            <a:ext cx="5868360" cy="1295280"/>
           </a:xfrm>
           <a:prstGeom prst="rect">
             <a:avLst/>
@@ -16767,7 +16729,7 @@
             <a:noAutofit/>
           </a:bodyPr>
           <a:p>
-            <a:pPr marL="228600" indent="-226440">
+            <a:pPr marL="228600" indent="-226080">
               <a:lnSpc>
                 <a:spcPct val="90000"/>
               </a:lnSpc>
@@ -16795,7 +16757,7 @@
             </a:endParaRPr>
           </a:p>
           <a:p>
-            <a:pPr marL="228600" indent="-226440">
+            <a:pPr marL="228600" indent="-226080">
               <a:lnSpc>
                 <a:spcPct val="90000"/>
               </a:lnSpc>
@@ -16863,7 +16825,7 @@
         <p:spPr>
           <a:xfrm>
             <a:off x="686160" y="0"/>
-            <a:ext cx="10967040" cy="1139400"/>
+            <a:ext cx="10966680" cy="1139040"/>
           </a:xfrm>
           <a:prstGeom prst="rect">
             <a:avLst/>
@@ -16929,7 +16891,7 @@
         <p:spPr>
           <a:xfrm>
             <a:off x="228600" y="1600200"/>
-            <a:ext cx="3654720" cy="1597320"/>
+            <a:ext cx="3654360" cy="1596960"/>
           </a:xfrm>
           <a:prstGeom prst="rect">
             <a:avLst/>
@@ -16953,7 +16915,7 @@
             <a:noAutofit/>
           </a:bodyPr>
           <a:p>
-            <a:pPr marL="432000" indent="-321840">
+            <a:pPr marL="432000" indent="-321480">
               <a:lnSpc>
                 <a:spcPct val="100000"/>
               </a:lnSpc>
@@ -17052,7 +17014,7 @@
         <p:spPr>
           <a:xfrm>
             <a:off x="10515600" y="6202080"/>
-            <a:ext cx="1594440" cy="421560"/>
+            <a:ext cx="1594080" cy="421200"/>
           </a:xfrm>
           <a:prstGeom prst="rect">
             <a:avLst/>
@@ -17078,7 +17040,7 @@
                 <a:spcPct val="100000"/>
               </a:lnSpc>
             </a:pPr>
-            <a:fld id="{0BD58F72-36F3-4DF2-B937-D23BBF431972}" type="slidenum">
+            <a:fld id="{98900A33-0743-485F-9049-C56A33EDA71C}" type="slidenum">
               <a:rPr b="0" lang="en-US" sz="1600" spc="-1" strike="noStrike">
                 <a:solidFill>
                   <a:srgbClr val="000000"/>
@@ -17107,7 +17069,7 @@
         <p:spPr>
           <a:xfrm>
             <a:off x="8258400" y="1600200"/>
-            <a:ext cx="3854520" cy="4340520"/>
+            <a:ext cx="3854160" cy="4340160"/>
           </a:xfrm>
           <a:prstGeom prst="rect">
             <a:avLst/>
@@ -17133,7 +17095,7 @@
         <p:spPr>
           <a:xfrm>
             <a:off x="4064400" y="1600200"/>
-            <a:ext cx="4073400" cy="4340520"/>
+            <a:ext cx="4073040" cy="4340160"/>
           </a:xfrm>
           <a:prstGeom prst="rect">
             <a:avLst/>
@@ -17185,7 +17147,7 @@
         <p:spPr>
           <a:xfrm>
             <a:off x="686160" y="0"/>
-            <a:ext cx="10967040" cy="1139400"/>
+            <a:ext cx="10966680" cy="1139040"/>
           </a:xfrm>
           <a:prstGeom prst="rect">
             <a:avLst/>
@@ -17261,7 +17223,7 @@
         <p:spPr>
           <a:xfrm>
             <a:off x="228600" y="1600200"/>
-            <a:ext cx="4796280" cy="2281680"/>
+            <a:ext cx="4795920" cy="2281320"/>
           </a:xfrm>
           <a:prstGeom prst="rect">
             <a:avLst/>
@@ -17285,7 +17247,7 @@
             <a:noAutofit/>
           </a:bodyPr>
           <a:p>
-            <a:pPr marL="432000" indent="-321840">
+            <a:pPr marL="432000" indent="-321480">
               <a:lnSpc>
                 <a:spcPct val="100000"/>
               </a:lnSpc>
@@ -17314,7 +17276,7 @@
             </a:endParaRPr>
           </a:p>
           <a:p>
-            <a:pPr marL="432000" indent="-321840">
+            <a:pPr marL="432000" indent="-321480">
               <a:lnSpc>
                 <a:spcPct val="100000"/>
               </a:lnSpc>
@@ -17343,7 +17305,7 @@
             </a:endParaRPr>
           </a:p>
           <a:p>
-            <a:pPr lvl="1" marL="864000" indent="-321840">
+            <a:pPr lvl="1" marL="864000" indent="-321480">
               <a:lnSpc>
                 <a:spcPct val="100000"/>
               </a:lnSpc>
@@ -17372,7 +17334,7 @@
             </a:endParaRPr>
           </a:p>
           <a:p>
-            <a:pPr lvl="1" marL="864000" indent="-321840">
+            <a:pPr lvl="1" marL="864000" indent="-321480">
               <a:lnSpc>
                 <a:spcPct val="100000"/>
               </a:lnSpc>
@@ -17401,7 +17363,7 @@
             </a:endParaRPr>
           </a:p>
           <a:p>
-            <a:pPr marL="432000" indent="-321840">
+            <a:pPr marL="432000" indent="-321480">
               <a:lnSpc>
                 <a:spcPct val="100000"/>
               </a:lnSpc>
@@ -17460,7 +17422,7 @@
         <p:spPr>
           <a:xfrm>
             <a:off x="10515600" y="6202080"/>
-            <a:ext cx="1594440" cy="421560"/>
+            <a:ext cx="1594080" cy="421200"/>
           </a:xfrm>
           <a:prstGeom prst="rect">
             <a:avLst/>
@@ -17486,7 +17448,7 @@
                 <a:spcPct val="100000"/>
               </a:lnSpc>
             </a:pPr>
-            <a:fld id="{523450DC-CB51-4E44-A491-ACAD5B95962B}" type="slidenum">
+            <a:fld id="{FD716B31-D3F2-4DD0-AFBF-1370A37E5B48}" type="slidenum">
               <a:rPr b="0" lang="en-US" sz="1600" spc="-1" strike="noStrike">
                 <a:solidFill>
                   <a:srgbClr val="000000"/>
@@ -17515,7 +17477,7 @@
         <p:spPr>
           <a:xfrm>
             <a:off x="228600" y="4114800"/>
-            <a:ext cx="2948040" cy="1986120"/>
+            <a:ext cx="2947680" cy="1985760"/>
           </a:xfrm>
           <a:prstGeom prst="rect">
             <a:avLst/>
@@ -17538,7 +17500,7 @@
         <p:spPr>
           <a:xfrm>
             <a:off x="6629400" y="1771920"/>
-            <a:ext cx="2157480" cy="1424160"/>
+            <a:ext cx="2157120" cy="1423800"/>
           </a:xfrm>
           <a:prstGeom prst="rect">
             <a:avLst/>
@@ -17564,7 +17526,7 @@
         <p:spPr>
           <a:xfrm>
             <a:off x="9258480" y="1828800"/>
-            <a:ext cx="1939680" cy="3825360"/>
+            <a:ext cx="1939320" cy="3825000"/>
           </a:xfrm>
           <a:prstGeom prst="rect">
             <a:avLst/>
@@ -17616,7 +17578,7 @@
         <p:spPr>
           <a:xfrm>
             <a:off x="686160" y="0"/>
-            <a:ext cx="10967040" cy="1139400"/>
+            <a:ext cx="10966680" cy="1139040"/>
           </a:xfrm>
           <a:prstGeom prst="rect">
             <a:avLst/>
@@ -17692,7 +17654,7 @@
         <p:spPr>
           <a:xfrm>
             <a:off x="228600" y="1600200"/>
-            <a:ext cx="5024880" cy="2510280"/>
+            <a:ext cx="5024520" cy="2509920"/>
           </a:xfrm>
           <a:prstGeom prst="rect">
             <a:avLst/>
@@ -17716,7 +17678,7 @@
             <a:noAutofit/>
           </a:bodyPr>
           <a:p>
-            <a:pPr marL="432000" indent="-321840">
+            <a:pPr marL="432000" indent="-321480">
               <a:lnSpc>
                 <a:spcPct val="100000"/>
               </a:lnSpc>
@@ -17745,7 +17707,7 @@
             </a:endParaRPr>
           </a:p>
           <a:p>
-            <a:pPr marL="432000" indent="-321840">
+            <a:pPr marL="432000" indent="-321480">
               <a:lnSpc>
                 <a:spcPct val="100000"/>
               </a:lnSpc>
@@ -17774,7 +17736,7 @@
             </a:endParaRPr>
           </a:p>
           <a:p>
-            <a:pPr lvl="1" marL="864000" indent="-321840">
+            <a:pPr lvl="1" marL="864000" indent="-321480">
               <a:lnSpc>
                 <a:spcPct val="100000"/>
               </a:lnSpc>
@@ -17803,7 +17765,7 @@
             </a:endParaRPr>
           </a:p>
           <a:p>
-            <a:pPr lvl="1" marL="864000" indent="-321840">
+            <a:pPr lvl="1" marL="864000" indent="-321480">
               <a:lnSpc>
                 <a:spcPct val="100000"/>
               </a:lnSpc>
@@ -17832,7 +17794,7 @@
             </a:endParaRPr>
           </a:p>
           <a:p>
-            <a:pPr marL="432000" indent="-321840">
+            <a:pPr marL="432000" indent="-321480">
               <a:lnSpc>
                 <a:spcPct val="100000"/>
               </a:lnSpc>
@@ -17891,7 +17853,7 @@
         <p:spPr>
           <a:xfrm>
             <a:off x="10515600" y="6202080"/>
-            <a:ext cx="1594440" cy="421560"/>
+            <a:ext cx="1594080" cy="421200"/>
           </a:xfrm>
           <a:prstGeom prst="rect">
             <a:avLst/>
@@ -17917,7 +17879,7 @@
                 <a:spcPct val="100000"/>
               </a:lnSpc>
             </a:pPr>
-            <a:fld id="{141C383D-B193-4D17-9259-A7F5B7FB2B51}" type="slidenum">
+            <a:fld id="{D41A8D23-C58C-4480-AECE-EA8AEF5681D0}" type="slidenum">
               <a:rPr b="0" lang="en-US" sz="1600" spc="-1" strike="noStrike">
                 <a:solidFill>
                   <a:srgbClr val="000000"/>
@@ -17946,7 +17908,7 @@
         <p:spPr>
           <a:xfrm>
             <a:off x="6858000" y="1595520"/>
-            <a:ext cx="1938600" cy="1176480"/>
+            <a:ext cx="1938240" cy="1176120"/>
           </a:xfrm>
           <a:prstGeom prst="rect">
             <a:avLst/>
@@ -17972,7 +17934,7 @@
         <p:spPr>
           <a:xfrm>
             <a:off x="486000" y="4343400"/>
-            <a:ext cx="2481480" cy="1986120"/>
+            <a:ext cx="2481120" cy="1985760"/>
           </a:xfrm>
           <a:prstGeom prst="rect">
             <a:avLst/>
@@ -17995,7 +17957,7 @@
         <p:spPr>
           <a:xfrm>
             <a:off x="9372600" y="1600200"/>
-            <a:ext cx="1939680" cy="4044600"/>
+            <a:ext cx="1939320" cy="4044240"/>
           </a:xfrm>
           <a:prstGeom prst="rect">
             <a:avLst/>
@@ -18047,7 +18009,7 @@
         <p:spPr>
           <a:xfrm>
             <a:off x="686160" y="0"/>
-            <a:ext cx="10967040" cy="1139400"/>
+            <a:ext cx="10966680" cy="1139040"/>
           </a:xfrm>
           <a:prstGeom prst="rect">
             <a:avLst/>
@@ -18113,7 +18075,7 @@
         <p:spPr>
           <a:xfrm>
             <a:off x="-228600" y="1371600"/>
-            <a:ext cx="4111200" cy="5025600"/>
+            <a:ext cx="4110840" cy="5025240"/>
           </a:xfrm>
           <a:prstGeom prst="rect">
             <a:avLst/>
@@ -18137,7 +18099,7 @@
             <a:noAutofit/>
           </a:bodyPr>
           <a:p>
-            <a:pPr marL="432000" indent="-321840">
+            <a:pPr marL="432000" indent="-321480">
               <a:lnSpc>
                 <a:spcPct val="100000"/>
               </a:lnSpc>
@@ -18166,7 +18128,7 @@
             </a:endParaRPr>
           </a:p>
           <a:p>
-            <a:pPr lvl="1" marL="864000" indent="-321840">
+            <a:pPr lvl="1" marL="864000" indent="-321480">
               <a:lnSpc>
                 <a:spcPct val="100000"/>
               </a:lnSpc>
@@ -18205,7 +18167,7 @@
             </a:endParaRPr>
           </a:p>
           <a:p>
-            <a:pPr lvl="1" marL="864000" indent="-321840">
+            <a:pPr lvl="1" marL="864000" indent="-321480">
               <a:lnSpc>
                 <a:spcPct val="100000"/>
               </a:lnSpc>
@@ -18234,7 +18196,7 @@
             </a:endParaRPr>
           </a:p>
           <a:p>
-            <a:pPr lvl="1" marL="864000" indent="-321840">
+            <a:pPr lvl="1" marL="864000" indent="-321480">
               <a:lnSpc>
                 <a:spcPct val="100000"/>
               </a:lnSpc>
@@ -18263,7 +18225,7 @@
             </a:endParaRPr>
           </a:p>
           <a:p>
-            <a:pPr marL="432000" indent="-321840">
+            <a:pPr marL="432000" indent="-321480">
               <a:lnSpc>
                 <a:spcPct val="100000"/>
               </a:lnSpc>
@@ -18292,7 +18254,7 @@
             </a:endParaRPr>
           </a:p>
           <a:p>
-            <a:pPr lvl="1" marL="864000" indent="-321840">
+            <a:pPr lvl="1" marL="864000" indent="-321480">
               <a:lnSpc>
                 <a:spcPct val="100000"/>
               </a:lnSpc>
@@ -18321,7 +18283,7 @@
             </a:endParaRPr>
           </a:p>
           <a:p>
-            <a:pPr lvl="1" marL="864000" indent="-321840">
+            <a:pPr lvl="1" marL="864000" indent="-321480">
               <a:lnSpc>
                 <a:spcPct val="100000"/>
               </a:lnSpc>
@@ -18350,7 +18312,7 @@
             </a:endParaRPr>
           </a:p>
           <a:p>
-            <a:pPr lvl="1" marL="864000" indent="-321840">
+            <a:pPr lvl="1" marL="864000" indent="-321480">
               <a:lnSpc>
                 <a:spcPct val="100000"/>
               </a:lnSpc>
@@ -18389,7 +18351,7 @@
         <p:spPr>
           <a:xfrm>
             <a:off x="10515600" y="6202080"/>
-            <a:ext cx="1594440" cy="421560"/>
+            <a:ext cx="1594080" cy="421200"/>
           </a:xfrm>
           <a:prstGeom prst="rect">
             <a:avLst/>
@@ -18415,7 +18377,7 @@
                 <a:spcPct val="100000"/>
               </a:lnSpc>
             </a:pPr>
-            <a:fld id="{BA6394A3-4457-4F14-A511-747A1A8E50D6}" type="slidenum">
+            <a:fld id="{38C348C3-1B31-4BCD-AE98-86BF7CA9D0A9}" type="slidenum">
               <a:rPr b="0" lang="en-US" sz="1600" spc="-1" strike="noStrike">
                 <a:solidFill>
                   <a:srgbClr val="000000"/>
@@ -18444,7 +18406,7 @@
         <p:spPr>
           <a:xfrm>
             <a:off x="4114800" y="1371600"/>
-            <a:ext cx="3796200" cy="4797360"/>
+            <a:ext cx="3795840" cy="4797000"/>
           </a:xfrm>
           <a:prstGeom prst="rect">
             <a:avLst/>
@@ -18470,7 +18432,7 @@
         <p:spPr>
           <a:xfrm>
             <a:off x="8353800" y="1371600"/>
-            <a:ext cx="3301560" cy="4797360"/>
+            <a:ext cx="3301200" cy="4797000"/>
           </a:xfrm>
           <a:prstGeom prst="rect">
             <a:avLst/>
@@ -18522,7 +18484,7 @@
         <p:spPr>
           <a:xfrm>
             <a:off x="686160" y="0"/>
-            <a:ext cx="10967040" cy="1139400"/>
+            <a:ext cx="10966680" cy="1139040"/>
           </a:xfrm>
           <a:prstGeom prst="rect">
             <a:avLst/>
@@ -18588,7 +18550,7 @@
         <p:spPr>
           <a:xfrm>
             <a:off x="10515600" y="6202080"/>
-            <a:ext cx="1594440" cy="421560"/>
+            <a:ext cx="1594080" cy="421200"/>
           </a:xfrm>
           <a:prstGeom prst="rect">
             <a:avLst/>
@@ -18614,7 +18576,7 @@
                 <a:spcPct val="100000"/>
               </a:lnSpc>
             </a:pPr>
-            <a:fld id="{431C0B0F-7491-4B4F-89ED-C5858377A55F}" type="slidenum">
+            <a:fld id="{BD03E3A6-5050-436B-BD77-9AE64926633F}" type="slidenum">
               <a:rPr b="0" lang="en-US" sz="1600" spc="-1" strike="noStrike">
                 <a:solidFill>
                   <a:srgbClr val="000000"/>
@@ -18643,7 +18605,7 @@
         <p:spPr>
           <a:xfrm>
             <a:off x="2743200" y="1142640"/>
-            <a:ext cx="3320640" cy="5254920"/>
+            <a:ext cx="3320280" cy="5254560"/>
           </a:xfrm>
           <a:prstGeom prst="rect">
             <a:avLst/>
@@ -18695,7 +18657,7 @@
         <p:spPr>
           <a:xfrm>
             <a:off x="686160" y="0"/>
-            <a:ext cx="10967040" cy="1139400"/>
+            <a:ext cx="10966680" cy="1139040"/>
           </a:xfrm>
           <a:prstGeom prst="rect">
             <a:avLst/>
@@ -18761,7 +18723,7 @@
         <p:spPr>
           <a:xfrm>
             <a:off x="228600" y="1371600"/>
-            <a:ext cx="3425040" cy="3425040"/>
+            <a:ext cx="3424680" cy="3424680"/>
           </a:xfrm>
           <a:prstGeom prst="rect">
             <a:avLst/>
@@ -18785,7 +18747,7 @@
             <a:noAutofit/>
           </a:bodyPr>
           <a:p>
-            <a:pPr marL="432000" indent="-321840">
+            <a:pPr marL="432000" indent="-321480">
               <a:lnSpc>
                 <a:spcPct val="100000"/>
               </a:lnSpc>
@@ -18844,7 +18806,7 @@
         <p:spPr>
           <a:xfrm>
             <a:off x="10515600" y="6202080"/>
-            <a:ext cx="1594440" cy="421560"/>
+            <a:ext cx="1594080" cy="421200"/>
           </a:xfrm>
           <a:prstGeom prst="rect">
             <a:avLst/>
@@ -18870,7 +18832,7 @@
                 <a:spcPct val="100000"/>
               </a:lnSpc>
             </a:pPr>
-            <a:fld id="{503945D5-7FF6-4C79-B192-F735954A1895}" type="slidenum">
+            <a:fld id="{9A22319E-00E7-49B4-A0FD-E2A464789484}" type="slidenum">
               <a:rPr b="0" lang="en-US" sz="1600" spc="-1" strike="noStrike">
                 <a:solidFill>
                   <a:srgbClr val="000000"/>
@@ -18899,7 +18861,7 @@
         <p:spPr>
           <a:xfrm>
             <a:off x="3762720" y="1371600"/>
-            <a:ext cx="4235040" cy="4567680"/>
+            <a:ext cx="4234680" cy="4567320"/>
           </a:xfrm>
           <a:prstGeom prst="rect">
             <a:avLst/>
@@ -18925,7 +18887,7 @@
         <p:spPr>
           <a:xfrm>
             <a:off x="8321040" y="1371600"/>
-            <a:ext cx="3093480" cy="4570200"/>
+            <a:ext cx="3093120" cy="4569840"/>
           </a:xfrm>
           <a:prstGeom prst="rect">
             <a:avLst/>
@@ -18977,7 +18939,7 @@
         <p:spPr>
           <a:xfrm>
             <a:off x="686160" y="0"/>
-            <a:ext cx="10967040" cy="1139400"/>
+            <a:ext cx="10966680" cy="1139040"/>
           </a:xfrm>
           <a:prstGeom prst="rect">
             <a:avLst/>
@@ -19043,7 +19005,7 @@
         <p:spPr>
           <a:xfrm>
             <a:off x="228600" y="1371600"/>
-            <a:ext cx="5073120" cy="1552680"/>
+            <a:ext cx="5072760" cy="1552320"/>
           </a:xfrm>
           <a:prstGeom prst="rect">
             <a:avLst/>
@@ -19067,7 +19029,7 @@
             <a:noAutofit/>
           </a:bodyPr>
           <a:p>
-            <a:pPr marL="432000" indent="-321840">
+            <a:pPr marL="432000" indent="-321480">
               <a:lnSpc>
                 <a:spcPct val="100000"/>
               </a:lnSpc>
@@ -19096,7 +19058,7 @@
             </a:endParaRPr>
           </a:p>
           <a:p>
-            <a:pPr marL="432000" indent="-321840">
+            <a:pPr marL="432000" indent="-321480">
               <a:lnSpc>
                 <a:spcPct val="100000"/>
               </a:lnSpc>
@@ -19125,7 +19087,7 @@
             </a:endParaRPr>
           </a:p>
           <a:p>
-            <a:pPr marL="432000" indent="-321840">
+            <a:pPr marL="432000" indent="-321480">
               <a:lnSpc>
                 <a:spcPct val="100000"/>
               </a:lnSpc>
@@ -19164,7 +19126,7 @@
         <p:spPr>
           <a:xfrm>
             <a:off x="10515600" y="6202080"/>
-            <a:ext cx="1594440" cy="421560"/>
+            <a:ext cx="1594080" cy="421200"/>
           </a:xfrm>
           <a:prstGeom prst="rect">
             <a:avLst/>
@@ -19190,7 +19152,7 @@
                 <a:spcPct val="100000"/>
               </a:lnSpc>
             </a:pPr>
-            <a:fld id="{50FB973D-61A8-4BA7-AF98-B0519F5849F6}" type="slidenum">
+            <a:fld id="{8FAAE3CC-6737-41B1-A66D-93B0965D1017}" type="slidenum">
               <a:rPr b="0" lang="en-US" sz="1600" spc="-1" strike="noStrike">
                 <a:solidFill>
                   <a:srgbClr val="000000"/>
@@ -19219,7 +19181,7 @@
         <p:spPr>
           <a:xfrm>
             <a:off x="5945040" y="1421640"/>
-            <a:ext cx="3656160" cy="4611960"/>
+            <a:ext cx="3655800" cy="4611600"/>
           </a:xfrm>
           <a:prstGeom prst="rect">
             <a:avLst/>
@@ -19274,7 +19236,7 @@
         <p:spPr>
           <a:xfrm>
             <a:off x="686160" y="0"/>
-            <a:ext cx="10967040" cy="1139400"/>
+            <a:ext cx="10966680" cy="1139040"/>
           </a:xfrm>
           <a:prstGeom prst="rect">
             <a:avLst/>
@@ -19340,7 +19302,7 @@
         <p:spPr>
           <a:xfrm>
             <a:off x="685800" y="1600200"/>
-            <a:ext cx="4569840" cy="912240"/>
+            <a:ext cx="4569480" cy="911880"/>
           </a:xfrm>
           <a:prstGeom prst="rect">
             <a:avLst/>
@@ -19364,7 +19326,7 @@
             <a:noAutofit/>
           </a:bodyPr>
           <a:p>
-            <a:pPr marL="432000" indent="-321840">
+            <a:pPr marL="432000" indent="-321480">
               <a:lnSpc>
                 <a:spcPct val="100000"/>
               </a:lnSpc>
@@ -19393,7 +19355,7 @@
             </a:endParaRPr>
           </a:p>
           <a:p>
-            <a:pPr marL="432000" indent="-321840">
+            <a:pPr marL="432000" indent="-321480">
               <a:lnSpc>
                 <a:spcPct val="100000"/>
               </a:lnSpc>
@@ -19445,7 +19407,7 @@
         <p:spPr>
           <a:xfrm>
             <a:off x="10515600" y="6202080"/>
-            <a:ext cx="1594440" cy="421560"/>
+            <a:ext cx="1594080" cy="421200"/>
           </a:xfrm>
           <a:prstGeom prst="rect">
             <a:avLst/>
@@ -19471,7 +19433,7 @@
                 <a:spcPct val="100000"/>
               </a:lnSpc>
             </a:pPr>
-            <a:fld id="{7AF699DB-2220-4B14-9A44-3543BD070F48}" type="slidenum">
+            <a:fld id="{2FF91E8C-466D-4E31-BE7A-D4278AB54360}" type="slidenum">
               <a:rPr b="0" lang="en-US" sz="1600" spc="-1" strike="noStrike">
                 <a:solidFill>
                   <a:srgbClr val="000000"/>
@@ -19500,7 +19462,7 @@
         <p:spPr>
           <a:xfrm>
             <a:off x="724320" y="2971800"/>
-            <a:ext cx="4531320" cy="1715400"/>
+            <a:ext cx="4530960" cy="1715040"/>
           </a:xfrm>
           <a:prstGeom prst="rect">
             <a:avLst/>
@@ -19552,7 +19514,7 @@
         <p:spPr>
           <a:xfrm>
             <a:off x="686160" y="0"/>
-            <a:ext cx="10967040" cy="1139400"/>
+            <a:ext cx="10966680" cy="1139040"/>
           </a:xfrm>
           <a:prstGeom prst="rect">
             <a:avLst/>
@@ -19618,7 +19580,7 @@
         <p:spPr>
           <a:xfrm>
             <a:off x="228600" y="1371600"/>
-            <a:ext cx="8456040" cy="912240"/>
+            <a:ext cx="8455680" cy="911880"/>
           </a:xfrm>
           <a:prstGeom prst="rect">
             <a:avLst/>
@@ -19642,7 +19604,7 @@
             <a:noAutofit/>
           </a:bodyPr>
           <a:p>
-            <a:pPr marL="432000" indent="-321840">
+            <a:pPr marL="432000" indent="-321480">
               <a:lnSpc>
                 <a:spcPct val="100000"/>
               </a:lnSpc>
@@ -19671,7 +19633,7 @@
             </a:endParaRPr>
           </a:p>
           <a:p>
-            <a:pPr marL="432000" indent="-321840">
+            <a:pPr marL="432000" indent="-321480">
               <a:lnSpc>
                 <a:spcPct val="100000"/>
               </a:lnSpc>
@@ -19710,7 +19672,7 @@
         <p:spPr>
           <a:xfrm>
             <a:off x="10515600" y="6202080"/>
-            <a:ext cx="1594440" cy="421560"/>
+            <a:ext cx="1594080" cy="421200"/>
           </a:xfrm>
           <a:prstGeom prst="rect">
             <a:avLst/>
@@ -19736,7 +19698,7 @@
                 <a:spcPct val="100000"/>
               </a:lnSpc>
             </a:pPr>
-            <a:fld id="{FB2251E5-E83D-4B44-9A07-66D2BBF19269}" type="slidenum">
+            <a:fld id="{60EFA1D3-1291-4290-9E72-F63558572E3D}" type="slidenum">
               <a:rPr b="0" lang="en-US" sz="1600" spc="-1" strike="noStrike">
                 <a:solidFill>
                   <a:srgbClr val="000000"/>
@@ -19765,7 +19727,7 @@
         <p:spPr>
           <a:xfrm>
             <a:off x="228600" y="2355480"/>
-            <a:ext cx="8456040" cy="2214360"/>
+            <a:ext cx="8455680" cy="2214000"/>
           </a:xfrm>
           <a:prstGeom prst="rect">
             <a:avLst/>
@@ -19791,7 +19753,7 @@
         <p:spPr>
           <a:xfrm>
             <a:off x="8828640" y="1141560"/>
-            <a:ext cx="3031200" cy="5257080"/>
+            <a:ext cx="3030840" cy="5256720"/>
           </a:xfrm>
           <a:prstGeom prst="rect">
             <a:avLst/>
@@ -19843,7 +19805,7 @@
         <p:spPr>
           <a:xfrm>
             <a:off x="3429000" y="376920"/>
-            <a:ext cx="5704200" cy="531720"/>
+            <a:ext cx="5703840" cy="531360"/>
           </a:xfrm>
           <a:prstGeom prst="rect">
             <a:avLst/>
@@ -19897,7 +19859,7 @@
         <p:spPr>
           <a:xfrm>
             <a:off x="10515600" y="6202080"/>
-            <a:ext cx="1594440" cy="421560"/>
+            <a:ext cx="1594080" cy="421200"/>
           </a:xfrm>
           <a:prstGeom prst="rect">
             <a:avLst/>
@@ -19923,7 +19885,7 @@
                 <a:spcPct val="100000"/>
               </a:lnSpc>
             </a:pPr>
-            <a:fld id="{BE1F4932-F5DD-4C1C-A591-3994132E6D35}" type="slidenum">
+            <a:fld id="{F45C5123-6472-4A8E-ACB1-D5A38D4587E9}" type="slidenum">
               <a:rPr b="0" lang="en-US" sz="1600" spc="-1" strike="noStrike">
                 <a:solidFill>
                   <a:srgbClr val="000000"/>
@@ -19952,7 +19914,7 @@
         <p:spPr>
           <a:xfrm>
             <a:off x="4114800" y="2105280"/>
-            <a:ext cx="4644000" cy="3148560"/>
+            <a:ext cx="4643640" cy="3148200"/>
           </a:xfrm>
           <a:prstGeom prst="rect">
             <a:avLst/>
@@ -20001,7 +19963,7 @@
         <p:spPr>
           <a:xfrm>
             <a:off x="5809320" y="1506960"/>
-            <a:ext cx="5209200" cy="3837240"/>
+            <a:ext cx="5208840" cy="3836880"/>
           </a:xfrm>
           <a:prstGeom prst="rect">
             <a:avLst/>
@@ -20022,7 +19984,7 @@
             <a:noAutofit/>
           </a:bodyPr>
           <a:p>
-            <a:pPr marL="343080" indent="-340920">
+            <a:pPr marL="343080" indent="-340560">
               <a:lnSpc>
                 <a:spcPct val="90000"/>
               </a:lnSpc>
@@ -20050,7 +20012,7 @@
             </a:endParaRPr>
           </a:p>
           <a:p>
-            <a:pPr lvl="1" marL="800280" indent="-340920">
+            <a:pPr lvl="1" marL="800280" indent="-340560">
               <a:lnSpc>
                 <a:spcPct val="90000"/>
               </a:lnSpc>
@@ -20078,7 +20040,7 @@
             </a:endParaRPr>
           </a:p>
           <a:p>
-            <a:pPr lvl="1" marL="800280" indent="-340920">
+            <a:pPr lvl="1" marL="800280" indent="-340560">
               <a:lnSpc>
                 <a:spcPct val="90000"/>
               </a:lnSpc>
@@ -20106,7 +20068,7 @@
             </a:endParaRPr>
           </a:p>
           <a:p>
-            <a:pPr marL="343080" indent="-340920">
+            <a:pPr marL="343080" indent="-340560">
               <a:lnSpc>
                 <a:spcPct val="90000"/>
               </a:lnSpc>
@@ -20134,7 +20096,7 @@
             </a:endParaRPr>
           </a:p>
           <a:p>
-            <a:pPr marL="343080" indent="-340920">
+            <a:pPr marL="343080" indent="-340560">
               <a:lnSpc>
                 <a:spcPct val="90000"/>
               </a:lnSpc>
@@ -20162,7 +20124,7 @@
             </a:endParaRPr>
           </a:p>
           <a:p>
-            <a:pPr lvl="1" marL="800280" indent="-340920">
+            <a:pPr lvl="1" marL="800280" indent="-340560">
               <a:lnSpc>
                 <a:spcPct val="90000"/>
               </a:lnSpc>
@@ -20183,14 +20145,14 @@
                 <a:latin typeface="Arial"/>
                 <a:ea typeface="DejaVu Sans"/>
               </a:rPr>
-              <a:t>Deployment</a:t>
+              <a:t>Deployment, StatefulSet, DaemonSet</a:t>
             </a:r>
             <a:endParaRPr b="0" lang="en-US" sz="1600" spc="-1" strike="noStrike">
               <a:latin typeface="Arial"/>
             </a:endParaRPr>
           </a:p>
           <a:p>
-            <a:pPr lvl="1" marL="800280" indent="-340920">
+            <a:pPr lvl="1" marL="800280" indent="-340560">
               <a:lnSpc>
                 <a:spcPct val="90000"/>
               </a:lnSpc>
@@ -20211,14 +20173,14 @@
                 <a:latin typeface="Arial"/>
                 <a:ea typeface="DejaVu Sans"/>
               </a:rPr>
-              <a:t>StatefulSet</a:t>
+              <a:t>Probes, Deployment Strategies</a:t>
             </a:r>
             <a:endParaRPr b="0" lang="en-US" sz="1600" spc="-1" strike="noStrike">
               <a:latin typeface="Arial"/>
             </a:endParaRPr>
           </a:p>
           <a:p>
-            <a:pPr lvl="1" marL="800280" indent="-340920">
+            <a:pPr lvl="1" marL="800280" indent="-340560">
               <a:lnSpc>
                 <a:spcPct val="90000"/>
               </a:lnSpc>
@@ -20239,14 +20201,14 @@
                 <a:latin typeface="Arial"/>
                 <a:ea typeface="DejaVu Sans"/>
               </a:rPr>
-              <a:t>CronJob</a:t>
+              <a:t>Resource Request and Limit</a:t>
             </a:r>
             <a:endParaRPr b="0" lang="en-US" sz="1600" spc="-1" strike="noStrike">
               <a:latin typeface="Arial"/>
             </a:endParaRPr>
           </a:p>
           <a:p>
-            <a:pPr lvl="1" marL="800280" indent="-340920">
+            <a:pPr lvl="1" marL="800280" indent="-340560">
               <a:lnSpc>
                 <a:spcPct val="90000"/>
               </a:lnSpc>
@@ -20267,14 +20229,14 @@
                 <a:latin typeface="Arial"/>
                 <a:ea typeface="DejaVu Sans"/>
               </a:rPr>
-              <a:t>Network</a:t>
+              <a:t>CronJob</a:t>
             </a:r>
             <a:endParaRPr b="0" lang="en-US" sz="1600" spc="-1" strike="noStrike">
               <a:latin typeface="Arial"/>
             </a:endParaRPr>
           </a:p>
           <a:p>
-            <a:pPr lvl="1" marL="800280" indent="-340920">
+            <a:pPr lvl="1" marL="800280" indent="-340560">
               <a:lnSpc>
                 <a:spcPct val="90000"/>
               </a:lnSpc>
@@ -20295,14 +20257,14 @@
                 <a:latin typeface="Arial"/>
                 <a:ea typeface="DejaVu Sans"/>
               </a:rPr>
-              <a:t>Configuration data</a:t>
+              <a:t>Network</a:t>
             </a:r>
             <a:endParaRPr b="0" lang="en-US" sz="1600" spc="-1" strike="noStrike">
               <a:latin typeface="Arial"/>
             </a:endParaRPr>
           </a:p>
           <a:p>
-            <a:pPr lvl="1" marL="800280" indent="-340920">
+            <a:pPr lvl="1" marL="800280" indent="-340560">
               <a:lnSpc>
                 <a:spcPct val="90000"/>
               </a:lnSpc>
@@ -20323,6 +20285,34 @@
                 <a:latin typeface="Arial"/>
                 <a:ea typeface="DejaVu Sans"/>
               </a:rPr>
+              <a:t>Configuration data</a:t>
+            </a:r>
+            <a:endParaRPr b="0" lang="en-US" sz="1600" spc="-1" strike="noStrike">
+              <a:latin typeface="Arial"/>
+            </a:endParaRPr>
+          </a:p>
+          <a:p>
+            <a:pPr lvl="1" marL="800280" indent="-340560">
+              <a:lnSpc>
+                <a:spcPct val="90000"/>
+              </a:lnSpc>
+              <a:spcBef>
+                <a:spcPts val="1134"/>
+              </a:spcBef>
+              <a:buClr>
+                <a:srgbClr val="d6001c"/>
+              </a:buClr>
+              <a:buFont typeface="Wingdings" charset="2"/>
+              <a:buChar char=""/>
+            </a:pPr>
+            <a:r>
+              <a:rPr b="0" lang="en-US" sz="1600" spc="-1" strike="noStrike">
+                <a:solidFill>
+                  <a:srgbClr val="3c3e41"/>
+                </a:solidFill>
+                <a:latin typeface="Arial"/>
+                <a:ea typeface="DejaVu Sans"/>
+              </a:rPr>
               <a:t>Persistent Storage</a:t>
             </a:r>
             <a:endParaRPr b="0" lang="en-US" sz="1600" spc="-1" strike="noStrike">
@@ -20330,7 +20320,7 @@
             </a:endParaRPr>
           </a:p>
           <a:p>
-            <a:pPr marL="343080" indent="-340920">
+            <a:pPr marL="343080" indent="-340560">
               <a:lnSpc>
                 <a:spcPct val="90000"/>
               </a:lnSpc>
@@ -20358,7 +20348,7 @@
             </a:endParaRPr>
           </a:p>
           <a:p>
-            <a:pPr lvl="1" marL="800280" indent="-340920">
+            <a:pPr lvl="1" marL="800280" indent="-340560">
               <a:lnSpc>
                 <a:spcPct val="90000"/>
               </a:lnSpc>
@@ -20386,7 +20376,7 @@
             </a:endParaRPr>
           </a:p>
           <a:p>
-            <a:pPr lvl="1" marL="800280" indent="-340920">
+            <a:pPr lvl="1" marL="800280" indent="-340560">
               <a:lnSpc>
                 <a:spcPct val="90000"/>
               </a:lnSpc>
@@ -20497,7 +20487,7 @@
         <p:spPr>
           <a:xfrm>
             <a:off x="686160" y="0"/>
-            <a:ext cx="10967040" cy="1139400"/>
+            <a:ext cx="10966680" cy="1139040"/>
           </a:xfrm>
           <a:prstGeom prst="rect">
             <a:avLst/>
@@ -20563,7 +20553,7 @@
         <p:spPr>
           <a:xfrm>
             <a:off x="6761520" y="1600200"/>
-            <a:ext cx="5348880" cy="904680"/>
+            <a:ext cx="5348520" cy="904320"/>
           </a:xfrm>
           <a:prstGeom prst="rect">
             <a:avLst/>
@@ -20587,7 +20577,7 @@
             <a:noAutofit/>
           </a:bodyPr>
           <a:p>
-            <a:pPr marL="432000" indent="-321840">
+            <a:pPr marL="432000" indent="-321480">
               <a:lnSpc>
                 <a:spcPct val="100000"/>
               </a:lnSpc>
@@ -20617,7 +20607,7 @@
             </a:endParaRPr>
           </a:p>
           <a:p>
-            <a:pPr marL="432000" indent="-321840">
+            <a:pPr marL="432000" indent="-321480">
               <a:lnSpc>
                 <a:spcPct val="100000"/>
               </a:lnSpc>
@@ -20677,7 +20667,7 @@
         <p:spPr>
           <a:xfrm>
             <a:off x="10515600" y="6202080"/>
-            <a:ext cx="1594440" cy="421560"/>
+            <a:ext cx="1594080" cy="421200"/>
           </a:xfrm>
           <a:prstGeom prst="rect">
             <a:avLst/>
@@ -20703,7 +20693,7 @@
                 <a:spcPct val="100000"/>
               </a:lnSpc>
             </a:pPr>
-            <a:fld id="{EFFE7D3D-6E30-47DB-9D74-87160C5C25AB}" type="slidenum">
+            <a:fld id="{06C68B54-C318-4949-B099-8B989136E5EC}" type="slidenum">
               <a:rPr b="0" lang="en-US" sz="1600" spc="-1" strike="noStrike">
                 <a:solidFill>
                   <a:srgbClr val="000000"/>
@@ -20728,7 +20718,7 @@
         <p:spPr>
           <a:xfrm>
             <a:off x="132120" y="1600200"/>
-            <a:ext cx="5348880" cy="904680"/>
+            <a:ext cx="5348520" cy="904320"/>
           </a:xfrm>
           <a:prstGeom prst="rect">
             <a:avLst/>
@@ -20751,7 +20741,7 @@
             <a:noAutofit/>
           </a:bodyPr>
           <a:p>
-            <a:pPr marL="432000" indent="-321840">
+            <a:pPr marL="432000" indent="-321480">
               <a:lnSpc>
                 <a:spcPct val="100000"/>
               </a:lnSpc>
@@ -20781,7 +20771,7 @@
             </a:endParaRPr>
           </a:p>
           <a:p>
-            <a:pPr marL="432000" indent="-321840">
+            <a:pPr marL="432000" indent="-321480">
               <a:lnSpc>
                 <a:spcPct val="100000"/>
               </a:lnSpc>
@@ -20824,7 +20814,7 @@
         <p:spPr>
           <a:xfrm>
             <a:off x="1828800" y="2696040"/>
-            <a:ext cx="7328520" cy="3242160"/>
+            <a:ext cx="7328160" cy="3241800"/>
           </a:xfrm>
           <a:prstGeom prst="rect">
             <a:avLst/>
@@ -20873,7 +20863,7 @@
         <p:spPr>
           <a:xfrm>
             <a:off x="686160" y="0"/>
-            <a:ext cx="10967040" cy="1139400"/>
+            <a:ext cx="10966680" cy="1139040"/>
           </a:xfrm>
           <a:prstGeom prst="rect">
             <a:avLst/>
@@ -20939,7 +20929,7 @@
         <p:spPr>
           <a:xfrm>
             <a:off x="5593320" y="1611360"/>
-            <a:ext cx="6517080" cy="904680"/>
+            <a:ext cx="6516720" cy="904320"/>
           </a:xfrm>
           <a:prstGeom prst="rect">
             <a:avLst/>
@@ -20963,7 +20953,7 @@
             <a:noAutofit/>
           </a:bodyPr>
           <a:p>
-            <a:pPr marL="432000" indent="-321840">
+            <a:pPr marL="432000" indent="-321480">
               <a:lnSpc>
                 <a:spcPct val="100000"/>
               </a:lnSpc>
@@ -20993,7 +20983,7 @@
             </a:endParaRPr>
           </a:p>
           <a:p>
-            <a:pPr marL="432000" indent="-321840">
+            <a:pPr marL="432000" indent="-321480">
               <a:lnSpc>
                 <a:spcPct val="100000"/>
               </a:lnSpc>
@@ -21015,7 +21005,7 @@
                 <a:latin typeface="Arial"/>
                 <a:ea typeface="DejaVu Sans"/>
               </a:rPr>
-              <a:t>Deployment strategies: rolling update, blue / green, ...</a:t>
+              <a:t>Deployment strategies: rolling update, recreate</a:t>
             </a:r>
             <a:endParaRPr b="0" lang="en-US" sz="1800" spc="-1" strike="noStrike">
               <a:latin typeface="Arial"/>
@@ -21032,7 +21022,7 @@
         <p:spPr>
           <a:xfrm>
             <a:off x="10515600" y="6202080"/>
-            <a:ext cx="1594440" cy="421560"/>
+            <a:ext cx="1594080" cy="421200"/>
           </a:xfrm>
           <a:prstGeom prst="rect">
             <a:avLst/>
@@ -21058,7 +21048,7 @@
                 <a:spcPct val="100000"/>
               </a:lnSpc>
             </a:pPr>
-            <a:fld id="{223EBE17-1389-4993-9782-9FFD7A36C462}" type="slidenum">
+            <a:fld id="{4D9F52B3-C4AE-47F2-B625-99928CF12C55}" type="slidenum">
               <a:rPr b="0" lang="en-US" sz="1600" spc="-1" strike="noStrike">
                 <a:solidFill>
                   <a:srgbClr val="000000"/>
@@ -21083,7 +21073,7 @@
         <p:spPr>
           <a:xfrm>
             <a:off x="0" y="1600200"/>
-            <a:ext cx="5481000" cy="904680"/>
+            <a:ext cx="5480640" cy="904320"/>
           </a:xfrm>
           <a:prstGeom prst="rect">
             <a:avLst/>
@@ -21106,7 +21096,7 @@
             <a:noAutofit/>
           </a:bodyPr>
           <a:p>
-            <a:pPr marL="432000" indent="-321840">
+            <a:pPr marL="432000" indent="-321480">
               <a:lnSpc>
                 <a:spcPct val="100000"/>
               </a:lnSpc>
@@ -21136,7 +21126,7 @@
             </a:endParaRPr>
           </a:p>
           <a:p>
-            <a:pPr marL="432000" indent="-321840">
+            <a:pPr marL="432000" indent="-321480">
               <a:lnSpc>
                 <a:spcPct val="100000"/>
               </a:lnSpc>
@@ -21179,7 +21169,7 @@
         <p:spPr>
           <a:xfrm>
             <a:off x="360" y="2692080"/>
-            <a:ext cx="11881440" cy="3610440"/>
+            <a:ext cx="11881080" cy="3610080"/>
           </a:xfrm>
           <a:prstGeom prst="rect">
             <a:avLst/>
@@ -21228,7 +21218,7 @@
         <p:spPr>
           <a:xfrm>
             <a:off x="686160" y="0"/>
-            <a:ext cx="10967040" cy="1139400"/>
+            <a:ext cx="10966680" cy="1139040"/>
           </a:xfrm>
           <a:prstGeom prst="rect">
             <a:avLst/>
@@ -21294,7 +21284,7 @@
         <p:spPr>
           <a:xfrm>
             <a:off x="5593320" y="1611360"/>
-            <a:ext cx="6517080" cy="904680"/>
+            <a:ext cx="6516720" cy="904320"/>
           </a:xfrm>
           <a:prstGeom prst="rect">
             <a:avLst/>
@@ -21318,7 +21308,7 @@
             <a:noAutofit/>
           </a:bodyPr>
           <a:p>
-            <a:pPr marL="432000" indent="-321840">
+            <a:pPr marL="432000" indent="-321480">
               <a:lnSpc>
                 <a:spcPct val="100000"/>
               </a:lnSpc>
@@ -21348,7 +21338,7 @@
             </a:endParaRPr>
           </a:p>
           <a:p>
-            <a:pPr marL="432000" indent="-321840">
+            <a:pPr marL="432000" indent="-321480">
               <a:lnSpc>
                 <a:spcPct val="100000"/>
               </a:lnSpc>
@@ -21387,7 +21377,7 @@
         <p:spPr>
           <a:xfrm>
             <a:off x="10515600" y="6202080"/>
-            <a:ext cx="1594440" cy="421560"/>
+            <a:ext cx="1594080" cy="421200"/>
           </a:xfrm>
           <a:prstGeom prst="rect">
             <a:avLst/>
@@ -21413,7 +21403,7 @@
                 <a:spcPct val="100000"/>
               </a:lnSpc>
             </a:pPr>
-            <a:fld id="{13BAB6E6-15C4-4215-9427-B2492BC4CAB2}" type="slidenum">
+            <a:fld id="{0EE777FE-D1DD-4E6B-A52D-478B7D5B1823}" type="slidenum">
               <a:rPr b="0" lang="en-US" sz="1600" spc="-1" strike="noStrike">
                 <a:solidFill>
                   <a:srgbClr val="000000"/>
@@ -21438,7 +21428,7 @@
         <p:spPr>
           <a:xfrm>
             <a:off x="0" y="1600200"/>
-            <a:ext cx="5481000" cy="904680"/>
+            <a:ext cx="5480640" cy="904320"/>
           </a:xfrm>
           <a:prstGeom prst="rect">
             <a:avLst/>
@@ -21461,7 +21451,7 @@
             <a:noAutofit/>
           </a:bodyPr>
           <a:p>
-            <a:pPr marL="432000" indent="-321840">
+            <a:pPr marL="432000" indent="-321480">
               <a:lnSpc>
                 <a:spcPct val="100000"/>
               </a:lnSpc>
@@ -21491,7 +21481,7 @@
             </a:endParaRPr>
           </a:p>
           <a:p>
-            <a:pPr marL="432000" indent="-321840">
+            <a:pPr marL="432000" indent="-321480">
               <a:lnSpc>
                 <a:spcPct val="100000"/>
               </a:lnSpc>
@@ -21534,7 +21524,7 @@
         <p:spPr>
           <a:xfrm>
             <a:off x="1600200" y="2743200"/>
-            <a:ext cx="8281080" cy="3887280"/>
+            <a:ext cx="8280720" cy="3886920"/>
           </a:xfrm>
           <a:prstGeom prst="rect">
             <a:avLst/>
@@ -21583,7 +21573,7 @@
         <p:spPr>
           <a:xfrm>
             <a:off x="686160" y="0"/>
-            <a:ext cx="10967040" cy="1139400"/>
+            <a:ext cx="10966680" cy="1139040"/>
           </a:xfrm>
           <a:prstGeom prst="rect">
             <a:avLst/>
@@ -21649,7 +21639,7 @@
         <p:spPr>
           <a:xfrm>
             <a:off x="5257800" y="1604520"/>
-            <a:ext cx="6928920" cy="904680"/>
+            <a:ext cx="6928560" cy="904320"/>
           </a:xfrm>
           <a:prstGeom prst="rect">
             <a:avLst/>
@@ -21673,7 +21663,7 @@
             <a:noAutofit/>
           </a:bodyPr>
           <a:p>
-            <a:pPr marL="432000" indent="-321840">
+            <a:pPr marL="432000" indent="-321480">
               <a:lnSpc>
                 <a:spcPct val="100000"/>
               </a:lnSpc>
@@ -21703,7 +21693,7 @@
             </a:endParaRPr>
           </a:p>
           <a:p>
-            <a:pPr marL="432000" indent="-321840">
+            <a:pPr marL="432000" indent="-321480">
               <a:lnSpc>
                 <a:spcPct val="100000"/>
               </a:lnSpc>
@@ -21762,7 +21752,7 @@
         <p:spPr>
           <a:xfrm>
             <a:off x="10515600" y="6202080"/>
-            <a:ext cx="1594440" cy="421560"/>
+            <a:ext cx="1594080" cy="421200"/>
           </a:xfrm>
           <a:prstGeom prst="rect">
             <a:avLst/>
@@ -21788,7 +21778,7 @@
                 <a:spcPct val="100000"/>
               </a:lnSpc>
             </a:pPr>
-            <a:fld id="{2FB97121-7D14-46C9-B8D2-5002404B395D}" type="slidenum">
+            <a:fld id="{9D5F992F-4B3C-426B-A282-00DBBB32E4FA}" type="slidenum">
               <a:rPr b="0" lang="en-US" sz="1600" spc="-1" strike="noStrike">
                 <a:solidFill>
                   <a:srgbClr val="000000"/>
@@ -21813,7 +21803,7 @@
         <p:spPr>
           <a:xfrm>
             <a:off x="0" y="1600200"/>
-            <a:ext cx="4795200" cy="904680"/>
+            <a:ext cx="4794840" cy="904320"/>
           </a:xfrm>
           <a:prstGeom prst="rect">
             <a:avLst/>
@@ -21836,7 +21826,7 @@
             <a:noAutofit/>
           </a:bodyPr>
           <a:p>
-            <a:pPr marL="432000" indent="-321840">
+            <a:pPr marL="432000" indent="-321480">
               <a:lnSpc>
                 <a:spcPct val="100000"/>
               </a:lnSpc>
@@ -21866,7 +21856,7 @@
             </a:endParaRPr>
           </a:p>
           <a:p>
-            <a:pPr marL="432000" indent="-321840">
+            <a:pPr marL="432000" indent="-321480">
               <a:lnSpc>
                 <a:spcPct val="100000"/>
               </a:lnSpc>
@@ -21909,7 +21899,7 @@
         <p:spPr>
           <a:xfrm>
             <a:off x="685800" y="2972160"/>
-            <a:ext cx="10519200" cy="3423240"/>
+            <a:ext cx="10518840" cy="3422880"/>
           </a:xfrm>
           <a:prstGeom prst="rect">
             <a:avLst/>
@@ -21958,7 +21948,7 @@
         <p:spPr>
           <a:xfrm>
             <a:off x="686160" y="0"/>
-            <a:ext cx="10967040" cy="1139400"/>
+            <a:ext cx="10966680" cy="1139040"/>
           </a:xfrm>
           <a:prstGeom prst="rect">
             <a:avLst/>
@@ -22024,7 +22014,7 @@
         <p:spPr>
           <a:xfrm>
             <a:off x="0" y="1376280"/>
-            <a:ext cx="5024160" cy="2047680"/>
+            <a:ext cx="5023800" cy="2047320"/>
           </a:xfrm>
           <a:prstGeom prst="rect">
             <a:avLst/>
@@ -22048,7 +22038,7 @@
             <a:noAutofit/>
           </a:bodyPr>
           <a:p>
-            <a:pPr marL="432000" indent="-321840">
+            <a:pPr marL="432000" indent="-321480">
               <a:lnSpc>
                 <a:spcPct val="100000"/>
               </a:lnSpc>
@@ -22077,7 +22067,7 @@
             </a:endParaRPr>
           </a:p>
           <a:p>
-            <a:pPr marL="432000" indent="-321840">
+            <a:pPr marL="432000" indent="-321480">
               <a:lnSpc>
                 <a:spcPct val="100000"/>
               </a:lnSpc>
@@ -22106,7 +22096,7 @@
             </a:endParaRPr>
           </a:p>
           <a:p>
-            <a:pPr marL="432000" indent="-321840">
+            <a:pPr marL="432000" indent="-321480">
               <a:lnSpc>
                 <a:spcPct val="100000"/>
               </a:lnSpc>
@@ -22135,7 +22125,7 @@
             </a:endParaRPr>
           </a:p>
           <a:p>
-            <a:pPr marL="432000" indent="-321840">
+            <a:pPr marL="432000" indent="-321480">
               <a:lnSpc>
                 <a:spcPct val="100000"/>
               </a:lnSpc>
@@ -22174,7 +22164,7 @@
         <p:spPr>
           <a:xfrm>
             <a:off x="10515600" y="6202080"/>
-            <a:ext cx="1594440" cy="421560"/>
+            <a:ext cx="1594080" cy="421200"/>
           </a:xfrm>
           <a:prstGeom prst="rect">
             <a:avLst/>
@@ -22200,7 +22190,7 @@
                 <a:spcPct val="100000"/>
               </a:lnSpc>
             </a:pPr>
-            <a:fld id="{B8EE4F65-A884-4D00-B22A-D984AA9C5CDC}" type="slidenum">
+            <a:fld id="{18575577-9B52-4EB5-B7DD-BDCD1A2F3C75}" type="slidenum">
               <a:rPr b="0" lang="en-US" sz="1600" spc="-1" strike="noStrike">
                 <a:solidFill>
                   <a:srgbClr val="000000"/>
@@ -22229,7 +22219,7 @@
         <p:spPr>
           <a:xfrm>
             <a:off x="5104080" y="1371600"/>
-            <a:ext cx="6766920" cy="4623840"/>
+            <a:ext cx="6766560" cy="4623480"/>
           </a:xfrm>
           <a:prstGeom prst="rect">
             <a:avLst/>
@@ -22278,7 +22268,7 @@
         <p:spPr>
           <a:xfrm>
             <a:off x="686160" y="0"/>
-            <a:ext cx="10967040" cy="1139400"/>
+            <a:ext cx="10966680" cy="1139040"/>
           </a:xfrm>
           <a:prstGeom prst="rect">
             <a:avLst/>
@@ -22332,7 +22322,7 @@
         <p:spPr>
           <a:xfrm>
             <a:off x="0" y="1376280"/>
-            <a:ext cx="2966760" cy="904680"/>
+            <a:ext cx="2966400" cy="904320"/>
           </a:xfrm>
           <a:prstGeom prst="rect">
             <a:avLst/>
@@ -22356,7 +22346,7 @@
             <a:noAutofit/>
           </a:bodyPr>
           <a:p>
-            <a:pPr marL="432000" indent="-321840">
+            <a:pPr marL="432000" indent="-321480">
               <a:lnSpc>
                 <a:spcPct val="100000"/>
               </a:lnSpc>
@@ -22385,7 +22375,7 @@
             </a:endParaRPr>
           </a:p>
           <a:p>
-            <a:pPr marL="432000" indent="-321840">
+            <a:pPr marL="432000" indent="-321480">
               <a:lnSpc>
                 <a:spcPct val="100000"/>
               </a:lnSpc>
@@ -22424,7 +22414,7 @@
         <p:spPr>
           <a:xfrm>
             <a:off x="10515600" y="6202080"/>
-            <a:ext cx="1594440" cy="421560"/>
+            <a:ext cx="1594080" cy="421200"/>
           </a:xfrm>
           <a:prstGeom prst="rect">
             <a:avLst/>
@@ -22450,7 +22440,7 @@
                 <a:spcPct val="100000"/>
               </a:lnSpc>
             </a:pPr>
-            <a:fld id="{6B09A0B7-BE45-4F24-A9E9-26D108052FC5}" type="slidenum">
+            <a:fld id="{85BDFDC2-483D-4538-932E-F6FCBC75802E}" type="slidenum">
               <a:rPr b="0" lang="en-US" sz="1600" spc="-1" strike="noStrike">
                 <a:solidFill>
                   <a:srgbClr val="000000"/>
@@ -22479,7 +22469,7 @@
         <p:spPr>
           <a:xfrm>
             <a:off x="3200400" y="1371600"/>
-            <a:ext cx="8681760" cy="4795560"/>
+            <a:ext cx="8681400" cy="4795200"/>
           </a:xfrm>
           <a:prstGeom prst="rect">
             <a:avLst/>

--- a/documents/K8s_Knowledge_Sharing.pptx
+++ b/documents/K8s_Knowledge_Sharing.pptx
@@ -9572,7 +9572,7 @@
         <p:spPr>
           <a:xfrm>
             <a:off x="0" y="0"/>
-            <a:ext cx="12184920" cy="5145120"/>
+            <a:ext cx="12184200" cy="5144400"/>
           </a:xfrm>
           <a:prstGeom prst="rect">
             <a:avLst/>
@@ -9614,7 +9614,7 @@
         <p:spPr>
           <a:xfrm>
             <a:off x="10582200" y="5243760"/>
-            <a:ext cx="1350720" cy="1350720"/>
+            <a:ext cx="1350000" cy="1350000"/>
           </a:xfrm>
           <a:prstGeom prst="rect">
             <a:avLst/>
@@ -9633,7 +9633,7 @@
         <p:spPr>
           <a:xfrm>
             <a:off x="1637280" y="753120"/>
-            <a:ext cx="7851240" cy="3932280"/>
+            <a:ext cx="7850520" cy="3931560"/>
           </a:xfrm>
           <a:prstGeom prst="rect">
             <a:avLst/>
@@ -9673,7 +9673,7 @@
         <p:spPr>
           <a:xfrm>
             <a:off x="7681680" y="1234080"/>
-            <a:ext cx="3840840" cy="3681360"/>
+            <a:ext cx="3840120" cy="3680640"/>
           </a:xfrm>
           <a:prstGeom prst="rect">
             <a:avLst/>
@@ -9712,13 +9712,7 @@
               <a:rPr b="0" lang="en-US" sz="4400" spc="-1" strike="noStrike">
                 <a:latin typeface="Arial"/>
               </a:rPr>
-              <a:t>Click to edit the title text </a:t>
-            </a:r>
-            <a:r>
-              <a:rPr b="0" lang="en-US" sz="4400" spc="-1" strike="noStrike">
-                <a:latin typeface="Arial"/>
-              </a:rPr>
-              <a:t>format</a:t>
+              <a:t>Click to edit the title text format</a:t>
             </a:r>
             <a:endParaRPr b="0" lang="en-US" sz="4400" spc="-1" strike="noStrike">
               <a:latin typeface="Arial"/>
@@ -9958,7 +9952,7 @@
         <p:spPr>
           <a:xfrm>
             <a:off x="0" y="6719040"/>
-            <a:ext cx="12184920" cy="145800"/>
+            <a:ext cx="12184200" cy="145080"/>
           </a:xfrm>
           <a:prstGeom prst="rect">
             <a:avLst/>
@@ -10296,7 +10290,7 @@
         <p:spPr>
           <a:xfrm>
             <a:off x="0" y="0"/>
-            <a:ext cx="4770000" cy="6850800"/>
+            <a:ext cx="4769280" cy="6850080"/>
           </a:xfrm>
           <a:prstGeom prst="rect">
             <a:avLst/>
@@ -10334,7 +10328,7 @@
         <p:spPr>
           <a:xfrm>
             <a:off x="1166760" y="2958480"/>
-            <a:ext cx="2388600" cy="759960"/>
+            <a:ext cx="2387880" cy="759960"/>
           </a:xfrm>
           <a:prstGeom prst="rect">
             <a:avLst/>
@@ -10385,7 +10379,7 @@
         <p:spPr>
           <a:xfrm>
             <a:off x="828360" y="1931400"/>
-            <a:ext cx="3065040" cy="2988000"/>
+            <a:ext cx="3064320" cy="2987280"/>
           </a:xfrm>
           <a:prstGeom prst="rect">
             <a:avLst/>
@@ -10421,7 +10415,7 @@
         <p:spPr>
           <a:xfrm>
             <a:off x="0" y="6719040"/>
-            <a:ext cx="12184920" cy="145800"/>
+            <a:ext cx="12184200" cy="145080"/>
           </a:xfrm>
           <a:prstGeom prst="rect">
             <a:avLst/>
@@ -10725,7 +10719,7 @@
         <p:spPr>
           <a:xfrm>
             <a:off x="0" y="6719040"/>
-            <a:ext cx="12184920" cy="145800"/>
+            <a:ext cx="12184200" cy="145080"/>
           </a:xfrm>
           <a:prstGeom prst="rect">
             <a:avLst/>
@@ -11207,7 +11201,7 @@
         <p:spPr>
           <a:xfrm>
             <a:off x="0" y="6719040"/>
-            <a:ext cx="12184920" cy="145800"/>
+            <a:ext cx="12184200" cy="145080"/>
           </a:xfrm>
           <a:prstGeom prst="rect">
             <a:avLst/>
@@ -11689,7 +11683,7 @@
         <p:spPr>
           <a:xfrm>
             <a:off x="0" y="6719040"/>
-            <a:ext cx="12184920" cy="145800"/>
+            <a:ext cx="12184200" cy="145080"/>
           </a:xfrm>
           <a:prstGeom prst="rect">
             <a:avLst/>
@@ -11993,7 +11987,7 @@
         <p:spPr>
           <a:xfrm>
             <a:off x="0" y="0"/>
-            <a:ext cx="12184920" cy="5145120"/>
+            <a:ext cx="12184200" cy="5144400"/>
           </a:xfrm>
           <a:prstGeom prst="rect">
             <a:avLst/>
@@ -12031,7 +12025,7 @@
         <p:spPr>
           <a:xfrm>
             <a:off x="2915640" y="1431720"/>
-            <a:ext cx="6353640" cy="2724120"/>
+            <a:ext cx="6352920" cy="2723400"/>
           </a:xfrm>
           <a:prstGeom prst="rect">
             <a:avLst/>
@@ -12071,7 +12065,7 @@
         <p:spPr>
           <a:xfrm>
             <a:off x="10991880" y="5744160"/>
-            <a:ext cx="951120" cy="951120"/>
+            <a:ext cx="950400" cy="950400"/>
           </a:xfrm>
           <a:prstGeom prst="rect">
             <a:avLst/>
@@ -12090,7 +12084,7 @@
         <p:spPr>
           <a:xfrm>
             <a:off x="3764880" y="2243520"/>
-            <a:ext cx="4638960" cy="1095120"/>
+            <a:ext cx="4638240" cy="1095120"/>
           </a:xfrm>
           <a:prstGeom prst="rect">
             <a:avLst/>
@@ -12414,7 +12408,7 @@
         <p:spPr>
           <a:xfrm>
             <a:off x="565560" y="6150240"/>
-            <a:ext cx="4176000" cy="286920"/>
+            <a:ext cx="4175280" cy="286200"/>
           </a:xfrm>
           <a:prstGeom prst="rect">
             <a:avLst/>
@@ -12440,7 +12434,7 @@
         <p:spPr>
           <a:xfrm>
             <a:off x="1316880" y="1056240"/>
-            <a:ext cx="7364160" cy="2953080"/>
+            <a:ext cx="7363440" cy="2952360"/>
           </a:xfrm>
           <a:prstGeom prst="rect">
             <a:avLst/>
@@ -12524,7 +12518,7 @@
         <p:spPr>
           <a:xfrm>
             <a:off x="457200" y="5715000"/>
-            <a:ext cx="5937840" cy="357120"/>
+            <a:ext cx="5937120" cy="356400"/>
           </a:xfrm>
           <a:prstGeom prst="rect">
             <a:avLst/>
@@ -12627,7 +12621,7 @@
         <p:spPr>
           <a:xfrm>
             <a:off x="686160" y="0"/>
-            <a:ext cx="10966680" cy="1139040"/>
+            <a:ext cx="10965960" cy="1138320"/>
           </a:xfrm>
           <a:prstGeom prst="rect">
             <a:avLst/>
@@ -12693,7 +12687,7 @@
         <p:spPr>
           <a:xfrm>
             <a:off x="457200" y="1600200"/>
-            <a:ext cx="5348520" cy="910080"/>
+            <a:ext cx="5347800" cy="909360"/>
           </a:xfrm>
           <a:prstGeom prst="rect">
             <a:avLst/>
@@ -12717,7 +12711,7 @@
             <a:noAutofit/>
           </a:bodyPr>
           <a:p>
-            <a:pPr marL="432000" indent="-321480">
+            <a:pPr marL="432000" indent="-320760">
               <a:lnSpc>
                 <a:spcPct val="100000"/>
               </a:lnSpc>
@@ -12746,7 +12740,7 @@
             </a:endParaRPr>
           </a:p>
           <a:p>
-            <a:pPr marL="432000" indent="-321480">
+            <a:pPr marL="432000" indent="-320760">
               <a:lnSpc>
                 <a:spcPct val="100000"/>
               </a:lnSpc>
@@ -12805,7 +12799,7 @@
         <p:spPr>
           <a:xfrm>
             <a:off x="10515600" y="6202080"/>
-            <a:ext cx="1594080" cy="421200"/>
+            <a:ext cx="1593360" cy="420480"/>
           </a:xfrm>
           <a:prstGeom prst="rect">
             <a:avLst/>
@@ -12831,7 +12825,7 @@
                 <a:spcPct val="100000"/>
               </a:lnSpc>
             </a:pPr>
-            <a:fld id="{2C62D44A-FE6C-414E-A8EF-AA97903641A1}" type="slidenum">
+            <a:fld id="{5881FB62-96F6-4BA1-A29E-F39E456E4AF7}" type="slidenum">
               <a:rPr b="0" lang="en-US" sz="1600" spc="-1" strike="noStrike">
                 <a:solidFill>
                   <a:srgbClr val="000000"/>
@@ -12860,7 +12854,7 @@
         <p:spPr>
           <a:xfrm>
             <a:off x="2067120" y="2800800"/>
-            <a:ext cx="3413880" cy="2223000"/>
+            <a:ext cx="3413160" cy="2222280"/>
           </a:xfrm>
           <a:prstGeom prst="rect">
             <a:avLst/>
@@ -12883,7 +12877,7 @@
         <p:spPr>
           <a:xfrm>
             <a:off x="6134400" y="1505160"/>
-            <a:ext cx="2089800" cy="3518640"/>
+            <a:ext cx="2089080" cy="3517920"/>
           </a:xfrm>
           <a:prstGeom prst="rect">
             <a:avLst/>
@@ -12938,7 +12932,7 @@
         <p:spPr>
           <a:xfrm>
             <a:off x="686160" y="0"/>
-            <a:ext cx="10966680" cy="1139040"/>
+            <a:ext cx="10965960" cy="1138320"/>
           </a:xfrm>
           <a:prstGeom prst="rect">
             <a:avLst/>
@@ -13004,7 +12998,7 @@
         <p:spPr>
           <a:xfrm>
             <a:off x="228600" y="1600920"/>
-            <a:ext cx="5255280" cy="4110480"/>
+            <a:ext cx="5254560" cy="4109760"/>
           </a:xfrm>
           <a:prstGeom prst="rect">
             <a:avLst/>
@@ -13051,7 +13045,7 @@
             </a:endParaRPr>
           </a:p>
           <a:p>
-            <a:pPr marL="432000" indent="-321480">
+            <a:pPr marL="432000" indent="-320760">
               <a:lnSpc>
                 <a:spcPct val="100000"/>
               </a:lnSpc>
@@ -13100,7 +13094,7 @@
             </a:endParaRPr>
           </a:p>
           <a:p>
-            <a:pPr marL="432000" indent="-321480">
+            <a:pPr marL="432000" indent="-320760">
               <a:lnSpc>
                 <a:spcPct val="100000"/>
               </a:lnSpc>
@@ -13129,7 +13123,7 @@
             </a:endParaRPr>
           </a:p>
           <a:p>
-            <a:pPr lvl="1" marL="864000" indent="-321480">
+            <a:pPr lvl="1" marL="864000" indent="-320760">
               <a:lnSpc>
                 <a:spcPct val="100000"/>
               </a:lnSpc>
@@ -13158,7 +13152,7 @@
             </a:endParaRPr>
           </a:p>
           <a:p>
-            <a:pPr lvl="1" marL="864000" indent="-321480">
+            <a:pPr lvl="1" marL="864000" indent="-320760">
               <a:lnSpc>
                 <a:spcPct val="100000"/>
               </a:lnSpc>
@@ -13187,7 +13181,7 @@
             </a:endParaRPr>
           </a:p>
           <a:p>
-            <a:pPr lvl="1" marL="864000" indent="-321480">
+            <a:pPr lvl="1" marL="864000" indent="-320760">
               <a:lnSpc>
                 <a:spcPct val="100000"/>
               </a:lnSpc>
@@ -13216,7 +13210,7 @@
             </a:endParaRPr>
           </a:p>
           <a:p>
-            <a:pPr marL="432000" indent="-321480">
+            <a:pPr marL="432000" indent="-320760">
               <a:lnSpc>
                 <a:spcPct val="100000"/>
               </a:lnSpc>
@@ -13245,7 +13239,7 @@
             </a:endParaRPr>
           </a:p>
           <a:p>
-            <a:pPr marL="432000" indent="-321480">
+            <a:pPr marL="432000" indent="-320760">
               <a:lnSpc>
                 <a:spcPct val="100000"/>
               </a:lnSpc>
@@ -13284,7 +13278,7 @@
         <p:spPr>
           <a:xfrm>
             <a:off x="10515600" y="6202080"/>
-            <a:ext cx="1594080" cy="421200"/>
+            <a:ext cx="1593360" cy="420480"/>
           </a:xfrm>
           <a:prstGeom prst="rect">
             <a:avLst/>
@@ -13310,7 +13304,7 @@
                 <a:spcPct val="100000"/>
               </a:lnSpc>
             </a:pPr>
-            <a:fld id="{FC326FE5-D89D-4FC6-B08A-4188CCBFA604}" type="slidenum">
+            <a:fld id="{9A17EB86-FE6D-4F7B-8ACA-AC6EE9603874}" type="slidenum">
               <a:rPr b="0" lang="en-US" sz="1600" spc="-1" strike="noStrike">
                 <a:solidFill>
                   <a:srgbClr val="000000"/>
@@ -13339,7 +13333,7 @@
         <p:spPr>
           <a:xfrm>
             <a:off x="5715000" y="1600200"/>
-            <a:ext cx="4797000" cy="4111200"/>
+            <a:ext cx="4796280" cy="4110480"/>
           </a:xfrm>
           <a:prstGeom prst="rect">
             <a:avLst/>
@@ -13391,7 +13385,7 @@
         <p:spPr>
           <a:xfrm>
             <a:off x="686160" y="0"/>
-            <a:ext cx="10966680" cy="1139040"/>
+            <a:ext cx="10965960" cy="1138320"/>
           </a:xfrm>
           <a:prstGeom prst="rect">
             <a:avLst/>
@@ -13457,7 +13451,7 @@
         <p:spPr>
           <a:xfrm>
             <a:off x="91440" y="1600920"/>
-            <a:ext cx="5393520" cy="4110480"/>
+            <a:ext cx="5392800" cy="4109760"/>
           </a:xfrm>
           <a:prstGeom prst="rect">
             <a:avLst/>
@@ -13504,7 +13498,7 @@
             </a:endParaRPr>
           </a:p>
           <a:p>
-            <a:pPr marL="432000" indent="-321480">
+            <a:pPr marL="432000" indent="-320760">
               <a:lnSpc>
                 <a:spcPct val="100000"/>
               </a:lnSpc>
@@ -13533,7 +13527,7 @@
             </a:endParaRPr>
           </a:p>
           <a:p>
-            <a:pPr marL="432000" indent="-321480">
+            <a:pPr marL="432000" indent="-320760">
               <a:lnSpc>
                 <a:spcPct val="100000"/>
               </a:lnSpc>
@@ -13585,7 +13579,7 @@
             </a:endParaRPr>
           </a:p>
           <a:p>
-            <a:pPr marL="432000" indent="-321480">
+            <a:pPr marL="432000" indent="-320760">
               <a:lnSpc>
                 <a:spcPct val="100000"/>
               </a:lnSpc>
@@ -13614,7 +13608,7 @@
             </a:endParaRPr>
           </a:p>
           <a:p>
-            <a:pPr marL="432000" indent="-321480">
+            <a:pPr marL="432000" indent="-320760">
               <a:lnSpc>
                 <a:spcPct val="100000"/>
               </a:lnSpc>
@@ -13656,7 +13650,7 @@
             </a:endParaRPr>
           </a:p>
           <a:p>
-            <a:pPr marL="432000" indent="-321480">
+            <a:pPr marL="432000" indent="-320760">
               <a:lnSpc>
                 <a:spcPct val="100000"/>
               </a:lnSpc>
@@ -13685,7 +13679,7 @@
             </a:endParaRPr>
           </a:p>
           <a:p>
-            <a:pPr marL="432000" indent="-321480">
+            <a:pPr marL="432000" indent="-320760">
               <a:lnSpc>
                 <a:spcPct val="100000"/>
               </a:lnSpc>
@@ -13724,7 +13718,7 @@
         <p:spPr>
           <a:xfrm>
             <a:off x="10515600" y="6202080"/>
-            <a:ext cx="1594080" cy="421200"/>
+            <a:ext cx="1593360" cy="420480"/>
           </a:xfrm>
           <a:prstGeom prst="rect">
             <a:avLst/>
@@ -13750,7 +13744,7 @@
                 <a:spcPct val="100000"/>
               </a:lnSpc>
             </a:pPr>
-            <a:fld id="{610F74BC-9269-48FB-A9B3-661522DB8F3F}" type="slidenum">
+            <a:fld id="{8B60F07F-1243-4653-B42A-C3C928D8925A}" type="slidenum">
               <a:rPr b="0" lang="en-US" sz="1600" spc="-1" strike="noStrike">
                 <a:solidFill>
                   <a:srgbClr val="000000"/>
@@ -13779,7 +13773,7 @@
         <p:spPr>
           <a:xfrm>
             <a:off x="6688800" y="1554480"/>
-            <a:ext cx="4922640" cy="4021920"/>
+            <a:ext cx="4921920" cy="4021200"/>
           </a:xfrm>
           <a:prstGeom prst="rect">
             <a:avLst/>
@@ -13834,7 +13828,7 @@
         <p:spPr>
           <a:xfrm>
             <a:off x="686160" y="0"/>
-            <a:ext cx="10966680" cy="1139040"/>
+            <a:ext cx="10965960" cy="1138320"/>
           </a:xfrm>
           <a:prstGeom prst="rect">
             <a:avLst/>
@@ -13900,7 +13894,7 @@
         <p:spPr>
           <a:xfrm>
             <a:off x="0" y="1600920"/>
-            <a:ext cx="5303160" cy="2239200"/>
+            <a:ext cx="5302440" cy="2238480"/>
           </a:xfrm>
           <a:prstGeom prst="rect">
             <a:avLst/>
@@ -14079,7 +14073,7 @@
             </a:endParaRPr>
           </a:p>
           <a:p>
-            <a:pPr marL="432000" indent="-321480">
+            <a:pPr marL="432000" indent="-320760">
               <a:lnSpc>
                 <a:spcPct val="100000"/>
               </a:lnSpc>
@@ -14108,7 +14102,7 @@
             </a:endParaRPr>
           </a:p>
           <a:p>
-            <a:pPr marL="432000" indent="-321480">
+            <a:pPr marL="432000" indent="-320760">
               <a:lnSpc>
                 <a:spcPct val="100000"/>
               </a:lnSpc>
@@ -14147,7 +14141,7 @@
         <p:spPr>
           <a:xfrm>
             <a:off x="10515600" y="6202080"/>
-            <a:ext cx="1594080" cy="421200"/>
+            <a:ext cx="1593360" cy="420480"/>
           </a:xfrm>
           <a:prstGeom prst="rect">
             <a:avLst/>
@@ -14173,7 +14167,7 @@
                 <a:spcPct val="100000"/>
               </a:lnSpc>
             </a:pPr>
-            <a:fld id="{F5842A14-DCA8-469F-B6DF-C9D7BF0F410D}" type="slidenum">
+            <a:fld id="{6546C1D8-275A-43AC-AF42-0AD4F68CD391}" type="slidenum">
               <a:rPr b="0" lang="en-US" sz="1600" spc="-1" strike="noStrike">
                 <a:solidFill>
                   <a:srgbClr val="000000"/>
@@ -14202,7 +14196,7 @@
         <p:spPr>
           <a:xfrm>
             <a:off x="6858360" y="1554480"/>
-            <a:ext cx="1828080" cy="2532960"/>
+            <a:ext cx="1827360" cy="2532240"/>
           </a:xfrm>
           <a:prstGeom prst="rect">
             <a:avLst/>
@@ -14257,7 +14251,7 @@
         <p:spPr>
           <a:xfrm>
             <a:off x="686160" y="0"/>
-            <a:ext cx="10966680" cy="1139040"/>
+            <a:ext cx="10965960" cy="1138320"/>
           </a:xfrm>
           <a:prstGeom prst="rect">
             <a:avLst/>
@@ -14323,7 +14317,7 @@
         <p:spPr>
           <a:xfrm>
             <a:off x="10515600" y="6202080"/>
-            <a:ext cx="1594080" cy="421200"/>
+            <a:ext cx="1593360" cy="420480"/>
           </a:xfrm>
           <a:prstGeom prst="rect">
             <a:avLst/>
@@ -14349,7 +14343,7 @@
                 <a:spcPct val="100000"/>
               </a:lnSpc>
             </a:pPr>
-            <a:fld id="{75FD459E-1414-4CF9-812D-844DF5EE3E5D}" type="slidenum">
+            <a:fld id="{6BF9169F-C135-483C-99CD-0E1A595F4319}" type="slidenum">
               <a:rPr b="0" lang="en-US" sz="1600" spc="-1" strike="noStrike">
                 <a:solidFill>
                   <a:srgbClr val="000000"/>
@@ -14374,7 +14368,7 @@
         <p:spPr>
           <a:xfrm>
             <a:off x="91440" y="1600920"/>
-            <a:ext cx="4845960" cy="3885120"/>
+            <a:ext cx="4845240" cy="3884400"/>
           </a:xfrm>
           <a:prstGeom prst="rect">
             <a:avLst/>
@@ -14398,7 +14392,7 @@
             <a:noAutofit/>
           </a:bodyPr>
           <a:p>
-            <a:pPr marL="216000" indent="-215640">
+            <a:pPr marL="216000" indent="-214920">
               <a:lnSpc>
                 <a:spcPct val="100000"/>
               </a:lnSpc>
@@ -14426,7 +14420,7 @@
             </a:endParaRPr>
           </a:p>
           <a:p>
-            <a:pPr marL="216000" indent="-215640">
+            <a:pPr marL="216000" indent="-214920">
               <a:lnSpc>
                 <a:spcPct val="100000"/>
               </a:lnSpc>
@@ -14454,7 +14448,7 @@
             </a:endParaRPr>
           </a:p>
           <a:p>
-            <a:pPr lvl="1" marL="432000" indent="-215640">
+            <a:pPr lvl="1" marL="432000" indent="-214920">
               <a:lnSpc>
                 <a:spcPct val="100000"/>
               </a:lnSpc>
@@ -14483,7 +14477,7 @@
             </a:endParaRPr>
           </a:p>
           <a:p>
-            <a:pPr marL="216000" indent="-215640">
+            <a:pPr marL="216000" indent="-214920">
               <a:lnSpc>
                 <a:spcPct val="100000"/>
               </a:lnSpc>
@@ -14511,7 +14505,7 @@
             </a:endParaRPr>
           </a:p>
           <a:p>
-            <a:pPr lvl="1" marL="432000" indent="-215640">
+            <a:pPr lvl="1" marL="432000" indent="-214920">
               <a:lnSpc>
                 <a:spcPct val="100000"/>
               </a:lnSpc>
@@ -14540,7 +14534,7 @@
             </a:endParaRPr>
           </a:p>
           <a:p>
-            <a:pPr marL="216000" indent="-215640">
+            <a:pPr marL="216000" indent="-214920">
               <a:lnSpc>
                 <a:spcPct val="100000"/>
               </a:lnSpc>
@@ -14568,7 +14562,7 @@
             </a:endParaRPr>
           </a:p>
           <a:p>
-            <a:pPr lvl="1" marL="432000" indent="-215640">
+            <a:pPr lvl="1" marL="432000" indent="-214920">
               <a:lnSpc>
                 <a:spcPct val="100000"/>
               </a:lnSpc>
@@ -14597,7 +14591,7 @@
             </a:endParaRPr>
           </a:p>
           <a:p>
-            <a:pPr marL="432000" indent="-321480">
+            <a:pPr marL="432000" indent="-320760">
               <a:lnSpc>
                 <a:spcPct val="100000"/>
               </a:lnSpc>
@@ -14626,7 +14620,7 @@
             </a:endParaRPr>
           </a:p>
           <a:p>
-            <a:pPr marL="432000" indent="-321480">
+            <a:pPr marL="432000" indent="-320760">
               <a:lnSpc>
                 <a:spcPct val="100000"/>
               </a:lnSpc>
@@ -14669,7 +14663,7 @@
         <p:spPr>
           <a:xfrm>
             <a:off x="5669280" y="2743200"/>
-            <a:ext cx="4485600" cy="1513800"/>
+            <a:ext cx="4484880" cy="1513080"/>
           </a:xfrm>
           <a:prstGeom prst="rect">
             <a:avLst/>
@@ -14724,7 +14718,7 @@
         <p:spPr>
           <a:xfrm>
             <a:off x="686160" y="0"/>
-            <a:ext cx="10966680" cy="1139040"/>
+            <a:ext cx="10965960" cy="1138320"/>
           </a:xfrm>
           <a:prstGeom prst="rect">
             <a:avLst/>
@@ -14790,7 +14784,7 @@
         <p:spPr>
           <a:xfrm>
             <a:off x="10515600" y="6202080"/>
-            <a:ext cx="1594080" cy="421200"/>
+            <a:ext cx="1593360" cy="420480"/>
           </a:xfrm>
           <a:prstGeom prst="rect">
             <a:avLst/>
@@ -14816,7 +14810,7 @@
                 <a:spcPct val="100000"/>
               </a:lnSpc>
             </a:pPr>
-            <a:fld id="{54D9BD01-D697-4657-AD10-722E63A2D2C0}" type="slidenum">
+            <a:fld id="{84049C45-443C-4075-B748-B9F89118F5CF}" type="slidenum">
               <a:rPr b="0" lang="en-US" sz="1600" spc="-1" strike="noStrike">
                 <a:solidFill>
                   <a:srgbClr val="000000"/>
@@ -14841,7 +14835,7 @@
         <p:spPr>
           <a:xfrm>
             <a:off x="91440" y="1600920"/>
-            <a:ext cx="5668920" cy="3885120"/>
+            <a:ext cx="5668200" cy="3884400"/>
           </a:xfrm>
           <a:prstGeom prst="rect">
             <a:avLst/>
@@ -14865,7 +14859,7 @@
             <a:noAutofit/>
           </a:bodyPr>
           <a:p>
-            <a:pPr marL="216000" indent="-215640">
+            <a:pPr marL="216000" indent="-214920">
               <a:lnSpc>
                 <a:spcPct val="100000"/>
               </a:lnSpc>
@@ -14893,7 +14887,7 @@
             </a:endParaRPr>
           </a:p>
           <a:p>
-            <a:pPr marL="216000" indent="-215640">
+            <a:pPr marL="216000" indent="-214920">
               <a:lnSpc>
                 <a:spcPct val="100000"/>
               </a:lnSpc>
@@ -14921,7 +14915,7 @@
             </a:endParaRPr>
           </a:p>
           <a:p>
-            <a:pPr lvl="1" marL="432000" indent="-215640">
+            <a:pPr lvl="1" marL="432000" indent="-214920">
               <a:lnSpc>
                 <a:spcPct val="100000"/>
               </a:lnSpc>
@@ -14950,7 +14944,7 @@
             </a:endParaRPr>
           </a:p>
           <a:p>
-            <a:pPr marL="216000" indent="-215640">
+            <a:pPr marL="216000" indent="-214920">
               <a:lnSpc>
                 <a:spcPct val="100000"/>
               </a:lnSpc>
@@ -14978,7 +14972,7 @@
             </a:endParaRPr>
           </a:p>
           <a:p>
-            <a:pPr lvl="1" marL="432000" indent="-215640">
+            <a:pPr lvl="1" marL="432000" indent="-214920">
               <a:lnSpc>
                 <a:spcPct val="100000"/>
               </a:lnSpc>
@@ -15007,7 +15001,7 @@
             </a:endParaRPr>
           </a:p>
           <a:p>
-            <a:pPr marL="216000" indent="-215640">
+            <a:pPr marL="216000" indent="-214920">
               <a:lnSpc>
                 <a:spcPct val="100000"/>
               </a:lnSpc>
@@ -15035,7 +15029,7 @@
             </a:endParaRPr>
           </a:p>
           <a:p>
-            <a:pPr lvl="1" marL="432000" indent="-215640">
+            <a:pPr lvl="1" marL="432000" indent="-214920">
               <a:lnSpc>
                 <a:spcPct val="100000"/>
               </a:lnSpc>
@@ -15078,7 +15072,7 @@
         <p:spPr>
           <a:xfrm>
             <a:off x="6035040" y="1612080"/>
-            <a:ext cx="5495040" cy="3142440"/>
+            <a:ext cx="5494320" cy="3141720"/>
           </a:xfrm>
           <a:prstGeom prst="rect">
             <a:avLst/>
@@ -15133,7 +15127,7 @@
         <p:spPr>
           <a:xfrm>
             <a:off x="722160" y="0"/>
-            <a:ext cx="10966680" cy="1139040"/>
+            <a:ext cx="10965960" cy="1138320"/>
           </a:xfrm>
           <a:prstGeom prst="rect">
             <a:avLst/>
@@ -15199,7 +15193,7 @@
         <p:spPr>
           <a:xfrm>
             <a:off x="127440" y="1600920"/>
-            <a:ext cx="5393520" cy="2147400"/>
+            <a:ext cx="5392800" cy="2146680"/>
           </a:xfrm>
           <a:prstGeom prst="rect">
             <a:avLst/>
@@ -15223,7 +15217,7 @@
             <a:noAutofit/>
           </a:bodyPr>
           <a:p>
-            <a:pPr marL="216000" indent="-215280">
+            <a:pPr marL="216000" indent="-214560">
               <a:lnSpc>
                 <a:spcPct val="100000"/>
               </a:lnSpc>
@@ -15251,7 +15245,7 @@
             </a:endParaRPr>
           </a:p>
           <a:p>
-            <a:pPr marL="216000" indent="-215280">
+            <a:pPr marL="216000" indent="-214560">
               <a:lnSpc>
                 <a:spcPct val="100000"/>
               </a:lnSpc>
@@ -15279,7 +15273,7 @@
             </a:endParaRPr>
           </a:p>
           <a:p>
-            <a:pPr marL="216000" indent="-215280">
+            <a:pPr marL="216000" indent="-214560">
               <a:lnSpc>
                 <a:spcPct val="100000"/>
               </a:lnSpc>
@@ -15317,7 +15311,7 @@
         <p:spPr>
           <a:xfrm>
             <a:off x="10551600" y="6202080"/>
-            <a:ext cx="1594080" cy="421200"/>
+            <a:ext cx="1593360" cy="420480"/>
           </a:xfrm>
           <a:prstGeom prst="rect">
             <a:avLst/>
@@ -15343,7 +15337,7 @@
                 <a:spcPct val="100000"/>
               </a:lnSpc>
             </a:pPr>
-            <a:fld id="{DD39BE18-54D4-4DC9-9F9B-E6F217B8F80C}" type="slidenum">
+            <a:fld id="{94E09774-4107-4AB0-9127-5DC9AD1BFBDE}" type="slidenum">
               <a:rPr b="0" lang="en-US" sz="1600" spc="-1" strike="noStrike">
                 <a:solidFill>
                   <a:srgbClr val="000000"/>
@@ -15372,7 +15366,7 @@
         <p:spPr>
           <a:xfrm>
             <a:off x="9052560" y="1566360"/>
-            <a:ext cx="2218320" cy="4285080"/>
+            <a:ext cx="2217600" cy="4284360"/>
           </a:xfrm>
           <a:prstGeom prst="rect">
             <a:avLst/>
@@ -15401,7 +15395,7 @@
         <p:spPr>
           <a:xfrm>
             <a:off x="6309360" y="1554480"/>
-            <a:ext cx="1960920" cy="3161160"/>
+            <a:ext cx="1960200" cy="3160440"/>
           </a:xfrm>
           <a:prstGeom prst="rect">
             <a:avLst/>
@@ -15456,7 +15450,7 @@
         <p:spPr>
           <a:xfrm>
             <a:off x="686160" y="0"/>
-            <a:ext cx="10966680" cy="1139040"/>
+            <a:ext cx="10965960" cy="1138320"/>
           </a:xfrm>
           <a:prstGeom prst="rect">
             <a:avLst/>
@@ -15522,7 +15516,7 @@
         <p:spPr>
           <a:xfrm>
             <a:off x="457200" y="1600200"/>
-            <a:ext cx="3882960" cy="910080"/>
+            <a:ext cx="3882240" cy="909360"/>
           </a:xfrm>
           <a:prstGeom prst="rect">
             <a:avLst/>
@@ -15546,7 +15540,7 @@
             <a:noAutofit/>
           </a:bodyPr>
           <a:p>
-            <a:pPr marL="432000" indent="-321480">
+            <a:pPr marL="432000" indent="-320760">
               <a:lnSpc>
                 <a:spcPct val="100000"/>
               </a:lnSpc>
@@ -15585,7 +15579,7 @@
         <p:spPr>
           <a:xfrm>
             <a:off x="10515600" y="6202080"/>
-            <a:ext cx="1594080" cy="421200"/>
+            <a:ext cx="1593360" cy="420480"/>
           </a:xfrm>
           <a:prstGeom prst="rect">
             <a:avLst/>
@@ -15611,7 +15605,7 @@
                 <a:spcPct val="100000"/>
               </a:lnSpc>
             </a:pPr>
-            <a:fld id="{B31D3E94-16E8-4321-89E8-AEE2C93AA390}" type="slidenum">
+            <a:fld id="{B87504A9-FCD5-4408-A135-82AF45AB579B}" type="slidenum">
               <a:rPr b="0" lang="en-US" sz="1600" spc="-1" strike="noStrike">
                 <a:solidFill>
                   <a:srgbClr val="000000"/>
@@ -15640,7 +15634,7 @@
         <p:spPr>
           <a:xfrm>
             <a:off x="8056440" y="2057400"/>
-            <a:ext cx="3882960" cy="3654360"/>
+            <a:ext cx="3882240" cy="3653640"/>
           </a:xfrm>
           <a:prstGeom prst="rect">
             <a:avLst/>
@@ -15666,7 +15660,7 @@
         <p:spPr>
           <a:xfrm>
             <a:off x="5029200" y="2057400"/>
-            <a:ext cx="2227320" cy="3654720"/>
+            <a:ext cx="2226600" cy="3654000"/>
           </a:xfrm>
           <a:prstGeom prst="rect">
             <a:avLst/>
@@ -15718,7 +15712,7 @@
         <p:spPr>
           <a:xfrm>
             <a:off x="686160" y="0"/>
-            <a:ext cx="10966680" cy="1139040"/>
+            <a:ext cx="10965960" cy="1138320"/>
           </a:xfrm>
           <a:prstGeom prst="rect">
             <a:avLst/>
@@ -15784,7 +15778,7 @@
         <p:spPr>
           <a:xfrm>
             <a:off x="457560" y="1371960"/>
-            <a:ext cx="5481000" cy="5253120"/>
+            <a:ext cx="5480280" cy="5252400"/>
           </a:xfrm>
           <a:prstGeom prst="rect">
             <a:avLst/>
@@ -15808,7 +15802,7 @@
             <a:noAutofit/>
           </a:bodyPr>
           <a:p>
-            <a:pPr marL="432000" indent="-321480">
+            <a:pPr marL="432000" indent="-320760">
               <a:lnSpc>
                 <a:spcPct val="100000"/>
               </a:lnSpc>
@@ -15837,7 +15831,7 @@
             </a:endParaRPr>
           </a:p>
           <a:p>
-            <a:pPr marL="432000" indent="-321480">
+            <a:pPr marL="432000" indent="-320760">
               <a:lnSpc>
                 <a:spcPct val="100000"/>
               </a:lnSpc>
@@ -15866,7 +15860,7 @@
             </a:endParaRPr>
           </a:p>
           <a:p>
-            <a:pPr lvl="1" marL="864000" indent="-321480">
+            <a:pPr lvl="1" marL="864000" indent="-320760">
               <a:lnSpc>
                 <a:spcPct val="100000"/>
               </a:lnSpc>
@@ -15895,7 +15889,7 @@
             </a:endParaRPr>
           </a:p>
           <a:p>
-            <a:pPr lvl="1" marL="864000" indent="-321480">
+            <a:pPr lvl="1" marL="864000" indent="-320760">
               <a:lnSpc>
                 <a:spcPct val="100000"/>
               </a:lnSpc>
@@ -15924,7 +15918,7 @@
             </a:endParaRPr>
           </a:p>
           <a:p>
-            <a:pPr marL="432000" indent="-321480">
+            <a:pPr marL="432000" indent="-320760">
               <a:lnSpc>
                 <a:spcPct val="100000"/>
               </a:lnSpc>
@@ -15953,7 +15947,7 @@
             </a:endParaRPr>
           </a:p>
           <a:p>
-            <a:pPr lvl="1" marL="864000" indent="-321480">
+            <a:pPr lvl="1" marL="864000" indent="-320760">
               <a:lnSpc>
                 <a:spcPct val="100000"/>
               </a:lnSpc>
@@ -15982,7 +15976,7 @@
             </a:endParaRPr>
           </a:p>
           <a:p>
-            <a:pPr lvl="1" marL="864000" indent="-321480">
+            <a:pPr lvl="1" marL="864000" indent="-320760">
               <a:lnSpc>
                 <a:spcPct val="100000"/>
               </a:lnSpc>
@@ -16011,7 +16005,7 @@
             </a:endParaRPr>
           </a:p>
           <a:p>
-            <a:pPr lvl="2" marL="1296000" indent="-285480">
+            <a:pPr lvl="2" marL="1296000" indent="-284760">
               <a:lnSpc>
                 <a:spcPct val="100000"/>
               </a:lnSpc>
@@ -16040,7 +16034,7 @@
             </a:endParaRPr>
           </a:p>
           <a:p>
-            <a:pPr lvl="2" marL="1296000" indent="-285480">
+            <a:pPr lvl="2" marL="1296000" indent="-284760">
               <a:lnSpc>
                 <a:spcPct val="100000"/>
               </a:lnSpc>
@@ -16069,7 +16063,7 @@
             </a:endParaRPr>
           </a:p>
           <a:p>
-            <a:pPr lvl="1" marL="864000" indent="-321480">
+            <a:pPr lvl="1" marL="864000" indent="-320760">
               <a:lnSpc>
                 <a:spcPct val="100000"/>
               </a:lnSpc>
@@ -16108,7 +16102,7 @@
         <p:spPr>
           <a:xfrm>
             <a:off x="10515600" y="6202080"/>
-            <a:ext cx="1594080" cy="421200"/>
+            <a:ext cx="1593360" cy="420480"/>
           </a:xfrm>
           <a:prstGeom prst="rect">
             <a:avLst/>
@@ -16134,7 +16128,7 @@
                 <a:spcPct val="100000"/>
               </a:lnSpc>
             </a:pPr>
-            <a:fld id="{5C8E32C2-B13D-42EC-BD60-E1F4F2440D9D}" type="slidenum">
+            <a:fld id="{F343178E-7E7D-441D-AAC9-9F92DE54662D}" type="slidenum">
               <a:rPr b="0" lang="en-US" sz="1600" spc="-1" strike="noStrike">
                 <a:solidFill>
                   <a:srgbClr val="000000"/>
@@ -16163,7 +16157,7 @@
         <p:spPr>
           <a:xfrm>
             <a:off x="5943600" y="1268640"/>
-            <a:ext cx="3487320" cy="4680360"/>
+            <a:ext cx="3486600" cy="4679640"/>
           </a:xfrm>
           <a:prstGeom prst="rect">
             <a:avLst/>
@@ -16186,7 +16180,7 @@
         <p:spPr>
           <a:xfrm>
             <a:off x="9706320" y="1419480"/>
-            <a:ext cx="2404080" cy="4290120"/>
+            <a:ext cx="2403360" cy="4289400"/>
           </a:xfrm>
           <a:prstGeom prst="rect">
             <a:avLst/>
@@ -16239,7 +16233,7 @@
         <p:spPr>
           <a:xfrm>
             <a:off x="686160" y="0"/>
-            <a:ext cx="10966680" cy="1139040"/>
+            <a:ext cx="10965960" cy="1138320"/>
           </a:xfrm>
           <a:prstGeom prst="rect">
             <a:avLst/>
@@ -16305,7 +16299,7 @@
         <p:spPr>
           <a:xfrm>
             <a:off x="10515600" y="6202080"/>
-            <a:ext cx="1594080" cy="421200"/>
+            <a:ext cx="1593360" cy="420480"/>
           </a:xfrm>
           <a:prstGeom prst="rect">
             <a:avLst/>
@@ -16331,7 +16325,7 @@
                 <a:spcPct val="100000"/>
               </a:lnSpc>
             </a:pPr>
-            <a:fld id="{A0285DEE-56E6-474C-AE95-894224A1B620}" type="slidenum">
+            <a:fld id="{F5AADA28-E502-493E-8B04-EC32BC8685F8}" type="slidenum">
               <a:rPr b="0" lang="en-US" sz="1600" spc="-1" strike="noStrike">
                 <a:solidFill>
                   <a:srgbClr val="000000"/>
@@ -16360,7 +16354,7 @@
         <p:spPr>
           <a:xfrm>
             <a:off x="3434040" y="3972240"/>
-            <a:ext cx="1671120" cy="1966320"/>
+            <a:ext cx="1670400" cy="1965600"/>
           </a:xfrm>
           <a:prstGeom prst="rect">
             <a:avLst/>
@@ -16386,7 +16380,7 @@
         <p:spPr>
           <a:xfrm>
             <a:off x="228600" y="1828800"/>
-            <a:ext cx="3195360" cy="4328640"/>
+            <a:ext cx="3194640" cy="4327920"/>
           </a:xfrm>
           <a:prstGeom prst="rect">
             <a:avLst/>
@@ -16409,7 +16403,7 @@
         <p:spPr>
           <a:xfrm>
             <a:off x="6445080" y="1828800"/>
-            <a:ext cx="3379680" cy="4338360"/>
+            <a:ext cx="3378960" cy="4337640"/>
           </a:xfrm>
           <a:prstGeom prst="rect">
             <a:avLst/>
@@ -16432,7 +16426,7 @@
         <p:spPr>
           <a:xfrm>
             <a:off x="9829800" y="3972240"/>
-            <a:ext cx="1671120" cy="1966320"/>
+            <a:ext cx="1670400" cy="1965600"/>
           </a:xfrm>
           <a:prstGeom prst="rect">
             <a:avLst/>
@@ -16484,7 +16478,7 @@
         <p:spPr>
           <a:xfrm>
             <a:off x="838080" y="405360"/>
-            <a:ext cx="10285920" cy="531360"/>
+            <a:ext cx="10285200" cy="530640"/>
           </a:xfrm>
           <a:prstGeom prst="rect">
             <a:avLst/>
@@ -16535,7 +16529,7 @@
         <p:spPr>
           <a:xfrm>
             <a:off x="838440" y="2012040"/>
-            <a:ext cx="5032800" cy="3650400"/>
+            <a:ext cx="5032080" cy="3649680"/>
           </a:xfrm>
           <a:prstGeom prst="rect">
             <a:avLst/>
@@ -16556,7 +16550,7 @@
             <a:noAutofit/>
           </a:bodyPr>
           <a:p>
-            <a:pPr marL="228600" indent="-226080">
+            <a:pPr marL="228600" indent="-225360">
               <a:lnSpc>
                 <a:spcPct val="90000"/>
               </a:lnSpc>
@@ -16594,7 +16588,7 @@
         <p:spPr>
           <a:xfrm>
             <a:off x="838080" y="1399680"/>
-            <a:ext cx="5032800" cy="478440"/>
+            <a:ext cx="5032080" cy="477720"/>
           </a:xfrm>
           <a:prstGeom prst="rect">
             <a:avLst/>
@@ -16651,7 +16645,7 @@
         <p:spPr>
           <a:xfrm>
             <a:off x="6240960" y="1399680"/>
-            <a:ext cx="5032800" cy="478440"/>
+            <a:ext cx="5032080" cy="477720"/>
           </a:xfrm>
           <a:prstGeom prst="rect">
             <a:avLst/>
@@ -16708,7 +16702,7 @@
         <p:spPr>
           <a:xfrm>
             <a:off x="6240960" y="2021400"/>
-            <a:ext cx="5868360" cy="1295280"/>
+            <a:ext cx="5867640" cy="1294560"/>
           </a:xfrm>
           <a:prstGeom prst="rect">
             <a:avLst/>
@@ -16729,7 +16723,7 @@
             <a:noAutofit/>
           </a:bodyPr>
           <a:p>
-            <a:pPr marL="228600" indent="-226080">
+            <a:pPr marL="228600" indent="-225360">
               <a:lnSpc>
                 <a:spcPct val="90000"/>
               </a:lnSpc>
@@ -16750,14 +16744,14 @@
                 <a:latin typeface="Arial"/>
                 <a:ea typeface="DejaVu Sans"/>
               </a:rPr>
-              <a:t>K8s cluster setup (including RBAC authorization)</a:t>
+              <a:t>K8s cluster setup</a:t>
             </a:r>
             <a:endParaRPr b="0" lang="en-US" sz="1800" spc="-1" strike="noStrike">
               <a:latin typeface="Arial"/>
             </a:endParaRPr>
           </a:p>
           <a:p>
-            <a:pPr marL="228600" indent="-226080">
+            <a:pPr marL="228600" indent="-225360">
               <a:lnSpc>
                 <a:spcPct val="90000"/>
               </a:lnSpc>
@@ -16825,7 +16819,7 @@
         <p:spPr>
           <a:xfrm>
             <a:off x="686160" y="0"/>
-            <a:ext cx="10966680" cy="1139040"/>
+            <a:ext cx="10965960" cy="1138320"/>
           </a:xfrm>
           <a:prstGeom prst="rect">
             <a:avLst/>
@@ -16891,7 +16885,7 @@
         <p:spPr>
           <a:xfrm>
             <a:off x="228600" y="1600200"/>
-            <a:ext cx="3654360" cy="1596960"/>
+            <a:ext cx="3653640" cy="1596240"/>
           </a:xfrm>
           <a:prstGeom prst="rect">
             <a:avLst/>
@@ -16915,7 +16909,7 @@
             <a:noAutofit/>
           </a:bodyPr>
           <a:p>
-            <a:pPr marL="432000" indent="-321480">
+            <a:pPr marL="432000" indent="-320760">
               <a:lnSpc>
                 <a:spcPct val="100000"/>
               </a:lnSpc>
@@ -17014,7 +17008,7 @@
         <p:spPr>
           <a:xfrm>
             <a:off x="10515600" y="6202080"/>
-            <a:ext cx="1594080" cy="421200"/>
+            <a:ext cx="1593360" cy="420480"/>
           </a:xfrm>
           <a:prstGeom prst="rect">
             <a:avLst/>
@@ -17040,7 +17034,7 @@
                 <a:spcPct val="100000"/>
               </a:lnSpc>
             </a:pPr>
-            <a:fld id="{98900A33-0743-485F-9049-C56A33EDA71C}" type="slidenum">
+            <a:fld id="{12548AB1-39B2-4D52-ACD0-3F1F902E4765}" type="slidenum">
               <a:rPr b="0" lang="en-US" sz="1600" spc="-1" strike="noStrike">
                 <a:solidFill>
                   <a:srgbClr val="000000"/>
@@ -17069,7 +17063,7 @@
         <p:spPr>
           <a:xfrm>
             <a:off x="8258400" y="1600200"/>
-            <a:ext cx="3854160" cy="4340160"/>
+            <a:ext cx="3853440" cy="4339440"/>
           </a:xfrm>
           <a:prstGeom prst="rect">
             <a:avLst/>
@@ -17095,7 +17089,7 @@
         <p:spPr>
           <a:xfrm>
             <a:off x="4064400" y="1600200"/>
-            <a:ext cx="4073040" cy="4340160"/>
+            <a:ext cx="4072320" cy="4339440"/>
           </a:xfrm>
           <a:prstGeom prst="rect">
             <a:avLst/>
@@ -17147,7 +17141,7 @@
         <p:spPr>
           <a:xfrm>
             <a:off x="686160" y="0"/>
-            <a:ext cx="10966680" cy="1139040"/>
+            <a:ext cx="10965960" cy="1138320"/>
           </a:xfrm>
           <a:prstGeom prst="rect">
             <a:avLst/>
@@ -17223,7 +17217,7 @@
         <p:spPr>
           <a:xfrm>
             <a:off x="228600" y="1600200"/>
-            <a:ext cx="4795920" cy="2281320"/>
+            <a:ext cx="4795200" cy="2280600"/>
           </a:xfrm>
           <a:prstGeom prst="rect">
             <a:avLst/>
@@ -17247,7 +17241,7 @@
             <a:noAutofit/>
           </a:bodyPr>
           <a:p>
-            <a:pPr marL="432000" indent="-321480">
+            <a:pPr marL="432000" indent="-320760">
               <a:lnSpc>
                 <a:spcPct val="100000"/>
               </a:lnSpc>
@@ -17276,7 +17270,7 @@
             </a:endParaRPr>
           </a:p>
           <a:p>
-            <a:pPr marL="432000" indent="-321480">
+            <a:pPr marL="432000" indent="-320760">
               <a:lnSpc>
                 <a:spcPct val="100000"/>
               </a:lnSpc>
@@ -17305,7 +17299,7 @@
             </a:endParaRPr>
           </a:p>
           <a:p>
-            <a:pPr lvl="1" marL="864000" indent="-321480">
+            <a:pPr lvl="1" marL="864000" indent="-320760">
               <a:lnSpc>
                 <a:spcPct val="100000"/>
               </a:lnSpc>
@@ -17334,7 +17328,7 @@
             </a:endParaRPr>
           </a:p>
           <a:p>
-            <a:pPr lvl="1" marL="864000" indent="-321480">
+            <a:pPr lvl="1" marL="864000" indent="-320760">
               <a:lnSpc>
                 <a:spcPct val="100000"/>
               </a:lnSpc>
@@ -17363,7 +17357,7 @@
             </a:endParaRPr>
           </a:p>
           <a:p>
-            <a:pPr marL="432000" indent="-321480">
+            <a:pPr marL="432000" indent="-320760">
               <a:lnSpc>
                 <a:spcPct val="100000"/>
               </a:lnSpc>
@@ -17422,7 +17416,7 @@
         <p:spPr>
           <a:xfrm>
             <a:off x="10515600" y="6202080"/>
-            <a:ext cx="1594080" cy="421200"/>
+            <a:ext cx="1593360" cy="420480"/>
           </a:xfrm>
           <a:prstGeom prst="rect">
             <a:avLst/>
@@ -17448,7 +17442,7 @@
                 <a:spcPct val="100000"/>
               </a:lnSpc>
             </a:pPr>
-            <a:fld id="{FD716B31-D3F2-4DD0-AFBF-1370A37E5B48}" type="slidenum">
+            <a:fld id="{96C69DB8-9C82-427A-AF8C-D678593B0C0C}" type="slidenum">
               <a:rPr b="0" lang="en-US" sz="1600" spc="-1" strike="noStrike">
                 <a:solidFill>
                   <a:srgbClr val="000000"/>
@@ -17477,7 +17471,7 @@
         <p:spPr>
           <a:xfrm>
             <a:off x="228600" y="4114800"/>
-            <a:ext cx="2947680" cy="1985760"/>
+            <a:ext cx="2946960" cy="1985040"/>
           </a:xfrm>
           <a:prstGeom prst="rect">
             <a:avLst/>
@@ -17500,7 +17494,7 @@
         <p:spPr>
           <a:xfrm>
             <a:off x="6629400" y="1771920"/>
-            <a:ext cx="2157120" cy="1423800"/>
+            <a:ext cx="2156400" cy="1423080"/>
           </a:xfrm>
           <a:prstGeom prst="rect">
             <a:avLst/>
@@ -17526,7 +17520,7 @@
         <p:spPr>
           <a:xfrm>
             <a:off x="9258480" y="1828800"/>
-            <a:ext cx="1939320" cy="3825000"/>
+            <a:ext cx="1938600" cy="3824280"/>
           </a:xfrm>
           <a:prstGeom prst="rect">
             <a:avLst/>
@@ -17578,7 +17572,7 @@
         <p:spPr>
           <a:xfrm>
             <a:off x="686160" y="0"/>
-            <a:ext cx="10966680" cy="1139040"/>
+            <a:ext cx="10965960" cy="1138320"/>
           </a:xfrm>
           <a:prstGeom prst="rect">
             <a:avLst/>
@@ -17654,7 +17648,7 @@
         <p:spPr>
           <a:xfrm>
             <a:off x="228600" y="1600200"/>
-            <a:ext cx="5024520" cy="2509920"/>
+            <a:ext cx="5023800" cy="2509200"/>
           </a:xfrm>
           <a:prstGeom prst="rect">
             <a:avLst/>
@@ -17678,7 +17672,7 @@
             <a:noAutofit/>
           </a:bodyPr>
           <a:p>
-            <a:pPr marL="432000" indent="-321480">
+            <a:pPr marL="432000" indent="-320760">
               <a:lnSpc>
                 <a:spcPct val="100000"/>
               </a:lnSpc>
@@ -17707,7 +17701,7 @@
             </a:endParaRPr>
           </a:p>
           <a:p>
-            <a:pPr marL="432000" indent="-321480">
+            <a:pPr marL="432000" indent="-320760">
               <a:lnSpc>
                 <a:spcPct val="100000"/>
               </a:lnSpc>
@@ -17736,7 +17730,7 @@
             </a:endParaRPr>
           </a:p>
           <a:p>
-            <a:pPr lvl="1" marL="864000" indent="-321480">
+            <a:pPr lvl="1" marL="864000" indent="-320760">
               <a:lnSpc>
                 <a:spcPct val="100000"/>
               </a:lnSpc>
@@ -17765,7 +17759,7 @@
             </a:endParaRPr>
           </a:p>
           <a:p>
-            <a:pPr lvl="1" marL="864000" indent="-321480">
+            <a:pPr lvl="1" marL="864000" indent="-320760">
               <a:lnSpc>
                 <a:spcPct val="100000"/>
               </a:lnSpc>
@@ -17794,7 +17788,7 @@
             </a:endParaRPr>
           </a:p>
           <a:p>
-            <a:pPr marL="432000" indent="-321480">
+            <a:pPr marL="432000" indent="-320760">
               <a:lnSpc>
                 <a:spcPct val="100000"/>
               </a:lnSpc>
@@ -17853,7 +17847,7 @@
         <p:spPr>
           <a:xfrm>
             <a:off x="10515600" y="6202080"/>
-            <a:ext cx="1594080" cy="421200"/>
+            <a:ext cx="1593360" cy="420480"/>
           </a:xfrm>
           <a:prstGeom prst="rect">
             <a:avLst/>
@@ -17879,7 +17873,7 @@
                 <a:spcPct val="100000"/>
               </a:lnSpc>
             </a:pPr>
-            <a:fld id="{D41A8D23-C58C-4480-AECE-EA8AEF5681D0}" type="slidenum">
+            <a:fld id="{8832E53C-EE9E-4C88-B97B-063FDB3675E9}" type="slidenum">
               <a:rPr b="0" lang="en-US" sz="1600" spc="-1" strike="noStrike">
                 <a:solidFill>
                   <a:srgbClr val="000000"/>
@@ -17908,7 +17902,7 @@
         <p:spPr>
           <a:xfrm>
             <a:off x="6858000" y="1595520"/>
-            <a:ext cx="1938240" cy="1176120"/>
+            <a:ext cx="1937520" cy="1175400"/>
           </a:xfrm>
           <a:prstGeom prst="rect">
             <a:avLst/>
@@ -17934,7 +17928,7 @@
         <p:spPr>
           <a:xfrm>
             <a:off x="486000" y="4343400"/>
-            <a:ext cx="2481120" cy="1985760"/>
+            <a:ext cx="2480400" cy="1985040"/>
           </a:xfrm>
           <a:prstGeom prst="rect">
             <a:avLst/>
@@ -17957,7 +17951,7 @@
         <p:spPr>
           <a:xfrm>
             <a:off x="9372600" y="1600200"/>
-            <a:ext cx="1939320" cy="4044240"/>
+            <a:ext cx="1938600" cy="4043520"/>
           </a:xfrm>
           <a:prstGeom prst="rect">
             <a:avLst/>
@@ -18009,7 +18003,7 @@
         <p:spPr>
           <a:xfrm>
             <a:off x="686160" y="0"/>
-            <a:ext cx="10966680" cy="1139040"/>
+            <a:ext cx="10965960" cy="1138320"/>
           </a:xfrm>
           <a:prstGeom prst="rect">
             <a:avLst/>
@@ -18075,7 +18069,7 @@
         <p:spPr>
           <a:xfrm>
             <a:off x="-228600" y="1371600"/>
-            <a:ext cx="4110840" cy="5025240"/>
+            <a:ext cx="4110120" cy="5024520"/>
           </a:xfrm>
           <a:prstGeom prst="rect">
             <a:avLst/>
@@ -18099,7 +18093,7 @@
             <a:noAutofit/>
           </a:bodyPr>
           <a:p>
-            <a:pPr marL="432000" indent="-321480">
+            <a:pPr marL="432000" indent="-320760">
               <a:lnSpc>
                 <a:spcPct val="100000"/>
               </a:lnSpc>
@@ -18128,7 +18122,7 @@
             </a:endParaRPr>
           </a:p>
           <a:p>
-            <a:pPr lvl="1" marL="864000" indent="-321480">
+            <a:pPr lvl="1" marL="864000" indent="-320760">
               <a:lnSpc>
                 <a:spcPct val="100000"/>
               </a:lnSpc>
@@ -18167,7 +18161,7 @@
             </a:endParaRPr>
           </a:p>
           <a:p>
-            <a:pPr lvl="1" marL="864000" indent="-321480">
+            <a:pPr lvl="1" marL="864000" indent="-320760">
               <a:lnSpc>
                 <a:spcPct val="100000"/>
               </a:lnSpc>
@@ -18196,7 +18190,7 @@
             </a:endParaRPr>
           </a:p>
           <a:p>
-            <a:pPr lvl="1" marL="864000" indent="-321480">
+            <a:pPr lvl="1" marL="864000" indent="-320760">
               <a:lnSpc>
                 <a:spcPct val="100000"/>
               </a:lnSpc>
@@ -18225,7 +18219,7 @@
             </a:endParaRPr>
           </a:p>
           <a:p>
-            <a:pPr marL="432000" indent="-321480">
+            <a:pPr marL="432000" indent="-320760">
               <a:lnSpc>
                 <a:spcPct val="100000"/>
               </a:lnSpc>
@@ -18254,7 +18248,7 @@
             </a:endParaRPr>
           </a:p>
           <a:p>
-            <a:pPr lvl="1" marL="864000" indent="-321480">
+            <a:pPr lvl="1" marL="864000" indent="-320760">
               <a:lnSpc>
                 <a:spcPct val="100000"/>
               </a:lnSpc>
@@ -18283,7 +18277,7 @@
             </a:endParaRPr>
           </a:p>
           <a:p>
-            <a:pPr lvl="1" marL="864000" indent="-321480">
+            <a:pPr lvl="1" marL="864000" indent="-320760">
               <a:lnSpc>
                 <a:spcPct val="100000"/>
               </a:lnSpc>
@@ -18312,7 +18306,7 @@
             </a:endParaRPr>
           </a:p>
           <a:p>
-            <a:pPr lvl="1" marL="864000" indent="-321480">
+            <a:pPr lvl="1" marL="864000" indent="-320760">
               <a:lnSpc>
                 <a:spcPct val="100000"/>
               </a:lnSpc>
@@ -18351,7 +18345,7 @@
         <p:spPr>
           <a:xfrm>
             <a:off x="10515600" y="6202080"/>
-            <a:ext cx="1594080" cy="421200"/>
+            <a:ext cx="1593360" cy="420480"/>
           </a:xfrm>
           <a:prstGeom prst="rect">
             <a:avLst/>
@@ -18377,7 +18371,7 @@
                 <a:spcPct val="100000"/>
               </a:lnSpc>
             </a:pPr>
-            <a:fld id="{38C348C3-1B31-4BCD-AE98-86BF7CA9D0A9}" type="slidenum">
+            <a:fld id="{DB1141C6-46FD-4906-97CE-CF6E5FAF2560}" type="slidenum">
               <a:rPr b="0" lang="en-US" sz="1600" spc="-1" strike="noStrike">
                 <a:solidFill>
                   <a:srgbClr val="000000"/>
@@ -18406,7 +18400,7 @@
         <p:spPr>
           <a:xfrm>
             <a:off x="4114800" y="1371600"/>
-            <a:ext cx="3795840" cy="4797000"/>
+            <a:ext cx="3795120" cy="4796280"/>
           </a:xfrm>
           <a:prstGeom prst="rect">
             <a:avLst/>
@@ -18432,7 +18426,7 @@
         <p:spPr>
           <a:xfrm>
             <a:off x="8353800" y="1371600"/>
-            <a:ext cx="3301200" cy="4797000"/>
+            <a:ext cx="3300480" cy="4796280"/>
           </a:xfrm>
           <a:prstGeom prst="rect">
             <a:avLst/>
@@ -18484,7 +18478,7 @@
         <p:spPr>
           <a:xfrm>
             <a:off x="686160" y="0"/>
-            <a:ext cx="10966680" cy="1139040"/>
+            <a:ext cx="10965960" cy="1138320"/>
           </a:xfrm>
           <a:prstGeom prst="rect">
             <a:avLst/>
@@ -18550,7 +18544,7 @@
         <p:spPr>
           <a:xfrm>
             <a:off x="10515600" y="6202080"/>
-            <a:ext cx="1594080" cy="421200"/>
+            <a:ext cx="1593360" cy="420480"/>
           </a:xfrm>
           <a:prstGeom prst="rect">
             <a:avLst/>
@@ -18576,7 +18570,7 @@
                 <a:spcPct val="100000"/>
               </a:lnSpc>
             </a:pPr>
-            <a:fld id="{BD03E3A6-5050-436B-BD77-9AE64926633F}" type="slidenum">
+            <a:fld id="{332BF43D-004B-422E-B2CC-BE012158F1AF}" type="slidenum">
               <a:rPr b="0" lang="en-US" sz="1600" spc="-1" strike="noStrike">
                 <a:solidFill>
                   <a:srgbClr val="000000"/>
@@ -18605,7 +18599,7 @@
         <p:spPr>
           <a:xfrm>
             <a:off x="2743200" y="1142640"/>
-            <a:ext cx="3320280" cy="5254560"/>
+            <a:ext cx="3319560" cy="5253840"/>
           </a:xfrm>
           <a:prstGeom prst="rect">
             <a:avLst/>
@@ -18657,7 +18651,7 @@
         <p:spPr>
           <a:xfrm>
             <a:off x="686160" y="0"/>
-            <a:ext cx="10966680" cy="1139040"/>
+            <a:ext cx="10965960" cy="1138320"/>
           </a:xfrm>
           <a:prstGeom prst="rect">
             <a:avLst/>
@@ -18723,7 +18717,7 @@
         <p:spPr>
           <a:xfrm>
             <a:off x="228600" y="1371600"/>
-            <a:ext cx="3424680" cy="3424680"/>
+            <a:ext cx="3423960" cy="3423960"/>
           </a:xfrm>
           <a:prstGeom prst="rect">
             <a:avLst/>
@@ -18747,7 +18741,7 @@
             <a:noAutofit/>
           </a:bodyPr>
           <a:p>
-            <a:pPr marL="432000" indent="-321480">
+            <a:pPr marL="432000" indent="-320760">
               <a:lnSpc>
                 <a:spcPct val="100000"/>
               </a:lnSpc>
@@ -18806,7 +18800,7 @@
         <p:spPr>
           <a:xfrm>
             <a:off x="10515600" y="6202080"/>
-            <a:ext cx="1594080" cy="421200"/>
+            <a:ext cx="1593360" cy="420480"/>
           </a:xfrm>
           <a:prstGeom prst="rect">
             <a:avLst/>
@@ -18832,7 +18826,7 @@
                 <a:spcPct val="100000"/>
               </a:lnSpc>
             </a:pPr>
-            <a:fld id="{9A22319E-00E7-49B4-A0FD-E2A464789484}" type="slidenum">
+            <a:fld id="{44B7DF3A-CF66-428F-B1D2-916A717AB9D6}" type="slidenum">
               <a:rPr b="0" lang="en-US" sz="1600" spc="-1" strike="noStrike">
                 <a:solidFill>
                   <a:srgbClr val="000000"/>
@@ -18861,7 +18855,7 @@
         <p:spPr>
           <a:xfrm>
             <a:off x="3762720" y="1371600"/>
-            <a:ext cx="4234680" cy="4567320"/>
+            <a:ext cx="4233960" cy="4566600"/>
           </a:xfrm>
           <a:prstGeom prst="rect">
             <a:avLst/>
@@ -18887,7 +18881,7 @@
         <p:spPr>
           <a:xfrm>
             <a:off x="8321040" y="1371600"/>
-            <a:ext cx="3093120" cy="4569840"/>
+            <a:ext cx="3092400" cy="4569120"/>
           </a:xfrm>
           <a:prstGeom prst="rect">
             <a:avLst/>
@@ -18939,7 +18933,7 @@
         <p:spPr>
           <a:xfrm>
             <a:off x="686160" y="0"/>
-            <a:ext cx="10966680" cy="1139040"/>
+            <a:ext cx="10965960" cy="1138320"/>
           </a:xfrm>
           <a:prstGeom prst="rect">
             <a:avLst/>
@@ -19005,7 +18999,7 @@
         <p:spPr>
           <a:xfrm>
             <a:off x="228600" y="1371600"/>
-            <a:ext cx="5072760" cy="1552320"/>
+            <a:ext cx="5072040" cy="1551600"/>
           </a:xfrm>
           <a:prstGeom prst="rect">
             <a:avLst/>
@@ -19029,7 +19023,7 @@
             <a:noAutofit/>
           </a:bodyPr>
           <a:p>
-            <a:pPr marL="432000" indent="-321480">
+            <a:pPr marL="432000" indent="-320760">
               <a:lnSpc>
                 <a:spcPct val="100000"/>
               </a:lnSpc>
@@ -19058,7 +19052,7 @@
             </a:endParaRPr>
           </a:p>
           <a:p>
-            <a:pPr marL="432000" indent="-321480">
+            <a:pPr marL="432000" indent="-320760">
               <a:lnSpc>
                 <a:spcPct val="100000"/>
               </a:lnSpc>
@@ -19087,7 +19081,7 @@
             </a:endParaRPr>
           </a:p>
           <a:p>
-            <a:pPr marL="432000" indent="-321480">
+            <a:pPr marL="432000" indent="-320760">
               <a:lnSpc>
                 <a:spcPct val="100000"/>
               </a:lnSpc>
@@ -19126,7 +19120,7 @@
         <p:spPr>
           <a:xfrm>
             <a:off x="10515600" y="6202080"/>
-            <a:ext cx="1594080" cy="421200"/>
+            <a:ext cx="1593360" cy="420480"/>
           </a:xfrm>
           <a:prstGeom prst="rect">
             <a:avLst/>
@@ -19152,7 +19146,7 @@
                 <a:spcPct val="100000"/>
               </a:lnSpc>
             </a:pPr>
-            <a:fld id="{8FAAE3CC-6737-41B1-A66D-93B0965D1017}" type="slidenum">
+            <a:fld id="{05F62E6A-7FEE-42F7-B987-1E70208A9685}" type="slidenum">
               <a:rPr b="0" lang="en-US" sz="1600" spc="-1" strike="noStrike">
                 <a:solidFill>
                   <a:srgbClr val="000000"/>
@@ -19181,7 +19175,7 @@
         <p:spPr>
           <a:xfrm>
             <a:off x="5945040" y="1421640"/>
-            <a:ext cx="3655800" cy="4611600"/>
+            <a:ext cx="3655080" cy="4610880"/>
           </a:xfrm>
           <a:prstGeom prst="rect">
             <a:avLst/>
@@ -19236,7 +19230,7 @@
         <p:spPr>
           <a:xfrm>
             <a:off x="686160" y="0"/>
-            <a:ext cx="10966680" cy="1139040"/>
+            <a:ext cx="10965960" cy="1138320"/>
           </a:xfrm>
           <a:prstGeom prst="rect">
             <a:avLst/>
@@ -19302,7 +19296,7 @@
         <p:spPr>
           <a:xfrm>
             <a:off x="685800" y="1600200"/>
-            <a:ext cx="4569480" cy="911880"/>
+            <a:ext cx="7452000" cy="911160"/>
           </a:xfrm>
           <a:prstGeom prst="rect">
             <a:avLst/>
@@ -19326,7 +19320,7 @@
             <a:noAutofit/>
           </a:bodyPr>
           <a:p>
-            <a:pPr marL="432000" indent="-321480">
+            <a:pPr marL="432000" indent="-320760">
               <a:lnSpc>
                 <a:spcPct val="100000"/>
               </a:lnSpc>
@@ -19348,14 +19342,39 @@
                 <a:latin typeface="Arial"/>
                 <a:ea typeface="DejaVu Sans"/>
               </a:rPr>
-              <a:t>Command line tool</a:t>
+              <a:t>Command line tool (refer to “</a:t>
+            </a:r>
+            <a:r>
+              <a:rPr b="0" lang="en-US" sz="1800" spc="-1" strike="noStrike" u="sng">
+                <a:solidFill>
+                  <a:srgbClr val="000000"/>
+                </a:solidFill>
+                <a:highlight>
+                  <a:srgbClr val="eeeeee"/>
+                </a:highlight>
+                <a:uFillTx/>
+                <a:latin typeface="Arial"/>
+                <a:ea typeface="DejaVu Sans"/>
+                <a:hlinkClick r:id="rId1"/>
+              </a:rPr>
+              <a:t>install kubectl</a:t>
+            </a:r>
+            <a:r>
+              <a:rPr b="0" lang="en-US" sz="1800" spc="-1" strike="noStrike">
+                <a:solidFill>
+                  <a:srgbClr val="3c3e41"/>
+                </a:solidFill>
+                <a:latin typeface="Arial"/>
+                <a:ea typeface="DejaVu Sans"/>
+              </a:rPr>
+              <a:t>” for the installation)</a:t>
             </a:r>
             <a:endParaRPr b="0" lang="en-US" sz="1800" spc="-1" strike="noStrike">
               <a:latin typeface="Arial"/>
             </a:endParaRPr>
           </a:p>
           <a:p>
-            <a:pPr marL="432000" indent="-321480">
+            <a:pPr marL="432000" indent="-320760">
               <a:lnSpc>
                 <a:spcPct val="100000"/>
               </a:lnSpc>
@@ -19407,7 +19426,7 @@
         <p:spPr>
           <a:xfrm>
             <a:off x="10515600" y="6202080"/>
-            <a:ext cx="1594080" cy="421200"/>
+            <a:ext cx="1593360" cy="420480"/>
           </a:xfrm>
           <a:prstGeom prst="rect">
             <a:avLst/>
@@ -19433,7 +19452,7 @@
                 <a:spcPct val="100000"/>
               </a:lnSpc>
             </a:pPr>
-            <a:fld id="{2FF91E8C-466D-4E31-BE7A-D4278AB54360}" type="slidenum">
+            <a:fld id="{E17DB3C3-4526-4D46-8589-3F7EE39F0E6C}" type="slidenum">
               <a:rPr b="0" lang="en-US" sz="1600" spc="-1" strike="noStrike">
                 <a:solidFill>
                   <a:srgbClr val="000000"/>
@@ -19456,13 +19475,13 @@
           <p:nvPr/>
         </p:nvPicPr>
         <p:blipFill>
-          <a:blip r:embed="rId1"/>
+          <a:blip r:embed="rId2"/>
           <a:stretch/>
         </p:blipFill>
         <p:spPr>
           <a:xfrm>
             <a:off x="724320" y="2971800"/>
-            <a:ext cx="4530960" cy="1715040"/>
+            <a:ext cx="4530240" cy="1714320"/>
           </a:xfrm>
           <a:prstGeom prst="rect">
             <a:avLst/>
@@ -19514,7 +19533,7 @@
         <p:spPr>
           <a:xfrm>
             <a:off x="686160" y="0"/>
-            <a:ext cx="10966680" cy="1139040"/>
+            <a:ext cx="10965960" cy="1138320"/>
           </a:xfrm>
           <a:prstGeom prst="rect">
             <a:avLst/>
@@ -19580,7 +19599,7 @@
         <p:spPr>
           <a:xfrm>
             <a:off x="228600" y="1371600"/>
-            <a:ext cx="8455680" cy="911880"/>
+            <a:ext cx="8454960" cy="911160"/>
           </a:xfrm>
           <a:prstGeom prst="rect">
             <a:avLst/>
@@ -19604,7 +19623,7 @@
             <a:noAutofit/>
           </a:bodyPr>
           <a:p>
-            <a:pPr marL="432000" indent="-321480">
+            <a:pPr marL="216000" indent="-216000">
               <a:lnSpc>
                 <a:spcPct val="100000"/>
               </a:lnSpc>
@@ -19612,11 +19631,10 @@
                 <a:spcPts val="1417"/>
               </a:spcBef>
               <a:buClr>
-                <a:srgbClr val="000000"/>
+                <a:srgbClr val="3c3e41"/>
               </a:buClr>
-              <a:buSzPct val="45000"/>
-              <a:buFont typeface="Wingdings" charset="2"/>
-              <a:buChar char=""/>
+              <a:buFont typeface="Symbol" charset="2"/>
+              <a:buChar char=""/>
             </a:pPr>
             <a:r>
               <a:rPr b="0" lang="en-US" sz="1800" spc="-1" strike="noStrike">
@@ -19626,14 +19644,39 @@
                 <a:latin typeface="Arial"/>
                 <a:ea typeface="DejaVu Sans"/>
               </a:rPr>
-              <a:t>User interface tool</a:t>
+              <a:t>User interface tool (refer “</a:t>
+            </a:r>
+            <a:r>
+              <a:rPr b="0" lang="en-US" sz="1800" spc="-1" strike="noStrike" u="sng">
+                <a:solidFill>
+                  <a:srgbClr val="000000"/>
+                </a:solidFill>
+                <a:highlight>
+                  <a:srgbClr val="eeeeee"/>
+                </a:highlight>
+                <a:uFillTx/>
+                <a:latin typeface="Arial"/>
+                <a:ea typeface="DejaVu Sans"/>
+                <a:hlinkClick r:id="rId1"/>
+              </a:rPr>
+              <a:t>Install Lens</a:t>
+            </a:r>
+            <a:r>
+              <a:rPr b="0" lang="en-US" sz="1800" spc="-1" strike="noStrike">
+                <a:solidFill>
+                  <a:srgbClr val="3c3e41"/>
+                </a:solidFill>
+                <a:latin typeface="Arial"/>
+                <a:ea typeface="DejaVu Sans"/>
+              </a:rPr>
+              <a:t>” for the installation)</a:t>
             </a:r>
             <a:endParaRPr b="0" lang="en-US" sz="1800" spc="-1" strike="noStrike">
               <a:latin typeface="Arial"/>
             </a:endParaRPr>
           </a:p>
           <a:p>
-            <a:pPr marL="432000" indent="-321480">
+            <a:pPr marL="216000" indent="-216000">
               <a:lnSpc>
                 <a:spcPct val="100000"/>
               </a:lnSpc>
@@ -19641,11 +19684,10 @@
                 <a:spcPts val="1417"/>
               </a:spcBef>
               <a:buClr>
-                <a:srgbClr val="000000"/>
+                <a:srgbClr val="3c3e41"/>
               </a:buClr>
-              <a:buSzPct val="45000"/>
-              <a:buFont typeface="Wingdings" charset="2"/>
-              <a:buChar char=""/>
+              <a:buFont typeface="Symbol" charset="2"/>
+              <a:buChar char=""/>
             </a:pPr>
             <a:r>
               <a:rPr b="0" lang="en-US" sz="1800" spc="-1" strike="noStrike">
@@ -19672,7 +19714,7 @@
         <p:spPr>
           <a:xfrm>
             <a:off x="10515600" y="6202080"/>
-            <a:ext cx="1594080" cy="421200"/>
+            <a:ext cx="1593360" cy="420480"/>
           </a:xfrm>
           <a:prstGeom prst="rect">
             <a:avLst/>
@@ -19698,7 +19740,7 @@
                 <a:spcPct val="100000"/>
               </a:lnSpc>
             </a:pPr>
-            <a:fld id="{60EFA1D3-1291-4290-9E72-F63558572E3D}" type="slidenum">
+            <a:fld id="{2BF429B6-6BF8-4523-A230-57A09E264F57}" type="slidenum">
               <a:rPr b="0" lang="en-US" sz="1600" spc="-1" strike="noStrike">
                 <a:solidFill>
                   <a:srgbClr val="000000"/>
@@ -19721,13 +19763,13 @@
           <p:nvPr/>
         </p:nvPicPr>
         <p:blipFill>
-          <a:blip r:embed="rId1"/>
+          <a:blip r:embed="rId2"/>
           <a:stretch/>
         </p:blipFill>
         <p:spPr>
           <a:xfrm>
             <a:off x="228600" y="2355480"/>
-            <a:ext cx="8455680" cy="2214000"/>
+            <a:ext cx="8454960" cy="2213280"/>
           </a:xfrm>
           <a:prstGeom prst="rect">
             <a:avLst/>
@@ -19747,13 +19789,13 @@
           <p:nvPr/>
         </p:nvPicPr>
         <p:blipFill>
-          <a:blip r:embed="rId2"/>
+          <a:blip r:embed="rId3"/>
           <a:stretch/>
         </p:blipFill>
         <p:spPr>
           <a:xfrm>
             <a:off x="8828640" y="1141560"/>
-            <a:ext cx="3030840" cy="5256720"/>
+            <a:ext cx="3030120" cy="5256000"/>
           </a:xfrm>
           <a:prstGeom prst="rect">
             <a:avLst/>
@@ -19805,7 +19847,7 @@
         <p:spPr>
           <a:xfrm>
             <a:off x="3429000" y="376920"/>
-            <a:ext cx="5703840" cy="531360"/>
+            <a:ext cx="5703120" cy="530640"/>
           </a:xfrm>
           <a:prstGeom prst="rect">
             <a:avLst/>
@@ -19859,7 +19901,7 @@
         <p:spPr>
           <a:xfrm>
             <a:off x="10515600" y="6202080"/>
-            <a:ext cx="1594080" cy="421200"/>
+            <a:ext cx="1593360" cy="420480"/>
           </a:xfrm>
           <a:prstGeom prst="rect">
             <a:avLst/>
@@ -19885,7 +19927,7 @@
                 <a:spcPct val="100000"/>
               </a:lnSpc>
             </a:pPr>
-            <a:fld id="{F45C5123-6472-4A8E-ACB1-D5A38D4587E9}" type="slidenum">
+            <a:fld id="{27B8CF63-F4C7-4E48-B4AC-A79A22161885}" type="slidenum">
               <a:rPr b="0" lang="en-US" sz="1600" spc="-1" strike="noStrike">
                 <a:solidFill>
                   <a:srgbClr val="000000"/>
@@ -19914,7 +19956,7 @@
         <p:spPr>
           <a:xfrm>
             <a:off x="4114800" y="2105280"/>
-            <a:ext cx="4643640" cy="3148200"/>
+            <a:ext cx="4642920" cy="3147480"/>
           </a:xfrm>
           <a:prstGeom prst="rect">
             <a:avLst/>
@@ -19963,7 +20005,7 @@
         <p:spPr>
           <a:xfrm>
             <a:off x="5809320" y="1506960"/>
-            <a:ext cx="5208840" cy="3836880"/>
+            <a:ext cx="5208120" cy="3836160"/>
           </a:xfrm>
           <a:prstGeom prst="rect">
             <a:avLst/>
@@ -19984,7 +20026,7 @@
             <a:noAutofit/>
           </a:bodyPr>
           <a:p>
-            <a:pPr marL="343080" indent="-340560">
+            <a:pPr marL="343080" indent="-339840">
               <a:lnSpc>
                 <a:spcPct val="90000"/>
               </a:lnSpc>
@@ -20012,7 +20054,7 @@
             </a:endParaRPr>
           </a:p>
           <a:p>
-            <a:pPr lvl="1" marL="800280" indent="-340560">
+            <a:pPr lvl="1" marL="800280" indent="-339840">
               <a:lnSpc>
                 <a:spcPct val="90000"/>
               </a:lnSpc>
@@ -20040,7 +20082,7 @@
             </a:endParaRPr>
           </a:p>
           <a:p>
-            <a:pPr lvl="1" marL="800280" indent="-340560">
+            <a:pPr lvl="1" marL="800280" indent="-339840">
               <a:lnSpc>
                 <a:spcPct val="90000"/>
               </a:lnSpc>
@@ -20068,7 +20110,7 @@
             </a:endParaRPr>
           </a:p>
           <a:p>
-            <a:pPr marL="343080" indent="-340560">
+            <a:pPr marL="343080" indent="-339840">
               <a:lnSpc>
                 <a:spcPct val="90000"/>
               </a:lnSpc>
@@ -20096,7 +20138,7 @@
             </a:endParaRPr>
           </a:p>
           <a:p>
-            <a:pPr marL="343080" indent="-340560">
+            <a:pPr marL="343080" indent="-339840">
               <a:lnSpc>
                 <a:spcPct val="90000"/>
               </a:lnSpc>
@@ -20124,7 +20166,7 @@
             </a:endParaRPr>
           </a:p>
           <a:p>
-            <a:pPr lvl="1" marL="800280" indent="-340560">
+            <a:pPr lvl="1" marL="800280" indent="-339840">
               <a:lnSpc>
                 <a:spcPct val="90000"/>
               </a:lnSpc>
@@ -20152,7 +20194,7 @@
             </a:endParaRPr>
           </a:p>
           <a:p>
-            <a:pPr lvl="1" marL="800280" indent="-340560">
+            <a:pPr lvl="1" marL="800280" indent="-339840">
               <a:lnSpc>
                 <a:spcPct val="90000"/>
               </a:lnSpc>
@@ -20180,7 +20222,7 @@
             </a:endParaRPr>
           </a:p>
           <a:p>
-            <a:pPr lvl="1" marL="800280" indent="-340560">
+            <a:pPr lvl="1" marL="800280" indent="-339840">
               <a:lnSpc>
                 <a:spcPct val="90000"/>
               </a:lnSpc>
@@ -20208,7 +20250,7 @@
             </a:endParaRPr>
           </a:p>
           <a:p>
-            <a:pPr lvl="1" marL="800280" indent="-340560">
+            <a:pPr lvl="1" marL="800280" indent="-339840">
               <a:lnSpc>
                 <a:spcPct val="90000"/>
               </a:lnSpc>
@@ -20236,7 +20278,7 @@
             </a:endParaRPr>
           </a:p>
           <a:p>
-            <a:pPr lvl="1" marL="800280" indent="-340560">
+            <a:pPr lvl="1" marL="800280" indent="-339840">
               <a:lnSpc>
                 <a:spcPct val="90000"/>
               </a:lnSpc>
@@ -20264,7 +20306,7 @@
             </a:endParaRPr>
           </a:p>
           <a:p>
-            <a:pPr lvl="1" marL="800280" indent="-340560">
+            <a:pPr lvl="1" marL="800280" indent="-339840">
               <a:lnSpc>
                 <a:spcPct val="90000"/>
               </a:lnSpc>
@@ -20292,7 +20334,7 @@
             </a:endParaRPr>
           </a:p>
           <a:p>
-            <a:pPr lvl="1" marL="800280" indent="-340560">
+            <a:pPr lvl="1" marL="800280" indent="-339840">
               <a:lnSpc>
                 <a:spcPct val="90000"/>
               </a:lnSpc>
@@ -20320,7 +20362,7 @@
             </a:endParaRPr>
           </a:p>
           <a:p>
-            <a:pPr marL="343080" indent="-340560">
+            <a:pPr marL="343080" indent="-339840">
               <a:lnSpc>
                 <a:spcPct val="90000"/>
               </a:lnSpc>
@@ -20348,7 +20390,7 @@
             </a:endParaRPr>
           </a:p>
           <a:p>
-            <a:pPr lvl="1" marL="800280" indent="-340560">
+            <a:pPr lvl="1" marL="800280" indent="-339840">
               <a:lnSpc>
                 <a:spcPct val="90000"/>
               </a:lnSpc>
@@ -20376,7 +20418,7 @@
             </a:endParaRPr>
           </a:p>
           <a:p>
-            <a:pPr lvl="1" marL="800280" indent="-340560">
+            <a:pPr lvl="1" marL="800280" indent="-339840">
               <a:lnSpc>
                 <a:spcPct val="90000"/>
               </a:lnSpc>
@@ -20487,7 +20529,7 @@
         <p:spPr>
           <a:xfrm>
             <a:off x="686160" y="0"/>
-            <a:ext cx="10966680" cy="1139040"/>
+            <a:ext cx="10965960" cy="1138320"/>
           </a:xfrm>
           <a:prstGeom prst="rect">
             <a:avLst/>
@@ -20553,7 +20595,7 @@
         <p:spPr>
           <a:xfrm>
             <a:off x="6761520" y="1600200"/>
-            <a:ext cx="5348520" cy="904320"/>
+            <a:ext cx="5347800" cy="903600"/>
           </a:xfrm>
           <a:prstGeom prst="rect">
             <a:avLst/>
@@ -20577,7 +20619,7 @@
             <a:noAutofit/>
           </a:bodyPr>
           <a:p>
-            <a:pPr marL="432000" indent="-321480">
+            <a:pPr marL="432000" indent="-320760">
               <a:lnSpc>
                 <a:spcPct val="100000"/>
               </a:lnSpc>
@@ -20607,7 +20649,7 @@
             </a:endParaRPr>
           </a:p>
           <a:p>
-            <a:pPr marL="432000" indent="-321480">
+            <a:pPr marL="432000" indent="-320760">
               <a:lnSpc>
                 <a:spcPct val="100000"/>
               </a:lnSpc>
@@ -20667,7 +20709,7 @@
         <p:spPr>
           <a:xfrm>
             <a:off x="10515600" y="6202080"/>
-            <a:ext cx="1594080" cy="421200"/>
+            <a:ext cx="1593360" cy="420480"/>
           </a:xfrm>
           <a:prstGeom prst="rect">
             <a:avLst/>
@@ -20693,7 +20735,7 @@
                 <a:spcPct val="100000"/>
               </a:lnSpc>
             </a:pPr>
-            <a:fld id="{06C68B54-C318-4949-B099-8B989136E5EC}" type="slidenum">
+            <a:fld id="{5D55DC83-F3D1-40F7-B0CB-73334AD3CBAC}" type="slidenum">
               <a:rPr b="0" lang="en-US" sz="1600" spc="-1" strike="noStrike">
                 <a:solidFill>
                   <a:srgbClr val="000000"/>
@@ -20718,7 +20760,7 @@
         <p:spPr>
           <a:xfrm>
             <a:off x="132120" y="1600200"/>
-            <a:ext cx="5348520" cy="904320"/>
+            <a:ext cx="5347800" cy="903600"/>
           </a:xfrm>
           <a:prstGeom prst="rect">
             <a:avLst/>
@@ -20741,7 +20783,7 @@
             <a:noAutofit/>
           </a:bodyPr>
           <a:p>
-            <a:pPr marL="432000" indent="-321480">
+            <a:pPr marL="432000" indent="-320760">
               <a:lnSpc>
                 <a:spcPct val="100000"/>
               </a:lnSpc>
@@ -20771,7 +20813,7 @@
             </a:endParaRPr>
           </a:p>
           <a:p>
-            <a:pPr marL="432000" indent="-321480">
+            <a:pPr marL="432000" indent="-320760">
               <a:lnSpc>
                 <a:spcPct val="100000"/>
               </a:lnSpc>
@@ -20814,7 +20856,7 @@
         <p:spPr>
           <a:xfrm>
             <a:off x="1828800" y="2696040"/>
-            <a:ext cx="7328160" cy="3241800"/>
+            <a:ext cx="7327440" cy="3241080"/>
           </a:xfrm>
           <a:prstGeom prst="rect">
             <a:avLst/>
@@ -20863,7 +20905,7 @@
         <p:spPr>
           <a:xfrm>
             <a:off x="686160" y="0"/>
-            <a:ext cx="10966680" cy="1139040"/>
+            <a:ext cx="10965960" cy="1138320"/>
           </a:xfrm>
           <a:prstGeom prst="rect">
             <a:avLst/>
@@ -20929,7 +20971,7 @@
         <p:spPr>
           <a:xfrm>
             <a:off x="5593320" y="1611360"/>
-            <a:ext cx="6516720" cy="904320"/>
+            <a:ext cx="6516000" cy="903600"/>
           </a:xfrm>
           <a:prstGeom prst="rect">
             <a:avLst/>
@@ -20953,7 +20995,7 @@
             <a:noAutofit/>
           </a:bodyPr>
           <a:p>
-            <a:pPr marL="432000" indent="-321480">
+            <a:pPr marL="432000" indent="-320760">
               <a:lnSpc>
                 <a:spcPct val="100000"/>
               </a:lnSpc>
@@ -20983,7 +21025,7 @@
             </a:endParaRPr>
           </a:p>
           <a:p>
-            <a:pPr marL="432000" indent="-321480">
+            <a:pPr marL="432000" indent="-320760">
               <a:lnSpc>
                 <a:spcPct val="100000"/>
               </a:lnSpc>
@@ -21022,7 +21064,7 @@
         <p:spPr>
           <a:xfrm>
             <a:off x="10515600" y="6202080"/>
-            <a:ext cx="1594080" cy="421200"/>
+            <a:ext cx="1593360" cy="420480"/>
           </a:xfrm>
           <a:prstGeom prst="rect">
             <a:avLst/>
@@ -21048,7 +21090,7 @@
                 <a:spcPct val="100000"/>
               </a:lnSpc>
             </a:pPr>
-            <a:fld id="{4D9F52B3-C4AE-47F2-B625-99928CF12C55}" type="slidenum">
+            <a:fld id="{A5D27BA5-8631-47EA-84E4-3F98C7A5D628}" type="slidenum">
               <a:rPr b="0" lang="en-US" sz="1600" spc="-1" strike="noStrike">
                 <a:solidFill>
                   <a:srgbClr val="000000"/>
@@ -21073,7 +21115,7 @@
         <p:spPr>
           <a:xfrm>
             <a:off x="0" y="1600200"/>
-            <a:ext cx="5480640" cy="904320"/>
+            <a:ext cx="5479920" cy="903600"/>
           </a:xfrm>
           <a:prstGeom prst="rect">
             <a:avLst/>
@@ -21096,7 +21138,7 @@
             <a:noAutofit/>
           </a:bodyPr>
           <a:p>
-            <a:pPr marL="432000" indent="-321480">
+            <a:pPr marL="432000" indent="-320760">
               <a:lnSpc>
                 <a:spcPct val="100000"/>
               </a:lnSpc>
@@ -21126,7 +21168,7 @@
             </a:endParaRPr>
           </a:p>
           <a:p>
-            <a:pPr marL="432000" indent="-321480">
+            <a:pPr marL="432000" indent="-320760">
               <a:lnSpc>
                 <a:spcPct val="100000"/>
               </a:lnSpc>
@@ -21169,7 +21211,7 @@
         <p:spPr>
           <a:xfrm>
             <a:off x="360" y="2692080"/>
-            <a:ext cx="11881080" cy="3610080"/>
+            <a:ext cx="11880360" cy="3609360"/>
           </a:xfrm>
           <a:prstGeom prst="rect">
             <a:avLst/>
@@ -21218,7 +21260,7 @@
         <p:spPr>
           <a:xfrm>
             <a:off x="686160" y="0"/>
-            <a:ext cx="10966680" cy="1139040"/>
+            <a:ext cx="10965960" cy="1138320"/>
           </a:xfrm>
           <a:prstGeom prst="rect">
             <a:avLst/>
@@ -21284,7 +21326,7 @@
         <p:spPr>
           <a:xfrm>
             <a:off x="5593320" y="1611360"/>
-            <a:ext cx="6516720" cy="904320"/>
+            <a:ext cx="6516000" cy="903600"/>
           </a:xfrm>
           <a:prstGeom prst="rect">
             <a:avLst/>
@@ -21308,7 +21350,7 @@
             <a:noAutofit/>
           </a:bodyPr>
           <a:p>
-            <a:pPr marL="432000" indent="-321480">
+            <a:pPr marL="432000" indent="-320760">
               <a:lnSpc>
                 <a:spcPct val="100000"/>
               </a:lnSpc>
@@ -21338,7 +21380,7 @@
             </a:endParaRPr>
           </a:p>
           <a:p>
-            <a:pPr marL="432000" indent="-321480">
+            <a:pPr marL="432000" indent="-320760">
               <a:lnSpc>
                 <a:spcPct val="100000"/>
               </a:lnSpc>
@@ -21377,7 +21419,7 @@
         <p:spPr>
           <a:xfrm>
             <a:off x="10515600" y="6202080"/>
-            <a:ext cx="1594080" cy="421200"/>
+            <a:ext cx="1593360" cy="420480"/>
           </a:xfrm>
           <a:prstGeom prst="rect">
             <a:avLst/>
@@ -21403,7 +21445,7 @@
                 <a:spcPct val="100000"/>
               </a:lnSpc>
             </a:pPr>
-            <a:fld id="{0EE777FE-D1DD-4E6B-A52D-478B7D5B1823}" type="slidenum">
+            <a:fld id="{1E6CCCA5-1FC7-4183-AD23-96EAA87D69F5}" type="slidenum">
               <a:rPr b="0" lang="en-US" sz="1600" spc="-1" strike="noStrike">
                 <a:solidFill>
                   <a:srgbClr val="000000"/>
@@ -21428,7 +21470,7 @@
         <p:spPr>
           <a:xfrm>
             <a:off x="0" y="1600200"/>
-            <a:ext cx="5480640" cy="904320"/>
+            <a:ext cx="5479920" cy="903600"/>
           </a:xfrm>
           <a:prstGeom prst="rect">
             <a:avLst/>
@@ -21451,7 +21493,7 @@
             <a:noAutofit/>
           </a:bodyPr>
           <a:p>
-            <a:pPr marL="432000" indent="-321480">
+            <a:pPr marL="432000" indent="-320760">
               <a:lnSpc>
                 <a:spcPct val="100000"/>
               </a:lnSpc>
@@ -21481,7 +21523,7 @@
             </a:endParaRPr>
           </a:p>
           <a:p>
-            <a:pPr marL="432000" indent="-321480">
+            <a:pPr marL="432000" indent="-320760">
               <a:lnSpc>
                 <a:spcPct val="100000"/>
               </a:lnSpc>
@@ -21524,7 +21566,7 @@
         <p:spPr>
           <a:xfrm>
             <a:off x="1600200" y="2743200"/>
-            <a:ext cx="8280720" cy="3886920"/>
+            <a:ext cx="8280000" cy="3886200"/>
           </a:xfrm>
           <a:prstGeom prst="rect">
             <a:avLst/>
@@ -21573,7 +21615,7 @@
         <p:spPr>
           <a:xfrm>
             <a:off x="686160" y="0"/>
-            <a:ext cx="10966680" cy="1139040"/>
+            <a:ext cx="10965960" cy="1138320"/>
           </a:xfrm>
           <a:prstGeom prst="rect">
             <a:avLst/>
@@ -21639,7 +21681,7 @@
         <p:spPr>
           <a:xfrm>
             <a:off x="5257800" y="1604520"/>
-            <a:ext cx="6928560" cy="904320"/>
+            <a:ext cx="6927840" cy="903600"/>
           </a:xfrm>
           <a:prstGeom prst="rect">
             <a:avLst/>
@@ -21663,7 +21705,7 @@
             <a:noAutofit/>
           </a:bodyPr>
           <a:p>
-            <a:pPr marL="432000" indent="-321480">
+            <a:pPr marL="432000" indent="-320760">
               <a:lnSpc>
                 <a:spcPct val="100000"/>
               </a:lnSpc>
@@ -21693,7 +21735,7 @@
             </a:endParaRPr>
           </a:p>
           <a:p>
-            <a:pPr marL="432000" indent="-321480">
+            <a:pPr marL="432000" indent="-320760">
               <a:lnSpc>
                 <a:spcPct val="100000"/>
               </a:lnSpc>
@@ -21752,7 +21794,7 @@
         <p:spPr>
           <a:xfrm>
             <a:off x="10515600" y="6202080"/>
-            <a:ext cx="1594080" cy="421200"/>
+            <a:ext cx="1593360" cy="420480"/>
           </a:xfrm>
           <a:prstGeom prst="rect">
             <a:avLst/>
@@ -21778,7 +21820,7 @@
                 <a:spcPct val="100000"/>
               </a:lnSpc>
             </a:pPr>
-            <a:fld id="{9D5F992F-4B3C-426B-A282-00DBBB32E4FA}" type="slidenum">
+            <a:fld id="{BFFAF96F-1000-4414-9FFA-2C20B26B54F4}" type="slidenum">
               <a:rPr b="0" lang="en-US" sz="1600" spc="-1" strike="noStrike">
                 <a:solidFill>
                   <a:srgbClr val="000000"/>
@@ -21803,7 +21845,7 @@
         <p:spPr>
           <a:xfrm>
             <a:off x="0" y="1600200"/>
-            <a:ext cx="4794840" cy="904320"/>
+            <a:ext cx="4794120" cy="903600"/>
           </a:xfrm>
           <a:prstGeom prst="rect">
             <a:avLst/>
@@ -21826,7 +21868,7 @@
             <a:noAutofit/>
           </a:bodyPr>
           <a:p>
-            <a:pPr marL="432000" indent="-321480">
+            <a:pPr marL="432000" indent="-320760">
               <a:lnSpc>
                 <a:spcPct val="100000"/>
               </a:lnSpc>
@@ -21856,7 +21898,7 @@
             </a:endParaRPr>
           </a:p>
           <a:p>
-            <a:pPr marL="432000" indent="-321480">
+            <a:pPr marL="432000" indent="-320760">
               <a:lnSpc>
                 <a:spcPct val="100000"/>
               </a:lnSpc>
@@ -21899,7 +21941,7 @@
         <p:spPr>
           <a:xfrm>
             <a:off x="685800" y="2972160"/>
-            <a:ext cx="10518840" cy="3422880"/>
+            <a:ext cx="10518120" cy="3422160"/>
           </a:xfrm>
           <a:prstGeom prst="rect">
             <a:avLst/>
@@ -21948,7 +21990,7 @@
         <p:spPr>
           <a:xfrm>
             <a:off x="686160" y="0"/>
-            <a:ext cx="10966680" cy="1139040"/>
+            <a:ext cx="10965960" cy="1138320"/>
           </a:xfrm>
           <a:prstGeom prst="rect">
             <a:avLst/>
@@ -22014,7 +22056,7 @@
         <p:spPr>
           <a:xfrm>
             <a:off x="0" y="1376280"/>
-            <a:ext cx="5023800" cy="2047320"/>
+            <a:ext cx="5023080" cy="2046600"/>
           </a:xfrm>
           <a:prstGeom prst="rect">
             <a:avLst/>
@@ -22038,7 +22080,7 @@
             <a:noAutofit/>
           </a:bodyPr>
           <a:p>
-            <a:pPr marL="432000" indent="-321480">
+            <a:pPr marL="432000" indent="-320760">
               <a:lnSpc>
                 <a:spcPct val="100000"/>
               </a:lnSpc>
@@ -22067,7 +22109,7 @@
             </a:endParaRPr>
           </a:p>
           <a:p>
-            <a:pPr marL="432000" indent="-321480">
+            <a:pPr marL="432000" indent="-320760">
               <a:lnSpc>
                 <a:spcPct val="100000"/>
               </a:lnSpc>
@@ -22096,7 +22138,7 @@
             </a:endParaRPr>
           </a:p>
           <a:p>
-            <a:pPr marL="432000" indent="-321480">
+            <a:pPr marL="432000" indent="-320760">
               <a:lnSpc>
                 <a:spcPct val="100000"/>
               </a:lnSpc>
@@ -22125,7 +22167,7 @@
             </a:endParaRPr>
           </a:p>
           <a:p>
-            <a:pPr marL="432000" indent="-321480">
+            <a:pPr marL="432000" indent="-320760">
               <a:lnSpc>
                 <a:spcPct val="100000"/>
               </a:lnSpc>
@@ -22164,7 +22206,7 @@
         <p:spPr>
           <a:xfrm>
             <a:off x="10515600" y="6202080"/>
-            <a:ext cx="1594080" cy="421200"/>
+            <a:ext cx="1593360" cy="420480"/>
           </a:xfrm>
           <a:prstGeom prst="rect">
             <a:avLst/>
@@ -22190,7 +22232,7 @@
                 <a:spcPct val="100000"/>
               </a:lnSpc>
             </a:pPr>
-            <a:fld id="{18575577-9B52-4EB5-B7DD-BDCD1A2F3C75}" type="slidenum">
+            <a:fld id="{23478D77-3001-46B7-AE60-4870107759D0}" type="slidenum">
               <a:rPr b="0" lang="en-US" sz="1600" spc="-1" strike="noStrike">
                 <a:solidFill>
                   <a:srgbClr val="000000"/>
@@ -22219,7 +22261,7 @@
         <p:spPr>
           <a:xfrm>
             <a:off x="5104080" y="1371600"/>
-            <a:ext cx="6766560" cy="4623480"/>
+            <a:ext cx="6765840" cy="4622760"/>
           </a:xfrm>
           <a:prstGeom prst="rect">
             <a:avLst/>
@@ -22268,7 +22310,7 @@
         <p:spPr>
           <a:xfrm>
             <a:off x="686160" y="0"/>
-            <a:ext cx="10966680" cy="1139040"/>
+            <a:ext cx="10965960" cy="1138320"/>
           </a:xfrm>
           <a:prstGeom prst="rect">
             <a:avLst/>
@@ -22322,7 +22364,7 @@
         <p:spPr>
           <a:xfrm>
             <a:off x="0" y="1376280"/>
-            <a:ext cx="2966400" cy="904320"/>
+            <a:ext cx="2965680" cy="903600"/>
           </a:xfrm>
           <a:prstGeom prst="rect">
             <a:avLst/>
@@ -22346,7 +22388,7 @@
             <a:noAutofit/>
           </a:bodyPr>
           <a:p>
-            <a:pPr marL="432000" indent="-321480">
+            <a:pPr marL="432000" indent="-320760">
               <a:lnSpc>
                 <a:spcPct val="100000"/>
               </a:lnSpc>
@@ -22375,7 +22417,7 @@
             </a:endParaRPr>
           </a:p>
           <a:p>
-            <a:pPr marL="432000" indent="-321480">
+            <a:pPr marL="432000" indent="-320760">
               <a:lnSpc>
                 <a:spcPct val="100000"/>
               </a:lnSpc>
@@ -22414,7 +22456,7 @@
         <p:spPr>
           <a:xfrm>
             <a:off x="10515600" y="6202080"/>
-            <a:ext cx="1594080" cy="421200"/>
+            <a:ext cx="1593360" cy="420480"/>
           </a:xfrm>
           <a:prstGeom prst="rect">
             <a:avLst/>
@@ -22440,7 +22482,7 @@
                 <a:spcPct val="100000"/>
               </a:lnSpc>
             </a:pPr>
-            <a:fld id="{85BDFDC2-483D-4538-932E-F6FCBC75802E}" type="slidenum">
+            <a:fld id="{64C1B856-BC26-4AFE-9AD3-7C1264E3CCA6}" type="slidenum">
               <a:rPr b="0" lang="en-US" sz="1600" spc="-1" strike="noStrike">
                 <a:solidFill>
                   <a:srgbClr val="000000"/>
@@ -22469,7 +22511,7 @@
         <p:spPr>
           <a:xfrm>
             <a:off x="3200400" y="1371600"/>
-            <a:ext cx="8681400" cy="4795200"/>
+            <a:ext cx="8680680" cy="4794480"/>
           </a:xfrm>
           <a:prstGeom prst="rect">
             <a:avLst/>

--- a/documents/K8s_Knowledge_Sharing.pptx
+++ b/documents/K8s_Knowledge_Sharing.pptx
@@ -9572,7 +9572,7 @@
         <p:spPr>
           <a:xfrm>
             <a:off x="0" y="0"/>
-            <a:ext cx="12184200" cy="5144400"/>
+            <a:ext cx="12182760" cy="5142960"/>
           </a:xfrm>
           <a:prstGeom prst="rect">
             <a:avLst/>
@@ -9614,7 +9614,7 @@
         <p:spPr>
           <a:xfrm>
             <a:off x="10582200" y="5243760"/>
-            <a:ext cx="1350000" cy="1350000"/>
+            <a:ext cx="1348560" cy="1348560"/>
           </a:xfrm>
           <a:prstGeom prst="rect">
             <a:avLst/>
@@ -9633,7 +9633,7 @@
         <p:spPr>
           <a:xfrm>
             <a:off x="1637280" y="753120"/>
-            <a:ext cx="7850520" cy="3931560"/>
+            <a:ext cx="7849080" cy="3930120"/>
           </a:xfrm>
           <a:prstGeom prst="rect">
             <a:avLst/>
@@ -9673,7 +9673,7 @@
         <p:spPr>
           <a:xfrm>
             <a:off x="7681680" y="1234080"/>
-            <a:ext cx="3840120" cy="3680640"/>
+            <a:ext cx="3838680" cy="3679200"/>
           </a:xfrm>
           <a:prstGeom prst="rect">
             <a:avLst/>
@@ -9952,7 +9952,7 @@
         <p:spPr>
           <a:xfrm>
             <a:off x="0" y="6719040"/>
-            <a:ext cx="12184200" cy="145080"/>
+            <a:ext cx="12182760" cy="143640"/>
           </a:xfrm>
           <a:prstGeom prst="rect">
             <a:avLst/>
@@ -10290,7 +10290,7 @@
         <p:spPr>
           <a:xfrm>
             <a:off x="0" y="0"/>
-            <a:ext cx="4769280" cy="6850080"/>
+            <a:ext cx="4767840" cy="6848640"/>
           </a:xfrm>
           <a:prstGeom prst="rect">
             <a:avLst/>
@@ -10328,7 +10328,7 @@
         <p:spPr>
           <a:xfrm>
             <a:off x="1166760" y="2958480"/>
-            <a:ext cx="2387880" cy="759960"/>
+            <a:ext cx="2386440" cy="759960"/>
           </a:xfrm>
           <a:prstGeom prst="rect">
             <a:avLst/>
@@ -10379,7 +10379,7 @@
         <p:spPr>
           <a:xfrm>
             <a:off x="828360" y="1931400"/>
-            <a:ext cx="3064320" cy="2987280"/>
+            <a:ext cx="3062880" cy="2985840"/>
           </a:xfrm>
           <a:prstGeom prst="rect">
             <a:avLst/>
@@ -10415,7 +10415,7 @@
         <p:spPr>
           <a:xfrm>
             <a:off x="0" y="6719040"/>
-            <a:ext cx="12184200" cy="145080"/>
+            <a:ext cx="12182760" cy="143640"/>
           </a:xfrm>
           <a:prstGeom prst="rect">
             <a:avLst/>
@@ -10719,7 +10719,7 @@
         <p:spPr>
           <a:xfrm>
             <a:off x="0" y="6719040"/>
-            <a:ext cx="12184200" cy="145080"/>
+            <a:ext cx="12182760" cy="143640"/>
           </a:xfrm>
           <a:prstGeom prst="rect">
             <a:avLst/>
@@ -11201,7 +11201,7 @@
         <p:spPr>
           <a:xfrm>
             <a:off x="0" y="6719040"/>
-            <a:ext cx="12184200" cy="145080"/>
+            <a:ext cx="12182760" cy="143640"/>
           </a:xfrm>
           <a:prstGeom prst="rect">
             <a:avLst/>
@@ -11683,7 +11683,7 @@
         <p:spPr>
           <a:xfrm>
             <a:off x="0" y="6719040"/>
-            <a:ext cx="12184200" cy="145080"/>
+            <a:ext cx="12182760" cy="143640"/>
           </a:xfrm>
           <a:prstGeom prst="rect">
             <a:avLst/>
@@ -11987,7 +11987,7 @@
         <p:spPr>
           <a:xfrm>
             <a:off x="0" y="0"/>
-            <a:ext cx="12184200" cy="5144400"/>
+            <a:ext cx="12182760" cy="5142960"/>
           </a:xfrm>
           <a:prstGeom prst="rect">
             <a:avLst/>
@@ -12025,7 +12025,7 @@
         <p:spPr>
           <a:xfrm>
             <a:off x="2915640" y="1431720"/>
-            <a:ext cx="6352920" cy="2723400"/>
+            <a:ext cx="6351480" cy="2721960"/>
           </a:xfrm>
           <a:prstGeom prst="rect">
             <a:avLst/>
@@ -12065,7 +12065,7 @@
         <p:spPr>
           <a:xfrm>
             <a:off x="10991880" y="5744160"/>
-            <a:ext cx="950400" cy="950400"/>
+            <a:ext cx="948960" cy="948960"/>
           </a:xfrm>
           <a:prstGeom prst="rect">
             <a:avLst/>
@@ -12084,7 +12084,7 @@
         <p:spPr>
           <a:xfrm>
             <a:off x="3764880" y="2243520"/>
-            <a:ext cx="4638240" cy="1095120"/>
+            <a:ext cx="4636800" cy="1095120"/>
           </a:xfrm>
           <a:prstGeom prst="rect">
             <a:avLst/>
@@ -12408,7 +12408,7 @@
         <p:spPr>
           <a:xfrm>
             <a:off x="565560" y="6150240"/>
-            <a:ext cx="4175280" cy="286200"/>
+            <a:ext cx="4173840" cy="284760"/>
           </a:xfrm>
           <a:prstGeom prst="rect">
             <a:avLst/>
@@ -12434,7 +12434,7 @@
         <p:spPr>
           <a:xfrm>
             <a:off x="1316880" y="1056240"/>
-            <a:ext cx="7363440" cy="2952360"/>
+            <a:ext cx="7362000" cy="2950920"/>
           </a:xfrm>
           <a:prstGeom prst="rect">
             <a:avLst/>
@@ -12518,7 +12518,7 @@
         <p:spPr>
           <a:xfrm>
             <a:off x="457200" y="5715000"/>
-            <a:ext cx="5937120" cy="356400"/>
+            <a:ext cx="5935680" cy="354960"/>
           </a:xfrm>
           <a:prstGeom prst="rect">
             <a:avLst/>
@@ -12621,7 +12621,7 @@
         <p:spPr>
           <a:xfrm>
             <a:off x="686160" y="0"/>
-            <a:ext cx="10965960" cy="1138320"/>
+            <a:ext cx="10964520" cy="1136880"/>
           </a:xfrm>
           <a:prstGeom prst="rect">
             <a:avLst/>
@@ -12687,7 +12687,7 @@
         <p:spPr>
           <a:xfrm>
             <a:off x="457200" y="1600200"/>
-            <a:ext cx="5347800" cy="909360"/>
+            <a:ext cx="5346360" cy="907920"/>
           </a:xfrm>
           <a:prstGeom prst="rect">
             <a:avLst/>
@@ -12711,7 +12711,7 @@
             <a:noAutofit/>
           </a:bodyPr>
           <a:p>
-            <a:pPr marL="432000" indent="-320760">
+            <a:pPr marL="432000" indent="-319320">
               <a:lnSpc>
                 <a:spcPct val="100000"/>
               </a:lnSpc>
@@ -12740,7 +12740,7 @@
             </a:endParaRPr>
           </a:p>
           <a:p>
-            <a:pPr marL="432000" indent="-320760">
+            <a:pPr marL="432000" indent="-319320">
               <a:lnSpc>
                 <a:spcPct val="100000"/>
               </a:lnSpc>
@@ -12799,7 +12799,7 @@
         <p:spPr>
           <a:xfrm>
             <a:off x="10515600" y="6202080"/>
-            <a:ext cx="1593360" cy="420480"/>
+            <a:ext cx="1591920" cy="419040"/>
           </a:xfrm>
           <a:prstGeom prst="rect">
             <a:avLst/>
@@ -12825,7 +12825,7 @@
                 <a:spcPct val="100000"/>
               </a:lnSpc>
             </a:pPr>
-            <a:fld id="{5881FB62-96F6-4BA1-A29E-F39E456E4AF7}" type="slidenum">
+            <a:fld id="{48779445-D3B6-4C08-9320-85355F67AE49}" type="slidenum">
               <a:rPr b="0" lang="en-US" sz="1600" spc="-1" strike="noStrike">
                 <a:solidFill>
                   <a:srgbClr val="000000"/>
@@ -12854,7 +12854,7 @@
         <p:spPr>
           <a:xfrm>
             <a:off x="2067120" y="2800800"/>
-            <a:ext cx="3413160" cy="2222280"/>
+            <a:ext cx="3411720" cy="2220840"/>
           </a:xfrm>
           <a:prstGeom prst="rect">
             <a:avLst/>
@@ -12877,7 +12877,7 @@
         <p:spPr>
           <a:xfrm>
             <a:off x="6134400" y="1505160"/>
-            <a:ext cx="2089080" cy="3517920"/>
+            <a:ext cx="2087640" cy="3516480"/>
           </a:xfrm>
           <a:prstGeom prst="rect">
             <a:avLst/>
@@ -12932,7 +12932,7 @@
         <p:spPr>
           <a:xfrm>
             <a:off x="686160" y="0"/>
-            <a:ext cx="10965960" cy="1138320"/>
+            <a:ext cx="10964520" cy="1136880"/>
           </a:xfrm>
           <a:prstGeom prst="rect">
             <a:avLst/>
@@ -12998,7 +12998,7 @@
         <p:spPr>
           <a:xfrm>
             <a:off x="228600" y="1600920"/>
-            <a:ext cx="5254560" cy="4109760"/>
+            <a:ext cx="5253120" cy="4108320"/>
           </a:xfrm>
           <a:prstGeom prst="rect">
             <a:avLst/>
@@ -13045,7 +13045,7 @@
             </a:endParaRPr>
           </a:p>
           <a:p>
-            <a:pPr marL="432000" indent="-320760">
+            <a:pPr marL="432000" indent="-319320">
               <a:lnSpc>
                 <a:spcPct val="100000"/>
               </a:lnSpc>
@@ -13094,7 +13094,7 @@
             </a:endParaRPr>
           </a:p>
           <a:p>
-            <a:pPr marL="432000" indent="-320760">
+            <a:pPr marL="432000" indent="-319320">
               <a:lnSpc>
                 <a:spcPct val="100000"/>
               </a:lnSpc>
@@ -13123,7 +13123,7 @@
             </a:endParaRPr>
           </a:p>
           <a:p>
-            <a:pPr lvl="1" marL="864000" indent="-320760">
+            <a:pPr lvl="1" marL="864000" indent="-319320">
               <a:lnSpc>
                 <a:spcPct val="100000"/>
               </a:lnSpc>
@@ -13152,7 +13152,7 @@
             </a:endParaRPr>
           </a:p>
           <a:p>
-            <a:pPr lvl="1" marL="864000" indent="-320760">
+            <a:pPr lvl="1" marL="864000" indent="-319320">
               <a:lnSpc>
                 <a:spcPct val="100000"/>
               </a:lnSpc>
@@ -13181,7 +13181,7 @@
             </a:endParaRPr>
           </a:p>
           <a:p>
-            <a:pPr lvl="1" marL="864000" indent="-320760">
+            <a:pPr lvl="1" marL="864000" indent="-319320">
               <a:lnSpc>
                 <a:spcPct val="100000"/>
               </a:lnSpc>
@@ -13210,7 +13210,7 @@
             </a:endParaRPr>
           </a:p>
           <a:p>
-            <a:pPr marL="432000" indent="-320760">
+            <a:pPr marL="432000" indent="-319320">
               <a:lnSpc>
                 <a:spcPct val="100000"/>
               </a:lnSpc>
@@ -13239,7 +13239,7 @@
             </a:endParaRPr>
           </a:p>
           <a:p>
-            <a:pPr marL="432000" indent="-320760">
+            <a:pPr marL="432000" indent="-319320">
               <a:lnSpc>
                 <a:spcPct val="100000"/>
               </a:lnSpc>
@@ -13278,7 +13278,7 @@
         <p:spPr>
           <a:xfrm>
             <a:off x="10515600" y="6202080"/>
-            <a:ext cx="1593360" cy="420480"/>
+            <a:ext cx="1591920" cy="419040"/>
           </a:xfrm>
           <a:prstGeom prst="rect">
             <a:avLst/>
@@ -13304,7 +13304,7 @@
                 <a:spcPct val="100000"/>
               </a:lnSpc>
             </a:pPr>
-            <a:fld id="{9A17EB86-FE6D-4F7B-8ACA-AC6EE9603874}" type="slidenum">
+            <a:fld id="{0B59E461-D8F4-4EED-9D9D-37DDA8D0D81D}" type="slidenum">
               <a:rPr b="0" lang="en-US" sz="1600" spc="-1" strike="noStrike">
                 <a:solidFill>
                   <a:srgbClr val="000000"/>
@@ -13333,7 +13333,7 @@
         <p:spPr>
           <a:xfrm>
             <a:off x="5715000" y="1600200"/>
-            <a:ext cx="4796280" cy="4110480"/>
+            <a:ext cx="4794840" cy="4109040"/>
           </a:xfrm>
           <a:prstGeom prst="rect">
             <a:avLst/>
@@ -13385,7 +13385,7 @@
         <p:spPr>
           <a:xfrm>
             <a:off x="686160" y="0"/>
-            <a:ext cx="10965960" cy="1138320"/>
+            <a:ext cx="10964520" cy="1136880"/>
           </a:xfrm>
           <a:prstGeom prst="rect">
             <a:avLst/>
@@ -13451,7 +13451,7 @@
         <p:spPr>
           <a:xfrm>
             <a:off x="91440" y="1600920"/>
-            <a:ext cx="5392800" cy="4109760"/>
+            <a:ext cx="5391360" cy="4108320"/>
           </a:xfrm>
           <a:prstGeom prst="rect">
             <a:avLst/>
@@ -13498,7 +13498,7 @@
             </a:endParaRPr>
           </a:p>
           <a:p>
-            <a:pPr marL="432000" indent="-320760">
+            <a:pPr marL="432000" indent="-319320">
               <a:lnSpc>
                 <a:spcPct val="100000"/>
               </a:lnSpc>
@@ -13527,7 +13527,7 @@
             </a:endParaRPr>
           </a:p>
           <a:p>
-            <a:pPr marL="432000" indent="-320760">
+            <a:pPr marL="432000" indent="-319320">
               <a:lnSpc>
                 <a:spcPct val="100000"/>
               </a:lnSpc>
@@ -13579,7 +13579,7 @@
             </a:endParaRPr>
           </a:p>
           <a:p>
-            <a:pPr marL="432000" indent="-320760">
+            <a:pPr marL="432000" indent="-319320">
               <a:lnSpc>
                 <a:spcPct val="100000"/>
               </a:lnSpc>
@@ -13608,7 +13608,7 @@
             </a:endParaRPr>
           </a:p>
           <a:p>
-            <a:pPr marL="432000" indent="-320760">
+            <a:pPr marL="432000" indent="-319320">
               <a:lnSpc>
                 <a:spcPct val="100000"/>
               </a:lnSpc>
@@ -13650,7 +13650,7 @@
             </a:endParaRPr>
           </a:p>
           <a:p>
-            <a:pPr marL="432000" indent="-320760">
+            <a:pPr marL="432000" indent="-319320">
               <a:lnSpc>
                 <a:spcPct val="100000"/>
               </a:lnSpc>
@@ -13679,7 +13679,7 @@
             </a:endParaRPr>
           </a:p>
           <a:p>
-            <a:pPr marL="432000" indent="-320760">
+            <a:pPr marL="432000" indent="-319320">
               <a:lnSpc>
                 <a:spcPct val="100000"/>
               </a:lnSpc>
@@ -13718,7 +13718,7 @@
         <p:spPr>
           <a:xfrm>
             <a:off x="10515600" y="6202080"/>
-            <a:ext cx="1593360" cy="420480"/>
+            <a:ext cx="1591920" cy="419040"/>
           </a:xfrm>
           <a:prstGeom prst="rect">
             <a:avLst/>
@@ -13744,7 +13744,7 @@
                 <a:spcPct val="100000"/>
               </a:lnSpc>
             </a:pPr>
-            <a:fld id="{8B60F07F-1243-4653-B42A-C3C928D8925A}" type="slidenum">
+            <a:fld id="{829E0B4F-63A8-42E8-ADA2-BE61ADFDA4C6}" type="slidenum">
               <a:rPr b="0" lang="en-US" sz="1600" spc="-1" strike="noStrike">
                 <a:solidFill>
                   <a:srgbClr val="000000"/>
@@ -13773,7 +13773,7 @@
         <p:spPr>
           <a:xfrm>
             <a:off x="6688800" y="1554480"/>
-            <a:ext cx="4921920" cy="4021200"/>
+            <a:ext cx="4920480" cy="4019760"/>
           </a:xfrm>
           <a:prstGeom prst="rect">
             <a:avLst/>
@@ -13828,7 +13828,7 @@
         <p:spPr>
           <a:xfrm>
             <a:off x="686160" y="0"/>
-            <a:ext cx="10965960" cy="1138320"/>
+            <a:ext cx="10964520" cy="1136880"/>
           </a:xfrm>
           <a:prstGeom prst="rect">
             <a:avLst/>
@@ -13894,7 +13894,7 @@
         <p:spPr>
           <a:xfrm>
             <a:off x="0" y="1600920"/>
-            <a:ext cx="5302440" cy="2238480"/>
+            <a:ext cx="5301000" cy="2237040"/>
           </a:xfrm>
           <a:prstGeom prst="rect">
             <a:avLst/>
@@ -14073,7 +14073,7 @@
             </a:endParaRPr>
           </a:p>
           <a:p>
-            <a:pPr marL="432000" indent="-320760">
+            <a:pPr marL="432000" indent="-319320">
               <a:lnSpc>
                 <a:spcPct val="100000"/>
               </a:lnSpc>
@@ -14102,7 +14102,7 @@
             </a:endParaRPr>
           </a:p>
           <a:p>
-            <a:pPr marL="432000" indent="-320760">
+            <a:pPr marL="432000" indent="-319320">
               <a:lnSpc>
                 <a:spcPct val="100000"/>
               </a:lnSpc>
@@ -14141,7 +14141,7 @@
         <p:spPr>
           <a:xfrm>
             <a:off x="10515600" y="6202080"/>
-            <a:ext cx="1593360" cy="420480"/>
+            <a:ext cx="1591920" cy="419040"/>
           </a:xfrm>
           <a:prstGeom prst="rect">
             <a:avLst/>
@@ -14167,7 +14167,7 @@
                 <a:spcPct val="100000"/>
               </a:lnSpc>
             </a:pPr>
-            <a:fld id="{6546C1D8-275A-43AC-AF42-0AD4F68CD391}" type="slidenum">
+            <a:fld id="{6AD3DC73-022F-4A51-A93D-393825537C40}" type="slidenum">
               <a:rPr b="0" lang="en-US" sz="1600" spc="-1" strike="noStrike">
                 <a:solidFill>
                   <a:srgbClr val="000000"/>
@@ -14196,7 +14196,7 @@
         <p:spPr>
           <a:xfrm>
             <a:off x="6858360" y="1554480"/>
-            <a:ext cx="1827360" cy="2532240"/>
+            <a:ext cx="1825920" cy="2530800"/>
           </a:xfrm>
           <a:prstGeom prst="rect">
             <a:avLst/>
@@ -14251,7 +14251,7 @@
         <p:spPr>
           <a:xfrm>
             <a:off x="686160" y="0"/>
-            <a:ext cx="10965960" cy="1138320"/>
+            <a:ext cx="10964520" cy="1136880"/>
           </a:xfrm>
           <a:prstGeom prst="rect">
             <a:avLst/>
@@ -14317,7 +14317,7 @@
         <p:spPr>
           <a:xfrm>
             <a:off x="10515600" y="6202080"/>
-            <a:ext cx="1593360" cy="420480"/>
+            <a:ext cx="1591920" cy="419040"/>
           </a:xfrm>
           <a:prstGeom prst="rect">
             <a:avLst/>
@@ -14343,7 +14343,7 @@
                 <a:spcPct val="100000"/>
               </a:lnSpc>
             </a:pPr>
-            <a:fld id="{6BF9169F-C135-483C-99CD-0E1A595F4319}" type="slidenum">
+            <a:fld id="{891C01E8-802B-413E-AC86-E943FFF7873B}" type="slidenum">
               <a:rPr b="0" lang="en-US" sz="1600" spc="-1" strike="noStrike">
                 <a:solidFill>
                   <a:srgbClr val="000000"/>
@@ -14368,7 +14368,7 @@
         <p:spPr>
           <a:xfrm>
             <a:off x="91440" y="1600920"/>
-            <a:ext cx="4845240" cy="3884400"/>
+            <a:ext cx="4843800" cy="3882960"/>
           </a:xfrm>
           <a:prstGeom prst="rect">
             <a:avLst/>
@@ -14392,7 +14392,7 @@
             <a:noAutofit/>
           </a:bodyPr>
           <a:p>
-            <a:pPr marL="216000" indent="-214920">
+            <a:pPr marL="216000" indent="-213480">
               <a:lnSpc>
                 <a:spcPct val="100000"/>
               </a:lnSpc>
@@ -14420,7 +14420,7 @@
             </a:endParaRPr>
           </a:p>
           <a:p>
-            <a:pPr marL="216000" indent="-214920">
+            <a:pPr marL="216000" indent="-213480">
               <a:lnSpc>
                 <a:spcPct val="100000"/>
               </a:lnSpc>
@@ -14448,7 +14448,7 @@
             </a:endParaRPr>
           </a:p>
           <a:p>
-            <a:pPr lvl="1" marL="432000" indent="-214920">
+            <a:pPr lvl="1" marL="432000" indent="-213480">
               <a:lnSpc>
                 <a:spcPct val="100000"/>
               </a:lnSpc>
@@ -14477,7 +14477,7 @@
             </a:endParaRPr>
           </a:p>
           <a:p>
-            <a:pPr marL="216000" indent="-214920">
+            <a:pPr marL="216000" indent="-213480">
               <a:lnSpc>
                 <a:spcPct val="100000"/>
               </a:lnSpc>
@@ -14505,7 +14505,7 @@
             </a:endParaRPr>
           </a:p>
           <a:p>
-            <a:pPr lvl="1" marL="432000" indent="-214920">
+            <a:pPr lvl="1" marL="432000" indent="-213480">
               <a:lnSpc>
                 <a:spcPct val="100000"/>
               </a:lnSpc>
@@ -14534,7 +14534,7 @@
             </a:endParaRPr>
           </a:p>
           <a:p>
-            <a:pPr marL="216000" indent="-214920">
+            <a:pPr marL="216000" indent="-213480">
               <a:lnSpc>
                 <a:spcPct val="100000"/>
               </a:lnSpc>
@@ -14562,7 +14562,7 @@
             </a:endParaRPr>
           </a:p>
           <a:p>
-            <a:pPr lvl="1" marL="432000" indent="-214920">
+            <a:pPr lvl="1" marL="432000" indent="-213480">
               <a:lnSpc>
                 <a:spcPct val="100000"/>
               </a:lnSpc>
@@ -14591,7 +14591,7 @@
             </a:endParaRPr>
           </a:p>
           <a:p>
-            <a:pPr marL="432000" indent="-320760">
+            <a:pPr marL="432000" indent="-319320">
               <a:lnSpc>
                 <a:spcPct val="100000"/>
               </a:lnSpc>
@@ -14620,7 +14620,7 @@
             </a:endParaRPr>
           </a:p>
           <a:p>
-            <a:pPr marL="432000" indent="-320760">
+            <a:pPr marL="432000" indent="-319320">
               <a:lnSpc>
                 <a:spcPct val="100000"/>
               </a:lnSpc>
@@ -14663,7 +14663,7 @@
         <p:spPr>
           <a:xfrm>
             <a:off x="5669280" y="2743200"/>
-            <a:ext cx="4484880" cy="1513080"/>
+            <a:ext cx="4483440" cy="1511640"/>
           </a:xfrm>
           <a:prstGeom prst="rect">
             <a:avLst/>
@@ -14718,7 +14718,7 @@
         <p:spPr>
           <a:xfrm>
             <a:off x="686160" y="0"/>
-            <a:ext cx="10965960" cy="1138320"/>
+            <a:ext cx="10964520" cy="1136880"/>
           </a:xfrm>
           <a:prstGeom prst="rect">
             <a:avLst/>
@@ -14784,7 +14784,7 @@
         <p:spPr>
           <a:xfrm>
             <a:off x="10515600" y="6202080"/>
-            <a:ext cx="1593360" cy="420480"/>
+            <a:ext cx="1591920" cy="419040"/>
           </a:xfrm>
           <a:prstGeom prst="rect">
             <a:avLst/>
@@ -14810,7 +14810,7 @@
                 <a:spcPct val="100000"/>
               </a:lnSpc>
             </a:pPr>
-            <a:fld id="{84049C45-443C-4075-B748-B9F89118F5CF}" type="slidenum">
+            <a:fld id="{2341B84A-0D90-4652-933F-4907A0FA5D3B}" type="slidenum">
               <a:rPr b="0" lang="en-US" sz="1600" spc="-1" strike="noStrike">
                 <a:solidFill>
                   <a:srgbClr val="000000"/>
@@ -14835,7 +14835,7 @@
         <p:spPr>
           <a:xfrm>
             <a:off x="91440" y="1600920"/>
-            <a:ext cx="5668200" cy="3884400"/>
+            <a:ext cx="5666760" cy="3882960"/>
           </a:xfrm>
           <a:prstGeom prst="rect">
             <a:avLst/>
@@ -14859,7 +14859,7 @@
             <a:noAutofit/>
           </a:bodyPr>
           <a:p>
-            <a:pPr marL="216000" indent="-214920">
+            <a:pPr marL="216000" indent="-213480">
               <a:lnSpc>
                 <a:spcPct val="100000"/>
               </a:lnSpc>
@@ -14887,7 +14887,7 @@
             </a:endParaRPr>
           </a:p>
           <a:p>
-            <a:pPr marL="216000" indent="-214920">
+            <a:pPr marL="216000" indent="-213480">
               <a:lnSpc>
                 <a:spcPct val="100000"/>
               </a:lnSpc>
@@ -14915,7 +14915,7 @@
             </a:endParaRPr>
           </a:p>
           <a:p>
-            <a:pPr lvl="1" marL="432000" indent="-214920">
+            <a:pPr lvl="1" marL="432000" indent="-213480">
               <a:lnSpc>
                 <a:spcPct val="100000"/>
               </a:lnSpc>
@@ -14944,7 +14944,7 @@
             </a:endParaRPr>
           </a:p>
           <a:p>
-            <a:pPr marL="216000" indent="-214920">
+            <a:pPr marL="216000" indent="-213480">
               <a:lnSpc>
                 <a:spcPct val="100000"/>
               </a:lnSpc>
@@ -14972,7 +14972,7 @@
             </a:endParaRPr>
           </a:p>
           <a:p>
-            <a:pPr lvl="1" marL="432000" indent="-214920">
+            <a:pPr lvl="1" marL="432000" indent="-213480">
               <a:lnSpc>
                 <a:spcPct val="100000"/>
               </a:lnSpc>
@@ -15001,7 +15001,7 @@
             </a:endParaRPr>
           </a:p>
           <a:p>
-            <a:pPr marL="216000" indent="-214920">
+            <a:pPr marL="216000" indent="-213480">
               <a:lnSpc>
                 <a:spcPct val="100000"/>
               </a:lnSpc>
@@ -15029,7 +15029,7 @@
             </a:endParaRPr>
           </a:p>
           <a:p>
-            <a:pPr lvl="1" marL="432000" indent="-214920">
+            <a:pPr lvl="1" marL="432000" indent="-213480">
               <a:lnSpc>
                 <a:spcPct val="100000"/>
               </a:lnSpc>
@@ -15072,7 +15072,7 @@
         <p:spPr>
           <a:xfrm>
             <a:off x="6035040" y="1612080"/>
-            <a:ext cx="5494320" cy="3141720"/>
+            <a:ext cx="5492880" cy="3140280"/>
           </a:xfrm>
           <a:prstGeom prst="rect">
             <a:avLst/>
@@ -15127,7 +15127,7 @@
         <p:spPr>
           <a:xfrm>
             <a:off x="722160" y="0"/>
-            <a:ext cx="10965960" cy="1138320"/>
+            <a:ext cx="10964520" cy="1136880"/>
           </a:xfrm>
           <a:prstGeom prst="rect">
             <a:avLst/>
@@ -15193,7 +15193,7 @@
         <p:spPr>
           <a:xfrm>
             <a:off x="127440" y="1600920"/>
-            <a:ext cx="5392800" cy="2146680"/>
+            <a:ext cx="5391360" cy="2145240"/>
           </a:xfrm>
           <a:prstGeom prst="rect">
             <a:avLst/>
@@ -15217,7 +15217,7 @@
             <a:noAutofit/>
           </a:bodyPr>
           <a:p>
-            <a:pPr marL="216000" indent="-214560">
+            <a:pPr marL="216000" indent="-213120">
               <a:lnSpc>
                 <a:spcPct val="100000"/>
               </a:lnSpc>
@@ -15245,7 +15245,7 @@
             </a:endParaRPr>
           </a:p>
           <a:p>
-            <a:pPr marL="216000" indent="-214560">
+            <a:pPr marL="216000" indent="-213120">
               <a:lnSpc>
                 <a:spcPct val="100000"/>
               </a:lnSpc>
@@ -15273,7 +15273,7 @@
             </a:endParaRPr>
           </a:p>
           <a:p>
-            <a:pPr marL="216000" indent="-214560">
+            <a:pPr marL="216000" indent="-213120">
               <a:lnSpc>
                 <a:spcPct val="100000"/>
               </a:lnSpc>
@@ -15311,7 +15311,7 @@
         <p:spPr>
           <a:xfrm>
             <a:off x="10551600" y="6202080"/>
-            <a:ext cx="1593360" cy="420480"/>
+            <a:ext cx="1591920" cy="419040"/>
           </a:xfrm>
           <a:prstGeom prst="rect">
             <a:avLst/>
@@ -15337,7 +15337,7 @@
                 <a:spcPct val="100000"/>
               </a:lnSpc>
             </a:pPr>
-            <a:fld id="{94E09774-4107-4AB0-9127-5DC9AD1BFBDE}" type="slidenum">
+            <a:fld id="{77CD50FE-7F3E-4C93-987D-38E3CBD7EDDF}" type="slidenum">
               <a:rPr b="0" lang="en-US" sz="1600" spc="-1" strike="noStrike">
                 <a:solidFill>
                   <a:srgbClr val="000000"/>
@@ -15366,7 +15366,7 @@
         <p:spPr>
           <a:xfrm>
             <a:off x="9052560" y="1566360"/>
-            <a:ext cx="2217600" cy="4284360"/>
+            <a:ext cx="2216160" cy="4282920"/>
           </a:xfrm>
           <a:prstGeom prst="rect">
             <a:avLst/>
@@ -15395,7 +15395,7 @@
         <p:spPr>
           <a:xfrm>
             <a:off x="6309360" y="1554480"/>
-            <a:ext cx="1960200" cy="3160440"/>
+            <a:ext cx="1958760" cy="3159000"/>
           </a:xfrm>
           <a:prstGeom prst="rect">
             <a:avLst/>
@@ -15450,7 +15450,7 @@
         <p:spPr>
           <a:xfrm>
             <a:off x="686160" y="0"/>
-            <a:ext cx="10965960" cy="1138320"/>
+            <a:ext cx="10964520" cy="1136880"/>
           </a:xfrm>
           <a:prstGeom prst="rect">
             <a:avLst/>
@@ -15516,7 +15516,7 @@
         <p:spPr>
           <a:xfrm>
             <a:off x="457200" y="1600200"/>
-            <a:ext cx="3882240" cy="909360"/>
+            <a:ext cx="3880800" cy="907920"/>
           </a:xfrm>
           <a:prstGeom prst="rect">
             <a:avLst/>
@@ -15540,7 +15540,7 @@
             <a:noAutofit/>
           </a:bodyPr>
           <a:p>
-            <a:pPr marL="432000" indent="-320760">
+            <a:pPr marL="432000" indent="-319320">
               <a:lnSpc>
                 <a:spcPct val="100000"/>
               </a:lnSpc>
@@ -15579,7 +15579,7 @@
         <p:spPr>
           <a:xfrm>
             <a:off x="10515600" y="6202080"/>
-            <a:ext cx="1593360" cy="420480"/>
+            <a:ext cx="1591920" cy="419040"/>
           </a:xfrm>
           <a:prstGeom prst="rect">
             <a:avLst/>
@@ -15605,7 +15605,7 @@
                 <a:spcPct val="100000"/>
               </a:lnSpc>
             </a:pPr>
-            <a:fld id="{B87504A9-FCD5-4408-A135-82AF45AB579B}" type="slidenum">
+            <a:fld id="{A3EAAC7C-E77D-402E-9879-A5B57BD3E87D}" type="slidenum">
               <a:rPr b="0" lang="en-US" sz="1600" spc="-1" strike="noStrike">
                 <a:solidFill>
                   <a:srgbClr val="000000"/>
@@ -15634,7 +15634,7 @@
         <p:spPr>
           <a:xfrm>
             <a:off x="8056440" y="2057400"/>
-            <a:ext cx="3882240" cy="3653640"/>
+            <a:ext cx="3880800" cy="3652200"/>
           </a:xfrm>
           <a:prstGeom prst="rect">
             <a:avLst/>
@@ -15660,7 +15660,7 @@
         <p:spPr>
           <a:xfrm>
             <a:off x="5029200" y="2057400"/>
-            <a:ext cx="2226600" cy="3654000"/>
+            <a:ext cx="2225160" cy="3652560"/>
           </a:xfrm>
           <a:prstGeom prst="rect">
             <a:avLst/>
@@ -15712,7 +15712,7 @@
         <p:spPr>
           <a:xfrm>
             <a:off x="686160" y="0"/>
-            <a:ext cx="10965960" cy="1138320"/>
+            <a:ext cx="10964520" cy="1136880"/>
           </a:xfrm>
           <a:prstGeom prst="rect">
             <a:avLst/>
@@ -15778,7 +15778,7 @@
         <p:spPr>
           <a:xfrm>
             <a:off x="457560" y="1371960"/>
-            <a:ext cx="5480280" cy="5252400"/>
+            <a:ext cx="5478840" cy="5250960"/>
           </a:xfrm>
           <a:prstGeom prst="rect">
             <a:avLst/>
@@ -15802,7 +15802,7 @@
             <a:noAutofit/>
           </a:bodyPr>
           <a:p>
-            <a:pPr marL="432000" indent="-320760">
+            <a:pPr marL="432000" indent="-319320">
               <a:lnSpc>
                 <a:spcPct val="100000"/>
               </a:lnSpc>
@@ -15831,7 +15831,7 @@
             </a:endParaRPr>
           </a:p>
           <a:p>
-            <a:pPr marL="432000" indent="-320760">
+            <a:pPr marL="432000" indent="-319320">
               <a:lnSpc>
                 <a:spcPct val="100000"/>
               </a:lnSpc>
@@ -15860,7 +15860,7 @@
             </a:endParaRPr>
           </a:p>
           <a:p>
-            <a:pPr lvl="1" marL="864000" indent="-320760">
+            <a:pPr lvl="1" marL="864000" indent="-319320">
               <a:lnSpc>
                 <a:spcPct val="100000"/>
               </a:lnSpc>
@@ -15889,7 +15889,7 @@
             </a:endParaRPr>
           </a:p>
           <a:p>
-            <a:pPr lvl="1" marL="864000" indent="-320760">
+            <a:pPr lvl="1" marL="864000" indent="-319320">
               <a:lnSpc>
                 <a:spcPct val="100000"/>
               </a:lnSpc>
@@ -15918,7 +15918,7 @@
             </a:endParaRPr>
           </a:p>
           <a:p>
-            <a:pPr marL="432000" indent="-320760">
+            <a:pPr marL="432000" indent="-319320">
               <a:lnSpc>
                 <a:spcPct val="100000"/>
               </a:lnSpc>
@@ -15947,7 +15947,7 @@
             </a:endParaRPr>
           </a:p>
           <a:p>
-            <a:pPr lvl="1" marL="864000" indent="-320760">
+            <a:pPr lvl="1" marL="864000" indent="-319320">
               <a:lnSpc>
                 <a:spcPct val="100000"/>
               </a:lnSpc>
@@ -15976,7 +15976,7 @@
             </a:endParaRPr>
           </a:p>
           <a:p>
-            <a:pPr lvl="1" marL="864000" indent="-320760">
+            <a:pPr lvl="1" marL="864000" indent="-319320">
               <a:lnSpc>
                 <a:spcPct val="100000"/>
               </a:lnSpc>
@@ -16005,7 +16005,7 @@
             </a:endParaRPr>
           </a:p>
           <a:p>
-            <a:pPr lvl="2" marL="1296000" indent="-284760">
+            <a:pPr lvl="2" marL="1296000" indent="-283320">
               <a:lnSpc>
                 <a:spcPct val="100000"/>
               </a:lnSpc>
@@ -16034,7 +16034,7 @@
             </a:endParaRPr>
           </a:p>
           <a:p>
-            <a:pPr lvl="2" marL="1296000" indent="-284760">
+            <a:pPr lvl="2" marL="1296000" indent="-283320">
               <a:lnSpc>
                 <a:spcPct val="100000"/>
               </a:lnSpc>
@@ -16063,7 +16063,7 @@
             </a:endParaRPr>
           </a:p>
           <a:p>
-            <a:pPr lvl="1" marL="864000" indent="-320760">
+            <a:pPr lvl="1" marL="864000" indent="-319320">
               <a:lnSpc>
                 <a:spcPct val="100000"/>
               </a:lnSpc>
@@ -16102,7 +16102,7 @@
         <p:spPr>
           <a:xfrm>
             <a:off x="10515600" y="6202080"/>
-            <a:ext cx="1593360" cy="420480"/>
+            <a:ext cx="1591920" cy="419040"/>
           </a:xfrm>
           <a:prstGeom prst="rect">
             <a:avLst/>
@@ -16128,7 +16128,7 @@
                 <a:spcPct val="100000"/>
               </a:lnSpc>
             </a:pPr>
-            <a:fld id="{F343178E-7E7D-441D-AAC9-9F92DE54662D}" type="slidenum">
+            <a:fld id="{85AA577F-6CB3-485A-94CA-3B897B96051A}" type="slidenum">
               <a:rPr b="0" lang="en-US" sz="1600" spc="-1" strike="noStrike">
                 <a:solidFill>
                   <a:srgbClr val="000000"/>
@@ -16157,7 +16157,7 @@
         <p:spPr>
           <a:xfrm>
             <a:off x="5943600" y="1268640"/>
-            <a:ext cx="3486600" cy="4679640"/>
+            <a:ext cx="3485160" cy="4678200"/>
           </a:xfrm>
           <a:prstGeom prst="rect">
             <a:avLst/>
@@ -16180,7 +16180,7 @@
         <p:spPr>
           <a:xfrm>
             <a:off x="9706320" y="1419480"/>
-            <a:ext cx="2403360" cy="4289400"/>
+            <a:ext cx="2401920" cy="4287960"/>
           </a:xfrm>
           <a:prstGeom prst="rect">
             <a:avLst/>
@@ -16233,7 +16233,7 @@
         <p:spPr>
           <a:xfrm>
             <a:off x="686160" y="0"/>
-            <a:ext cx="10965960" cy="1138320"/>
+            <a:ext cx="10964520" cy="1136880"/>
           </a:xfrm>
           <a:prstGeom prst="rect">
             <a:avLst/>
@@ -16299,7 +16299,7 @@
         <p:spPr>
           <a:xfrm>
             <a:off x="10515600" y="6202080"/>
-            <a:ext cx="1593360" cy="420480"/>
+            <a:ext cx="1591920" cy="419040"/>
           </a:xfrm>
           <a:prstGeom prst="rect">
             <a:avLst/>
@@ -16325,7 +16325,7 @@
                 <a:spcPct val="100000"/>
               </a:lnSpc>
             </a:pPr>
-            <a:fld id="{F5AADA28-E502-493E-8B04-EC32BC8685F8}" type="slidenum">
+            <a:fld id="{44C63ABC-B4F0-4781-8CF6-04B1C7F98D5E}" type="slidenum">
               <a:rPr b="0" lang="en-US" sz="1600" spc="-1" strike="noStrike">
                 <a:solidFill>
                   <a:srgbClr val="000000"/>
@@ -16354,7 +16354,7 @@
         <p:spPr>
           <a:xfrm>
             <a:off x="3434040" y="3972240"/>
-            <a:ext cx="1670400" cy="1965600"/>
+            <a:ext cx="1668960" cy="1964160"/>
           </a:xfrm>
           <a:prstGeom prst="rect">
             <a:avLst/>
@@ -16380,7 +16380,7 @@
         <p:spPr>
           <a:xfrm>
             <a:off x="228600" y="1828800"/>
-            <a:ext cx="3194640" cy="4327920"/>
+            <a:ext cx="3193200" cy="4326480"/>
           </a:xfrm>
           <a:prstGeom prst="rect">
             <a:avLst/>
@@ -16403,7 +16403,7 @@
         <p:spPr>
           <a:xfrm>
             <a:off x="6445080" y="1828800"/>
-            <a:ext cx="3378960" cy="4337640"/>
+            <a:ext cx="3377520" cy="4336200"/>
           </a:xfrm>
           <a:prstGeom prst="rect">
             <a:avLst/>
@@ -16426,7 +16426,7 @@
         <p:spPr>
           <a:xfrm>
             <a:off x="9829800" y="3972240"/>
-            <a:ext cx="1670400" cy="1965600"/>
+            <a:ext cx="1668960" cy="1964160"/>
           </a:xfrm>
           <a:prstGeom prst="rect">
             <a:avLst/>
@@ -16478,7 +16478,7 @@
         <p:spPr>
           <a:xfrm>
             <a:off x="838080" y="405360"/>
-            <a:ext cx="10285200" cy="530640"/>
+            <a:ext cx="10283760" cy="529200"/>
           </a:xfrm>
           <a:prstGeom prst="rect">
             <a:avLst/>
@@ -16529,7 +16529,7 @@
         <p:spPr>
           <a:xfrm>
             <a:off x="838440" y="2012040"/>
-            <a:ext cx="5032080" cy="3649680"/>
+            <a:ext cx="5030640" cy="3648240"/>
           </a:xfrm>
           <a:prstGeom prst="rect">
             <a:avLst/>
@@ -16550,7 +16550,7 @@
             <a:noAutofit/>
           </a:bodyPr>
           <a:p>
-            <a:pPr marL="228600" indent="-225360">
+            <a:pPr marL="228600" indent="-223920">
               <a:lnSpc>
                 <a:spcPct val="90000"/>
               </a:lnSpc>
@@ -16588,7 +16588,7 @@
         <p:spPr>
           <a:xfrm>
             <a:off x="838080" y="1399680"/>
-            <a:ext cx="5032080" cy="477720"/>
+            <a:ext cx="5030640" cy="476280"/>
           </a:xfrm>
           <a:prstGeom prst="rect">
             <a:avLst/>
@@ -16645,7 +16645,7 @@
         <p:spPr>
           <a:xfrm>
             <a:off x="6240960" y="1399680"/>
-            <a:ext cx="5032080" cy="477720"/>
+            <a:ext cx="5030640" cy="476280"/>
           </a:xfrm>
           <a:prstGeom prst="rect">
             <a:avLst/>
@@ -16702,7 +16702,7 @@
         <p:spPr>
           <a:xfrm>
             <a:off x="6240960" y="2021400"/>
-            <a:ext cx="5867640" cy="1294560"/>
+            <a:ext cx="5866200" cy="1293120"/>
           </a:xfrm>
           <a:prstGeom prst="rect">
             <a:avLst/>
@@ -16723,7 +16723,7 @@
             <a:noAutofit/>
           </a:bodyPr>
           <a:p>
-            <a:pPr marL="228600" indent="-225360">
+            <a:pPr marL="228600" indent="-223920">
               <a:lnSpc>
                 <a:spcPct val="90000"/>
               </a:lnSpc>
@@ -16751,7 +16751,7 @@
             </a:endParaRPr>
           </a:p>
           <a:p>
-            <a:pPr marL="228600" indent="-225360">
+            <a:pPr marL="228600" indent="-223920">
               <a:lnSpc>
                 <a:spcPct val="90000"/>
               </a:lnSpc>
@@ -16819,7 +16819,7 @@
         <p:spPr>
           <a:xfrm>
             <a:off x="686160" y="0"/>
-            <a:ext cx="10965960" cy="1138320"/>
+            <a:ext cx="10964520" cy="1136880"/>
           </a:xfrm>
           <a:prstGeom prst="rect">
             <a:avLst/>
@@ -16885,7 +16885,7 @@
         <p:spPr>
           <a:xfrm>
             <a:off x="228600" y="1600200"/>
-            <a:ext cx="3653640" cy="1596240"/>
+            <a:ext cx="3652200" cy="1594800"/>
           </a:xfrm>
           <a:prstGeom prst="rect">
             <a:avLst/>
@@ -16909,7 +16909,7 @@
             <a:noAutofit/>
           </a:bodyPr>
           <a:p>
-            <a:pPr marL="432000" indent="-320760">
+            <a:pPr marL="432000" indent="-319320">
               <a:lnSpc>
                 <a:spcPct val="100000"/>
               </a:lnSpc>
@@ -17008,7 +17008,7 @@
         <p:spPr>
           <a:xfrm>
             <a:off x="10515600" y="6202080"/>
-            <a:ext cx="1593360" cy="420480"/>
+            <a:ext cx="1591920" cy="419040"/>
           </a:xfrm>
           <a:prstGeom prst="rect">
             <a:avLst/>
@@ -17034,7 +17034,7 @@
                 <a:spcPct val="100000"/>
               </a:lnSpc>
             </a:pPr>
-            <a:fld id="{12548AB1-39B2-4D52-ACD0-3F1F902E4765}" type="slidenum">
+            <a:fld id="{AE49DE8A-68FE-4595-A1E6-46F06B599D6E}" type="slidenum">
               <a:rPr b="0" lang="en-US" sz="1600" spc="-1" strike="noStrike">
                 <a:solidFill>
                   <a:srgbClr val="000000"/>
@@ -17063,7 +17063,7 @@
         <p:spPr>
           <a:xfrm>
             <a:off x="8258400" y="1600200"/>
-            <a:ext cx="3853440" cy="4339440"/>
+            <a:ext cx="3852000" cy="4338000"/>
           </a:xfrm>
           <a:prstGeom prst="rect">
             <a:avLst/>
@@ -17089,7 +17089,7 @@
         <p:spPr>
           <a:xfrm>
             <a:off x="4064400" y="1600200"/>
-            <a:ext cx="4072320" cy="4339440"/>
+            <a:ext cx="4070880" cy="4338000"/>
           </a:xfrm>
           <a:prstGeom prst="rect">
             <a:avLst/>
@@ -17141,7 +17141,7 @@
         <p:spPr>
           <a:xfrm>
             <a:off x="686160" y="0"/>
-            <a:ext cx="10965960" cy="1138320"/>
+            <a:ext cx="10964520" cy="1136880"/>
           </a:xfrm>
           <a:prstGeom prst="rect">
             <a:avLst/>
@@ -17217,7 +17217,7 @@
         <p:spPr>
           <a:xfrm>
             <a:off x="228600" y="1600200"/>
-            <a:ext cx="4795200" cy="2280600"/>
+            <a:ext cx="4793760" cy="2279160"/>
           </a:xfrm>
           <a:prstGeom prst="rect">
             <a:avLst/>
@@ -17241,7 +17241,7 @@
             <a:noAutofit/>
           </a:bodyPr>
           <a:p>
-            <a:pPr marL="432000" indent="-320760">
+            <a:pPr marL="432000" indent="-319320">
               <a:lnSpc>
                 <a:spcPct val="100000"/>
               </a:lnSpc>
@@ -17270,7 +17270,7 @@
             </a:endParaRPr>
           </a:p>
           <a:p>
-            <a:pPr marL="432000" indent="-320760">
+            <a:pPr marL="432000" indent="-319320">
               <a:lnSpc>
                 <a:spcPct val="100000"/>
               </a:lnSpc>
@@ -17299,7 +17299,7 @@
             </a:endParaRPr>
           </a:p>
           <a:p>
-            <a:pPr lvl="1" marL="864000" indent="-320760">
+            <a:pPr lvl="1" marL="864000" indent="-319320">
               <a:lnSpc>
                 <a:spcPct val="100000"/>
               </a:lnSpc>
@@ -17328,7 +17328,7 @@
             </a:endParaRPr>
           </a:p>
           <a:p>
-            <a:pPr lvl="1" marL="864000" indent="-320760">
+            <a:pPr lvl="1" marL="864000" indent="-319320">
               <a:lnSpc>
                 <a:spcPct val="100000"/>
               </a:lnSpc>
@@ -17357,7 +17357,7 @@
             </a:endParaRPr>
           </a:p>
           <a:p>
-            <a:pPr marL="432000" indent="-320760">
+            <a:pPr marL="432000" indent="-319320">
               <a:lnSpc>
                 <a:spcPct val="100000"/>
               </a:lnSpc>
@@ -17416,7 +17416,7 @@
         <p:spPr>
           <a:xfrm>
             <a:off x="10515600" y="6202080"/>
-            <a:ext cx="1593360" cy="420480"/>
+            <a:ext cx="1591920" cy="419040"/>
           </a:xfrm>
           <a:prstGeom prst="rect">
             <a:avLst/>
@@ -17442,7 +17442,7 @@
                 <a:spcPct val="100000"/>
               </a:lnSpc>
             </a:pPr>
-            <a:fld id="{96C69DB8-9C82-427A-AF8C-D678593B0C0C}" type="slidenum">
+            <a:fld id="{AF8F027D-11DB-48C5-AD83-616C6F063F6F}" type="slidenum">
               <a:rPr b="0" lang="en-US" sz="1600" spc="-1" strike="noStrike">
                 <a:solidFill>
                   <a:srgbClr val="000000"/>
@@ -17471,7 +17471,7 @@
         <p:spPr>
           <a:xfrm>
             <a:off x="228600" y="4114800"/>
-            <a:ext cx="2946960" cy="1985040"/>
+            <a:ext cx="2945520" cy="1983600"/>
           </a:xfrm>
           <a:prstGeom prst="rect">
             <a:avLst/>
@@ -17494,7 +17494,7 @@
         <p:spPr>
           <a:xfrm>
             <a:off x="6629400" y="1771920"/>
-            <a:ext cx="2156400" cy="1423080"/>
+            <a:ext cx="2154960" cy="1421640"/>
           </a:xfrm>
           <a:prstGeom prst="rect">
             <a:avLst/>
@@ -17520,7 +17520,7 @@
         <p:spPr>
           <a:xfrm>
             <a:off x="9258480" y="1828800"/>
-            <a:ext cx="1938600" cy="3824280"/>
+            <a:ext cx="1937160" cy="3822840"/>
           </a:xfrm>
           <a:prstGeom prst="rect">
             <a:avLst/>
@@ -17572,7 +17572,7 @@
         <p:spPr>
           <a:xfrm>
             <a:off x="686160" y="0"/>
-            <a:ext cx="10965960" cy="1138320"/>
+            <a:ext cx="10964520" cy="1136880"/>
           </a:xfrm>
           <a:prstGeom prst="rect">
             <a:avLst/>
@@ -17648,7 +17648,7 @@
         <p:spPr>
           <a:xfrm>
             <a:off x="228600" y="1600200"/>
-            <a:ext cx="5023800" cy="2509200"/>
+            <a:ext cx="5022360" cy="2507760"/>
           </a:xfrm>
           <a:prstGeom prst="rect">
             <a:avLst/>
@@ -17672,7 +17672,7 @@
             <a:noAutofit/>
           </a:bodyPr>
           <a:p>
-            <a:pPr marL="432000" indent="-320760">
+            <a:pPr marL="432000" indent="-319320">
               <a:lnSpc>
                 <a:spcPct val="100000"/>
               </a:lnSpc>
@@ -17701,7 +17701,7 @@
             </a:endParaRPr>
           </a:p>
           <a:p>
-            <a:pPr marL="432000" indent="-320760">
+            <a:pPr marL="432000" indent="-319320">
               <a:lnSpc>
                 <a:spcPct val="100000"/>
               </a:lnSpc>
@@ -17730,7 +17730,7 @@
             </a:endParaRPr>
           </a:p>
           <a:p>
-            <a:pPr lvl="1" marL="864000" indent="-320760">
+            <a:pPr lvl="1" marL="864000" indent="-319320">
               <a:lnSpc>
                 <a:spcPct val="100000"/>
               </a:lnSpc>
@@ -17759,7 +17759,7 @@
             </a:endParaRPr>
           </a:p>
           <a:p>
-            <a:pPr lvl="1" marL="864000" indent="-320760">
+            <a:pPr lvl="1" marL="864000" indent="-319320">
               <a:lnSpc>
                 <a:spcPct val="100000"/>
               </a:lnSpc>
@@ -17788,7 +17788,7 @@
             </a:endParaRPr>
           </a:p>
           <a:p>
-            <a:pPr marL="432000" indent="-320760">
+            <a:pPr marL="432000" indent="-319320">
               <a:lnSpc>
                 <a:spcPct val="100000"/>
               </a:lnSpc>
@@ -17847,7 +17847,7 @@
         <p:spPr>
           <a:xfrm>
             <a:off x="10515600" y="6202080"/>
-            <a:ext cx="1593360" cy="420480"/>
+            <a:ext cx="1591920" cy="419040"/>
           </a:xfrm>
           <a:prstGeom prst="rect">
             <a:avLst/>
@@ -17873,7 +17873,7 @@
                 <a:spcPct val="100000"/>
               </a:lnSpc>
             </a:pPr>
-            <a:fld id="{8832E53C-EE9E-4C88-B97B-063FDB3675E9}" type="slidenum">
+            <a:fld id="{B38525BA-3727-457E-87AB-55A1294763E7}" type="slidenum">
               <a:rPr b="0" lang="en-US" sz="1600" spc="-1" strike="noStrike">
                 <a:solidFill>
                   <a:srgbClr val="000000"/>
@@ -17902,7 +17902,7 @@
         <p:spPr>
           <a:xfrm>
             <a:off x="6858000" y="1595520"/>
-            <a:ext cx="1937520" cy="1175400"/>
+            <a:ext cx="1936080" cy="1173960"/>
           </a:xfrm>
           <a:prstGeom prst="rect">
             <a:avLst/>
@@ -17928,7 +17928,7 @@
         <p:spPr>
           <a:xfrm>
             <a:off x="486000" y="4343400"/>
-            <a:ext cx="2480400" cy="1985040"/>
+            <a:ext cx="2478960" cy="1983600"/>
           </a:xfrm>
           <a:prstGeom prst="rect">
             <a:avLst/>
@@ -17951,7 +17951,7 @@
         <p:spPr>
           <a:xfrm>
             <a:off x="9372600" y="1600200"/>
-            <a:ext cx="1938600" cy="4043520"/>
+            <a:ext cx="1937160" cy="4042080"/>
           </a:xfrm>
           <a:prstGeom prst="rect">
             <a:avLst/>
@@ -18003,7 +18003,7 @@
         <p:spPr>
           <a:xfrm>
             <a:off x="686160" y="0"/>
-            <a:ext cx="10965960" cy="1138320"/>
+            <a:ext cx="10964520" cy="1136880"/>
           </a:xfrm>
           <a:prstGeom prst="rect">
             <a:avLst/>
@@ -18069,7 +18069,7 @@
         <p:spPr>
           <a:xfrm>
             <a:off x="-228600" y="1371600"/>
-            <a:ext cx="4110120" cy="5024520"/>
+            <a:ext cx="4108680" cy="5023080"/>
           </a:xfrm>
           <a:prstGeom prst="rect">
             <a:avLst/>
@@ -18093,7 +18093,7 @@
             <a:noAutofit/>
           </a:bodyPr>
           <a:p>
-            <a:pPr marL="432000" indent="-320760">
+            <a:pPr marL="432000" indent="-319320">
               <a:lnSpc>
                 <a:spcPct val="100000"/>
               </a:lnSpc>
@@ -18122,7 +18122,7 @@
             </a:endParaRPr>
           </a:p>
           <a:p>
-            <a:pPr lvl="1" marL="864000" indent="-320760">
+            <a:pPr lvl="1" marL="864000" indent="-319320">
               <a:lnSpc>
                 <a:spcPct val="100000"/>
               </a:lnSpc>
@@ -18161,7 +18161,7 @@
             </a:endParaRPr>
           </a:p>
           <a:p>
-            <a:pPr lvl="1" marL="864000" indent="-320760">
+            <a:pPr lvl="1" marL="864000" indent="-319320">
               <a:lnSpc>
                 <a:spcPct val="100000"/>
               </a:lnSpc>
@@ -18190,7 +18190,7 @@
             </a:endParaRPr>
           </a:p>
           <a:p>
-            <a:pPr lvl="1" marL="864000" indent="-320760">
+            <a:pPr lvl="1" marL="864000" indent="-319320">
               <a:lnSpc>
                 <a:spcPct val="100000"/>
               </a:lnSpc>
@@ -18219,7 +18219,7 @@
             </a:endParaRPr>
           </a:p>
           <a:p>
-            <a:pPr marL="432000" indent="-320760">
+            <a:pPr marL="432000" indent="-319320">
               <a:lnSpc>
                 <a:spcPct val="100000"/>
               </a:lnSpc>
@@ -18248,7 +18248,7 @@
             </a:endParaRPr>
           </a:p>
           <a:p>
-            <a:pPr lvl="1" marL="864000" indent="-320760">
+            <a:pPr lvl="1" marL="864000" indent="-319320">
               <a:lnSpc>
                 <a:spcPct val="100000"/>
               </a:lnSpc>
@@ -18277,7 +18277,7 @@
             </a:endParaRPr>
           </a:p>
           <a:p>
-            <a:pPr lvl="1" marL="864000" indent="-320760">
+            <a:pPr lvl="1" marL="864000" indent="-319320">
               <a:lnSpc>
                 <a:spcPct val="100000"/>
               </a:lnSpc>
@@ -18306,7 +18306,7 @@
             </a:endParaRPr>
           </a:p>
           <a:p>
-            <a:pPr lvl="1" marL="864000" indent="-320760">
+            <a:pPr lvl="1" marL="864000" indent="-319320">
               <a:lnSpc>
                 <a:spcPct val="100000"/>
               </a:lnSpc>
@@ -18345,7 +18345,7 @@
         <p:spPr>
           <a:xfrm>
             <a:off x="10515600" y="6202080"/>
-            <a:ext cx="1593360" cy="420480"/>
+            <a:ext cx="1591920" cy="419040"/>
           </a:xfrm>
           <a:prstGeom prst="rect">
             <a:avLst/>
@@ -18371,7 +18371,7 @@
                 <a:spcPct val="100000"/>
               </a:lnSpc>
             </a:pPr>
-            <a:fld id="{DB1141C6-46FD-4906-97CE-CF6E5FAF2560}" type="slidenum">
+            <a:fld id="{8A335B8A-EABA-4C4B-B087-BF44D5C318D2}" type="slidenum">
               <a:rPr b="0" lang="en-US" sz="1600" spc="-1" strike="noStrike">
                 <a:solidFill>
                   <a:srgbClr val="000000"/>
@@ -18400,7 +18400,7 @@
         <p:spPr>
           <a:xfrm>
             <a:off x="4114800" y="1371600"/>
-            <a:ext cx="3795120" cy="4796280"/>
+            <a:ext cx="3793680" cy="4794840"/>
           </a:xfrm>
           <a:prstGeom prst="rect">
             <a:avLst/>
@@ -18426,7 +18426,7 @@
         <p:spPr>
           <a:xfrm>
             <a:off x="8353800" y="1371600"/>
-            <a:ext cx="3300480" cy="4796280"/>
+            <a:ext cx="3299040" cy="4794840"/>
           </a:xfrm>
           <a:prstGeom prst="rect">
             <a:avLst/>
@@ -18478,7 +18478,7 @@
         <p:spPr>
           <a:xfrm>
             <a:off x="686160" y="0"/>
-            <a:ext cx="10965960" cy="1138320"/>
+            <a:ext cx="10964520" cy="1136880"/>
           </a:xfrm>
           <a:prstGeom prst="rect">
             <a:avLst/>
@@ -18544,7 +18544,7 @@
         <p:spPr>
           <a:xfrm>
             <a:off x="10515600" y="6202080"/>
-            <a:ext cx="1593360" cy="420480"/>
+            <a:ext cx="1591920" cy="419040"/>
           </a:xfrm>
           <a:prstGeom prst="rect">
             <a:avLst/>
@@ -18570,7 +18570,7 @@
                 <a:spcPct val="100000"/>
               </a:lnSpc>
             </a:pPr>
-            <a:fld id="{332BF43D-004B-422E-B2CC-BE012158F1AF}" type="slidenum">
+            <a:fld id="{E685647E-BFB1-4CC2-AB0F-D638F05F9E38}" type="slidenum">
               <a:rPr b="0" lang="en-US" sz="1600" spc="-1" strike="noStrike">
                 <a:solidFill>
                   <a:srgbClr val="000000"/>
@@ -18599,7 +18599,7 @@
         <p:spPr>
           <a:xfrm>
             <a:off x="2743200" y="1142640"/>
-            <a:ext cx="3319560" cy="5253840"/>
+            <a:ext cx="3318120" cy="5252400"/>
           </a:xfrm>
           <a:prstGeom prst="rect">
             <a:avLst/>
@@ -18651,7 +18651,7 @@
         <p:spPr>
           <a:xfrm>
             <a:off x="686160" y="0"/>
-            <a:ext cx="10965960" cy="1138320"/>
+            <a:ext cx="10964520" cy="1136880"/>
           </a:xfrm>
           <a:prstGeom prst="rect">
             <a:avLst/>
@@ -18717,7 +18717,7 @@
         <p:spPr>
           <a:xfrm>
             <a:off x="228600" y="1371600"/>
-            <a:ext cx="3423960" cy="3423960"/>
+            <a:ext cx="3422520" cy="3422520"/>
           </a:xfrm>
           <a:prstGeom prst="rect">
             <a:avLst/>
@@ -18741,7 +18741,7 @@
             <a:noAutofit/>
           </a:bodyPr>
           <a:p>
-            <a:pPr marL="432000" indent="-320760">
+            <a:pPr marL="432000" indent="-319320">
               <a:lnSpc>
                 <a:spcPct val="100000"/>
               </a:lnSpc>
@@ -18800,7 +18800,7 @@
         <p:spPr>
           <a:xfrm>
             <a:off x="10515600" y="6202080"/>
-            <a:ext cx="1593360" cy="420480"/>
+            <a:ext cx="1591920" cy="419040"/>
           </a:xfrm>
           <a:prstGeom prst="rect">
             <a:avLst/>
@@ -18826,7 +18826,7 @@
                 <a:spcPct val="100000"/>
               </a:lnSpc>
             </a:pPr>
-            <a:fld id="{44B7DF3A-CF66-428F-B1D2-916A717AB9D6}" type="slidenum">
+            <a:fld id="{16194544-19B7-46AA-8E36-960677242478}" type="slidenum">
               <a:rPr b="0" lang="en-US" sz="1600" spc="-1" strike="noStrike">
                 <a:solidFill>
                   <a:srgbClr val="000000"/>
@@ -18855,7 +18855,7 @@
         <p:spPr>
           <a:xfrm>
             <a:off x="3762720" y="1371600"/>
-            <a:ext cx="4233960" cy="4566600"/>
+            <a:ext cx="4232520" cy="4565160"/>
           </a:xfrm>
           <a:prstGeom prst="rect">
             <a:avLst/>
@@ -18881,7 +18881,7 @@
         <p:spPr>
           <a:xfrm>
             <a:off x="8321040" y="1371600"/>
-            <a:ext cx="3092400" cy="4569120"/>
+            <a:ext cx="3090960" cy="4567680"/>
           </a:xfrm>
           <a:prstGeom prst="rect">
             <a:avLst/>
@@ -18933,7 +18933,7 @@
         <p:spPr>
           <a:xfrm>
             <a:off x="686160" y="0"/>
-            <a:ext cx="10965960" cy="1138320"/>
+            <a:ext cx="10964520" cy="1136880"/>
           </a:xfrm>
           <a:prstGeom prst="rect">
             <a:avLst/>
@@ -18999,7 +18999,7 @@
         <p:spPr>
           <a:xfrm>
             <a:off x="228600" y="1371600"/>
-            <a:ext cx="5072040" cy="1551600"/>
+            <a:ext cx="5070600" cy="1550160"/>
           </a:xfrm>
           <a:prstGeom prst="rect">
             <a:avLst/>
@@ -19023,7 +19023,7 @@
             <a:noAutofit/>
           </a:bodyPr>
           <a:p>
-            <a:pPr marL="432000" indent="-320760">
+            <a:pPr marL="432000" indent="-319320">
               <a:lnSpc>
                 <a:spcPct val="100000"/>
               </a:lnSpc>
@@ -19052,7 +19052,7 @@
             </a:endParaRPr>
           </a:p>
           <a:p>
-            <a:pPr marL="432000" indent="-320760">
+            <a:pPr marL="432000" indent="-319320">
               <a:lnSpc>
                 <a:spcPct val="100000"/>
               </a:lnSpc>
@@ -19081,7 +19081,7 @@
             </a:endParaRPr>
           </a:p>
           <a:p>
-            <a:pPr marL="432000" indent="-320760">
+            <a:pPr marL="432000" indent="-319320">
               <a:lnSpc>
                 <a:spcPct val="100000"/>
               </a:lnSpc>
@@ -19120,7 +19120,7 @@
         <p:spPr>
           <a:xfrm>
             <a:off x="10515600" y="6202080"/>
-            <a:ext cx="1593360" cy="420480"/>
+            <a:ext cx="1591920" cy="419040"/>
           </a:xfrm>
           <a:prstGeom prst="rect">
             <a:avLst/>
@@ -19146,7 +19146,7 @@
                 <a:spcPct val="100000"/>
               </a:lnSpc>
             </a:pPr>
-            <a:fld id="{05F62E6A-7FEE-42F7-B987-1E70208A9685}" type="slidenum">
+            <a:fld id="{FEAE57D1-69D9-4998-A60E-B8A944B85C63}" type="slidenum">
               <a:rPr b="0" lang="en-US" sz="1600" spc="-1" strike="noStrike">
                 <a:solidFill>
                   <a:srgbClr val="000000"/>
@@ -19175,7 +19175,7 @@
         <p:spPr>
           <a:xfrm>
             <a:off x="5945040" y="1421640"/>
-            <a:ext cx="3655080" cy="4610880"/>
+            <a:ext cx="3653640" cy="4609440"/>
           </a:xfrm>
           <a:prstGeom prst="rect">
             <a:avLst/>
@@ -19230,7 +19230,7 @@
         <p:spPr>
           <a:xfrm>
             <a:off x="686160" y="0"/>
-            <a:ext cx="10965960" cy="1138320"/>
+            <a:ext cx="10964520" cy="1136880"/>
           </a:xfrm>
           <a:prstGeom prst="rect">
             <a:avLst/>
@@ -19296,7 +19296,7 @@
         <p:spPr>
           <a:xfrm>
             <a:off x="685800" y="1600200"/>
-            <a:ext cx="7452000" cy="911160"/>
+            <a:ext cx="7450560" cy="909720"/>
           </a:xfrm>
           <a:prstGeom prst="rect">
             <a:avLst/>
@@ -19320,7 +19320,7 @@
             <a:noAutofit/>
           </a:bodyPr>
           <a:p>
-            <a:pPr marL="432000" indent="-320760">
+            <a:pPr marL="432000" indent="-319320">
               <a:lnSpc>
                 <a:spcPct val="100000"/>
               </a:lnSpc>
@@ -19347,7 +19347,7 @@
             <a:r>
               <a:rPr b="0" lang="en-US" sz="1800" spc="-1" strike="noStrike" u="sng">
                 <a:solidFill>
-                  <a:srgbClr val="000000"/>
+                  <a:srgbClr val="0094d5"/>
                 </a:solidFill>
                 <a:highlight>
                   <a:srgbClr val="eeeeee"/>
@@ -19364,6 +19364,9 @@
                 <a:solidFill>
                   <a:srgbClr val="3c3e41"/>
                 </a:solidFill>
+                <a:highlight>
+                  <a:srgbClr val="eeeeee"/>
+                </a:highlight>
                 <a:latin typeface="Arial"/>
                 <a:ea typeface="DejaVu Sans"/>
               </a:rPr>
@@ -19374,7 +19377,7 @@
             </a:endParaRPr>
           </a:p>
           <a:p>
-            <a:pPr marL="432000" indent="-320760">
+            <a:pPr marL="432000" indent="-319320">
               <a:lnSpc>
                 <a:spcPct val="100000"/>
               </a:lnSpc>
@@ -19393,6 +19396,9 @@
                 <a:solidFill>
                   <a:srgbClr val="3c3e41"/>
                 </a:solidFill>
+                <a:highlight>
+                  <a:srgbClr val="eeeeee"/>
+                </a:highlight>
                 <a:latin typeface="Arial"/>
                 <a:ea typeface="DejaVu Sans"/>
               </a:rPr>
@@ -19426,7 +19432,7 @@
         <p:spPr>
           <a:xfrm>
             <a:off x="10515600" y="6202080"/>
-            <a:ext cx="1593360" cy="420480"/>
+            <a:ext cx="1591920" cy="419040"/>
           </a:xfrm>
           <a:prstGeom prst="rect">
             <a:avLst/>
@@ -19452,7 +19458,7 @@
                 <a:spcPct val="100000"/>
               </a:lnSpc>
             </a:pPr>
-            <a:fld id="{E17DB3C3-4526-4D46-8589-3F7EE39F0E6C}" type="slidenum">
+            <a:fld id="{3725A758-6FB9-4C7E-82AB-E0C39FDE598D}" type="slidenum">
               <a:rPr b="0" lang="en-US" sz="1600" spc="-1" strike="noStrike">
                 <a:solidFill>
                   <a:srgbClr val="000000"/>
@@ -19481,7 +19487,7 @@
         <p:spPr>
           <a:xfrm>
             <a:off x="724320" y="2971800"/>
-            <a:ext cx="4530240" cy="1714320"/>
+            <a:ext cx="4528800" cy="1712880"/>
           </a:xfrm>
           <a:prstGeom prst="rect">
             <a:avLst/>
@@ -19533,7 +19539,7 @@
         <p:spPr>
           <a:xfrm>
             <a:off x="686160" y="0"/>
-            <a:ext cx="10965960" cy="1138320"/>
+            <a:ext cx="10964520" cy="1136880"/>
           </a:xfrm>
           <a:prstGeom prst="rect">
             <a:avLst/>
@@ -19599,7 +19605,7 @@
         <p:spPr>
           <a:xfrm>
             <a:off x="228600" y="1371600"/>
-            <a:ext cx="8454960" cy="911160"/>
+            <a:ext cx="8453520" cy="909720"/>
           </a:xfrm>
           <a:prstGeom prst="rect">
             <a:avLst/>
@@ -19623,7 +19629,7 @@
             <a:noAutofit/>
           </a:bodyPr>
           <a:p>
-            <a:pPr marL="216000" indent="-216000">
+            <a:pPr marL="216000" indent="-214560">
               <a:lnSpc>
                 <a:spcPct val="100000"/>
               </a:lnSpc>
@@ -19633,7 +19639,7 @@
               <a:buClr>
                 <a:srgbClr val="3c3e41"/>
               </a:buClr>
-              <a:buFont typeface="Symbol" charset="2"/>
+              <a:buFont typeface="Symbol"/>
               <a:buChar char=""/>
             </a:pPr>
             <a:r>
@@ -19649,7 +19655,7 @@
             <a:r>
               <a:rPr b="0" lang="en-US" sz="1800" spc="-1" strike="noStrike" u="sng">
                 <a:solidFill>
-                  <a:srgbClr val="000000"/>
+                  <a:srgbClr val="0094d5"/>
                 </a:solidFill>
                 <a:highlight>
                   <a:srgbClr val="eeeeee"/>
@@ -19666,6 +19672,9 @@
                 <a:solidFill>
                   <a:srgbClr val="3c3e41"/>
                 </a:solidFill>
+                <a:highlight>
+                  <a:srgbClr val="eeeeee"/>
+                </a:highlight>
                 <a:latin typeface="Arial"/>
                 <a:ea typeface="DejaVu Sans"/>
               </a:rPr>
@@ -19676,7 +19685,7 @@
             </a:endParaRPr>
           </a:p>
           <a:p>
-            <a:pPr marL="216000" indent="-216000">
+            <a:pPr marL="216000" indent="-214560">
               <a:lnSpc>
                 <a:spcPct val="100000"/>
               </a:lnSpc>
@@ -19686,7 +19695,7 @@
               <a:buClr>
                 <a:srgbClr val="3c3e41"/>
               </a:buClr>
-              <a:buFont typeface="Symbol" charset="2"/>
+              <a:buFont typeface="Symbol"/>
               <a:buChar char=""/>
             </a:pPr>
             <a:r>
@@ -19694,6 +19703,9 @@
                 <a:solidFill>
                   <a:srgbClr val="3c3e41"/>
                 </a:solidFill>
+                <a:highlight>
+                  <a:srgbClr val="eeeeee"/>
+                </a:highlight>
                 <a:latin typeface="Arial"/>
                 <a:ea typeface="DejaVu Sans"/>
               </a:rPr>
@@ -19714,7 +19726,7 @@
         <p:spPr>
           <a:xfrm>
             <a:off x="10515600" y="6202080"/>
-            <a:ext cx="1593360" cy="420480"/>
+            <a:ext cx="1591920" cy="419040"/>
           </a:xfrm>
           <a:prstGeom prst="rect">
             <a:avLst/>
@@ -19740,7 +19752,7 @@
                 <a:spcPct val="100000"/>
               </a:lnSpc>
             </a:pPr>
-            <a:fld id="{2BF429B6-6BF8-4523-A230-57A09E264F57}" type="slidenum">
+            <a:fld id="{2B1D1919-75BD-42B7-8194-4F5DDB548091}" type="slidenum">
               <a:rPr b="0" lang="en-US" sz="1600" spc="-1" strike="noStrike">
                 <a:solidFill>
                   <a:srgbClr val="000000"/>
@@ -19769,7 +19781,7 @@
         <p:spPr>
           <a:xfrm>
             <a:off x="228600" y="2355480"/>
-            <a:ext cx="8454960" cy="2213280"/>
+            <a:ext cx="8453520" cy="2211840"/>
           </a:xfrm>
           <a:prstGeom prst="rect">
             <a:avLst/>
@@ -19795,7 +19807,7 @@
         <p:spPr>
           <a:xfrm>
             <a:off x="8828640" y="1141560"/>
-            <a:ext cx="3030120" cy="5256000"/>
+            <a:ext cx="3028680" cy="5254560"/>
           </a:xfrm>
           <a:prstGeom prst="rect">
             <a:avLst/>
@@ -19847,7 +19859,7 @@
         <p:spPr>
           <a:xfrm>
             <a:off x="3429000" y="376920"/>
-            <a:ext cx="5703120" cy="530640"/>
+            <a:ext cx="5701680" cy="529200"/>
           </a:xfrm>
           <a:prstGeom prst="rect">
             <a:avLst/>
@@ -19901,7 +19913,7 @@
         <p:spPr>
           <a:xfrm>
             <a:off x="10515600" y="6202080"/>
-            <a:ext cx="1593360" cy="420480"/>
+            <a:ext cx="1591920" cy="419040"/>
           </a:xfrm>
           <a:prstGeom prst="rect">
             <a:avLst/>
@@ -19927,7 +19939,7 @@
                 <a:spcPct val="100000"/>
               </a:lnSpc>
             </a:pPr>
-            <a:fld id="{27B8CF63-F4C7-4E48-B4AC-A79A22161885}" type="slidenum">
+            <a:fld id="{31BF43A9-C126-4465-9F94-9266D9C58AAE}" type="slidenum">
               <a:rPr b="0" lang="en-US" sz="1600" spc="-1" strike="noStrike">
                 <a:solidFill>
                   <a:srgbClr val="000000"/>
@@ -19956,7 +19968,7 @@
         <p:spPr>
           <a:xfrm>
             <a:off x="4114800" y="2105280"/>
-            <a:ext cx="4642920" cy="3147480"/>
+            <a:ext cx="4641480" cy="3146040"/>
           </a:xfrm>
           <a:prstGeom prst="rect">
             <a:avLst/>
@@ -20005,7 +20017,7 @@
         <p:spPr>
           <a:xfrm>
             <a:off x="5809320" y="1506960"/>
-            <a:ext cx="5208120" cy="3836160"/>
+            <a:ext cx="5206680" cy="3834720"/>
           </a:xfrm>
           <a:prstGeom prst="rect">
             <a:avLst/>
@@ -20026,7 +20038,7 @@
             <a:noAutofit/>
           </a:bodyPr>
           <a:p>
-            <a:pPr marL="343080" indent="-339840">
+            <a:pPr marL="343080" indent="-338400">
               <a:lnSpc>
                 <a:spcPct val="90000"/>
               </a:lnSpc>
@@ -20054,7 +20066,7 @@
             </a:endParaRPr>
           </a:p>
           <a:p>
-            <a:pPr lvl="1" marL="800280" indent="-339840">
+            <a:pPr lvl="1" marL="800280" indent="-338400">
               <a:lnSpc>
                 <a:spcPct val="90000"/>
               </a:lnSpc>
@@ -20082,7 +20094,7 @@
             </a:endParaRPr>
           </a:p>
           <a:p>
-            <a:pPr lvl="1" marL="800280" indent="-339840">
+            <a:pPr lvl="1" marL="800280" indent="-338400">
               <a:lnSpc>
                 <a:spcPct val="90000"/>
               </a:lnSpc>
@@ -20110,7 +20122,7 @@
             </a:endParaRPr>
           </a:p>
           <a:p>
-            <a:pPr marL="343080" indent="-339840">
+            <a:pPr marL="343080" indent="-338400">
               <a:lnSpc>
                 <a:spcPct val="90000"/>
               </a:lnSpc>
@@ -20138,7 +20150,7 @@
             </a:endParaRPr>
           </a:p>
           <a:p>
-            <a:pPr marL="343080" indent="-339840">
+            <a:pPr marL="343080" indent="-338400">
               <a:lnSpc>
                 <a:spcPct val="90000"/>
               </a:lnSpc>
@@ -20166,7 +20178,7 @@
             </a:endParaRPr>
           </a:p>
           <a:p>
-            <a:pPr lvl="1" marL="800280" indent="-339840">
+            <a:pPr lvl="1" marL="800280" indent="-338400">
               <a:lnSpc>
                 <a:spcPct val="90000"/>
               </a:lnSpc>
@@ -20194,7 +20206,7 @@
             </a:endParaRPr>
           </a:p>
           <a:p>
-            <a:pPr lvl="1" marL="800280" indent="-339840">
+            <a:pPr lvl="1" marL="800280" indent="-338400">
               <a:lnSpc>
                 <a:spcPct val="90000"/>
               </a:lnSpc>
@@ -20222,7 +20234,7 @@
             </a:endParaRPr>
           </a:p>
           <a:p>
-            <a:pPr lvl="1" marL="800280" indent="-339840">
+            <a:pPr lvl="1" marL="800280" indent="-338400">
               <a:lnSpc>
                 <a:spcPct val="90000"/>
               </a:lnSpc>
@@ -20250,7 +20262,7 @@
             </a:endParaRPr>
           </a:p>
           <a:p>
-            <a:pPr lvl="1" marL="800280" indent="-339840">
+            <a:pPr lvl="1" marL="800280" indent="-338400">
               <a:lnSpc>
                 <a:spcPct val="90000"/>
               </a:lnSpc>
@@ -20278,7 +20290,7 @@
             </a:endParaRPr>
           </a:p>
           <a:p>
-            <a:pPr lvl="1" marL="800280" indent="-339840">
+            <a:pPr lvl="1" marL="800280" indent="-338400">
               <a:lnSpc>
                 <a:spcPct val="90000"/>
               </a:lnSpc>
@@ -20306,7 +20318,7 @@
             </a:endParaRPr>
           </a:p>
           <a:p>
-            <a:pPr lvl="1" marL="800280" indent="-339840">
+            <a:pPr lvl="1" marL="800280" indent="-338400">
               <a:lnSpc>
                 <a:spcPct val="90000"/>
               </a:lnSpc>
@@ -20334,7 +20346,7 @@
             </a:endParaRPr>
           </a:p>
           <a:p>
-            <a:pPr lvl="1" marL="800280" indent="-339840">
+            <a:pPr lvl="1" marL="800280" indent="-338400">
               <a:lnSpc>
                 <a:spcPct val="90000"/>
               </a:lnSpc>
@@ -20362,7 +20374,7 @@
             </a:endParaRPr>
           </a:p>
           <a:p>
-            <a:pPr marL="343080" indent="-339840">
+            <a:pPr marL="343080" indent="-338400">
               <a:lnSpc>
                 <a:spcPct val="90000"/>
               </a:lnSpc>
@@ -20390,7 +20402,7 @@
             </a:endParaRPr>
           </a:p>
           <a:p>
-            <a:pPr lvl="1" marL="800280" indent="-339840">
+            <a:pPr lvl="1" marL="800280" indent="-338400">
               <a:lnSpc>
                 <a:spcPct val="90000"/>
               </a:lnSpc>
@@ -20418,7 +20430,7 @@
             </a:endParaRPr>
           </a:p>
           <a:p>
-            <a:pPr lvl="1" marL="800280" indent="-339840">
+            <a:pPr lvl="1" marL="800280" indent="-338400">
               <a:lnSpc>
                 <a:spcPct val="90000"/>
               </a:lnSpc>
@@ -20529,7 +20541,7 @@
         <p:spPr>
           <a:xfrm>
             <a:off x="686160" y="0"/>
-            <a:ext cx="10965960" cy="1138320"/>
+            <a:ext cx="10964520" cy="1136880"/>
           </a:xfrm>
           <a:prstGeom prst="rect">
             <a:avLst/>
@@ -20595,7 +20607,7 @@
         <p:spPr>
           <a:xfrm>
             <a:off x="6761520" y="1600200"/>
-            <a:ext cx="5347800" cy="903600"/>
+            <a:ext cx="5346360" cy="902160"/>
           </a:xfrm>
           <a:prstGeom prst="rect">
             <a:avLst/>
@@ -20619,19 +20631,13 @@
             <a:noAutofit/>
           </a:bodyPr>
           <a:p>
-            <a:pPr marL="432000" indent="-320760">
+            <a:pPr>
               <a:lnSpc>
                 <a:spcPct val="100000"/>
               </a:lnSpc>
               <a:spcBef>
                 <a:spcPts val="1417"/>
               </a:spcBef>
-              <a:buClr>
-                <a:srgbClr val="000000"/>
-              </a:buClr>
-              <a:buSzPct val="45000"/>
-              <a:buFont typeface="Wingdings" charset="2"/>
-              <a:buChar char=""/>
             </a:pPr>
             <a:r>
               <a:rPr b="0" lang="en-US" sz="1800" spc="-1" strike="noStrike" u="sng">
@@ -20649,7 +20655,7 @@
             </a:endParaRPr>
           </a:p>
           <a:p>
-            <a:pPr marL="432000" indent="-320760">
+            <a:pPr marL="432000" indent="-319320">
               <a:lnSpc>
                 <a:spcPct val="100000"/>
               </a:lnSpc>
@@ -20709,7 +20715,7 @@
         <p:spPr>
           <a:xfrm>
             <a:off x="10515600" y="6202080"/>
-            <a:ext cx="1593360" cy="420480"/>
+            <a:ext cx="1591920" cy="419040"/>
           </a:xfrm>
           <a:prstGeom prst="rect">
             <a:avLst/>
@@ -20735,7 +20741,7 @@
                 <a:spcPct val="100000"/>
               </a:lnSpc>
             </a:pPr>
-            <a:fld id="{5D55DC83-F3D1-40F7-B0CB-73334AD3CBAC}" type="slidenum">
+            <a:fld id="{AA50C9E6-B8A1-4052-9242-12D361F02C73}" type="slidenum">
               <a:rPr b="0" lang="en-US" sz="1600" spc="-1" strike="noStrike">
                 <a:solidFill>
                   <a:srgbClr val="000000"/>
@@ -20760,7 +20766,7 @@
         <p:spPr>
           <a:xfrm>
             <a:off x="132120" y="1600200"/>
-            <a:ext cx="5347800" cy="903600"/>
+            <a:ext cx="5346360" cy="902160"/>
           </a:xfrm>
           <a:prstGeom prst="rect">
             <a:avLst/>
@@ -20783,19 +20789,13 @@
             <a:noAutofit/>
           </a:bodyPr>
           <a:p>
-            <a:pPr marL="432000" indent="-320760">
+            <a:pPr>
               <a:lnSpc>
                 <a:spcPct val="100000"/>
               </a:lnSpc>
               <a:spcBef>
                 <a:spcPts val="1417"/>
               </a:spcBef>
-              <a:buClr>
-                <a:srgbClr val="000000"/>
-              </a:buClr>
-              <a:buSzPct val="45000"/>
-              <a:buFont typeface="Wingdings" charset="2"/>
-              <a:buChar char=""/>
             </a:pPr>
             <a:r>
               <a:rPr b="0" lang="en-US" sz="1800" spc="-1" strike="noStrike" u="sng">
@@ -20813,7 +20813,7 @@
             </a:endParaRPr>
           </a:p>
           <a:p>
-            <a:pPr marL="432000" indent="-320760">
+            <a:pPr marL="432000" indent="-319320">
               <a:lnSpc>
                 <a:spcPct val="100000"/>
               </a:lnSpc>
@@ -20856,7 +20856,7 @@
         <p:spPr>
           <a:xfrm>
             <a:off x="1828800" y="2696040"/>
-            <a:ext cx="7327440" cy="3241080"/>
+            <a:ext cx="7326000" cy="3239640"/>
           </a:xfrm>
           <a:prstGeom prst="rect">
             <a:avLst/>
@@ -20905,7 +20905,7 @@
         <p:spPr>
           <a:xfrm>
             <a:off x="686160" y="0"/>
-            <a:ext cx="10965960" cy="1138320"/>
+            <a:ext cx="10964520" cy="1136880"/>
           </a:xfrm>
           <a:prstGeom prst="rect">
             <a:avLst/>
@@ -20971,7 +20971,7 @@
         <p:spPr>
           <a:xfrm>
             <a:off x="5593320" y="1611360"/>
-            <a:ext cx="6516000" cy="903600"/>
+            <a:ext cx="6514560" cy="902160"/>
           </a:xfrm>
           <a:prstGeom prst="rect">
             <a:avLst/>
@@ -20995,19 +20995,13 @@
             <a:noAutofit/>
           </a:bodyPr>
           <a:p>
-            <a:pPr marL="432000" indent="-320760">
+            <a:pPr>
               <a:lnSpc>
                 <a:spcPct val="100000"/>
               </a:lnSpc>
               <a:spcBef>
                 <a:spcPts val="1417"/>
               </a:spcBef>
-              <a:buClr>
-                <a:srgbClr val="000000"/>
-              </a:buClr>
-              <a:buSzPct val="45000"/>
-              <a:buFont typeface="Wingdings" charset="2"/>
-              <a:buChar char=""/>
             </a:pPr>
             <a:r>
               <a:rPr b="0" lang="en-US" sz="1800" spc="-1" strike="noStrike" u="sng">
@@ -21025,7 +21019,7 @@
             </a:endParaRPr>
           </a:p>
           <a:p>
-            <a:pPr marL="432000" indent="-320760">
+            <a:pPr marL="432000" indent="-319320">
               <a:lnSpc>
                 <a:spcPct val="100000"/>
               </a:lnSpc>
@@ -21064,7 +21058,7 @@
         <p:spPr>
           <a:xfrm>
             <a:off x="10515600" y="6202080"/>
-            <a:ext cx="1593360" cy="420480"/>
+            <a:ext cx="1591920" cy="419040"/>
           </a:xfrm>
           <a:prstGeom prst="rect">
             <a:avLst/>
@@ -21090,7 +21084,7 @@
                 <a:spcPct val="100000"/>
               </a:lnSpc>
             </a:pPr>
-            <a:fld id="{A5D27BA5-8631-47EA-84E4-3F98C7A5D628}" type="slidenum">
+            <a:fld id="{23EE7E91-1CB5-47D3-9751-92F1404F2FA1}" type="slidenum">
               <a:rPr b="0" lang="en-US" sz="1600" spc="-1" strike="noStrike">
                 <a:solidFill>
                   <a:srgbClr val="000000"/>
@@ -21115,7 +21109,7 @@
         <p:spPr>
           <a:xfrm>
             <a:off x="0" y="1600200"/>
-            <a:ext cx="5479920" cy="903600"/>
+            <a:ext cx="5478480" cy="902160"/>
           </a:xfrm>
           <a:prstGeom prst="rect">
             <a:avLst/>
@@ -21138,19 +21132,13 @@
             <a:noAutofit/>
           </a:bodyPr>
           <a:p>
-            <a:pPr marL="432000" indent="-320760">
+            <a:pPr>
               <a:lnSpc>
                 <a:spcPct val="100000"/>
               </a:lnSpc>
               <a:spcBef>
                 <a:spcPts val="1417"/>
               </a:spcBef>
-              <a:buClr>
-                <a:srgbClr val="000000"/>
-              </a:buClr>
-              <a:buSzPct val="45000"/>
-              <a:buFont typeface="Wingdings" charset="2"/>
-              <a:buChar char=""/>
             </a:pPr>
             <a:r>
               <a:rPr b="0" lang="en-US" sz="1800" spc="-1" strike="noStrike" u="sng">
@@ -21168,7 +21156,7 @@
             </a:endParaRPr>
           </a:p>
           <a:p>
-            <a:pPr marL="432000" indent="-320760">
+            <a:pPr marL="432000" indent="-319320">
               <a:lnSpc>
                 <a:spcPct val="100000"/>
               </a:lnSpc>
@@ -21211,7 +21199,7 @@
         <p:spPr>
           <a:xfrm>
             <a:off x="360" y="2692080"/>
-            <a:ext cx="11880360" cy="3609360"/>
+            <a:ext cx="11878920" cy="3607920"/>
           </a:xfrm>
           <a:prstGeom prst="rect">
             <a:avLst/>
@@ -21260,7 +21248,7 @@
         <p:spPr>
           <a:xfrm>
             <a:off x="686160" y="0"/>
-            <a:ext cx="10965960" cy="1138320"/>
+            <a:ext cx="10964520" cy="1136880"/>
           </a:xfrm>
           <a:prstGeom prst="rect">
             <a:avLst/>
@@ -21326,7 +21314,7 @@
         <p:spPr>
           <a:xfrm>
             <a:off x="5593320" y="1611360"/>
-            <a:ext cx="6516000" cy="903600"/>
+            <a:ext cx="6514560" cy="902160"/>
           </a:xfrm>
           <a:prstGeom prst="rect">
             <a:avLst/>
@@ -21350,19 +21338,13 @@
             <a:noAutofit/>
           </a:bodyPr>
           <a:p>
-            <a:pPr marL="432000" indent="-320760">
+            <a:pPr>
               <a:lnSpc>
                 <a:spcPct val="100000"/>
               </a:lnSpc>
               <a:spcBef>
                 <a:spcPts val="1417"/>
               </a:spcBef>
-              <a:buClr>
-                <a:srgbClr val="000000"/>
-              </a:buClr>
-              <a:buSzPct val="45000"/>
-              <a:buFont typeface="Wingdings" charset="2"/>
-              <a:buChar char=""/>
             </a:pPr>
             <a:r>
               <a:rPr b="0" lang="en-US" sz="1800" spc="-1" strike="noStrike" u="sng">
@@ -21380,7 +21362,7 @@
             </a:endParaRPr>
           </a:p>
           <a:p>
-            <a:pPr marL="432000" indent="-320760">
+            <a:pPr marL="432000" indent="-319320">
               <a:lnSpc>
                 <a:spcPct val="100000"/>
               </a:lnSpc>
@@ -21419,7 +21401,7 @@
         <p:spPr>
           <a:xfrm>
             <a:off x="10515600" y="6202080"/>
-            <a:ext cx="1593360" cy="420480"/>
+            <a:ext cx="1591920" cy="419040"/>
           </a:xfrm>
           <a:prstGeom prst="rect">
             <a:avLst/>
@@ -21445,7 +21427,7 @@
                 <a:spcPct val="100000"/>
               </a:lnSpc>
             </a:pPr>
-            <a:fld id="{1E6CCCA5-1FC7-4183-AD23-96EAA87D69F5}" type="slidenum">
+            <a:fld id="{22907E72-458C-462C-9530-4145B6245672}" type="slidenum">
               <a:rPr b="0" lang="en-US" sz="1600" spc="-1" strike="noStrike">
                 <a:solidFill>
                   <a:srgbClr val="000000"/>
@@ -21470,7 +21452,7 @@
         <p:spPr>
           <a:xfrm>
             <a:off x="0" y="1600200"/>
-            <a:ext cx="5479920" cy="903600"/>
+            <a:ext cx="5478480" cy="902160"/>
           </a:xfrm>
           <a:prstGeom prst="rect">
             <a:avLst/>
@@ -21493,19 +21475,13 @@
             <a:noAutofit/>
           </a:bodyPr>
           <a:p>
-            <a:pPr marL="432000" indent="-320760">
+            <a:pPr>
               <a:lnSpc>
                 <a:spcPct val="100000"/>
               </a:lnSpc>
               <a:spcBef>
                 <a:spcPts val="1417"/>
               </a:spcBef>
-              <a:buClr>
-                <a:srgbClr val="000000"/>
-              </a:buClr>
-              <a:buSzPct val="45000"/>
-              <a:buFont typeface="Wingdings" charset="2"/>
-              <a:buChar char=""/>
             </a:pPr>
             <a:r>
               <a:rPr b="0" lang="en-US" sz="1800" spc="-1" strike="noStrike" u="sng">
@@ -21523,7 +21499,7 @@
             </a:endParaRPr>
           </a:p>
           <a:p>
-            <a:pPr marL="432000" indent="-320760">
+            <a:pPr marL="432000" indent="-319320">
               <a:lnSpc>
                 <a:spcPct val="100000"/>
               </a:lnSpc>
@@ -21566,7 +21542,7 @@
         <p:spPr>
           <a:xfrm>
             <a:off x="1600200" y="2743200"/>
-            <a:ext cx="8280000" cy="3886200"/>
+            <a:ext cx="8278560" cy="3884760"/>
           </a:xfrm>
           <a:prstGeom prst="rect">
             <a:avLst/>
@@ -21615,7 +21591,7 @@
         <p:spPr>
           <a:xfrm>
             <a:off x="686160" y="0"/>
-            <a:ext cx="10965960" cy="1138320"/>
+            <a:ext cx="10964520" cy="1136880"/>
           </a:xfrm>
           <a:prstGeom prst="rect">
             <a:avLst/>
@@ -21681,7 +21657,7 @@
         <p:spPr>
           <a:xfrm>
             <a:off x="5257800" y="1604520"/>
-            <a:ext cx="6927840" cy="903600"/>
+            <a:ext cx="6926400" cy="902160"/>
           </a:xfrm>
           <a:prstGeom prst="rect">
             <a:avLst/>
@@ -21705,19 +21681,13 @@
             <a:noAutofit/>
           </a:bodyPr>
           <a:p>
-            <a:pPr marL="432000" indent="-320760">
+            <a:pPr>
               <a:lnSpc>
                 <a:spcPct val="100000"/>
               </a:lnSpc>
               <a:spcBef>
                 <a:spcPts val="1417"/>
               </a:spcBef>
-              <a:buClr>
-                <a:srgbClr val="000000"/>
-              </a:buClr>
-              <a:buSzPct val="45000"/>
-              <a:buFont typeface="Wingdings" charset="2"/>
-              <a:buChar char=""/>
             </a:pPr>
             <a:r>
               <a:rPr b="0" lang="en-US" sz="1800" spc="-1" strike="noStrike" u="sng">
@@ -21735,7 +21705,7 @@
             </a:endParaRPr>
           </a:p>
           <a:p>
-            <a:pPr marL="432000" indent="-320760">
+            <a:pPr marL="432000" indent="-319320">
               <a:lnSpc>
                 <a:spcPct val="100000"/>
               </a:lnSpc>
@@ -21794,7 +21764,7 @@
         <p:spPr>
           <a:xfrm>
             <a:off x="10515600" y="6202080"/>
-            <a:ext cx="1593360" cy="420480"/>
+            <a:ext cx="1591920" cy="419040"/>
           </a:xfrm>
           <a:prstGeom prst="rect">
             <a:avLst/>
@@ -21820,7 +21790,7 @@
                 <a:spcPct val="100000"/>
               </a:lnSpc>
             </a:pPr>
-            <a:fld id="{BFFAF96F-1000-4414-9FFA-2C20B26B54F4}" type="slidenum">
+            <a:fld id="{6D5442F9-BAC7-408F-91A1-D9ACB568DC4F}" type="slidenum">
               <a:rPr b="0" lang="en-US" sz="1600" spc="-1" strike="noStrike">
                 <a:solidFill>
                   <a:srgbClr val="000000"/>
@@ -21845,7 +21815,7 @@
         <p:spPr>
           <a:xfrm>
             <a:off x="0" y="1600200"/>
-            <a:ext cx="4794120" cy="903600"/>
+            <a:ext cx="4792680" cy="902160"/>
           </a:xfrm>
           <a:prstGeom prst="rect">
             <a:avLst/>
@@ -21868,19 +21838,10 @@
             <a:noAutofit/>
           </a:bodyPr>
           <a:p>
-            <a:pPr marL="432000" indent="-320760">
+            <a:pPr>
               <a:lnSpc>
                 <a:spcPct val="100000"/>
               </a:lnSpc>
-              <a:spcBef>
-                <a:spcPts val="1417"/>
-              </a:spcBef>
-              <a:buClr>
-                <a:srgbClr val="000000"/>
-              </a:buClr>
-              <a:buSzPct val="45000"/>
-              <a:buFont typeface="Wingdings" charset="2"/>
-              <a:buChar char=""/>
             </a:pPr>
             <a:r>
               <a:rPr b="0" lang="en-US" sz="1800" spc="-1" strike="noStrike" u="sng">
@@ -21898,7 +21859,7 @@
             </a:endParaRPr>
           </a:p>
           <a:p>
-            <a:pPr marL="432000" indent="-320760">
+            <a:pPr marL="432000" indent="-319320">
               <a:lnSpc>
                 <a:spcPct val="100000"/>
               </a:lnSpc>
@@ -21941,7 +21902,7 @@
         <p:spPr>
           <a:xfrm>
             <a:off x="685800" y="2972160"/>
-            <a:ext cx="10518120" cy="3422160"/>
+            <a:ext cx="10516680" cy="3420720"/>
           </a:xfrm>
           <a:prstGeom prst="rect">
             <a:avLst/>
@@ -21990,7 +21951,7 @@
         <p:spPr>
           <a:xfrm>
             <a:off x="686160" y="0"/>
-            <a:ext cx="10965960" cy="1138320"/>
+            <a:ext cx="10964520" cy="1136880"/>
           </a:xfrm>
           <a:prstGeom prst="rect">
             <a:avLst/>
@@ -22056,7 +22017,7 @@
         <p:spPr>
           <a:xfrm>
             <a:off x="0" y="1376280"/>
-            <a:ext cx="5023080" cy="2046600"/>
+            <a:ext cx="5021640" cy="2045160"/>
           </a:xfrm>
           <a:prstGeom prst="rect">
             <a:avLst/>
@@ -22080,7 +22041,7 @@
             <a:noAutofit/>
           </a:bodyPr>
           <a:p>
-            <a:pPr marL="432000" indent="-320760">
+            <a:pPr marL="432000" indent="-319320">
               <a:lnSpc>
                 <a:spcPct val="100000"/>
               </a:lnSpc>
@@ -22109,7 +22070,7 @@
             </a:endParaRPr>
           </a:p>
           <a:p>
-            <a:pPr marL="432000" indent="-320760">
+            <a:pPr marL="432000" indent="-319320">
               <a:lnSpc>
                 <a:spcPct val="100000"/>
               </a:lnSpc>
@@ -22138,7 +22099,7 @@
             </a:endParaRPr>
           </a:p>
           <a:p>
-            <a:pPr marL="432000" indent="-320760">
+            <a:pPr marL="432000" indent="-319320">
               <a:lnSpc>
                 <a:spcPct val="100000"/>
               </a:lnSpc>
@@ -22167,7 +22128,7 @@
             </a:endParaRPr>
           </a:p>
           <a:p>
-            <a:pPr marL="432000" indent="-320760">
+            <a:pPr marL="432000" indent="-319320">
               <a:lnSpc>
                 <a:spcPct val="100000"/>
               </a:lnSpc>
@@ -22206,7 +22167,7 @@
         <p:spPr>
           <a:xfrm>
             <a:off x="10515600" y="6202080"/>
-            <a:ext cx="1593360" cy="420480"/>
+            <a:ext cx="1591920" cy="419040"/>
           </a:xfrm>
           <a:prstGeom prst="rect">
             <a:avLst/>
@@ -22232,7 +22193,7 @@
                 <a:spcPct val="100000"/>
               </a:lnSpc>
             </a:pPr>
-            <a:fld id="{23478D77-3001-46B7-AE60-4870107759D0}" type="slidenum">
+            <a:fld id="{954BA439-C711-49F1-B224-7A84EFE3D0A1}" type="slidenum">
               <a:rPr b="0" lang="en-US" sz="1600" spc="-1" strike="noStrike">
                 <a:solidFill>
                   <a:srgbClr val="000000"/>
@@ -22261,7 +22222,7 @@
         <p:spPr>
           <a:xfrm>
             <a:off x="5104080" y="1371600"/>
-            <a:ext cx="6765840" cy="4622760"/>
+            <a:ext cx="6764400" cy="4621320"/>
           </a:xfrm>
           <a:prstGeom prst="rect">
             <a:avLst/>
@@ -22310,7 +22271,7 @@
         <p:spPr>
           <a:xfrm>
             <a:off x="686160" y="0"/>
-            <a:ext cx="10965960" cy="1138320"/>
+            <a:ext cx="10964520" cy="1136880"/>
           </a:xfrm>
           <a:prstGeom prst="rect">
             <a:avLst/>
@@ -22364,7 +22325,7 @@
         <p:spPr>
           <a:xfrm>
             <a:off x="0" y="1376280"/>
-            <a:ext cx="2965680" cy="903600"/>
+            <a:ext cx="2964240" cy="902160"/>
           </a:xfrm>
           <a:prstGeom prst="rect">
             <a:avLst/>
@@ -22388,7 +22349,7 @@
             <a:noAutofit/>
           </a:bodyPr>
           <a:p>
-            <a:pPr marL="432000" indent="-320760">
+            <a:pPr marL="432000" indent="-319320">
               <a:lnSpc>
                 <a:spcPct val="100000"/>
               </a:lnSpc>
@@ -22417,7 +22378,7 @@
             </a:endParaRPr>
           </a:p>
           <a:p>
-            <a:pPr marL="432000" indent="-320760">
+            <a:pPr marL="432000" indent="-319320">
               <a:lnSpc>
                 <a:spcPct val="100000"/>
               </a:lnSpc>
@@ -22456,7 +22417,7 @@
         <p:spPr>
           <a:xfrm>
             <a:off x="10515600" y="6202080"/>
-            <a:ext cx="1593360" cy="420480"/>
+            <a:ext cx="1591920" cy="419040"/>
           </a:xfrm>
           <a:prstGeom prst="rect">
             <a:avLst/>
@@ -22482,7 +22443,7 @@
                 <a:spcPct val="100000"/>
               </a:lnSpc>
             </a:pPr>
-            <a:fld id="{64C1B856-BC26-4AFE-9AD3-7C1264E3CCA6}" type="slidenum">
+            <a:fld id="{B76F748B-076A-4A0F-957B-EF5C2E8930D0}" type="slidenum">
               <a:rPr b="0" lang="en-US" sz="1600" spc="-1" strike="noStrike">
                 <a:solidFill>
                   <a:srgbClr val="000000"/>
@@ -22511,7 +22472,7 @@
         <p:spPr>
           <a:xfrm>
             <a:off x="3200400" y="1371600"/>
-            <a:ext cx="8680680" cy="4794480"/>
+            <a:ext cx="8679240" cy="4793040"/>
           </a:xfrm>
           <a:prstGeom prst="rect">
             <a:avLst/>

--- a/documents/K8s_Knowledge_Sharing.pptx
+++ b/documents/K8s_Knowledge_Sharing.pptx
@@ -9572,7 +9572,7 @@
         <p:spPr>
           <a:xfrm>
             <a:off x="0" y="0"/>
-            <a:ext cx="12182760" cy="5142960"/>
+            <a:ext cx="12180600" cy="5140800"/>
           </a:xfrm>
           <a:prstGeom prst="rect">
             <a:avLst/>
@@ -9614,7 +9614,7 @@
         <p:spPr>
           <a:xfrm>
             <a:off x="10582200" y="5243760"/>
-            <a:ext cx="1348560" cy="1348560"/>
+            <a:ext cx="1346400" cy="1346400"/>
           </a:xfrm>
           <a:prstGeom prst="rect">
             <a:avLst/>
@@ -9633,7 +9633,7 @@
         <p:spPr>
           <a:xfrm>
             <a:off x="1637280" y="753120"/>
-            <a:ext cx="7849080" cy="3930120"/>
+            <a:ext cx="7846920" cy="3927960"/>
           </a:xfrm>
           <a:prstGeom prst="rect">
             <a:avLst/>
@@ -9673,7 +9673,7 @@
         <p:spPr>
           <a:xfrm>
             <a:off x="7681680" y="1234080"/>
-            <a:ext cx="3838680" cy="3679200"/>
+            <a:ext cx="3836520" cy="3677040"/>
           </a:xfrm>
           <a:prstGeom prst="rect">
             <a:avLst/>
@@ -9952,7 +9952,7 @@
         <p:spPr>
           <a:xfrm>
             <a:off x="0" y="6719040"/>
-            <a:ext cx="12182760" cy="143640"/>
+            <a:ext cx="12180600" cy="141480"/>
           </a:xfrm>
           <a:prstGeom prst="rect">
             <a:avLst/>
@@ -10290,7 +10290,7 @@
         <p:spPr>
           <a:xfrm>
             <a:off x="0" y="0"/>
-            <a:ext cx="4767840" cy="6848640"/>
+            <a:ext cx="4765680" cy="6846480"/>
           </a:xfrm>
           <a:prstGeom prst="rect">
             <a:avLst/>
@@ -10328,7 +10328,7 @@
         <p:spPr>
           <a:xfrm>
             <a:off x="1166760" y="2958480"/>
-            <a:ext cx="2386440" cy="759960"/>
+            <a:ext cx="2384280" cy="759960"/>
           </a:xfrm>
           <a:prstGeom prst="rect">
             <a:avLst/>
@@ -10379,7 +10379,7 @@
         <p:spPr>
           <a:xfrm>
             <a:off x="828360" y="1931400"/>
-            <a:ext cx="3062880" cy="2985840"/>
+            <a:ext cx="3060720" cy="2983680"/>
           </a:xfrm>
           <a:prstGeom prst="rect">
             <a:avLst/>
@@ -10415,7 +10415,7 @@
         <p:spPr>
           <a:xfrm>
             <a:off x="0" y="6719040"/>
-            <a:ext cx="12182760" cy="143640"/>
+            <a:ext cx="12180600" cy="141480"/>
           </a:xfrm>
           <a:prstGeom prst="rect">
             <a:avLst/>
@@ -10719,7 +10719,7 @@
         <p:spPr>
           <a:xfrm>
             <a:off x="0" y="6719040"/>
-            <a:ext cx="12182760" cy="143640"/>
+            <a:ext cx="12180600" cy="141480"/>
           </a:xfrm>
           <a:prstGeom prst="rect">
             <a:avLst/>
@@ -11201,7 +11201,7 @@
         <p:spPr>
           <a:xfrm>
             <a:off x="0" y="6719040"/>
-            <a:ext cx="12182760" cy="143640"/>
+            <a:ext cx="12180600" cy="141480"/>
           </a:xfrm>
           <a:prstGeom prst="rect">
             <a:avLst/>
@@ -11683,7 +11683,7 @@
         <p:spPr>
           <a:xfrm>
             <a:off x="0" y="6719040"/>
-            <a:ext cx="12182760" cy="143640"/>
+            <a:ext cx="12180600" cy="141480"/>
           </a:xfrm>
           <a:prstGeom prst="rect">
             <a:avLst/>
@@ -11987,7 +11987,7 @@
         <p:spPr>
           <a:xfrm>
             <a:off x="0" y="0"/>
-            <a:ext cx="12182760" cy="5142960"/>
+            <a:ext cx="12180600" cy="5140800"/>
           </a:xfrm>
           <a:prstGeom prst="rect">
             <a:avLst/>
@@ -12025,7 +12025,7 @@
         <p:spPr>
           <a:xfrm>
             <a:off x="2915640" y="1431720"/>
-            <a:ext cx="6351480" cy="2721960"/>
+            <a:ext cx="6349320" cy="2719800"/>
           </a:xfrm>
           <a:prstGeom prst="rect">
             <a:avLst/>
@@ -12065,7 +12065,7 @@
         <p:spPr>
           <a:xfrm>
             <a:off x="10991880" y="5744160"/>
-            <a:ext cx="948960" cy="948960"/>
+            <a:ext cx="946800" cy="946800"/>
           </a:xfrm>
           <a:prstGeom prst="rect">
             <a:avLst/>
@@ -12084,7 +12084,7 @@
         <p:spPr>
           <a:xfrm>
             <a:off x="3764880" y="2243520"/>
-            <a:ext cx="4636800" cy="1095120"/>
+            <a:ext cx="4634640" cy="1095120"/>
           </a:xfrm>
           <a:prstGeom prst="rect">
             <a:avLst/>
@@ -12408,7 +12408,7 @@
         <p:spPr>
           <a:xfrm>
             <a:off x="565560" y="6150240"/>
-            <a:ext cx="4173840" cy="284760"/>
+            <a:ext cx="4171680" cy="282600"/>
           </a:xfrm>
           <a:prstGeom prst="rect">
             <a:avLst/>
@@ -12434,7 +12434,7 @@
         <p:spPr>
           <a:xfrm>
             <a:off x="1316880" y="1056240"/>
-            <a:ext cx="7362000" cy="2950920"/>
+            <a:ext cx="7359840" cy="2948760"/>
           </a:xfrm>
           <a:prstGeom prst="rect">
             <a:avLst/>
@@ -12518,7 +12518,7 @@
         <p:spPr>
           <a:xfrm>
             <a:off x="457200" y="5715000"/>
-            <a:ext cx="5935680" cy="354960"/>
+            <a:ext cx="5933520" cy="352800"/>
           </a:xfrm>
           <a:prstGeom prst="rect">
             <a:avLst/>
@@ -12559,6 +12559,32 @@
                 <a:ea typeface="DejaVu Sans"/>
               </a:rPr>
               <a:t>A part of DevOps knowledge sharing and learning courses</a:t>
+            </a:r>
+            <a:endParaRPr b="0" lang="en-US" sz="1400" spc="-1" strike="noStrike">
+              <a:latin typeface="Arial"/>
+            </a:endParaRPr>
+          </a:p>
+          <a:p>
+            <a:pPr>
+              <a:lnSpc>
+                <a:spcPct val="90000"/>
+              </a:lnSpc>
+              <a:spcBef>
+                <a:spcPts val="1001"/>
+              </a:spcBef>
+              <a:tabLst>
+                <a:tab algn="l" pos="0"/>
+              </a:tabLst>
+            </a:pPr>
+            <a:r>
+              <a:rPr b="0" lang="en-US" sz="1400" spc="-1" strike="noStrike">
+                <a:solidFill>
+                  <a:srgbClr val="000000"/>
+                </a:solidFill>
+                <a:latin typeface="Arial"/>
+                <a:ea typeface="DejaVu Sans"/>
+              </a:rPr>
+              <a:t>Compiled and presented by Nguyen Canh Hat</a:t>
             </a:r>
             <a:endParaRPr b="0" lang="en-US" sz="1400" spc="-1" strike="noStrike">
               <a:latin typeface="Arial"/>
@@ -12621,7 +12647,7 @@
         <p:spPr>
           <a:xfrm>
             <a:off x="686160" y="0"/>
-            <a:ext cx="10964520" cy="1136880"/>
+            <a:ext cx="10962360" cy="1134720"/>
           </a:xfrm>
           <a:prstGeom prst="rect">
             <a:avLst/>
@@ -12687,7 +12713,7 @@
         <p:spPr>
           <a:xfrm>
             <a:off x="457200" y="1600200"/>
-            <a:ext cx="5346360" cy="907920"/>
+            <a:ext cx="5344200" cy="905760"/>
           </a:xfrm>
           <a:prstGeom prst="rect">
             <a:avLst/>
@@ -12711,7 +12737,7 @@
             <a:noAutofit/>
           </a:bodyPr>
           <a:p>
-            <a:pPr marL="432000" indent="-319320">
+            <a:pPr marL="432000" indent="-317160">
               <a:lnSpc>
                 <a:spcPct val="100000"/>
               </a:lnSpc>
@@ -12740,7 +12766,7 @@
             </a:endParaRPr>
           </a:p>
           <a:p>
-            <a:pPr marL="432000" indent="-319320">
+            <a:pPr marL="432000" indent="-317160">
               <a:lnSpc>
                 <a:spcPct val="100000"/>
               </a:lnSpc>
@@ -12799,7 +12825,7 @@
         <p:spPr>
           <a:xfrm>
             <a:off x="10515600" y="6202080"/>
-            <a:ext cx="1591920" cy="419040"/>
+            <a:ext cx="1589760" cy="416880"/>
           </a:xfrm>
           <a:prstGeom prst="rect">
             <a:avLst/>
@@ -12825,7 +12851,7 @@
                 <a:spcPct val="100000"/>
               </a:lnSpc>
             </a:pPr>
-            <a:fld id="{48779445-D3B6-4C08-9320-85355F67AE49}" type="slidenum">
+            <a:fld id="{9AB32F1B-2BAB-406B-A279-7AE9C8DB61D7}" type="slidenum">
               <a:rPr b="0" lang="en-US" sz="1600" spc="-1" strike="noStrike">
                 <a:solidFill>
                   <a:srgbClr val="000000"/>
@@ -12843,7 +12869,7 @@
       </p:sp>
       <p:pic>
         <p:nvPicPr>
-          <p:cNvPr id="325" name="" descr=""/>
+          <p:cNvPr id="325" name="Picture 324" descr=""/>
           <p:cNvPicPr/>
           <p:nvPr/>
         </p:nvPicPr>
@@ -12854,7 +12880,7 @@
         <p:spPr>
           <a:xfrm>
             <a:off x="2067120" y="2800800"/>
-            <a:ext cx="3411720" cy="2220840"/>
+            <a:ext cx="3409560" cy="2218680"/>
           </a:xfrm>
           <a:prstGeom prst="rect">
             <a:avLst/>
@@ -12866,7 +12892,7 @@
       </p:pic>
       <p:pic>
         <p:nvPicPr>
-          <p:cNvPr id="326" name="" descr=""/>
+          <p:cNvPr id="326" name="Picture 325" descr=""/>
           <p:cNvPicPr/>
           <p:nvPr/>
         </p:nvPicPr>
@@ -12876,8 +12902,8 @@
         </p:blipFill>
         <p:spPr>
           <a:xfrm>
-            <a:off x="6134400" y="1505160"/>
-            <a:ext cx="2087640" cy="3516480"/>
+            <a:off x="6134400" y="1695240"/>
+            <a:ext cx="3716280" cy="3603960"/>
           </a:xfrm>
           <a:prstGeom prst="rect">
             <a:avLst/>
@@ -12932,7 +12958,7 @@
         <p:spPr>
           <a:xfrm>
             <a:off x="686160" y="0"/>
-            <a:ext cx="10964520" cy="1136880"/>
+            <a:ext cx="10962360" cy="1134720"/>
           </a:xfrm>
           <a:prstGeom prst="rect">
             <a:avLst/>
@@ -12998,7 +13024,7 @@
         <p:spPr>
           <a:xfrm>
             <a:off x="228600" y="1600920"/>
-            <a:ext cx="5253120" cy="4108320"/>
+            <a:ext cx="5250960" cy="4106160"/>
           </a:xfrm>
           <a:prstGeom prst="rect">
             <a:avLst/>
@@ -13045,7 +13071,7 @@
             </a:endParaRPr>
           </a:p>
           <a:p>
-            <a:pPr marL="432000" indent="-319320">
+            <a:pPr marL="432000" indent="-317160">
               <a:lnSpc>
                 <a:spcPct val="100000"/>
               </a:lnSpc>
@@ -13094,7 +13120,7 @@
             </a:endParaRPr>
           </a:p>
           <a:p>
-            <a:pPr marL="432000" indent="-319320">
+            <a:pPr marL="432000" indent="-317160">
               <a:lnSpc>
                 <a:spcPct val="100000"/>
               </a:lnSpc>
@@ -13123,7 +13149,7 @@
             </a:endParaRPr>
           </a:p>
           <a:p>
-            <a:pPr lvl="1" marL="864000" indent="-319320">
+            <a:pPr lvl="1" marL="864000" indent="-317160">
               <a:lnSpc>
                 <a:spcPct val="100000"/>
               </a:lnSpc>
@@ -13152,7 +13178,7 @@
             </a:endParaRPr>
           </a:p>
           <a:p>
-            <a:pPr lvl="1" marL="864000" indent="-319320">
+            <a:pPr lvl="1" marL="864000" indent="-317160">
               <a:lnSpc>
                 <a:spcPct val="100000"/>
               </a:lnSpc>
@@ -13181,7 +13207,7 @@
             </a:endParaRPr>
           </a:p>
           <a:p>
-            <a:pPr lvl="1" marL="864000" indent="-319320">
+            <a:pPr lvl="1" marL="864000" indent="-317160">
               <a:lnSpc>
                 <a:spcPct val="100000"/>
               </a:lnSpc>
@@ -13210,7 +13236,7 @@
             </a:endParaRPr>
           </a:p>
           <a:p>
-            <a:pPr marL="432000" indent="-319320">
+            <a:pPr marL="432000" indent="-317160">
               <a:lnSpc>
                 <a:spcPct val="100000"/>
               </a:lnSpc>
@@ -13239,7 +13265,7 @@
             </a:endParaRPr>
           </a:p>
           <a:p>
-            <a:pPr marL="432000" indent="-319320">
+            <a:pPr marL="432000" indent="-317160">
               <a:lnSpc>
                 <a:spcPct val="100000"/>
               </a:lnSpc>
@@ -13261,7 +13287,7 @@
                 <a:latin typeface="Arial"/>
                 <a:ea typeface="DejaVu Sans"/>
               </a:rPr>
-              <a:t>Pod can be accessed by it’s own service.</a:t>
+              <a:t>Pod can be accessed by its own service</a:t>
             </a:r>
             <a:endParaRPr b="0" lang="en-US" sz="1800" spc="-1" strike="noStrike">
               <a:latin typeface="Arial"/>
@@ -13278,7 +13304,7 @@
         <p:spPr>
           <a:xfrm>
             <a:off x="10515600" y="6202080"/>
-            <a:ext cx="1591920" cy="419040"/>
+            <a:ext cx="1589760" cy="416880"/>
           </a:xfrm>
           <a:prstGeom prst="rect">
             <a:avLst/>
@@ -13304,7 +13330,7 @@
                 <a:spcPct val="100000"/>
               </a:lnSpc>
             </a:pPr>
-            <a:fld id="{0B59E461-D8F4-4EED-9D9D-37DDA8D0D81D}" type="slidenum">
+            <a:fld id="{6CFE1820-47ED-422E-8548-0C911F3792A9}" type="slidenum">
               <a:rPr b="0" lang="en-US" sz="1600" spc="-1" strike="noStrike">
                 <a:solidFill>
                   <a:srgbClr val="000000"/>
@@ -13322,7 +13348,7 @@
       </p:sp>
       <p:pic>
         <p:nvPicPr>
-          <p:cNvPr id="330" name="" descr=""/>
+          <p:cNvPr id="330" name="Picture 329" descr=""/>
           <p:cNvPicPr/>
           <p:nvPr/>
         </p:nvPicPr>
@@ -13333,7 +13359,7 @@
         <p:spPr>
           <a:xfrm>
             <a:off x="5715000" y="1600200"/>
-            <a:ext cx="4794840" cy="4109040"/>
+            <a:ext cx="4792680" cy="4106880"/>
           </a:xfrm>
           <a:prstGeom prst="rect">
             <a:avLst/>
@@ -13385,7 +13411,7 @@
         <p:spPr>
           <a:xfrm>
             <a:off x="686160" y="0"/>
-            <a:ext cx="10964520" cy="1136880"/>
+            <a:ext cx="10962360" cy="1134720"/>
           </a:xfrm>
           <a:prstGeom prst="rect">
             <a:avLst/>
@@ -13451,7 +13477,7 @@
         <p:spPr>
           <a:xfrm>
             <a:off x="91440" y="1600920"/>
-            <a:ext cx="5391360" cy="4108320"/>
+            <a:ext cx="5389200" cy="4106160"/>
           </a:xfrm>
           <a:prstGeom prst="rect">
             <a:avLst/>
@@ -13498,7 +13524,7 @@
             </a:endParaRPr>
           </a:p>
           <a:p>
-            <a:pPr marL="432000" indent="-319320">
+            <a:pPr marL="432000" indent="-317160">
               <a:lnSpc>
                 <a:spcPct val="100000"/>
               </a:lnSpc>
@@ -13527,7 +13553,7 @@
             </a:endParaRPr>
           </a:p>
           <a:p>
-            <a:pPr marL="432000" indent="-319320">
+            <a:pPr marL="432000" indent="-317160">
               <a:lnSpc>
                 <a:spcPct val="100000"/>
               </a:lnSpc>
@@ -13549,7 +13575,7 @@
                 <a:latin typeface="Arial"/>
                 <a:ea typeface="DejaVu Sans"/>
               </a:rPr>
-              <a:t>Each Pod lifetime depends on it’s node.</a:t>
+              <a:t>Each Pod lifetime depends on its node</a:t>
             </a:r>
             <a:endParaRPr b="0" lang="en-US" sz="1800" spc="-1" strike="noStrike">
               <a:latin typeface="Arial"/>
@@ -13579,7 +13605,7 @@
             </a:endParaRPr>
           </a:p>
           <a:p>
-            <a:pPr marL="432000" indent="-319320">
+            <a:pPr marL="432000" indent="-317160">
               <a:lnSpc>
                 <a:spcPct val="100000"/>
               </a:lnSpc>
@@ -13608,7 +13634,7 @@
             </a:endParaRPr>
           </a:p>
           <a:p>
-            <a:pPr marL="432000" indent="-319320">
+            <a:pPr marL="432000" indent="-317160">
               <a:lnSpc>
                 <a:spcPct val="100000"/>
               </a:lnSpc>
@@ -13630,7 +13656,7 @@
                 <a:latin typeface="Arial"/>
                 <a:ea typeface="DejaVu Sans"/>
               </a:rPr>
-              <a:t>Install a log connector on each node.</a:t>
+              <a:t>Install a log connector on each node</a:t>
             </a:r>
             <a:endParaRPr b="0" lang="en-US" sz="1800" spc="-1" strike="noStrike">
               <a:latin typeface="Arial"/>
@@ -13649,64 +13675,6 @@
               <a:latin typeface="Arial"/>
             </a:endParaRPr>
           </a:p>
-          <a:p>
-            <a:pPr marL="432000" indent="-319320">
-              <a:lnSpc>
-                <a:spcPct val="100000"/>
-              </a:lnSpc>
-              <a:spcBef>
-                <a:spcPts val="1417"/>
-              </a:spcBef>
-              <a:buClr>
-                <a:srgbClr val="000000"/>
-              </a:buClr>
-              <a:buSzPct val="45000"/>
-              <a:buFont typeface="Symbol"/>
-              <a:buChar char=""/>
-            </a:pPr>
-            <a:r>
-              <a:rPr b="0" lang="en-US" sz="1800" spc="-1" strike="noStrike">
-                <a:solidFill>
-                  <a:srgbClr val="000000"/>
-                </a:solidFill>
-                <a:latin typeface="Arial"/>
-                <a:ea typeface="DejaVu Sans"/>
-              </a:rPr>
-              <a:t> </a:t>
-            </a:r>
-            <a:endParaRPr b="0" lang="en-US" sz="1800" spc="-1" strike="noStrike">
-              <a:latin typeface="Arial"/>
-            </a:endParaRPr>
-          </a:p>
-          <a:p>
-            <a:pPr marL="432000" indent="-319320">
-              <a:lnSpc>
-                <a:spcPct val="100000"/>
-              </a:lnSpc>
-              <a:spcBef>
-                <a:spcPts val="1417"/>
-              </a:spcBef>
-              <a:buClr>
-                <a:srgbClr val="000000"/>
-              </a:buClr>
-              <a:buSzPct val="45000"/>
-              <a:buFont typeface="Symbol"/>
-              <a:buChar char=""/>
-            </a:pPr>
-            <a:r>
-              <a:rPr b="0" lang="en-US" sz="1800" spc="-1" strike="noStrike">
-                <a:solidFill>
-                  <a:srgbClr val="000000"/>
-                </a:solidFill>
-                <a:latin typeface="Arial"/>
-                <a:ea typeface="DejaVu Sans"/>
-              </a:rPr>
-              <a:t> </a:t>
-            </a:r>
-            <a:endParaRPr b="0" lang="en-US" sz="1800" spc="-1" strike="noStrike">
-              <a:latin typeface="Arial"/>
-            </a:endParaRPr>
-          </a:p>
         </p:txBody>
       </p:sp>
       <p:sp>
@@ -13718,7 +13686,7 @@
         <p:spPr>
           <a:xfrm>
             <a:off x="10515600" y="6202080"/>
-            <a:ext cx="1591920" cy="419040"/>
+            <a:ext cx="1589760" cy="416880"/>
           </a:xfrm>
           <a:prstGeom prst="rect">
             <a:avLst/>
@@ -13744,7 +13712,7 @@
                 <a:spcPct val="100000"/>
               </a:lnSpc>
             </a:pPr>
-            <a:fld id="{829E0B4F-63A8-42E8-ADA2-BE61ADFDA4C6}" type="slidenum">
+            <a:fld id="{F52E7AF3-CF1D-48CA-97BF-4468424C6474}" type="slidenum">
               <a:rPr b="0" lang="en-US" sz="1600" spc="-1" strike="noStrike">
                 <a:solidFill>
                   <a:srgbClr val="000000"/>
@@ -13762,7 +13730,7 @@
       </p:sp>
       <p:pic>
         <p:nvPicPr>
-          <p:cNvPr id="334" name="" descr=""/>
+          <p:cNvPr id="334" name="Picture 333" descr=""/>
           <p:cNvPicPr/>
           <p:nvPr/>
         </p:nvPicPr>
@@ -13773,7 +13741,7 @@
         <p:spPr>
           <a:xfrm>
             <a:off x="6688800" y="1554480"/>
-            <a:ext cx="4920480" cy="4019760"/>
+            <a:ext cx="4918320" cy="4017600"/>
           </a:xfrm>
           <a:prstGeom prst="rect">
             <a:avLst/>
@@ -13828,7 +13796,7 @@
         <p:spPr>
           <a:xfrm>
             <a:off x="686160" y="0"/>
-            <a:ext cx="10964520" cy="1136880"/>
+            <a:ext cx="10962360" cy="1134720"/>
           </a:xfrm>
           <a:prstGeom prst="rect">
             <a:avLst/>
@@ -13894,7 +13862,7 @@
         <p:spPr>
           <a:xfrm>
             <a:off x="0" y="1600920"/>
-            <a:ext cx="5301000" cy="2237040"/>
+            <a:ext cx="5298840" cy="2234880"/>
           </a:xfrm>
           <a:prstGeom prst="rect">
             <a:avLst/>
@@ -14073,19 +14041,13 @@
             </a:endParaRPr>
           </a:p>
           <a:p>
-            <a:pPr marL="432000" indent="-319320">
+            <a:pPr marL="112680">
               <a:lnSpc>
                 <a:spcPct val="100000"/>
               </a:lnSpc>
               <a:spcBef>
                 <a:spcPts val="1417"/>
               </a:spcBef>
-              <a:buClr>
-                <a:srgbClr val="000000"/>
-              </a:buClr>
-              <a:buSzPct val="45000"/>
-              <a:buFont typeface="Symbol"/>
-              <a:buChar char=""/>
             </a:pPr>
             <a:r>
               <a:rPr b="0" lang="en-US" sz="1800" spc="-1" strike="noStrike">
@@ -14102,19 +14064,13 @@
             </a:endParaRPr>
           </a:p>
           <a:p>
-            <a:pPr marL="432000" indent="-319320">
+            <a:pPr marL="112680">
               <a:lnSpc>
                 <a:spcPct val="100000"/>
               </a:lnSpc>
               <a:spcBef>
                 <a:spcPts val="1417"/>
               </a:spcBef>
-              <a:buClr>
-                <a:srgbClr val="000000"/>
-              </a:buClr>
-              <a:buSzPct val="45000"/>
-              <a:buFont typeface="Symbol"/>
-              <a:buChar char=""/>
             </a:pPr>
             <a:r>
               <a:rPr b="0" lang="en-US" sz="1800" spc="-1" strike="noStrike">
@@ -14141,7 +14097,7 @@
         <p:spPr>
           <a:xfrm>
             <a:off x="10515600" y="6202080"/>
-            <a:ext cx="1591920" cy="419040"/>
+            <a:ext cx="1589760" cy="416880"/>
           </a:xfrm>
           <a:prstGeom prst="rect">
             <a:avLst/>
@@ -14167,7 +14123,7 @@
                 <a:spcPct val="100000"/>
               </a:lnSpc>
             </a:pPr>
-            <a:fld id="{6AD3DC73-022F-4A51-A93D-393825537C40}" type="slidenum">
+            <a:fld id="{9E9B1A98-477E-46DF-B18E-00783C4DF425}" type="slidenum">
               <a:rPr b="0" lang="en-US" sz="1600" spc="-1" strike="noStrike">
                 <a:solidFill>
                   <a:srgbClr val="000000"/>
@@ -14185,7 +14141,7 @@
       </p:sp>
       <p:pic>
         <p:nvPicPr>
-          <p:cNvPr id="338" name="" descr=""/>
+          <p:cNvPr id="338" name="Picture 337" descr=""/>
           <p:cNvPicPr/>
           <p:nvPr/>
         </p:nvPicPr>
@@ -14196,7 +14152,7 @@
         <p:spPr>
           <a:xfrm>
             <a:off x="6858360" y="1554480"/>
-            <a:ext cx="1825920" cy="2530800"/>
+            <a:ext cx="3290400" cy="3159360"/>
           </a:xfrm>
           <a:prstGeom prst="rect">
             <a:avLst/>
@@ -14251,7 +14207,7 @@
         <p:spPr>
           <a:xfrm>
             <a:off x="686160" y="0"/>
-            <a:ext cx="10964520" cy="1136880"/>
+            <a:ext cx="10962360" cy="1134720"/>
           </a:xfrm>
           <a:prstGeom prst="rect">
             <a:avLst/>
@@ -14317,7 +14273,7 @@
         <p:spPr>
           <a:xfrm>
             <a:off x="10515600" y="6202080"/>
-            <a:ext cx="1591920" cy="419040"/>
+            <a:ext cx="1589760" cy="416880"/>
           </a:xfrm>
           <a:prstGeom prst="rect">
             <a:avLst/>
@@ -14343,7 +14299,7 @@
                 <a:spcPct val="100000"/>
               </a:lnSpc>
             </a:pPr>
-            <a:fld id="{891C01E8-802B-413E-AC86-E943FFF7873B}" type="slidenum">
+            <a:fld id="{3F889825-4626-41B0-830C-E100B6ECEDCB}" type="slidenum">
               <a:rPr b="0" lang="en-US" sz="1600" spc="-1" strike="noStrike">
                 <a:solidFill>
                   <a:srgbClr val="000000"/>
@@ -14368,7 +14324,7 @@
         <p:spPr>
           <a:xfrm>
             <a:off x="91440" y="1600920"/>
-            <a:ext cx="4843800" cy="3882960"/>
+            <a:ext cx="4841640" cy="3880800"/>
           </a:xfrm>
           <a:prstGeom prst="rect">
             <a:avLst/>
@@ -14392,7 +14348,7 @@
             <a:noAutofit/>
           </a:bodyPr>
           <a:p>
-            <a:pPr marL="216000" indent="-213480">
+            <a:pPr marL="216000" indent="-211320">
               <a:lnSpc>
                 <a:spcPct val="100000"/>
               </a:lnSpc>
@@ -14420,7 +14376,7 @@
             </a:endParaRPr>
           </a:p>
           <a:p>
-            <a:pPr marL="216000" indent="-213480">
+            <a:pPr marL="216000" indent="-211320">
               <a:lnSpc>
                 <a:spcPct val="100000"/>
               </a:lnSpc>
@@ -14448,7 +14404,7 @@
             </a:endParaRPr>
           </a:p>
           <a:p>
-            <a:pPr lvl="1" marL="432000" indent="-213480">
+            <a:pPr lvl="1" marL="432000" indent="-211320">
               <a:lnSpc>
                 <a:spcPct val="100000"/>
               </a:lnSpc>
@@ -14477,7 +14433,7 @@
             </a:endParaRPr>
           </a:p>
           <a:p>
-            <a:pPr marL="216000" indent="-213480">
+            <a:pPr marL="216000" indent="-211320">
               <a:lnSpc>
                 <a:spcPct val="100000"/>
               </a:lnSpc>
@@ -14505,7 +14461,7 @@
             </a:endParaRPr>
           </a:p>
           <a:p>
-            <a:pPr lvl="1" marL="432000" indent="-213480">
+            <a:pPr lvl="1" marL="432000" indent="-211320">
               <a:lnSpc>
                 <a:spcPct val="100000"/>
               </a:lnSpc>
@@ -14534,7 +14490,7 @@
             </a:endParaRPr>
           </a:p>
           <a:p>
-            <a:pPr marL="216000" indent="-213480">
+            <a:pPr marL="216000" indent="-211320">
               <a:lnSpc>
                 <a:spcPct val="100000"/>
               </a:lnSpc>
@@ -14562,7 +14518,7 @@
             </a:endParaRPr>
           </a:p>
           <a:p>
-            <a:pPr lvl="1" marL="432000" indent="-213480">
+            <a:pPr lvl="1" marL="432000" indent="-211320">
               <a:lnSpc>
                 <a:spcPct val="100000"/>
               </a:lnSpc>
@@ -14591,59 +14547,27 @@
             </a:endParaRPr>
           </a:p>
           <a:p>
-            <a:pPr marL="432000" indent="-319320">
+            <a:pPr marL="112680">
               <a:lnSpc>
                 <a:spcPct val="100000"/>
               </a:lnSpc>
               <a:spcBef>
                 <a:spcPts val="1417"/>
               </a:spcBef>
-              <a:buClr>
-                <a:srgbClr val="000000"/>
-              </a:buClr>
-              <a:buSzPct val="45000"/>
-              <a:buFont typeface="Symbol"/>
-              <a:buChar char=""/>
-            </a:pPr>
-            <a:r>
-              <a:rPr b="0" lang="en-US" sz="1800" spc="-1" strike="noStrike">
-                <a:solidFill>
-                  <a:srgbClr val="000000"/>
-                </a:solidFill>
-                <a:latin typeface="Arial"/>
-                <a:ea typeface="DejaVu Sans"/>
-              </a:rPr>
-              <a:t> </a:t>
-            </a:r>
+            </a:pPr>
             <a:endParaRPr b="0" lang="en-US" sz="1800" spc="-1" strike="noStrike">
               <a:latin typeface="Arial"/>
             </a:endParaRPr>
           </a:p>
           <a:p>
-            <a:pPr marL="432000" indent="-319320">
+            <a:pPr marL="112680">
               <a:lnSpc>
                 <a:spcPct val="100000"/>
               </a:lnSpc>
               <a:spcBef>
                 <a:spcPts val="1417"/>
               </a:spcBef>
-              <a:buClr>
-                <a:srgbClr val="000000"/>
-              </a:buClr>
-              <a:buSzPct val="45000"/>
-              <a:buFont typeface="Symbol"/>
-              <a:buChar char=""/>
-            </a:pPr>
-            <a:r>
-              <a:rPr b="0" lang="en-US" sz="1800" spc="-1" strike="noStrike">
-                <a:solidFill>
-                  <a:srgbClr val="000000"/>
-                </a:solidFill>
-                <a:latin typeface="Arial"/>
-                <a:ea typeface="DejaVu Sans"/>
-              </a:rPr>
-              <a:t> </a:t>
-            </a:r>
+            </a:pPr>
             <a:endParaRPr b="0" lang="en-US" sz="1800" spc="-1" strike="noStrike">
               <a:latin typeface="Arial"/>
             </a:endParaRPr>
@@ -14652,7 +14576,7 @@
       </p:sp>
       <p:pic>
         <p:nvPicPr>
-          <p:cNvPr id="342" name="" descr=""/>
+          <p:cNvPr id="342" name="Picture 341" descr=""/>
           <p:cNvPicPr/>
           <p:nvPr/>
         </p:nvPicPr>
@@ -14663,7 +14587,7 @@
         <p:spPr>
           <a:xfrm>
             <a:off x="5669280" y="2743200"/>
-            <a:ext cx="4483440" cy="1511640"/>
+            <a:ext cx="4481280" cy="1509480"/>
           </a:xfrm>
           <a:prstGeom prst="rect">
             <a:avLst/>
@@ -14718,7 +14642,7 @@
         <p:spPr>
           <a:xfrm>
             <a:off x="686160" y="0"/>
-            <a:ext cx="10964520" cy="1136880"/>
+            <a:ext cx="10962360" cy="1134720"/>
           </a:xfrm>
           <a:prstGeom prst="rect">
             <a:avLst/>
@@ -14784,7 +14708,7 @@
         <p:spPr>
           <a:xfrm>
             <a:off x="10515600" y="6202080"/>
-            <a:ext cx="1591920" cy="419040"/>
+            <a:ext cx="1589760" cy="416880"/>
           </a:xfrm>
           <a:prstGeom prst="rect">
             <a:avLst/>
@@ -14810,7 +14734,7 @@
                 <a:spcPct val="100000"/>
               </a:lnSpc>
             </a:pPr>
-            <a:fld id="{2341B84A-0D90-4652-933F-4907A0FA5D3B}" type="slidenum">
+            <a:fld id="{C961E5DC-7FA8-4758-B7C7-978533D5A6A8}" type="slidenum">
               <a:rPr b="0" lang="en-US" sz="1600" spc="-1" strike="noStrike">
                 <a:solidFill>
                   <a:srgbClr val="000000"/>
@@ -14835,7 +14759,7 @@
         <p:spPr>
           <a:xfrm>
             <a:off x="91440" y="1600920"/>
-            <a:ext cx="5666760" cy="3882960"/>
+            <a:ext cx="5664600" cy="3880800"/>
           </a:xfrm>
           <a:prstGeom prst="rect">
             <a:avLst/>
@@ -14859,7 +14783,7 @@
             <a:noAutofit/>
           </a:bodyPr>
           <a:p>
-            <a:pPr marL="216000" indent="-213480">
+            <a:pPr marL="216000" indent="-211320">
               <a:lnSpc>
                 <a:spcPct val="100000"/>
               </a:lnSpc>
@@ -14887,7 +14811,7 @@
             </a:endParaRPr>
           </a:p>
           <a:p>
-            <a:pPr marL="216000" indent="-213480">
+            <a:pPr marL="216000" indent="-211320">
               <a:lnSpc>
                 <a:spcPct val="100000"/>
               </a:lnSpc>
@@ -14915,7 +14839,7 @@
             </a:endParaRPr>
           </a:p>
           <a:p>
-            <a:pPr lvl="1" marL="432000" indent="-213480">
+            <a:pPr lvl="1" marL="432000" indent="-211320">
               <a:lnSpc>
                 <a:spcPct val="100000"/>
               </a:lnSpc>
@@ -14944,7 +14868,7 @@
             </a:endParaRPr>
           </a:p>
           <a:p>
-            <a:pPr marL="216000" indent="-213480">
+            <a:pPr marL="216000" indent="-211320">
               <a:lnSpc>
                 <a:spcPct val="100000"/>
               </a:lnSpc>
@@ -14972,7 +14896,7 @@
             </a:endParaRPr>
           </a:p>
           <a:p>
-            <a:pPr lvl="1" marL="432000" indent="-213480">
+            <a:pPr lvl="1" marL="432000" indent="-211320">
               <a:lnSpc>
                 <a:spcPct val="100000"/>
               </a:lnSpc>
@@ -15001,7 +14925,7 @@
             </a:endParaRPr>
           </a:p>
           <a:p>
-            <a:pPr marL="216000" indent="-213480">
+            <a:pPr marL="216000" indent="-211320">
               <a:lnSpc>
                 <a:spcPct val="100000"/>
               </a:lnSpc>
@@ -15029,7 +14953,7 @@
             </a:endParaRPr>
           </a:p>
           <a:p>
-            <a:pPr lvl="1" marL="432000" indent="-213480">
+            <a:pPr lvl="1" marL="432000" indent="-211320">
               <a:lnSpc>
                 <a:spcPct val="100000"/>
               </a:lnSpc>
@@ -15061,7 +14985,7 @@
       </p:sp>
       <p:pic>
         <p:nvPicPr>
-          <p:cNvPr id="346" name="" descr=""/>
+          <p:cNvPr id="346" name="Picture 345" descr=""/>
           <p:cNvPicPr/>
           <p:nvPr/>
         </p:nvPicPr>
@@ -15072,7 +14996,7 @@
         <p:spPr>
           <a:xfrm>
             <a:off x="6035040" y="1612080"/>
-            <a:ext cx="5492880" cy="3140280"/>
+            <a:ext cx="5490720" cy="3138120"/>
           </a:xfrm>
           <a:prstGeom prst="rect">
             <a:avLst/>
@@ -15127,7 +15051,7 @@
         <p:spPr>
           <a:xfrm>
             <a:off x="722160" y="0"/>
-            <a:ext cx="10964520" cy="1136880"/>
+            <a:ext cx="10962360" cy="1134720"/>
           </a:xfrm>
           <a:prstGeom prst="rect">
             <a:avLst/>
@@ -15193,7 +15117,7 @@
         <p:spPr>
           <a:xfrm>
             <a:off x="127440" y="1600920"/>
-            <a:ext cx="5391360" cy="2145240"/>
+            <a:ext cx="5389200" cy="2143080"/>
           </a:xfrm>
           <a:prstGeom prst="rect">
             <a:avLst/>
@@ -15217,7 +15141,7 @@
             <a:noAutofit/>
           </a:bodyPr>
           <a:p>
-            <a:pPr marL="216000" indent="-213120">
+            <a:pPr marL="216000" indent="-210960">
               <a:lnSpc>
                 <a:spcPct val="100000"/>
               </a:lnSpc>
@@ -15245,7 +15169,7 @@
             </a:endParaRPr>
           </a:p>
           <a:p>
-            <a:pPr marL="216000" indent="-213120">
+            <a:pPr marL="216000" indent="-210960">
               <a:lnSpc>
                 <a:spcPct val="100000"/>
               </a:lnSpc>
@@ -15266,14 +15190,14 @@
                 <a:latin typeface="Arial"/>
                 <a:ea typeface="DejaVu Sans"/>
               </a:rPr>
-              <a:t>Request: Ensure the minimum amount of resources required for the container</a:t>
+              <a:t>Request: Ensure the minimum number of resources required for the container</a:t>
             </a:r>
             <a:endParaRPr b="0" lang="en-US" sz="1800" spc="-1" strike="noStrike">
               <a:latin typeface="Arial"/>
             </a:endParaRPr>
           </a:p>
           <a:p>
-            <a:pPr marL="216000" indent="-213120">
+            <a:pPr marL="216000" indent="-210960">
               <a:lnSpc>
                 <a:spcPct val="100000"/>
               </a:lnSpc>
@@ -15294,7 +15218,7 @@
                 <a:latin typeface="Arial"/>
                 <a:ea typeface="DejaVu Sans"/>
               </a:rPr>
-              <a:t>Limit: Is the maximum amount of resources that Kubernetes will allow the container to use</a:t>
+              <a:t>Limit: Is the maximum number of resources that Kubernetes will allow the container to use</a:t>
             </a:r>
             <a:endParaRPr b="0" lang="en-US" sz="1800" spc="-1" strike="noStrike">
               <a:latin typeface="Arial"/>
@@ -15311,7 +15235,7 @@
         <p:spPr>
           <a:xfrm>
             <a:off x="10551600" y="6202080"/>
-            <a:ext cx="1591920" cy="419040"/>
+            <a:ext cx="1589760" cy="416880"/>
           </a:xfrm>
           <a:prstGeom prst="rect">
             <a:avLst/>
@@ -15337,7 +15261,7 @@
                 <a:spcPct val="100000"/>
               </a:lnSpc>
             </a:pPr>
-            <a:fld id="{77CD50FE-7F3E-4C93-987D-38E3CBD7EDDF}" type="slidenum">
+            <a:fld id="{E54E6FD4-EAE7-43EA-A1F6-63B2248FEDE7}" type="slidenum">
               <a:rPr b="0" lang="en-US" sz="1600" spc="-1" strike="noStrike">
                 <a:solidFill>
                   <a:srgbClr val="000000"/>
@@ -15355,7 +15279,7 @@
       </p:sp>
       <p:pic>
         <p:nvPicPr>
-          <p:cNvPr id="350" name="" descr=""/>
+          <p:cNvPr id="350" name="Picture 349" descr=""/>
           <p:cNvPicPr/>
           <p:nvPr/>
         </p:nvPicPr>
@@ -15366,7 +15290,7 @@
         <p:spPr>
           <a:xfrm>
             <a:off x="9052560" y="1566360"/>
-            <a:ext cx="2216160" cy="4282920"/>
+            <a:ext cx="2214000" cy="4280760"/>
           </a:xfrm>
           <a:prstGeom prst="rect">
             <a:avLst/>
@@ -15384,7 +15308,7 @@
       </p:pic>
       <p:pic>
         <p:nvPicPr>
-          <p:cNvPr id="351" name="" descr=""/>
+          <p:cNvPr id="351" name="Picture 350" descr=""/>
           <p:cNvPicPr/>
           <p:nvPr/>
         </p:nvPicPr>
@@ -15395,7 +15319,7 @@
         <p:spPr>
           <a:xfrm>
             <a:off x="6309360" y="1554480"/>
-            <a:ext cx="1958760" cy="3159000"/>
+            <a:ext cx="1956600" cy="3156840"/>
           </a:xfrm>
           <a:prstGeom prst="rect">
             <a:avLst/>
@@ -15450,7 +15374,7 @@
         <p:spPr>
           <a:xfrm>
             <a:off x="686160" y="0"/>
-            <a:ext cx="10964520" cy="1136880"/>
+            <a:ext cx="10962360" cy="1134720"/>
           </a:xfrm>
           <a:prstGeom prst="rect">
             <a:avLst/>
@@ -15516,7 +15440,7 @@
         <p:spPr>
           <a:xfrm>
             <a:off x="457200" y="1600200"/>
-            <a:ext cx="3880800" cy="907920"/>
+            <a:ext cx="3878640" cy="905760"/>
           </a:xfrm>
           <a:prstGeom prst="rect">
             <a:avLst/>
@@ -15540,7 +15464,7 @@
             <a:noAutofit/>
           </a:bodyPr>
           <a:p>
-            <a:pPr marL="432000" indent="-319320">
+            <a:pPr marL="432000" indent="-317160">
               <a:lnSpc>
                 <a:spcPct val="100000"/>
               </a:lnSpc>
@@ -15579,7 +15503,7 @@
         <p:spPr>
           <a:xfrm>
             <a:off x="10515600" y="6202080"/>
-            <a:ext cx="1591920" cy="419040"/>
+            <a:ext cx="1589760" cy="416880"/>
           </a:xfrm>
           <a:prstGeom prst="rect">
             <a:avLst/>
@@ -15605,7 +15529,7 @@
                 <a:spcPct val="100000"/>
               </a:lnSpc>
             </a:pPr>
-            <a:fld id="{A3EAAC7C-E77D-402E-9879-A5B57BD3E87D}" type="slidenum">
+            <a:fld id="{4B87D8CB-0807-4A8C-9930-6A82A3CE5B1B}" type="slidenum">
               <a:rPr b="0" lang="en-US" sz="1600" spc="-1" strike="noStrike">
                 <a:solidFill>
                   <a:srgbClr val="000000"/>
@@ -15623,7 +15547,7 @@
       </p:sp>
       <p:pic>
         <p:nvPicPr>
-          <p:cNvPr id="355" name="" descr=""/>
+          <p:cNvPr id="355" name="Picture 354" descr=""/>
           <p:cNvPicPr/>
           <p:nvPr/>
         </p:nvPicPr>
@@ -15634,7 +15558,7 @@
         <p:spPr>
           <a:xfrm>
             <a:off x="8056440" y="2057400"/>
-            <a:ext cx="3880800" cy="3652200"/>
+            <a:ext cx="3878640" cy="3650040"/>
           </a:xfrm>
           <a:prstGeom prst="rect">
             <a:avLst/>
@@ -15649,7 +15573,7 @@
       </p:pic>
       <p:pic>
         <p:nvPicPr>
-          <p:cNvPr id="356" name="" descr=""/>
+          <p:cNvPr id="356" name="Picture 355" descr=""/>
           <p:cNvPicPr/>
           <p:nvPr/>
         </p:nvPicPr>
@@ -15660,7 +15584,7 @@
         <p:spPr>
           <a:xfrm>
             <a:off x="5029200" y="2057400"/>
-            <a:ext cx="2225160" cy="3652560"/>
+            <a:ext cx="2223000" cy="3650400"/>
           </a:xfrm>
           <a:prstGeom prst="rect">
             <a:avLst/>
@@ -15712,7 +15636,7 @@
         <p:spPr>
           <a:xfrm>
             <a:off x="686160" y="0"/>
-            <a:ext cx="10964520" cy="1136880"/>
+            <a:ext cx="10962360" cy="1134720"/>
           </a:xfrm>
           <a:prstGeom prst="rect">
             <a:avLst/>
@@ -15778,7 +15702,7 @@
         <p:spPr>
           <a:xfrm>
             <a:off x="457560" y="1371960"/>
-            <a:ext cx="5478840" cy="5250960"/>
+            <a:ext cx="5476680" cy="5248800"/>
           </a:xfrm>
           <a:prstGeom prst="rect">
             <a:avLst/>
@@ -15802,7 +15726,7 @@
             <a:noAutofit/>
           </a:bodyPr>
           <a:p>
-            <a:pPr marL="432000" indent="-319320">
+            <a:pPr marL="432000" indent="-317160">
               <a:lnSpc>
                 <a:spcPct val="100000"/>
               </a:lnSpc>
@@ -15831,7 +15755,7 @@
             </a:endParaRPr>
           </a:p>
           <a:p>
-            <a:pPr marL="432000" indent="-319320">
+            <a:pPr marL="432000" indent="-317160">
               <a:lnSpc>
                 <a:spcPct val="100000"/>
               </a:lnSpc>
@@ -15860,7 +15784,7 @@
             </a:endParaRPr>
           </a:p>
           <a:p>
-            <a:pPr lvl="1" marL="864000" indent="-319320">
+            <a:pPr lvl="1" marL="864000" indent="-317160">
               <a:lnSpc>
                 <a:spcPct val="100000"/>
               </a:lnSpc>
@@ -15889,7 +15813,7 @@
             </a:endParaRPr>
           </a:p>
           <a:p>
-            <a:pPr lvl="1" marL="864000" indent="-319320">
+            <a:pPr lvl="1" marL="864000" indent="-317160">
               <a:lnSpc>
                 <a:spcPct val="100000"/>
               </a:lnSpc>
@@ -15918,7 +15842,7 @@
             </a:endParaRPr>
           </a:p>
           <a:p>
-            <a:pPr marL="432000" indent="-319320">
+            <a:pPr marL="432000" indent="-317160">
               <a:lnSpc>
                 <a:spcPct val="100000"/>
               </a:lnSpc>
@@ -15947,7 +15871,7 @@
             </a:endParaRPr>
           </a:p>
           <a:p>
-            <a:pPr lvl="1" marL="864000" indent="-319320">
+            <a:pPr lvl="1" marL="864000" indent="-317160">
               <a:lnSpc>
                 <a:spcPct val="100000"/>
               </a:lnSpc>
@@ -15976,7 +15900,7 @@
             </a:endParaRPr>
           </a:p>
           <a:p>
-            <a:pPr lvl="1" marL="864000" indent="-319320">
+            <a:pPr lvl="1" marL="864000" indent="-317160">
               <a:lnSpc>
                 <a:spcPct val="100000"/>
               </a:lnSpc>
@@ -16005,7 +15929,7 @@
             </a:endParaRPr>
           </a:p>
           <a:p>
-            <a:pPr lvl="2" marL="1296000" indent="-283320">
+            <a:pPr lvl="2" marL="1296000" indent="-281160">
               <a:lnSpc>
                 <a:spcPct val="100000"/>
               </a:lnSpc>
@@ -16027,14 +15951,14 @@
                 <a:latin typeface="Arial"/>
                 <a:ea typeface="DejaVu Sans"/>
               </a:rPr>
-              <a:t>Provide an unique fixed cluster node port for external access</a:t>
+              <a:t>Provide a unique fixed cluster node port for external access</a:t>
             </a:r>
             <a:endParaRPr b="0" lang="en-US" sz="1800" spc="-1" strike="noStrike">
               <a:latin typeface="Arial"/>
             </a:endParaRPr>
           </a:p>
           <a:p>
-            <a:pPr lvl="2" marL="1296000" indent="-283320">
+            <a:pPr lvl="2" marL="1296000" indent="-281160">
               <a:lnSpc>
                 <a:spcPct val="100000"/>
               </a:lnSpc>
@@ -16063,7 +15987,7 @@
             </a:endParaRPr>
           </a:p>
           <a:p>
-            <a:pPr lvl="1" marL="864000" indent="-319320">
+            <a:pPr lvl="1" marL="864000" indent="-317160">
               <a:lnSpc>
                 <a:spcPct val="100000"/>
               </a:lnSpc>
@@ -16102,7 +16026,7 @@
         <p:spPr>
           <a:xfrm>
             <a:off x="10515600" y="6202080"/>
-            <a:ext cx="1591920" cy="419040"/>
+            <a:ext cx="1589760" cy="416880"/>
           </a:xfrm>
           <a:prstGeom prst="rect">
             <a:avLst/>
@@ -16128,7 +16052,7 @@
                 <a:spcPct val="100000"/>
               </a:lnSpc>
             </a:pPr>
-            <a:fld id="{85AA577F-6CB3-485A-94CA-3B897B96051A}" type="slidenum">
+            <a:fld id="{EA4F6021-51AF-4A38-AC04-181039BD0B82}" type="slidenum">
               <a:rPr b="0" lang="en-US" sz="1600" spc="-1" strike="noStrike">
                 <a:solidFill>
                   <a:srgbClr val="000000"/>
@@ -16146,7 +16070,7 @@
       </p:sp>
       <p:pic>
         <p:nvPicPr>
-          <p:cNvPr id="360" name="" descr=""/>
+          <p:cNvPr id="360" name="Picture 359" descr=""/>
           <p:cNvPicPr/>
           <p:nvPr/>
         </p:nvPicPr>
@@ -16157,7 +16081,7 @@
         <p:spPr>
           <a:xfrm>
             <a:off x="5943600" y="1268640"/>
-            <a:ext cx="3485160" cy="4678200"/>
+            <a:ext cx="3483000" cy="4676040"/>
           </a:xfrm>
           <a:prstGeom prst="rect">
             <a:avLst/>
@@ -16169,7 +16093,7 @@
       </p:pic>
       <p:pic>
         <p:nvPicPr>
-          <p:cNvPr id="361" name="" descr=""/>
+          <p:cNvPr id="361" name="Picture 360" descr=""/>
           <p:cNvPicPr/>
           <p:nvPr/>
         </p:nvPicPr>
@@ -16180,7 +16104,7 @@
         <p:spPr>
           <a:xfrm>
             <a:off x="9706320" y="1419480"/>
-            <a:ext cx="2401920" cy="4287960"/>
+            <a:ext cx="2399760" cy="4285800"/>
           </a:xfrm>
           <a:prstGeom prst="rect">
             <a:avLst/>
@@ -16233,7 +16157,7 @@
         <p:spPr>
           <a:xfrm>
             <a:off x="686160" y="0"/>
-            <a:ext cx="10964520" cy="1136880"/>
+            <a:ext cx="10962360" cy="1134720"/>
           </a:xfrm>
           <a:prstGeom prst="rect">
             <a:avLst/>
@@ -16299,7 +16223,7 @@
         <p:spPr>
           <a:xfrm>
             <a:off x="10515600" y="6202080"/>
-            <a:ext cx="1591920" cy="419040"/>
+            <a:ext cx="1589760" cy="416880"/>
           </a:xfrm>
           <a:prstGeom prst="rect">
             <a:avLst/>
@@ -16325,7 +16249,7 @@
                 <a:spcPct val="100000"/>
               </a:lnSpc>
             </a:pPr>
-            <a:fld id="{44C63ABC-B4F0-4781-8CF6-04B1C7F98D5E}" type="slidenum">
+            <a:fld id="{BEB9FAB4-BFF6-419F-9928-767DD02038DE}" type="slidenum">
               <a:rPr b="0" lang="en-US" sz="1600" spc="-1" strike="noStrike">
                 <a:solidFill>
                   <a:srgbClr val="000000"/>
@@ -16343,7 +16267,7 @@
       </p:sp>
       <p:pic>
         <p:nvPicPr>
-          <p:cNvPr id="364" name="" descr=""/>
+          <p:cNvPr id="364" name="Picture 363" descr=""/>
           <p:cNvPicPr/>
           <p:nvPr/>
         </p:nvPicPr>
@@ -16354,7 +16278,7 @@
         <p:spPr>
           <a:xfrm>
             <a:off x="3434040" y="3972240"/>
-            <a:ext cx="1668960" cy="1964160"/>
+            <a:ext cx="1666800" cy="1962000"/>
           </a:xfrm>
           <a:prstGeom prst="rect">
             <a:avLst/>
@@ -16369,7 +16293,7 @@
       </p:pic>
       <p:pic>
         <p:nvPicPr>
-          <p:cNvPr id="365" name="" descr=""/>
+          <p:cNvPr id="365" name="Picture 364" descr=""/>
           <p:cNvPicPr/>
           <p:nvPr/>
         </p:nvPicPr>
@@ -16380,7 +16304,7 @@
         <p:spPr>
           <a:xfrm>
             <a:off x="228600" y="1828800"/>
-            <a:ext cx="3193200" cy="4326480"/>
+            <a:ext cx="3191040" cy="4324320"/>
           </a:xfrm>
           <a:prstGeom prst="rect">
             <a:avLst/>
@@ -16392,7 +16316,7 @@
       </p:pic>
       <p:pic>
         <p:nvPicPr>
-          <p:cNvPr id="366" name="" descr=""/>
+          <p:cNvPr id="366" name="Picture 365" descr=""/>
           <p:cNvPicPr/>
           <p:nvPr/>
         </p:nvPicPr>
@@ -16403,7 +16327,7 @@
         <p:spPr>
           <a:xfrm>
             <a:off x="6445080" y="1828800"/>
-            <a:ext cx="3377520" cy="4336200"/>
+            <a:ext cx="3375360" cy="4334040"/>
           </a:xfrm>
           <a:prstGeom prst="rect">
             <a:avLst/>
@@ -16415,7 +16339,7 @@
       </p:pic>
       <p:pic>
         <p:nvPicPr>
-          <p:cNvPr id="367" name="" descr=""/>
+          <p:cNvPr id="367" name="Picture 366" descr=""/>
           <p:cNvPicPr/>
           <p:nvPr/>
         </p:nvPicPr>
@@ -16426,7 +16350,7 @@
         <p:spPr>
           <a:xfrm>
             <a:off x="9829800" y="3972240"/>
-            <a:ext cx="1668960" cy="1964160"/>
+            <a:ext cx="1666800" cy="1962000"/>
           </a:xfrm>
           <a:prstGeom prst="rect">
             <a:avLst/>
@@ -16478,7 +16402,7 @@
         <p:spPr>
           <a:xfrm>
             <a:off x="838080" y="405360"/>
-            <a:ext cx="10283760" cy="529200"/>
+            <a:ext cx="10281600" cy="527040"/>
           </a:xfrm>
           <a:prstGeom prst="rect">
             <a:avLst/>
@@ -16529,7 +16453,7 @@
         <p:spPr>
           <a:xfrm>
             <a:off x="838440" y="2012040"/>
-            <a:ext cx="5030640" cy="3648240"/>
+            <a:ext cx="5028480" cy="3646080"/>
           </a:xfrm>
           <a:prstGeom prst="rect">
             <a:avLst/>
@@ -16550,7 +16474,7 @@
             <a:noAutofit/>
           </a:bodyPr>
           <a:p>
-            <a:pPr marL="228600" indent="-223920">
+            <a:pPr marL="228600" indent="-221760">
               <a:lnSpc>
                 <a:spcPct val="90000"/>
               </a:lnSpc>
@@ -16564,16 +16488,36 @@
               <a:buChar char=""/>
             </a:pPr>
             <a:r>
-              <a:rPr b="0" lang="en-US" sz="1600" spc="-1" strike="noStrike">
+              <a:rPr b="0" lang="en-US" sz="1800" spc="-1" strike="noStrike">
                 <a:solidFill>
                   <a:srgbClr val="3c3e41"/>
                 </a:solidFill>
                 <a:latin typeface="Arial"/>
                 <a:ea typeface="DejaVu Sans"/>
               </a:rPr>
-              <a:t>Aimed at providing readers “main features of Kubernetes used in real projects”.</a:t>
-            </a:r>
-            <a:endParaRPr b="0" lang="en-US" sz="1600" spc="-1" strike="noStrike">
+              <a:t>Aimed at providing readers </a:t>
+            </a:r>
+            <a:r>
+              <a:rPr b="0" lang="en-US" sz="1800" spc="-1" strike="noStrike">
+                <a:solidFill>
+                  <a:srgbClr val="000000"/>
+                </a:solidFill>
+                <a:latin typeface="Arial"/>
+                <a:ea typeface="DejaVu Sans"/>
+              </a:rPr>
+              <a:t>with some </a:t>
+            </a:r>
+            <a:r>
+              <a:rPr b="0" lang="en-US" sz="1800" spc="-1" strike="noStrike">
+                <a:solidFill>
+                  <a:srgbClr val="3c3e41"/>
+                </a:solidFill>
+                <a:latin typeface="Arial"/>
+                <a:ea typeface="DejaVu Sans"/>
+              </a:rPr>
+              <a:t>“main objects of Kubernetes used in real projects”</a:t>
+            </a:r>
+            <a:endParaRPr b="0" lang="en-US" sz="1800" spc="-1" strike="noStrike">
               <a:latin typeface="Arial"/>
             </a:endParaRPr>
           </a:p>
@@ -16588,7 +16532,7 @@
         <p:spPr>
           <a:xfrm>
             <a:off x="838080" y="1399680"/>
-            <a:ext cx="5030640" cy="476280"/>
+            <a:ext cx="5028480" cy="474120"/>
           </a:xfrm>
           <a:prstGeom prst="rect">
             <a:avLst/>
@@ -16645,7 +16589,7 @@
         <p:spPr>
           <a:xfrm>
             <a:off x="6240960" y="1399680"/>
-            <a:ext cx="5030640" cy="476280"/>
+            <a:ext cx="5028480" cy="474120"/>
           </a:xfrm>
           <a:prstGeom prst="rect">
             <a:avLst/>
@@ -16702,7 +16646,7 @@
         <p:spPr>
           <a:xfrm>
             <a:off x="6240960" y="2021400"/>
-            <a:ext cx="5866200" cy="1293120"/>
+            <a:ext cx="5864040" cy="1290960"/>
           </a:xfrm>
           <a:prstGeom prst="rect">
             <a:avLst/>
@@ -16723,7 +16667,7 @@
             <a:noAutofit/>
           </a:bodyPr>
           <a:p>
-            <a:pPr marL="228600" indent="-223920">
+            <a:pPr marL="228600" indent="-221760">
               <a:lnSpc>
                 <a:spcPct val="90000"/>
               </a:lnSpc>
@@ -16751,7 +16695,7 @@
             </a:endParaRPr>
           </a:p>
           <a:p>
-            <a:pPr marL="228600" indent="-223920">
+            <a:pPr marL="228600" indent="-221760">
               <a:lnSpc>
                 <a:spcPct val="90000"/>
               </a:lnSpc>
@@ -16819,7 +16763,7 @@
         <p:spPr>
           <a:xfrm>
             <a:off x="686160" y="0"/>
-            <a:ext cx="10964520" cy="1136880"/>
+            <a:ext cx="10962360" cy="1134720"/>
           </a:xfrm>
           <a:prstGeom prst="rect">
             <a:avLst/>
@@ -16885,7 +16829,7 @@
         <p:spPr>
           <a:xfrm>
             <a:off x="228600" y="1600200"/>
-            <a:ext cx="3652200" cy="1594800"/>
+            <a:ext cx="3650040" cy="1592640"/>
           </a:xfrm>
           <a:prstGeom prst="rect">
             <a:avLst/>
@@ -16909,7 +16853,7 @@
             <a:noAutofit/>
           </a:bodyPr>
           <a:p>
-            <a:pPr marL="432000" indent="-319320">
+            <a:pPr marL="432000" indent="-317160">
               <a:lnSpc>
                 <a:spcPct val="100000"/>
               </a:lnSpc>
@@ -17008,7 +16952,7 @@
         <p:spPr>
           <a:xfrm>
             <a:off x="10515600" y="6202080"/>
-            <a:ext cx="1591920" cy="419040"/>
+            <a:ext cx="1589760" cy="416880"/>
           </a:xfrm>
           <a:prstGeom prst="rect">
             <a:avLst/>
@@ -17034,7 +16978,7 @@
                 <a:spcPct val="100000"/>
               </a:lnSpc>
             </a:pPr>
-            <a:fld id="{AE49DE8A-68FE-4595-A1E6-46F06B599D6E}" type="slidenum">
+            <a:fld id="{F7B885FC-A3C7-4C0D-93E0-58D999A74815}" type="slidenum">
               <a:rPr b="0" lang="en-US" sz="1600" spc="-1" strike="noStrike">
                 <a:solidFill>
                   <a:srgbClr val="000000"/>
@@ -17052,7 +16996,7 @@
       </p:sp>
       <p:pic>
         <p:nvPicPr>
-          <p:cNvPr id="371" name="" descr=""/>
+          <p:cNvPr id="371" name="Picture 370" descr=""/>
           <p:cNvPicPr/>
           <p:nvPr/>
         </p:nvPicPr>
@@ -17063,7 +17007,7 @@
         <p:spPr>
           <a:xfrm>
             <a:off x="8258400" y="1600200"/>
-            <a:ext cx="3852000" cy="4338000"/>
+            <a:ext cx="3849840" cy="4335840"/>
           </a:xfrm>
           <a:prstGeom prst="rect">
             <a:avLst/>
@@ -17078,7 +17022,7 @@
       </p:pic>
       <p:pic>
         <p:nvPicPr>
-          <p:cNvPr id="372" name="" descr=""/>
+          <p:cNvPr id="372" name="Picture 371" descr=""/>
           <p:cNvPicPr/>
           <p:nvPr/>
         </p:nvPicPr>
@@ -17089,7 +17033,7 @@
         <p:spPr>
           <a:xfrm>
             <a:off x="4064400" y="1600200"/>
-            <a:ext cx="4070880" cy="4338000"/>
+            <a:ext cx="4068720" cy="4335840"/>
           </a:xfrm>
           <a:prstGeom prst="rect">
             <a:avLst/>
@@ -17141,7 +17085,7 @@
         <p:spPr>
           <a:xfrm>
             <a:off x="686160" y="0"/>
-            <a:ext cx="10964520" cy="1136880"/>
+            <a:ext cx="10962360" cy="1134720"/>
           </a:xfrm>
           <a:prstGeom prst="rect">
             <a:avLst/>
@@ -17217,7 +17161,7 @@
         <p:spPr>
           <a:xfrm>
             <a:off x="228600" y="1600200"/>
-            <a:ext cx="4793760" cy="2279160"/>
+            <a:ext cx="4791600" cy="2277000"/>
           </a:xfrm>
           <a:prstGeom prst="rect">
             <a:avLst/>
@@ -17241,7 +17185,7 @@
             <a:noAutofit/>
           </a:bodyPr>
           <a:p>
-            <a:pPr marL="432000" indent="-319320">
+            <a:pPr marL="432000" indent="-317160">
               <a:lnSpc>
                 <a:spcPct val="100000"/>
               </a:lnSpc>
@@ -17270,7 +17214,7 @@
             </a:endParaRPr>
           </a:p>
           <a:p>
-            <a:pPr marL="432000" indent="-319320">
+            <a:pPr marL="432000" indent="-317160">
               <a:lnSpc>
                 <a:spcPct val="100000"/>
               </a:lnSpc>
@@ -17299,7 +17243,7 @@
             </a:endParaRPr>
           </a:p>
           <a:p>
-            <a:pPr lvl="1" marL="864000" indent="-319320">
+            <a:pPr lvl="1" marL="864000" indent="-317160">
               <a:lnSpc>
                 <a:spcPct val="100000"/>
               </a:lnSpc>
@@ -17328,7 +17272,7 @@
             </a:endParaRPr>
           </a:p>
           <a:p>
-            <a:pPr lvl="1" marL="864000" indent="-319320">
+            <a:pPr lvl="1" marL="864000" indent="-317160">
               <a:lnSpc>
                 <a:spcPct val="100000"/>
               </a:lnSpc>
@@ -17357,7 +17301,7 @@
             </a:endParaRPr>
           </a:p>
           <a:p>
-            <a:pPr marL="432000" indent="-319320">
+            <a:pPr marL="432000" indent="-317160">
               <a:lnSpc>
                 <a:spcPct val="100000"/>
               </a:lnSpc>
@@ -17416,7 +17360,7 @@
         <p:spPr>
           <a:xfrm>
             <a:off x="10515600" y="6202080"/>
-            <a:ext cx="1591920" cy="419040"/>
+            <a:ext cx="1589760" cy="416880"/>
           </a:xfrm>
           <a:prstGeom prst="rect">
             <a:avLst/>
@@ -17442,7 +17386,7 @@
                 <a:spcPct val="100000"/>
               </a:lnSpc>
             </a:pPr>
-            <a:fld id="{AF8F027D-11DB-48C5-AD83-616C6F063F6F}" type="slidenum">
+            <a:fld id="{56A1557D-831F-4219-9B42-93CC024B4F1D}" type="slidenum">
               <a:rPr b="0" lang="en-US" sz="1600" spc="-1" strike="noStrike">
                 <a:solidFill>
                   <a:srgbClr val="000000"/>
@@ -17460,7 +17404,7 @@
       </p:sp>
       <p:pic>
         <p:nvPicPr>
-          <p:cNvPr id="376" name="" descr=""/>
+          <p:cNvPr id="376" name="Picture 375" descr=""/>
           <p:cNvPicPr/>
           <p:nvPr/>
         </p:nvPicPr>
@@ -17471,7 +17415,7 @@
         <p:spPr>
           <a:xfrm>
             <a:off x="228600" y="4114800"/>
-            <a:ext cx="2945520" cy="1983600"/>
+            <a:ext cx="2943360" cy="1981440"/>
           </a:xfrm>
           <a:prstGeom prst="rect">
             <a:avLst/>
@@ -17483,7 +17427,7 @@
       </p:pic>
       <p:pic>
         <p:nvPicPr>
-          <p:cNvPr id="377" name="" descr=""/>
+          <p:cNvPr id="377" name="Picture 376" descr=""/>
           <p:cNvPicPr/>
           <p:nvPr/>
         </p:nvPicPr>
@@ -17494,7 +17438,7 @@
         <p:spPr>
           <a:xfrm>
             <a:off x="6629400" y="1771920"/>
-            <a:ext cx="2154960" cy="1421640"/>
+            <a:ext cx="2152800" cy="1419480"/>
           </a:xfrm>
           <a:prstGeom prst="rect">
             <a:avLst/>
@@ -17509,7 +17453,7 @@
       </p:pic>
       <p:pic>
         <p:nvPicPr>
-          <p:cNvPr id="378" name="" descr=""/>
+          <p:cNvPr id="378" name="Picture 377" descr=""/>
           <p:cNvPicPr/>
           <p:nvPr/>
         </p:nvPicPr>
@@ -17520,7 +17464,7 @@
         <p:spPr>
           <a:xfrm>
             <a:off x="9258480" y="1828800"/>
-            <a:ext cx="1937160" cy="3822840"/>
+            <a:ext cx="1935000" cy="3820680"/>
           </a:xfrm>
           <a:prstGeom prst="rect">
             <a:avLst/>
@@ -17572,7 +17516,7 @@
         <p:spPr>
           <a:xfrm>
             <a:off x="686160" y="0"/>
-            <a:ext cx="10964520" cy="1136880"/>
+            <a:ext cx="10962360" cy="1134720"/>
           </a:xfrm>
           <a:prstGeom prst="rect">
             <a:avLst/>
@@ -17648,7 +17592,7 @@
         <p:spPr>
           <a:xfrm>
             <a:off x="228600" y="1600200"/>
-            <a:ext cx="5022360" cy="2507760"/>
+            <a:ext cx="5020200" cy="2505600"/>
           </a:xfrm>
           <a:prstGeom prst="rect">
             <a:avLst/>
@@ -17672,7 +17616,7 @@
             <a:noAutofit/>
           </a:bodyPr>
           <a:p>
-            <a:pPr marL="432000" indent="-319320">
+            <a:pPr marL="432000" indent="-317160">
               <a:lnSpc>
                 <a:spcPct val="100000"/>
               </a:lnSpc>
@@ -17701,7 +17645,7 @@
             </a:endParaRPr>
           </a:p>
           <a:p>
-            <a:pPr marL="432000" indent="-319320">
+            <a:pPr marL="432000" indent="-317160">
               <a:lnSpc>
                 <a:spcPct val="100000"/>
               </a:lnSpc>
@@ -17730,7 +17674,7 @@
             </a:endParaRPr>
           </a:p>
           <a:p>
-            <a:pPr lvl="1" marL="864000" indent="-319320">
+            <a:pPr lvl="1" marL="864000" indent="-317160">
               <a:lnSpc>
                 <a:spcPct val="100000"/>
               </a:lnSpc>
@@ -17759,7 +17703,7 @@
             </a:endParaRPr>
           </a:p>
           <a:p>
-            <a:pPr lvl="1" marL="864000" indent="-319320">
+            <a:pPr lvl="1" marL="864000" indent="-317160">
               <a:lnSpc>
                 <a:spcPct val="100000"/>
               </a:lnSpc>
@@ -17788,7 +17732,7 @@
             </a:endParaRPr>
           </a:p>
           <a:p>
-            <a:pPr marL="432000" indent="-319320">
+            <a:pPr marL="432000" indent="-317160">
               <a:lnSpc>
                 <a:spcPct val="100000"/>
               </a:lnSpc>
@@ -17847,7 +17791,7 @@
         <p:spPr>
           <a:xfrm>
             <a:off x="10515600" y="6202080"/>
-            <a:ext cx="1591920" cy="419040"/>
+            <a:ext cx="1589760" cy="416880"/>
           </a:xfrm>
           <a:prstGeom prst="rect">
             <a:avLst/>
@@ -17873,7 +17817,7 @@
                 <a:spcPct val="100000"/>
               </a:lnSpc>
             </a:pPr>
-            <a:fld id="{B38525BA-3727-457E-87AB-55A1294763E7}" type="slidenum">
+            <a:fld id="{9D271BAE-3F25-45A3-A309-F5F9E49F4565}" type="slidenum">
               <a:rPr b="0" lang="en-US" sz="1600" spc="-1" strike="noStrike">
                 <a:solidFill>
                   <a:srgbClr val="000000"/>
@@ -17891,7 +17835,7 @@
       </p:sp>
       <p:pic>
         <p:nvPicPr>
-          <p:cNvPr id="382" name="" descr=""/>
+          <p:cNvPr id="382" name="Picture 381" descr=""/>
           <p:cNvPicPr/>
           <p:nvPr/>
         </p:nvPicPr>
@@ -17902,7 +17846,7 @@
         <p:spPr>
           <a:xfrm>
             <a:off x="6858000" y="1595520"/>
-            <a:ext cx="1936080" cy="1173960"/>
+            <a:ext cx="1933920" cy="1171800"/>
           </a:xfrm>
           <a:prstGeom prst="rect">
             <a:avLst/>
@@ -17917,7 +17861,7 @@
       </p:pic>
       <p:pic>
         <p:nvPicPr>
-          <p:cNvPr id="383" name="" descr=""/>
+          <p:cNvPr id="383" name="Picture 382" descr=""/>
           <p:cNvPicPr/>
           <p:nvPr/>
         </p:nvPicPr>
@@ -17928,7 +17872,7 @@
         <p:spPr>
           <a:xfrm>
             <a:off x="486000" y="4343400"/>
-            <a:ext cx="2478960" cy="1983600"/>
+            <a:ext cx="2476800" cy="1981440"/>
           </a:xfrm>
           <a:prstGeom prst="rect">
             <a:avLst/>
@@ -17940,7 +17884,7 @@
       </p:pic>
       <p:pic>
         <p:nvPicPr>
-          <p:cNvPr id="384" name="" descr=""/>
+          <p:cNvPr id="384" name="Picture 383" descr=""/>
           <p:cNvPicPr/>
           <p:nvPr/>
         </p:nvPicPr>
@@ -17951,7 +17895,7 @@
         <p:spPr>
           <a:xfrm>
             <a:off x="9372600" y="1600200"/>
-            <a:ext cx="1937160" cy="4042080"/>
+            <a:ext cx="1935000" cy="4039920"/>
           </a:xfrm>
           <a:prstGeom prst="rect">
             <a:avLst/>
@@ -18003,7 +17947,7 @@
         <p:spPr>
           <a:xfrm>
             <a:off x="686160" y="0"/>
-            <a:ext cx="10964520" cy="1136880"/>
+            <a:ext cx="10962360" cy="1134720"/>
           </a:xfrm>
           <a:prstGeom prst="rect">
             <a:avLst/>
@@ -18069,7 +18013,7 @@
         <p:spPr>
           <a:xfrm>
             <a:off x="-228600" y="1371600"/>
-            <a:ext cx="4108680" cy="5023080"/>
+            <a:ext cx="4106520" cy="5020920"/>
           </a:xfrm>
           <a:prstGeom prst="rect">
             <a:avLst/>
@@ -18093,7 +18037,7 @@
             <a:noAutofit/>
           </a:bodyPr>
           <a:p>
-            <a:pPr marL="432000" indent="-319320">
+            <a:pPr marL="432000" indent="-317160">
               <a:lnSpc>
                 <a:spcPct val="100000"/>
               </a:lnSpc>
@@ -18122,7 +18066,7 @@
             </a:endParaRPr>
           </a:p>
           <a:p>
-            <a:pPr lvl="1" marL="864000" indent="-319320">
+            <a:pPr lvl="1" marL="864000" indent="-317160">
               <a:lnSpc>
                 <a:spcPct val="100000"/>
               </a:lnSpc>
@@ -18161,7 +18105,7 @@
             </a:endParaRPr>
           </a:p>
           <a:p>
-            <a:pPr lvl="1" marL="864000" indent="-319320">
+            <a:pPr lvl="1" marL="864000" indent="-317160">
               <a:lnSpc>
                 <a:spcPct val="100000"/>
               </a:lnSpc>
@@ -18190,7 +18134,7 @@
             </a:endParaRPr>
           </a:p>
           <a:p>
-            <a:pPr lvl="1" marL="864000" indent="-319320">
+            <a:pPr lvl="1" marL="864000" indent="-317160">
               <a:lnSpc>
                 <a:spcPct val="100000"/>
               </a:lnSpc>
@@ -18219,7 +18163,7 @@
             </a:endParaRPr>
           </a:p>
           <a:p>
-            <a:pPr marL="432000" indent="-319320">
+            <a:pPr marL="432000" indent="-317160">
               <a:lnSpc>
                 <a:spcPct val="100000"/>
               </a:lnSpc>
@@ -18248,7 +18192,7 @@
             </a:endParaRPr>
           </a:p>
           <a:p>
-            <a:pPr lvl="1" marL="864000" indent="-319320">
+            <a:pPr lvl="1" marL="864000" indent="-317160">
               <a:lnSpc>
                 <a:spcPct val="100000"/>
               </a:lnSpc>
@@ -18277,7 +18221,7 @@
             </a:endParaRPr>
           </a:p>
           <a:p>
-            <a:pPr lvl="1" marL="864000" indent="-319320">
+            <a:pPr lvl="1" marL="864000" indent="-317160">
               <a:lnSpc>
                 <a:spcPct val="100000"/>
               </a:lnSpc>
@@ -18306,7 +18250,7 @@
             </a:endParaRPr>
           </a:p>
           <a:p>
-            <a:pPr lvl="1" marL="864000" indent="-319320">
+            <a:pPr lvl="1" marL="864000" indent="-317160">
               <a:lnSpc>
                 <a:spcPct val="100000"/>
               </a:lnSpc>
@@ -18345,7 +18289,7 @@
         <p:spPr>
           <a:xfrm>
             <a:off x="10515600" y="6202080"/>
-            <a:ext cx="1591920" cy="419040"/>
+            <a:ext cx="1589760" cy="416880"/>
           </a:xfrm>
           <a:prstGeom prst="rect">
             <a:avLst/>
@@ -18371,7 +18315,7 @@
                 <a:spcPct val="100000"/>
               </a:lnSpc>
             </a:pPr>
-            <a:fld id="{8A335B8A-EABA-4C4B-B087-BF44D5C318D2}" type="slidenum">
+            <a:fld id="{1DCA70C5-8051-4C52-8CD9-34AA513DD6B4}" type="slidenum">
               <a:rPr b="0" lang="en-US" sz="1600" spc="-1" strike="noStrike">
                 <a:solidFill>
                   <a:srgbClr val="000000"/>
@@ -18389,7 +18333,7 @@
       </p:sp>
       <p:pic>
         <p:nvPicPr>
-          <p:cNvPr id="388" name="" descr=""/>
+          <p:cNvPr id="388" name="Picture 387" descr=""/>
           <p:cNvPicPr/>
           <p:nvPr/>
         </p:nvPicPr>
@@ -18400,7 +18344,7 @@
         <p:spPr>
           <a:xfrm>
             <a:off x="4114800" y="1371600"/>
-            <a:ext cx="3793680" cy="4794840"/>
+            <a:ext cx="3791520" cy="4792680"/>
           </a:xfrm>
           <a:prstGeom prst="rect">
             <a:avLst/>
@@ -18415,7 +18359,7 @@
       </p:pic>
       <p:pic>
         <p:nvPicPr>
-          <p:cNvPr id="389" name="" descr=""/>
+          <p:cNvPr id="389" name="Picture 388" descr=""/>
           <p:cNvPicPr/>
           <p:nvPr/>
         </p:nvPicPr>
@@ -18426,7 +18370,7 @@
         <p:spPr>
           <a:xfrm>
             <a:off x="8353800" y="1371600"/>
-            <a:ext cx="3299040" cy="4794840"/>
+            <a:ext cx="3296880" cy="4792680"/>
           </a:xfrm>
           <a:prstGeom prst="rect">
             <a:avLst/>
@@ -18478,7 +18422,7 @@
         <p:spPr>
           <a:xfrm>
             <a:off x="686160" y="0"/>
-            <a:ext cx="10964520" cy="1136880"/>
+            <a:ext cx="10962360" cy="1134720"/>
           </a:xfrm>
           <a:prstGeom prst="rect">
             <a:avLst/>
@@ -18544,7 +18488,7 @@
         <p:spPr>
           <a:xfrm>
             <a:off x="10515600" y="6202080"/>
-            <a:ext cx="1591920" cy="419040"/>
+            <a:ext cx="1589760" cy="416880"/>
           </a:xfrm>
           <a:prstGeom prst="rect">
             <a:avLst/>
@@ -18570,7 +18514,7 @@
                 <a:spcPct val="100000"/>
               </a:lnSpc>
             </a:pPr>
-            <a:fld id="{E685647E-BFB1-4CC2-AB0F-D638F05F9E38}" type="slidenum">
+            <a:fld id="{2D71CF78-4FAD-4E8B-ABD1-35A673C5C901}" type="slidenum">
               <a:rPr b="0" lang="en-US" sz="1600" spc="-1" strike="noStrike">
                 <a:solidFill>
                   <a:srgbClr val="000000"/>
@@ -18588,7 +18532,7 @@
       </p:sp>
       <p:pic>
         <p:nvPicPr>
-          <p:cNvPr id="392" name="" descr=""/>
+          <p:cNvPr id="392" name="Picture 391" descr=""/>
           <p:cNvPicPr/>
           <p:nvPr/>
         </p:nvPicPr>
@@ -18598,8 +18542,8 @@
         </p:blipFill>
         <p:spPr>
           <a:xfrm>
-            <a:off x="2743200" y="1142640"/>
-            <a:ext cx="3318120" cy="5252400"/>
+            <a:off x="4315320" y="1159200"/>
+            <a:ext cx="3315960" cy="5250240"/>
           </a:xfrm>
           <a:prstGeom prst="rect">
             <a:avLst/>
@@ -18651,7 +18595,7 @@
         <p:spPr>
           <a:xfrm>
             <a:off x="686160" y="0"/>
-            <a:ext cx="10964520" cy="1136880"/>
+            <a:ext cx="10962360" cy="1134720"/>
           </a:xfrm>
           <a:prstGeom prst="rect">
             <a:avLst/>
@@ -18717,7 +18661,7 @@
         <p:spPr>
           <a:xfrm>
             <a:off x="228600" y="1371600"/>
-            <a:ext cx="3422520" cy="3422520"/>
+            <a:ext cx="3420360" cy="3420360"/>
           </a:xfrm>
           <a:prstGeom prst="rect">
             <a:avLst/>
@@ -18741,7 +18685,7 @@
             <a:noAutofit/>
           </a:bodyPr>
           <a:p>
-            <a:pPr marL="432000" indent="-319320">
+            <a:pPr marL="432000" indent="-317160">
               <a:lnSpc>
                 <a:spcPct val="100000"/>
               </a:lnSpc>
@@ -18800,7 +18744,7 @@
         <p:spPr>
           <a:xfrm>
             <a:off x="10515600" y="6202080"/>
-            <a:ext cx="1591920" cy="419040"/>
+            <a:ext cx="1589760" cy="416880"/>
           </a:xfrm>
           <a:prstGeom prst="rect">
             <a:avLst/>
@@ -18826,7 +18770,7 @@
                 <a:spcPct val="100000"/>
               </a:lnSpc>
             </a:pPr>
-            <a:fld id="{16194544-19B7-46AA-8E36-960677242478}" type="slidenum">
+            <a:fld id="{A5AC6DCE-52C5-4E0E-8986-31777DC380F0}" type="slidenum">
               <a:rPr b="0" lang="en-US" sz="1600" spc="-1" strike="noStrike">
                 <a:solidFill>
                   <a:srgbClr val="000000"/>
@@ -18844,7 +18788,7 @@
       </p:sp>
       <p:pic>
         <p:nvPicPr>
-          <p:cNvPr id="396" name="" descr=""/>
+          <p:cNvPr id="396" name="Picture 395" descr=""/>
           <p:cNvPicPr/>
           <p:nvPr/>
         </p:nvPicPr>
@@ -18855,7 +18799,7 @@
         <p:spPr>
           <a:xfrm>
             <a:off x="3762720" y="1371600"/>
-            <a:ext cx="4232520" cy="4565160"/>
+            <a:ext cx="4230360" cy="4563000"/>
           </a:xfrm>
           <a:prstGeom prst="rect">
             <a:avLst/>
@@ -18870,7 +18814,7 @@
       </p:pic>
       <p:pic>
         <p:nvPicPr>
-          <p:cNvPr id="397" name="" descr=""/>
+          <p:cNvPr id="397" name="Picture 396" descr=""/>
           <p:cNvPicPr/>
           <p:nvPr/>
         </p:nvPicPr>
@@ -18881,7 +18825,7 @@
         <p:spPr>
           <a:xfrm>
             <a:off x="8321040" y="1371600"/>
-            <a:ext cx="3090960" cy="4567680"/>
+            <a:ext cx="3088800" cy="4565520"/>
           </a:xfrm>
           <a:prstGeom prst="rect">
             <a:avLst/>
@@ -18933,7 +18877,7 @@
         <p:spPr>
           <a:xfrm>
             <a:off x="686160" y="0"/>
-            <a:ext cx="10964520" cy="1136880"/>
+            <a:ext cx="10962360" cy="1134720"/>
           </a:xfrm>
           <a:prstGeom prst="rect">
             <a:avLst/>
@@ -18999,7 +18943,7 @@
         <p:spPr>
           <a:xfrm>
             <a:off x="228600" y="1371600"/>
-            <a:ext cx="5070600" cy="1550160"/>
+            <a:ext cx="5068440" cy="1548000"/>
           </a:xfrm>
           <a:prstGeom prst="rect">
             <a:avLst/>
@@ -19023,7 +18967,7 @@
             <a:noAutofit/>
           </a:bodyPr>
           <a:p>
-            <a:pPr marL="432000" indent="-319320">
+            <a:pPr marL="432000" indent="-317160">
               <a:lnSpc>
                 <a:spcPct val="100000"/>
               </a:lnSpc>
@@ -19052,7 +18996,7 @@
             </a:endParaRPr>
           </a:p>
           <a:p>
-            <a:pPr marL="432000" indent="-319320">
+            <a:pPr marL="432000" indent="-317160">
               <a:lnSpc>
                 <a:spcPct val="100000"/>
               </a:lnSpc>
@@ -19081,7 +19025,7 @@
             </a:endParaRPr>
           </a:p>
           <a:p>
-            <a:pPr marL="432000" indent="-319320">
+            <a:pPr marL="432000" indent="-317160">
               <a:lnSpc>
                 <a:spcPct val="100000"/>
               </a:lnSpc>
@@ -19103,7 +19047,7 @@
                 <a:latin typeface="Arial"/>
                 <a:ea typeface="DejaVu Sans"/>
               </a:rPr>
-              <a:t>Each pod can have it’s own allocated pvc</a:t>
+              <a:t>Each pod can have its own allocated PVC</a:t>
             </a:r>
             <a:endParaRPr b="0" lang="en-US" sz="1800" spc="-1" strike="noStrike">
               <a:latin typeface="Arial"/>
@@ -19120,7 +19064,7 @@
         <p:spPr>
           <a:xfrm>
             <a:off x="10515600" y="6202080"/>
-            <a:ext cx="1591920" cy="419040"/>
+            <a:ext cx="1589760" cy="416880"/>
           </a:xfrm>
           <a:prstGeom prst="rect">
             <a:avLst/>
@@ -19146,7 +19090,7 @@
                 <a:spcPct val="100000"/>
               </a:lnSpc>
             </a:pPr>
-            <a:fld id="{FEAE57D1-69D9-4998-A60E-B8A944B85C63}" type="slidenum">
+            <a:fld id="{EA3980B3-FCEF-4EC3-8397-FBDE73B6F74C}" type="slidenum">
               <a:rPr b="0" lang="en-US" sz="1600" spc="-1" strike="noStrike">
                 <a:solidFill>
                   <a:srgbClr val="000000"/>
@@ -19164,7 +19108,7 @@
       </p:sp>
       <p:pic>
         <p:nvPicPr>
-          <p:cNvPr id="401" name="" descr=""/>
+          <p:cNvPr id="401" name="Picture 400" descr=""/>
           <p:cNvPicPr/>
           <p:nvPr/>
         </p:nvPicPr>
@@ -19175,7 +19119,7 @@
         <p:spPr>
           <a:xfrm>
             <a:off x="5945040" y="1421640"/>
-            <a:ext cx="3653640" cy="4609440"/>
+            <a:ext cx="3651480" cy="4607280"/>
           </a:xfrm>
           <a:prstGeom prst="rect">
             <a:avLst/>
@@ -19230,7 +19174,7 @@
         <p:spPr>
           <a:xfrm>
             <a:off x="686160" y="0"/>
-            <a:ext cx="10964520" cy="1136880"/>
+            <a:ext cx="10962360" cy="1134720"/>
           </a:xfrm>
           <a:prstGeom prst="rect">
             <a:avLst/>
@@ -19295,8 +19239,8 @@
         </p:nvSpPr>
         <p:spPr>
           <a:xfrm>
-            <a:off x="685800" y="1600200"/>
-            <a:ext cx="7450560" cy="909720"/>
+            <a:off x="685800" y="1280160"/>
+            <a:ext cx="7448400" cy="1227600"/>
           </a:xfrm>
           <a:prstGeom prst="rect">
             <a:avLst/>
@@ -19320,7 +19264,7 @@
             <a:noAutofit/>
           </a:bodyPr>
           <a:p>
-            <a:pPr marL="432000" indent="-319320">
+            <a:pPr marL="432000" indent="-317160">
               <a:lnSpc>
                 <a:spcPct val="100000"/>
               </a:lnSpc>
@@ -19342,42 +19286,14 @@
                 <a:latin typeface="Arial"/>
                 <a:ea typeface="DejaVu Sans"/>
               </a:rPr>
-              <a:t>Command line tool (refer to “</a:t>
-            </a:r>
-            <a:r>
-              <a:rPr b="0" lang="en-US" sz="1800" spc="-1" strike="noStrike" u="sng">
-                <a:solidFill>
-                  <a:srgbClr val="0094d5"/>
-                </a:solidFill>
-                <a:highlight>
-                  <a:srgbClr val="eeeeee"/>
-                </a:highlight>
-                <a:uFillTx/>
-                <a:latin typeface="Arial"/>
-                <a:ea typeface="DejaVu Sans"/>
-                <a:hlinkClick r:id="rId1"/>
-              </a:rPr>
-              <a:t>install kubectl</a:t>
-            </a:r>
-            <a:r>
-              <a:rPr b="0" lang="en-US" sz="1800" spc="-1" strike="noStrike">
-                <a:solidFill>
-                  <a:srgbClr val="3c3e41"/>
-                </a:solidFill>
-                <a:highlight>
-                  <a:srgbClr val="eeeeee"/>
-                </a:highlight>
-                <a:latin typeface="Arial"/>
-                <a:ea typeface="DejaVu Sans"/>
-              </a:rPr>
-              <a:t>” for the installation)</a:t>
+              <a:t>Communicate with K8s resource</a:t>
             </a:r>
             <a:endParaRPr b="0" lang="en-US" sz="1800" spc="-1" strike="noStrike">
               <a:latin typeface="Arial"/>
             </a:endParaRPr>
           </a:p>
           <a:p>
-            <a:pPr marL="432000" indent="-319320">
+            <a:pPr marL="432000" indent="-317160">
               <a:lnSpc>
                 <a:spcPct val="100000"/>
               </a:lnSpc>
@@ -19396,13 +19312,32 @@
                 <a:solidFill>
                   <a:srgbClr val="3c3e41"/>
                 </a:solidFill>
-                <a:highlight>
-                  <a:srgbClr val="eeeeee"/>
-                </a:highlight>
                 <a:latin typeface="Arial"/>
                 <a:ea typeface="DejaVu Sans"/>
               </a:rPr>
-              <a:t>Communicate with K8s resources</a:t>
+              <a:t>Command line tool (refer to “</a:t>
+            </a:r>
+            <a:r>
+              <a:rPr b="0" lang="en-US" sz="1800" spc="-1" strike="noStrike" u="sng">
+                <a:solidFill>
+                  <a:srgbClr val="0094d5"/>
+                </a:solidFill>
+                <a:uFillTx/>
+                <a:latin typeface="Arial"/>
+                <a:ea typeface="DejaVu Sans"/>
+                <a:hlinkClick r:id="rId1"/>
+              </a:rPr>
+              <a:t>install kubectl</a:t>
+            </a:r>
+            <a:r>
+              <a:rPr b="0" lang="en-US" sz="1800" spc="-1" strike="noStrike">
+                <a:solidFill>
+                  <a:srgbClr val="3c3e41"/>
+                </a:solidFill>
+                <a:latin typeface="Arial"/>
+                <a:ea typeface="DejaVu Sans"/>
+              </a:rPr>
+              <a:t>” for the installation”</a:t>
             </a:r>
             <a:endParaRPr b="0" lang="en-US" sz="1800" spc="-1" strike="noStrike">
               <a:latin typeface="Arial"/>
@@ -19432,7 +19367,7 @@
         <p:spPr>
           <a:xfrm>
             <a:off x="10515600" y="6202080"/>
-            <a:ext cx="1591920" cy="419040"/>
+            <a:ext cx="1589760" cy="416880"/>
           </a:xfrm>
           <a:prstGeom prst="rect">
             <a:avLst/>
@@ -19458,7 +19393,7 @@
                 <a:spcPct val="100000"/>
               </a:lnSpc>
             </a:pPr>
-            <a:fld id="{3725A758-6FB9-4C7E-82AB-E0C39FDE598D}" type="slidenum">
+            <a:fld id="{5696E01A-A029-4BBC-93FE-453D52B210B7}" type="slidenum">
               <a:rPr b="0" lang="en-US" sz="1600" spc="-1" strike="noStrike">
                 <a:solidFill>
                   <a:srgbClr val="000000"/>
@@ -19476,7 +19411,7 @@
       </p:sp>
       <p:pic>
         <p:nvPicPr>
-          <p:cNvPr id="405" name="" descr=""/>
+          <p:cNvPr id="405" name="Picture 404" descr=""/>
           <p:cNvPicPr/>
           <p:nvPr/>
         </p:nvPicPr>
@@ -19487,7 +19422,7 @@
         <p:spPr>
           <a:xfrm>
             <a:off x="724320" y="2971800"/>
-            <a:ext cx="4528800" cy="1712880"/>
+            <a:ext cx="4526640" cy="1710720"/>
           </a:xfrm>
           <a:prstGeom prst="rect">
             <a:avLst/>
@@ -19539,7 +19474,7 @@
         <p:spPr>
           <a:xfrm>
             <a:off x="686160" y="0"/>
-            <a:ext cx="10964520" cy="1136880"/>
+            <a:ext cx="10962360" cy="1134720"/>
           </a:xfrm>
           <a:prstGeom prst="rect">
             <a:avLst/>
@@ -19604,8 +19539,111 @@
         </p:nvSpPr>
         <p:spPr>
           <a:xfrm>
-            <a:off x="228600" y="1371600"/>
-            <a:ext cx="8453520" cy="909720"/>
+            <a:off x="10515600" y="6202080"/>
+            <a:ext cx="1589760" cy="416880"/>
+          </a:xfrm>
+          <a:prstGeom prst="rect">
+            <a:avLst/>
+          </a:prstGeom>
+          <a:noFill/>
+          <a:ln>
+            <a:noFill/>
+          </a:ln>
+        </p:spPr>
+        <p:style>
+          <a:lnRef idx="0"/>
+          <a:fillRef idx="0"/>
+          <a:effectRef idx="0"/>
+          <a:fontRef idx="minor"/>
+        </p:style>
+        <p:txBody>
+          <a:bodyPr lIns="90000" rIns="90000" tIns="45000" bIns="45000">
+            <a:noAutofit/>
+          </a:bodyPr>
+          <a:p>
+            <a:pPr algn="ctr">
+              <a:lnSpc>
+                <a:spcPct val="100000"/>
+              </a:lnSpc>
+            </a:pPr>
+            <a:fld id="{37FF1B94-8EA8-4BBB-A3D6-D92B2EA63E59}" type="slidenum">
+              <a:rPr b="0" lang="en-US" sz="1600" spc="-1" strike="noStrike">
+                <a:solidFill>
+                  <a:srgbClr val="000000"/>
+                </a:solidFill>
+                <a:latin typeface="Times New Roman"/>
+                <a:ea typeface="DejaVu Sans"/>
+              </a:rPr>
+              <a:t>&lt;number&gt;</a:t>
+            </a:fld>
+            <a:endParaRPr b="0" lang="en-US" sz="1600" spc="-1" strike="noStrike">
+              <a:latin typeface="Arial"/>
+            </a:endParaRPr>
+          </a:p>
+        </p:txBody>
+      </p:sp>
+      <p:pic>
+        <p:nvPicPr>
+          <p:cNvPr id="408" name="Picture 408" descr=""/>
+          <p:cNvPicPr/>
+          <p:nvPr/>
+        </p:nvPicPr>
+        <p:blipFill>
+          <a:blip r:embed="rId1"/>
+          <a:stretch/>
+        </p:blipFill>
+        <p:spPr>
+          <a:xfrm>
+            <a:off x="228600" y="2926080"/>
+            <a:ext cx="8451360" cy="2209680"/>
+          </a:xfrm>
+          <a:prstGeom prst="rect">
+            <a:avLst/>
+          </a:prstGeom>
+          <a:ln>
+            <a:solidFill>
+              <a:srgbClr val="3465a4"/>
+            </a:solidFill>
+            <a:prstDash val="sysDot"/>
+          </a:ln>
+        </p:spPr>
+      </p:pic>
+      <p:pic>
+        <p:nvPicPr>
+          <p:cNvPr id="409" name="Picture 409" descr=""/>
+          <p:cNvPicPr/>
+          <p:nvPr/>
+        </p:nvPicPr>
+        <p:blipFill>
+          <a:blip r:embed="rId2"/>
+          <a:stretch/>
+        </p:blipFill>
+        <p:spPr>
+          <a:xfrm>
+            <a:off x="8828640" y="1141560"/>
+            <a:ext cx="3026520" cy="5252400"/>
+          </a:xfrm>
+          <a:prstGeom prst="rect">
+            <a:avLst/>
+          </a:prstGeom>
+          <a:ln>
+            <a:solidFill>
+              <a:srgbClr val="3465a4"/>
+            </a:solidFill>
+            <a:prstDash val="sysDot"/>
+          </a:ln>
+        </p:spPr>
+      </p:pic>
+      <p:sp>
+        <p:nvSpPr>
+          <p:cNvPr id="410" name="CustomShape 3"/>
+          <p:cNvSpPr/>
+          <p:nvPr/>
+        </p:nvSpPr>
+        <p:spPr>
+          <a:xfrm>
+            <a:off x="365760" y="1515600"/>
+            <a:ext cx="7448400" cy="1227600"/>
           </a:xfrm>
           <a:prstGeom prst="rect">
             <a:avLst/>
@@ -19629,7 +19667,7 @@
             <a:noAutofit/>
           </a:bodyPr>
           <a:p>
-            <a:pPr marL="216000" indent="-214560">
+            <a:pPr marL="432000" indent="-317160">
               <a:lnSpc>
                 <a:spcPct val="100000"/>
               </a:lnSpc>
@@ -19637,10 +19675,11 @@
                 <a:spcPts val="1417"/>
               </a:spcBef>
               <a:buClr>
-                <a:srgbClr val="3c3e41"/>
+                <a:srgbClr val="000000"/>
               </a:buClr>
-              <a:buFont typeface="Symbol"/>
-              <a:buChar char=""/>
+              <a:buSzPct val="45000"/>
+              <a:buFont typeface="Wingdings" charset="2"/>
+              <a:buChar char=""/>
             </a:pPr>
             <a:r>
               <a:rPr b="0" lang="en-US" sz="1800" spc="-1" strike="noStrike">
@@ -19650,42 +19689,14 @@
                 <a:latin typeface="Arial"/>
                 <a:ea typeface="DejaVu Sans"/>
               </a:rPr>
-              <a:t>User interface tool (refer “</a:t>
-            </a:r>
-            <a:r>
-              <a:rPr b="0" lang="en-US" sz="1800" spc="-1" strike="noStrike" u="sng">
-                <a:solidFill>
-                  <a:srgbClr val="0094d5"/>
-                </a:solidFill>
-                <a:highlight>
-                  <a:srgbClr val="eeeeee"/>
-                </a:highlight>
-                <a:uFillTx/>
-                <a:latin typeface="Arial"/>
-                <a:ea typeface="DejaVu Sans"/>
-                <a:hlinkClick r:id="rId1"/>
-              </a:rPr>
-              <a:t>Install Lens</a:t>
-            </a:r>
-            <a:r>
-              <a:rPr b="0" lang="en-US" sz="1800" spc="-1" strike="noStrike">
-                <a:solidFill>
-                  <a:srgbClr val="3c3e41"/>
-                </a:solidFill>
-                <a:highlight>
-                  <a:srgbClr val="eeeeee"/>
-                </a:highlight>
-                <a:latin typeface="Arial"/>
-                <a:ea typeface="DejaVu Sans"/>
-              </a:rPr>
-              <a:t>” for the installation)</a:t>
+              <a:t>Communicate with K8s resource</a:t>
             </a:r>
             <a:endParaRPr b="0" lang="en-US" sz="1800" spc="-1" strike="noStrike">
               <a:latin typeface="Arial"/>
             </a:endParaRPr>
           </a:p>
           <a:p>
-            <a:pPr marL="216000" indent="-214560">
+            <a:pPr marL="432000" indent="-317160">
               <a:lnSpc>
                 <a:spcPct val="100000"/>
               </a:lnSpc>
@@ -19693,133 +19704,73 @@
                 <a:spcPts val="1417"/>
               </a:spcBef>
               <a:buClr>
-                <a:srgbClr val="3c3e41"/>
+                <a:srgbClr val="000000"/>
               </a:buClr>
-              <a:buFont typeface="Symbol"/>
-              <a:buChar char=""/>
+              <a:buSzPct val="45000"/>
+              <a:buFont typeface="Wingdings" charset="2"/>
+              <a:buChar char=""/>
             </a:pPr>
             <a:r>
               <a:rPr b="0" lang="en-US" sz="1800" spc="-1" strike="noStrike">
                 <a:solidFill>
                   <a:srgbClr val="3c3e41"/>
                 </a:solidFill>
-                <a:highlight>
-                  <a:srgbClr val="eeeeee"/>
-                </a:highlight>
                 <a:latin typeface="Arial"/>
                 <a:ea typeface="DejaVu Sans"/>
               </a:rPr>
-              <a:t>Communicate with K8s resources </a:t>
+              <a:t>User </a:t>
+            </a:r>
+            <a:r>
+              <a:rPr b="0" lang="en-US" sz="1800" spc="-1" strike="noStrike">
+                <a:solidFill>
+                  <a:srgbClr val="3c3e41"/>
+                </a:solidFill>
+                <a:latin typeface="Arial"/>
+                <a:ea typeface="DejaVu Sans"/>
+              </a:rPr>
+              <a:t>interface tool (refer to “</a:t>
+            </a:r>
+            <a:r>
+              <a:rPr b="0" lang="en-US" sz="1800" spc="-1" strike="noStrike" u="sng">
+                <a:solidFill>
+                  <a:srgbClr val="3465a4"/>
+                </a:solidFill>
+                <a:uFillTx/>
+                <a:latin typeface="Arial"/>
+                <a:ea typeface="DejaVu Sans"/>
+                <a:hlinkClick r:id="rId3"/>
+              </a:rPr>
+              <a:t>install lens</a:t>
+            </a:r>
+            <a:r>
+              <a:rPr b="0" lang="en-US" sz="1800" spc="-1" strike="noStrike">
+                <a:solidFill>
+                  <a:srgbClr val="3c3e41"/>
+                </a:solidFill>
+                <a:latin typeface="Arial"/>
+                <a:ea typeface="DejaVu Sans"/>
+              </a:rPr>
+              <a:t>” for the installation)</a:t>
             </a:r>
             <a:endParaRPr b="0" lang="en-US" sz="1800" spc="-1" strike="noStrike">
               <a:latin typeface="Arial"/>
             </a:endParaRPr>
           </a:p>
-        </p:txBody>
-      </p:sp>
-      <p:sp>
-        <p:nvSpPr>
-          <p:cNvPr id="408" name="CustomShape 3"/>
-          <p:cNvSpPr/>
-          <p:nvPr/>
-        </p:nvSpPr>
-        <p:spPr>
-          <a:xfrm>
-            <a:off x="10515600" y="6202080"/>
-            <a:ext cx="1591920" cy="419040"/>
-          </a:xfrm>
-          <a:prstGeom prst="rect">
-            <a:avLst/>
-          </a:prstGeom>
-          <a:noFill/>
-          <a:ln>
-            <a:noFill/>
-          </a:ln>
-        </p:spPr>
-        <p:style>
-          <a:lnRef idx="0"/>
-          <a:fillRef idx="0"/>
-          <a:effectRef idx="0"/>
-          <a:fontRef idx="minor"/>
-        </p:style>
-        <p:txBody>
-          <a:bodyPr lIns="90000" rIns="90000" tIns="45000" bIns="45000">
-            <a:noAutofit/>
-          </a:bodyPr>
-          <a:p>
-            <a:pPr algn="ctr">
+          <a:p>
+            <a:pPr>
               <a:lnSpc>
                 <a:spcPct val="100000"/>
               </a:lnSpc>
-            </a:pPr>
-            <a:fld id="{2B1D1919-75BD-42B7-8194-4F5DDB548091}" type="slidenum">
-              <a:rPr b="0" lang="en-US" sz="1600" spc="-1" strike="noStrike">
-                <a:solidFill>
-                  <a:srgbClr val="000000"/>
-                </a:solidFill>
-                <a:latin typeface="Times New Roman"/>
-                <a:ea typeface="DejaVu Sans"/>
-              </a:rPr>
-              <a:t>&lt;number&gt;</a:t>
-            </a:fld>
-            <a:endParaRPr b="0" lang="en-US" sz="1600" spc="-1" strike="noStrike">
-              <a:latin typeface="Arial"/>
-            </a:endParaRPr>
-          </a:p>
-        </p:txBody>
-      </p:sp>
-      <p:pic>
-        <p:nvPicPr>
-          <p:cNvPr id="409" name="" descr=""/>
-          <p:cNvPicPr/>
-          <p:nvPr/>
-        </p:nvPicPr>
-        <p:blipFill>
-          <a:blip r:embed="rId2"/>
-          <a:stretch/>
-        </p:blipFill>
-        <p:spPr>
-          <a:xfrm>
-            <a:off x="228600" y="2355480"/>
-            <a:ext cx="8453520" cy="2211840"/>
-          </a:xfrm>
-          <a:prstGeom prst="rect">
-            <a:avLst/>
-          </a:prstGeom>
-          <a:ln>
-            <a:solidFill>
-              <a:srgbClr val="3465a4"/>
-            </a:solidFill>
-            <a:prstDash val="sysDot"/>
-          </a:ln>
-        </p:spPr>
-      </p:pic>
-      <p:pic>
-        <p:nvPicPr>
-          <p:cNvPr id="410" name="" descr=""/>
-          <p:cNvPicPr/>
-          <p:nvPr/>
-        </p:nvPicPr>
-        <p:blipFill>
-          <a:blip r:embed="rId3"/>
-          <a:stretch/>
-        </p:blipFill>
-        <p:spPr>
-          <a:xfrm>
-            <a:off x="8828640" y="1141560"/>
-            <a:ext cx="3028680" cy="5254560"/>
-          </a:xfrm>
-          <a:prstGeom prst="rect">
-            <a:avLst/>
-          </a:prstGeom>
-          <a:ln>
-            <a:solidFill>
-              <a:srgbClr val="3465a4"/>
-            </a:solidFill>
-            <a:prstDash val="sysDot"/>
-          </a:ln>
-        </p:spPr>
-      </p:pic>
+              <a:spcBef>
+                <a:spcPts val="1417"/>
+              </a:spcBef>
+            </a:pPr>
+            <a:endParaRPr b="0" lang="en-US" sz="1800" spc="-1" strike="noStrike">
+              <a:latin typeface="Arial"/>
+            </a:endParaRPr>
+          </a:p>
+        </p:txBody>
+      </p:sp>
     </p:spTree>
   </p:cSld>
   <mc:AlternateContent>
@@ -19859,7 +19810,7 @@
         <p:spPr>
           <a:xfrm>
             <a:off x="3429000" y="376920"/>
-            <a:ext cx="5701680" cy="529200"/>
+            <a:ext cx="5699520" cy="527040"/>
           </a:xfrm>
           <a:prstGeom prst="rect">
             <a:avLst/>
@@ -19896,7 +19847,7 @@
                 <a:latin typeface="Arial"/>
                 <a:ea typeface="DejaVu Sans"/>
               </a:rPr>
-              <a:t>Question and Answer</a:t>
+              <a:t>Questions and Answers</a:t>
             </a:r>
             <a:endParaRPr b="0" lang="en-US" sz="3200" spc="-1" strike="noStrike">
               <a:latin typeface="Arial"/>
@@ -19913,7 +19864,7 @@
         <p:spPr>
           <a:xfrm>
             <a:off x="10515600" y="6202080"/>
-            <a:ext cx="1591920" cy="419040"/>
+            <a:ext cx="1589760" cy="416880"/>
           </a:xfrm>
           <a:prstGeom prst="rect">
             <a:avLst/>
@@ -19939,7 +19890,7 @@
                 <a:spcPct val="100000"/>
               </a:lnSpc>
             </a:pPr>
-            <a:fld id="{31BF43A9-C126-4465-9F94-9266D9C58AAE}" type="slidenum">
+            <a:fld id="{83C01CBD-78F8-4B94-A61A-37A06D07718C}" type="slidenum">
               <a:rPr b="0" lang="en-US" sz="1600" spc="-1" strike="noStrike">
                 <a:solidFill>
                   <a:srgbClr val="000000"/>
@@ -19957,7 +19908,7 @@
       </p:sp>
       <p:pic>
         <p:nvPicPr>
-          <p:cNvPr id="413" name="" descr=""/>
+          <p:cNvPr id="413" name="Picture 412" descr=""/>
           <p:cNvPicPr/>
           <p:nvPr/>
         </p:nvPicPr>
@@ -19968,7 +19919,7 @@
         <p:spPr>
           <a:xfrm>
             <a:off x="4114800" y="2105280"/>
-            <a:ext cx="4641480" cy="3146040"/>
+            <a:ext cx="4639320" cy="3143880"/>
           </a:xfrm>
           <a:prstGeom prst="rect">
             <a:avLst/>
@@ -20017,7 +19968,7 @@
         <p:spPr>
           <a:xfrm>
             <a:off x="5809320" y="1506960"/>
-            <a:ext cx="5206680" cy="3834720"/>
+            <a:ext cx="5204520" cy="3832560"/>
           </a:xfrm>
           <a:prstGeom prst="rect">
             <a:avLst/>
@@ -20038,7 +19989,7 @@
             <a:noAutofit/>
           </a:bodyPr>
           <a:p>
-            <a:pPr marL="343080" indent="-338400">
+            <a:pPr marL="343080" indent="-336240">
               <a:lnSpc>
                 <a:spcPct val="90000"/>
               </a:lnSpc>
@@ -20066,7 +20017,7 @@
             </a:endParaRPr>
           </a:p>
           <a:p>
-            <a:pPr lvl="1" marL="800280" indent="-338400">
+            <a:pPr lvl="1" marL="800280" indent="-336240">
               <a:lnSpc>
                 <a:spcPct val="90000"/>
               </a:lnSpc>
@@ -20087,14 +20038,14 @@
                 <a:latin typeface="Arial"/>
                 <a:ea typeface="DejaVu Sans"/>
               </a:rPr>
-              <a:t>Benefits of Kubernetes</a:t>
+              <a:t>Benefits of Kubernetes </a:t>
             </a:r>
             <a:endParaRPr b="0" lang="en-US" sz="1600" spc="-1" strike="noStrike">
               <a:latin typeface="Arial"/>
             </a:endParaRPr>
           </a:p>
           <a:p>
-            <a:pPr lvl="1" marL="800280" indent="-338400">
+            <a:pPr lvl="1" marL="800280" indent="-336240">
               <a:lnSpc>
                 <a:spcPct val="90000"/>
               </a:lnSpc>
@@ -20115,14 +20066,14 @@
                 <a:latin typeface="Arial"/>
                 <a:ea typeface="DejaVu Sans"/>
               </a:rPr>
-              <a:t>What is Kubernetes</a:t>
+              <a:t>What is Kubernetes?</a:t>
             </a:r>
             <a:endParaRPr b="0" lang="en-US" sz="1600" spc="-1" strike="noStrike">
               <a:latin typeface="Arial"/>
             </a:endParaRPr>
           </a:p>
           <a:p>
-            <a:pPr marL="343080" indent="-338400">
+            <a:pPr marL="343080" indent="-336240">
               <a:lnSpc>
                 <a:spcPct val="90000"/>
               </a:lnSpc>
@@ -20150,7 +20101,7 @@
             </a:endParaRPr>
           </a:p>
           <a:p>
-            <a:pPr marL="343080" indent="-338400">
+            <a:pPr marL="343080" indent="-336240">
               <a:lnSpc>
                 <a:spcPct val="90000"/>
               </a:lnSpc>
@@ -20178,7 +20129,7 @@
             </a:endParaRPr>
           </a:p>
           <a:p>
-            <a:pPr lvl="1" marL="800280" indent="-338400">
+            <a:pPr lvl="1" marL="800280" indent="-336240">
               <a:lnSpc>
                 <a:spcPct val="90000"/>
               </a:lnSpc>
@@ -20206,7 +20157,7 @@
             </a:endParaRPr>
           </a:p>
           <a:p>
-            <a:pPr lvl="1" marL="800280" indent="-338400">
+            <a:pPr lvl="1" marL="800280" indent="-336240">
               <a:lnSpc>
                 <a:spcPct val="90000"/>
               </a:lnSpc>
@@ -20234,7 +20185,7 @@
             </a:endParaRPr>
           </a:p>
           <a:p>
-            <a:pPr lvl="1" marL="800280" indent="-338400">
+            <a:pPr lvl="1" marL="800280" indent="-336240">
               <a:lnSpc>
                 <a:spcPct val="90000"/>
               </a:lnSpc>
@@ -20262,7 +20213,7 @@
             </a:endParaRPr>
           </a:p>
           <a:p>
-            <a:pPr lvl="1" marL="800280" indent="-338400">
+            <a:pPr lvl="1" marL="800280" indent="-336240">
               <a:lnSpc>
                 <a:spcPct val="90000"/>
               </a:lnSpc>
@@ -20290,7 +20241,7 @@
             </a:endParaRPr>
           </a:p>
           <a:p>
-            <a:pPr lvl="1" marL="800280" indent="-338400">
+            <a:pPr lvl="1" marL="800280" indent="-336240">
               <a:lnSpc>
                 <a:spcPct val="90000"/>
               </a:lnSpc>
@@ -20318,7 +20269,7 @@
             </a:endParaRPr>
           </a:p>
           <a:p>
-            <a:pPr lvl="1" marL="800280" indent="-338400">
+            <a:pPr lvl="1" marL="800280" indent="-336240">
               <a:lnSpc>
                 <a:spcPct val="90000"/>
               </a:lnSpc>
@@ -20346,7 +20297,7 @@
             </a:endParaRPr>
           </a:p>
           <a:p>
-            <a:pPr lvl="1" marL="800280" indent="-338400">
+            <a:pPr lvl="1" marL="800280" indent="-336240">
               <a:lnSpc>
                 <a:spcPct val="90000"/>
               </a:lnSpc>
@@ -20374,7 +20325,7 @@
             </a:endParaRPr>
           </a:p>
           <a:p>
-            <a:pPr marL="343080" indent="-338400">
+            <a:pPr marL="343080" indent="-336240">
               <a:lnSpc>
                 <a:spcPct val="90000"/>
               </a:lnSpc>
@@ -20402,7 +20353,7 @@
             </a:endParaRPr>
           </a:p>
           <a:p>
-            <a:pPr lvl="1" marL="800280" indent="-338400">
+            <a:pPr lvl="1" marL="800280" indent="-336240">
               <a:lnSpc>
                 <a:spcPct val="90000"/>
               </a:lnSpc>
@@ -20430,7 +20381,7 @@
             </a:endParaRPr>
           </a:p>
           <a:p>
-            <a:pPr lvl="1" marL="800280" indent="-338400">
+            <a:pPr lvl="1" marL="800280" indent="-336240">
               <a:lnSpc>
                 <a:spcPct val="90000"/>
               </a:lnSpc>
@@ -20541,7 +20492,7 @@
         <p:spPr>
           <a:xfrm>
             <a:off x="686160" y="0"/>
-            <a:ext cx="10964520" cy="1136880"/>
+            <a:ext cx="10962360" cy="1134720"/>
           </a:xfrm>
           <a:prstGeom prst="rect">
             <a:avLst/>
@@ -20607,7 +20558,7 @@
         <p:spPr>
           <a:xfrm>
             <a:off x="6761520" y="1600200"/>
-            <a:ext cx="5346360" cy="902160"/>
+            <a:ext cx="5344200" cy="900000"/>
           </a:xfrm>
           <a:prstGeom prst="rect">
             <a:avLst/>
@@ -20655,7 +20606,7 @@
             </a:endParaRPr>
           </a:p>
           <a:p>
-            <a:pPr marL="432000" indent="-319320">
+            <a:pPr marL="432000" indent="-317160">
               <a:lnSpc>
                 <a:spcPct val="100000"/>
               </a:lnSpc>
@@ -20715,7 +20666,7 @@
         <p:spPr>
           <a:xfrm>
             <a:off x="10515600" y="6202080"/>
-            <a:ext cx="1591920" cy="419040"/>
+            <a:ext cx="1589760" cy="416880"/>
           </a:xfrm>
           <a:prstGeom prst="rect">
             <a:avLst/>
@@ -20741,7 +20692,7 @@
                 <a:spcPct val="100000"/>
               </a:lnSpc>
             </a:pPr>
-            <a:fld id="{AA50C9E6-B8A1-4052-9242-12D361F02C73}" type="slidenum">
+            <a:fld id="{CF335B94-9086-4003-ADB3-71B738E39532}" type="slidenum">
               <a:rPr b="0" lang="en-US" sz="1600" spc="-1" strike="noStrike">
                 <a:solidFill>
                   <a:srgbClr val="000000"/>
@@ -20766,7 +20717,7 @@
         <p:spPr>
           <a:xfrm>
             <a:off x="132120" y="1600200"/>
-            <a:ext cx="5346360" cy="902160"/>
+            <a:ext cx="5344200" cy="900000"/>
           </a:xfrm>
           <a:prstGeom prst="rect">
             <a:avLst/>
@@ -20813,7 +20764,7 @@
             </a:endParaRPr>
           </a:p>
           <a:p>
-            <a:pPr marL="432000" indent="-319320">
+            <a:pPr marL="432000" indent="-317160">
               <a:lnSpc>
                 <a:spcPct val="100000"/>
               </a:lnSpc>
@@ -20845,7 +20796,7 @@
       </p:sp>
       <p:pic>
         <p:nvPicPr>
-          <p:cNvPr id="298" name="" descr=""/>
+          <p:cNvPr id="298" name="Picture 297" descr=""/>
           <p:cNvPicPr/>
           <p:nvPr/>
         </p:nvPicPr>
@@ -20856,7 +20807,7 @@
         <p:spPr>
           <a:xfrm>
             <a:off x="1828800" y="2696040"/>
-            <a:ext cx="7326000" cy="3239640"/>
+            <a:ext cx="7323840" cy="3237480"/>
           </a:xfrm>
           <a:prstGeom prst="rect">
             <a:avLst/>
@@ -20905,7 +20856,7 @@
         <p:spPr>
           <a:xfrm>
             <a:off x="686160" y="0"/>
-            <a:ext cx="10964520" cy="1136880"/>
+            <a:ext cx="10962360" cy="1134720"/>
           </a:xfrm>
           <a:prstGeom prst="rect">
             <a:avLst/>
@@ -20971,7 +20922,7 @@
         <p:spPr>
           <a:xfrm>
             <a:off x="5593320" y="1611360"/>
-            <a:ext cx="6514560" cy="902160"/>
+            <a:ext cx="6512400" cy="900000"/>
           </a:xfrm>
           <a:prstGeom prst="rect">
             <a:avLst/>
@@ -21019,7 +20970,7 @@
             </a:endParaRPr>
           </a:p>
           <a:p>
-            <a:pPr marL="432000" indent="-319320">
+            <a:pPr marL="432000" indent="-317160">
               <a:lnSpc>
                 <a:spcPct val="100000"/>
               </a:lnSpc>
@@ -21058,7 +21009,7 @@
         <p:spPr>
           <a:xfrm>
             <a:off x="10515600" y="6202080"/>
-            <a:ext cx="1591920" cy="419040"/>
+            <a:ext cx="1589760" cy="416880"/>
           </a:xfrm>
           <a:prstGeom prst="rect">
             <a:avLst/>
@@ -21084,7 +21035,7 @@
                 <a:spcPct val="100000"/>
               </a:lnSpc>
             </a:pPr>
-            <a:fld id="{23EE7E91-1CB5-47D3-9751-92F1404F2FA1}" type="slidenum">
+            <a:fld id="{25B02FED-C038-4706-88BF-3A93AC514E37}" type="slidenum">
               <a:rPr b="0" lang="en-US" sz="1600" spc="-1" strike="noStrike">
                 <a:solidFill>
                   <a:srgbClr val="000000"/>
@@ -21109,7 +21060,7 @@
         <p:spPr>
           <a:xfrm>
             <a:off x="0" y="1600200"/>
-            <a:ext cx="5478480" cy="902160"/>
+            <a:ext cx="5476320" cy="900000"/>
           </a:xfrm>
           <a:prstGeom prst="rect">
             <a:avLst/>
@@ -21156,7 +21107,7 @@
             </a:endParaRPr>
           </a:p>
           <a:p>
-            <a:pPr marL="432000" indent="-319320">
+            <a:pPr marL="432000" indent="-317160">
               <a:lnSpc>
                 <a:spcPct val="100000"/>
               </a:lnSpc>
@@ -21188,7 +21139,7 @@
       </p:sp>
       <p:pic>
         <p:nvPicPr>
-          <p:cNvPr id="303" name="" descr=""/>
+          <p:cNvPr id="303" name="Picture 302" descr=""/>
           <p:cNvPicPr/>
           <p:nvPr/>
         </p:nvPicPr>
@@ -21199,7 +21150,7 @@
         <p:spPr>
           <a:xfrm>
             <a:off x="360" y="2692080"/>
-            <a:ext cx="11878920" cy="3607920"/>
+            <a:ext cx="11876760" cy="3605760"/>
           </a:xfrm>
           <a:prstGeom prst="rect">
             <a:avLst/>
@@ -21248,7 +21199,7 @@
         <p:spPr>
           <a:xfrm>
             <a:off x="686160" y="0"/>
-            <a:ext cx="10964520" cy="1136880"/>
+            <a:ext cx="10962360" cy="1134720"/>
           </a:xfrm>
           <a:prstGeom prst="rect">
             <a:avLst/>
@@ -21314,7 +21265,7 @@
         <p:spPr>
           <a:xfrm>
             <a:off x="5593320" y="1611360"/>
-            <a:ext cx="6514560" cy="902160"/>
+            <a:ext cx="6512400" cy="900000"/>
           </a:xfrm>
           <a:prstGeom prst="rect">
             <a:avLst/>
@@ -21362,7 +21313,7 @@
             </a:endParaRPr>
           </a:p>
           <a:p>
-            <a:pPr marL="432000" indent="-319320">
+            <a:pPr marL="432000" indent="-317160">
               <a:lnSpc>
                 <a:spcPct val="100000"/>
               </a:lnSpc>
@@ -21401,7 +21352,7 @@
         <p:spPr>
           <a:xfrm>
             <a:off x="10515600" y="6202080"/>
-            <a:ext cx="1591920" cy="419040"/>
+            <a:ext cx="1589760" cy="416880"/>
           </a:xfrm>
           <a:prstGeom prst="rect">
             <a:avLst/>
@@ -21427,7 +21378,7 @@
                 <a:spcPct val="100000"/>
               </a:lnSpc>
             </a:pPr>
-            <a:fld id="{22907E72-458C-462C-9530-4145B6245672}" type="slidenum">
+            <a:fld id="{6C58791A-9BB8-4991-A2E2-BE6A235243CB}" type="slidenum">
               <a:rPr b="0" lang="en-US" sz="1600" spc="-1" strike="noStrike">
                 <a:solidFill>
                   <a:srgbClr val="000000"/>
@@ -21452,7 +21403,7 @@
         <p:spPr>
           <a:xfrm>
             <a:off x="0" y="1600200"/>
-            <a:ext cx="5478480" cy="902160"/>
+            <a:ext cx="5476320" cy="900000"/>
           </a:xfrm>
           <a:prstGeom prst="rect">
             <a:avLst/>
@@ -21499,7 +21450,7 @@
             </a:endParaRPr>
           </a:p>
           <a:p>
-            <a:pPr marL="432000" indent="-319320">
+            <a:pPr marL="432000" indent="-317160">
               <a:lnSpc>
                 <a:spcPct val="100000"/>
               </a:lnSpc>
@@ -21531,7 +21482,7 @@
       </p:sp>
       <p:pic>
         <p:nvPicPr>
-          <p:cNvPr id="308" name="" descr=""/>
+          <p:cNvPr id="308" name="Picture 307" descr=""/>
           <p:cNvPicPr/>
           <p:nvPr/>
         </p:nvPicPr>
@@ -21542,7 +21493,7 @@
         <p:spPr>
           <a:xfrm>
             <a:off x="1600200" y="2743200"/>
-            <a:ext cx="8278560" cy="3884760"/>
+            <a:ext cx="8276400" cy="3882600"/>
           </a:xfrm>
           <a:prstGeom prst="rect">
             <a:avLst/>
@@ -21591,7 +21542,7 @@
         <p:spPr>
           <a:xfrm>
             <a:off x="686160" y="0"/>
-            <a:ext cx="10964520" cy="1136880"/>
+            <a:ext cx="10962360" cy="1134720"/>
           </a:xfrm>
           <a:prstGeom prst="rect">
             <a:avLst/>
@@ -21657,7 +21608,7 @@
         <p:spPr>
           <a:xfrm>
             <a:off x="5257800" y="1604520"/>
-            <a:ext cx="6926400" cy="902160"/>
+            <a:ext cx="6924240" cy="900000"/>
           </a:xfrm>
           <a:prstGeom prst="rect">
             <a:avLst/>
@@ -21705,7 +21656,7 @@
             </a:endParaRPr>
           </a:p>
           <a:p>
-            <a:pPr marL="432000" indent="-319320">
+            <a:pPr marL="432000" indent="-317160">
               <a:lnSpc>
                 <a:spcPct val="100000"/>
               </a:lnSpc>
@@ -21764,7 +21715,7 @@
         <p:spPr>
           <a:xfrm>
             <a:off x="10515600" y="6202080"/>
-            <a:ext cx="1591920" cy="419040"/>
+            <a:ext cx="1589760" cy="416880"/>
           </a:xfrm>
           <a:prstGeom prst="rect">
             <a:avLst/>
@@ -21790,7 +21741,7 @@
                 <a:spcPct val="100000"/>
               </a:lnSpc>
             </a:pPr>
-            <a:fld id="{6D5442F9-BAC7-408F-91A1-D9ACB568DC4F}" type="slidenum">
+            <a:fld id="{A7C4D095-3914-4146-B20C-2135ACA756D4}" type="slidenum">
               <a:rPr b="0" lang="en-US" sz="1600" spc="-1" strike="noStrike">
                 <a:solidFill>
                   <a:srgbClr val="000000"/>
@@ -21815,7 +21766,7 @@
         <p:spPr>
           <a:xfrm>
             <a:off x="0" y="1600200"/>
-            <a:ext cx="4792680" cy="902160"/>
+            <a:ext cx="4790520" cy="900000"/>
           </a:xfrm>
           <a:prstGeom prst="rect">
             <a:avLst/>
@@ -21859,7 +21810,7 @@
             </a:endParaRPr>
           </a:p>
           <a:p>
-            <a:pPr marL="432000" indent="-319320">
+            <a:pPr marL="432000" indent="-317160">
               <a:lnSpc>
                 <a:spcPct val="100000"/>
               </a:lnSpc>
@@ -21891,7 +21842,7 @@
       </p:sp>
       <p:pic>
         <p:nvPicPr>
-          <p:cNvPr id="313" name="" descr=""/>
+          <p:cNvPr id="313" name="Picture 312" descr=""/>
           <p:cNvPicPr/>
           <p:nvPr/>
         </p:nvPicPr>
@@ -21902,7 +21853,7 @@
         <p:spPr>
           <a:xfrm>
             <a:off x="685800" y="2972160"/>
-            <a:ext cx="10516680" cy="3420720"/>
+            <a:ext cx="10514520" cy="3418560"/>
           </a:xfrm>
           <a:prstGeom prst="rect">
             <a:avLst/>
@@ -21951,7 +21902,7 @@
         <p:spPr>
           <a:xfrm>
             <a:off x="686160" y="0"/>
-            <a:ext cx="10964520" cy="1136880"/>
+            <a:ext cx="10962360" cy="1134720"/>
           </a:xfrm>
           <a:prstGeom prst="rect">
             <a:avLst/>
@@ -22000,7 +21951,7 @@
                 <a:latin typeface="Arial"/>
                 <a:ea typeface="Noto Sans CJK SC"/>
               </a:rPr>
-              <a:t>What is Kubernetes</a:t>
+              <a:t>What is Kubernetes?</a:t>
             </a:r>
             <a:endParaRPr b="0" lang="en-US" sz="2200" spc="-1" strike="noStrike">
               <a:latin typeface="Arial"/>
@@ -22017,7 +21968,7 @@
         <p:spPr>
           <a:xfrm>
             <a:off x="0" y="1376280"/>
-            <a:ext cx="5021640" cy="2045160"/>
+            <a:ext cx="5019480" cy="2043000"/>
           </a:xfrm>
           <a:prstGeom prst="rect">
             <a:avLst/>
@@ -22041,7 +21992,7 @@
             <a:noAutofit/>
           </a:bodyPr>
           <a:p>
-            <a:pPr marL="432000" indent="-319320">
+            <a:pPr marL="432000" indent="-317160">
               <a:lnSpc>
                 <a:spcPct val="100000"/>
               </a:lnSpc>
@@ -22070,7 +22021,7 @@
             </a:endParaRPr>
           </a:p>
           <a:p>
-            <a:pPr marL="432000" indent="-319320">
+            <a:pPr marL="432000" indent="-317160">
               <a:lnSpc>
                 <a:spcPct val="100000"/>
               </a:lnSpc>
@@ -22099,7 +22050,7 @@
             </a:endParaRPr>
           </a:p>
           <a:p>
-            <a:pPr marL="432000" indent="-319320">
+            <a:pPr marL="432000" indent="-317160">
               <a:lnSpc>
                 <a:spcPct val="100000"/>
               </a:lnSpc>
@@ -22128,7 +22079,7 @@
             </a:endParaRPr>
           </a:p>
           <a:p>
-            <a:pPr marL="432000" indent="-319320">
+            <a:pPr marL="432000" indent="-317160">
               <a:lnSpc>
                 <a:spcPct val="100000"/>
               </a:lnSpc>
@@ -22167,7 +22118,7 @@
         <p:spPr>
           <a:xfrm>
             <a:off x="10515600" y="6202080"/>
-            <a:ext cx="1591920" cy="419040"/>
+            <a:ext cx="1589760" cy="416880"/>
           </a:xfrm>
           <a:prstGeom prst="rect">
             <a:avLst/>
@@ -22193,7 +22144,7 @@
                 <a:spcPct val="100000"/>
               </a:lnSpc>
             </a:pPr>
-            <a:fld id="{954BA439-C711-49F1-B224-7A84EFE3D0A1}" type="slidenum">
+            <a:fld id="{B6984AF6-EB0F-4CA4-9EB4-397410174DF8}" type="slidenum">
               <a:rPr b="0" lang="en-US" sz="1600" spc="-1" strike="noStrike">
                 <a:solidFill>
                   <a:srgbClr val="000000"/>
@@ -22211,7 +22162,7 @@
       </p:sp>
       <p:pic>
         <p:nvPicPr>
-          <p:cNvPr id="317" name="" descr=""/>
+          <p:cNvPr id="317" name="Picture 316" descr=""/>
           <p:cNvPicPr/>
           <p:nvPr/>
         </p:nvPicPr>
@@ -22222,7 +22173,7 @@
         <p:spPr>
           <a:xfrm>
             <a:off x="5104080" y="1371600"/>
-            <a:ext cx="6764400" cy="4621320"/>
+            <a:ext cx="6762240" cy="4619160"/>
           </a:xfrm>
           <a:prstGeom prst="rect">
             <a:avLst/>
@@ -22271,7 +22222,7 @@
         <p:spPr>
           <a:xfrm>
             <a:off x="686160" y="0"/>
-            <a:ext cx="10964520" cy="1136880"/>
+            <a:ext cx="10962360" cy="1134720"/>
           </a:xfrm>
           <a:prstGeom prst="rect">
             <a:avLst/>
@@ -22325,7 +22276,7 @@
         <p:spPr>
           <a:xfrm>
             <a:off x="0" y="1376280"/>
-            <a:ext cx="2964240" cy="902160"/>
+            <a:ext cx="2962080" cy="900000"/>
           </a:xfrm>
           <a:prstGeom prst="rect">
             <a:avLst/>
@@ -22349,7 +22300,7 @@
             <a:noAutofit/>
           </a:bodyPr>
           <a:p>
-            <a:pPr marL="432000" indent="-319320">
+            <a:pPr marL="432000" indent="-317160">
               <a:lnSpc>
                 <a:spcPct val="100000"/>
               </a:lnSpc>
@@ -22378,7 +22329,7 @@
             </a:endParaRPr>
           </a:p>
           <a:p>
-            <a:pPr marL="432000" indent="-319320">
+            <a:pPr marL="432000" indent="-317160">
               <a:lnSpc>
                 <a:spcPct val="100000"/>
               </a:lnSpc>
@@ -22417,7 +22368,7 @@
         <p:spPr>
           <a:xfrm>
             <a:off x="10515600" y="6202080"/>
-            <a:ext cx="1591920" cy="419040"/>
+            <a:ext cx="1589760" cy="416880"/>
           </a:xfrm>
           <a:prstGeom prst="rect">
             <a:avLst/>
@@ -22443,7 +22394,7 @@
                 <a:spcPct val="100000"/>
               </a:lnSpc>
             </a:pPr>
-            <a:fld id="{B76F748B-076A-4A0F-957B-EF5C2E8930D0}" type="slidenum">
+            <a:fld id="{72A06C73-D0BE-4153-BB85-49983719EF79}" type="slidenum">
               <a:rPr b="0" lang="en-US" sz="1600" spc="-1" strike="noStrike">
                 <a:solidFill>
                   <a:srgbClr val="000000"/>
@@ -22461,7 +22412,7 @@
       </p:sp>
       <p:pic>
         <p:nvPicPr>
-          <p:cNvPr id="321" name="" descr=""/>
+          <p:cNvPr id="321" name="Picture 320" descr=""/>
           <p:cNvPicPr/>
           <p:nvPr/>
         </p:nvPicPr>
@@ -22472,7 +22423,7 @@
         <p:spPr>
           <a:xfrm>
             <a:off x="3200400" y="1371600"/>
-            <a:ext cx="8679240" cy="4793040"/>
+            <a:ext cx="8677080" cy="4790880"/>
           </a:xfrm>
           <a:prstGeom prst="rect">
             <a:avLst/>
@@ -24075,294 +24026,4 @@
     </a:fmtScheme>
   </a:themeElements>
 </a:theme>
-</file>
-
-<file path=customXml/item1.xml><?xml version="1.0" encoding="utf-8"?>
-<?mso-contentType ?>
-<FormTemplates xmlns="http://schemas.microsoft.com/sharepoint/v3/contenttype/forms">
-  <Display>DocumentLibraryForm</Display>
-  <Edit>DocumentLibraryForm</Edit>
-  <New>DocumentLibraryForm</New>
-</FormTemplates>
-</file>
-
-<file path=customXml/item2.xml><?xml version="1.0" encoding="utf-8"?>
-<ct:contentTypeSchema xmlns:ct="http://schemas.microsoft.com/office/2006/metadata/contentType" xmlns:ma="http://schemas.microsoft.com/office/2006/metadata/properties/metaAttributes" ct:_="" ma:_="" ma:contentTypeName="Document" ma:contentTypeID="0x01010077BFDEF1931EEB439C6294D651060CE8" ma:contentTypeVersion="13" ma:contentTypeDescription="Create a new document." ma:contentTypeScope="" ma:versionID="df06643acc7b8d36755e9a2a8d3e177a">
-  <xsd:schema xmlns:xsd="http://www.w3.org/2001/XMLSchema" xmlns:xs="http://www.w3.org/2001/XMLSchema" xmlns:p="http://schemas.microsoft.com/office/2006/metadata/properties" xmlns:ns2="7e608d60-e9da-41b6-9961-87182863fd29" xmlns:ns3="8192536b-0766-48aa-a1af-e941848b3971" targetNamespace="http://schemas.microsoft.com/office/2006/metadata/properties" ma:root="true" ma:fieldsID="79ff13225457710543c548512a9c435e" ns2:_="" ns3:_="">
-    <xsd:import namespace="7e608d60-e9da-41b6-9961-87182863fd29"/>
-    <xsd:import namespace="8192536b-0766-48aa-a1af-e941848b3971"/>
-    <xsd:element name="properties">
-      <xsd:complexType>
-        <xsd:sequence>
-          <xsd:element name="documentManagement">
-            <xsd:complexType>
-              <xsd:all>
-                <xsd:element ref="ns2:MediaServiceMetadata" minOccurs="0"/>
-                <xsd:element ref="ns2:MediaServiceFastMetadata" minOccurs="0"/>
-                <xsd:element ref="ns2:MediaServiceDateTaken" minOccurs="0"/>
-                <xsd:element ref="ns2:MediaLengthInSeconds" minOccurs="0"/>
-                <xsd:element ref="ns2:lcf76f155ced4ddcb4097134ff3c332f" minOccurs="0"/>
-                <xsd:element ref="ns3:TaxCatchAll" minOccurs="0"/>
-                <xsd:element ref="ns2:MediaServiceOCR" minOccurs="0"/>
-                <xsd:element ref="ns2:MediaServiceGenerationTime" minOccurs="0"/>
-                <xsd:element ref="ns2:MediaServiceEventHashCode" minOccurs="0"/>
-                <xsd:element ref="ns2:MediaServiceLocation" minOccurs="0"/>
-                <xsd:element ref="ns3:SharedWithUsers" minOccurs="0"/>
-                <xsd:element ref="ns3:SharedWithDetails" minOccurs="0"/>
-              </xsd:all>
-            </xsd:complexType>
-          </xsd:element>
-        </xsd:sequence>
-      </xsd:complexType>
-    </xsd:element>
-  </xsd:schema>
-  <xsd:schema xmlns:xsd="http://www.w3.org/2001/XMLSchema" xmlns:xs="http://www.w3.org/2001/XMLSchema" xmlns:dms="http://schemas.microsoft.com/office/2006/documentManagement/types" xmlns:pc="http://schemas.microsoft.com/office/infopath/2007/PartnerControls" targetNamespace="7e608d60-e9da-41b6-9961-87182863fd29" elementFormDefault="qualified">
-    <xsd:import namespace="http://schemas.microsoft.com/office/2006/documentManagement/types"/>
-    <xsd:import namespace="http://schemas.microsoft.com/office/infopath/2007/PartnerControls"/>
-    <xsd:element name="MediaServiceMetadata" ma:index="8" nillable="true" ma:displayName="MediaServiceMetadata" ma:hidden="true" ma:internalName="MediaServiceMetadata" ma:readOnly="true">
-      <xsd:simpleType>
-        <xsd:restriction base="dms:Note"/>
-      </xsd:simpleType>
-    </xsd:element>
-    <xsd:element name="MediaServiceFastMetadata" ma:index="9" nillable="true" ma:displayName="MediaServiceFastMetadata" ma:hidden="true" ma:internalName="MediaServiceFastMetadata" ma:readOnly="true">
-      <xsd:simpleType>
-        <xsd:restriction base="dms:Note"/>
-      </xsd:simpleType>
-    </xsd:element>
-    <xsd:element name="MediaServiceDateTaken" ma:index="10" nillable="true" ma:displayName="MediaServiceDateTaken" ma:hidden="true" ma:internalName="MediaServiceDateTaken" ma:readOnly="true">
-      <xsd:simpleType>
-        <xsd:restriction base="dms:Text"/>
-      </xsd:simpleType>
-    </xsd:element>
-    <xsd:element name="MediaLengthInSeconds" ma:index="11" nillable="true" ma:displayName="Length (seconds)" ma:internalName="MediaLengthInSeconds" ma:readOnly="true">
-      <xsd:simpleType>
-        <xsd:restriction base="dms:Unknown"/>
-      </xsd:simpleType>
-    </xsd:element>
-    <xsd:element name="lcf76f155ced4ddcb4097134ff3c332f" ma:index="13" nillable="true" ma:taxonomy="true" ma:internalName="lcf76f155ced4ddcb4097134ff3c332f" ma:taxonomyFieldName="MediaServiceImageTags" ma:displayName="Image Tags" ma:readOnly="false" ma:fieldId="{5cf76f15-5ced-4ddc-b409-7134ff3c332f}" ma:taxonomyMulti="true" ma:sspId="a1b56dd4-9104-4de5-8714-e2496ec077d7" ma:termSetId="09814cd3-568e-fe90-9814-8d621ff8fb84" ma:anchorId="fba54fb3-c3e1-fe81-a776-ca4b69148c4d" ma:open="true" ma:isKeyword="false">
-      <xsd:complexType>
-        <xsd:sequence>
-          <xsd:element ref="pc:Terms" minOccurs="0" maxOccurs="1"/>
-        </xsd:sequence>
-      </xsd:complexType>
-    </xsd:element>
-    <xsd:element name="MediaServiceOCR" ma:index="15" nillable="true" ma:displayName="Extracted Text" ma:internalName="MediaServiceOCR" ma:readOnly="true">
-      <xsd:simpleType>
-        <xsd:restriction base="dms:Note">
-          <xsd:maxLength value="255"/>
-        </xsd:restriction>
-      </xsd:simpleType>
-    </xsd:element>
-    <xsd:element name="MediaServiceGenerationTime" ma:index="16" nillable="true" ma:displayName="MediaServiceGenerationTime" ma:hidden="true" ma:internalName="MediaServiceGenerationTime" ma:readOnly="true">
-      <xsd:simpleType>
-        <xsd:restriction base="dms:Text"/>
-      </xsd:simpleType>
-    </xsd:element>
-    <xsd:element name="MediaServiceEventHashCode" ma:index="17" nillable="true" ma:displayName="MediaServiceEventHashCode" ma:hidden="true" ma:internalName="MediaServiceEventHashCode" ma:readOnly="true">
-      <xsd:simpleType>
-        <xsd:restriction base="dms:Text"/>
-      </xsd:simpleType>
-    </xsd:element>
-    <xsd:element name="MediaServiceLocation" ma:index="18" nillable="true" ma:displayName="Location" ma:internalName="MediaServiceLocation" ma:readOnly="true">
-      <xsd:simpleType>
-        <xsd:restriction base="dms:Text"/>
-      </xsd:simpleType>
-    </xsd:element>
-  </xsd:schema>
-  <xsd:schema xmlns:xsd="http://www.w3.org/2001/XMLSchema" xmlns:xs="http://www.w3.org/2001/XMLSchema" xmlns:dms="http://schemas.microsoft.com/office/2006/documentManagement/types" xmlns:pc="http://schemas.microsoft.com/office/infopath/2007/PartnerControls" targetNamespace="8192536b-0766-48aa-a1af-e941848b3971" elementFormDefault="qualified">
-    <xsd:import namespace="http://schemas.microsoft.com/office/2006/documentManagement/types"/>
-    <xsd:import namespace="http://schemas.microsoft.com/office/infopath/2007/PartnerControls"/>
-    <xsd:element name="TaxCatchAll" ma:index="14" nillable="true" ma:displayName="Taxonomy Catch All Column" ma:hidden="true" ma:list="{3d01d849-ed92-41d1-999b-1fd60f3b1707}" ma:internalName="TaxCatchAll" ma:showField="CatchAllData" ma:web="8192536b-0766-48aa-a1af-e941848b3971">
-      <xsd:complexType>
-        <xsd:complexContent>
-          <xsd:extension base="dms:MultiChoiceLookup">
-            <xsd:sequence>
-              <xsd:element name="Value" type="dms:Lookup" maxOccurs="unbounded" minOccurs="0" nillable="true"/>
-            </xsd:sequence>
-          </xsd:extension>
-        </xsd:complexContent>
-      </xsd:complexType>
-    </xsd:element>
-    <xsd:element name="SharedWithUsers" ma:index="19" nillable="true" ma:displayName="Shared With" ma:internalName="SharedWithUsers" ma:readOnly="true">
-      <xsd:complexType>
-        <xsd:complexContent>
-          <xsd:extension base="dms:UserMulti">
-            <xsd:sequence>
-              <xsd:element name="UserInfo" minOccurs="0" maxOccurs="unbounded">
-                <xsd:complexType>
-                  <xsd:sequence>
-                    <xsd:element name="DisplayName" type="xsd:string" minOccurs="0"/>
-                    <xsd:element name="AccountId" type="dms:UserId" minOccurs="0" nillable="true"/>
-                    <xsd:element name="AccountType" type="xsd:string" minOccurs="0"/>
-                  </xsd:sequence>
-                </xsd:complexType>
-              </xsd:element>
-            </xsd:sequence>
-          </xsd:extension>
-        </xsd:complexContent>
-      </xsd:complexType>
-    </xsd:element>
-    <xsd:element name="SharedWithDetails" ma:index="20" nillable="true" ma:displayName="Shared With Details" ma:internalName="SharedWithDetails" ma:readOnly="true">
-      <xsd:simpleType>
-        <xsd:restriction base="dms:Note">
-          <xsd:maxLength value="255"/>
-        </xsd:restriction>
-      </xsd:simpleType>
-    </xsd:element>
-  </xsd:schema>
-  <xsd:schema xmlns="http://schemas.openxmlformats.org/package/2006/metadata/core-properties" xmlns:xsd="http://www.w3.org/2001/XMLSchema" xmlns:xsi="http://www.w3.org/2001/XMLSchema-instance" xmlns:dc="http://purl.org/dc/elements/1.1/" xmlns:dcterms="http://purl.org/dc/terms/" xmlns:odoc="http://schemas.microsoft.com/internal/obd" targetNamespace="http://schemas.openxmlformats.org/package/2006/metadata/core-properties" elementFormDefault="qualified" attributeFormDefault="unqualified" blockDefault="#all">
-    <xsd:import namespace="http://purl.org/dc/elements/1.1/" schemaLocation="http://dublincore.org/schemas/xmls/qdc/2003/04/02/dc.xsd"/>
-    <xsd:import namespace="http://purl.org/dc/terms/" schemaLocation="http://dublincore.org/schemas/xmls/qdc/2003/04/02/dcterms.xsd"/>
-    <xsd:element name="coreProperties" type="CT_coreProperties"/>
-    <xsd:complexType name="CT_coreProperties">
-      <xsd:all>
-        <xsd:element ref="dc:creator" minOccurs="0" maxOccurs="1"/>
-        <xsd:element ref="dcterms:created" minOccurs="0" maxOccurs="1"/>
-        <xsd:element ref="dc:identifier" minOccurs="0" maxOccurs="1"/>
-        <xsd:element name="contentType" minOccurs="0" maxOccurs="1" type="xsd:string" ma:index="0" ma:displayName="Content Type"/>
-        <xsd:element ref="dc:title" minOccurs="0" maxOccurs="1" ma:index="4" ma:displayName="Title"/>
-        <xsd:element ref="dc:subject" minOccurs="0" maxOccurs="1"/>
-        <xsd:element ref="dc:description" minOccurs="0" maxOccurs="1"/>
-        <xsd:element name="keywords" minOccurs="0" maxOccurs="1" type="xsd:string"/>
-        <xsd:element ref="dc:language" minOccurs="0" maxOccurs="1"/>
-        <xsd:element name="category" minOccurs="0" maxOccurs="1" type="xsd:string"/>
-        <xsd:element name="version" minOccurs="0" maxOccurs="1" type="xsd:string"/>
-        <xsd:element name="revision" minOccurs="0" maxOccurs="1" type="xsd:string">
-          <xsd:annotation>
-            <xsd:documentation>
-                        This value indicates the number of saves or revisions. The application is responsible for updating this value after each revision.
-                    </xsd:documentation>
-          </xsd:annotation>
-        </xsd:element>
-        <xsd:element name="lastModifiedBy" minOccurs="0" maxOccurs="1" type="xsd:string"/>
-        <xsd:element ref="dcterms:modified" minOccurs="0" maxOccurs="1"/>
-        <xsd:element name="contentStatus" minOccurs="0" maxOccurs="1" type="xsd:string"/>
-      </xsd:all>
-    </xsd:complexType>
-  </xsd:schema>
-  <xs:schema xmlns:pc="http://schemas.microsoft.com/office/infopath/2007/PartnerControls" xmlns:xs="http://www.w3.org/2001/XMLSchema" targetNamespace="http://schemas.microsoft.com/office/infopath/2007/PartnerControls" elementFormDefault="qualified" attributeFormDefault="unqualified">
-    <xs:element name="Person">
-      <xs:complexType>
-        <xs:sequence>
-          <xs:element ref="pc:DisplayName" minOccurs="0"/>
-          <xs:element ref="pc:AccountId" minOccurs="0"/>
-          <xs:element ref="pc:AccountType" minOccurs="0"/>
-        </xs:sequence>
-      </xs:complexType>
-    </xs:element>
-    <xs:element name="DisplayName" type="xs:string"/>
-    <xs:element name="AccountId" type="xs:string"/>
-    <xs:element name="AccountType" type="xs:string"/>
-    <xs:element name="BDCAssociatedEntity">
-      <xs:complexType>
-        <xs:sequence>
-          <xs:element ref="pc:BDCEntity" minOccurs="0" maxOccurs="unbounded"/>
-        </xs:sequence>
-        <xs:attribute ref="pc:EntityNamespace"/>
-        <xs:attribute ref="pc:EntityName"/>
-        <xs:attribute ref="pc:SystemInstanceName"/>
-        <xs:attribute ref="pc:AssociationName"/>
-      </xs:complexType>
-    </xs:element>
-    <xs:attribute name="EntityNamespace" type="xs:string"/>
-    <xs:attribute name="EntityName" type="xs:string"/>
-    <xs:attribute name="SystemInstanceName" type="xs:string"/>
-    <xs:attribute name="AssociationName" type="xs:string"/>
-    <xs:element name="BDCEntity">
-      <xs:complexType>
-        <xs:sequence>
-          <xs:element ref="pc:EntityDisplayName" minOccurs="0"/>
-          <xs:element ref="pc:EntityInstanceReference" minOccurs="0"/>
-          <xs:element ref="pc:EntityId1" minOccurs="0"/>
-          <xs:element ref="pc:EntityId2" minOccurs="0"/>
-          <xs:element ref="pc:EntityId3" minOccurs="0"/>
-          <xs:element ref="pc:EntityId4" minOccurs="0"/>
-          <xs:element ref="pc:EntityId5" minOccurs="0"/>
-        </xs:sequence>
-      </xs:complexType>
-    </xs:element>
-    <xs:element name="EntityDisplayName" type="xs:string"/>
-    <xs:element name="EntityInstanceReference" type="xs:string"/>
-    <xs:element name="EntityId1" type="xs:string"/>
-    <xs:element name="EntityId2" type="xs:string"/>
-    <xs:element name="EntityId3" type="xs:string"/>
-    <xs:element name="EntityId4" type="xs:string"/>
-    <xs:element name="EntityId5" type="xs:string"/>
-    <xs:element name="Terms">
-      <xs:complexType>
-        <xs:sequence>
-          <xs:element ref="pc:TermInfo" minOccurs="0" maxOccurs="unbounded"/>
-        </xs:sequence>
-      </xs:complexType>
-    </xs:element>
-    <xs:element name="TermInfo">
-      <xs:complexType>
-        <xs:sequence>
-          <xs:element ref="pc:TermName" minOccurs="0"/>
-          <xs:element ref="pc:TermId" minOccurs="0"/>
-        </xs:sequence>
-      </xs:complexType>
-    </xs:element>
-    <xs:element name="TermName" type="xs:string"/>
-    <xs:element name="TermId" type="xs:string"/>
-  </xs:schema>
-</ct:contentTypeSchema>
-</file>
-
-<file path=customXml/item3.xml><?xml version="1.0" encoding="utf-8"?>
-<p:properties xmlns:p="http://schemas.microsoft.com/office/2006/metadata/properties" xmlns:xsi="http://www.w3.org/2001/XMLSchema-instance" xmlns:pc="http://schemas.microsoft.com/office/infopath/2007/PartnerControls">
-  <documentManagement>
-    <lcf76f155ced4ddcb4097134ff3c332f xmlns="7e608d60-e9da-41b6-9961-87182863fd29">
-      <Terms xmlns="http://schemas.microsoft.com/office/infopath/2007/PartnerControls"/>
-    </lcf76f155ced4ddcb4097134ff3c332f>
-    <TaxCatchAll xmlns="8192536b-0766-48aa-a1af-e941848b3971" xsi:nil="true"/>
-  </documentManagement>
-</p:properties>
-</file>
-
-<file path=customXml/itemProps1.xml><?xml version="1.0" encoding="utf-8"?>
-<ds:datastoreItem xmlns:ds="http://schemas.openxmlformats.org/officeDocument/2006/customXml" ds:itemID="{F919276A-3D42-45D5-B57B-67CFD19FD6DD}">
-  <ds:schemaRefs>
-    <ds:schemaRef ds:uri="http://schemas.microsoft.com/sharepoint/v3/contenttype/forms"/>
-  </ds:schemaRefs>
-</ds:datastoreItem>
-</file>
-
-<file path=customXml/itemProps2.xml><?xml version="1.0" encoding="utf-8"?>
-<ds:datastoreItem xmlns:ds="http://schemas.openxmlformats.org/officeDocument/2006/customXml" ds:itemID="{C5C58332-ADEF-4DB6-9C99-8FBA17C8EC5E}">
-  <ds:schemaRefs>
-    <ds:schemaRef ds:uri="http://schemas.microsoft.com/office/2006/metadata/contentType"/>
-    <ds:schemaRef ds:uri="http://schemas.microsoft.com/office/2006/metadata/properties/metaAttributes"/>
-    <ds:schemaRef ds:uri="http://www.w3.org/2001/XMLSchema"/>
-    <ds:schemaRef ds:uri="http://schemas.microsoft.com/office/2006/metadata/properties"/>
-    <ds:schemaRef ds:uri="7e608d60-e9da-41b6-9961-87182863fd29"/>
-    <ds:schemaRef ds:uri="8192536b-0766-48aa-a1af-e941848b3971"/>
-    <ds:schemaRef ds:uri="http://schemas.microsoft.com/office/2006/documentManagement/types"/>
-    <ds:schemaRef ds:uri="http://schemas.microsoft.com/office/infopath/2007/PartnerControls"/>
-    <ds:schemaRef ds:uri="http://schemas.openxmlformats.org/package/2006/metadata/core-properties"/>
-    <ds:schemaRef ds:uri="http://purl.org/dc/elements/1.1/"/>
-    <ds:schemaRef ds:uri="http://purl.org/dc/terms/"/>
-    <ds:schemaRef ds:uri="http://schemas.microsoft.com/internal/obd"/>
-  </ds:schemaRefs>
-</ds:datastoreItem>
-</file>
-
-<file path=customXml/itemProps3.xml><?xml version="1.0" encoding="utf-8"?>
-<ds:datastoreItem xmlns:ds="http://schemas.openxmlformats.org/officeDocument/2006/customXml" ds:itemID="{A66C3307-F054-4959-9144-4D96D0E24931}">
-  <ds:schemaRefs>
-    <ds:schemaRef ds:uri="140670e8-552e-4ed4-90a8-2e1fc7c78fb9"/>
-    <ds:schemaRef ds:uri="http://purl.org/dc/dcmitype/"/>
-    <ds:schemaRef ds:uri="http://schemas.microsoft.com/office/infopath/2007/PartnerControls"/>
-    <ds:schemaRef ds:uri="http://purl.org/dc/elements/1.1/"/>
-    <ds:schemaRef ds:uri="http://schemas.openxmlformats.org/package/2006/metadata/core-properties"/>
-    <ds:schemaRef ds:uri="http://www.w3.org/XML/1998/namespace"/>
-    <ds:schemaRef ds:uri="http://schemas.microsoft.com/office/2006/documentManagement/types"/>
-    <ds:schemaRef ds:uri="56ab9554-5316-4a60-82cf-ec0d3d01c713"/>
-    <ds:schemaRef ds:uri="http://schemas.microsoft.com/sharepoint/v3"/>
-    <ds:schemaRef ds:uri="http://schemas.microsoft.com/office/2006/metadata/properties"/>
-    <ds:schemaRef ds:uri="http://purl.org/dc/terms/"/>
-    <ds:schemaRef ds:uri="7e608d60-e9da-41b6-9961-87182863fd29"/>
-    <ds:schemaRef ds:uri="8192536b-0766-48aa-a1af-e941848b3971"/>
-  </ds:schemaRefs>
-</ds:datastoreItem>
 </file>
--- a/documents/K8s_Knowledge_Sharing.pptx
+++ b/documents/K8s_Knowledge_Sharing.pptx
@@ -9572,7 +9572,7 @@
         <p:spPr>
           <a:xfrm>
             <a:off x="0" y="0"/>
-            <a:ext cx="12180600" cy="5140800"/>
+            <a:ext cx="12180240" cy="5140440"/>
           </a:xfrm>
           <a:prstGeom prst="rect">
             <a:avLst/>
@@ -9614,7 +9614,7 @@
         <p:spPr>
           <a:xfrm>
             <a:off x="10582200" y="5243760"/>
-            <a:ext cx="1346400" cy="1346400"/>
+            <a:ext cx="1346040" cy="1346040"/>
           </a:xfrm>
           <a:prstGeom prst="rect">
             <a:avLst/>
@@ -9633,7 +9633,7 @@
         <p:spPr>
           <a:xfrm>
             <a:off x="1637280" y="753120"/>
-            <a:ext cx="7846920" cy="3927960"/>
+            <a:ext cx="7846560" cy="3927600"/>
           </a:xfrm>
           <a:prstGeom prst="rect">
             <a:avLst/>
@@ -9673,7 +9673,7 @@
         <p:spPr>
           <a:xfrm>
             <a:off x="7681680" y="1234080"/>
-            <a:ext cx="3836520" cy="3677040"/>
+            <a:ext cx="3836160" cy="3676680"/>
           </a:xfrm>
           <a:prstGeom prst="rect">
             <a:avLst/>
@@ -9952,7 +9952,7 @@
         <p:spPr>
           <a:xfrm>
             <a:off x="0" y="6719040"/>
-            <a:ext cx="12180600" cy="141480"/>
+            <a:ext cx="12180240" cy="141120"/>
           </a:xfrm>
           <a:prstGeom prst="rect">
             <a:avLst/>
@@ -10290,7 +10290,7 @@
         <p:spPr>
           <a:xfrm>
             <a:off x="0" y="0"/>
-            <a:ext cx="4765680" cy="6846480"/>
+            <a:ext cx="4765320" cy="6846120"/>
           </a:xfrm>
           <a:prstGeom prst="rect">
             <a:avLst/>
@@ -10328,7 +10328,7 @@
         <p:spPr>
           <a:xfrm>
             <a:off x="1166760" y="2958480"/>
-            <a:ext cx="2384280" cy="759960"/>
+            <a:ext cx="2383920" cy="759960"/>
           </a:xfrm>
           <a:prstGeom prst="rect">
             <a:avLst/>
@@ -10379,7 +10379,7 @@
         <p:spPr>
           <a:xfrm>
             <a:off x="828360" y="1931400"/>
-            <a:ext cx="3060720" cy="2983680"/>
+            <a:ext cx="3060360" cy="2983320"/>
           </a:xfrm>
           <a:prstGeom prst="rect">
             <a:avLst/>
@@ -10415,7 +10415,7 @@
         <p:spPr>
           <a:xfrm>
             <a:off x="0" y="6719040"/>
-            <a:ext cx="12180600" cy="141480"/>
+            <a:ext cx="12180240" cy="141120"/>
           </a:xfrm>
           <a:prstGeom prst="rect">
             <a:avLst/>
@@ -10719,7 +10719,7 @@
         <p:spPr>
           <a:xfrm>
             <a:off x="0" y="6719040"/>
-            <a:ext cx="12180600" cy="141480"/>
+            <a:ext cx="12180240" cy="141120"/>
           </a:xfrm>
           <a:prstGeom prst="rect">
             <a:avLst/>
@@ -11201,7 +11201,7 @@
         <p:spPr>
           <a:xfrm>
             <a:off x="0" y="6719040"/>
-            <a:ext cx="12180600" cy="141480"/>
+            <a:ext cx="12180240" cy="141120"/>
           </a:xfrm>
           <a:prstGeom prst="rect">
             <a:avLst/>
@@ -11683,7 +11683,7 @@
         <p:spPr>
           <a:xfrm>
             <a:off x="0" y="6719040"/>
-            <a:ext cx="12180600" cy="141480"/>
+            <a:ext cx="12180240" cy="141120"/>
           </a:xfrm>
           <a:prstGeom prst="rect">
             <a:avLst/>
@@ -11987,7 +11987,7 @@
         <p:spPr>
           <a:xfrm>
             <a:off x="0" y="0"/>
-            <a:ext cx="12180600" cy="5140800"/>
+            <a:ext cx="12180240" cy="5140440"/>
           </a:xfrm>
           <a:prstGeom prst="rect">
             <a:avLst/>
@@ -12025,7 +12025,7 @@
         <p:spPr>
           <a:xfrm>
             <a:off x="2915640" y="1431720"/>
-            <a:ext cx="6349320" cy="2719800"/>
+            <a:ext cx="6348960" cy="2719440"/>
           </a:xfrm>
           <a:prstGeom prst="rect">
             <a:avLst/>
@@ -12065,7 +12065,7 @@
         <p:spPr>
           <a:xfrm>
             <a:off x="10991880" y="5744160"/>
-            <a:ext cx="946800" cy="946800"/>
+            <a:ext cx="946440" cy="946440"/>
           </a:xfrm>
           <a:prstGeom prst="rect">
             <a:avLst/>
@@ -12084,7 +12084,7 @@
         <p:spPr>
           <a:xfrm>
             <a:off x="3764880" y="2243520"/>
-            <a:ext cx="4634640" cy="1095120"/>
+            <a:ext cx="4634280" cy="1095120"/>
           </a:xfrm>
           <a:prstGeom prst="rect">
             <a:avLst/>
@@ -12408,7 +12408,7 @@
         <p:spPr>
           <a:xfrm>
             <a:off x="565560" y="6150240"/>
-            <a:ext cx="4171680" cy="282600"/>
+            <a:ext cx="4171320" cy="282240"/>
           </a:xfrm>
           <a:prstGeom prst="rect">
             <a:avLst/>
@@ -12434,7 +12434,7 @@
         <p:spPr>
           <a:xfrm>
             <a:off x="1316880" y="1056240"/>
-            <a:ext cx="7359840" cy="2948760"/>
+            <a:ext cx="7359480" cy="2948400"/>
           </a:xfrm>
           <a:prstGeom prst="rect">
             <a:avLst/>
@@ -12518,7 +12518,7 @@
         <p:spPr>
           <a:xfrm>
             <a:off x="457200" y="5715000"/>
-            <a:ext cx="5933520" cy="352800"/>
+            <a:ext cx="5933160" cy="352440"/>
           </a:xfrm>
           <a:prstGeom prst="rect">
             <a:avLst/>
@@ -12647,7 +12647,7 @@
         <p:spPr>
           <a:xfrm>
             <a:off x="686160" y="0"/>
-            <a:ext cx="10962360" cy="1134720"/>
+            <a:ext cx="10962000" cy="1134360"/>
           </a:xfrm>
           <a:prstGeom prst="rect">
             <a:avLst/>
@@ -12713,7 +12713,7 @@
         <p:spPr>
           <a:xfrm>
             <a:off x="457200" y="1600200"/>
-            <a:ext cx="5344200" cy="905760"/>
+            <a:ext cx="5343840" cy="905400"/>
           </a:xfrm>
           <a:prstGeom prst="rect">
             <a:avLst/>
@@ -12737,7 +12737,7 @@
             <a:noAutofit/>
           </a:bodyPr>
           <a:p>
-            <a:pPr marL="432000" indent="-317160">
+            <a:pPr marL="432000" indent="-316800">
               <a:lnSpc>
                 <a:spcPct val="100000"/>
               </a:lnSpc>
@@ -12766,7 +12766,7 @@
             </a:endParaRPr>
           </a:p>
           <a:p>
-            <a:pPr marL="432000" indent="-317160">
+            <a:pPr marL="432000" indent="-316800">
               <a:lnSpc>
                 <a:spcPct val="100000"/>
               </a:lnSpc>
@@ -12825,7 +12825,7 @@
         <p:spPr>
           <a:xfrm>
             <a:off x="10515600" y="6202080"/>
-            <a:ext cx="1589760" cy="416880"/>
+            <a:ext cx="1589400" cy="416520"/>
           </a:xfrm>
           <a:prstGeom prst="rect">
             <a:avLst/>
@@ -12851,7 +12851,7 @@
                 <a:spcPct val="100000"/>
               </a:lnSpc>
             </a:pPr>
-            <a:fld id="{9AB32F1B-2BAB-406B-A279-7AE9C8DB61D7}" type="slidenum">
+            <a:fld id="{A6BD3EE5-9FFE-42E7-99B5-FECEB6BAC1C1}" type="slidenum">
               <a:rPr b="0" lang="en-US" sz="1600" spc="-1" strike="noStrike">
                 <a:solidFill>
                   <a:srgbClr val="000000"/>
@@ -12880,7 +12880,7 @@
         <p:spPr>
           <a:xfrm>
             <a:off x="2067120" y="2800800"/>
-            <a:ext cx="3409560" cy="2218680"/>
+            <a:ext cx="3409200" cy="2218320"/>
           </a:xfrm>
           <a:prstGeom prst="rect">
             <a:avLst/>
@@ -12892,7 +12892,7 @@
       </p:pic>
       <p:pic>
         <p:nvPicPr>
-          <p:cNvPr id="326" name="Picture 325" descr=""/>
+          <p:cNvPr id="326" name="" descr=""/>
           <p:cNvPicPr/>
           <p:nvPr/>
         </p:nvPicPr>
@@ -12902,20 +12902,20 @@
         </p:blipFill>
         <p:spPr>
           <a:xfrm>
-            <a:off x="6134400" y="1695240"/>
-            <a:ext cx="3716280" cy="3603960"/>
-          </a:xfrm>
-          <a:prstGeom prst="rect">
-            <a:avLst/>
-          </a:prstGeom>
-          <a:ln cap="rnd" w="12600">
+            <a:off x="6309360" y="1554480"/>
+            <a:ext cx="2377440" cy="3657600"/>
+          </a:xfrm>
+          <a:prstGeom prst="rect">
+            <a:avLst/>
+          </a:prstGeom>
+          <a:ln>
             <a:solidFill>
-              <a:srgbClr val="3465a4">
-                <a:alpha val="50000"/>
-              </a:srgbClr>
+              <a:srgbClr val="3465a4"/>
             </a:solidFill>
-            <a:prstDash val="sysDot"/>
-            <a:round/>
+            <a:custDash>
+              <a:ds d="100000" sp="300000"/>
+              <a:ds d="100000" sp="300000"/>
+            </a:custDash>
           </a:ln>
         </p:spPr>
       </p:pic>
@@ -12958,7 +12958,7 @@
         <p:spPr>
           <a:xfrm>
             <a:off x="686160" y="0"/>
-            <a:ext cx="10962360" cy="1134720"/>
+            <a:ext cx="10962000" cy="1134360"/>
           </a:xfrm>
           <a:prstGeom prst="rect">
             <a:avLst/>
@@ -13024,7 +13024,7 @@
         <p:spPr>
           <a:xfrm>
             <a:off x="228600" y="1600920"/>
-            <a:ext cx="5250960" cy="4106160"/>
+            <a:ext cx="5250600" cy="4105800"/>
           </a:xfrm>
           <a:prstGeom prst="rect">
             <a:avLst/>
@@ -13071,7 +13071,7 @@
             </a:endParaRPr>
           </a:p>
           <a:p>
-            <a:pPr marL="432000" indent="-317160">
+            <a:pPr marL="432000" indent="-316800">
               <a:lnSpc>
                 <a:spcPct val="100000"/>
               </a:lnSpc>
@@ -13120,7 +13120,7 @@
             </a:endParaRPr>
           </a:p>
           <a:p>
-            <a:pPr marL="432000" indent="-317160">
+            <a:pPr marL="432000" indent="-316800">
               <a:lnSpc>
                 <a:spcPct val="100000"/>
               </a:lnSpc>
@@ -13149,7 +13149,7 @@
             </a:endParaRPr>
           </a:p>
           <a:p>
-            <a:pPr lvl="1" marL="864000" indent="-317160">
+            <a:pPr lvl="1" marL="864000" indent="-316800">
               <a:lnSpc>
                 <a:spcPct val="100000"/>
               </a:lnSpc>
@@ -13178,7 +13178,7 @@
             </a:endParaRPr>
           </a:p>
           <a:p>
-            <a:pPr lvl="1" marL="864000" indent="-317160">
+            <a:pPr lvl="1" marL="864000" indent="-316800">
               <a:lnSpc>
                 <a:spcPct val="100000"/>
               </a:lnSpc>
@@ -13207,7 +13207,7 @@
             </a:endParaRPr>
           </a:p>
           <a:p>
-            <a:pPr lvl="1" marL="864000" indent="-317160">
+            <a:pPr lvl="1" marL="864000" indent="-316800">
               <a:lnSpc>
                 <a:spcPct val="100000"/>
               </a:lnSpc>
@@ -13236,7 +13236,7 @@
             </a:endParaRPr>
           </a:p>
           <a:p>
-            <a:pPr marL="432000" indent="-317160">
+            <a:pPr marL="432000" indent="-316800">
               <a:lnSpc>
                 <a:spcPct val="100000"/>
               </a:lnSpc>
@@ -13265,7 +13265,7 @@
             </a:endParaRPr>
           </a:p>
           <a:p>
-            <a:pPr marL="432000" indent="-317160">
+            <a:pPr marL="432000" indent="-316800">
               <a:lnSpc>
                 <a:spcPct val="100000"/>
               </a:lnSpc>
@@ -13304,7 +13304,7 @@
         <p:spPr>
           <a:xfrm>
             <a:off x="10515600" y="6202080"/>
-            <a:ext cx="1589760" cy="416880"/>
+            <a:ext cx="1589400" cy="416520"/>
           </a:xfrm>
           <a:prstGeom prst="rect">
             <a:avLst/>
@@ -13330,7 +13330,7 @@
                 <a:spcPct val="100000"/>
               </a:lnSpc>
             </a:pPr>
-            <a:fld id="{6CFE1820-47ED-422E-8548-0C911F3792A9}" type="slidenum">
+            <a:fld id="{F4738EB2-7C93-4239-96D6-7BF58B3454F8}" type="slidenum">
               <a:rPr b="0" lang="en-US" sz="1600" spc="-1" strike="noStrike">
                 <a:solidFill>
                   <a:srgbClr val="000000"/>
@@ -13359,7 +13359,7 @@
         <p:spPr>
           <a:xfrm>
             <a:off x="5715000" y="1600200"/>
-            <a:ext cx="4792680" cy="4106880"/>
+            <a:ext cx="4792320" cy="4106520"/>
           </a:xfrm>
           <a:prstGeom prst="rect">
             <a:avLst/>
@@ -13411,7 +13411,7 @@
         <p:spPr>
           <a:xfrm>
             <a:off x="686160" y="0"/>
-            <a:ext cx="10962360" cy="1134720"/>
+            <a:ext cx="10962000" cy="1134360"/>
           </a:xfrm>
           <a:prstGeom prst="rect">
             <a:avLst/>
@@ -13477,7 +13477,7 @@
         <p:spPr>
           <a:xfrm>
             <a:off x="91440" y="1600920"/>
-            <a:ext cx="5389200" cy="4106160"/>
+            <a:ext cx="5388840" cy="4105800"/>
           </a:xfrm>
           <a:prstGeom prst="rect">
             <a:avLst/>
@@ -13524,7 +13524,7 @@
             </a:endParaRPr>
           </a:p>
           <a:p>
-            <a:pPr marL="432000" indent="-317160">
+            <a:pPr marL="432000" indent="-316800">
               <a:lnSpc>
                 <a:spcPct val="100000"/>
               </a:lnSpc>
@@ -13553,7 +13553,7 @@
             </a:endParaRPr>
           </a:p>
           <a:p>
-            <a:pPr marL="432000" indent="-317160">
+            <a:pPr marL="432000" indent="-316800">
               <a:lnSpc>
                 <a:spcPct val="100000"/>
               </a:lnSpc>
@@ -13605,7 +13605,7 @@
             </a:endParaRPr>
           </a:p>
           <a:p>
-            <a:pPr marL="432000" indent="-317160">
+            <a:pPr marL="432000" indent="-316800">
               <a:lnSpc>
                 <a:spcPct val="100000"/>
               </a:lnSpc>
@@ -13634,7 +13634,7 @@
             </a:endParaRPr>
           </a:p>
           <a:p>
-            <a:pPr marL="432000" indent="-317160">
+            <a:pPr marL="432000" indent="-316800">
               <a:lnSpc>
                 <a:spcPct val="100000"/>
               </a:lnSpc>
@@ -13686,7 +13686,7 @@
         <p:spPr>
           <a:xfrm>
             <a:off x="10515600" y="6202080"/>
-            <a:ext cx="1589760" cy="416880"/>
+            <a:ext cx="1589400" cy="416520"/>
           </a:xfrm>
           <a:prstGeom prst="rect">
             <a:avLst/>
@@ -13712,7 +13712,7 @@
                 <a:spcPct val="100000"/>
               </a:lnSpc>
             </a:pPr>
-            <a:fld id="{F52E7AF3-CF1D-48CA-97BF-4468424C6474}" type="slidenum">
+            <a:fld id="{68F07475-3C3C-426D-95B6-C640A494E0AA}" type="slidenum">
               <a:rPr b="0" lang="en-US" sz="1600" spc="-1" strike="noStrike">
                 <a:solidFill>
                   <a:srgbClr val="000000"/>
@@ -13741,7 +13741,7 @@
         <p:spPr>
           <a:xfrm>
             <a:off x="6688800" y="1554480"/>
-            <a:ext cx="4918320" cy="4017600"/>
+            <a:ext cx="4917960" cy="4017240"/>
           </a:xfrm>
           <a:prstGeom prst="rect">
             <a:avLst/>
@@ -13796,7 +13796,7 @@
         <p:spPr>
           <a:xfrm>
             <a:off x="686160" y="0"/>
-            <a:ext cx="10962360" cy="1134720"/>
+            <a:ext cx="10962000" cy="1134360"/>
           </a:xfrm>
           <a:prstGeom prst="rect">
             <a:avLst/>
@@ -13862,7 +13862,7 @@
         <p:spPr>
           <a:xfrm>
             <a:off x="0" y="1600920"/>
-            <a:ext cx="5298840" cy="2234880"/>
+            <a:ext cx="5298480" cy="2234520"/>
           </a:xfrm>
           <a:prstGeom prst="rect">
             <a:avLst/>
@@ -14097,7 +14097,7 @@
         <p:spPr>
           <a:xfrm>
             <a:off x="10515600" y="6202080"/>
-            <a:ext cx="1589760" cy="416880"/>
+            <a:ext cx="1589400" cy="416520"/>
           </a:xfrm>
           <a:prstGeom prst="rect">
             <a:avLst/>
@@ -14123,7 +14123,7 @@
                 <a:spcPct val="100000"/>
               </a:lnSpc>
             </a:pPr>
-            <a:fld id="{9E9B1A98-477E-46DF-B18E-00783C4DF425}" type="slidenum">
+            <a:fld id="{F555A6EA-8696-4192-A141-6441EBB45D7F}" type="slidenum">
               <a:rPr b="0" lang="en-US" sz="1600" spc="-1" strike="noStrike">
                 <a:solidFill>
                   <a:srgbClr val="000000"/>
@@ -14152,7 +14152,7 @@
         <p:spPr>
           <a:xfrm>
             <a:off x="6858360" y="1554480"/>
-            <a:ext cx="3290400" cy="3159360"/>
+            <a:ext cx="3290040" cy="3159000"/>
           </a:xfrm>
           <a:prstGeom prst="rect">
             <a:avLst/>
@@ -14207,7 +14207,7 @@
         <p:spPr>
           <a:xfrm>
             <a:off x="686160" y="0"/>
-            <a:ext cx="10962360" cy="1134720"/>
+            <a:ext cx="10962000" cy="1134360"/>
           </a:xfrm>
           <a:prstGeom prst="rect">
             <a:avLst/>
@@ -14273,7 +14273,7 @@
         <p:spPr>
           <a:xfrm>
             <a:off x="10515600" y="6202080"/>
-            <a:ext cx="1589760" cy="416880"/>
+            <a:ext cx="1589400" cy="416520"/>
           </a:xfrm>
           <a:prstGeom prst="rect">
             <a:avLst/>
@@ -14299,7 +14299,7 @@
                 <a:spcPct val="100000"/>
               </a:lnSpc>
             </a:pPr>
-            <a:fld id="{3F889825-4626-41B0-830C-E100B6ECEDCB}" type="slidenum">
+            <a:fld id="{39BB9E26-3ED3-4B55-899E-F795D5F80723}" type="slidenum">
               <a:rPr b="0" lang="en-US" sz="1600" spc="-1" strike="noStrike">
                 <a:solidFill>
                   <a:srgbClr val="000000"/>
@@ -14324,7 +14324,7 @@
         <p:spPr>
           <a:xfrm>
             <a:off x="91440" y="1600920"/>
-            <a:ext cx="4841640" cy="3880800"/>
+            <a:ext cx="4841280" cy="3880440"/>
           </a:xfrm>
           <a:prstGeom prst="rect">
             <a:avLst/>
@@ -14348,7 +14348,7 @@
             <a:noAutofit/>
           </a:bodyPr>
           <a:p>
-            <a:pPr marL="216000" indent="-211320">
+            <a:pPr marL="216000" indent="-210960">
               <a:lnSpc>
                 <a:spcPct val="100000"/>
               </a:lnSpc>
@@ -14376,7 +14376,7 @@
             </a:endParaRPr>
           </a:p>
           <a:p>
-            <a:pPr marL="216000" indent="-211320">
+            <a:pPr marL="216000" indent="-210960">
               <a:lnSpc>
                 <a:spcPct val="100000"/>
               </a:lnSpc>
@@ -14404,7 +14404,7 @@
             </a:endParaRPr>
           </a:p>
           <a:p>
-            <a:pPr lvl="1" marL="432000" indent="-211320">
+            <a:pPr lvl="1" marL="432000" indent="-210960">
               <a:lnSpc>
                 <a:spcPct val="100000"/>
               </a:lnSpc>
@@ -14426,14 +14426,14 @@
                 <a:latin typeface="Arial"/>
                 <a:ea typeface="DejaVu Sans"/>
               </a:rPr>
-              <a:t>Not able to have 2 different versions of app at installed the same time (big update)</a:t>
+              <a:t>Not able to have 2 different versions of app installed at the same time (the big update)</a:t>
             </a:r>
             <a:endParaRPr b="0" lang="en-US" sz="1800" spc="-1" strike="noStrike">
               <a:latin typeface="Arial"/>
             </a:endParaRPr>
           </a:p>
           <a:p>
-            <a:pPr marL="216000" indent="-211320">
+            <a:pPr marL="216000" indent="-210960">
               <a:lnSpc>
                 <a:spcPct val="100000"/>
               </a:lnSpc>
@@ -14461,7 +14461,7 @@
             </a:endParaRPr>
           </a:p>
           <a:p>
-            <a:pPr lvl="1" marL="432000" indent="-211320">
+            <a:pPr lvl="1" marL="432000" indent="-210960">
               <a:lnSpc>
                 <a:spcPct val="100000"/>
               </a:lnSpc>
@@ -14490,7 +14490,7 @@
             </a:endParaRPr>
           </a:p>
           <a:p>
-            <a:pPr marL="216000" indent="-211320">
+            <a:pPr marL="216000" indent="-210960">
               <a:lnSpc>
                 <a:spcPct val="100000"/>
               </a:lnSpc>
@@ -14518,7 +14518,7 @@
             </a:endParaRPr>
           </a:p>
           <a:p>
-            <a:pPr lvl="1" marL="432000" indent="-211320">
+            <a:pPr lvl="1" marL="432000" indent="-210960">
               <a:lnSpc>
                 <a:spcPct val="100000"/>
               </a:lnSpc>
@@ -14587,7 +14587,7 @@
         <p:spPr>
           <a:xfrm>
             <a:off x="5669280" y="2743200"/>
-            <a:ext cx="4481280" cy="1509480"/>
+            <a:ext cx="4480920" cy="1509120"/>
           </a:xfrm>
           <a:prstGeom prst="rect">
             <a:avLst/>
@@ -14642,7 +14642,7 @@
         <p:spPr>
           <a:xfrm>
             <a:off x="686160" y="0"/>
-            <a:ext cx="10962360" cy="1134720"/>
+            <a:ext cx="10962000" cy="1134360"/>
           </a:xfrm>
           <a:prstGeom prst="rect">
             <a:avLst/>
@@ -14708,7 +14708,7 @@
         <p:spPr>
           <a:xfrm>
             <a:off x="10515600" y="6202080"/>
-            <a:ext cx="1589760" cy="416880"/>
+            <a:ext cx="1589400" cy="416520"/>
           </a:xfrm>
           <a:prstGeom prst="rect">
             <a:avLst/>
@@ -14734,7 +14734,7 @@
                 <a:spcPct val="100000"/>
               </a:lnSpc>
             </a:pPr>
-            <a:fld id="{C961E5DC-7FA8-4758-B7C7-978533D5A6A8}" type="slidenum">
+            <a:fld id="{342BE036-CB7D-431B-8B3F-EC88C2CAC1E3}" type="slidenum">
               <a:rPr b="0" lang="en-US" sz="1600" spc="-1" strike="noStrike">
                 <a:solidFill>
                   <a:srgbClr val="000000"/>
@@ -14759,7 +14759,7 @@
         <p:spPr>
           <a:xfrm>
             <a:off x="91440" y="1600920"/>
-            <a:ext cx="5664600" cy="3880800"/>
+            <a:ext cx="5664240" cy="3880440"/>
           </a:xfrm>
           <a:prstGeom prst="rect">
             <a:avLst/>
@@ -14783,7 +14783,7 @@
             <a:noAutofit/>
           </a:bodyPr>
           <a:p>
-            <a:pPr marL="216000" indent="-211320">
+            <a:pPr marL="216000" indent="-210960">
               <a:lnSpc>
                 <a:spcPct val="100000"/>
               </a:lnSpc>
@@ -14811,7 +14811,7 @@
             </a:endParaRPr>
           </a:p>
           <a:p>
-            <a:pPr marL="216000" indent="-211320">
+            <a:pPr marL="216000" indent="-210960">
               <a:lnSpc>
                 <a:spcPct val="100000"/>
               </a:lnSpc>
@@ -14839,7 +14839,7 @@
             </a:endParaRPr>
           </a:p>
           <a:p>
-            <a:pPr lvl="1" marL="432000" indent="-211320">
+            <a:pPr lvl="1" marL="432000" indent="-210960">
               <a:lnSpc>
                 <a:spcPct val="100000"/>
               </a:lnSpc>
@@ -14868,7 +14868,7 @@
             </a:endParaRPr>
           </a:p>
           <a:p>
-            <a:pPr marL="216000" indent="-211320">
+            <a:pPr marL="216000" indent="-210960">
               <a:lnSpc>
                 <a:spcPct val="100000"/>
               </a:lnSpc>
@@ -14896,7 +14896,7 @@
             </a:endParaRPr>
           </a:p>
           <a:p>
-            <a:pPr lvl="1" marL="432000" indent="-211320">
+            <a:pPr lvl="1" marL="432000" indent="-210960">
               <a:lnSpc>
                 <a:spcPct val="100000"/>
               </a:lnSpc>
@@ -14925,7 +14925,7 @@
             </a:endParaRPr>
           </a:p>
           <a:p>
-            <a:pPr marL="216000" indent="-211320">
+            <a:pPr marL="216000" indent="-210960">
               <a:lnSpc>
                 <a:spcPct val="100000"/>
               </a:lnSpc>
@@ -14953,7 +14953,7 @@
             </a:endParaRPr>
           </a:p>
           <a:p>
-            <a:pPr lvl="1" marL="432000" indent="-211320">
+            <a:pPr lvl="1" marL="432000" indent="-210960">
               <a:lnSpc>
                 <a:spcPct val="100000"/>
               </a:lnSpc>
@@ -14996,7 +14996,7 @@
         <p:spPr>
           <a:xfrm>
             <a:off x="6035040" y="1612080"/>
-            <a:ext cx="5490720" cy="3138120"/>
+            <a:ext cx="5490360" cy="3137760"/>
           </a:xfrm>
           <a:prstGeom prst="rect">
             <a:avLst/>
@@ -15051,7 +15051,7 @@
         <p:spPr>
           <a:xfrm>
             <a:off x="722160" y="0"/>
-            <a:ext cx="10962360" cy="1134720"/>
+            <a:ext cx="10962000" cy="1134360"/>
           </a:xfrm>
           <a:prstGeom prst="rect">
             <a:avLst/>
@@ -15117,7 +15117,7 @@
         <p:spPr>
           <a:xfrm>
             <a:off x="127440" y="1600920"/>
-            <a:ext cx="5389200" cy="2143080"/>
+            <a:ext cx="5388840" cy="2142720"/>
           </a:xfrm>
           <a:prstGeom prst="rect">
             <a:avLst/>
@@ -15141,7 +15141,7 @@
             <a:noAutofit/>
           </a:bodyPr>
           <a:p>
-            <a:pPr marL="216000" indent="-210960">
+            <a:pPr marL="216000" indent="-210600">
               <a:lnSpc>
                 <a:spcPct val="100000"/>
               </a:lnSpc>
@@ -15169,7 +15169,7 @@
             </a:endParaRPr>
           </a:p>
           <a:p>
-            <a:pPr marL="216000" indent="-210960">
+            <a:pPr marL="216000" indent="-210600">
               <a:lnSpc>
                 <a:spcPct val="100000"/>
               </a:lnSpc>
@@ -15197,7 +15197,7 @@
             </a:endParaRPr>
           </a:p>
           <a:p>
-            <a:pPr marL="216000" indent="-210960">
+            <a:pPr marL="216000" indent="-210600">
               <a:lnSpc>
                 <a:spcPct val="100000"/>
               </a:lnSpc>
@@ -15235,7 +15235,7 @@
         <p:spPr>
           <a:xfrm>
             <a:off x="10551600" y="6202080"/>
-            <a:ext cx="1589760" cy="416880"/>
+            <a:ext cx="1589400" cy="416520"/>
           </a:xfrm>
           <a:prstGeom prst="rect">
             <a:avLst/>
@@ -15261,7 +15261,7 @@
                 <a:spcPct val="100000"/>
               </a:lnSpc>
             </a:pPr>
-            <a:fld id="{E54E6FD4-EAE7-43EA-A1F6-63B2248FEDE7}" type="slidenum">
+            <a:fld id="{8A5DC73B-827D-492B-96A2-C70BFBB1C0E3}" type="slidenum">
               <a:rPr b="0" lang="en-US" sz="1600" spc="-1" strike="noStrike">
                 <a:solidFill>
                   <a:srgbClr val="000000"/>
@@ -15290,7 +15290,7 @@
         <p:spPr>
           <a:xfrm>
             <a:off x="9052560" y="1566360"/>
-            <a:ext cx="2214000" cy="4280760"/>
+            <a:ext cx="2213640" cy="4280400"/>
           </a:xfrm>
           <a:prstGeom prst="rect">
             <a:avLst/>
@@ -15319,7 +15319,7 @@
         <p:spPr>
           <a:xfrm>
             <a:off x="6309360" y="1554480"/>
-            <a:ext cx="1956600" cy="3156840"/>
+            <a:ext cx="1956240" cy="3156480"/>
           </a:xfrm>
           <a:prstGeom prst="rect">
             <a:avLst/>
@@ -15374,7 +15374,7 @@
         <p:spPr>
           <a:xfrm>
             <a:off x="686160" y="0"/>
-            <a:ext cx="10962360" cy="1134720"/>
+            <a:ext cx="10962000" cy="1134360"/>
           </a:xfrm>
           <a:prstGeom prst="rect">
             <a:avLst/>
@@ -15440,7 +15440,7 @@
         <p:spPr>
           <a:xfrm>
             <a:off x="457200" y="1600200"/>
-            <a:ext cx="3878640" cy="905760"/>
+            <a:ext cx="3878280" cy="905400"/>
           </a:xfrm>
           <a:prstGeom prst="rect">
             <a:avLst/>
@@ -15464,7 +15464,7 @@
             <a:noAutofit/>
           </a:bodyPr>
           <a:p>
-            <a:pPr marL="432000" indent="-317160">
+            <a:pPr marL="432000" indent="-316800">
               <a:lnSpc>
                 <a:spcPct val="100000"/>
               </a:lnSpc>
@@ -15503,7 +15503,7 @@
         <p:spPr>
           <a:xfrm>
             <a:off x="10515600" y="6202080"/>
-            <a:ext cx="1589760" cy="416880"/>
+            <a:ext cx="1589400" cy="416520"/>
           </a:xfrm>
           <a:prstGeom prst="rect">
             <a:avLst/>
@@ -15529,7 +15529,7 @@
                 <a:spcPct val="100000"/>
               </a:lnSpc>
             </a:pPr>
-            <a:fld id="{4B87D8CB-0807-4A8C-9930-6A82A3CE5B1B}" type="slidenum">
+            <a:fld id="{765A32E6-E06E-46A7-B259-809E6C6A41EC}" type="slidenum">
               <a:rPr b="0" lang="en-US" sz="1600" spc="-1" strike="noStrike">
                 <a:solidFill>
                   <a:srgbClr val="000000"/>
@@ -15558,7 +15558,7 @@
         <p:spPr>
           <a:xfrm>
             <a:off x="8056440" y="2057400"/>
-            <a:ext cx="3878640" cy="3650040"/>
+            <a:ext cx="3878280" cy="3649680"/>
           </a:xfrm>
           <a:prstGeom prst="rect">
             <a:avLst/>
@@ -15584,7 +15584,7 @@
         <p:spPr>
           <a:xfrm>
             <a:off x="5029200" y="2057400"/>
-            <a:ext cx="2223000" cy="3650400"/>
+            <a:ext cx="2222640" cy="3650040"/>
           </a:xfrm>
           <a:prstGeom prst="rect">
             <a:avLst/>
@@ -15636,7 +15636,7 @@
         <p:spPr>
           <a:xfrm>
             <a:off x="686160" y="0"/>
-            <a:ext cx="10962360" cy="1134720"/>
+            <a:ext cx="10962000" cy="1134360"/>
           </a:xfrm>
           <a:prstGeom prst="rect">
             <a:avLst/>
@@ -15702,7 +15702,7 @@
         <p:spPr>
           <a:xfrm>
             <a:off x="457560" y="1371960"/>
-            <a:ext cx="5476680" cy="5248800"/>
+            <a:ext cx="5476320" cy="5248440"/>
           </a:xfrm>
           <a:prstGeom prst="rect">
             <a:avLst/>
@@ -15726,7 +15726,7 @@
             <a:noAutofit/>
           </a:bodyPr>
           <a:p>
-            <a:pPr marL="432000" indent="-317160">
+            <a:pPr marL="432000" indent="-316800">
               <a:lnSpc>
                 <a:spcPct val="100000"/>
               </a:lnSpc>
@@ -15755,7 +15755,7 @@
             </a:endParaRPr>
           </a:p>
           <a:p>
-            <a:pPr marL="432000" indent="-317160">
+            <a:pPr marL="432000" indent="-316800">
               <a:lnSpc>
                 <a:spcPct val="100000"/>
               </a:lnSpc>
@@ -15784,7 +15784,7 @@
             </a:endParaRPr>
           </a:p>
           <a:p>
-            <a:pPr lvl="1" marL="864000" indent="-317160">
+            <a:pPr lvl="1" marL="864000" indent="-316800">
               <a:lnSpc>
                 <a:spcPct val="100000"/>
               </a:lnSpc>
@@ -15813,7 +15813,7 @@
             </a:endParaRPr>
           </a:p>
           <a:p>
-            <a:pPr lvl="1" marL="864000" indent="-317160">
+            <a:pPr lvl="1" marL="864000" indent="-316800">
               <a:lnSpc>
                 <a:spcPct val="100000"/>
               </a:lnSpc>
@@ -15842,7 +15842,7 @@
             </a:endParaRPr>
           </a:p>
           <a:p>
-            <a:pPr marL="432000" indent="-317160">
+            <a:pPr marL="432000" indent="-316800">
               <a:lnSpc>
                 <a:spcPct val="100000"/>
               </a:lnSpc>
@@ -15871,7 +15871,7 @@
             </a:endParaRPr>
           </a:p>
           <a:p>
-            <a:pPr lvl="1" marL="864000" indent="-317160">
+            <a:pPr lvl="1" marL="864000" indent="-316800">
               <a:lnSpc>
                 <a:spcPct val="100000"/>
               </a:lnSpc>
@@ -15900,7 +15900,7 @@
             </a:endParaRPr>
           </a:p>
           <a:p>
-            <a:pPr lvl="1" marL="864000" indent="-317160">
+            <a:pPr lvl="1" marL="864000" indent="-316800">
               <a:lnSpc>
                 <a:spcPct val="100000"/>
               </a:lnSpc>
@@ -15929,7 +15929,7 @@
             </a:endParaRPr>
           </a:p>
           <a:p>
-            <a:pPr lvl="2" marL="1296000" indent="-281160">
+            <a:pPr lvl="2" marL="1296000" indent="-280800">
               <a:lnSpc>
                 <a:spcPct val="100000"/>
               </a:lnSpc>
@@ -15958,7 +15958,7 @@
             </a:endParaRPr>
           </a:p>
           <a:p>
-            <a:pPr lvl="2" marL="1296000" indent="-281160">
+            <a:pPr lvl="2" marL="1296000" indent="-280800">
               <a:lnSpc>
                 <a:spcPct val="100000"/>
               </a:lnSpc>
@@ -15987,7 +15987,7 @@
             </a:endParaRPr>
           </a:p>
           <a:p>
-            <a:pPr lvl="1" marL="864000" indent="-317160">
+            <a:pPr lvl="1" marL="864000" indent="-316800">
               <a:lnSpc>
                 <a:spcPct val="100000"/>
               </a:lnSpc>
@@ -16026,7 +16026,7 @@
         <p:spPr>
           <a:xfrm>
             <a:off x="10515600" y="6202080"/>
-            <a:ext cx="1589760" cy="416880"/>
+            <a:ext cx="1589400" cy="416520"/>
           </a:xfrm>
           <a:prstGeom prst="rect">
             <a:avLst/>
@@ -16052,7 +16052,7 @@
                 <a:spcPct val="100000"/>
               </a:lnSpc>
             </a:pPr>
-            <a:fld id="{EA4F6021-51AF-4A38-AC04-181039BD0B82}" type="slidenum">
+            <a:fld id="{B080E626-4314-4D2D-8A8A-F367CCA669F9}" type="slidenum">
               <a:rPr b="0" lang="en-US" sz="1600" spc="-1" strike="noStrike">
                 <a:solidFill>
                   <a:srgbClr val="000000"/>
@@ -16081,7 +16081,7 @@
         <p:spPr>
           <a:xfrm>
             <a:off x="5943600" y="1268640"/>
-            <a:ext cx="3483000" cy="4676040"/>
+            <a:ext cx="3482640" cy="4675680"/>
           </a:xfrm>
           <a:prstGeom prst="rect">
             <a:avLst/>
@@ -16104,7 +16104,7 @@
         <p:spPr>
           <a:xfrm>
             <a:off x="9706320" y="1419480"/>
-            <a:ext cx="2399760" cy="4285800"/>
+            <a:ext cx="2399400" cy="4285440"/>
           </a:xfrm>
           <a:prstGeom prst="rect">
             <a:avLst/>
@@ -16157,7 +16157,7 @@
         <p:spPr>
           <a:xfrm>
             <a:off x="686160" y="0"/>
-            <a:ext cx="10962360" cy="1134720"/>
+            <a:ext cx="10962000" cy="1134360"/>
           </a:xfrm>
           <a:prstGeom prst="rect">
             <a:avLst/>
@@ -16223,7 +16223,7 @@
         <p:spPr>
           <a:xfrm>
             <a:off x="10515600" y="6202080"/>
-            <a:ext cx="1589760" cy="416880"/>
+            <a:ext cx="1589400" cy="416520"/>
           </a:xfrm>
           <a:prstGeom prst="rect">
             <a:avLst/>
@@ -16249,7 +16249,7 @@
                 <a:spcPct val="100000"/>
               </a:lnSpc>
             </a:pPr>
-            <a:fld id="{BEB9FAB4-BFF6-419F-9928-767DD02038DE}" type="slidenum">
+            <a:fld id="{6FC0894A-EBB5-4B2F-8E66-9B4271A763A8}" type="slidenum">
               <a:rPr b="0" lang="en-US" sz="1600" spc="-1" strike="noStrike">
                 <a:solidFill>
                   <a:srgbClr val="000000"/>
@@ -16278,7 +16278,7 @@
         <p:spPr>
           <a:xfrm>
             <a:off x="3434040" y="3972240"/>
-            <a:ext cx="1666800" cy="1962000"/>
+            <a:ext cx="1666440" cy="1961640"/>
           </a:xfrm>
           <a:prstGeom prst="rect">
             <a:avLst/>
@@ -16304,7 +16304,7 @@
         <p:spPr>
           <a:xfrm>
             <a:off x="228600" y="1828800"/>
-            <a:ext cx="3191040" cy="4324320"/>
+            <a:ext cx="3190680" cy="4323960"/>
           </a:xfrm>
           <a:prstGeom prst="rect">
             <a:avLst/>
@@ -16327,7 +16327,7 @@
         <p:spPr>
           <a:xfrm>
             <a:off x="6445080" y="1828800"/>
-            <a:ext cx="3375360" cy="4334040"/>
+            <a:ext cx="3375000" cy="4333680"/>
           </a:xfrm>
           <a:prstGeom prst="rect">
             <a:avLst/>
@@ -16350,7 +16350,7 @@
         <p:spPr>
           <a:xfrm>
             <a:off x="9829800" y="3972240"/>
-            <a:ext cx="1666800" cy="1962000"/>
+            <a:ext cx="1666440" cy="1961640"/>
           </a:xfrm>
           <a:prstGeom prst="rect">
             <a:avLst/>
@@ -16402,7 +16402,7 @@
         <p:spPr>
           <a:xfrm>
             <a:off x="838080" y="405360"/>
-            <a:ext cx="10281600" cy="527040"/>
+            <a:ext cx="10281240" cy="526680"/>
           </a:xfrm>
           <a:prstGeom prst="rect">
             <a:avLst/>
@@ -16453,7 +16453,7 @@
         <p:spPr>
           <a:xfrm>
             <a:off x="838440" y="2012040"/>
-            <a:ext cx="5028480" cy="3646080"/>
+            <a:ext cx="5028120" cy="3645720"/>
           </a:xfrm>
           <a:prstGeom prst="rect">
             <a:avLst/>
@@ -16474,7 +16474,7 @@
             <a:noAutofit/>
           </a:bodyPr>
           <a:p>
-            <a:pPr marL="228600" indent="-221760">
+            <a:pPr marL="228600" indent="-221400">
               <a:lnSpc>
                 <a:spcPct val="90000"/>
               </a:lnSpc>
@@ -16532,7 +16532,7 @@
         <p:spPr>
           <a:xfrm>
             <a:off x="838080" y="1399680"/>
-            <a:ext cx="5028480" cy="474120"/>
+            <a:ext cx="5028120" cy="473760"/>
           </a:xfrm>
           <a:prstGeom prst="rect">
             <a:avLst/>
@@ -16589,7 +16589,7 @@
         <p:spPr>
           <a:xfrm>
             <a:off x="6240960" y="1399680"/>
-            <a:ext cx="5028480" cy="474120"/>
+            <a:ext cx="5028120" cy="473760"/>
           </a:xfrm>
           <a:prstGeom prst="rect">
             <a:avLst/>
@@ -16646,7 +16646,7 @@
         <p:spPr>
           <a:xfrm>
             <a:off x="6240960" y="2021400"/>
-            <a:ext cx="5864040" cy="1290960"/>
+            <a:ext cx="5863680" cy="1290600"/>
           </a:xfrm>
           <a:prstGeom prst="rect">
             <a:avLst/>
@@ -16667,7 +16667,7 @@
             <a:noAutofit/>
           </a:bodyPr>
           <a:p>
-            <a:pPr marL="228600" indent="-221760">
+            <a:pPr marL="228600" indent="-221400">
               <a:lnSpc>
                 <a:spcPct val="90000"/>
               </a:lnSpc>
@@ -16695,7 +16695,7 @@
             </a:endParaRPr>
           </a:p>
           <a:p>
-            <a:pPr marL="228600" indent="-221760">
+            <a:pPr marL="228600" indent="-221400">
               <a:lnSpc>
                 <a:spcPct val="90000"/>
               </a:lnSpc>
@@ -16763,7 +16763,7 @@
         <p:spPr>
           <a:xfrm>
             <a:off x="686160" y="0"/>
-            <a:ext cx="10962360" cy="1134720"/>
+            <a:ext cx="10962000" cy="1134360"/>
           </a:xfrm>
           <a:prstGeom prst="rect">
             <a:avLst/>
@@ -16829,7 +16829,7 @@
         <p:spPr>
           <a:xfrm>
             <a:off x="228600" y="1600200"/>
-            <a:ext cx="3650040" cy="1592640"/>
+            <a:ext cx="3649680" cy="1592280"/>
           </a:xfrm>
           <a:prstGeom prst="rect">
             <a:avLst/>
@@ -16853,7 +16853,7 @@
             <a:noAutofit/>
           </a:bodyPr>
           <a:p>
-            <a:pPr marL="432000" indent="-317160">
+            <a:pPr marL="432000" indent="-316800">
               <a:lnSpc>
                 <a:spcPct val="100000"/>
               </a:lnSpc>
@@ -16952,7 +16952,7 @@
         <p:spPr>
           <a:xfrm>
             <a:off x="10515600" y="6202080"/>
-            <a:ext cx="1589760" cy="416880"/>
+            <a:ext cx="1589400" cy="416520"/>
           </a:xfrm>
           <a:prstGeom prst="rect">
             <a:avLst/>
@@ -16978,7 +16978,7 @@
                 <a:spcPct val="100000"/>
               </a:lnSpc>
             </a:pPr>
-            <a:fld id="{F7B885FC-A3C7-4C0D-93E0-58D999A74815}" type="slidenum">
+            <a:fld id="{6B89E562-5BCD-4CE8-8A6C-D1634C41971C}" type="slidenum">
               <a:rPr b="0" lang="en-US" sz="1600" spc="-1" strike="noStrike">
                 <a:solidFill>
                   <a:srgbClr val="000000"/>
@@ -17007,7 +17007,7 @@
         <p:spPr>
           <a:xfrm>
             <a:off x="8258400" y="1600200"/>
-            <a:ext cx="3849840" cy="4335840"/>
+            <a:ext cx="3849480" cy="4335480"/>
           </a:xfrm>
           <a:prstGeom prst="rect">
             <a:avLst/>
@@ -17033,7 +17033,7 @@
         <p:spPr>
           <a:xfrm>
             <a:off x="4064400" y="1600200"/>
-            <a:ext cx="4068720" cy="4335840"/>
+            <a:ext cx="4068360" cy="4335480"/>
           </a:xfrm>
           <a:prstGeom prst="rect">
             <a:avLst/>
@@ -17085,7 +17085,7 @@
         <p:spPr>
           <a:xfrm>
             <a:off x="686160" y="0"/>
-            <a:ext cx="10962360" cy="1134720"/>
+            <a:ext cx="10962000" cy="1134360"/>
           </a:xfrm>
           <a:prstGeom prst="rect">
             <a:avLst/>
@@ -17161,7 +17161,7 @@
         <p:spPr>
           <a:xfrm>
             <a:off x="228600" y="1600200"/>
-            <a:ext cx="4791600" cy="2277000"/>
+            <a:ext cx="4791240" cy="2276640"/>
           </a:xfrm>
           <a:prstGeom prst="rect">
             <a:avLst/>
@@ -17185,7 +17185,7 @@
             <a:noAutofit/>
           </a:bodyPr>
           <a:p>
-            <a:pPr marL="432000" indent="-317160">
+            <a:pPr marL="432000" indent="-316800">
               <a:lnSpc>
                 <a:spcPct val="100000"/>
               </a:lnSpc>
@@ -17214,7 +17214,7 @@
             </a:endParaRPr>
           </a:p>
           <a:p>
-            <a:pPr marL="432000" indent="-317160">
+            <a:pPr marL="432000" indent="-316800">
               <a:lnSpc>
                 <a:spcPct val="100000"/>
               </a:lnSpc>
@@ -17243,7 +17243,7 @@
             </a:endParaRPr>
           </a:p>
           <a:p>
-            <a:pPr lvl="1" marL="864000" indent="-317160">
+            <a:pPr lvl="1" marL="864000" indent="-316800">
               <a:lnSpc>
                 <a:spcPct val="100000"/>
               </a:lnSpc>
@@ -17272,7 +17272,7 @@
             </a:endParaRPr>
           </a:p>
           <a:p>
-            <a:pPr lvl="1" marL="864000" indent="-317160">
+            <a:pPr lvl="1" marL="864000" indent="-316800">
               <a:lnSpc>
                 <a:spcPct val="100000"/>
               </a:lnSpc>
@@ -17301,7 +17301,7 @@
             </a:endParaRPr>
           </a:p>
           <a:p>
-            <a:pPr marL="432000" indent="-317160">
+            <a:pPr marL="432000" indent="-316800">
               <a:lnSpc>
                 <a:spcPct val="100000"/>
               </a:lnSpc>
@@ -17360,7 +17360,7 @@
         <p:spPr>
           <a:xfrm>
             <a:off x="10515600" y="6202080"/>
-            <a:ext cx="1589760" cy="416880"/>
+            <a:ext cx="1589400" cy="416520"/>
           </a:xfrm>
           <a:prstGeom prst="rect">
             <a:avLst/>
@@ -17386,7 +17386,7 @@
                 <a:spcPct val="100000"/>
               </a:lnSpc>
             </a:pPr>
-            <a:fld id="{56A1557D-831F-4219-9B42-93CC024B4F1D}" type="slidenum">
+            <a:fld id="{4C9B3A70-345F-4E6D-90D9-2D6EA884C3C5}" type="slidenum">
               <a:rPr b="0" lang="en-US" sz="1600" spc="-1" strike="noStrike">
                 <a:solidFill>
                   <a:srgbClr val="000000"/>
@@ -17415,7 +17415,7 @@
         <p:spPr>
           <a:xfrm>
             <a:off x="228600" y="4114800"/>
-            <a:ext cx="2943360" cy="1981440"/>
+            <a:ext cx="2943000" cy="1981080"/>
           </a:xfrm>
           <a:prstGeom prst="rect">
             <a:avLst/>
@@ -17438,7 +17438,7 @@
         <p:spPr>
           <a:xfrm>
             <a:off x="6629400" y="1771920"/>
-            <a:ext cx="2152800" cy="1419480"/>
+            <a:ext cx="2152440" cy="1419120"/>
           </a:xfrm>
           <a:prstGeom prst="rect">
             <a:avLst/>
@@ -17464,7 +17464,7 @@
         <p:spPr>
           <a:xfrm>
             <a:off x="9258480" y="1828800"/>
-            <a:ext cx="1935000" cy="3820680"/>
+            <a:ext cx="1934640" cy="3820320"/>
           </a:xfrm>
           <a:prstGeom prst="rect">
             <a:avLst/>
@@ -17516,7 +17516,7 @@
         <p:spPr>
           <a:xfrm>
             <a:off x="686160" y="0"/>
-            <a:ext cx="10962360" cy="1134720"/>
+            <a:ext cx="10962000" cy="1134360"/>
           </a:xfrm>
           <a:prstGeom prst="rect">
             <a:avLst/>
@@ -17592,7 +17592,7 @@
         <p:spPr>
           <a:xfrm>
             <a:off x="228600" y="1600200"/>
-            <a:ext cx="5020200" cy="2505600"/>
+            <a:ext cx="5019840" cy="2505240"/>
           </a:xfrm>
           <a:prstGeom prst="rect">
             <a:avLst/>
@@ -17616,7 +17616,7 @@
             <a:noAutofit/>
           </a:bodyPr>
           <a:p>
-            <a:pPr marL="432000" indent="-317160">
+            <a:pPr marL="432000" indent="-316800">
               <a:lnSpc>
                 <a:spcPct val="100000"/>
               </a:lnSpc>
@@ -17645,7 +17645,7 @@
             </a:endParaRPr>
           </a:p>
           <a:p>
-            <a:pPr marL="432000" indent="-317160">
+            <a:pPr marL="432000" indent="-316800">
               <a:lnSpc>
                 <a:spcPct val="100000"/>
               </a:lnSpc>
@@ -17674,7 +17674,7 @@
             </a:endParaRPr>
           </a:p>
           <a:p>
-            <a:pPr lvl="1" marL="864000" indent="-317160">
+            <a:pPr lvl="1" marL="864000" indent="-316800">
               <a:lnSpc>
                 <a:spcPct val="100000"/>
               </a:lnSpc>
@@ -17703,7 +17703,7 @@
             </a:endParaRPr>
           </a:p>
           <a:p>
-            <a:pPr lvl="1" marL="864000" indent="-317160">
+            <a:pPr lvl="1" marL="864000" indent="-316800">
               <a:lnSpc>
                 <a:spcPct val="100000"/>
               </a:lnSpc>
@@ -17732,7 +17732,7 @@
             </a:endParaRPr>
           </a:p>
           <a:p>
-            <a:pPr marL="432000" indent="-317160">
+            <a:pPr marL="432000" indent="-316800">
               <a:lnSpc>
                 <a:spcPct val="100000"/>
               </a:lnSpc>
@@ -17791,7 +17791,7 @@
         <p:spPr>
           <a:xfrm>
             <a:off x="10515600" y="6202080"/>
-            <a:ext cx="1589760" cy="416880"/>
+            <a:ext cx="1589400" cy="416520"/>
           </a:xfrm>
           <a:prstGeom prst="rect">
             <a:avLst/>
@@ -17817,7 +17817,7 @@
                 <a:spcPct val="100000"/>
               </a:lnSpc>
             </a:pPr>
-            <a:fld id="{9D271BAE-3F25-45A3-A309-F5F9E49F4565}" type="slidenum">
+            <a:fld id="{5FF7CF5D-C51A-4C97-AA55-659EC590F0B4}" type="slidenum">
               <a:rPr b="0" lang="en-US" sz="1600" spc="-1" strike="noStrike">
                 <a:solidFill>
                   <a:srgbClr val="000000"/>
@@ -17846,7 +17846,7 @@
         <p:spPr>
           <a:xfrm>
             <a:off x="6858000" y="1595520"/>
-            <a:ext cx="1933920" cy="1171800"/>
+            <a:ext cx="1933560" cy="1171440"/>
           </a:xfrm>
           <a:prstGeom prst="rect">
             <a:avLst/>
@@ -17872,7 +17872,7 @@
         <p:spPr>
           <a:xfrm>
             <a:off x="486000" y="4343400"/>
-            <a:ext cx="2476800" cy="1981440"/>
+            <a:ext cx="2476440" cy="1981080"/>
           </a:xfrm>
           <a:prstGeom prst="rect">
             <a:avLst/>
@@ -17895,7 +17895,7 @@
         <p:spPr>
           <a:xfrm>
             <a:off x="9372600" y="1600200"/>
-            <a:ext cx="1935000" cy="4039920"/>
+            <a:ext cx="1934640" cy="4039560"/>
           </a:xfrm>
           <a:prstGeom prst="rect">
             <a:avLst/>
@@ -17947,7 +17947,7 @@
         <p:spPr>
           <a:xfrm>
             <a:off x="686160" y="0"/>
-            <a:ext cx="10962360" cy="1134720"/>
+            <a:ext cx="10962000" cy="1134360"/>
           </a:xfrm>
           <a:prstGeom prst="rect">
             <a:avLst/>
@@ -18013,7 +18013,7 @@
         <p:spPr>
           <a:xfrm>
             <a:off x="-228600" y="1371600"/>
-            <a:ext cx="4106520" cy="5020920"/>
+            <a:ext cx="4106160" cy="5020560"/>
           </a:xfrm>
           <a:prstGeom prst="rect">
             <a:avLst/>
@@ -18037,7 +18037,7 @@
             <a:noAutofit/>
           </a:bodyPr>
           <a:p>
-            <a:pPr marL="432000" indent="-317160">
+            <a:pPr marL="432000" indent="-316800">
               <a:lnSpc>
                 <a:spcPct val="100000"/>
               </a:lnSpc>
@@ -18066,7 +18066,7 @@
             </a:endParaRPr>
           </a:p>
           <a:p>
-            <a:pPr lvl="1" marL="864000" indent="-317160">
+            <a:pPr lvl="1" marL="864000" indent="-316800">
               <a:lnSpc>
                 <a:spcPct val="100000"/>
               </a:lnSpc>
@@ -18105,7 +18105,7 @@
             </a:endParaRPr>
           </a:p>
           <a:p>
-            <a:pPr lvl="1" marL="864000" indent="-317160">
+            <a:pPr lvl="1" marL="864000" indent="-316800">
               <a:lnSpc>
                 <a:spcPct val="100000"/>
               </a:lnSpc>
@@ -18134,7 +18134,7 @@
             </a:endParaRPr>
           </a:p>
           <a:p>
-            <a:pPr lvl="1" marL="864000" indent="-317160">
+            <a:pPr lvl="1" marL="864000" indent="-316800">
               <a:lnSpc>
                 <a:spcPct val="100000"/>
               </a:lnSpc>
@@ -18163,7 +18163,7 @@
             </a:endParaRPr>
           </a:p>
           <a:p>
-            <a:pPr marL="432000" indent="-317160">
+            <a:pPr marL="432000" indent="-316800">
               <a:lnSpc>
                 <a:spcPct val="100000"/>
               </a:lnSpc>
@@ -18192,7 +18192,7 @@
             </a:endParaRPr>
           </a:p>
           <a:p>
-            <a:pPr lvl="1" marL="864000" indent="-317160">
+            <a:pPr lvl="1" marL="864000" indent="-316800">
               <a:lnSpc>
                 <a:spcPct val="100000"/>
               </a:lnSpc>
@@ -18221,7 +18221,7 @@
             </a:endParaRPr>
           </a:p>
           <a:p>
-            <a:pPr lvl="1" marL="864000" indent="-317160">
+            <a:pPr lvl="1" marL="864000" indent="-316800">
               <a:lnSpc>
                 <a:spcPct val="100000"/>
               </a:lnSpc>
@@ -18250,7 +18250,7 @@
             </a:endParaRPr>
           </a:p>
           <a:p>
-            <a:pPr lvl="1" marL="864000" indent="-317160">
+            <a:pPr lvl="1" marL="864000" indent="-316800">
               <a:lnSpc>
                 <a:spcPct val="100000"/>
               </a:lnSpc>
@@ -18289,7 +18289,7 @@
         <p:spPr>
           <a:xfrm>
             <a:off x="10515600" y="6202080"/>
-            <a:ext cx="1589760" cy="416880"/>
+            <a:ext cx="1589400" cy="416520"/>
           </a:xfrm>
           <a:prstGeom prst="rect">
             <a:avLst/>
@@ -18315,7 +18315,7 @@
                 <a:spcPct val="100000"/>
               </a:lnSpc>
             </a:pPr>
-            <a:fld id="{1DCA70C5-8051-4C52-8CD9-34AA513DD6B4}" type="slidenum">
+            <a:fld id="{58B7FFDB-B82F-4D60-B24B-9A6F8E7CFDD4}" type="slidenum">
               <a:rPr b="0" lang="en-US" sz="1600" spc="-1" strike="noStrike">
                 <a:solidFill>
                   <a:srgbClr val="000000"/>
@@ -18344,7 +18344,7 @@
         <p:spPr>
           <a:xfrm>
             <a:off x="4114800" y="1371600"/>
-            <a:ext cx="3791520" cy="4792680"/>
+            <a:ext cx="3791160" cy="4792320"/>
           </a:xfrm>
           <a:prstGeom prst="rect">
             <a:avLst/>
@@ -18370,7 +18370,7 @@
         <p:spPr>
           <a:xfrm>
             <a:off x="8353800" y="1371600"/>
-            <a:ext cx="3296880" cy="4792680"/>
+            <a:ext cx="3296520" cy="4792320"/>
           </a:xfrm>
           <a:prstGeom prst="rect">
             <a:avLst/>
@@ -18422,7 +18422,7 @@
         <p:spPr>
           <a:xfrm>
             <a:off x="686160" y="0"/>
-            <a:ext cx="10962360" cy="1134720"/>
+            <a:ext cx="10962000" cy="1134360"/>
           </a:xfrm>
           <a:prstGeom prst="rect">
             <a:avLst/>
@@ -18488,7 +18488,7 @@
         <p:spPr>
           <a:xfrm>
             <a:off x="10515600" y="6202080"/>
-            <a:ext cx="1589760" cy="416880"/>
+            <a:ext cx="1589400" cy="416520"/>
           </a:xfrm>
           <a:prstGeom prst="rect">
             <a:avLst/>
@@ -18514,7 +18514,7 @@
                 <a:spcPct val="100000"/>
               </a:lnSpc>
             </a:pPr>
-            <a:fld id="{2D71CF78-4FAD-4E8B-ABD1-35A673C5C901}" type="slidenum">
+            <a:fld id="{98DF67FD-2D3A-442F-8591-7BC209FB71AF}" type="slidenum">
               <a:rPr b="0" lang="en-US" sz="1600" spc="-1" strike="noStrike">
                 <a:solidFill>
                   <a:srgbClr val="000000"/>
@@ -18543,7 +18543,7 @@
         <p:spPr>
           <a:xfrm>
             <a:off x="4315320" y="1159200"/>
-            <a:ext cx="3315960" cy="5250240"/>
+            <a:ext cx="3315600" cy="5249880"/>
           </a:xfrm>
           <a:prstGeom prst="rect">
             <a:avLst/>
@@ -18595,7 +18595,7 @@
         <p:spPr>
           <a:xfrm>
             <a:off x="686160" y="0"/>
-            <a:ext cx="10962360" cy="1134720"/>
+            <a:ext cx="10962000" cy="1134360"/>
           </a:xfrm>
           <a:prstGeom prst="rect">
             <a:avLst/>
@@ -18661,7 +18661,7 @@
         <p:spPr>
           <a:xfrm>
             <a:off x="228600" y="1371600"/>
-            <a:ext cx="3420360" cy="3420360"/>
+            <a:ext cx="3420000" cy="3420000"/>
           </a:xfrm>
           <a:prstGeom prst="rect">
             <a:avLst/>
@@ -18685,7 +18685,7 @@
             <a:noAutofit/>
           </a:bodyPr>
           <a:p>
-            <a:pPr marL="432000" indent="-317160">
+            <a:pPr marL="432000" indent="-316800">
               <a:lnSpc>
                 <a:spcPct val="100000"/>
               </a:lnSpc>
@@ -18744,7 +18744,7 @@
         <p:spPr>
           <a:xfrm>
             <a:off x="10515600" y="6202080"/>
-            <a:ext cx="1589760" cy="416880"/>
+            <a:ext cx="1589400" cy="416520"/>
           </a:xfrm>
           <a:prstGeom prst="rect">
             <a:avLst/>
@@ -18770,7 +18770,7 @@
                 <a:spcPct val="100000"/>
               </a:lnSpc>
             </a:pPr>
-            <a:fld id="{A5AC6DCE-52C5-4E0E-8986-31777DC380F0}" type="slidenum">
+            <a:fld id="{6BFCA8B7-644F-4011-8FD0-B1E2E60AE8FA}" type="slidenum">
               <a:rPr b="0" lang="en-US" sz="1600" spc="-1" strike="noStrike">
                 <a:solidFill>
                   <a:srgbClr val="000000"/>
@@ -18799,7 +18799,7 @@
         <p:spPr>
           <a:xfrm>
             <a:off x="3762720" y="1371600"/>
-            <a:ext cx="4230360" cy="4563000"/>
+            <a:ext cx="4230000" cy="4562640"/>
           </a:xfrm>
           <a:prstGeom prst="rect">
             <a:avLst/>
@@ -18825,7 +18825,7 @@
         <p:spPr>
           <a:xfrm>
             <a:off x="8321040" y="1371600"/>
-            <a:ext cx="3088800" cy="4565520"/>
+            <a:ext cx="3088440" cy="4565160"/>
           </a:xfrm>
           <a:prstGeom prst="rect">
             <a:avLst/>
@@ -18877,7 +18877,7 @@
         <p:spPr>
           <a:xfrm>
             <a:off x="686160" y="0"/>
-            <a:ext cx="10962360" cy="1134720"/>
+            <a:ext cx="10962000" cy="1134360"/>
           </a:xfrm>
           <a:prstGeom prst="rect">
             <a:avLst/>
@@ -18943,7 +18943,7 @@
         <p:spPr>
           <a:xfrm>
             <a:off x="228600" y="1371600"/>
-            <a:ext cx="5068440" cy="1548000"/>
+            <a:ext cx="5068080" cy="1547640"/>
           </a:xfrm>
           <a:prstGeom prst="rect">
             <a:avLst/>
@@ -18967,7 +18967,7 @@
             <a:noAutofit/>
           </a:bodyPr>
           <a:p>
-            <a:pPr marL="432000" indent="-317160">
+            <a:pPr marL="432000" indent="-316800">
               <a:lnSpc>
                 <a:spcPct val="100000"/>
               </a:lnSpc>
@@ -18996,7 +18996,7 @@
             </a:endParaRPr>
           </a:p>
           <a:p>
-            <a:pPr marL="432000" indent="-317160">
+            <a:pPr marL="432000" indent="-316800">
               <a:lnSpc>
                 <a:spcPct val="100000"/>
               </a:lnSpc>
@@ -19025,7 +19025,7 @@
             </a:endParaRPr>
           </a:p>
           <a:p>
-            <a:pPr marL="432000" indent="-317160">
+            <a:pPr marL="432000" indent="-316800">
               <a:lnSpc>
                 <a:spcPct val="100000"/>
               </a:lnSpc>
@@ -19064,7 +19064,7 @@
         <p:spPr>
           <a:xfrm>
             <a:off x="10515600" y="6202080"/>
-            <a:ext cx="1589760" cy="416880"/>
+            <a:ext cx="1589400" cy="416520"/>
           </a:xfrm>
           <a:prstGeom prst="rect">
             <a:avLst/>
@@ -19090,7 +19090,7 @@
                 <a:spcPct val="100000"/>
               </a:lnSpc>
             </a:pPr>
-            <a:fld id="{EA3980B3-FCEF-4EC3-8397-FBDE73B6F74C}" type="slidenum">
+            <a:fld id="{EEF58058-4F79-4277-984C-B89A3AA8987F}" type="slidenum">
               <a:rPr b="0" lang="en-US" sz="1600" spc="-1" strike="noStrike">
                 <a:solidFill>
                   <a:srgbClr val="000000"/>
@@ -19119,7 +19119,7 @@
         <p:spPr>
           <a:xfrm>
             <a:off x="5945040" y="1421640"/>
-            <a:ext cx="3651480" cy="4607280"/>
+            <a:ext cx="3651120" cy="4606920"/>
           </a:xfrm>
           <a:prstGeom prst="rect">
             <a:avLst/>
@@ -19174,7 +19174,7 @@
         <p:spPr>
           <a:xfrm>
             <a:off x="686160" y="0"/>
-            <a:ext cx="10962360" cy="1134720"/>
+            <a:ext cx="10962000" cy="1134360"/>
           </a:xfrm>
           <a:prstGeom prst="rect">
             <a:avLst/>
@@ -19240,7 +19240,7 @@
         <p:spPr>
           <a:xfrm>
             <a:off x="685800" y="1280160"/>
-            <a:ext cx="7448400" cy="1227600"/>
+            <a:ext cx="7448040" cy="1227240"/>
           </a:xfrm>
           <a:prstGeom prst="rect">
             <a:avLst/>
@@ -19264,7 +19264,7 @@
             <a:noAutofit/>
           </a:bodyPr>
           <a:p>
-            <a:pPr marL="432000" indent="-317160">
+            <a:pPr marL="432000" indent="-316800">
               <a:lnSpc>
                 <a:spcPct val="100000"/>
               </a:lnSpc>
@@ -19293,7 +19293,7 @@
             </a:endParaRPr>
           </a:p>
           <a:p>
-            <a:pPr marL="432000" indent="-317160">
+            <a:pPr marL="432000" indent="-316800">
               <a:lnSpc>
                 <a:spcPct val="100000"/>
               </a:lnSpc>
@@ -19367,7 +19367,7 @@
         <p:spPr>
           <a:xfrm>
             <a:off x="10515600" y="6202080"/>
-            <a:ext cx="1589760" cy="416880"/>
+            <a:ext cx="1589400" cy="416520"/>
           </a:xfrm>
           <a:prstGeom prst="rect">
             <a:avLst/>
@@ -19393,7 +19393,7 @@
                 <a:spcPct val="100000"/>
               </a:lnSpc>
             </a:pPr>
-            <a:fld id="{5696E01A-A029-4BBC-93FE-453D52B210B7}" type="slidenum">
+            <a:fld id="{7298A1CB-1D4C-42F1-B560-4E637C6A64CC}" type="slidenum">
               <a:rPr b="0" lang="en-US" sz="1600" spc="-1" strike="noStrike">
                 <a:solidFill>
                   <a:srgbClr val="000000"/>
@@ -19422,7 +19422,7 @@
         <p:spPr>
           <a:xfrm>
             <a:off x="724320" y="2971800"/>
-            <a:ext cx="4526640" cy="1710720"/>
+            <a:ext cx="4526280" cy="1710360"/>
           </a:xfrm>
           <a:prstGeom prst="rect">
             <a:avLst/>
@@ -19474,7 +19474,7 @@
         <p:spPr>
           <a:xfrm>
             <a:off x="686160" y="0"/>
-            <a:ext cx="10962360" cy="1134720"/>
+            <a:ext cx="10962000" cy="1134360"/>
           </a:xfrm>
           <a:prstGeom prst="rect">
             <a:avLst/>
@@ -19540,7 +19540,7 @@
         <p:spPr>
           <a:xfrm>
             <a:off x="10515600" y="6202080"/>
-            <a:ext cx="1589760" cy="416880"/>
+            <a:ext cx="1589400" cy="416520"/>
           </a:xfrm>
           <a:prstGeom prst="rect">
             <a:avLst/>
@@ -19566,7 +19566,7 @@
                 <a:spcPct val="100000"/>
               </a:lnSpc>
             </a:pPr>
-            <a:fld id="{37FF1B94-8EA8-4BBB-A3D6-D92B2EA63E59}" type="slidenum">
+            <a:fld id="{FFAE321C-13F1-4EDE-9D87-85E02733EF40}" type="slidenum">
               <a:rPr b="0" lang="en-US" sz="1600" spc="-1" strike="noStrike">
                 <a:solidFill>
                   <a:srgbClr val="000000"/>
@@ -19595,7 +19595,7 @@
         <p:spPr>
           <a:xfrm>
             <a:off x="228600" y="2926080"/>
-            <a:ext cx="8451360" cy="2209680"/>
+            <a:ext cx="8451000" cy="2209320"/>
           </a:xfrm>
           <a:prstGeom prst="rect">
             <a:avLst/>
@@ -19621,7 +19621,7 @@
         <p:spPr>
           <a:xfrm>
             <a:off x="8828640" y="1141560"/>
-            <a:ext cx="3026520" cy="5252400"/>
+            <a:ext cx="3026160" cy="5252040"/>
           </a:xfrm>
           <a:prstGeom prst="rect">
             <a:avLst/>
@@ -19643,7 +19643,7 @@
         <p:spPr>
           <a:xfrm>
             <a:off x="365760" y="1515600"/>
-            <a:ext cx="7448400" cy="1227600"/>
+            <a:ext cx="7448040" cy="1227240"/>
           </a:xfrm>
           <a:prstGeom prst="rect">
             <a:avLst/>
@@ -19667,7 +19667,7 @@
             <a:noAutofit/>
           </a:bodyPr>
           <a:p>
-            <a:pPr marL="432000" indent="-317160">
+            <a:pPr marL="432000" indent="-316800">
               <a:lnSpc>
                 <a:spcPct val="100000"/>
               </a:lnSpc>
@@ -19696,7 +19696,7 @@
             </a:endParaRPr>
           </a:p>
           <a:p>
-            <a:pPr marL="432000" indent="-317160">
+            <a:pPr marL="432000" indent="-316800">
               <a:lnSpc>
                 <a:spcPct val="100000"/>
               </a:lnSpc>
@@ -19718,22 +19718,12 @@
                 <a:latin typeface="Arial"/>
                 <a:ea typeface="DejaVu Sans"/>
               </a:rPr>
-              <a:t>User </a:t>
-            </a:r>
-            <a:r>
-              <a:rPr b="0" lang="en-US" sz="1800" spc="-1" strike="noStrike">
-                <a:solidFill>
-                  <a:srgbClr val="3c3e41"/>
-                </a:solidFill>
-                <a:latin typeface="Arial"/>
-                <a:ea typeface="DejaVu Sans"/>
-              </a:rPr>
-              <a:t>interface tool (refer to “</a:t>
+              <a:t>User interface tool (refer to “</a:t>
             </a:r>
             <a:r>
               <a:rPr b="0" lang="en-US" sz="1800" spc="-1" strike="noStrike" u="sng">
                 <a:solidFill>
-                  <a:srgbClr val="3465a4"/>
+                  <a:srgbClr val="0094d5"/>
                 </a:solidFill>
                 <a:uFillTx/>
                 <a:latin typeface="Arial"/>
@@ -19810,7 +19800,7 @@
         <p:spPr>
           <a:xfrm>
             <a:off x="3429000" y="376920"/>
-            <a:ext cx="5699520" cy="527040"/>
+            <a:ext cx="5699160" cy="526680"/>
           </a:xfrm>
           <a:prstGeom prst="rect">
             <a:avLst/>
@@ -19864,7 +19854,7 @@
         <p:spPr>
           <a:xfrm>
             <a:off x="10515600" y="6202080"/>
-            <a:ext cx="1589760" cy="416880"/>
+            <a:ext cx="1589400" cy="416520"/>
           </a:xfrm>
           <a:prstGeom prst="rect">
             <a:avLst/>
@@ -19890,7 +19880,7 @@
                 <a:spcPct val="100000"/>
               </a:lnSpc>
             </a:pPr>
-            <a:fld id="{83C01CBD-78F8-4B94-A61A-37A06D07718C}" type="slidenum">
+            <a:fld id="{B4609DF8-B1F4-4B01-B395-A432C203BA6C}" type="slidenum">
               <a:rPr b="0" lang="en-US" sz="1600" spc="-1" strike="noStrike">
                 <a:solidFill>
                   <a:srgbClr val="000000"/>
@@ -19919,7 +19909,7 @@
         <p:spPr>
           <a:xfrm>
             <a:off x="4114800" y="2105280"/>
-            <a:ext cx="4639320" cy="3143880"/>
+            <a:ext cx="4638960" cy="3143520"/>
           </a:xfrm>
           <a:prstGeom prst="rect">
             <a:avLst/>
@@ -19968,7 +19958,7 @@
         <p:spPr>
           <a:xfrm>
             <a:off x="5809320" y="1506960"/>
-            <a:ext cx="5204520" cy="3832560"/>
+            <a:ext cx="5204160" cy="3832200"/>
           </a:xfrm>
           <a:prstGeom prst="rect">
             <a:avLst/>
@@ -19989,7 +19979,7 @@
             <a:noAutofit/>
           </a:bodyPr>
           <a:p>
-            <a:pPr marL="343080" indent="-336240">
+            <a:pPr marL="343080" indent="-335880">
               <a:lnSpc>
                 <a:spcPct val="90000"/>
               </a:lnSpc>
@@ -20017,7 +20007,7 @@
             </a:endParaRPr>
           </a:p>
           <a:p>
-            <a:pPr lvl="1" marL="800280" indent="-336240">
+            <a:pPr lvl="1" marL="800280" indent="-335880">
               <a:lnSpc>
                 <a:spcPct val="90000"/>
               </a:lnSpc>
@@ -20045,7 +20035,7 @@
             </a:endParaRPr>
           </a:p>
           <a:p>
-            <a:pPr lvl="1" marL="800280" indent="-336240">
+            <a:pPr lvl="1" marL="800280" indent="-335880">
               <a:lnSpc>
                 <a:spcPct val="90000"/>
               </a:lnSpc>
@@ -20073,7 +20063,7 @@
             </a:endParaRPr>
           </a:p>
           <a:p>
-            <a:pPr marL="343080" indent="-336240">
+            <a:pPr marL="343080" indent="-335880">
               <a:lnSpc>
                 <a:spcPct val="90000"/>
               </a:lnSpc>
@@ -20101,7 +20091,7 @@
             </a:endParaRPr>
           </a:p>
           <a:p>
-            <a:pPr marL="343080" indent="-336240">
+            <a:pPr marL="343080" indent="-335880">
               <a:lnSpc>
                 <a:spcPct val="90000"/>
               </a:lnSpc>
@@ -20129,7 +20119,7 @@
             </a:endParaRPr>
           </a:p>
           <a:p>
-            <a:pPr lvl="1" marL="800280" indent="-336240">
+            <a:pPr lvl="1" marL="800280" indent="-335880">
               <a:lnSpc>
                 <a:spcPct val="90000"/>
               </a:lnSpc>
@@ -20157,7 +20147,7 @@
             </a:endParaRPr>
           </a:p>
           <a:p>
-            <a:pPr lvl="1" marL="800280" indent="-336240">
+            <a:pPr lvl="1" marL="800280" indent="-335880">
               <a:lnSpc>
                 <a:spcPct val="90000"/>
               </a:lnSpc>
@@ -20185,7 +20175,7 @@
             </a:endParaRPr>
           </a:p>
           <a:p>
-            <a:pPr lvl="1" marL="800280" indent="-336240">
+            <a:pPr lvl="1" marL="800280" indent="-335880">
               <a:lnSpc>
                 <a:spcPct val="90000"/>
               </a:lnSpc>
@@ -20213,7 +20203,7 @@
             </a:endParaRPr>
           </a:p>
           <a:p>
-            <a:pPr lvl="1" marL="800280" indent="-336240">
+            <a:pPr lvl="1" marL="800280" indent="-335880">
               <a:lnSpc>
                 <a:spcPct val="90000"/>
               </a:lnSpc>
@@ -20241,7 +20231,7 @@
             </a:endParaRPr>
           </a:p>
           <a:p>
-            <a:pPr lvl="1" marL="800280" indent="-336240">
+            <a:pPr lvl="1" marL="800280" indent="-335880">
               <a:lnSpc>
                 <a:spcPct val="90000"/>
               </a:lnSpc>
@@ -20269,7 +20259,7 @@
             </a:endParaRPr>
           </a:p>
           <a:p>
-            <a:pPr lvl="1" marL="800280" indent="-336240">
+            <a:pPr lvl="1" marL="800280" indent="-335880">
               <a:lnSpc>
                 <a:spcPct val="90000"/>
               </a:lnSpc>
@@ -20297,7 +20287,7 @@
             </a:endParaRPr>
           </a:p>
           <a:p>
-            <a:pPr lvl="1" marL="800280" indent="-336240">
+            <a:pPr lvl="1" marL="800280" indent="-335880">
               <a:lnSpc>
                 <a:spcPct val="90000"/>
               </a:lnSpc>
@@ -20325,7 +20315,7 @@
             </a:endParaRPr>
           </a:p>
           <a:p>
-            <a:pPr marL="343080" indent="-336240">
+            <a:pPr marL="343080" indent="-335880">
               <a:lnSpc>
                 <a:spcPct val="90000"/>
               </a:lnSpc>
@@ -20353,7 +20343,7 @@
             </a:endParaRPr>
           </a:p>
           <a:p>
-            <a:pPr lvl="1" marL="800280" indent="-336240">
+            <a:pPr lvl="1" marL="800280" indent="-335880">
               <a:lnSpc>
                 <a:spcPct val="90000"/>
               </a:lnSpc>
@@ -20381,7 +20371,7 @@
             </a:endParaRPr>
           </a:p>
           <a:p>
-            <a:pPr lvl="1" marL="800280" indent="-336240">
+            <a:pPr lvl="1" marL="800280" indent="-335880">
               <a:lnSpc>
                 <a:spcPct val="90000"/>
               </a:lnSpc>
@@ -20492,7 +20482,7 @@
         <p:spPr>
           <a:xfrm>
             <a:off x="686160" y="0"/>
-            <a:ext cx="10962360" cy="1134720"/>
+            <a:ext cx="10962000" cy="1134360"/>
           </a:xfrm>
           <a:prstGeom prst="rect">
             <a:avLst/>
@@ -20558,7 +20548,7 @@
         <p:spPr>
           <a:xfrm>
             <a:off x="6761520" y="1600200"/>
-            <a:ext cx="5344200" cy="900000"/>
+            <a:ext cx="5343840" cy="899640"/>
           </a:xfrm>
           <a:prstGeom prst="rect">
             <a:avLst/>
@@ -20606,7 +20596,7 @@
             </a:endParaRPr>
           </a:p>
           <a:p>
-            <a:pPr marL="432000" indent="-317160">
+            <a:pPr marL="432000" indent="-316800">
               <a:lnSpc>
                 <a:spcPct val="100000"/>
               </a:lnSpc>
@@ -20649,7 +20639,7 @@
                 <a:latin typeface="Arial"/>
                 <a:ea typeface="DejaVu Sans"/>
               </a:rPr>
-              <a:t>, VPA, CA (not recommended)</a:t>
+              <a:t>, VPA, CA</a:t>
             </a:r>
             <a:endParaRPr b="0" lang="en-US" sz="1800" spc="-1" strike="noStrike">
               <a:latin typeface="Arial"/>
@@ -20666,7 +20656,7 @@
         <p:spPr>
           <a:xfrm>
             <a:off x="10515600" y="6202080"/>
-            <a:ext cx="1589760" cy="416880"/>
+            <a:ext cx="1589400" cy="416520"/>
           </a:xfrm>
           <a:prstGeom prst="rect">
             <a:avLst/>
@@ -20692,7 +20682,7 @@
                 <a:spcPct val="100000"/>
               </a:lnSpc>
             </a:pPr>
-            <a:fld id="{CF335B94-9086-4003-ADB3-71B738E39532}" type="slidenum">
+            <a:fld id="{6242E85D-37BE-442B-B6D2-C9C050C12437}" type="slidenum">
               <a:rPr b="0" lang="en-US" sz="1600" spc="-1" strike="noStrike">
                 <a:solidFill>
                   <a:srgbClr val="000000"/>
@@ -20717,7 +20707,7 @@
         <p:spPr>
           <a:xfrm>
             <a:off x="132120" y="1600200"/>
-            <a:ext cx="5344200" cy="900000"/>
+            <a:ext cx="5343840" cy="899640"/>
           </a:xfrm>
           <a:prstGeom prst="rect">
             <a:avLst/>
@@ -20764,7 +20754,7 @@
             </a:endParaRPr>
           </a:p>
           <a:p>
-            <a:pPr marL="432000" indent="-317160">
+            <a:pPr marL="432000" indent="-316800">
               <a:lnSpc>
                 <a:spcPct val="100000"/>
               </a:lnSpc>
@@ -20807,7 +20797,7 @@
         <p:spPr>
           <a:xfrm>
             <a:off x="1828800" y="2696040"/>
-            <a:ext cx="7323840" cy="3237480"/>
+            <a:ext cx="7323480" cy="3237120"/>
           </a:xfrm>
           <a:prstGeom prst="rect">
             <a:avLst/>
@@ -20856,7 +20846,7 @@
         <p:spPr>
           <a:xfrm>
             <a:off x="686160" y="0"/>
-            <a:ext cx="10962360" cy="1134720"/>
+            <a:ext cx="10962000" cy="1134360"/>
           </a:xfrm>
           <a:prstGeom prst="rect">
             <a:avLst/>
@@ -20922,7 +20912,7 @@
         <p:spPr>
           <a:xfrm>
             <a:off x="5593320" y="1611360"/>
-            <a:ext cx="6512400" cy="900000"/>
+            <a:ext cx="6512040" cy="899640"/>
           </a:xfrm>
           <a:prstGeom prst="rect">
             <a:avLst/>
@@ -20970,7 +20960,7 @@
             </a:endParaRPr>
           </a:p>
           <a:p>
-            <a:pPr marL="432000" indent="-317160">
+            <a:pPr marL="432000" indent="-316800">
               <a:lnSpc>
                 <a:spcPct val="100000"/>
               </a:lnSpc>
@@ -21009,7 +20999,7 @@
         <p:spPr>
           <a:xfrm>
             <a:off x="10515600" y="6202080"/>
-            <a:ext cx="1589760" cy="416880"/>
+            <a:ext cx="1589400" cy="416520"/>
           </a:xfrm>
           <a:prstGeom prst="rect">
             <a:avLst/>
@@ -21035,7 +21025,7 @@
                 <a:spcPct val="100000"/>
               </a:lnSpc>
             </a:pPr>
-            <a:fld id="{25B02FED-C038-4706-88BF-3A93AC514E37}" type="slidenum">
+            <a:fld id="{09C97359-E465-49A3-AC35-6146F6417086}" type="slidenum">
               <a:rPr b="0" lang="en-US" sz="1600" spc="-1" strike="noStrike">
                 <a:solidFill>
                   <a:srgbClr val="000000"/>
@@ -21060,7 +21050,7 @@
         <p:spPr>
           <a:xfrm>
             <a:off x="0" y="1600200"/>
-            <a:ext cx="5476320" cy="900000"/>
+            <a:ext cx="5475960" cy="899640"/>
           </a:xfrm>
           <a:prstGeom prst="rect">
             <a:avLst/>
@@ -21107,7 +21097,7 @@
             </a:endParaRPr>
           </a:p>
           <a:p>
-            <a:pPr marL="432000" indent="-317160">
+            <a:pPr marL="432000" indent="-316800">
               <a:lnSpc>
                 <a:spcPct val="100000"/>
               </a:lnSpc>
@@ -21150,7 +21140,7 @@
         <p:spPr>
           <a:xfrm>
             <a:off x="360" y="2692080"/>
-            <a:ext cx="11876760" cy="3605760"/>
+            <a:ext cx="11876400" cy="3605400"/>
           </a:xfrm>
           <a:prstGeom prst="rect">
             <a:avLst/>
@@ -21199,7 +21189,7 @@
         <p:spPr>
           <a:xfrm>
             <a:off x="686160" y="0"/>
-            <a:ext cx="10962360" cy="1134720"/>
+            <a:ext cx="10962000" cy="1134360"/>
           </a:xfrm>
           <a:prstGeom prst="rect">
             <a:avLst/>
@@ -21265,7 +21255,7 @@
         <p:spPr>
           <a:xfrm>
             <a:off x="5593320" y="1611360"/>
-            <a:ext cx="6512400" cy="900000"/>
+            <a:ext cx="6512040" cy="899640"/>
           </a:xfrm>
           <a:prstGeom prst="rect">
             <a:avLst/>
@@ -21313,7 +21303,7 @@
             </a:endParaRPr>
           </a:p>
           <a:p>
-            <a:pPr marL="432000" indent="-317160">
+            <a:pPr marL="432000" indent="-316800">
               <a:lnSpc>
                 <a:spcPct val="100000"/>
               </a:lnSpc>
@@ -21352,7 +21342,7 @@
         <p:spPr>
           <a:xfrm>
             <a:off x="10515600" y="6202080"/>
-            <a:ext cx="1589760" cy="416880"/>
+            <a:ext cx="1589400" cy="416520"/>
           </a:xfrm>
           <a:prstGeom prst="rect">
             <a:avLst/>
@@ -21378,7 +21368,7 @@
                 <a:spcPct val="100000"/>
               </a:lnSpc>
             </a:pPr>
-            <a:fld id="{6C58791A-9BB8-4991-A2E2-BE6A235243CB}" type="slidenum">
+            <a:fld id="{53221F77-5D80-42B9-B607-F80E53F33F15}" type="slidenum">
               <a:rPr b="0" lang="en-US" sz="1600" spc="-1" strike="noStrike">
                 <a:solidFill>
                   <a:srgbClr val="000000"/>
@@ -21403,7 +21393,7 @@
         <p:spPr>
           <a:xfrm>
             <a:off x="0" y="1600200"/>
-            <a:ext cx="5476320" cy="900000"/>
+            <a:ext cx="5475960" cy="899640"/>
           </a:xfrm>
           <a:prstGeom prst="rect">
             <a:avLst/>
@@ -21450,7 +21440,7 @@
             </a:endParaRPr>
           </a:p>
           <a:p>
-            <a:pPr marL="432000" indent="-317160">
+            <a:pPr marL="432000" indent="-316800">
               <a:lnSpc>
                 <a:spcPct val="100000"/>
               </a:lnSpc>
@@ -21493,7 +21483,7 @@
         <p:spPr>
           <a:xfrm>
             <a:off x="1600200" y="2743200"/>
-            <a:ext cx="8276400" cy="3882600"/>
+            <a:ext cx="8276040" cy="3882240"/>
           </a:xfrm>
           <a:prstGeom prst="rect">
             <a:avLst/>
@@ -21542,7 +21532,7 @@
         <p:spPr>
           <a:xfrm>
             <a:off x="686160" y="0"/>
-            <a:ext cx="10962360" cy="1134720"/>
+            <a:ext cx="10962000" cy="1134360"/>
           </a:xfrm>
           <a:prstGeom prst="rect">
             <a:avLst/>
@@ -21608,7 +21598,7 @@
         <p:spPr>
           <a:xfrm>
             <a:off x="5257800" y="1604520"/>
-            <a:ext cx="6924240" cy="900000"/>
+            <a:ext cx="6923880" cy="899640"/>
           </a:xfrm>
           <a:prstGeom prst="rect">
             <a:avLst/>
@@ -21656,7 +21646,7 @@
             </a:endParaRPr>
           </a:p>
           <a:p>
-            <a:pPr marL="432000" indent="-317160">
+            <a:pPr marL="432000" indent="-316800">
               <a:lnSpc>
                 <a:spcPct val="100000"/>
               </a:lnSpc>
@@ -21715,7 +21705,7 @@
         <p:spPr>
           <a:xfrm>
             <a:off x="10515600" y="6202080"/>
-            <a:ext cx="1589760" cy="416880"/>
+            <a:ext cx="1589400" cy="416520"/>
           </a:xfrm>
           <a:prstGeom prst="rect">
             <a:avLst/>
@@ -21741,7 +21731,7 @@
                 <a:spcPct val="100000"/>
               </a:lnSpc>
             </a:pPr>
-            <a:fld id="{A7C4D095-3914-4146-B20C-2135ACA756D4}" type="slidenum">
+            <a:fld id="{7D584DE6-00F1-4113-ADAC-86FDDC8B8964}" type="slidenum">
               <a:rPr b="0" lang="en-US" sz="1600" spc="-1" strike="noStrike">
                 <a:solidFill>
                   <a:srgbClr val="000000"/>
@@ -21766,7 +21756,7 @@
         <p:spPr>
           <a:xfrm>
             <a:off x="0" y="1600200"/>
-            <a:ext cx="4790520" cy="900000"/>
+            <a:ext cx="4790160" cy="899640"/>
           </a:xfrm>
           <a:prstGeom prst="rect">
             <a:avLst/>
@@ -21810,7 +21800,7 @@
             </a:endParaRPr>
           </a:p>
           <a:p>
-            <a:pPr marL="432000" indent="-317160">
+            <a:pPr marL="432000" indent="-316800">
               <a:lnSpc>
                 <a:spcPct val="100000"/>
               </a:lnSpc>
@@ -21853,7 +21843,7 @@
         <p:spPr>
           <a:xfrm>
             <a:off x="685800" y="2972160"/>
-            <a:ext cx="10514520" cy="3418560"/>
+            <a:ext cx="10514160" cy="3418200"/>
           </a:xfrm>
           <a:prstGeom prst="rect">
             <a:avLst/>
@@ -21902,7 +21892,7 @@
         <p:spPr>
           <a:xfrm>
             <a:off x="686160" y="0"/>
-            <a:ext cx="10962360" cy="1134720"/>
+            <a:ext cx="10962000" cy="1134360"/>
           </a:xfrm>
           <a:prstGeom prst="rect">
             <a:avLst/>
@@ -21968,7 +21958,7 @@
         <p:spPr>
           <a:xfrm>
             <a:off x="0" y="1376280"/>
-            <a:ext cx="5019480" cy="2043000"/>
+            <a:ext cx="5019120" cy="2042640"/>
           </a:xfrm>
           <a:prstGeom prst="rect">
             <a:avLst/>
@@ -21992,7 +21982,7 @@
             <a:noAutofit/>
           </a:bodyPr>
           <a:p>
-            <a:pPr marL="432000" indent="-317160">
+            <a:pPr marL="432000" indent="-316800">
               <a:lnSpc>
                 <a:spcPct val="100000"/>
               </a:lnSpc>
@@ -22021,7 +22011,7 @@
             </a:endParaRPr>
           </a:p>
           <a:p>
-            <a:pPr marL="432000" indent="-317160">
+            <a:pPr marL="432000" indent="-316800">
               <a:lnSpc>
                 <a:spcPct val="100000"/>
               </a:lnSpc>
@@ -22050,7 +22040,7 @@
             </a:endParaRPr>
           </a:p>
           <a:p>
-            <a:pPr marL="432000" indent="-317160">
+            <a:pPr marL="432000" indent="-316800">
               <a:lnSpc>
                 <a:spcPct val="100000"/>
               </a:lnSpc>
@@ -22079,7 +22069,7 @@
             </a:endParaRPr>
           </a:p>
           <a:p>
-            <a:pPr marL="432000" indent="-317160">
+            <a:pPr marL="432000" indent="-316800">
               <a:lnSpc>
                 <a:spcPct val="100000"/>
               </a:lnSpc>
@@ -22118,7 +22108,7 @@
         <p:spPr>
           <a:xfrm>
             <a:off x="10515600" y="6202080"/>
-            <a:ext cx="1589760" cy="416880"/>
+            <a:ext cx="1589400" cy="416520"/>
           </a:xfrm>
           <a:prstGeom prst="rect">
             <a:avLst/>
@@ -22144,7 +22134,7 @@
                 <a:spcPct val="100000"/>
               </a:lnSpc>
             </a:pPr>
-            <a:fld id="{B6984AF6-EB0F-4CA4-9EB4-397410174DF8}" type="slidenum">
+            <a:fld id="{9E32B662-2BEE-44A1-83DF-7F116D4ADF91}" type="slidenum">
               <a:rPr b="0" lang="en-US" sz="1600" spc="-1" strike="noStrike">
                 <a:solidFill>
                   <a:srgbClr val="000000"/>
@@ -22173,7 +22163,7 @@
         <p:spPr>
           <a:xfrm>
             <a:off x="5104080" y="1371600"/>
-            <a:ext cx="6762240" cy="4619160"/>
+            <a:ext cx="6761880" cy="4618800"/>
           </a:xfrm>
           <a:prstGeom prst="rect">
             <a:avLst/>
@@ -22222,7 +22212,7 @@
         <p:spPr>
           <a:xfrm>
             <a:off x="686160" y="0"/>
-            <a:ext cx="10962360" cy="1134720"/>
+            <a:ext cx="10962000" cy="1134360"/>
           </a:xfrm>
           <a:prstGeom prst="rect">
             <a:avLst/>
@@ -22276,7 +22266,7 @@
         <p:spPr>
           <a:xfrm>
             <a:off x="0" y="1376280"/>
-            <a:ext cx="2962080" cy="900000"/>
+            <a:ext cx="2961720" cy="899640"/>
           </a:xfrm>
           <a:prstGeom prst="rect">
             <a:avLst/>
@@ -22300,7 +22290,7 @@
             <a:noAutofit/>
           </a:bodyPr>
           <a:p>
-            <a:pPr marL="432000" indent="-317160">
+            <a:pPr marL="432000" indent="-316800">
               <a:lnSpc>
                 <a:spcPct val="100000"/>
               </a:lnSpc>
@@ -22329,7 +22319,7 @@
             </a:endParaRPr>
           </a:p>
           <a:p>
-            <a:pPr marL="432000" indent="-317160">
+            <a:pPr marL="432000" indent="-316800">
               <a:lnSpc>
                 <a:spcPct val="100000"/>
               </a:lnSpc>
@@ -22368,7 +22358,7 @@
         <p:spPr>
           <a:xfrm>
             <a:off x="10515600" y="6202080"/>
-            <a:ext cx="1589760" cy="416880"/>
+            <a:ext cx="1589400" cy="416520"/>
           </a:xfrm>
           <a:prstGeom prst="rect">
             <a:avLst/>
@@ -22394,7 +22384,7 @@
                 <a:spcPct val="100000"/>
               </a:lnSpc>
             </a:pPr>
-            <a:fld id="{72A06C73-D0BE-4153-BB85-49983719EF79}" type="slidenum">
+            <a:fld id="{EFE2E86B-2EBC-4E04-84C2-E94B2E16BDA9}" type="slidenum">
               <a:rPr b="0" lang="en-US" sz="1600" spc="-1" strike="noStrike">
                 <a:solidFill>
                   <a:srgbClr val="000000"/>
@@ -22423,7 +22413,7 @@
         <p:spPr>
           <a:xfrm>
             <a:off x="3200400" y="1371600"/>
-            <a:ext cx="8677080" cy="4790880"/>
+            <a:ext cx="8676720" cy="4790520"/>
           </a:xfrm>
           <a:prstGeom prst="rect">
             <a:avLst/>
